--- a/presentation/exp birds eye veiw.pptx
+++ b/presentation/exp birds eye veiw.pptx
@@ -104,6 +104,11 @@
       </a:defRPr>
     </a:lvl9pPr>
   </p:defaultTextStyle>
+  <p:extLst>
+    <p:ext uri="{EFAFB233-063F-42B5-8137-9DF3F51BA10A}">
+      <p15:sldGuideLst xmlns:p15="http://schemas.microsoft.com/office/powerpoint/2012/main"/>
+    </p:ext>
+  </p:extLst>
 </p:presentation>
 </file>
 
@@ -256,7 +261,7 @@
           <a:p>
             <a:fld id="{B3DC5803-524A-4535-9048-D4846558C48F}" type="datetimeFigureOut">
               <a:rPr lang="he-IL" smtClean="0"/>
-              <a:t>י"ח/כסלו/תשפ"ב</a:t>
+              <a:t>ב'/שבט/תשפ"ב</a:t>
             </a:fld>
             <a:endParaRPr lang="he-IL"/>
           </a:p>
@@ -456,7 +461,7 @@
           <a:p>
             <a:fld id="{B3DC5803-524A-4535-9048-D4846558C48F}" type="datetimeFigureOut">
               <a:rPr lang="he-IL" smtClean="0"/>
-              <a:t>י"ח/כסלו/תשפ"ב</a:t>
+              <a:t>ב'/שבט/תשפ"ב</a:t>
             </a:fld>
             <a:endParaRPr lang="he-IL"/>
           </a:p>
@@ -666,7 +671,7 @@
           <a:p>
             <a:fld id="{B3DC5803-524A-4535-9048-D4846558C48F}" type="datetimeFigureOut">
               <a:rPr lang="he-IL" smtClean="0"/>
-              <a:t>י"ח/כסלו/תשפ"ב</a:t>
+              <a:t>ב'/שבט/תשפ"ב</a:t>
             </a:fld>
             <a:endParaRPr lang="he-IL"/>
           </a:p>
@@ -866,7 +871,7 @@
           <a:p>
             <a:fld id="{B3DC5803-524A-4535-9048-D4846558C48F}" type="datetimeFigureOut">
               <a:rPr lang="he-IL" smtClean="0"/>
-              <a:t>י"ח/כסלו/תשפ"ב</a:t>
+              <a:t>ב'/שבט/תשפ"ב</a:t>
             </a:fld>
             <a:endParaRPr lang="he-IL"/>
           </a:p>
@@ -1142,7 +1147,7 @@
           <a:p>
             <a:fld id="{B3DC5803-524A-4535-9048-D4846558C48F}" type="datetimeFigureOut">
               <a:rPr lang="he-IL" smtClean="0"/>
-              <a:t>י"ח/כסלו/תשפ"ב</a:t>
+              <a:t>ב'/שבט/תשפ"ב</a:t>
             </a:fld>
             <a:endParaRPr lang="he-IL"/>
           </a:p>
@@ -1410,7 +1415,7 @@
           <a:p>
             <a:fld id="{B3DC5803-524A-4535-9048-D4846558C48F}" type="datetimeFigureOut">
               <a:rPr lang="he-IL" smtClean="0"/>
-              <a:t>י"ח/כסלו/תשפ"ב</a:t>
+              <a:t>ב'/שבט/תשפ"ב</a:t>
             </a:fld>
             <a:endParaRPr lang="he-IL"/>
           </a:p>
@@ -1825,7 +1830,7 @@
           <a:p>
             <a:fld id="{B3DC5803-524A-4535-9048-D4846558C48F}" type="datetimeFigureOut">
               <a:rPr lang="he-IL" smtClean="0"/>
-              <a:t>י"ח/כסלו/תשפ"ב</a:t>
+              <a:t>ב'/שבט/תשפ"ב</a:t>
             </a:fld>
             <a:endParaRPr lang="he-IL"/>
           </a:p>
@@ -1967,7 +1972,7 @@
           <a:p>
             <a:fld id="{B3DC5803-524A-4535-9048-D4846558C48F}" type="datetimeFigureOut">
               <a:rPr lang="he-IL" smtClean="0"/>
-              <a:t>י"ח/כסלו/תשפ"ב</a:t>
+              <a:t>ב'/שבט/תשפ"ב</a:t>
             </a:fld>
             <a:endParaRPr lang="he-IL"/>
           </a:p>
@@ -2080,7 +2085,7 @@
           <a:p>
             <a:fld id="{B3DC5803-524A-4535-9048-D4846558C48F}" type="datetimeFigureOut">
               <a:rPr lang="he-IL" smtClean="0"/>
-              <a:t>י"ח/כסלו/תשפ"ב</a:t>
+              <a:t>ב'/שבט/תשפ"ב</a:t>
             </a:fld>
             <a:endParaRPr lang="he-IL"/>
           </a:p>
@@ -2393,7 +2398,7 @@
           <a:p>
             <a:fld id="{B3DC5803-524A-4535-9048-D4846558C48F}" type="datetimeFigureOut">
               <a:rPr lang="he-IL" smtClean="0"/>
-              <a:t>י"ח/כסלו/תשפ"ב</a:t>
+              <a:t>ב'/שבט/תשפ"ב</a:t>
             </a:fld>
             <a:endParaRPr lang="he-IL"/>
           </a:p>
@@ -2682,7 +2687,7 @@
           <a:p>
             <a:fld id="{B3DC5803-524A-4535-9048-D4846558C48F}" type="datetimeFigureOut">
               <a:rPr lang="he-IL" smtClean="0"/>
-              <a:t>י"ח/כסלו/תשפ"ב</a:t>
+              <a:t>ב'/שבט/תשפ"ב</a:t>
             </a:fld>
             <a:endParaRPr lang="he-IL"/>
           </a:p>
@@ -2925,7 +2930,7 @@
           <a:p>
             <a:fld id="{B3DC5803-524A-4535-9048-D4846558C48F}" type="datetimeFigureOut">
               <a:rPr lang="he-IL" smtClean="0"/>
-              <a:t>י"ח/כסלו/תשפ"ב</a:t>
+              <a:t>ב'/שבט/תשפ"ב</a:t>
             </a:fld>
             <a:endParaRPr lang="he-IL"/>
           </a:p>
@@ -3358,7 +3363,7 @@
         </p:nvCxnSpPr>
         <p:spPr>
           <a:xfrm>
-            <a:off x="3347207" y="4899171"/>
+            <a:off x="5605134" y="4818960"/>
             <a:ext cx="2239861" cy="0"/>
           </a:xfrm>
           <a:prstGeom prst="line">
@@ -3401,7 +3406,7 @@
         </p:nvCxnSpPr>
         <p:spPr>
           <a:xfrm flipV="1">
-            <a:off x="3347207" y="2676088"/>
+            <a:off x="5605134" y="2595877"/>
             <a:ext cx="0" cy="2223084"/>
           </a:xfrm>
           <a:prstGeom prst="line">
@@ -3442,7 +3447,7 @@
         </p:nvSpPr>
         <p:spPr>
           <a:xfrm>
-            <a:off x="2365696" y="3535959"/>
+            <a:off x="4623623" y="3455748"/>
             <a:ext cx="914400" cy="369332"/>
           </a:xfrm>
           <a:prstGeom prst="rect">
@@ -3478,7 +3483,7 @@
         </p:nvSpPr>
         <p:spPr>
           <a:xfrm>
-            <a:off x="4135773" y="5020811"/>
+            <a:off x="6393700" y="4940600"/>
             <a:ext cx="914400" cy="369332"/>
           </a:xfrm>
           <a:prstGeom prst="rect">
@@ -3514,7 +3519,7 @@
         </p:nvSpPr>
         <p:spPr>
           <a:xfrm>
-            <a:off x="3481431" y="2600587"/>
+            <a:off x="5739358" y="2520376"/>
             <a:ext cx="2105636" cy="377498"/>
           </a:xfrm>
           <a:prstGeom prst="roundRect">
@@ -3564,7 +3569,7 @@
         </p:nvSpPr>
         <p:spPr>
           <a:xfrm>
-            <a:off x="4043494" y="2986481"/>
+            <a:off x="6301421" y="2906270"/>
             <a:ext cx="503339" cy="1912690"/>
           </a:xfrm>
           <a:custGeom>
@@ -3794,7 +3799,7 @@
         </p:nvSpPr>
         <p:spPr>
           <a:xfrm>
-            <a:off x="4068661" y="2986481"/>
+            <a:off x="6326588" y="2906270"/>
             <a:ext cx="494950" cy="1887523"/>
           </a:xfrm>
           <a:custGeom>
@@ -4113,7 +4118,7 @@
         </p:blipFill>
         <p:spPr>
           <a:xfrm>
-            <a:off x="6283353" y="2720473"/>
+            <a:off x="8541280" y="2640262"/>
             <a:ext cx="3246426" cy="2178698"/>
           </a:xfrm>
           <a:prstGeom prst="rect">
@@ -4137,7 +4142,7 @@
         </p:nvCxnSpPr>
         <p:spPr>
           <a:xfrm>
-            <a:off x="6484690" y="4286774"/>
+            <a:off x="8742617" y="4206563"/>
             <a:ext cx="931178" cy="734037"/>
           </a:xfrm>
           <a:prstGeom prst="line">
@@ -4180,7 +4185,7 @@
         </p:nvCxnSpPr>
         <p:spPr>
           <a:xfrm flipV="1">
-            <a:off x="6501468" y="4035105"/>
+            <a:off x="8759395" y="3954894"/>
             <a:ext cx="1015066" cy="251669"/>
           </a:xfrm>
           <a:prstGeom prst="line">
@@ -4221,7 +4226,7 @@
         </p:nvSpPr>
         <p:spPr>
           <a:xfrm rot="20715297">
-            <a:off x="6482107" y="3811353"/>
+            <a:off x="8740034" y="3731142"/>
             <a:ext cx="914400" cy="369332"/>
           </a:xfrm>
           <a:prstGeom prst="rect">
@@ -4257,7 +4262,7 @@
         </p:nvSpPr>
         <p:spPr>
           <a:xfrm rot="2483240">
-            <a:off x="6308040" y="4542931"/>
+            <a:off x="8565967" y="4462720"/>
             <a:ext cx="914400" cy="369332"/>
           </a:xfrm>
           <a:prstGeom prst="rect">
@@ -4293,7 +4298,7 @@
         </p:nvSpPr>
         <p:spPr>
           <a:xfrm>
-            <a:off x="7373923" y="3665958"/>
+            <a:off x="9631850" y="3585747"/>
             <a:ext cx="704675" cy="654372"/>
           </a:xfrm>
           <a:custGeom>
@@ -4523,7 +4528,7 @@
         </p:nvSpPr>
         <p:spPr>
           <a:xfrm>
-            <a:off x="3490782" y="3976273"/>
+            <a:off x="5748709" y="3896062"/>
             <a:ext cx="687781" cy="369332"/>
           </a:xfrm>
           <a:prstGeom prst="rect">
@@ -4567,7 +4572,7 @@
         </p:nvSpPr>
         <p:spPr>
           <a:xfrm>
-            <a:off x="4437778" y="3976273"/>
+            <a:off x="6695705" y="3896062"/>
             <a:ext cx="687781" cy="369332"/>
           </a:xfrm>
           <a:prstGeom prst="rect">
@@ -4594,6 +4599,3824 @@
                 <a:srgbClr val="FFD966"/>
               </a:solidFill>
             </a:endParaRPr>
+          </a:p>
+        </p:txBody>
+      </p:sp>
+      <p:cxnSp>
+        <p:nvCxnSpPr>
+          <p:cNvPr id="17" name="Straight Connector 16">
+            <a:extLst>
+              <a:ext uri="{FF2B5EF4-FFF2-40B4-BE49-F238E27FC236}">
+                <a16:creationId xmlns:a16="http://schemas.microsoft.com/office/drawing/2014/main" id="{20429329-1DCF-4AED-8FB7-EF4308A37B1E}"/>
+              </a:ext>
+            </a:extLst>
+          </p:cNvPr>
+          <p:cNvCxnSpPr>
+            <a:cxnSpLocks/>
+          </p:cNvCxnSpPr>
+          <p:nvPr/>
+        </p:nvCxnSpPr>
+        <p:spPr>
+          <a:xfrm>
+            <a:off x="1616172" y="4818960"/>
+            <a:ext cx="2239861" cy="0"/>
+          </a:xfrm>
+          <a:prstGeom prst="line">
+            <a:avLst/>
+          </a:prstGeom>
+          <a:ln w="38100">
+            <a:solidFill>
+              <a:schemeClr val="tx1"/>
+            </a:solidFill>
+          </a:ln>
+        </p:spPr>
+        <p:style>
+          <a:lnRef idx="1">
+            <a:schemeClr val="accent1"/>
+          </a:lnRef>
+          <a:fillRef idx="0">
+            <a:schemeClr val="accent1"/>
+          </a:fillRef>
+          <a:effectRef idx="0">
+            <a:schemeClr val="accent1"/>
+          </a:effectRef>
+          <a:fontRef idx="minor">
+            <a:schemeClr val="tx1"/>
+          </a:fontRef>
+        </p:style>
+      </p:cxnSp>
+      <p:cxnSp>
+        <p:nvCxnSpPr>
+          <p:cNvPr id="18" name="Straight Connector 17">
+            <a:extLst>
+              <a:ext uri="{FF2B5EF4-FFF2-40B4-BE49-F238E27FC236}">
+                <a16:creationId xmlns:a16="http://schemas.microsoft.com/office/drawing/2014/main" id="{A0071C69-3069-49D5-8C07-224021BDEED8}"/>
+              </a:ext>
+            </a:extLst>
+          </p:cNvPr>
+          <p:cNvCxnSpPr>
+            <a:cxnSpLocks/>
+          </p:cNvCxnSpPr>
+          <p:nvPr/>
+        </p:nvCxnSpPr>
+        <p:spPr>
+          <a:xfrm flipV="1">
+            <a:off x="1616172" y="2595877"/>
+            <a:ext cx="0" cy="2223084"/>
+          </a:xfrm>
+          <a:prstGeom prst="line">
+            <a:avLst/>
+          </a:prstGeom>
+          <a:ln w="38100">
+            <a:solidFill>
+              <a:schemeClr val="tx1"/>
+            </a:solidFill>
+          </a:ln>
+        </p:spPr>
+        <p:style>
+          <a:lnRef idx="1">
+            <a:schemeClr val="accent1"/>
+          </a:lnRef>
+          <a:fillRef idx="0">
+            <a:schemeClr val="accent1"/>
+          </a:fillRef>
+          <a:effectRef idx="0">
+            <a:schemeClr val="accent1"/>
+          </a:effectRef>
+          <a:fontRef idx="minor">
+            <a:schemeClr val="tx1"/>
+          </a:fontRef>
+        </p:style>
+      </p:cxnSp>
+      <p:sp>
+        <p:nvSpPr>
+          <p:cNvPr id="19" name="TextBox 18">
+            <a:extLst>
+              <a:ext uri="{FF2B5EF4-FFF2-40B4-BE49-F238E27FC236}">
+                <a16:creationId xmlns:a16="http://schemas.microsoft.com/office/drawing/2014/main" id="{58E5BE2F-818D-43B6-BB64-F4C986B72F5A}"/>
+              </a:ext>
+            </a:extLst>
+          </p:cNvPr>
+          <p:cNvSpPr txBox="1"/>
+          <p:nvPr/>
+        </p:nvSpPr>
+        <p:spPr>
+          <a:xfrm>
+            <a:off x="634661" y="3455748"/>
+            <a:ext cx="914400" cy="369332"/>
+          </a:xfrm>
+          <a:prstGeom prst="rect">
+            <a:avLst/>
+          </a:prstGeom>
+          <a:noFill/>
+        </p:spPr>
+        <p:txBody>
+          <a:bodyPr wrap="square" rtlCol="1">
+            <a:spAutoFit/>
+          </a:bodyPr>
+          <a:lstStyle/>
+          <a:p>
+            <a:r>
+              <a:rPr lang="en-US" dirty="0"/>
+              <a:t>Z index</a:t>
+            </a:r>
+            <a:endParaRPr lang="he-IL" dirty="0"/>
+          </a:p>
+        </p:txBody>
+      </p:sp>
+      <p:sp>
+        <p:nvSpPr>
+          <p:cNvPr id="20" name="TextBox 19">
+            <a:extLst>
+              <a:ext uri="{FF2B5EF4-FFF2-40B4-BE49-F238E27FC236}">
+                <a16:creationId xmlns:a16="http://schemas.microsoft.com/office/drawing/2014/main" id="{B2F9BBB5-CA28-4140-A220-16F5244CC6BC}"/>
+              </a:ext>
+            </a:extLst>
+          </p:cNvPr>
+          <p:cNvSpPr txBox="1"/>
+          <p:nvPr/>
+        </p:nvSpPr>
+        <p:spPr>
+          <a:xfrm>
+            <a:off x="2404738" y="4940600"/>
+            <a:ext cx="914400" cy="369332"/>
+          </a:xfrm>
+          <a:prstGeom prst="rect">
+            <a:avLst/>
+          </a:prstGeom>
+          <a:noFill/>
+        </p:spPr>
+        <p:txBody>
+          <a:bodyPr wrap="square" rtlCol="1">
+            <a:spAutoFit/>
+          </a:bodyPr>
+          <a:lstStyle/>
+          <a:p>
+            <a:r>
+              <a:rPr lang="en-US" dirty="0"/>
+              <a:t>X pos</a:t>
+            </a:r>
+            <a:endParaRPr lang="he-IL" dirty="0"/>
+          </a:p>
+        </p:txBody>
+      </p:sp>
+      <p:sp>
+        <p:nvSpPr>
+          <p:cNvPr id="21" name="Rectangle: Rounded Corners 20">
+            <a:extLst>
+              <a:ext uri="{FF2B5EF4-FFF2-40B4-BE49-F238E27FC236}">
+                <a16:creationId xmlns:a16="http://schemas.microsoft.com/office/drawing/2014/main" id="{765ADCBC-3D20-40DB-BD17-4DF5567845C3}"/>
+              </a:ext>
+            </a:extLst>
+          </p:cNvPr>
+          <p:cNvSpPr/>
+          <p:nvPr/>
+        </p:nvSpPr>
+        <p:spPr>
+          <a:xfrm>
+            <a:off x="1750396" y="2520376"/>
+            <a:ext cx="2105636" cy="377498"/>
+          </a:xfrm>
+          <a:prstGeom prst="roundRect">
+            <a:avLst/>
+          </a:prstGeom>
+        </p:spPr>
+        <p:style>
+          <a:lnRef idx="2">
+            <a:schemeClr val="accent1">
+              <a:shade val="50000"/>
+            </a:schemeClr>
+          </a:lnRef>
+          <a:fillRef idx="1">
+            <a:schemeClr val="accent1"/>
+          </a:fillRef>
+          <a:effectRef idx="0">
+            <a:schemeClr val="accent1"/>
+          </a:effectRef>
+          <a:fontRef idx="minor">
+            <a:schemeClr val="lt1"/>
+          </a:fontRef>
+        </p:style>
+        <p:txBody>
+          <a:bodyPr rtlCol="1" anchor="ctr"/>
+          <a:lstStyle/>
+          <a:p>
+            <a:pPr algn="ctr"/>
+            <a:r>
+              <a:rPr lang="en-US" dirty="0"/>
+              <a:t>Screen</a:t>
+            </a:r>
+            <a:endParaRPr lang="he-IL" dirty="0"/>
+          </a:p>
+        </p:txBody>
+      </p:sp>
+      <p:sp>
+        <p:nvSpPr>
+          <p:cNvPr id="22" name="Freeform: Shape 21">
+            <a:extLst>
+              <a:ext uri="{FF2B5EF4-FFF2-40B4-BE49-F238E27FC236}">
+                <a16:creationId xmlns:a16="http://schemas.microsoft.com/office/drawing/2014/main" id="{406B5984-EF81-4C4D-A1A8-F3F2C0CA507F}"/>
+              </a:ext>
+            </a:extLst>
+          </p:cNvPr>
+          <p:cNvSpPr/>
+          <p:nvPr/>
+        </p:nvSpPr>
+        <p:spPr>
+          <a:xfrm>
+            <a:off x="2312917" y="2906270"/>
+            <a:ext cx="503339" cy="1912690"/>
+          </a:xfrm>
+          <a:custGeom>
+            <a:avLst/>
+            <a:gdLst>
+              <a:gd name="connsiteX0" fmla="*/ 503339 w 503339"/>
+              <a:gd name="connsiteY0" fmla="*/ 1912690 h 1912690"/>
+              <a:gd name="connsiteX1" fmla="*/ 478172 w 503339"/>
+              <a:gd name="connsiteY1" fmla="*/ 1744910 h 1912690"/>
+              <a:gd name="connsiteX2" fmla="*/ 385893 w 503339"/>
+              <a:gd name="connsiteY2" fmla="*/ 1593908 h 1912690"/>
+              <a:gd name="connsiteX3" fmla="*/ 335559 w 503339"/>
+              <a:gd name="connsiteY3" fmla="*/ 1501629 h 1912690"/>
+              <a:gd name="connsiteX4" fmla="*/ 251669 w 503339"/>
+              <a:gd name="connsiteY4" fmla="*/ 1392572 h 1912690"/>
+              <a:gd name="connsiteX5" fmla="*/ 176168 w 503339"/>
+              <a:gd name="connsiteY5" fmla="*/ 1283515 h 1912690"/>
+              <a:gd name="connsiteX6" fmla="*/ 125834 w 503339"/>
+              <a:gd name="connsiteY6" fmla="*/ 1199625 h 1912690"/>
+              <a:gd name="connsiteX7" fmla="*/ 92278 w 503339"/>
+              <a:gd name="connsiteY7" fmla="*/ 1149291 h 1912690"/>
+              <a:gd name="connsiteX8" fmla="*/ 75500 w 503339"/>
+              <a:gd name="connsiteY8" fmla="*/ 1090569 h 1912690"/>
+              <a:gd name="connsiteX9" fmla="*/ 58723 w 503339"/>
+              <a:gd name="connsiteY9" fmla="*/ 956345 h 1912690"/>
+              <a:gd name="connsiteX10" fmla="*/ 41945 w 503339"/>
+              <a:gd name="connsiteY10" fmla="*/ 847288 h 1912690"/>
+              <a:gd name="connsiteX11" fmla="*/ 33556 w 503339"/>
+              <a:gd name="connsiteY11" fmla="*/ 687897 h 1912690"/>
+              <a:gd name="connsiteX12" fmla="*/ 16778 w 503339"/>
+              <a:gd name="connsiteY12" fmla="*/ 637563 h 1912690"/>
+              <a:gd name="connsiteX13" fmla="*/ 8389 w 503339"/>
+              <a:gd name="connsiteY13" fmla="*/ 553673 h 1912690"/>
+              <a:gd name="connsiteX14" fmla="*/ 0 w 503339"/>
+              <a:gd name="connsiteY14" fmla="*/ 234891 h 1912690"/>
+              <a:gd name="connsiteX15" fmla="*/ 8389 w 503339"/>
+              <a:gd name="connsiteY15" fmla="*/ 100668 h 1912690"/>
+              <a:gd name="connsiteX16" fmla="*/ 25167 w 503339"/>
+              <a:gd name="connsiteY16" fmla="*/ 0 h 1912690"/>
+            </a:gdLst>
+            <a:ahLst/>
+            <a:cxnLst>
+              <a:cxn ang="0">
+                <a:pos x="connsiteX0" y="connsiteY0"/>
+              </a:cxn>
+              <a:cxn ang="0">
+                <a:pos x="connsiteX1" y="connsiteY1"/>
+              </a:cxn>
+              <a:cxn ang="0">
+                <a:pos x="connsiteX2" y="connsiteY2"/>
+              </a:cxn>
+              <a:cxn ang="0">
+                <a:pos x="connsiteX3" y="connsiteY3"/>
+              </a:cxn>
+              <a:cxn ang="0">
+                <a:pos x="connsiteX4" y="connsiteY4"/>
+              </a:cxn>
+              <a:cxn ang="0">
+                <a:pos x="connsiteX5" y="connsiteY5"/>
+              </a:cxn>
+              <a:cxn ang="0">
+                <a:pos x="connsiteX6" y="connsiteY6"/>
+              </a:cxn>
+              <a:cxn ang="0">
+                <a:pos x="connsiteX7" y="connsiteY7"/>
+              </a:cxn>
+              <a:cxn ang="0">
+                <a:pos x="connsiteX8" y="connsiteY8"/>
+              </a:cxn>
+              <a:cxn ang="0">
+                <a:pos x="connsiteX9" y="connsiteY9"/>
+              </a:cxn>
+              <a:cxn ang="0">
+                <a:pos x="connsiteX10" y="connsiteY10"/>
+              </a:cxn>
+              <a:cxn ang="0">
+                <a:pos x="connsiteX11" y="connsiteY11"/>
+              </a:cxn>
+              <a:cxn ang="0">
+                <a:pos x="connsiteX12" y="connsiteY12"/>
+              </a:cxn>
+              <a:cxn ang="0">
+                <a:pos x="connsiteX13" y="connsiteY13"/>
+              </a:cxn>
+              <a:cxn ang="0">
+                <a:pos x="connsiteX14" y="connsiteY14"/>
+              </a:cxn>
+              <a:cxn ang="0">
+                <a:pos x="connsiteX15" y="connsiteY15"/>
+              </a:cxn>
+              <a:cxn ang="0">
+                <a:pos x="connsiteX16" y="connsiteY16"/>
+              </a:cxn>
+            </a:cxnLst>
+            <a:rect l="l" t="t" r="r" b="b"/>
+            <a:pathLst>
+              <a:path w="503339" h="1912690">
+                <a:moveTo>
+                  <a:pt x="503339" y="1912690"/>
+                </a:moveTo>
+                <a:cubicBezTo>
+                  <a:pt x="494950" y="1856763"/>
+                  <a:pt x="490888" y="1800014"/>
+                  <a:pt x="478172" y="1744910"/>
+                </a:cubicBezTo>
+                <a:cubicBezTo>
+                  <a:pt x="470446" y="1711430"/>
+                  <a:pt x="387138" y="1596398"/>
+                  <a:pt x="385893" y="1593908"/>
+                </a:cubicBezTo>
+                <a:cubicBezTo>
+                  <a:pt x="366786" y="1555694"/>
+                  <a:pt x="358771" y="1536447"/>
+                  <a:pt x="335559" y="1501629"/>
+                </a:cubicBezTo>
+                <a:cubicBezTo>
+                  <a:pt x="299133" y="1446990"/>
+                  <a:pt x="292478" y="1441542"/>
+                  <a:pt x="251669" y="1392572"/>
+                </a:cubicBezTo>
+                <a:cubicBezTo>
+                  <a:pt x="217863" y="1291155"/>
+                  <a:pt x="260347" y="1393596"/>
+                  <a:pt x="176168" y="1283515"/>
+                </a:cubicBezTo>
+                <a:cubicBezTo>
+                  <a:pt x="156359" y="1257611"/>
+                  <a:pt x="143118" y="1227279"/>
+                  <a:pt x="125834" y="1199625"/>
+                </a:cubicBezTo>
+                <a:cubicBezTo>
+                  <a:pt x="115147" y="1182525"/>
+                  <a:pt x="103463" y="1166069"/>
+                  <a:pt x="92278" y="1149291"/>
+                </a:cubicBezTo>
+                <a:cubicBezTo>
+                  <a:pt x="86685" y="1129717"/>
+                  <a:pt x="78988" y="1110625"/>
+                  <a:pt x="75500" y="1090569"/>
+                </a:cubicBezTo>
+                <a:cubicBezTo>
+                  <a:pt x="67775" y="1046146"/>
+                  <a:pt x="64555" y="1001056"/>
+                  <a:pt x="58723" y="956345"/>
+                </a:cubicBezTo>
+                <a:cubicBezTo>
+                  <a:pt x="52247" y="906697"/>
+                  <a:pt x="49869" y="894834"/>
+                  <a:pt x="41945" y="847288"/>
+                </a:cubicBezTo>
+                <a:cubicBezTo>
+                  <a:pt x="39149" y="794158"/>
+                  <a:pt x="39895" y="740722"/>
+                  <a:pt x="33556" y="687897"/>
+                </a:cubicBezTo>
+                <a:cubicBezTo>
+                  <a:pt x="31449" y="670337"/>
+                  <a:pt x="20037" y="654946"/>
+                  <a:pt x="16778" y="637563"/>
+                </a:cubicBezTo>
+                <a:cubicBezTo>
+                  <a:pt x="11599" y="609942"/>
+                  <a:pt x="11185" y="581636"/>
+                  <a:pt x="8389" y="553673"/>
+                </a:cubicBezTo>
+                <a:cubicBezTo>
+                  <a:pt x="5593" y="447412"/>
+                  <a:pt x="0" y="341188"/>
+                  <a:pt x="0" y="234891"/>
+                </a:cubicBezTo>
+                <a:cubicBezTo>
+                  <a:pt x="0" y="190063"/>
+                  <a:pt x="2332" y="145085"/>
+                  <a:pt x="8389" y="100668"/>
+                </a:cubicBezTo>
+                <a:cubicBezTo>
+                  <a:pt x="30473" y="-61278"/>
+                  <a:pt x="25167" y="158804"/>
+                  <a:pt x="25167" y="0"/>
+                </a:cubicBezTo>
+              </a:path>
+            </a:pathLst>
+          </a:custGeom>
+          <a:noFill/>
+          <a:ln w="38100">
+            <a:solidFill>
+              <a:srgbClr val="FF0000"/>
+            </a:solidFill>
+          </a:ln>
+        </p:spPr>
+        <p:style>
+          <a:lnRef idx="2">
+            <a:schemeClr val="accent1">
+              <a:shade val="50000"/>
+            </a:schemeClr>
+          </a:lnRef>
+          <a:fillRef idx="1">
+            <a:schemeClr val="accent1"/>
+          </a:fillRef>
+          <a:effectRef idx="0">
+            <a:schemeClr val="accent1"/>
+          </a:effectRef>
+          <a:fontRef idx="minor">
+            <a:schemeClr val="lt1"/>
+          </a:fontRef>
+        </p:style>
+        <p:txBody>
+          <a:bodyPr rtlCol="1" anchor="ctr"/>
+          <a:lstStyle/>
+          <a:p>
+            <a:pPr algn="ctr"/>
+            <a:endParaRPr lang="he-IL"/>
+          </a:p>
+        </p:txBody>
+      </p:sp>
+      <p:sp>
+        <p:nvSpPr>
+          <p:cNvPr id="24" name="TextBox 23">
+            <a:extLst>
+              <a:ext uri="{FF2B5EF4-FFF2-40B4-BE49-F238E27FC236}">
+                <a16:creationId xmlns:a16="http://schemas.microsoft.com/office/drawing/2014/main" id="{65006E48-DB39-46C9-B9C2-48DEA71091F3}"/>
+              </a:ext>
+            </a:extLst>
+          </p:cNvPr>
+          <p:cNvSpPr txBox="1"/>
+          <p:nvPr/>
+        </p:nvSpPr>
+        <p:spPr>
+          <a:xfrm>
+            <a:off x="198780" y="2556608"/>
+            <a:ext cx="1472737" cy="369332"/>
+          </a:xfrm>
+          <a:prstGeom prst="rect">
+            <a:avLst/>
+          </a:prstGeom>
+          <a:noFill/>
+        </p:spPr>
+        <p:txBody>
+          <a:bodyPr wrap="square" rtlCol="1">
+            <a:spAutoFit/>
+          </a:bodyPr>
+          <a:lstStyle/>
+          <a:p>
+            <a:r>
+              <a:rPr lang="en-US" dirty="0">
+                <a:solidFill>
+                  <a:srgbClr val="FF0000"/>
+                </a:solidFill>
+              </a:rPr>
+              <a:t>Congruent</a:t>
+            </a:r>
+            <a:endParaRPr lang="he-IL" dirty="0">
+              <a:solidFill>
+                <a:srgbClr val="FF0000"/>
+              </a:solidFill>
+            </a:endParaRPr>
+          </a:p>
+        </p:txBody>
+      </p:sp>
+      <p:sp>
+        <p:nvSpPr>
+          <p:cNvPr id="25" name="TextBox 24">
+            <a:extLst>
+              <a:ext uri="{FF2B5EF4-FFF2-40B4-BE49-F238E27FC236}">
+                <a16:creationId xmlns:a16="http://schemas.microsoft.com/office/drawing/2014/main" id="{DB24442E-F5B3-49CA-B589-D79BBA0B2EDA}"/>
+              </a:ext>
+            </a:extLst>
+          </p:cNvPr>
+          <p:cNvSpPr txBox="1"/>
+          <p:nvPr/>
+        </p:nvSpPr>
+        <p:spPr>
+          <a:xfrm>
+            <a:off x="198781" y="2862913"/>
+            <a:ext cx="1417391" cy="369332"/>
+          </a:xfrm>
+          <a:prstGeom prst="rect">
+            <a:avLst/>
+          </a:prstGeom>
+          <a:noFill/>
+        </p:spPr>
+        <p:txBody>
+          <a:bodyPr wrap="square" rtlCol="1">
+            <a:spAutoFit/>
+          </a:bodyPr>
+          <a:lstStyle/>
+          <a:p>
+            <a:r>
+              <a:rPr lang="en-US" dirty="0">
+                <a:solidFill>
+                  <a:srgbClr val="FFD966"/>
+                </a:solidFill>
+              </a:rPr>
+              <a:t>Incongruent</a:t>
+            </a:r>
+            <a:endParaRPr lang="he-IL" dirty="0">
+              <a:solidFill>
+                <a:srgbClr val="FFD966"/>
+              </a:solidFill>
+            </a:endParaRPr>
+          </a:p>
+        </p:txBody>
+      </p:sp>
+      <p:sp>
+        <p:nvSpPr>
+          <p:cNvPr id="2" name="Freeform: Shape 1">
+            <a:extLst>
+              <a:ext uri="{FF2B5EF4-FFF2-40B4-BE49-F238E27FC236}">
+                <a16:creationId xmlns:a16="http://schemas.microsoft.com/office/drawing/2014/main" id="{62A5E3BA-3270-4FAA-A7BA-A20093927786}"/>
+              </a:ext>
+            </a:extLst>
+          </p:cNvPr>
+          <p:cNvSpPr/>
+          <p:nvPr/>
+        </p:nvSpPr>
+        <p:spPr>
+          <a:xfrm>
+            <a:off x="2137188" y="2921000"/>
+            <a:ext cx="665883" cy="1866900"/>
+          </a:xfrm>
+          <a:custGeom>
+            <a:avLst/>
+            <a:gdLst>
+              <a:gd name="connsiteX0" fmla="*/ 665883 w 665883"/>
+              <a:gd name="connsiteY0" fmla="*/ 1866900 h 1866900"/>
+              <a:gd name="connsiteX1" fmla="*/ 638669 w 665883"/>
+              <a:gd name="connsiteY1" fmla="*/ 1828800 h 1866900"/>
+              <a:gd name="connsiteX2" fmla="*/ 549769 w 665883"/>
+              <a:gd name="connsiteY2" fmla="*/ 1739900 h 1866900"/>
+              <a:gd name="connsiteX3" fmla="*/ 475383 w 665883"/>
+              <a:gd name="connsiteY3" fmla="*/ 1692729 h 1866900"/>
+              <a:gd name="connsiteX4" fmla="*/ 449983 w 665883"/>
+              <a:gd name="connsiteY4" fmla="*/ 1678214 h 1866900"/>
+              <a:gd name="connsiteX5" fmla="*/ 435469 w 665883"/>
+              <a:gd name="connsiteY5" fmla="*/ 1665514 h 1866900"/>
+              <a:gd name="connsiteX6" fmla="*/ 419141 w 665883"/>
+              <a:gd name="connsiteY6" fmla="*/ 1654629 h 1866900"/>
+              <a:gd name="connsiteX7" fmla="*/ 408255 w 665883"/>
+              <a:gd name="connsiteY7" fmla="*/ 1641929 h 1866900"/>
+              <a:gd name="connsiteX8" fmla="*/ 397369 w 665883"/>
+              <a:gd name="connsiteY8" fmla="*/ 1631043 h 1866900"/>
+              <a:gd name="connsiteX9" fmla="*/ 386483 w 665883"/>
+              <a:gd name="connsiteY9" fmla="*/ 1620157 h 1866900"/>
+              <a:gd name="connsiteX10" fmla="*/ 375598 w 665883"/>
+              <a:gd name="connsiteY10" fmla="*/ 1605643 h 1866900"/>
+              <a:gd name="connsiteX11" fmla="*/ 357455 w 665883"/>
+              <a:gd name="connsiteY11" fmla="*/ 1587500 h 1866900"/>
+              <a:gd name="connsiteX12" fmla="*/ 332055 w 665883"/>
+              <a:gd name="connsiteY12" fmla="*/ 1554843 h 1866900"/>
+              <a:gd name="connsiteX13" fmla="*/ 310283 w 665883"/>
+              <a:gd name="connsiteY13" fmla="*/ 1531257 h 1866900"/>
+              <a:gd name="connsiteX14" fmla="*/ 288512 w 665883"/>
+              <a:gd name="connsiteY14" fmla="*/ 1493157 h 1866900"/>
+              <a:gd name="connsiteX15" fmla="*/ 277626 w 665883"/>
+              <a:gd name="connsiteY15" fmla="*/ 1475014 h 1866900"/>
+              <a:gd name="connsiteX16" fmla="*/ 248598 w 665883"/>
+              <a:gd name="connsiteY16" fmla="*/ 1418771 h 1866900"/>
+              <a:gd name="connsiteX17" fmla="*/ 230455 w 665883"/>
+              <a:gd name="connsiteY17" fmla="*/ 1387929 h 1866900"/>
+              <a:gd name="connsiteX18" fmla="*/ 197798 w 665883"/>
+              <a:gd name="connsiteY18" fmla="*/ 1342571 h 1866900"/>
+              <a:gd name="connsiteX19" fmla="*/ 181469 w 665883"/>
+              <a:gd name="connsiteY19" fmla="*/ 1302657 h 1866900"/>
+              <a:gd name="connsiteX20" fmla="*/ 166955 w 665883"/>
+              <a:gd name="connsiteY20" fmla="*/ 1262743 h 1866900"/>
+              <a:gd name="connsiteX21" fmla="*/ 159698 w 665883"/>
+              <a:gd name="connsiteY21" fmla="*/ 1240971 h 1866900"/>
+              <a:gd name="connsiteX22" fmla="*/ 154255 w 665883"/>
+              <a:gd name="connsiteY22" fmla="*/ 1226457 h 1866900"/>
+              <a:gd name="connsiteX23" fmla="*/ 152441 w 665883"/>
+              <a:gd name="connsiteY23" fmla="*/ 1219200 h 1866900"/>
+              <a:gd name="connsiteX24" fmla="*/ 139741 w 665883"/>
+              <a:gd name="connsiteY24" fmla="*/ 1188357 h 1866900"/>
+              <a:gd name="connsiteX25" fmla="*/ 132483 w 665883"/>
+              <a:gd name="connsiteY25" fmla="*/ 1172029 h 1866900"/>
+              <a:gd name="connsiteX26" fmla="*/ 114341 w 665883"/>
+              <a:gd name="connsiteY26" fmla="*/ 1119414 h 1866900"/>
+              <a:gd name="connsiteX27" fmla="*/ 98012 w 665883"/>
+              <a:gd name="connsiteY27" fmla="*/ 1054100 h 1866900"/>
+              <a:gd name="connsiteX28" fmla="*/ 88941 w 665883"/>
+              <a:gd name="connsiteY28" fmla="*/ 1026886 h 1866900"/>
+              <a:gd name="connsiteX29" fmla="*/ 85312 w 665883"/>
+              <a:gd name="connsiteY29" fmla="*/ 1010557 h 1866900"/>
+              <a:gd name="connsiteX30" fmla="*/ 79869 w 665883"/>
+              <a:gd name="connsiteY30" fmla="*/ 997857 h 1866900"/>
+              <a:gd name="connsiteX31" fmla="*/ 74426 w 665883"/>
+              <a:gd name="connsiteY31" fmla="*/ 983343 h 1866900"/>
+              <a:gd name="connsiteX32" fmla="*/ 68983 w 665883"/>
+              <a:gd name="connsiteY32" fmla="*/ 956129 h 1866900"/>
+              <a:gd name="connsiteX33" fmla="*/ 65355 w 665883"/>
+              <a:gd name="connsiteY33" fmla="*/ 937986 h 1866900"/>
+              <a:gd name="connsiteX34" fmla="*/ 58098 w 665883"/>
+              <a:gd name="connsiteY34" fmla="*/ 914400 h 1866900"/>
+              <a:gd name="connsiteX35" fmla="*/ 49026 w 665883"/>
+              <a:gd name="connsiteY35" fmla="*/ 883557 h 1866900"/>
+              <a:gd name="connsiteX36" fmla="*/ 43583 w 665883"/>
+              <a:gd name="connsiteY36" fmla="*/ 861786 h 1866900"/>
+              <a:gd name="connsiteX37" fmla="*/ 34512 w 665883"/>
+              <a:gd name="connsiteY37" fmla="*/ 827314 h 1866900"/>
+              <a:gd name="connsiteX38" fmla="*/ 23626 w 665883"/>
+              <a:gd name="connsiteY38" fmla="*/ 771071 h 1866900"/>
+              <a:gd name="connsiteX39" fmla="*/ 14555 w 665883"/>
+              <a:gd name="connsiteY39" fmla="*/ 714829 h 1866900"/>
+              <a:gd name="connsiteX40" fmla="*/ 12741 w 665883"/>
+              <a:gd name="connsiteY40" fmla="*/ 685800 h 1866900"/>
+              <a:gd name="connsiteX41" fmla="*/ 7298 w 665883"/>
+              <a:gd name="connsiteY41" fmla="*/ 665843 h 1866900"/>
+              <a:gd name="connsiteX42" fmla="*/ 3669 w 665883"/>
+              <a:gd name="connsiteY42" fmla="*/ 629557 h 1866900"/>
+              <a:gd name="connsiteX43" fmla="*/ 1855 w 665883"/>
+              <a:gd name="connsiteY43" fmla="*/ 609600 h 1866900"/>
+              <a:gd name="connsiteX44" fmla="*/ 41 w 665883"/>
+              <a:gd name="connsiteY44" fmla="*/ 551543 h 1866900"/>
+              <a:gd name="connsiteX45" fmla="*/ 9112 w 665883"/>
+              <a:gd name="connsiteY45" fmla="*/ 471714 h 1866900"/>
+              <a:gd name="connsiteX46" fmla="*/ 16369 w 665883"/>
+              <a:gd name="connsiteY46" fmla="*/ 435429 h 1866900"/>
+              <a:gd name="connsiteX47" fmla="*/ 27255 w 665883"/>
+              <a:gd name="connsiteY47" fmla="*/ 400957 h 1866900"/>
+              <a:gd name="connsiteX48" fmla="*/ 30883 w 665883"/>
+              <a:gd name="connsiteY48" fmla="*/ 391886 h 1866900"/>
+              <a:gd name="connsiteX49" fmla="*/ 32698 w 665883"/>
+              <a:gd name="connsiteY49" fmla="*/ 384629 h 1866900"/>
+              <a:gd name="connsiteX50" fmla="*/ 36326 w 665883"/>
+              <a:gd name="connsiteY50" fmla="*/ 379186 h 1866900"/>
+              <a:gd name="connsiteX51" fmla="*/ 47212 w 665883"/>
+              <a:gd name="connsiteY51" fmla="*/ 359229 h 1866900"/>
+              <a:gd name="connsiteX52" fmla="*/ 59912 w 665883"/>
+              <a:gd name="connsiteY52" fmla="*/ 319314 h 1866900"/>
+              <a:gd name="connsiteX53" fmla="*/ 74426 w 665883"/>
+              <a:gd name="connsiteY53" fmla="*/ 288471 h 1866900"/>
+              <a:gd name="connsiteX54" fmla="*/ 103455 w 665883"/>
+              <a:gd name="connsiteY54" fmla="*/ 208643 h 1866900"/>
+              <a:gd name="connsiteX55" fmla="*/ 110712 w 665883"/>
+              <a:gd name="connsiteY55" fmla="*/ 195943 h 1866900"/>
+              <a:gd name="connsiteX56" fmla="*/ 134298 w 665883"/>
+              <a:gd name="connsiteY56" fmla="*/ 161471 h 1866900"/>
+              <a:gd name="connsiteX57" fmla="*/ 145183 w 665883"/>
+              <a:gd name="connsiteY57" fmla="*/ 143329 h 1866900"/>
+              <a:gd name="connsiteX58" fmla="*/ 152441 w 665883"/>
+              <a:gd name="connsiteY58" fmla="*/ 134257 h 1866900"/>
+              <a:gd name="connsiteX59" fmla="*/ 156069 w 665883"/>
+              <a:gd name="connsiteY59" fmla="*/ 127000 h 1866900"/>
+              <a:gd name="connsiteX60" fmla="*/ 159698 w 665883"/>
+              <a:gd name="connsiteY60" fmla="*/ 121557 h 1866900"/>
+              <a:gd name="connsiteX61" fmla="*/ 168769 w 665883"/>
+              <a:gd name="connsiteY61" fmla="*/ 96157 h 1866900"/>
+              <a:gd name="connsiteX62" fmla="*/ 188726 w 665883"/>
+              <a:gd name="connsiteY62" fmla="*/ 70757 h 1866900"/>
+              <a:gd name="connsiteX63" fmla="*/ 195983 w 665883"/>
+              <a:gd name="connsiteY63" fmla="*/ 58057 h 1866900"/>
+              <a:gd name="connsiteX64" fmla="*/ 205055 w 665883"/>
+              <a:gd name="connsiteY64" fmla="*/ 47171 h 1866900"/>
+              <a:gd name="connsiteX65" fmla="*/ 205055 w 665883"/>
+              <a:gd name="connsiteY65" fmla="*/ 0 h 1866900"/>
+            </a:gdLst>
+            <a:ahLst/>
+            <a:cxnLst>
+              <a:cxn ang="0">
+                <a:pos x="connsiteX0" y="connsiteY0"/>
+              </a:cxn>
+              <a:cxn ang="0">
+                <a:pos x="connsiteX1" y="connsiteY1"/>
+              </a:cxn>
+              <a:cxn ang="0">
+                <a:pos x="connsiteX2" y="connsiteY2"/>
+              </a:cxn>
+              <a:cxn ang="0">
+                <a:pos x="connsiteX3" y="connsiteY3"/>
+              </a:cxn>
+              <a:cxn ang="0">
+                <a:pos x="connsiteX4" y="connsiteY4"/>
+              </a:cxn>
+              <a:cxn ang="0">
+                <a:pos x="connsiteX5" y="connsiteY5"/>
+              </a:cxn>
+              <a:cxn ang="0">
+                <a:pos x="connsiteX6" y="connsiteY6"/>
+              </a:cxn>
+              <a:cxn ang="0">
+                <a:pos x="connsiteX7" y="connsiteY7"/>
+              </a:cxn>
+              <a:cxn ang="0">
+                <a:pos x="connsiteX8" y="connsiteY8"/>
+              </a:cxn>
+              <a:cxn ang="0">
+                <a:pos x="connsiteX9" y="connsiteY9"/>
+              </a:cxn>
+              <a:cxn ang="0">
+                <a:pos x="connsiteX10" y="connsiteY10"/>
+              </a:cxn>
+              <a:cxn ang="0">
+                <a:pos x="connsiteX11" y="connsiteY11"/>
+              </a:cxn>
+              <a:cxn ang="0">
+                <a:pos x="connsiteX12" y="connsiteY12"/>
+              </a:cxn>
+              <a:cxn ang="0">
+                <a:pos x="connsiteX13" y="connsiteY13"/>
+              </a:cxn>
+              <a:cxn ang="0">
+                <a:pos x="connsiteX14" y="connsiteY14"/>
+              </a:cxn>
+              <a:cxn ang="0">
+                <a:pos x="connsiteX15" y="connsiteY15"/>
+              </a:cxn>
+              <a:cxn ang="0">
+                <a:pos x="connsiteX16" y="connsiteY16"/>
+              </a:cxn>
+              <a:cxn ang="0">
+                <a:pos x="connsiteX17" y="connsiteY17"/>
+              </a:cxn>
+              <a:cxn ang="0">
+                <a:pos x="connsiteX18" y="connsiteY18"/>
+              </a:cxn>
+              <a:cxn ang="0">
+                <a:pos x="connsiteX19" y="connsiteY19"/>
+              </a:cxn>
+              <a:cxn ang="0">
+                <a:pos x="connsiteX20" y="connsiteY20"/>
+              </a:cxn>
+              <a:cxn ang="0">
+                <a:pos x="connsiteX21" y="connsiteY21"/>
+              </a:cxn>
+              <a:cxn ang="0">
+                <a:pos x="connsiteX22" y="connsiteY22"/>
+              </a:cxn>
+              <a:cxn ang="0">
+                <a:pos x="connsiteX23" y="connsiteY23"/>
+              </a:cxn>
+              <a:cxn ang="0">
+                <a:pos x="connsiteX24" y="connsiteY24"/>
+              </a:cxn>
+              <a:cxn ang="0">
+                <a:pos x="connsiteX25" y="connsiteY25"/>
+              </a:cxn>
+              <a:cxn ang="0">
+                <a:pos x="connsiteX26" y="connsiteY26"/>
+              </a:cxn>
+              <a:cxn ang="0">
+                <a:pos x="connsiteX27" y="connsiteY27"/>
+              </a:cxn>
+              <a:cxn ang="0">
+                <a:pos x="connsiteX28" y="connsiteY28"/>
+              </a:cxn>
+              <a:cxn ang="0">
+                <a:pos x="connsiteX29" y="connsiteY29"/>
+              </a:cxn>
+              <a:cxn ang="0">
+                <a:pos x="connsiteX30" y="connsiteY30"/>
+              </a:cxn>
+              <a:cxn ang="0">
+                <a:pos x="connsiteX31" y="connsiteY31"/>
+              </a:cxn>
+              <a:cxn ang="0">
+                <a:pos x="connsiteX32" y="connsiteY32"/>
+              </a:cxn>
+              <a:cxn ang="0">
+                <a:pos x="connsiteX33" y="connsiteY33"/>
+              </a:cxn>
+              <a:cxn ang="0">
+                <a:pos x="connsiteX34" y="connsiteY34"/>
+              </a:cxn>
+              <a:cxn ang="0">
+                <a:pos x="connsiteX35" y="connsiteY35"/>
+              </a:cxn>
+              <a:cxn ang="0">
+                <a:pos x="connsiteX36" y="connsiteY36"/>
+              </a:cxn>
+              <a:cxn ang="0">
+                <a:pos x="connsiteX37" y="connsiteY37"/>
+              </a:cxn>
+              <a:cxn ang="0">
+                <a:pos x="connsiteX38" y="connsiteY38"/>
+              </a:cxn>
+              <a:cxn ang="0">
+                <a:pos x="connsiteX39" y="connsiteY39"/>
+              </a:cxn>
+              <a:cxn ang="0">
+                <a:pos x="connsiteX40" y="connsiteY40"/>
+              </a:cxn>
+              <a:cxn ang="0">
+                <a:pos x="connsiteX41" y="connsiteY41"/>
+              </a:cxn>
+              <a:cxn ang="0">
+                <a:pos x="connsiteX42" y="connsiteY42"/>
+              </a:cxn>
+              <a:cxn ang="0">
+                <a:pos x="connsiteX43" y="connsiteY43"/>
+              </a:cxn>
+              <a:cxn ang="0">
+                <a:pos x="connsiteX44" y="connsiteY44"/>
+              </a:cxn>
+              <a:cxn ang="0">
+                <a:pos x="connsiteX45" y="connsiteY45"/>
+              </a:cxn>
+              <a:cxn ang="0">
+                <a:pos x="connsiteX46" y="connsiteY46"/>
+              </a:cxn>
+              <a:cxn ang="0">
+                <a:pos x="connsiteX47" y="connsiteY47"/>
+              </a:cxn>
+              <a:cxn ang="0">
+                <a:pos x="connsiteX48" y="connsiteY48"/>
+              </a:cxn>
+              <a:cxn ang="0">
+                <a:pos x="connsiteX49" y="connsiteY49"/>
+              </a:cxn>
+              <a:cxn ang="0">
+                <a:pos x="connsiteX50" y="connsiteY50"/>
+              </a:cxn>
+              <a:cxn ang="0">
+                <a:pos x="connsiteX51" y="connsiteY51"/>
+              </a:cxn>
+              <a:cxn ang="0">
+                <a:pos x="connsiteX52" y="connsiteY52"/>
+              </a:cxn>
+              <a:cxn ang="0">
+                <a:pos x="connsiteX53" y="connsiteY53"/>
+              </a:cxn>
+              <a:cxn ang="0">
+                <a:pos x="connsiteX54" y="connsiteY54"/>
+              </a:cxn>
+              <a:cxn ang="0">
+                <a:pos x="connsiteX55" y="connsiteY55"/>
+              </a:cxn>
+              <a:cxn ang="0">
+                <a:pos x="connsiteX56" y="connsiteY56"/>
+              </a:cxn>
+              <a:cxn ang="0">
+                <a:pos x="connsiteX57" y="connsiteY57"/>
+              </a:cxn>
+              <a:cxn ang="0">
+                <a:pos x="connsiteX58" y="connsiteY58"/>
+              </a:cxn>
+              <a:cxn ang="0">
+                <a:pos x="connsiteX59" y="connsiteY59"/>
+              </a:cxn>
+              <a:cxn ang="0">
+                <a:pos x="connsiteX60" y="connsiteY60"/>
+              </a:cxn>
+              <a:cxn ang="0">
+                <a:pos x="connsiteX61" y="connsiteY61"/>
+              </a:cxn>
+              <a:cxn ang="0">
+                <a:pos x="connsiteX62" y="connsiteY62"/>
+              </a:cxn>
+              <a:cxn ang="0">
+                <a:pos x="connsiteX63" y="connsiteY63"/>
+              </a:cxn>
+              <a:cxn ang="0">
+                <a:pos x="connsiteX64" y="connsiteY64"/>
+              </a:cxn>
+              <a:cxn ang="0">
+                <a:pos x="connsiteX65" y="connsiteY65"/>
+              </a:cxn>
+            </a:cxnLst>
+            <a:rect l="l" t="t" r="r" b="b"/>
+            <a:pathLst>
+              <a:path w="665883" h="1866900">
+                <a:moveTo>
+                  <a:pt x="665883" y="1866900"/>
+                </a:moveTo>
+                <a:cubicBezTo>
+                  <a:pt x="637463" y="1838480"/>
+                  <a:pt x="689180" y="1891557"/>
+                  <a:pt x="638669" y="1828800"/>
+                </a:cubicBezTo>
+                <a:cubicBezTo>
+                  <a:pt x="621210" y="1807108"/>
+                  <a:pt x="571667" y="1756324"/>
+                  <a:pt x="549769" y="1739900"/>
+                </a:cubicBezTo>
+                <a:cubicBezTo>
+                  <a:pt x="512501" y="1711948"/>
+                  <a:pt x="534106" y="1726870"/>
+                  <a:pt x="475383" y="1692729"/>
+                </a:cubicBezTo>
+                <a:cubicBezTo>
+                  <a:pt x="466953" y="1687828"/>
+                  <a:pt x="457322" y="1684636"/>
+                  <a:pt x="449983" y="1678214"/>
+                </a:cubicBezTo>
+                <a:cubicBezTo>
+                  <a:pt x="445145" y="1673981"/>
+                  <a:pt x="440576" y="1669419"/>
+                  <a:pt x="435469" y="1665514"/>
+                </a:cubicBezTo>
+                <a:cubicBezTo>
+                  <a:pt x="430273" y="1661541"/>
+                  <a:pt x="424084" y="1658913"/>
+                  <a:pt x="419141" y="1654629"/>
+                </a:cubicBezTo>
+                <a:cubicBezTo>
+                  <a:pt x="414927" y="1650977"/>
+                  <a:pt x="412037" y="1646026"/>
+                  <a:pt x="408255" y="1641929"/>
+                </a:cubicBezTo>
+                <a:cubicBezTo>
+                  <a:pt x="404774" y="1638158"/>
+                  <a:pt x="400998" y="1634672"/>
+                  <a:pt x="397369" y="1631043"/>
+                </a:cubicBezTo>
+                <a:cubicBezTo>
+                  <a:pt x="393740" y="1627414"/>
+                  <a:pt x="389562" y="1624262"/>
+                  <a:pt x="386483" y="1620157"/>
+                </a:cubicBezTo>
+                <a:cubicBezTo>
+                  <a:pt x="382855" y="1615319"/>
+                  <a:pt x="379616" y="1610163"/>
+                  <a:pt x="375598" y="1605643"/>
+                </a:cubicBezTo>
+                <a:cubicBezTo>
+                  <a:pt x="369916" y="1599251"/>
+                  <a:pt x="362426" y="1594459"/>
+                  <a:pt x="357455" y="1587500"/>
+                </a:cubicBezTo>
+                <a:cubicBezTo>
+                  <a:pt x="349988" y="1577047"/>
+                  <a:pt x="340772" y="1563560"/>
+                  <a:pt x="332055" y="1554843"/>
+                </a:cubicBezTo>
+                <a:cubicBezTo>
+                  <a:pt x="323774" y="1546562"/>
+                  <a:pt x="317395" y="1540739"/>
+                  <a:pt x="310283" y="1531257"/>
+                </a:cubicBezTo>
+                <a:cubicBezTo>
+                  <a:pt x="296316" y="1512634"/>
+                  <a:pt x="300564" y="1515252"/>
+                  <a:pt x="288512" y="1493157"/>
+                </a:cubicBezTo>
+                <a:cubicBezTo>
+                  <a:pt x="285135" y="1486965"/>
+                  <a:pt x="280961" y="1481229"/>
+                  <a:pt x="277626" y="1475014"/>
+                </a:cubicBezTo>
+                <a:cubicBezTo>
+                  <a:pt x="267651" y="1456424"/>
+                  <a:pt x="259295" y="1436955"/>
+                  <a:pt x="248598" y="1418771"/>
+                </a:cubicBezTo>
+                <a:cubicBezTo>
+                  <a:pt x="242550" y="1408490"/>
+                  <a:pt x="237071" y="1397853"/>
+                  <a:pt x="230455" y="1387929"/>
+                </a:cubicBezTo>
+                <a:cubicBezTo>
+                  <a:pt x="220370" y="1372801"/>
+                  <a:pt x="206052" y="1359079"/>
+                  <a:pt x="197798" y="1342571"/>
+                </a:cubicBezTo>
+                <a:cubicBezTo>
+                  <a:pt x="191369" y="1329714"/>
+                  <a:pt x="186808" y="1316004"/>
+                  <a:pt x="181469" y="1302657"/>
+                </a:cubicBezTo>
+                <a:cubicBezTo>
+                  <a:pt x="177971" y="1293913"/>
+                  <a:pt x="168887" y="1268323"/>
+                  <a:pt x="166955" y="1262743"/>
+                </a:cubicBezTo>
+                <a:cubicBezTo>
+                  <a:pt x="164453" y="1255514"/>
+                  <a:pt x="162384" y="1248134"/>
+                  <a:pt x="159698" y="1240971"/>
+                </a:cubicBezTo>
+                <a:cubicBezTo>
+                  <a:pt x="157884" y="1236133"/>
+                  <a:pt x="155889" y="1231359"/>
+                  <a:pt x="154255" y="1226457"/>
+                </a:cubicBezTo>
+                <a:cubicBezTo>
+                  <a:pt x="153467" y="1224092"/>
+                  <a:pt x="153280" y="1221548"/>
+                  <a:pt x="152441" y="1219200"/>
+                </a:cubicBezTo>
+                <a:cubicBezTo>
+                  <a:pt x="149765" y="1211708"/>
+                  <a:pt x="143299" y="1196490"/>
+                  <a:pt x="139741" y="1188357"/>
+                </a:cubicBezTo>
+                <a:cubicBezTo>
+                  <a:pt x="137354" y="1182900"/>
+                  <a:pt x="134194" y="1177734"/>
+                  <a:pt x="132483" y="1172029"/>
+                </a:cubicBezTo>
+                <a:cubicBezTo>
+                  <a:pt x="119887" y="1130038"/>
+                  <a:pt x="126726" y="1147283"/>
+                  <a:pt x="114341" y="1119414"/>
+                </a:cubicBezTo>
+                <a:cubicBezTo>
+                  <a:pt x="110774" y="1087323"/>
+                  <a:pt x="113680" y="1104720"/>
+                  <a:pt x="98012" y="1054100"/>
+                </a:cubicBezTo>
+                <a:cubicBezTo>
+                  <a:pt x="95185" y="1044966"/>
+                  <a:pt x="91015" y="1036220"/>
+                  <a:pt x="88941" y="1026886"/>
+                </a:cubicBezTo>
+                <a:cubicBezTo>
+                  <a:pt x="87731" y="1021443"/>
+                  <a:pt x="86975" y="1015879"/>
+                  <a:pt x="85312" y="1010557"/>
+                </a:cubicBezTo>
+                <a:cubicBezTo>
+                  <a:pt x="83938" y="1006161"/>
+                  <a:pt x="81580" y="1002133"/>
+                  <a:pt x="79869" y="997857"/>
+                </a:cubicBezTo>
+                <a:cubicBezTo>
+                  <a:pt x="77950" y="993060"/>
+                  <a:pt x="76240" y="988181"/>
+                  <a:pt x="74426" y="983343"/>
+                </a:cubicBezTo>
+                <a:cubicBezTo>
+                  <a:pt x="70965" y="955652"/>
+                  <a:pt x="74946" y="981471"/>
+                  <a:pt x="68983" y="956129"/>
+                </a:cubicBezTo>
+                <a:cubicBezTo>
+                  <a:pt x="67570" y="950126"/>
+                  <a:pt x="66912" y="943954"/>
+                  <a:pt x="65355" y="937986"/>
+                </a:cubicBezTo>
+                <a:cubicBezTo>
+                  <a:pt x="63279" y="930027"/>
+                  <a:pt x="60174" y="922359"/>
+                  <a:pt x="58098" y="914400"/>
+                </a:cubicBezTo>
+                <a:cubicBezTo>
+                  <a:pt x="50042" y="883519"/>
+                  <a:pt x="59530" y="908066"/>
+                  <a:pt x="49026" y="883557"/>
+                </a:cubicBezTo>
+                <a:cubicBezTo>
+                  <a:pt x="43292" y="849144"/>
+                  <a:pt x="51798" y="896699"/>
+                  <a:pt x="43583" y="861786"/>
+                </a:cubicBezTo>
+                <a:cubicBezTo>
+                  <a:pt x="35434" y="827154"/>
+                  <a:pt x="45078" y="855490"/>
+                  <a:pt x="34512" y="827314"/>
+                </a:cubicBezTo>
+                <a:cubicBezTo>
+                  <a:pt x="24763" y="744458"/>
+                  <a:pt x="38057" y="843229"/>
+                  <a:pt x="23626" y="771071"/>
+                </a:cubicBezTo>
+                <a:cubicBezTo>
+                  <a:pt x="19902" y="752450"/>
+                  <a:pt x="14555" y="714829"/>
+                  <a:pt x="14555" y="714829"/>
+                </a:cubicBezTo>
+                <a:cubicBezTo>
+                  <a:pt x="13950" y="705153"/>
+                  <a:pt x="14162" y="695391"/>
+                  <a:pt x="12741" y="685800"/>
+                </a:cubicBezTo>
+                <a:cubicBezTo>
+                  <a:pt x="11731" y="678979"/>
+                  <a:pt x="8396" y="672650"/>
+                  <a:pt x="7298" y="665843"/>
+                </a:cubicBezTo>
+                <a:cubicBezTo>
+                  <a:pt x="5362" y="653842"/>
+                  <a:pt x="4840" y="641656"/>
+                  <a:pt x="3669" y="629557"/>
+                </a:cubicBezTo>
+                <a:cubicBezTo>
+                  <a:pt x="3026" y="622908"/>
+                  <a:pt x="1855" y="609600"/>
+                  <a:pt x="1855" y="609600"/>
+                </a:cubicBezTo>
+                <a:cubicBezTo>
+                  <a:pt x="1250" y="590248"/>
+                  <a:pt x="-271" y="570902"/>
+                  <a:pt x="41" y="551543"/>
+                </a:cubicBezTo>
+                <a:cubicBezTo>
+                  <a:pt x="892" y="498764"/>
+                  <a:pt x="1456" y="509994"/>
+                  <a:pt x="9112" y="471714"/>
+                </a:cubicBezTo>
+                <a:cubicBezTo>
+                  <a:pt x="12957" y="452489"/>
+                  <a:pt x="11919" y="453231"/>
+                  <a:pt x="16369" y="435429"/>
+                </a:cubicBezTo>
+                <a:cubicBezTo>
+                  <a:pt x="18528" y="426791"/>
+                  <a:pt x="24811" y="407068"/>
+                  <a:pt x="27255" y="400957"/>
+                </a:cubicBezTo>
+                <a:cubicBezTo>
+                  <a:pt x="28464" y="397933"/>
+                  <a:pt x="29853" y="394975"/>
+                  <a:pt x="30883" y="391886"/>
+                </a:cubicBezTo>
+                <a:cubicBezTo>
+                  <a:pt x="31672" y="389520"/>
+                  <a:pt x="31716" y="386921"/>
+                  <a:pt x="32698" y="384629"/>
+                </a:cubicBezTo>
+                <a:cubicBezTo>
+                  <a:pt x="33557" y="382625"/>
+                  <a:pt x="35351" y="381136"/>
+                  <a:pt x="36326" y="379186"/>
+                </a:cubicBezTo>
+                <a:cubicBezTo>
+                  <a:pt x="46818" y="358200"/>
+                  <a:pt x="31128" y="383354"/>
+                  <a:pt x="47212" y="359229"/>
+                </a:cubicBezTo>
+                <a:cubicBezTo>
+                  <a:pt x="51445" y="345924"/>
+                  <a:pt x="53967" y="331947"/>
+                  <a:pt x="59912" y="319314"/>
+                </a:cubicBezTo>
+                <a:cubicBezTo>
+                  <a:pt x="64750" y="309033"/>
+                  <a:pt x="70295" y="299056"/>
+                  <a:pt x="74426" y="288471"/>
+                </a:cubicBezTo>
+                <a:cubicBezTo>
+                  <a:pt x="81195" y="271125"/>
+                  <a:pt x="93362" y="226305"/>
+                  <a:pt x="103455" y="208643"/>
+                </a:cubicBezTo>
+                <a:cubicBezTo>
+                  <a:pt x="105874" y="204410"/>
+                  <a:pt x="108044" y="200024"/>
+                  <a:pt x="110712" y="195943"/>
+                </a:cubicBezTo>
+                <a:cubicBezTo>
+                  <a:pt x="118331" y="184290"/>
+                  <a:pt x="127135" y="173410"/>
+                  <a:pt x="134298" y="161471"/>
+                </a:cubicBezTo>
+                <a:cubicBezTo>
+                  <a:pt x="137926" y="155424"/>
+                  <a:pt x="141271" y="149197"/>
+                  <a:pt x="145183" y="143329"/>
+                </a:cubicBezTo>
+                <a:cubicBezTo>
+                  <a:pt x="147331" y="140107"/>
+                  <a:pt x="150293" y="137479"/>
+                  <a:pt x="152441" y="134257"/>
+                </a:cubicBezTo>
+                <a:cubicBezTo>
+                  <a:pt x="153941" y="132007"/>
+                  <a:pt x="154727" y="129348"/>
+                  <a:pt x="156069" y="127000"/>
+                </a:cubicBezTo>
+                <a:cubicBezTo>
+                  <a:pt x="157151" y="125107"/>
+                  <a:pt x="158488" y="123371"/>
+                  <a:pt x="159698" y="121557"/>
+                </a:cubicBezTo>
+                <a:cubicBezTo>
+                  <a:pt x="161637" y="113799"/>
+                  <a:pt x="164385" y="101418"/>
+                  <a:pt x="168769" y="96157"/>
+                </a:cubicBezTo>
+                <a:cubicBezTo>
+                  <a:pt x="175762" y="87766"/>
+                  <a:pt x="182626" y="79908"/>
+                  <a:pt x="188726" y="70757"/>
+                </a:cubicBezTo>
+                <a:cubicBezTo>
+                  <a:pt x="191430" y="66700"/>
+                  <a:pt x="193187" y="62051"/>
+                  <a:pt x="195983" y="58057"/>
+                </a:cubicBezTo>
+                <a:cubicBezTo>
+                  <a:pt x="197284" y="56198"/>
+                  <a:pt x="204833" y="50393"/>
+                  <a:pt x="205055" y="47171"/>
+                </a:cubicBezTo>
+                <a:cubicBezTo>
+                  <a:pt x="206137" y="31485"/>
+                  <a:pt x="205055" y="15724"/>
+                  <a:pt x="205055" y="0"/>
+                </a:cubicBezTo>
+              </a:path>
+            </a:pathLst>
+          </a:custGeom>
+          <a:noFill/>
+          <a:ln w="38100">
+            <a:solidFill>
+              <a:srgbClr val="FF0000"/>
+            </a:solidFill>
+          </a:ln>
+        </p:spPr>
+        <p:style>
+          <a:lnRef idx="2">
+            <a:schemeClr val="accent1">
+              <a:shade val="50000"/>
+            </a:schemeClr>
+          </a:lnRef>
+          <a:fillRef idx="1">
+            <a:schemeClr val="accent1"/>
+          </a:fillRef>
+          <a:effectRef idx="0">
+            <a:schemeClr val="accent1"/>
+          </a:effectRef>
+          <a:fontRef idx="minor">
+            <a:schemeClr val="lt1"/>
+          </a:fontRef>
+        </p:style>
+        <p:txBody>
+          <a:bodyPr rtlCol="1" anchor="ctr"/>
+          <a:lstStyle/>
+          <a:p>
+            <a:pPr algn="ctr"/>
+            <a:endParaRPr lang="he-IL"/>
+          </a:p>
+        </p:txBody>
+      </p:sp>
+      <p:sp>
+        <p:nvSpPr>
+          <p:cNvPr id="3" name="Freeform: Shape 2">
+            <a:extLst>
+              <a:ext uri="{FF2B5EF4-FFF2-40B4-BE49-F238E27FC236}">
+                <a16:creationId xmlns:a16="http://schemas.microsoft.com/office/drawing/2014/main" id="{D32F1890-6B05-4FD6-A480-53E146D6AB92}"/>
+              </a:ext>
+            </a:extLst>
+          </p:cNvPr>
+          <p:cNvSpPr/>
+          <p:nvPr/>
+        </p:nvSpPr>
+        <p:spPr>
+          <a:xfrm>
+            <a:off x="2344057" y="2937329"/>
+            <a:ext cx="879929" cy="1857828"/>
+          </a:xfrm>
+          <a:custGeom>
+            <a:avLst/>
+            <a:gdLst>
+              <a:gd name="connsiteX0" fmla="*/ 498929 w 879929"/>
+              <a:gd name="connsiteY0" fmla="*/ 1857828 h 1857828"/>
+              <a:gd name="connsiteX1" fmla="*/ 500743 w 879929"/>
+              <a:gd name="connsiteY1" fmla="*/ 1816100 h 1857828"/>
+              <a:gd name="connsiteX2" fmla="*/ 515257 w 879929"/>
+              <a:gd name="connsiteY2" fmla="*/ 1785257 h 1857828"/>
+              <a:gd name="connsiteX3" fmla="*/ 524329 w 879929"/>
+              <a:gd name="connsiteY3" fmla="*/ 1763485 h 1857828"/>
+              <a:gd name="connsiteX4" fmla="*/ 538843 w 879929"/>
+              <a:gd name="connsiteY4" fmla="*/ 1743528 h 1857828"/>
+              <a:gd name="connsiteX5" fmla="*/ 544286 w 879929"/>
+              <a:gd name="connsiteY5" fmla="*/ 1732642 h 1857828"/>
+              <a:gd name="connsiteX6" fmla="*/ 549729 w 879929"/>
+              <a:gd name="connsiteY6" fmla="*/ 1723571 h 1857828"/>
+              <a:gd name="connsiteX7" fmla="*/ 558800 w 879929"/>
+              <a:gd name="connsiteY7" fmla="*/ 1707242 h 1857828"/>
+              <a:gd name="connsiteX8" fmla="*/ 562429 w 879929"/>
+              <a:gd name="connsiteY8" fmla="*/ 1696357 h 1857828"/>
+              <a:gd name="connsiteX9" fmla="*/ 566057 w 879929"/>
+              <a:gd name="connsiteY9" fmla="*/ 1689100 h 1857828"/>
+              <a:gd name="connsiteX10" fmla="*/ 571500 w 879929"/>
+              <a:gd name="connsiteY10" fmla="*/ 1674585 h 1857828"/>
+              <a:gd name="connsiteX11" fmla="*/ 573314 w 879929"/>
+              <a:gd name="connsiteY11" fmla="*/ 1663700 h 1857828"/>
+              <a:gd name="connsiteX12" fmla="*/ 580572 w 879929"/>
+              <a:gd name="connsiteY12" fmla="*/ 1647371 h 1857828"/>
+              <a:gd name="connsiteX13" fmla="*/ 587829 w 879929"/>
+              <a:gd name="connsiteY13" fmla="*/ 1625600 h 1857828"/>
+              <a:gd name="connsiteX14" fmla="*/ 595086 w 879929"/>
+              <a:gd name="connsiteY14" fmla="*/ 1602014 h 1857828"/>
+              <a:gd name="connsiteX15" fmla="*/ 598714 w 879929"/>
+              <a:gd name="connsiteY15" fmla="*/ 1585685 h 1857828"/>
+              <a:gd name="connsiteX16" fmla="*/ 604157 w 879929"/>
+              <a:gd name="connsiteY16" fmla="*/ 1576614 h 1857828"/>
+              <a:gd name="connsiteX17" fmla="*/ 607786 w 879929"/>
+              <a:gd name="connsiteY17" fmla="*/ 1569357 h 1857828"/>
+              <a:gd name="connsiteX18" fmla="*/ 631372 w 879929"/>
+              <a:gd name="connsiteY18" fmla="*/ 1538514 h 1857828"/>
+              <a:gd name="connsiteX19" fmla="*/ 638629 w 879929"/>
+              <a:gd name="connsiteY19" fmla="*/ 1525814 h 1857828"/>
+              <a:gd name="connsiteX20" fmla="*/ 645886 w 879929"/>
+              <a:gd name="connsiteY20" fmla="*/ 1509485 h 1857828"/>
+              <a:gd name="connsiteX21" fmla="*/ 654957 w 879929"/>
+              <a:gd name="connsiteY21" fmla="*/ 1498600 h 1857828"/>
+              <a:gd name="connsiteX22" fmla="*/ 664029 w 879929"/>
+              <a:gd name="connsiteY22" fmla="*/ 1476828 h 1857828"/>
+              <a:gd name="connsiteX23" fmla="*/ 680357 w 879929"/>
+              <a:gd name="connsiteY23" fmla="*/ 1449614 h 1857828"/>
+              <a:gd name="connsiteX24" fmla="*/ 693057 w 879929"/>
+              <a:gd name="connsiteY24" fmla="*/ 1420585 h 1857828"/>
+              <a:gd name="connsiteX25" fmla="*/ 725714 w 879929"/>
+              <a:gd name="connsiteY25" fmla="*/ 1364342 h 1857828"/>
+              <a:gd name="connsiteX26" fmla="*/ 740229 w 879929"/>
+              <a:gd name="connsiteY26" fmla="*/ 1320800 h 1857828"/>
+              <a:gd name="connsiteX27" fmla="*/ 743857 w 879929"/>
+              <a:gd name="connsiteY27" fmla="*/ 1306285 h 1857828"/>
+              <a:gd name="connsiteX28" fmla="*/ 760186 w 879929"/>
+              <a:gd name="connsiteY28" fmla="*/ 1230085 h 1857828"/>
+              <a:gd name="connsiteX29" fmla="*/ 778329 w 879929"/>
+              <a:gd name="connsiteY29" fmla="*/ 1153885 h 1857828"/>
+              <a:gd name="connsiteX30" fmla="*/ 787400 w 879929"/>
+              <a:gd name="connsiteY30" fmla="*/ 1103085 h 1857828"/>
+              <a:gd name="connsiteX31" fmla="*/ 798286 w 879929"/>
+              <a:gd name="connsiteY31" fmla="*/ 1061357 h 1857828"/>
+              <a:gd name="connsiteX32" fmla="*/ 801914 w 879929"/>
+              <a:gd name="connsiteY32" fmla="*/ 1035957 h 1857828"/>
+              <a:gd name="connsiteX33" fmla="*/ 810986 w 879929"/>
+              <a:gd name="connsiteY33" fmla="*/ 1012371 h 1857828"/>
+              <a:gd name="connsiteX34" fmla="*/ 820057 w 879929"/>
+              <a:gd name="connsiteY34" fmla="*/ 981528 h 1857828"/>
+              <a:gd name="connsiteX35" fmla="*/ 823686 w 879929"/>
+              <a:gd name="connsiteY35" fmla="*/ 957942 h 1857828"/>
+              <a:gd name="connsiteX36" fmla="*/ 830943 w 879929"/>
+              <a:gd name="connsiteY36" fmla="*/ 934357 h 1857828"/>
+              <a:gd name="connsiteX37" fmla="*/ 836386 w 879929"/>
+              <a:gd name="connsiteY37" fmla="*/ 907142 h 1857828"/>
+              <a:gd name="connsiteX38" fmla="*/ 841829 w 879929"/>
+              <a:gd name="connsiteY38" fmla="*/ 887185 h 1857828"/>
+              <a:gd name="connsiteX39" fmla="*/ 849086 w 879929"/>
+              <a:gd name="connsiteY39" fmla="*/ 847271 h 1857828"/>
+              <a:gd name="connsiteX40" fmla="*/ 856343 w 879929"/>
+              <a:gd name="connsiteY40" fmla="*/ 825500 h 1857828"/>
+              <a:gd name="connsiteX41" fmla="*/ 861786 w 879929"/>
+              <a:gd name="connsiteY41" fmla="*/ 805542 h 1857828"/>
+              <a:gd name="connsiteX42" fmla="*/ 869043 w 879929"/>
+              <a:gd name="connsiteY42" fmla="*/ 774700 h 1857828"/>
+              <a:gd name="connsiteX43" fmla="*/ 876300 w 879929"/>
+              <a:gd name="connsiteY43" fmla="*/ 752928 h 1857828"/>
+              <a:gd name="connsiteX44" fmla="*/ 878114 w 879929"/>
+              <a:gd name="connsiteY44" fmla="*/ 727528 h 1857828"/>
+              <a:gd name="connsiteX45" fmla="*/ 879929 w 879929"/>
+              <a:gd name="connsiteY45" fmla="*/ 707571 h 1857828"/>
+              <a:gd name="connsiteX46" fmla="*/ 878114 w 879929"/>
+              <a:gd name="connsiteY46" fmla="*/ 635000 h 1857828"/>
+              <a:gd name="connsiteX47" fmla="*/ 876300 w 879929"/>
+              <a:gd name="connsiteY47" fmla="*/ 622300 h 1857828"/>
+              <a:gd name="connsiteX48" fmla="*/ 836386 w 879929"/>
+              <a:gd name="connsiteY48" fmla="*/ 533400 h 1857828"/>
+              <a:gd name="connsiteX49" fmla="*/ 829129 w 879929"/>
+              <a:gd name="connsiteY49" fmla="*/ 517071 h 1857828"/>
+              <a:gd name="connsiteX50" fmla="*/ 818243 w 879929"/>
+              <a:gd name="connsiteY50" fmla="*/ 504371 h 1857828"/>
+              <a:gd name="connsiteX51" fmla="*/ 783772 w 879929"/>
+              <a:gd name="connsiteY51" fmla="*/ 460828 h 1857828"/>
+              <a:gd name="connsiteX52" fmla="*/ 731157 w 879929"/>
+              <a:gd name="connsiteY52" fmla="*/ 417285 h 1857828"/>
+              <a:gd name="connsiteX53" fmla="*/ 691243 w 879929"/>
+              <a:gd name="connsiteY53" fmla="*/ 390071 h 1857828"/>
+              <a:gd name="connsiteX54" fmla="*/ 609600 w 879929"/>
+              <a:gd name="connsiteY54" fmla="*/ 359228 h 1857828"/>
+              <a:gd name="connsiteX55" fmla="*/ 578757 w 879929"/>
+              <a:gd name="connsiteY55" fmla="*/ 348342 h 1857828"/>
+              <a:gd name="connsiteX56" fmla="*/ 551543 w 879929"/>
+              <a:gd name="connsiteY56" fmla="*/ 337457 h 1857828"/>
+              <a:gd name="connsiteX57" fmla="*/ 504372 w 879929"/>
+              <a:gd name="connsiteY57" fmla="*/ 321128 h 1857828"/>
+              <a:gd name="connsiteX58" fmla="*/ 488043 w 879929"/>
+              <a:gd name="connsiteY58" fmla="*/ 312057 h 1857828"/>
+              <a:gd name="connsiteX59" fmla="*/ 449943 w 879929"/>
+              <a:gd name="connsiteY59" fmla="*/ 293914 h 1857828"/>
+              <a:gd name="connsiteX60" fmla="*/ 399143 w 879929"/>
+              <a:gd name="connsiteY60" fmla="*/ 266700 h 1857828"/>
+              <a:gd name="connsiteX61" fmla="*/ 373743 w 879929"/>
+              <a:gd name="connsiteY61" fmla="*/ 255814 h 1857828"/>
+              <a:gd name="connsiteX62" fmla="*/ 348343 w 879929"/>
+              <a:gd name="connsiteY62" fmla="*/ 243114 h 1857828"/>
+              <a:gd name="connsiteX63" fmla="*/ 328386 w 879929"/>
+              <a:gd name="connsiteY63" fmla="*/ 235857 h 1857828"/>
+              <a:gd name="connsiteX64" fmla="*/ 261257 w 879929"/>
+              <a:gd name="connsiteY64" fmla="*/ 201385 h 1857828"/>
+              <a:gd name="connsiteX65" fmla="*/ 239486 w 879929"/>
+              <a:gd name="connsiteY65" fmla="*/ 192314 h 1857828"/>
+              <a:gd name="connsiteX66" fmla="*/ 208643 w 879929"/>
+              <a:gd name="connsiteY66" fmla="*/ 172357 h 1857828"/>
+              <a:gd name="connsiteX67" fmla="*/ 183243 w 879929"/>
+              <a:gd name="connsiteY67" fmla="*/ 157842 h 1857828"/>
+              <a:gd name="connsiteX68" fmla="*/ 150586 w 879929"/>
+              <a:gd name="connsiteY68" fmla="*/ 132442 h 1857828"/>
+              <a:gd name="connsiteX69" fmla="*/ 136072 w 879929"/>
+              <a:gd name="connsiteY69" fmla="*/ 119742 h 1857828"/>
+              <a:gd name="connsiteX70" fmla="*/ 128814 w 879929"/>
+              <a:gd name="connsiteY70" fmla="*/ 112485 h 1857828"/>
+              <a:gd name="connsiteX71" fmla="*/ 112486 w 879929"/>
+              <a:gd name="connsiteY71" fmla="*/ 99785 h 1857828"/>
+              <a:gd name="connsiteX72" fmla="*/ 96157 w 879929"/>
+              <a:gd name="connsiteY72" fmla="*/ 85271 h 1857828"/>
+              <a:gd name="connsiteX73" fmla="*/ 70757 w 879929"/>
+              <a:gd name="connsiteY73" fmla="*/ 65314 h 1857828"/>
+              <a:gd name="connsiteX74" fmla="*/ 65314 w 879929"/>
+              <a:gd name="connsiteY74" fmla="*/ 58057 h 1857828"/>
+              <a:gd name="connsiteX75" fmla="*/ 59872 w 879929"/>
+              <a:gd name="connsiteY75" fmla="*/ 54428 h 1857828"/>
+              <a:gd name="connsiteX76" fmla="*/ 41729 w 879929"/>
+              <a:gd name="connsiteY76" fmla="*/ 38100 h 1857828"/>
+              <a:gd name="connsiteX77" fmla="*/ 34472 w 879929"/>
+              <a:gd name="connsiteY77" fmla="*/ 32657 h 1857828"/>
+              <a:gd name="connsiteX78" fmla="*/ 23586 w 879929"/>
+              <a:gd name="connsiteY78" fmla="*/ 21771 h 1857828"/>
+              <a:gd name="connsiteX79" fmla="*/ 7257 w 879929"/>
+              <a:gd name="connsiteY79" fmla="*/ 9071 h 1857828"/>
+              <a:gd name="connsiteX80" fmla="*/ 0 w 879929"/>
+              <a:gd name="connsiteY80" fmla="*/ 0 h 1857828"/>
+            </a:gdLst>
+            <a:ahLst/>
+            <a:cxnLst>
+              <a:cxn ang="0">
+                <a:pos x="connsiteX0" y="connsiteY0"/>
+              </a:cxn>
+              <a:cxn ang="0">
+                <a:pos x="connsiteX1" y="connsiteY1"/>
+              </a:cxn>
+              <a:cxn ang="0">
+                <a:pos x="connsiteX2" y="connsiteY2"/>
+              </a:cxn>
+              <a:cxn ang="0">
+                <a:pos x="connsiteX3" y="connsiteY3"/>
+              </a:cxn>
+              <a:cxn ang="0">
+                <a:pos x="connsiteX4" y="connsiteY4"/>
+              </a:cxn>
+              <a:cxn ang="0">
+                <a:pos x="connsiteX5" y="connsiteY5"/>
+              </a:cxn>
+              <a:cxn ang="0">
+                <a:pos x="connsiteX6" y="connsiteY6"/>
+              </a:cxn>
+              <a:cxn ang="0">
+                <a:pos x="connsiteX7" y="connsiteY7"/>
+              </a:cxn>
+              <a:cxn ang="0">
+                <a:pos x="connsiteX8" y="connsiteY8"/>
+              </a:cxn>
+              <a:cxn ang="0">
+                <a:pos x="connsiteX9" y="connsiteY9"/>
+              </a:cxn>
+              <a:cxn ang="0">
+                <a:pos x="connsiteX10" y="connsiteY10"/>
+              </a:cxn>
+              <a:cxn ang="0">
+                <a:pos x="connsiteX11" y="connsiteY11"/>
+              </a:cxn>
+              <a:cxn ang="0">
+                <a:pos x="connsiteX12" y="connsiteY12"/>
+              </a:cxn>
+              <a:cxn ang="0">
+                <a:pos x="connsiteX13" y="connsiteY13"/>
+              </a:cxn>
+              <a:cxn ang="0">
+                <a:pos x="connsiteX14" y="connsiteY14"/>
+              </a:cxn>
+              <a:cxn ang="0">
+                <a:pos x="connsiteX15" y="connsiteY15"/>
+              </a:cxn>
+              <a:cxn ang="0">
+                <a:pos x="connsiteX16" y="connsiteY16"/>
+              </a:cxn>
+              <a:cxn ang="0">
+                <a:pos x="connsiteX17" y="connsiteY17"/>
+              </a:cxn>
+              <a:cxn ang="0">
+                <a:pos x="connsiteX18" y="connsiteY18"/>
+              </a:cxn>
+              <a:cxn ang="0">
+                <a:pos x="connsiteX19" y="connsiteY19"/>
+              </a:cxn>
+              <a:cxn ang="0">
+                <a:pos x="connsiteX20" y="connsiteY20"/>
+              </a:cxn>
+              <a:cxn ang="0">
+                <a:pos x="connsiteX21" y="connsiteY21"/>
+              </a:cxn>
+              <a:cxn ang="0">
+                <a:pos x="connsiteX22" y="connsiteY22"/>
+              </a:cxn>
+              <a:cxn ang="0">
+                <a:pos x="connsiteX23" y="connsiteY23"/>
+              </a:cxn>
+              <a:cxn ang="0">
+                <a:pos x="connsiteX24" y="connsiteY24"/>
+              </a:cxn>
+              <a:cxn ang="0">
+                <a:pos x="connsiteX25" y="connsiteY25"/>
+              </a:cxn>
+              <a:cxn ang="0">
+                <a:pos x="connsiteX26" y="connsiteY26"/>
+              </a:cxn>
+              <a:cxn ang="0">
+                <a:pos x="connsiteX27" y="connsiteY27"/>
+              </a:cxn>
+              <a:cxn ang="0">
+                <a:pos x="connsiteX28" y="connsiteY28"/>
+              </a:cxn>
+              <a:cxn ang="0">
+                <a:pos x="connsiteX29" y="connsiteY29"/>
+              </a:cxn>
+              <a:cxn ang="0">
+                <a:pos x="connsiteX30" y="connsiteY30"/>
+              </a:cxn>
+              <a:cxn ang="0">
+                <a:pos x="connsiteX31" y="connsiteY31"/>
+              </a:cxn>
+              <a:cxn ang="0">
+                <a:pos x="connsiteX32" y="connsiteY32"/>
+              </a:cxn>
+              <a:cxn ang="0">
+                <a:pos x="connsiteX33" y="connsiteY33"/>
+              </a:cxn>
+              <a:cxn ang="0">
+                <a:pos x="connsiteX34" y="connsiteY34"/>
+              </a:cxn>
+              <a:cxn ang="0">
+                <a:pos x="connsiteX35" y="connsiteY35"/>
+              </a:cxn>
+              <a:cxn ang="0">
+                <a:pos x="connsiteX36" y="connsiteY36"/>
+              </a:cxn>
+              <a:cxn ang="0">
+                <a:pos x="connsiteX37" y="connsiteY37"/>
+              </a:cxn>
+              <a:cxn ang="0">
+                <a:pos x="connsiteX38" y="connsiteY38"/>
+              </a:cxn>
+              <a:cxn ang="0">
+                <a:pos x="connsiteX39" y="connsiteY39"/>
+              </a:cxn>
+              <a:cxn ang="0">
+                <a:pos x="connsiteX40" y="connsiteY40"/>
+              </a:cxn>
+              <a:cxn ang="0">
+                <a:pos x="connsiteX41" y="connsiteY41"/>
+              </a:cxn>
+              <a:cxn ang="0">
+                <a:pos x="connsiteX42" y="connsiteY42"/>
+              </a:cxn>
+              <a:cxn ang="0">
+                <a:pos x="connsiteX43" y="connsiteY43"/>
+              </a:cxn>
+              <a:cxn ang="0">
+                <a:pos x="connsiteX44" y="connsiteY44"/>
+              </a:cxn>
+              <a:cxn ang="0">
+                <a:pos x="connsiteX45" y="connsiteY45"/>
+              </a:cxn>
+              <a:cxn ang="0">
+                <a:pos x="connsiteX46" y="connsiteY46"/>
+              </a:cxn>
+              <a:cxn ang="0">
+                <a:pos x="connsiteX47" y="connsiteY47"/>
+              </a:cxn>
+              <a:cxn ang="0">
+                <a:pos x="connsiteX48" y="connsiteY48"/>
+              </a:cxn>
+              <a:cxn ang="0">
+                <a:pos x="connsiteX49" y="connsiteY49"/>
+              </a:cxn>
+              <a:cxn ang="0">
+                <a:pos x="connsiteX50" y="connsiteY50"/>
+              </a:cxn>
+              <a:cxn ang="0">
+                <a:pos x="connsiteX51" y="connsiteY51"/>
+              </a:cxn>
+              <a:cxn ang="0">
+                <a:pos x="connsiteX52" y="connsiteY52"/>
+              </a:cxn>
+              <a:cxn ang="0">
+                <a:pos x="connsiteX53" y="connsiteY53"/>
+              </a:cxn>
+              <a:cxn ang="0">
+                <a:pos x="connsiteX54" y="connsiteY54"/>
+              </a:cxn>
+              <a:cxn ang="0">
+                <a:pos x="connsiteX55" y="connsiteY55"/>
+              </a:cxn>
+              <a:cxn ang="0">
+                <a:pos x="connsiteX56" y="connsiteY56"/>
+              </a:cxn>
+              <a:cxn ang="0">
+                <a:pos x="connsiteX57" y="connsiteY57"/>
+              </a:cxn>
+              <a:cxn ang="0">
+                <a:pos x="connsiteX58" y="connsiteY58"/>
+              </a:cxn>
+              <a:cxn ang="0">
+                <a:pos x="connsiteX59" y="connsiteY59"/>
+              </a:cxn>
+              <a:cxn ang="0">
+                <a:pos x="connsiteX60" y="connsiteY60"/>
+              </a:cxn>
+              <a:cxn ang="0">
+                <a:pos x="connsiteX61" y="connsiteY61"/>
+              </a:cxn>
+              <a:cxn ang="0">
+                <a:pos x="connsiteX62" y="connsiteY62"/>
+              </a:cxn>
+              <a:cxn ang="0">
+                <a:pos x="connsiteX63" y="connsiteY63"/>
+              </a:cxn>
+              <a:cxn ang="0">
+                <a:pos x="connsiteX64" y="connsiteY64"/>
+              </a:cxn>
+              <a:cxn ang="0">
+                <a:pos x="connsiteX65" y="connsiteY65"/>
+              </a:cxn>
+              <a:cxn ang="0">
+                <a:pos x="connsiteX66" y="connsiteY66"/>
+              </a:cxn>
+              <a:cxn ang="0">
+                <a:pos x="connsiteX67" y="connsiteY67"/>
+              </a:cxn>
+              <a:cxn ang="0">
+                <a:pos x="connsiteX68" y="connsiteY68"/>
+              </a:cxn>
+              <a:cxn ang="0">
+                <a:pos x="connsiteX69" y="connsiteY69"/>
+              </a:cxn>
+              <a:cxn ang="0">
+                <a:pos x="connsiteX70" y="connsiteY70"/>
+              </a:cxn>
+              <a:cxn ang="0">
+                <a:pos x="connsiteX71" y="connsiteY71"/>
+              </a:cxn>
+              <a:cxn ang="0">
+                <a:pos x="connsiteX72" y="connsiteY72"/>
+              </a:cxn>
+              <a:cxn ang="0">
+                <a:pos x="connsiteX73" y="connsiteY73"/>
+              </a:cxn>
+              <a:cxn ang="0">
+                <a:pos x="connsiteX74" y="connsiteY74"/>
+              </a:cxn>
+              <a:cxn ang="0">
+                <a:pos x="connsiteX75" y="connsiteY75"/>
+              </a:cxn>
+              <a:cxn ang="0">
+                <a:pos x="connsiteX76" y="connsiteY76"/>
+              </a:cxn>
+              <a:cxn ang="0">
+                <a:pos x="connsiteX77" y="connsiteY77"/>
+              </a:cxn>
+              <a:cxn ang="0">
+                <a:pos x="connsiteX78" y="connsiteY78"/>
+              </a:cxn>
+              <a:cxn ang="0">
+                <a:pos x="connsiteX79" y="connsiteY79"/>
+              </a:cxn>
+              <a:cxn ang="0">
+                <a:pos x="connsiteX80" y="connsiteY80"/>
+              </a:cxn>
+            </a:cxnLst>
+            <a:rect l="l" t="t" r="r" b="b"/>
+            <a:pathLst>
+              <a:path w="879929" h="1857828">
+                <a:moveTo>
+                  <a:pt x="498929" y="1857828"/>
+                </a:moveTo>
+                <a:cubicBezTo>
+                  <a:pt x="499534" y="1843919"/>
+                  <a:pt x="497687" y="1829683"/>
+                  <a:pt x="500743" y="1816100"/>
+                </a:cubicBezTo>
+                <a:cubicBezTo>
+                  <a:pt x="503237" y="1805015"/>
+                  <a:pt x="510609" y="1795625"/>
+                  <a:pt x="515257" y="1785257"/>
+                </a:cubicBezTo>
+                <a:cubicBezTo>
+                  <a:pt x="518473" y="1778083"/>
+                  <a:pt x="520460" y="1770329"/>
+                  <a:pt x="524329" y="1763485"/>
+                </a:cubicBezTo>
+                <a:cubicBezTo>
+                  <a:pt x="528376" y="1756324"/>
+                  <a:pt x="535164" y="1750885"/>
+                  <a:pt x="538843" y="1743528"/>
+                </a:cubicBezTo>
+                <a:cubicBezTo>
+                  <a:pt x="540657" y="1739899"/>
+                  <a:pt x="542343" y="1736204"/>
+                  <a:pt x="544286" y="1732642"/>
+                </a:cubicBezTo>
+                <a:cubicBezTo>
+                  <a:pt x="545975" y="1729546"/>
+                  <a:pt x="548152" y="1726725"/>
+                  <a:pt x="549729" y="1723571"/>
+                </a:cubicBezTo>
+                <a:cubicBezTo>
+                  <a:pt x="558046" y="1706937"/>
+                  <a:pt x="548092" y="1721521"/>
+                  <a:pt x="558800" y="1707242"/>
+                </a:cubicBezTo>
+                <a:cubicBezTo>
+                  <a:pt x="560010" y="1703614"/>
+                  <a:pt x="561009" y="1699908"/>
+                  <a:pt x="562429" y="1696357"/>
+                </a:cubicBezTo>
+                <a:cubicBezTo>
+                  <a:pt x="563433" y="1693846"/>
+                  <a:pt x="565017" y="1691596"/>
+                  <a:pt x="566057" y="1689100"/>
+                </a:cubicBezTo>
+                <a:cubicBezTo>
+                  <a:pt x="568044" y="1684330"/>
+                  <a:pt x="569686" y="1679423"/>
+                  <a:pt x="571500" y="1674585"/>
+                </a:cubicBezTo>
+                <a:cubicBezTo>
+                  <a:pt x="572105" y="1670957"/>
+                  <a:pt x="572346" y="1667249"/>
+                  <a:pt x="573314" y="1663700"/>
+                </a:cubicBezTo>
+                <a:cubicBezTo>
+                  <a:pt x="574704" y="1658602"/>
+                  <a:pt x="578179" y="1652155"/>
+                  <a:pt x="580572" y="1647371"/>
+                </a:cubicBezTo>
+                <a:cubicBezTo>
+                  <a:pt x="585435" y="1623051"/>
+                  <a:pt x="577965" y="1657165"/>
+                  <a:pt x="587829" y="1625600"/>
+                </a:cubicBezTo>
+                <a:cubicBezTo>
+                  <a:pt x="596610" y="1597500"/>
+                  <a:pt x="586748" y="1618687"/>
+                  <a:pt x="595086" y="1602014"/>
+                </a:cubicBezTo>
+                <a:cubicBezTo>
+                  <a:pt x="596295" y="1596571"/>
+                  <a:pt x="596839" y="1590936"/>
+                  <a:pt x="598714" y="1585685"/>
+                </a:cubicBezTo>
+                <a:cubicBezTo>
+                  <a:pt x="599900" y="1582364"/>
+                  <a:pt x="602444" y="1579696"/>
+                  <a:pt x="604157" y="1576614"/>
+                </a:cubicBezTo>
+                <a:cubicBezTo>
+                  <a:pt x="605471" y="1574250"/>
+                  <a:pt x="606187" y="1571538"/>
+                  <a:pt x="607786" y="1569357"/>
+                </a:cubicBezTo>
+                <a:cubicBezTo>
+                  <a:pt x="625859" y="1544712"/>
+                  <a:pt x="619862" y="1557217"/>
+                  <a:pt x="631372" y="1538514"/>
+                </a:cubicBezTo>
+                <a:cubicBezTo>
+                  <a:pt x="633927" y="1534362"/>
+                  <a:pt x="636449" y="1530175"/>
+                  <a:pt x="638629" y="1525814"/>
+                </a:cubicBezTo>
+                <a:cubicBezTo>
+                  <a:pt x="641293" y="1520486"/>
+                  <a:pt x="642822" y="1514593"/>
+                  <a:pt x="645886" y="1509485"/>
+                </a:cubicBezTo>
+                <a:cubicBezTo>
+                  <a:pt x="648316" y="1505435"/>
+                  <a:pt x="652663" y="1502729"/>
+                  <a:pt x="654957" y="1498600"/>
+                </a:cubicBezTo>
+                <a:cubicBezTo>
+                  <a:pt x="658775" y="1491727"/>
+                  <a:pt x="660410" y="1483808"/>
+                  <a:pt x="664029" y="1476828"/>
+                </a:cubicBezTo>
+                <a:cubicBezTo>
+                  <a:pt x="668899" y="1467437"/>
+                  <a:pt x="675505" y="1459015"/>
+                  <a:pt x="680357" y="1449614"/>
+                </a:cubicBezTo>
+                <a:cubicBezTo>
+                  <a:pt x="685201" y="1440228"/>
+                  <a:pt x="688097" y="1429910"/>
+                  <a:pt x="693057" y="1420585"/>
+                </a:cubicBezTo>
+                <a:cubicBezTo>
+                  <a:pt x="703238" y="1401445"/>
+                  <a:pt x="718305" y="1384715"/>
+                  <a:pt x="725714" y="1364342"/>
+                </a:cubicBezTo>
+                <a:cubicBezTo>
+                  <a:pt x="733104" y="1344023"/>
+                  <a:pt x="734004" y="1342589"/>
+                  <a:pt x="740229" y="1320800"/>
+                </a:cubicBezTo>
+                <a:cubicBezTo>
+                  <a:pt x="741599" y="1316005"/>
+                  <a:pt x="742879" y="1311175"/>
+                  <a:pt x="743857" y="1306285"/>
+                </a:cubicBezTo>
+                <a:cubicBezTo>
+                  <a:pt x="752684" y="1262147"/>
+                  <a:pt x="740407" y="1301783"/>
+                  <a:pt x="760186" y="1230085"/>
+                </a:cubicBezTo>
+                <a:cubicBezTo>
+                  <a:pt x="776815" y="1169803"/>
+                  <a:pt x="771933" y="1195452"/>
+                  <a:pt x="778329" y="1153885"/>
+                </a:cubicBezTo>
+                <a:cubicBezTo>
+                  <a:pt x="781551" y="1111995"/>
+                  <a:pt x="777292" y="1148569"/>
+                  <a:pt x="787400" y="1103085"/>
+                </a:cubicBezTo>
+                <a:cubicBezTo>
+                  <a:pt x="796299" y="1063039"/>
+                  <a:pt x="784564" y="1099093"/>
+                  <a:pt x="798286" y="1061357"/>
+                </a:cubicBezTo>
+                <a:cubicBezTo>
+                  <a:pt x="799495" y="1052890"/>
+                  <a:pt x="799768" y="1044236"/>
+                  <a:pt x="801914" y="1035957"/>
+                </a:cubicBezTo>
+                <a:cubicBezTo>
+                  <a:pt x="804028" y="1027803"/>
+                  <a:pt x="808322" y="1020362"/>
+                  <a:pt x="810986" y="1012371"/>
+                </a:cubicBezTo>
+                <a:cubicBezTo>
+                  <a:pt x="814375" y="1002205"/>
+                  <a:pt x="817622" y="991964"/>
+                  <a:pt x="820057" y="981528"/>
+                </a:cubicBezTo>
+                <a:cubicBezTo>
+                  <a:pt x="821864" y="973782"/>
+                  <a:pt x="821897" y="965693"/>
+                  <a:pt x="823686" y="957942"/>
+                </a:cubicBezTo>
+                <a:cubicBezTo>
+                  <a:pt x="825536" y="949927"/>
+                  <a:pt x="828948" y="942337"/>
+                  <a:pt x="830943" y="934357"/>
+                </a:cubicBezTo>
+                <a:cubicBezTo>
+                  <a:pt x="833187" y="925382"/>
+                  <a:pt x="834306" y="916156"/>
+                  <a:pt x="836386" y="907142"/>
+                </a:cubicBezTo>
+                <a:cubicBezTo>
+                  <a:pt x="837936" y="900423"/>
+                  <a:pt x="840398" y="893930"/>
+                  <a:pt x="841829" y="887185"/>
+                </a:cubicBezTo>
+                <a:cubicBezTo>
+                  <a:pt x="844635" y="873957"/>
+                  <a:pt x="844810" y="860100"/>
+                  <a:pt x="849086" y="847271"/>
+                </a:cubicBezTo>
+                <a:cubicBezTo>
+                  <a:pt x="851505" y="840014"/>
+                  <a:pt x="854116" y="832818"/>
+                  <a:pt x="856343" y="825500"/>
+                </a:cubicBezTo>
+                <a:cubicBezTo>
+                  <a:pt x="858351" y="818903"/>
+                  <a:pt x="860114" y="812232"/>
+                  <a:pt x="861786" y="805542"/>
+                </a:cubicBezTo>
+                <a:cubicBezTo>
+                  <a:pt x="864466" y="794821"/>
+                  <a:pt x="865877" y="785253"/>
+                  <a:pt x="869043" y="774700"/>
+                </a:cubicBezTo>
+                <a:cubicBezTo>
+                  <a:pt x="871241" y="767373"/>
+                  <a:pt x="873881" y="760185"/>
+                  <a:pt x="876300" y="752928"/>
+                </a:cubicBezTo>
+                <a:cubicBezTo>
+                  <a:pt x="876905" y="744461"/>
+                  <a:pt x="877437" y="735989"/>
+                  <a:pt x="878114" y="727528"/>
+                </a:cubicBezTo>
+                <a:cubicBezTo>
+                  <a:pt x="878647" y="720869"/>
+                  <a:pt x="879929" y="714251"/>
+                  <a:pt x="879929" y="707571"/>
+                </a:cubicBezTo>
+                <a:cubicBezTo>
+                  <a:pt x="879929" y="683373"/>
+                  <a:pt x="879143" y="659176"/>
+                  <a:pt x="878114" y="635000"/>
+                </a:cubicBezTo>
+                <a:cubicBezTo>
+                  <a:pt x="877932" y="630728"/>
+                  <a:pt x="877613" y="626370"/>
+                  <a:pt x="876300" y="622300"/>
+                </a:cubicBezTo>
+                <a:cubicBezTo>
+                  <a:pt x="854606" y="555046"/>
+                  <a:pt x="866445" y="601036"/>
+                  <a:pt x="836386" y="533400"/>
+                </a:cubicBezTo>
+                <a:cubicBezTo>
+                  <a:pt x="833967" y="527957"/>
+                  <a:pt x="832286" y="522122"/>
+                  <a:pt x="829129" y="517071"/>
+                </a:cubicBezTo>
+                <a:cubicBezTo>
+                  <a:pt x="826174" y="512343"/>
+                  <a:pt x="821588" y="508832"/>
+                  <a:pt x="818243" y="504371"/>
+                </a:cubicBezTo>
+                <a:cubicBezTo>
+                  <a:pt x="796625" y="475547"/>
+                  <a:pt x="819116" y="497586"/>
+                  <a:pt x="783772" y="460828"/>
+                </a:cubicBezTo>
+                <a:cubicBezTo>
+                  <a:pt x="768724" y="445178"/>
+                  <a:pt x="748438" y="429692"/>
+                  <a:pt x="731157" y="417285"/>
+                </a:cubicBezTo>
+                <a:cubicBezTo>
+                  <a:pt x="718076" y="407894"/>
+                  <a:pt x="705114" y="398251"/>
+                  <a:pt x="691243" y="390071"/>
+                </a:cubicBezTo>
+                <a:cubicBezTo>
+                  <a:pt x="662688" y="373231"/>
+                  <a:pt x="642443" y="370820"/>
+                  <a:pt x="609600" y="359228"/>
+                </a:cubicBezTo>
+                <a:cubicBezTo>
+                  <a:pt x="599319" y="355599"/>
+                  <a:pt x="588965" y="352170"/>
+                  <a:pt x="578757" y="348342"/>
+                </a:cubicBezTo>
+                <a:cubicBezTo>
+                  <a:pt x="569609" y="344912"/>
+                  <a:pt x="560751" y="340724"/>
+                  <a:pt x="551543" y="337457"/>
+                </a:cubicBezTo>
+                <a:cubicBezTo>
+                  <a:pt x="530331" y="329930"/>
+                  <a:pt x="522911" y="329909"/>
+                  <a:pt x="504372" y="321128"/>
+                </a:cubicBezTo>
+                <a:cubicBezTo>
+                  <a:pt x="498745" y="318463"/>
+                  <a:pt x="493612" y="314841"/>
+                  <a:pt x="488043" y="312057"/>
+                </a:cubicBezTo>
+                <a:cubicBezTo>
+                  <a:pt x="471835" y="303953"/>
+                  <a:pt x="468790" y="306478"/>
+                  <a:pt x="449943" y="293914"/>
+                </a:cubicBezTo>
+                <a:cubicBezTo>
+                  <a:pt x="430534" y="280975"/>
+                  <a:pt x="429813" y="279845"/>
+                  <a:pt x="399143" y="266700"/>
+                </a:cubicBezTo>
+                <a:cubicBezTo>
+                  <a:pt x="390676" y="263071"/>
+                  <a:pt x="382098" y="259693"/>
+                  <a:pt x="373743" y="255814"/>
+                </a:cubicBezTo>
+                <a:cubicBezTo>
+                  <a:pt x="365157" y="251828"/>
+                  <a:pt x="357239" y="246349"/>
+                  <a:pt x="348343" y="243114"/>
+                </a:cubicBezTo>
+                <a:cubicBezTo>
+                  <a:pt x="341691" y="240695"/>
+                  <a:pt x="334877" y="238679"/>
+                  <a:pt x="328386" y="235857"/>
+                </a:cubicBezTo>
+                <a:cubicBezTo>
+                  <a:pt x="300879" y="223897"/>
+                  <a:pt x="293847" y="214964"/>
+                  <a:pt x="261257" y="201385"/>
+                </a:cubicBezTo>
+                <a:cubicBezTo>
+                  <a:pt x="254000" y="198361"/>
+                  <a:pt x="246518" y="195830"/>
+                  <a:pt x="239486" y="192314"/>
+                </a:cubicBezTo>
+                <a:cubicBezTo>
+                  <a:pt x="215050" y="180096"/>
+                  <a:pt x="228433" y="184535"/>
+                  <a:pt x="208643" y="172357"/>
+                </a:cubicBezTo>
+                <a:cubicBezTo>
+                  <a:pt x="167064" y="146771"/>
+                  <a:pt x="237184" y="193804"/>
+                  <a:pt x="183243" y="157842"/>
+                </a:cubicBezTo>
+                <a:cubicBezTo>
+                  <a:pt x="170868" y="149592"/>
+                  <a:pt x="162477" y="142455"/>
+                  <a:pt x="150586" y="132442"/>
+                </a:cubicBezTo>
+                <a:cubicBezTo>
+                  <a:pt x="145669" y="128301"/>
+                  <a:pt x="140618" y="124287"/>
+                  <a:pt x="136072" y="119742"/>
+                </a:cubicBezTo>
+                <a:cubicBezTo>
+                  <a:pt x="133653" y="117323"/>
+                  <a:pt x="131426" y="114695"/>
+                  <a:pt x="128814" y="112485"/>
+                </a:cubicBezTo>
+                <a:cubicBezTo>
+                  <a:pt x="123550" y="108031"/>
+                  <a:pt x="117640" y="104366"/>
+                  <a:pt x="112486" y="99785"/>
+                </a:cubicBezTo>
+                <a:cubicBezTo>
+                  <a:pt x="107043" y="94947"/>
+                  <a:pt x="101778" y="89900"/>
+                  <a:pt x="96157" y="85271"/>
+                </a:cubicBezTo>
+                <a:cubicBezTo>
+                  <a:pt x="89032" y="79403"/>
+                  <a:pt x="77567" y="72123"/>
+                  <a:pt x="70757" y="65314"/>
+                </a:cubicBezTo>
+                <a:cubicBezTo>
+                  <a:pt x="68619" y="63176"/>
+                  <a:pt x="67452" y="60195"/>
+                  <a:pt x="65314" y="58057"/>
+                </a:cubicBezTo>
+                <a:cubicBezTo>
+                  <a:pt x="63772" y="56515"/>
+                  <a:pt x="61593" y="55767"/>
+                  <a:pt x="59872" y="54428"/>
+                </a:cubicBezTo>
+                <a:cubicBezTo>
+                  <a:pt x="35258" y="35283"/>
+                  <a:pt x="60365" y="54407"/>
+                  <a:pt x="41729" y="38100"/>
+                </a:cubicBezTo>
+                <a:cubicBezTo>
+                  <a:pt x="39453" y="36109"/>
+                  <a:pt x="36720" y="34680"/>
+                  <a:pt x="34472" y="32657"/>
+                </a:cubicBezTo>
+                <a:cubicBezTo>
+                  <a:pt x="30658" y="29224"/>
+                  <a:pt x="27637" y="24922"/>
+                  <a:pt x="23586" y="21771"/>
+                </a:cubicBezTo>
+                <a:cubicBezTo>
+                  <a:pt x="18143" y="17538"/>
+                  <a:pt x="11394" y="14587"/>
+                  <a:pt x="7257" y="9071"/>
+                </a:cubicBezTo>
+                <a:cubicBezTo>
+                  <a:pt x="1301" y="1130"/>
+                  <a:pt x="3952" y="3952"/>
+                  <a:pt x="0" y="0"/>
+                </a:cubicBezTo>
+              </a:path>
+            </a:pathLst>
+          </a:custGeom>
+          <a:noFill/>
+          <a:ln w="28575">
+            <a:solidFill>
+              <a:schemeClr val="accent4">
+                <a:lumMod val="60000"/>
+                <a:lumOff val="40000"/>
+              </a:schemeClr>
+            </a:solidFill>
+          </a:ln>
+        </p:spPr>
+        <p:style>
+          <a:lnRef idx="2">
+            <a:schemeClr val="accent1">
+              <a:shade val="50000"/>
+            </a:schemeClr>
+          </a:lnRef>
+          <a:fillRef idx="1">
+            <a:schemeClr val="accent1"/>
+          </a:fillRef>
+          <a:effectRef idx="0">
+            <a:schemeClr val="accent1"/>
+          </a:effectRef>
+          <a:fontRef idx="minor">
+            <a:schemeClr val="lt1"/>
+          </a:fontRef>
+        </p:style>
+        <p:txBody>
+          <a:bodyPr rtlCol="1" anchor="ctr"/>
+          <a:lstStyle/>
+          <a:p>
+            <a:pPr algn="ctr"/>
+            <a:endParaRPr lang="he-IL"/>
+          </a:p>
+        </p:txBody>
+      </p:sp>
+      <p:sp>
+        <p:nvSpPr>
+          <p:cNvPr id="4" name="Freeform: Shape 3">
+            <a:extLst>
+              <a:ext uri="{FF2B5EF4-FFF2-40B4-BE49-F238E27FC236}">
+                <a16:creationId xmlns:a16="http://schemas.microsoft.com/office/drawing/2014/main" id="{F2D02EF3-F5E8-4663-8B39-787EA0B4D9C6}"/>
+              </a:ext>
+            </a:extLst>
+          </p:cNvPr>
+          <p:cNvSpPr/>
+          <p:nvPr/>
+        </p:nvSpPr>
+        <p:spPr>
+          <a:xfrm>
+            <a:off x="2331357" y="2922814"/>
+            <a:ext cx="738414" cy="1826986"/>
+          </a:xfrm>
+          <a:custGeom>
+            <a:avLst/>
+            <a:gdLst>
+              <a:gd name="connsiteX0" fmla="*/ 495300 w 738414"/>
+              <a:gd name="connsiteY0" fmla="*/ 1826986 h 1826986"/>
+              <a:gd name="connsiteX1" fmla="*/ 498929 w 738414"/>
+              <a:gd name="connsiteY1" fmla="*/ 1794329 h 1826986"/>
+              <a:gd name="connsiteX2" fmla="*/ 508000 w 738414"/>
+              <a:gd name="connsiteY2" fmla="*/ 1741715 h 1826986"/>
+              <a:gd name="connsiteX3" fmla="*/ 511629 w 738414"/>
+              <a:gd name="connsiteY3" fmla="*/ 1623786 h 1826986"/>
+              <a:gd name="connsiteX4" fmla="*/ 513443 w 738414"/>
+              <a:gd name="connsiteY4" fmla="*/ 1609272 h 1826986"/>
+              <a:gd name="connsiteX5" fmla="*/ 520700 w 738414"/>
+              <a:gd name="connsiteY5" fmla="*/ 1578429 h 1826986"/>
+              <a:gd name="connsiteX6" fmla="*/ 527957 w 738414"/>
+              <a:gd name="connsiteY6" fmla="*/ 1562100 h 1826986"/>
+              <a:gd name="connsiteX7" fmla="*/ 533400 w 738414"/>
+              <a:gd name="connsiteY7" fmla="*/ 1543957 h 1826986"/>
+              <a:gd name="connsiteX8" fmla="*/ 538843 w 738414"/>
+              <a:gd name="connsiteY8" fmla="*/ 1527629 h 1826986"/>
+              <a:gd name="connsiteX9" fmla="*/ 547914 w 738414"/>
+              <a:gd name="connsiteY9" fmla="*/ 1493157 h 1826986"/>
+              <a:gd name="connsiteX10" fmla="*/ 549729 w 738414"/>
+              <a:gd name="connsiteY10" fmla="*/ 1475015 h 1826986"/>
+              <a:gd name="connsiteX11" fmla="*/ 553357 w 738414"/>
+              <a:gd name="connsiteY11" fmla="*/ 1433286 h 1826986"/>
+              <a:gd name="connsiteX12" fmla="*/ 567872 w 738414"/>
+              <a:gd name="connsiteY12" fmla="*/ 1357086 h 1826986"/>
+              <a:gd name="connsiteX13" fmla="*/ 591457 w 738414"/>
+              <a:gd name="connsiteY13" fmla="*/ 1255486 h 1826986"/>
+              <a:gd name="connsiteX14" fmla="*/ 604157 w 738414"/>
+              <a:gd name="connsiteY14" fmla="*/ 1210129 h 1826986"/>
+              <a:gd name="connsiteX15" fmla="*/ 613229 w 738414"/>
+              <a:gd name="connsiteY15" fmla="*/ 1182915 h 1826986"/>
+              <a:gd name="connsiteX16" fmla="*/ 644072 w 738414"/>
+              <a:gd name="connsiteY16" fmla="*/ 1104900 h 1826986"/>
+              <a:gd name="connsiteX17" fmla="*/ 662214 w 738414"/>
+              <a:gd name="connsiteY17" fmla="*/ 1057729 h 1826986"/>
+              <a:gd name="connsiteX18" fmla="*/ 673100 w 738414"/>
+              <a:gd name="connsiteY18" fmla="*/ 1016000 h 1826986"/>
+              <a:gd name="connsiteX19" fmla="*/ 678543 w 738414"/>
+              <a:gd name="connsiteY19" fmla="*/ 999672 h 1826986"/>
+              <a:gd name="connsiteX20" fmla="*/ 683986 w 738414"/>
+              <a:gd name="connsiteY20" fmla="*/ 968829 h 1826986"/>
+              <a:gd name="connsiteX21" fmla="*/ 689429 w 738414"/>
+              <a:gd name="connsiteY21" fmla="*/ 952500 h 1826986"/>
+              <a:gd name="connsiteX22" fmla="*/ 694872 w 738414"/>
+              <a:gd name="connsiteY22" fmla="*/ 934357 h 1826986"/>
+              <a:gd name="connsiteX23" fmla="*/ 703943 w 738414"/>
+              <a:gd name="connsiteY23" fmla="*/ 905329 h 1826986"/>
+              <a:gd name="connsiteX24" fmla="*/ 713014 w 738414"/>
+              <a:gd name="connsiteY24" fmla="*/ 861786 h 1826986"/>
+              <a:gd name="connsiteX25" fmla="*/ 722086 w 738414"/>
+              <a:gd name="connsiteY25" fmla="*/ 821872 h 1826986"/>
+              <a:gd name="connsiteX26" fmla="*/ 729343 w 738414"/>
+              <a:gd name="connsiteY26" fmla="*/ 807357 h 1826986"/>
+              <a:gd name="connsiteX27" fmla="*/ 731157 w 738414"/>
+              <a:gd name="connsiteY27" fmla="*/ 798286 h 1826986"/>
+              <a:gd name="connsiteX28" fmla="*/ 732972 w 738414"/>
+              <a:gd name="connsiteY28" fmla="*/ 780143 h 1826986"/>
+              <a:gd name="connsiteX29" fmla="*/ 738414 w 738414"/>
+              <a:gd name="connsiteY29" fmla="*/ 762000 h 1826986"/>
+              <a:gd name="connsiteX30" fmla="*/ 727529 w 738414"/>
+              <a:gd name="connsiteY30" fmla="*/ 680357 h 1826986"/>
+              <a:gd name="connsiteX31" fmla="*/ 664029 w 738414"/>
+              <a:gd name="connsiteY31" fmla="*/ 604157 h 1826986"/>
+              <a:gd name="connsiteX32" fmla="*/ 564243 w 738414"/>
+              <a:gd name="connsiteY32" fmla="*/ 520700 h 1826986"/>
+              <a:gd name="connsiteX33" fmla="*/ 531586 w 738414"/>
+              <a:gd name="connsiteY33" fmla="*/ 495300 h 1826986"/>
+              <a:gd name="connsiteX34" fmla="*/ 475343 w 738414"/>
+              <a:gd name="connsiteY34" fmla="*/ 444500 h 1826986"/>
+              <a:gd name="connsiteX35" fmla="*/ 419100 w 738414"/>
+              <a:gd name="connsiteY35" fmla="*/ 402772 h 1826986"/>
+              <a:gd name="connsiteX36" fmla="*/ 384629 w 738414"/>
+              <a:gd name="connsiteY36" fmla="*/ 379186 h 1826986"/>
+              <a:gd name="connsiteX37" fmla="*/ 353786 w 738414"/>
+              <a:gd name="connsiteY37" fmla="*/ 361043 h 1826986"/>
+              <a:gd name="connsiteX38" fmla="*/ 321129 w 738414"/>
+              <a:gd name="connsiteY38" fmla="*/ 339272 h 1826986"/>
+              <a:gd name="connsiteX39" fmla="*/ 241300 w 738414"/>
+              <a:gd name="connsiteY39" fmla="*/ 295729 h 1826986"/>
+              <a:gd name="connsiteX40" fmla="*/ 214086 w 738414"/>
+              <a:gd name="connsiteY40" fmla="*/ 283029 h 1826986"/>
+              <a:gd name="connsiteX41" fmla="*/ 168729 w 738414"/>
+              <a:gd name="connsiteY41" fmla="*/ 250372 h 1826986"/>
+              <a:gd name="connsiteX42" fmla="*/ 146957 w 738414"/>
+              <a:gd name="connsiteY42" fmla="*/ 237672 h 1826986"/>
+              <a:gd name="connsiteX43" fmla="*/ 139700 w 738414"/>
+              <a:gd name="connsiteY43" fmla="*/ 232229 h 1826986"/>
+              <a:gd name="connsiteX44" fmla="*/ 117929 w 738414"/>
+              <a:gd name="connsiteY44" fmla="*/ 217715 h 1826986"/>
+              <a:gd name="connsiteX45" fmla="*/ 90714 w 738414"/>
+              <a:gd name="connsiteY45" fmla="*/ 188686 h 1826986"/>
+              <a:gd name="connsiteX46" fmla="*/ 81643 w 738414"/>
+              <a:gd name="connsiteY46" fmla="*/ 175986 h 1826986"/>
+              <a:gd name="connsiteX47" fmla="*/ 70757 w 738414"/>
+              <a:gd name="connsiteY47" fmla="*/ 165100 h 1826986"/>
+              <a:gd name="connsiteX48" fmla="*/ 67129 w 738414"/>
+              <a:gd name="connsiteY48" fmla="*/ 157843 h 1826986"/>
+              <a:gd name="connsiteX49" fmla="*/ 63500 w 738414"/>
+              <a:gd name="connsiteY49" fmla="*/ 148772 h 1826986"/>
+              <a:gd name="connsiteX50" fmla="*/ 58057 w 738414"/>
+              <a:gd name="connsiteY50" fmla="*/ 141515 h 1826986"/>
+              <a:gd name="connsiteX51" fmla="*/ 48986 w 738414"/>
+              <a:gd name="connsiteY51" fmla="*/ 128815 h 1826986"/>
+              <a:gd name="connsiteX52" fmla="*/ 39914 w 738414"/>
+              <a:gd name="connsiteY52" fmla="*/ 105229 h 1826986"/>
+              <a:gd name="connsiteX53" fmla="*/ 32657 w 738414"/>
+              <a:gd name="connsiteY53" fmla="*/ 87086 h 1826986"/>
+              <a:gd name="connsiteX54" fmla="*/ 29029 w 738414"/>
+              <a:gd name="connsiteY54" fmla="*/ 76200 h 1826986"/>
+              <a:gd name="connsiteX55" fmla="*/ 23586 w 738414"/>
+              <a:gd name="connsiteY55" fmla="*/ 63500 h 1826986"/>
+              <a:gd name="connsiteX56" fmla="*/ 18143 w 738414"/>
+              <a:gd name="connsiteY56" fmla="*/ 50800 h 1826986"/>
+              <a:gd name="connsiteX57" fmla="*/ 16329 w 738414"/>
+              <a:gd name="connsiteY57" fmla="*/ 45357 h 1826986"/>
+              <a:gd name="connsiteX58" fmla="*/ 9072 w 738414"/>
+              <a:gd name="connsiteY58" fmla="*/ 32657 h 1826986"/>
+              <a:gd name="connsiteX59" fmla="*/ 7257 w 738414"/>
+              <a:gd name="connsiteY59" fmla="*/ 21772 h 1826986"/>
+              <a:gd name="connsiteX60" fmla="*/ 3629 w 738414"/>
+              <a:gd name="connsiteY60" fmla="*/ 10886 h 1826986"/>
+              <a:gd name="connsiteX61" fmla="*/ 0 w 738414"/>
+              <a:gd name="connsiteY61" fmla="*/ 0 h 1826986"/>
+            </a:gdLst>
+            <a:ahLst/>
+            <a:cxnLst>
+              <a:cxn ang="0">
+                <a:pos x="connsiteX0" y="connsiteY0"/>
+              </a:cxn>
+              <a:cxn ang="0">
+                <a:pos x="connsiteX1" y="connsiteY1"/>
+              </a:cxn>
+              <a:cxn ang="0">
+                <a:pos x="connsiteX2" y="connsiteY2"/>
+              </a:cxn>
+              <a:cxn ang="0">
+                <a:pos x="connsiteX3" y="connsiteY3"/>
+              </a:cxn>
+              <a:cxn ang="0">
+                <a:pos x="connsiteX4" y="connsiteY4"/>
+              </a:cxn>
+              <a:cxn ang="0">
+                <a:pos x="connsiteX5" y="connsiteY5"/>
+              </a:cxn>
+              <a:cxn ang="0">
+                <a:pos x="connsiteX6" y="connsiteY6"/>
+              </a:cxn>
+              <a:cxn ang="0">
+                <a:pos x="connsiteX7" y="connsiteY7"/>
+              </a:cxn>
+              <a:cxn ang="0">
+                <a:pos x="connsiteX8" y="connsiteY8"/>
+              </a:cxn>
+              <a:cxn ang="0">
+                <a:pos x="connsiteX9" y="connsiteY9"/>
+              </a:cxn>
+              <a:cxn ang="0">
+                <a:pos x="connsiteX10" y="connsiteY10"/>
+              </a:cxn>
+              <a:cxn ang="0">
+                <a:pos x="connsiteX11" y="connsiteY11"/>
+              </a:cxn>
+              <a:cxn ang="0">
+                <a:pos x="connsiteX12" y="connsiteY12"/>
+              </a:cxn>
+              <a:cxn ang="0">
+                <a:pos x="connsiteX13" y="connsiteY13"/>
+              </a:cxn>
+              <a:cxn ang="0">
+                <a:pos x="connsiteX14" y="connsiteY14"/>
+              </a:cxn>
+              <a:cxn ang="0">
+                <a:pos x="connsiteX15" y="connsiteY15"/>
+              </a:cxn>
+              <a:cxn ang="0">
+                <a:pos x="connsiteX16" y="connsiteY16"/>
+              </a:cxn>
+              <a:cxn ang="0">
+                <a:pos x="connsiteX17" y="connsiteY17"/>
+              </a:cxn>
+              <a:cxn ang="0">
+                <a:pos x="connsiteX18" y="connsiteY18"/>
+              </a:cxn>
+              <a:cxn ang="0">
+                <a:pos x="connsiteX19" y="connsiteY19"/>
+              </a:cxn>
+              <a:cxn ang="0">
+                <a:pos x="connsiteX20" y="connsiteY20"/>
+              </a:cxn>
+              <a:cxn ang="0">
+                <a:pos x="connsiteX21" y="connsiteY21"/>
+              </a:cxn>
+              <a:cxn ang="0">
+                <a:pos x="connsiteX22" y="connsiteY22"/>
+              </a:cxn>
+              <a:cxn ang="0">
+                <a:pos x="connsiteX23" y="connsiteY23"/>
+              </a:cxn>
+              <a:cxn ang="0">
+                <a:pos x="connsiteX24" y="connsiteY24"/>
+              </a:cxn>
+              <a:cxn ang="0">
+                <a:pos x="connsiteX25" y="connsiteY25"/>
+              </a:cxn>
+              <a:cxn ang="0">
+                <a:pos x="connsiteX26" y="connsiteY26"/>
+              </a:cxn>
+              <a:cxn ang="0">
+                <a:pos x="connsiteX27" y="connsiteY27"/>
+              </a:cxn>
+              <a:cxn ang="0">
+                <a:pos x="connsiteX28" y="connsiteY28"/>
+              </a:cxn>
+              <a:cxn ang="0">
+                <a:pos x="connsiteX29" y="connsiteY29"/>
+              </a:cxn>
+              <a:cxn ang="0">
+                <a:pos x="connsiteX30" y="connsiteY30"/>
+              </a:cxn>
+              <a:cxn ang="0">
+                <a:pos x="connsiteX31" y="connsiteY31"/>
+              </a:cxn>
+              <a:cxn ang="0">
+                <a:pos x="connsiteX32" y="connsiteY32"/>
+              </a:cxn>
+              <a:cxn ang="0">
+                <a:pos x="connsiteX33" y="connsiteY33"/>
+              </a:cxn>
+              <a:cxn ang="0">
+                <a:pos x="connsiteX34" y="connsiteY34"/>
+              </a:cxn>
+              <a:cxn ang="0">
+                <a:pos x="connsiteX35" y="connsiteY35"/>
+              </a:cxn>
+              <a:cxn ang="0">
+                <a:pos x="connsiteX36" y="connsiteY36"/>
+              </a:cxn>
+              <a:cxn ang="0">
+                <a:pos x="connsiteX37" y="connsiteY37"/>
+              </a:cxn>
+              <a:cxn ang="0">
+                <a:pos x="connsiteX38" y="connsiteY38"/>
+              </a:cxn>
+              <a:cxn ang="0">
+                <a:pos x="connsiteX39" y="connsiteY39"/>
+              </a:cxn>
+              <a:cxn ang="0">
+                <a:pos x="connsiteX40" y="connsiteY40"/>
+              </a:cxn>
+              <a:cxn ang="0">
+                <a:pos x="connsiteX41" y="connsiteY41"/>
+              </a:cxn>
+              <a:cxn ang="0">
+                <a:pos x="connsiteX42" y="connsiteY42"/>
+              </a:cxn>
+              <a:cxn ang="0">
+                <a:pos x="connsiteX43" y="connsiteY43"/>
+              </a:cxn>
+              <a:cxn ang="0">
+                <a:pos x="connsiteX44" y="connsiteY44"/>
+              </a:cxn>
+              <a:cxn ang="0">
+                <a:pos x="connsiteX45" y="connsiteY45"/>
+              </a:cxn>
+              <a:cxn ang="0">
+                <a:pos x="connsiteX46" y="connsiteY46"/>
+              </a:cxn>
+              <a:cxn ang="0">
+                <a:pos x="connsiteX47" y="connsiteY47"/>
+              </a:cxn>
+              <a:cxn ang="0">
+                <a:pos x="connsiteX48" y="connsiteY48"/>
+              </a:cxn>
+              <a:cxn ang="0">
+                <a:pos x="connsiteX49" y="connsiteY49"/>
+              </a:cxn>
+              <a:cxn ang="0">
+                <a:pos x="connsiteX50" y="connsiteY50"/>
+              </a:cxn>
+              <a:cxn ang="0">
+                <a:pos x="connsiteX51" y="connsiteY51"/>
+              </a:cxn>
+              <a:cxn ang="0">
+                <a:pos x="connsiteX52" y="connsiteY52"/>
+              </a:cxn>
+              <a:cxn ang="0">
+                <a:pos x="connsiteX53" y="connsiteY53"/>
+              </a:cxn>
+              <a:cxn ang="0">
+                <a:pos x="connsiteX54" y="connsiteY54"/>
+              </a:cxn>
+              <a:cxn ang="0">
+                <a:pos x="connsiteX55" y="connsiteY55"/>
+              </a:cxn>
+              <a:cxn ang="0">
+                <a:pos x="connsiteX56" y="connsiteY56"/>
+              </a:cxn>
+              <a:cxn ang="0">
+                <a:pos x="connsiteX57" y="connsiteY57"/>
+              </a:cxn>
+              <a:cxn ang="0">
+                <a:pos x="connsiteX58" y="connsiteY58"/>
+              </a:cxn>
+              <a:cxn ang="0">
+                <a:pos x="connsiteX59" y="connsiteY59"/>
+              </a:cxn>
+              <a:cxn ang="0">
+                <a:pos x="connsiteX60" y="connsiteY60"/>
+              </a:cxn>
+              <a:cxn ang="0">
+                <a:pos x="connsiteX61" y="connsiteY61"/>
+              </a:cxn>
+            </a:cxnLst>
+            <a:rect l="l" t="t" r="r" b="b"/>
+            <a:pathLst>
+              <a:path w="738414" h="1826986">
+                <a:moveTo>
+                  <a:pt x="495300" y="1826986"/>
+                </a:moveTo>
+                <a:cubicBezTo>
+                  <a:pt x="496510" y="1816100"/>
+                  <a:pt x="497527" y="1805192"/>
+                  <a:pt x="498929" y="1794329"/>
+                </a:cubicBezTo>
+                <a:cubicBezTo>
+                  <a:pt x="501405" y="1775136"/>
+                  <a:pt x="504369" y="1761082"/>
+                  <a:pt x="508000" y="1741715"/>
+                </a:cubicBezTo>
+                <a:cubicBezTo>
+                  <a:pt x="509210" y="1702405"/>
+                  <a:pt x="510014" y="1663081"/>
+                  <a:pt x="511629" y="1623786"/>
+                </a:cubicBezTo>
+                <a:cubicBezTo>
+                  <a:pt x="511829" y="1618914"/>
+                  <a:pt x="512641" y="1614081"/>
+                  <a:pt x="513443" y="1609272"/>
+                </a:cubicBezTo>
+                <a:cubicBezTo>
+                  <a:pt x="514722" y="1601597"/>
+                  <a:pt x="517672" y="1586505"/>
+                  <a:pt x="520700" y="1578429"/>
+                </a:cubicBezTo>
+                <a:cubicBezTo>
+                  <a:pt x="522791" y="1572852"/>
+                  <a:pt x="525898" y="1567689"/>
+                  <a:pt x="527957" y="1562100"/>
+                </a:cubicBezTo>
+                <a:cubicBezTo>
+                  <a:pt x="530140" y="1556175"/>
+                  <a:pt x="531499" y="1549978"/>
+                  <a:pt x="533400" y="1543957"/>
+                </a:cubicBezTo>
+                <a:cubicBezTo>
+                  <a:pt x="535128" y="1538486"/>
+                  <a:pt x="537383" y="1533177"/>
+                  <a:pt x="538843" y="1527629"/>
+                </a:cubicBezTo>
+                <a:cubicBezTo>
+                  <a:pt x="550735" y="1482444"/>
+                  <a:pt x="533882" y="1535259"/>
+                  <a:pt x="547914" y="1493157"/>
+                </a:cubicBezTo>
+                <a:cubicBezTo>
+                  <a:pt x="548519" y="1487110"/>
+                  <a:pt x="549179" y="1481068"/>
+                  <a:pt x="549729" y="1475015"/>
+                </a:cubicBezTo>
+                <a:cubicBezTo>
+                  <a:pt x="550993" y="1461110"/>
+                  <a:pt x="551234" y="1447086"/>
+                  <a:pt x="553357" y="1433286"/>
+                </a:cubicBezTo>
+                <a:cubicBezTo>
+                  <a:pt x="559601" y="1392705"/>
+                  <a:pt x="555619" y="1415900"/>
+                  <a:pt x="567872" y="1357086"/>
+                </a:cubicBezTo>
+                <a:cubicBezTo>
+                  <a:pt x="577771" y="1309572"/>
+                  <a:pt x="576477" y="1315408"/>
+                  <a:pt x="591457" y="1255486"/>
+                </a:cubicBezTo>
+                <a:cubicBezTo>
+                  <a:pt x="594920" y="1241634"/>
+                  <a:pt x="599662" y="1224175"/>
+                  <a:pt x="604157" y="1210129"/>
+                </a:cubicBezTo>
+                <a:cubicBezTo>
+                  <a:pt x="607071" y="1201022"/>
+                  <a:pt x="609894" y="1191877"/>
+                  <a:pt x="613229" y="1182915"/>
+                </a:cubicBezTo>
+                <a:cubicBezTo>
+                  <a:pt x="616005" y="1175454"/>
+                  <a:pt x="637575" y="1120848"/>
+                  <a:pt x="644072" y="1104900"/>
+                </a:cubicBezTo>
+                <a:cubicBezTo>
+                  <a:pt x="654098" y="1080291"/>
+                  <a:pt x="653361" y="1084288"/>
+                  <a:pt x="662214" y="1057729"/>
+                </a:cubicBezTo>
+                <a:cubicBezTo>
+                  <a:pt x="671468" y="1029968"/>
+                  <a:pt x="664331" y="1048153"/>
+                  <a:pt x="673100" y="1016000"/>
+                </a:cubicBezTo>
+                <a:cubicBezTo>
+                  <a:pt x="674610" y="1010465"/>
+                  <a:pt x="677253" y="1005262"/>
+                  <a:pt x="678543" y="999672"/>
+                </a:cubicBezTo>
+                <a:cubicBezTo>
+                  <a:pt x="680891" y="989500"/>
+                  <a:pt x="681638" y="979002"/>
+                  <a:pt x="683986" y="968829"/>
+                </a:cubicBezTo>
+                <a:cubicBezTo>
+                  <a:pt x="685276" y="963239"/>
+                  <a:pt x="687701" y="957971"/>
+                  <a:pt x="689429" y="952500"/>
+                </a:cubicBezTo>
+                <a:cubicBezTo>
+                  <a:pt x="691330" y="946479"/>
+                  <a:pt x="693265" y="940463"/>
+                  <a:pt x="694872" y="934357"/>
+                </a:cubicBezTo>
+                <a:cubicBezTo>
+                  <a:pt x="701708" y="908378"/>
+                  <a:pt x="694479" y="927412"/>
+                  <a:pt x="703943" y="905329"/>
+                </a:cubicBezTo>
+                <a:cubicBezTo>
+                  <a:pt x="710842" y="857038"/>
+                  <a:pt x="703360" y="900405"/>
+                  <a:pt x="713014" y="861786"/>
+                </a:cubicBezTo>
+                <a:cubicBezTo>
+                  <a:pt x="716846" y="846457"/>
+                  <a:pt x="716680" y="837317"/>
+                  <a:pt x="722086" y="821872"/>
+                </a:cubicBezTo>
+                <a:cubicBezTo>
+                  <a:pt x="723873" y="816766"/>
+                  <a:pt x="726924" y="812195"/>
+                  <a:pt x="729343" y="807357"/>
+                </a:cubicBezTo>
+                <a:cubicBezTo>
+                  <a:pt x="729948" y="804333"/>
+                  <a:pt x="730749" y="801342"/>
+                  <a:pt x="731157" y="798286"/>
+                </a:cubicBezTo>
+                <a:cubicBezTo>
+                  <a:pt x="731960" y="792261"/>
+                  <a:pt x="731780" y="786103"/>
+                  <a:pt x="732972" y="780143"/>
+                </a:cubicBezTo>
+                <a:cubicBezTo>
+                  <a:pt x="734210" y="773952"/>
+                  <a:pt x="736600" y="768048"/>
+                  <a:pt x="738414" y="762000"/>
+                </a:cubicBezTo>
+                <a:cubicBezTo>
+                  <a:pt x="736398" y="731760"/>
+                  <a:pt x="738316" y="707815"/>
+                  <a:pt x="727529" y="680357"/>
+                </a:cubicBezTo>
+                <a:cubicBezTo>
+                  <a:pt x="714559" y="647341"/>
+                  <a:pt x="690212" y="630340"/>
+                  <a:pt x="664029" y="604157"/>
+                </a:cubicBezTo>
+                <a:cubicBezTo>
+                  <a:pt x="633334" y="573462"/>
+                  <a:pt x="598372" y="547363"/>
+                  <a:pt x="564243" y="520700"/>
+                </a:cubicBezTo>
+                <a:cubicBezTo>
+                  <a:pt x="553376" y="512210"/>
+                  <a:pt x="541820" y="504544"/>
+                  <a:pt x="531586" y="495300"/>
+                </a:cubicBezTo>
+                <a:cubicBezTo>
+                  <a:pt x="512838" y="478367"/>
+                  <a:pt x="495632" y="459553"/>
+                  <a:pt x="475343" y="444500"/>
+                </a:cubicBezTo>
+                <a:cubicBezTo>
+                  <a:pt x="456595" y="430591"/>
+                  <a:pt x="438045" y="416412"/>
+                  <a:pt x="419100" y="402772"/>
+                </a:cubicBezTo>
+                <a:cubicBezTo>
+                  <a:pt x="407801" y="394637"/>
+                  <a:pt x="396629" y="386245"/>
+                  <a:pt x="384629" y="379186"/>
+                </a:cubicBezTo>
+                <a:cubicBezTo>
+                  <a:pt x="374348" y="373138"/>
+                  <a:pt x="363885" y="367391"/>
+                  <a:pt x="353786" y="361043"/>
+                </a:cubicBezTo>
+                <a:cubicBezTo>
+                  <a:pt x="342710" y="354081"/>
+                  <a:pt x="332443" y="345841"/>
+                  <a:pt x="321129" y="339272"/>
+                </a:cubicBezTo>
+                <a:cubicBezTo>
+                  <a:pt x="294917" y="324052"/>
+                  <a:pt x="268998" y="308040"/>
+                  <a:pt x="241300" y="295729"/>
+                </a:cubicBezTo>
+                <a:cubicBezTo>
+                  <a:pt x="237133" y="293877"/>
+                  <a:pt x="219491" y="286332"/>
+                  <a:pt x="214086" y="283029"/>
+                </a:cubicBezTo>
+                <a:cubicBezTo>
+                  <a:pt x="173527" y="258244"/>
+                  <a:pt x="211207" y="279257"/>
+                  <a:pt x="168729" y="250372"/>
+                </a:cubicBezTo>
+                <a:cubicBezTo>
+                  <a:pt x="161781" y="245648"/>
+                  <a:pt x="154082" y="242125"/>
+                  <a:pt x="146957" y="237672"/>
+                </a:cubicBezTo>
+                <a:cubicBezTo>
+                  <a:pt x="144393" y="236069"/>
+                  <a:pt x="142216" y="233906"/>
+                  <a:pt x="139700" y="232229"/>
+                </a:cubicBezTo>
+                <a:cubicBezTo>
+                  <a:pt x="129981" y="225750"/>
+                  <a:pt x="127873" y="226416"/>
+                  <a:pt x="117929" y="217715"/>
+                </a:cubicBezTo>
+                <a:cubicBezTo>
+                  <a:pt x="109883" y="210674"/>
+                  <a:pt x="97754" y="197646"/>
+                  <a:pt x="90714" y="188686"/>
+                </a:cubicBezTo>
+                <a:cubicBezTo>
+                  <a:pt x="87500" y="184595"/>
+                  <a:pt x="85003" y="179957"/>
+                  <a:pt x="81643" y="175986"/>
+                </a:cubicBezTo>
+                <a:cubicBezTo>
+                  <a:pt x="78328" y="172068"/>
+                  <a:pt x="74386" y="168729"/>
+                  <a:pt x="70757" y="165100"/>
+                </a:cubicBezTo>
+                <a:cubicBezTo>
+                  <a:pt x="69548" y="162681"/>
+                  <a:pt x="68227" y="160314"/>
+                  <a:pt x="67129" y="157843"/>
+                </a:cubicBezTo>
+                <a:cubicBezTo>
+                  <a:pt x="65806" y="154867"/>
+                  <a:pt x="65082" y="151619"/>
+                  <a:pt x="63500" y="148772"/>
+                </a:cubicBezTo>
+                <a:cubicBezTo>
+                  <a:pt x="62031" y="146129"/>
+                  <a:pt x="59659" y="144079"/>
+                  <a:pt x="58057" y="141515"/>
+                </a:cubicBezTo>
+                <a:cubicBezTo>
+                  <a:pt x="50097" y="128778"/>
+                  <a:pt x="59363" y="139190"/>
+                  <a:pt x="48986" y="128815"/>
+                </a:cubicBezTo>
+                <a:cubicBezTo>
+                  <a:pt x="38079" y="107000"/>
+                  <a:pt x="48451" y="129416"/>
+                  <a:pt x="39914" y="105229"/>
+                </a:cubicBezTo>
+                <a:cubicBezTo>
+                  <a:pt x="37746" y="99087"/>
+                  <a:pt x="34716" y="93265"/>
+                  <a:pt x="32657" y="87086"/>
+                </a:cubicBezTo>
+                <a:cubicBezTo>
+                  <a:pt x="31448" y="83457"/>
+                  <a:pt x="30402" y="79770"/>
+                  <a:pt x="29029" y="76200"/>
+                </a:cubicBezTo>
+                <a:cubicBezTo>
+                  <a:pt x="27376" y="71901"/>
+                  <a:pt x="25160" y="67828"/>
+                  <a:pt x="23586" y="63500"/>
+                </a:cubicBezTo>
+                <a:cubicBezTo>
+                  <a:pt x="18900" y="50613"/>
+                  <a:pt x="25205" y="61392"/>
+                  <a:pt x="18143" y="50800"/>
+                </a:cubicBezTo>
+                <a:cubicBezTo>
+                  <a:pt x="17538" y="48986"/>
+                  <a:pt x="17184" y="47068"/>
+                  <a:pt x="16329" y="45357"/>
+                </a:cubicBezTo>
+                <a:cubicBezTo>
+                  <a:pt x="14149" y="40996"/>
+                  <a:pt x="10822" y="37208"/>
+                  <a:pt x="9072" y="32657"/>
+                </a:cubicBezTo>
+                <a:cubicBezTo>
+                  <a:pt x="7751" y="29224"/>
+                  <a:pt x="8149" y="25341"/>
+                  <a:pt x="7257" y="21772"/>
+                </a:cubicBezTo>
+                <a:cubicBezTo>
+                  <a:pt x="6329" y="18061"/>
+                  <a:pt x="4728" y="14550"/>
+                  <a:pt x="3629" y="10886"/>
+                </a:cubicBezTo>
+                <a:cubicBezTo>
+                  <a:pt x="416" y="177"/>
+                  <a:pt x="3509" y="7020"/>
+                  <a:pt x="0" y="0"/>
+                </a:cubicBezTo>
+              </a:path>
+            </a:pathLst>
+          </a:custGeom>
+          <a:noFill/>
+          <a:ln w="28575">
+            <a:solidFill>
+              <a:schemeClr val="accent4">
+                <a:lumMod val="60000"/>
+                <a:lumOff val="40000"/>
+              </a:schemeClr>
+            </a:solidFill>
+          </a:ln>
+        </p:spPr>
+        <p:style>
+          <a:lnRef idx="2">
+            <a:schemeClr val="accent1">
+              <a:shade val="50000"/>
+            </a:schemeClr>
+          </a:lnRef>
+          <a:fillRef idx="1">
+            <a:schemeClr val="accent1"/>
+          </a:fillRef>
+          <a:effectRef idx="0">
+            <a:schemeClr val="accent1"/>
+          </a:effectRef>
+          <a:fontRef idx="minor">
+            <a:schemeClr val="lt1"/>
+          </a:fontRef>
+        </p:style>
+        <p:txBody>
+          <a:bodyPr rtlCol="1" anchor="ctr"/>
+          <a:lstStyle/>
+          <a:p>
+            <a:pPr algn="ctr"/>
+            <a:endParaRPr lang="he-IL"/>
+          </a:p>
+        </p:txBody>
+      </p:sp>
+      <p:cxnSp>
+        <p:nvCxnSpPr>
+          <p:cNvPr id="6" name="Straight Connector 5">
+            <a:extLst>
+              <a:ext uri="{FF2B5EF4-FFF2-40B4-BE49-F238E27FC236}">
+                <a16:creationId xmlns:a16="http://schemas.microsoft.com/office/drawing/2014/main" id="{97F70344-7899-4C01-9E91-E80FEF087E4F}"/>
+              </a:ext>
+            </a:extLst>
+          </p:cNvPr>
+          <p:cNvCxnSpPr>
+            <a:cxnSpLocks/>
+          </p:cNvCxnSpPr>
+          <p:nvPr/>
+        </p:nvCxnSpPr>
+        <p:spPr>
+          <a:xfrm>
+            <a:off x="2284996" y="4557486"/>
+            <a:ext cx="1445985" cy="0"/>
+          </a:xfrm>
+          <a:prstGeom prst="line">
+            <a:avLst/>
+          </a:prstGeom>
+          <a:ln w="19050">
+            <a:prstDash val="sysDash"/>
+          </a:ln>
+        </p:spPr>
+        <p:style>
+          <a:lnRef idx="1">
+            <a:schemeClr val="accent1"/>
+          </a:lnRef>
+          <a:fillRef idx="0">
+            <a:schemeClr val="accent1"/>
+          </a:fillRef>
+          <a:effectRef idx="0">
+            <a:schemeClr val="accent1"/>
+          </a:effectRef>
+          <a:fontRef idx="minor">
+            <a:schemeClr val="tx1"/>
+          </a:fontRef>
+        </p:style>
+      </p:cxnSp>
+      <p:cxnSp>
+        <p:nvCxnSpPr>
+          <p:cNvPr id="48" name="Straight Connector 47">
+            <a:extLst>
+              <a:ext uri="{FF2B5EF4-FFF2-40B4-BE49-F238E27FC236}">
+                <a16:creationId xmlns:a16="http://schemas.microsoft.com/office/drawing/2014/main" id="{ADF4D869-AEC8-4733-AA18-DC03D65FEAB0}"/>
+              </a:ext>
+            </a:extLst>
+          </p:cNvPr>
+          <p:cNvCxnSpPr>
+            <a:cxnSpLocks/>
+          </p:cNvCxnSpPr>
+          <p:nvPr/>
+        </p:nvCxnSpPr>
+        <p:spPr>
+          <a:xfrm>
+            <a:off x="2284996" y="4359727"/>
+            <a:ext cx="1445985" cy="0"/>
+          </a:xfrm>
+          <a:prstGeom prst="line">
+            <a:avLst/>
+          </a:prstGeom>
+          <a:ln w="19050">
+            <a:prstDash val="sysDash"/>
+          </a:ln>
+        </p:spPr>
+        <p:style>
+          <a:lnRef idx="1">
+            <a:schemeClr val="accent1"/>
+          </a:lnRef>
+          <a:fillRef idx="0">
+            <a:schemeClr val="accent1"/>
+          </a:fillRef>
+          <a:effectRef idx="0">
+            <a:schemeClr val="accent1"/>
+          </a:effectRef>
+          <a:fontRef idx="minor">
+            <a:schemeClr val="tx1"/>
+          </a:fontRef>
+        </p:style>
+      </p:cxnSp>
+      <p:cxnSp>
+        <p:nvCxnSpPr>
+          <p:cNvPr id="49" name="Straight Connector 48">
+            <a:extLst>
+              <a:ext uri="{FF2B5EF4-FFF2-40B4-BE49-F238E27FC236}">
+                <a16:creationId xmlns:a16="http://schemas.microsoft.com/office/drawing/2014/main" id="{FE6B2B67-9AF9-415B-BBB0-68CEB8CD2FF1}"/>
+              </a:ext>
+            </a:extLst>
+          </p:cNvPr>
+          <p:cNvCxnSpPr>
+            <a:cxnSpLocks/>
+          </p:cNvCxnSpPr>
+          <p:nvPr/>
+        </p:nvCxnSpPr>
+        <p:spPr>
+          <a:xfrm>
+            <a:off x="2284996" y="4156529"/>
+            <a:ext cx="1404257" cy="0"/>
+          </a:xfrm>
+          <a:prstGeom prst="line">
+            <a:avLst/>
+          </a:prstGeom>
+          <a:ln w="19050">
+            <a:prstDash val="sysDash"/>
+          </a:ln>
+        </p:spPr>
+        <p:style>
+          <a:lnRef idx="1">
+            <a:schemeClr val="accent1"/>
+          </a:lnRef>
+          <a:fillRef idx="0">
+            <a:schemeClr val="accent1"/>
+          </a:fillRef>
+          <a:effectRef idx="0">
+            <a:schemeClr val="accent1"/>
+          </a:effectRef>
+          <a:fontRef idx="minor">
+            <a:schemeClr val="tx1"/>
+          </a:fontRef>
+        </p:style>
+      </p:cxnSp>
+      <p:sp>
+        <p:nvSpPr>
+          <p:cNvPr id="11" name="Oval 10">
+            <a:extLst>
+              <a:ext uri="{FF2B5EF4-FFF2-40B4-BE49-F238E27FC236}">
+                <a16:creationId xmlns:a16="http://schemas.microsoft.com/office/drawing/2014/main" id="{6F7A08EB-977A-405B-AE40-ACBD3A114BD9}"/>
+              </a:ext>
+            </a:extLst>
+          </p:cNvPr>
+          <p:cNvSpPr/>
+          <p:nvPr/>
+        </p:nvSpPr>
+        <p:spPr>
+          <a:xfrm>
+            <a:off x="2267856" y="4132944"/>
+            <a:ext cx="52165" cy="45719"/>
+          </a:xfrm>
+          <a:prstGeom prst="ellipse">
+            <a:avLst/>
+          </a:prstGeom>
+          <a:solidFill>
+            <a:srgbClr val="C00000"/>
+          </a:solidFill>
+          <a:ln w="19050">
+            <a:solidFill>
+              <a:schemeClr val="tx1"/>
+            </a:solidFill>
+          </a:ln>
+        </p:spPr>
+        <p:style>
+          <a:lnRef idx="2">
+            <a:schemeClr val="accent1">
+              <a:shade val="50000"/>
+            </a:schemeClr>
+          </a:lnRef>
+          <a:fillRef idx="1">
+            <a:schemeClr val="accent1"/>
+          </a:fillRef>
+          <a:effectRef idx="0">
+            <a:schemeClr val="accent1"/>
+          </a:effectRef>
+          <a:fontRef idx="minor">
+            <a:schemeClr val="lt1"/>
+          </a:fontRef>
+        </p:style>
+        <p:txBody>
+          <a:bodyPr rtlCol="1" anchor="ctr"/>
+          <a:lstStyle/>
+          <a:p>
+            <a:pPr algn="ctr"/>
+            <a:endParaRPr lang="he-IL"/>
+          </a:p>
+        </p:txBody>
+      </p:sp>
+      <p:sp>
+        <p:nvSpPr>
+          <p:cNvPr id="50" name="Oval 49">
+            <a:extLst>
+              <a:ext uri="{FF2B5EF4-FFF2-40B4-BE49-F238E27FC236}">
+                <a16:creationId xmlns:a16="http://schemas.microsoft.com/office/drawing/2014/main" id="{6015DC3A-F109-448D-8333-3888F9004E41}"/>
+              </a:ext>
+            </a:extLst>
+          </p:cNvPr>
+          <p:cNvSpPr/>
+          <p:nvPr/>
+        </p:nvSpPr>
+        <p:spPr>
+          <a:xfrm>
+            <a:off x="2443585" y="4132944"/>
+            <a:ext cx="52165" cy="45719"/>
+          </a:xfrm>
+          <a:prstGeom prst="ellipse">
+            <a:avLst/>
+          </a:prstGeom>
+          <a:solidFill>
+            <a:srgbClr val="C00000"/>
+          </a:solidFill>
+          <a:ln w="19050">
+            <a:solidFill>
+              <a:schemeClr val="tx1"/>
+            </a:solidFill>
+          </a:ln>
+        </p:spPr>
+        <p:style>
+          <a:lnRef idx="2">
+            <a:schemeClr val="accent1">
+              <a:shade val="50000"/>
+            </a:schemeClr>
+          </a:lnRef>
+          <a:fillRef idx="1">
+            <a:schemeClr val="accent1"/>
+          </a:fillRef>
+          <a:effectRef idx="0">
+            <a:schemeClr val="accent1"/>
+          </a:effectRef>
+          <a:fontRef idx="minor">
+            <a:schemeClr val="lt1"/>
+          </a:fontRef>
+        </p:style>
+        <p:txBody>
+          <a:bodyPr rtlCol="1" anchor="ctr"/>
+          <a:lstStyle/>
+          <a:p>
+            <a:pPr algn="ctr"/>
+            <a:endParaRPr lang="he-IL"/>
+          </a:p>
+        </p:txBody>
+      </p:sp>
+      <p:sp>
+        <p:nvSpPr>
+          <p:cNvPr id="51" name="Oval 50">
+            <a:extLst>
+              <a:ext uri="{FF2B5EF4-FFF2-40B4-BE49-F238E27FC236}">
+                <a16:creationId xmlns:a16="http://schemas.microsoft.com/office/drawing/2014/main" id="{F0C32404-392C-4310-94F7-6E8EC7357367}"/>
+              </a:ext>
+            </a:extLst>
+          </p:cNvPr>
+          <p:cNvSpPr/>
+          <p:nvPr/>
+        </p:nvSpPr>
+        <p:spPr>
+          <a:xfrm>
+            <a:off x="2900937" y="4132944"/>
+            <a:ext cx="52165" cy="45719"/>
+          </a:xfrm>
+          <a:prstGeom prst="ellipse">
+            <a:avLst/>
+          </a:prstGeom>
+          <a:solidFill>
+            <a:srgbClr val="FFD966"/>
+          </a:solidFill>
+          <a:ln w="19050">
+            <a:solidFill>
+              <a:schemeClr val="tx1"/>
+            </a:solidFill>
+          </a:ln>
+        </p:spPr>
+        <p:style>
+          <a:lnRef idx="2">
+            <a:schemeClr val="accent1">
+              <a:shade val="50000"/>
+            </a:schemeClr>
+          </a:lnRef>
+          <a:fillRef idx="1">
+            <a:schemeClr val="accent1"/>
+          </a:fillRef>
+          <a:effectRef idx="0">
+            <a:schemeClr val="accent1"/>
+          </a:effectRef>
+          <a:fontRef idx="minor">
+            <a:schemeClr val="lt1"/>
+          </a:fontRef>
+        </p:style>
+        <p:txBody>
+          <a:bodyPr rtlCol="1" anchor="ctr"/>
+          <a:lstStyle/>
+          <a:p>
+            <a:pPr algn="ctr"/>
+            <a:endParaRPr lang="he-IL" dirty="0"/>
+          </a:p>
+        </p:txBody>
+      </p:sp>
+      <p:sp>
+        <p:nvSpPr>
+          <p:cNvPr id="52" name="Oval 51">
+            <a:extLst>
+              <a:ext uri="{FF2B5EF4-FFF2-40B4-BE49-F238E27FC236}">
+                <a16:creationId xmlns:a16="http://schemas.microsoft.com/office/drawing/2014/main" id="{101C7402-1319-4288-AF24-209B481F68C9}"/>
+              </a:ext>
+            </a:extLst>
+          </p:cNvPr>
+          <p:cNvSpPr/>
+          <p:nvPr/>
+        </p:nvSpPr>
+        <p:spPr>
+          <a:xfrm>
+            <a:off x="3084756" y="4132944"/>
+            <a:ext cx="52165" cy="45719"/>
+          </a:xfrm>
+          <a:prstGeom prst="ellipse">
+            <a:avLst/>
+          </a:prstGeom>
+          <a:solidFill>
+            <a:srgbClr val="FFD966"/>
+          </a:solidFill>
+          <a:ln w="19050">
+            <a:solidFill>
+              <a:schemeClr val="tx1"/>
+            </a:solidFill>
+          </a:ln>
+        </p:spPr>
+        <p:style>
+          <a:lnRef idx="2">
+            <a:schemeClr val="accent1">
+              <a:shade val="50000"/>
+            </a:schemeClr>
+          </a:lnRef>
+          <a:fillRef idx="1">
+            <a:schemeClr val="accent1"/>
+          </a:fillRef>
+          <a:effectRef idx="0">
+            <a:schemeClr val="accent1"/>
+          </a:effectRef>
+          <a:fontRef idx="minor">
+            <a:schemeClr val="lt1"/>
+          </a:fontRef>
+        </p:style>
+        <p:txBody>
+          <a:bodyPr rtlCol="1" anchor="ctr"/>
+          <a:lstStyle/>
+          <a:p>
+            <a:pPr algn="ctr"/>
+            <a:endParaRPr lang="he-IL" dirty="0"/>
+          </a:p>
+        </p:txBody>
+      </p:sp>
+      <p:sp>
+        <p:nvSpPr>
+          <p:cNvPr id="53" name="Oval 52">
+            <a:extLst>
+              <a:ext uri="{FF2B5EF4-FFF2-40B4-BE49-F238E27FC236}">
+                <a16:creationId xmlns:a16="http://schemas.microsoft.com/office/drawing/2014/main" id="{763CC308-1308-400A-BF61-E27EE01E1044}"/>
+              </a:ext>
+            </a:extLst>
+          </p:cNvPr>
+          <p:cNvSpPr/>
+          <p:nvPr/>
+        </p:nvSpPr>
+        <p:spPr>
+          <a:xfrm>
+            <a:off x="2378655" y="4331428"/>
+            <a:ext cx="52165" cy="45719"/>
+          </a:xfrm>
+          <a:prstGeom prst="ellipse">
+            <a:avLst/>
+          </a:prstGeom>
+          <a:solidFill>
+            <a:srgbClr val="C00000"/>
+          </a:solidFill>
+          <a:ln w="19050">
+            <a:solidFill>
+              <a:schemeClr val="tx1"/>
+            </a:solidFill>
+          </a:ln>
+        </p:spPr>
+        <p:style>
+          <a:lnRef idx="2">
+            <a:schemeClr val="accent1">
+              <a:shade val="50000"/>
+            </a:schemeClr>
+          </a:lnRef>
+          <a:fillRef idx="1">
+            <a:schemeClr val="accent1"/>
+          </a:fillRef>
+          <a:effectRef idx="0">
+            <a:schemeClr val="accent1"/>
+          </a:effectRef>
+          <a:fontRef idx="minor">
+            <a:schemeClr val="lt1"/>
+          </a:fontRef>
+        </p:style>
+        <p:txBody>
+          <a:bodyPr rtlCol="1" anchor="ctr"/>
+          <a:lstStyle/>
+          <a:p>
+            <a:pPr algn="ctr"/>
+            <a:endParaRPr lang="he-IL"/>
+          </a:p>
+        </p:txBody>
+      </p:sp>
+      <p:sp>
+        <p:nvSpPr>
+          <p:cNvPr id="54" name="Oval 53">
+            <a:extLst>
+              <a:ext uri="{FF2B5EF4-FFF2-40B4-BE49-F238E27FC236}">
+                <a16:creationId xmlns:a16="http://schemas.microsoft.com/office/drawing/2014/main" id="{122BDFF4-58B3-4D66-B520-E1A939E29A27}"/>
+              </a:ext>
+            </a:extLst>
+          </p:cNvPr>
+          <p:cNvSpPr/>
+          <p:nvPr/>
+        </p:nvSpPr>
+        <p:spPr>
+          <a:xfrm>
+            <a:off x="2606549" y="4331428"/>
+            <a:ext cx="52165" cy="45719"/>
+          </a:xfrm>
+          <a:prstGeom prst="ellipse">
+            <a:avLst/>
+          </a:prstGeom>
+          <a:solidFill>
+            <a:srgbClr val="C00000"/>
+          </a:solidFill>
+          <a:ln w="19050">
+            <a:solidFill>
+              <a:schemeClr val="tx1"/>
+            </a:solidFill>
+          </a:ln>
+        </p:spPr>
+        <p:style>
+          <a:lnRef idx="2">
+            <a:schemeClr val="accent1">
+              <a:shade val="50000"/>
+            </a:schemeClr>
+          </a:lnRef>
+          <a:fillRef idx="1">
+            <a:schemeClr val="accent1"/>
+          </a:fillRef>
+          <a:effectRef idx="0">
+            <a:schemeClr val="accent1"/>
+          </a:effectRef>
+          <a:fontRef idx="minor">
+            <a:schemeClr val="lt1"/>
+          </a:fontRef>
+        </p:style>
+        <p:txBody>
+          <a:bodyPr rtlCol="1" anchor="ctr"/>
+          <a:lstStyle/>
+          <a:p>
+            <a:pPr algn="ctr"/>
+            <a:endParaRPr lang="he-IL"/>
+          </a:p>
+        </p:txBody>
+      </p:sp>
+      <p:sp>
+        <p:nvSpPr>
+          <p:cNvPr id="55" name="Oval 54">
+            <a:extLst>
+              <a:ext uri="{FF2B5EF4-FFF2-40B4-BE49-F238E27FC236}">
+                <a16:creationId xmlns:a16="http://schemas.microsoft.com/office/drawing/2014/main" id="{D744B5F7-6D80-4746-AB8D-F66DAA2E38BD}"/>
+              </a:ext>
+            </a:extLst>
+          </p:cNvPr>
+          <p:cNvSpPr/>
+          <p:nvPr/>
+        </p:nvSpPr>
+        <p:spPr>
+          <a:xfrm>
+            <a:off x="2859866" y="4331428"/>
+            <a:ext cx="52165" cy="45719"/>
+          </a:xfrm>
+          <a:prstGeom prst="ellipse">
+            <a:avLst/>
+          </a:prstGeom>
+          <a:solidFill>
+            <a:srgbClr val="FFD966"/>
+          </a:solidFill>
+          <a:ln w="19050">
+            <a:solidFill>
+              <a:schemeClr val="tx1"/>
+            </a:solidFill>
+          </a:ln>
+        </p:spPr>
+        <p:style>
+          <a:lnRef idx="2">
+            <a:schemeClr val="accent1">
+              <a:shade val="50000"/>
+            </a:schemeClr>
+          </a:lnRef>
+          <a:fillRef idx="1">
+            <a:schemeClr val="accent1"/>
+          </a:fillRef>
+          <a:effectRef idx="0">
+            <a:schemeClr val="accent1"/>
+          </a:effectRef>
+          <a:fontRef idx="minor">
+            <a:schemeClr val="lt1"/>
+          </a:fontRef>
+        </p:style>
+        <p:txBody>
+          <a:bodyPr rtlCol="1" anchor="ctr"/>
+          <a:lstStyle/>
+          <a:p>
+            <a:pPr algn="ctr"/>
+            <a:endParaRPr lang="he-IL"/>
+          </a:p>
+        </p:txBody>
+      </p:sp>
+      <p:sp>
+        <p:nvSpPr>
+          <p:cNvPr id="56" name="Oval 55">
+            <a:extLst>
+              <a:ext uri="{FF2B5EF4-FFF2-40B4-BE49-F238E27FC236}">
+                <a16:creationId xmlns:a16="http://schemas.microsoft.com/office/drawing/2014/main" id="{0CBDE4FC-61DF-45ED-8338-450544482EE2}"/>
+              </a:ext>
+            </a:extLst>
+          </p:cNvPr>
+          <p:cNvSpPr/>
+          <p:nvPr/>
+        </p:nvSpPr>
+        <p:spPr>
+          <a:xfrm>
+            <a:off x="3025098" y="4331428"/>
+            <a:ext cx="52165" cy="45719"/>
+          </a:xfrm>
+          <a:prstGeom prst="ellipse">
+            <a:avLst/>
+          </a:prstGeom>
+          <a:solidFill>
+            <a:srgbClr val="FFD966"/>
+          </a:solidFill>
+          <a:ln w="19050">
+            <a:solidFill>
+              <a:schemeClr val="tx1"/>
+            </a:solidFill>
+          </a:ln>
+        </p:spPr>
+        <p:style>
+          <a:lnRef idx="2">
+            <a:schemeClr val="accent1">
+              <a:shade val="50000"/>
+            </a:schemeClr>
+          </a:lnRef>
+          <a:fillRef idx="1">
+            <a:schemeClr val="accent1"/>
+          </a:fillRef>
+          <a:effectRef idx="0">
+            <a:schemeClr val="accent1"/>
+          </a:effectRef>
+          <a:fontRef idx="minor">
+            <a:schemeClr val="lt1"/>
+          </a:fontRef>
+        </p:style>
+        <p:txBody>
+          <a:bodyPr rtlCol="1" anchor="ctr"/>
+          <a:lstStyle/>
+          <a:p>
+            <a:pPr algn="ctr"/>
+            <a:endParaRPr lang="he-IL"/>
+          </a:p>
+        </p:txBody>
+      </p:sp>
+      <p:sp>
+        <p:nvSpPr>
+          <p:cNvPr id="57" name="Oval 56">
+            <a:extLst>
+              <a:ext uri="{FF2B5EF4-FFF2-40B4-BE49-F238E27FC236}">
+                <a16:creationId xmlns:a16="http://schemas.microsoft.com/office/drawing/2014/main" id="{CE561865-180A-4E42-BC84-1AC5EE534D9B}"/>
+              </a:ext>
+            </a:extLst>
+          </p:cNvPr>
+          <p:cNvSpPr/>
+          <p:nvPr/>
+        </p:nvSpPr>
+        <p:spPr>
+          <a:xfrm>
+            <a:off x="2906904" y="4529185"/>
+            <a:ext cx="52165" cy="45719"/>
+          </a:xfrm>
+          <a:prstGeom prst="ellipse">
+            <a:avLst/>
+          </a:prstGeom>
+          <a:solidFill>
+            <a:srgbClr val="FFD966"/>
+          </a:solidFill>
+          <a:ln w="19050">
+            <a:solidFill>
+              <a:schemeClr val="tx1"/>
+            </a:solidFill>
+          </a:ln>
+        </p:spPr>
+        <p:style>
+          <a:lnRef idx="2">
+            <a:schemeClr val="accent1">
+              <a:shade val="50000"/>
+            </a:schemeClr>
+          </a:lnRef>
+          <a:fillRef idx="1">
+            <a:schemeClr val="accent1"/>
+          </a:fillRef>
+          <a:effectRef idx="0">
+            <a:schemeClr val="accent1"/>
+          </a:effectRef>
+          <a:fontRef idx="minor">
+            <a:schemeClr val="lt1"/>
+          </a:fontRef>
+        </p:style>
+        <p:txBody>
+          <a:bodyPr rtlCol="1" anchor="ctr"/>
+          <a:lstStyle/>
+          <a:p>
+            <a:pPr algn="ctr"/>
+            <a:endParaRPr lang="he-IL"/>
+          </a:p>
+        </p:txBody>
+      </p:sp>
+      <p:sp>
+        <p:nvSpPr>
+          <p:cNvPr id="58" name="Oval 57">
+            <a:extLst>
+              <a:ext uri="{FF2B5EF4-FFF2-40B4-BE49-F238E27FC236}">
+                <a16:creationId xmlns:a16="http://schemas.microsoft.com/office/drawing/2014/main" id="{02868D2F-4D1E-4B8B-849B-579CD1F401A1}"/>
+              </a:ext>
+            </a:extLst>
+          </p:cNvPr>
+          <p:cNvSpPr/>
+          <p:nvPr/>
+        </p:nvSpPr>
+        <p:spPr>
+          <a:xfrm>
+            <a:off x="2827321" y="4529185"/>
+            <a:ext cx="52165" cy="45719"/>
+          </a:xfrm>
+          <a:prstGeom prst="ellipse">
+            <a:avLst/>
+          </a:prstGeom>
+          <a:solidFill>
+            <a:srgbClr val="FFD966"/>
+          </a:solidFill>
+          <a:ln w="19050">
+            <a:solidFill>
+              <a:schemeClr val="tx1"/>
+            </a:solidFill>
+          </a:ln>
+        </p:spPr>
+        <p:style>
+          <a:lnRef idx="2">
+            <a:schemeClr val="accent1">
+              <a:shade val="50000"/>
+            </a:schemeClr>
+          </a:lnRef>
+          <a:fillRef idx="1">
+            <a:schemeClr val="accent1"/>
+          </a:fillRef>
+          <a:effectRef idx="0">
+            <a:schemeClr val="accent1"/>
+          </a:effectRef>
+          <a:fontRef idx="minor">
+            <a:schemeClr val="lt1"/>
+          </a:fontRef>
+        </p:style>
+        <p:txBody>
+          <a:bodyPr rtlCol="1" anchor="ctr"/>
+          <a:lstStyle/>
+          <a:p>
+            <a:pPr algn="ctr"/>
+            <a:endParaRPr lang="he-IL"/>
+          </a:p>
+        </p:txBody>
+      </p:sp>
+      <p:sp>
+        <p:nvSpPr>
+          <p:cNvPr id="59" name="Oval 58">
+            <a:extLst>
+              <a:ext uri="{FF2B5EF4-FFF2-40B4-BE49-F238E27FC236}">
+                <a16:creationId xmlns:a16="http://schemas.microsoft.com/office/drawing/2014/main" id="{B8176DBB-77A0-418B-9296-1D3CC51163B2}"/>
+              </a:ext>
+            </a:extLst>
+          </p:cNvPr>
+          <p:cNvSpPr/>
+          <p:nvPr/>
+        </p:nvSpPr>
+        <p:spPr>
+          <a:xfrm>
+            <a:off x="2710019" y="4529185"/>
+            <a:ext cx="52165" cy="45719"/>
+          </a:xfrm>
+          <a:prstGeom prst="ellipse">
+            <a:avLst/>
+          </a:prstGeom>
+          <a:solidFill>
+            <a:srgbClr val="C00000"/>
+          </a:solidFill>
+          <a:ln w="19050">
+            <a:solidFill>
+              <a:schemeClr val="tx1"/>
+            </a:solidFill>
+          </a:ln>
+        </p:spPr>
+        <p:style>
+          <a:lnRef idx="2">
+            <a:schemeClr val="accent1">
+              <a:shade val="50000"/>
+            </a:schemeClr>
+          </a:lnRef>
+          <a:fillRef idx="1">
+            <a:schemeClr val="accent1"/>
+          </a:fillRef>
+          <a:effectRef idx="0">
+            <a:schemeClr val="accent1"/>
+          </a:effectRef>
+          <a:fontRef idx="minor">
+            <a:schemeClr val="lt1"/>
+          </a:fontRef>
+        </p:style>
+        <p:txBody>
+          <a:bodyPr rtlCol="1" anchor="ctr"/>
+          <a:lstStyle/>
+          <a:p>
+            <a:pPr algn="ctr"/>
+            <a:endParaRPr lang="he-IL"/>
+          </a:p>
+        </p:txBody>
+      </p:sp>
+      <p:sp>
+        <p:nvSpPr>
+          <p:cNvPr id="60" name="Oval 59">
+            <a:extLst>
+              <a:ext uri="{FF2B5EF4-FFF2-40B4-BE49-F238E27FC236}">
+                <a16:creationId xmlns:a16="http://schemas.microsoft.com/office/drawing/2014/main" id="{74CBC94A-B9BA-4DC9-B0C5-EA57BE8BA055}"/>
+              </a:ext>
+            </a:extLst>
+          </p:cNvPr>
+          <p:cNvSpPr/>
+          <p:nvPr/>
+        </p:nvSpPr>
+        <p:spPr>
+          <a:xfrm>
+            <a:off x="2518205" y="4529185"/>
+            <a:ext cx="52165" cy="45719"/>
+          </a:xfrm>
+          <a:prstGeom prst="ellipse">
+            <a:avLst/>
+          </a:prstGeom>
+          <a:solidFill>
+            <a:srgbClr val="C00000"/>
+          </a:solidFill>
+          <a:ln w="19050">
+            <a:solidFill>
+              <a:schemeClr val="tx1"/>
+            </a:solidFill>
+          </a:ln>
+        </p:spPr>
+        <p:style>
+          <a:lnRef idx="2">
+            <a:schemeClr val="accent1">
+              <a:shade val="50000"/>
+            </a:schemeClr>
+          </a:lnRef>
+          <a:fillRef idx="1">
+            <a:schemeClr val="accent1"/>
+          </a:fillRef>
+          <a:effectRef idx="0">
+            <a:schemeClr val="accent1"/>
+          </a:effectRef>
+          <a:fontRef idx="minor">
+            <a:schemeClr val="lt1"/>
+          </a:fontRef>
+        </p:style>
+        <p:txBody>
+          <a:bodyPr rtlCol="1" anchor="ctr"/>
+          <a:lstStyle/>
+          <a:p>
+            <a:pPr algn="ctr"/>
+            <a:endParaRPr lang="he-IL"/>
+          </a:p>
+        </p:txBody>
+      </p:sp>
+      <p:sp>
+        <p:nvSpPr>
+          <p:cNvPr id="61" name="TextBox 60">
+            <a:extLst>
+              <a:ext uri="{FF2B5EF4-FFF2-40B4-BE49-F238E27FC236}">
+                <a16:creationId xmlns:a16="http://schemas.microsoft.com/office/drawing/2014/main" id="{A92F4FD7-FFCE-4D3C-AD53-2E026C8B17AF}"/>
+              </a:ext>
+            </a:extLst>
+          </p:cNvPr>
+          <p:cNvSpPr txBox="1"/>
+          <p:nvPr/>
+        </p:nvSpPr>
+        <p:spPr>
+          <a:xfrm>
+            <a:off x="3634787" y="4031679"/>
+            <a:ext cx="914400" cy="215444"/>
+          </a:xfrm>
+          <a:prstGeom prst="rect">
+            <a:avLst/>
+          </a:prstGeom>
+          <a:noFill/>
+        </p:spPr>
+        <p:txBody>
+          <a:bodyPr wrap="square" rtlCol="1">
+            <a:spAutoFit/>
+          </a:bodyPr>
+          <a:lstStyle/>
+          <a:p>
+            <a:r>
+              <a:rPr lang="en-US" sz="800" dirty="0"/>
+              <a:t>Time3</a:t>
+            </a:r>
+          </a:p>
+        </p:txBody>
+      </p:sp>
+      <p:sp>
+        <p:nvSpPr>
+          <p:cNvPr id="62" name="TextBox 61">
+            <a:extLst>
+              <a:ext uri="{FF2B5EF4-FFF2-40B4-BE49-F238E27FC236}">
+                <a16:creationId xmlns:a16="http://schemas.microsoft.com/office/drawing/2014/main" id="{65516680-EF07-4D13-A1C0-290BC236A610}"/>
+              </a:ext>
+            </a:extLst>
+          </p:cNvPr>
+          <p:cNvSpPr txBox="1"/>
+          <p:nvPr/>
+        </p:nvSpPr>
+        <p:spPr>
+          <a:xfrm>
+            <a:off x="3646707" y="4441366"/>
+            <a:ext cx="914400" cy="215444"/>
+          </a:xfrm>
+          <a:prstGeom prst="rect">
+            <a:avLst/>
+          </a:prstGeom>
+          <a:noFill/>
+        </p:spPr>
+        <p:txBody>
+          <a:bodyPr wrap="square" rtlCol="1">
+            <a:spAutoFit/>
+          </a:bodyPr>
+          <a:lstStyle/>
+          <a:p>
+            <a:r>
+              <a:rPr lang="en-US" sz="800" dirty="0"/>
+              <a:t>Time1</a:t>
+            </a:r>
+          </a:p>
+        </p:txBody>
+      </p:sp>
+      <p:sp>
+        <p:nvSpPr>
+          <p:cNvPr id="63" name="TextBox 62">
+            <a:extLst>
+              <a:ext uri="{FF2B5EF4-FFF2-40B4-BE49-F238E27FC236}">
+                <a16:creationId xmlns:a16="http://schemas.microsoft.com/office/drawing/2014/main" id="{0EE71F1D-DA3F-47E7-9829-E286A57E6B58}"/>
+              </a:ext>
+            </a:extLst>
+          </p:cNvPr>
+          <p:cNvSpPr txBox="1"/>
+          <p:nvPr/>
+        </p:nvSpPr>
+        <p:spPr>
+          <a:xfrm>
+            <a:off x="3646707" y="4246796"/>
+            <a:ext cx="914400" cy="215444"/>
+          </a:xfrm>
+          <a:prstGeom prst="rect">
+            <a:avLst/>
+          </a:prstGeom>
+          <a:noFill/>
+        </p:spPr>
+        <p:txBody>
+          <a:bodyPr wrap="square" rtlCol="1">
+            <a:spAutoFit/>
+          </a:bodyPr>
+          <a:lstStyle/>
+          <a:p>
+            <a:r>
+              <a:rPr lang="en-US" sz="800" dirty="0"/>
+              <a:t>Time2</a:t>
+            </a:r>
+          </a:p>
+        </p:txBody>
+      </p:sp>
+      <p:sp>
+        <p:nvSpPr>
+          <p:cNvPr id="64" name="TextBox 63">
+            <a:extLst>
+              <a:ext uri="{FF2B5EF4-FFF2-40B4-BE49-F238E27FC236}">
+                <a16:creationId xmlns:a16="http://schemas.microsoft.com/office/drawing/2014/main" id="{84216D1A-1D9B-406A-B0FD-D51BC7AC042B}"/>
+              </a:ext>
+            </a:extLst>
+          </p:cNvPr>
+          <p:cNvSpPr txBox="1"/>
+          <p:nvPr/>
+        </p:nvSpPr>
+        <p:spPr>
+          <a:xfrm>
+            <a:off x="2859866" y="3213573"/>
+            <a:ext cx="914400" cy="215444"/>
+          </a:xfrm>
+          <a:prstGeom prst="rect">
+            <a:avLst/>
+          </a:prstGeom>
+          <a:noFill/>
+        </p:spPr>
+        <p:txBody>
+          <a:bodyPr wrap="square" rtlCol="1">
+            <a:spAutoFit/>
+          </a:bodyPr>
+          <a:lstStyle/>
+          <a:p>
+            <a:r>
+              <a:rPr lang="en-US" sz="800" dirty="0"/>
+              <a:t>Trial 1</a:t>
+            </a:r>
+          </a:p>
+        </p:txBody>
+      </p:sp>
+      <p:sp>
+        <p:nvSpPr>
+          <p:cNvPr id="65" name="TextBox 64">
+            <a:extLst>
+              <a:ext uri="{FF2B5EF4-FFF2-40B4-BE49-F238E27FC236}">
+                <a16:creationId xmlns:a16="http://schemas.microsoft.com/office/drawing/2014/main" id="{415DE1AB-98C5-4B19-B3AF-BEB3FBED4286}"/>
+              </a:ext>
+            </a:extLst>
+          </p:cNvPr>
+          <p:cNvSpPr txBox="1"/>
+          <p:nvPr/>
+        </p:nvSpPr>
+        <p:spPr>
+          <a:xfrm>
+            <a:off x="2668989" y="3353018"/>
+            <a:ext cx="914400" cy="215444"/>
+          </a:xfrm>
+          <a:prstGeom prst="rect">
+            <a:avLst/>
+          </a:prstGeom>
+          <a:noFill/>
+        </p:spPr>
+        <p:txBody>
+          <a:bodyPr wrap="square" rtlCol="1">
+            <a:spAutoFit/>
+          </a:bodyPr>
+          <a:lstStyle/>
+          <a:p>
+            <a:r>
+              <a:rPr lang="en-US" sz="800" dirty="0"/>
+              <a:t>Trial 2</a:t>
+            </a:r>
+          </a:p>
+        </p:txBody>
+      </p:sp>
+      <p:sp>
+        <p:nvSpPr>
+          <p:cNvPr id="66" name="TextBox 65">
+            <a:extLst>
+              <a:ext uri="{FF2B5EF4-FFF2-40B4-BE49-F238E27FC236}">
+                <a16:creationId xmlns:a16="http://schemas.microsoft.com/office/drawing/2014/main" id="{934F02FF-C2B7-4CA4-B4EC-1D2DB3B2F9D9}"/>
+              </a:ext>
+            </a:extLst>
+          </p:cNvPr>
+          <p:cNvSpPr txBox="1"/>
+          <p:nvPr/>
+        </p:nvSpPr>
+        <p:spPr>
+          <a:xfrm>
+            <a:off x="2153067" y="3452031"/>
+            <a:ext cx="914400" cy="215444"/>
+          </a:xfrm>
+          <a:prstGeom prst="rect">
+            <a:avLst/>
+          </a:prstGeom>
+          <a:noFill/>
+        </p:spPr>
+        <p:txBody>
+          <a:bodyPr wrap="square" rtlCol="1">
+            <a:spAutoFit/>
+          </a:bodyPr>
+          <a:lstStyle/>
+          <a:p>
+            <a:r>
+              <a:rPr lang="en-US" sz="800" dirty="0"/>
+              <a:t>Trial 3</a:t>
+            </a:r>
+          </a:p>
+        </p:txBody>
+      </p:sp>
+      <p:sp>
+        <p:nvSpPr>
+          <p:cNvPr id="67" name="TextBox 66">
+            <a:extLst>
+              <a:ext uri="{FF2B5EF4-FFF2-40B4-BE49-F238E27FC236}">
+                <a16:creationId xmlns:a16="http://schemas.microsoft.com/office/drawing/2014/main" id="{93FDE775-81DD-4B37-9B4E-1D08DB990607}"/>
+              </a:ext>
+            </a:extLst>
+          </p:cNvPr>
+          <p:cNvSpPr txBox="1"/>
+          <p:nvPr/>
+        </p:nvSpPr>
+        <p:spPr>
+          <a:xfrm>
+            <a:off x="1890196" y="3584693"/>
+            <a:ext cx="514541" cy="215444"/>
+          </a:xfrm>
+          <a:prstGeom prst="rect">
+            <a:avLst/>
+          </a:prstGeom>
+          <a:noFill/>
+        </p:spPr>
+        <p:txBody>
+          <a:bodyPr wrap="square" rtlCol="1">
+            <a:spAutoFit/>
+          </a:bodyPr>
+          <a:lstStyle/>
+          <a:p>
+            <a:r>
+              <a:rPr lang="en-US" sz="800" dirty="0"/>
+              <a:t>Trial 4</a:t>
+            </a:r>
           </a:p>
         </p:txBody>
       </p:sp>

--- a/presentation/exp birds eye veiw.pptx
+++ b/presentation/exp birds eye veiw.pptx
@@ -6,6 +6,7 @@
   </p:sldMasterIdLst>
   <p:sldIdLst>
     <p:sldId id="256" r:id="rId2"/>
+    <p:sldId id="257" r:id="rId3"/>
   </p:sldIdLst>
   <p:sldSz cx="12192000" cy="6858000"/>
   <p:notesSz cx="6858000" cy="9144000"/>
@@ -112,6 +113,34 @@
 </p:presentation>
 </file>
 
+<file path=ppt/ink/ink1.xml><?xml version="1.0" encoding="utf-8"?>
+<inkml:ink xmlns:inkml="http://www.w3.org/2003/InkML">
+  <inkml:definitions>
+    <inkml:context xml:id="ctx0">
+      <inkml:inkSource xml:id="inkSrc0">
+        <inkml:traceFormat>
+          <inkml:channel name="X" type="integer" min="-2.14748E9" max="2.14748E9" units="cm"/>
+          <inkml:channel name="Y" type="integer" min="-2.14748E9" max="2.14748E9" units="cm"/>
+          <inkml:channel name="F" type="integer" max="32767" units="dev"/>
+        </inkml:traceFormat>
+        <inkml:channelProperties>
+          <inkml:channelProperty channel="X" name="resolution" value="1000" units="1/cm"/>
+          <inkml:channelProperty channel="Y" name="resolution" value="1000" units="1/cm"/>
+          <inkml:channelProperty channel="F" name="resolution" value="0" units="1/dev"/>
+        </inkml:channelProperties>
+      </inkml:inkSource>
+      <inkml:timestamp xml:id="ts0" timeString="2022-01-17T15:36:53.769"/>
+    </inkml:context>
+    <inkml:brush xml:id="br0">
+      <inkml:brushProperty name="width" value="0.2" units="cm"/>
+      <inkml:brushProperty name="height" value="0.2" units="cm"/>
+      <inkml:brushProperty name="color" value="#E71224"/>
+    </inkml:brush>
+  </inkml:definitions>
+  <inkml:trace contextRef="#ctx0" brushRef="#br0">2682 5459 24575,'-5'-14'0,"1"5"0,-4-24 0,1 0 0,-3-47 0,-1-9 0,-12-158 0,22 223 0,-2-299 0,4 182 0,-2 32 0,3-124 0,18 64 0,-8 85 0,12-65 0,3-26 0,-21 113 0,3 1 0,20-75 0,-1 33 0,21-65 0,-41 143 0,1 0 0,0 1 0,2-1 0,0 2 0,21-31 0,187-225 0,-139 182 0,-66 83 0,0 0 0,0 1 0,2 1 0,-1 1 0,25-15 0,7-4 0,11-10 0,-17 14 0,-2-3 0,46-42 0,-56 43 0,59-45 0,-45 39 0,41-41 0,-77 68 0,2-1 0,11-18 0,4-3 0,-12 17 0,-1-2 0,0 1 0,12-23 0,21-47 0,-25 44 0,68-141 0,-82 169 0,-2 0 0,1-1 0,-2 0 0,1 1 0,-2-1 0,0 0 0,0 0 0,-1 0 0,0 0 0,-1 0 0,-3-14 0,0 15 0,0-1 0,0 1 0,-1 0 0,0 0 0,-1 0 0,-14-17 0,7 7 0,-8-12 0,3 2 0,-43-53 0,57 81 0,0-1 0,0 0 0,0 1 0,-1 0 0,-7-4 0,-14-10 0,13 6 0,-13-10 0,-41-27 0,57 42 0,1 1 0,-1 0 0,0 0 0,0 1 0,-1 1 0,0 0 0,1 0 0,-19-2 0,-73 5 0,51 1 0,43-1 0,-1 1 0,1 1 0,0-1 0,-16 6 0,-31 15 0,2 3 0,29-12 0,-32 11 0,36-16 0,-30 17 0,-15 6 0,43-21 0,-39 22 0,39-18 0,-36 14 0,24-14 0,16-5 0,-2-2 0,-21 6 0,-34 4 0,-132 10 0,185-26 0,-191 9 0,84-14 0,-139-23 0,116 3 0,-15-8 0,78 13 0,49 9 0,-41-15 0,17 5 0,-11-2 0,-211-71 0,153 36 0,108 44 0,-27-17 0,32 17 0,0 2 0,-34-15 0,43 21 0,-1-1 0,1 0 0,1-1 0,-1-1 0,-12-11 0,7 6 0,-1-1 0,-110-79 0,119 87 0,0 0 0,0-1 0,-14-14 0,-4-5 0,-79-80 0,63 60 0,-5-7 0,28 32 0,0 0 0,-24-40 0,7 11 0,27 36 0,0-1 0,1 0 0,-10-27 0,10 23 0,5 12 34,1 0 1,0 0-1,0 0 0,0 0 0,1-1 0,0 1 0,0 0 0,1-1 0,1-13 1,0 17-125,-1-1 0,1 1 0,0 0 0,0 0 0,1 0 1,-1 0-1,1 0 0,0 0 0,0 0 0,0 1 1,1-1-1,-1 1 0,1-1 0,0 1 0,0 0 0,0 0 1,0 0-1,6-3 0</inkml:trace>
+</inkml:ink>
+</file>
+
 <file path=ppt/slideLayouts/slideLayout1.xml><?xml version="1.0" encoding="utf-8"?>
 <p:sldLayout xmlns:a="http://schemas.openxmlformats.org/drawingml/2006/main" xmlns:r="http://schemas.openxmlformats.org/officeDocument/2006/relationships" xmlns:p="http://schemas.openxmlformats.org/presentationml/2006/main" type="title" preserve="1">
   <p:cSld name="Title Slide">
@@ -261,7 +290,7 @@
           <a:p>
             <a:fld id="{B3DC5803-524A-4535-9048-D4846558C48F}" type="datetimeFigureOut">
               <a:rPr lang="he-IL" smtClean="0"/>
-              <a:t>ב'/שבט/תשפ"ב</a:t>
+              <a:t>ט"ו/שבט/תשפ"ב</a:t>
             </a:fld>
             <a:endParaRPr lang="he-IL"/>
           </a:p>
@@ -461,7 +490,7 @@
           <a:p>
             <a:fld id="{B3DC5803-524A-4535-9048-D4846558C48F}" type="datetimeFigureOut">
               <a:rPr lang="he-IL" smtClean="0"/>
-              <a:t>ב'/שבט/תשפ"ב</a:t>
+              <a:t>ט"ו/שבט/תשפ"ב</a:t>
             </a:fld>
             <a:endParaRPr lang="he-IL"/>
           </a:p>
@@ -671,7 +700,7 @@
           <a:p>
             <a:fld id="{B3DC5803-524A-4535-9048-D4846558C48F}" type="datetimeFigureOut">
               <a:rPr lang="he-IL" smtClean="0"/>
-              <a:t>ב'/שבט/תשפ"ב</a:t>
+              <a:t>ט"ו/שבט/תשפ"ב</a:t>
             </a:fld>
             <a:endParaRPr lang="he-IL"/>
           </a:p>
@@ -871,7 +900,7 @@
           <a:p>
             <a:fld id="{B3DC5803-524A-4535-9048-D4846558C48F}" type="datetimeFigureOut">
               <a:rPr lang="he-IL" smtClean="0"/>
-              <a:t>ב'/שבט/תשפ"ב</a:t>
+              <a:t>ט"ו/שבט/תשפ"ב</a:t>
             </a:fld>
             <a:endParaRPr lang="he-IL"/>
           </a:p>
@@ -1147,7 +1176,7 @@
           <a:p>
             <a:fld id="{B3DC5803-524A-4535-9048-D4846558C48F}" type="datetimeFigureOut">
               <a:rPr lang="he-IL" smtClean="0"/>
-              <a:t>ב'/שבט/תשפ"ב</a:t>
+              <a:t>ט"ו/שבט/תשפ"ב</a:t>
             </a:fld>
             <a:endParaRPr lang="he-IL"/>
           </a:p>
@@ -1415,7 +1444,7 @@
           <a:p>
             <a:fld id="{B3DC5803-524A-4535-9048-D4846558C48F}" type="datetimeFigureOut">
               <a:rPr lang="he-IL" smtClean="0"/>
-              <a:t>ב'/שבט/תשפ"ב</a:t>
+              <a:t>ט"ו/שבט/תשפ"ב</a:t>
             </a:fld>
             <a:endParaRPr lang="he-IL"/>
           </a:p>
@@ -1830,7 +1859,7 @@
           <a:p>
             <a:fld id="{B3DC5803-524A-4535-9048-D4846558C48F}" type="datetimeFigureOut">
               <a:rPr lang="he-IL" smtClean="0"/>
-              <a:t>ב'/שבט/תשפ"ב</a:t>
+              <a:t>ט"ו/שבט/תשפ"ב</a:t>
             </a:fld>
             <a:endParaRPr lang="he-IL"/>
           </a:p>
@@ -1972,7 +2001,7 @@
           <a:p>
             <a:fld id="{B3DC5803-524A-4535-9048-D4846558C48F}" type="datetimeFigureOut">
               <a:rPr lang="he-IL" smtClean="0"/>
-              <a:t>ב'/שבט/תשפ"ב</a:t>
+              <a:t>ט"ו/שבט/תשפ"ב</a:t>
             </a:fld>
             <a:endParaRPr lang="he-IL"/>
           </a:p>
@@ -2085,7 +2114,7 @@
           <a:p>
             <a:fld id="{B3DC5803-524A-4535-9048-D4846558C48F}" type="datetimeFigureOut">
               <a:rPr lang="he-IL" smtClean="0"/>
-              <a:t>ב'/שבט/תשפ"ב</a:t>
+              <a:t>ט"ו/שבט/תשפ"ב</a:t>
             </a:fld>
             <a:endParaRPr lang="he-IL"/>
           </a:p>
@@ -2398,7 +2427,7 @@
           <a:p>
             <a:fld id="{B3DC5803-524A-4535-9048-D4846558C48F}" type="datetimeFigureOut">
               <a:rPr lang="he-IL" smtClean="0"/>
-              <a:t>ב'/שבט/תשפ"ב</a:t>
+              <a:t>ט"ו/שבט/תשפ"ב</a:t>
             </a:fld>
             <a:endParaRPr lang="he-IL"/>
           </a:p>
@@ -2687,7 +2716,7 @@
           <a:p>
             <a:fld id="{B3DC5803-524A-4535-9048-D4846558C48F}" type="datetimeFigureOut">
               <a:rPr lang="he-IL" smtClean="0"/>
-              <a:t>ב'/שבט/תשפ"ב</a:t>
+              <a:t>ט"ו/שבט/תשפ"ב</a:t>
             </a:fld>
             <a:endParaRPr lang="he-IL"/>
           </a:p>
@@ -2930,7 +2959,7 @@
           <a:p>
             <a:fld id="{B3DC5803-524A-4535-9048-D4846558C48F}" type="datetimeFigureOut">
               <a:rPr lang="he-IL" smtClean="0"/>
-              <a:t>ב'/שבט/תשפ"ב</a:t>
+              <a:t>ט"ו/שבט/תשפ"ב</a:t>
             </a:fld>
             <a:endParaRPr lang="he-IL"/>
           </a:p>
@@ -8433,6 +8462,430 @@
 </p:sld>
 </file>
 
+<file path=ppt/slides/slide2.xml><?xml version="1.0" encoding="utf-8"?>
+<p:sld xmlns:a="http://schemas.openxmlformats.org/drawingml/2006/main" xmlns:r="http://schemas.openxmlformats.org/officeDocument/2006/relationships" xmlns:p="http://schemas.openxmlformats.org/presentationml/2006/main">
+  <p:cSld>
+    <p:spTree>
+      <p:nvGrpSpPr>
+        <p:cNvPr id="1" name=""/>
+        <p:cNvGrpSpPr/>
+        <p:nvPr/>
+      </p:nvGrpSpPr>
+      <p:grpSpPr>
+        <a:xfrm>
+          <a:off x="0" y="0"/>
+          <a:ext cx="0" cy="0"/>
+          <a:chOff x="0" y="0"/>
+          <a:chExt cx="0" cy="0"/>
+        </a:xfrm>
+      </p:grpSpPr>
+      <p:cxnSp>
+        <p:nvCxnSpPr>
+          <p:cNvPr id="33" name="Straight Connector 32">
+            <a:extLst>
+              <a:ext uri="{FF2B5EF4-FFF2-40B4-BE49-F238E27FC236}">
+                <a16:creationId xmlns:a16="http://schemas.microsoft.com/office/drawing/2014/main" id="{F2EEAC43-DBD2-43BC-94FE-7EE2977FAC3E}"/>
+              </a:ext>
+            </a:extLst>
+          </p:cNvPr>
+          <p:cNvCxnSpPr>
+            <a:cxnSpLocks/>
+          </p:cNvCxnSpPr>
+          <p:nvPr/>
+        </p:nvCxnSpPr>
+        <p:spPr>
+          <a:xfrm>
+            <a:off x="5605134" y="4818960"/>
+            <a:ext cx="2239861" cy="0"/>
+          </a:xfrm>
+          <a:prstGeom prst="line">
+            <a:avLst/>
+          </a:prstGeom>
+          <a:ln w="38100">
+            <a:solidFill>
+              <a:schemeClr val="tx1"/>
+            </a:solidFill>
+          </a:ln>
+        </p:spPr>
+        <p:style>
+          <a:lnRef idx="1">
+            <a:schemeClr val="accent1"/>
+          </a:lnRef>
+          <a:fillRef idx="0">
+            <a:schemeClr val="accent1"/>
+          </a:fillRef>
+          <a:effectRef idx="0">
+            <a:schemeClr val="accent1"/>
+          </a:effectRef>
+          <a:fontRef idx="minor">
+            <a:schemeClr val="tx1"/>
+          </a:fontRef>
+        </p:style>
+      </p:cxnSp>
+      <p:cxnSp>
+        <p:nvCxnSpPr>
+          <p:cNvPr id="34" name="Straight Connector 33">
+            <a:extLst>
+              <a:ext uri="{FF2B5EF4-FFF2-40B4-BE49-F238E27FC236}">
+                <a16:creationId xmlns:a16="http://schemas.microsoft.com/office/drawing/2014/main" id="{851D5CFF-D1B0-4664-9301-77D9B93E4D83}"/>
+              </a:ext>
+            </a:extLst>
+          </p:cNvPr>
+          <p:cNvCxnSpPr>
+            <a:cxnSpLocks/>
+          </p:cNvCxnSpPr>
+          <p:nvPr/>
+        </p:nvCxnSpPr>
+        <p:spPr>
+          <a:xfrm flipV="1">
+            <a:off x="5605134" y="2595877"/>
+            <a:ext cx="0" cy="2223084"/>
+          </a:xfrm>
+          <a:prstGeom prst="line">
+            <a:avLst/>
+          </a:prstGeom>
+          <a:ln w="38100">
+            <a:solidFill>
+              <a:schemeClr val="tx1"/>
+            </a:solidFill>
+          </a:ln>
+        </p:spPr>
+        <p:style>
+          <a:lnRef idx="1">
+            <a:schemeClr val="accent1"/>
+          </a:lnRef>
+          <a:fillRef idx="0">
+            <a:schemeClr val="accent1"/>
+          </a:fillRef>
+          <a:effectRef idx="0">
+            <a:schemeClr val="accent1"/>
+          </a:effectRef>
+          <a:fontRef idx="minor">
+            <a:schemeClr val="tx1"/>
+          </a:fontRef>
+        </p:style>
+      </p:cxnSp>
+      <p:sp>
+        <p:nvSpPr>
+          <p:cNvPr id="35" name="TextBox 34">
+            <a:extLst>
+              <a:ext uri="{FF2B5EF4-FFF2-40B4-BE49-F238E27FC236}">
+                <a16:creationId xmlns:a16="http://schemas.microsoft.com/office/drawing/2014/main" id="{E143FC0A-2DA1-4EEA-8EBF-BFC31A474CE0}"/>
+              </a:ext>
+            </a:extLst>
+          </p:cNvPr>
+          <p:cNvSpPr txBox="1"/>
+          <p:nvPr/>
+        </p:nvSpPr>
+        <p:spPr>
+          <a:xfrm>
+            <a:off x="4623623" y="3455748"/>
+            <a:ext cx="914400" cy="369332"/>
+          </a:xfrm>
+          <a:prstGeom prst="rect">
+            <a:avLst/>
+          </a:prstGeom>
+          <a:noFill/>
+        </p:spPr>
+        <p:txBody>
+          <a:bodyPr wrap="square" rtlCol="1">
+            <a:spAutoFit/>
+          </a:bodyPr>
+          <a:lstStyle/>
+          <a:p>
+            <a:r>
+              <a:rPr lang="en-US" dirty="0"/>
+              <a:t>Z index</a:t>
+            </a:r>
+            <a:endParaRPr lang="he-IL" dirty="0"/>
+          </a:p>
+        </p:txBody>
+      </p:sp>
+      <p:sp>
+        <p:nvSpPr>
+          <p:cNvPr id="36" name="TextBox 35">
+            <a:extLst>
+              <a:ext uri="{FF2B5EF4-FFF2-40B4-BE49-F238E27FC236}">
+                <a16:creationId xmlns:a16="http://schemas.microsoft.com/office/drawing/2014/main" id="{8D6742F8-85EF-444A-A252-43EE2FC78D8D}"/>
+              </a:ext>
+            </a:extLst>
+          </p:cNvPr>
+          <p:cNvSpPr txBox="1"/>
+          <p:nvPr/>
+        </p:nvSpPr>
+        <p:spPr>
+          <a:xfrm>
+            <a:off x="6393700" y="4940600"/>
+            <a:ext cx="914400" cy="369332"/>
+          </a:xfrm>
+          <a:prstGeom prst="rect">
+            <a:avLst/>
+          </a:prstGeom>
+          <a:noFill/>
+        </p:spPr>
+        <p:txBody>
+          <a:bodyPr wrap="square" rtlCol="1">
+            <a:spAutoFit/>
+          </a:bodyPr>
+          <a:lstStyle/>
+          <a:p>
+            <a:r>
+              <a:rPr lang="en-US" dirty="0"/>
+              <a:t>X pos</a:t>
+            </a:r>
+            <a:endParaRPr lang="he-IL" dirty="0"/>
+          </a:p>
+        </p:txBody>
+      </p:sp>
+      <p:sp>
+        <p:nvSpPr>
+          <p:cNvPr id="37" name="Rectangle: Rounded Corners 36">
+            <a:extLst>
+              <a:ext uri="{FF2B5EF4-FFF2-40B4-BE49-F238E27FC236}">
+                <a16:creationId xmlns:a16="http://schemas.microsoft.com/office/drawing/2014/main" id="{C23F2B7D-539C-4EB8-BB4A-DEE4ED2DF4ED}"/>
+              </a:ext>
+            </a:extLst>
+          </p:cNvPr>
+          <p:cNvSpPr/>
+          <p:nvPr/>
+        </p:nvSpPr>
+        <p:spPr>
+          <a:xfrm>
+            <a:off x="5739359" y="2210631"/>
+            <a:ext cx="2105636" cy="558661"/>
+          </a:xfrm>
+          <a:prstGeom prst="roundRect">
+            <a:avLst/>
+          </a:prstGeom>
+        </p:spPr>
+        <p:style>
+          <a:lnRef idx="2">
+            <a:schemeClr val="accent1">
+              <a:shade val="50000"/>
+            </a:schemeClr>
+          </a:lnRef>
+          <a:fillRef idx="1">
+            <a:schemeClr val="accent1"/>
+          </a:fillRef>
+          <a:effectRef idx="0">
+            <a:schemeClr val="accent1"/>
+          </a:effectRef>
+          <a:fontRef idx="minor">
+            <a:schemeClr val="lt1"/>
+          </a:fontRef>
+        </p:style>
+        <p:txBody>
+          <a:bodyPr rtlCol="1" anchor="ctr"/>
+          <a:lstStyle/>
+          <a:p>
+            <a:pPr algn="ctr"/>
+            <a:r>
+              <a:rPr lang="en-US" dirty="0"/>
+              <a:t>Screen</a:t>
+            </a:r>
+          </a:p>
+          <a:p>
+            <a:pPr algn="ctr"/>
+            <a:endParaRPr lang="he-IL" dirty="0"/>
+          </a:p>
+        </p:txBody>
+      </p:sp>
+      <p:sp>
+        <p:nvSpPr>
+          <p:cNvPr id="8" name="TextBox 7">
+            <a:extLst>
+              <a:ext uri="{FF2B5EF4-FFF2-40B4-BE49-F238E27FC236}">
+                <a16:creationId xmlns:a16="http://schemas.microsoft.com/office/drawing/2014/main" id="{D54DDB98-729E-409C-99F1-3156FC56E9A2}"/>
+              </a:ext>
+            </a:extLst>
+          </p:cNvPr>
+          <p:cNvSpPr txBox="1"/>
+          <p:nvPr/>
+        </p:nvSpPr>
+        <p:spPr>
+          <a:xfrm>
+            <a:off x="9736666" y="1340114"/>
+            <a:ext cx="1744133" cy="738664"/>
+          </a:xfrm>
+          <a:prstGeom prst="rect">
+            <a:avLst/>
+          </a:prstGeom>
+          <a:noFill/>
+        </p:spPr>
+        <p:txBody>
+          <a:bodyPr wrap="square" rtlCol="1">
+            <a:spAutoFit/>
+          </a:bodyPr>
+          <a:lstStyle/>
+          <a:p>
+            <a:r>
+              <a:rPr lang="en-US" sz="1400" dirty="0"/>
+              <a:t>Is it possible that A is closer to the screen than B?</a:t>
+            </a:r>
+            <a:endParaRPr lang="he-IL" sz="1400" dirty="0"/>
+          </a:p>
+        </p:txBody>
+      </p:sp>
+      <p:sp>
+        <p:nvSpPr>
+          <p:cNvPr id="69" name="TextBox 68">
+            <a:extLst>
+              <a:ext uri="{FF2B5EF4-FFF2-40B4-BE49-F238E27FC236}">
+                <a16:creationId xmlns:a16="http://schemas.microsoft.com/office/drawing/2014/main" id="{03AE36CF-0649-453F-BA4A-A6246783EA5D}"/>
+              </a:ext>
+            </a:extLst>
+          </p:cNvPr>
+          <p:cNvSpPr txBox="1"/>
+          <p:nvPr/>
+        </p:nvSpPr>
+        <p:spPr>
+          <a:xfrm>
+            <a:off x="5730970" y="1854674"/>
+            <a:ext cx="2239860" cy="307777"/>
+          </a:xfrm>
+          <a:prstGeom prst="rect">
+            <a:avLst/>
+          </a:prstGeom>
+          <a:noFill/>
+        </p:spPr>
+        <p:txBody>
+          <a:bodyPr wrap="square" rtlCol="1">
+            <a:spAutoFit/>
+          </a:bodyPr>
+          <a:lstStyle/>
+          <a:p>
+            <a:r>
+              <a:rPr lang="en-US" sz="1400" b="1" dirty="0">
+                <a:solidFill>
+                  <a:schemeClr val="accent1"/>
+                </a:solidFill>
+              </a:rPr>
+              <a:t>Correct                </a:t>
+            </a:r>
+            <a:r>
+              <a:rPr lang="en-US" sz="1400" b="1" dirty="0" err="1">
+                <a:solidFill>
+                  <a:schemeClr val="accent1"/>
+                </a:solidFill>
+              </a:rPr>
+              <a:t>Incorreect</a:t>
+            </a:r>
+            <a:endParaRPr lang="he-IL" sz="1400" b="1" dirty="0">
+              <a:solidFill>
+                <a:schemeClr val="accent1"/>
+              </a:solidFill>
+            </a:endParaRPr>
+          </a:p>
+        </p:txBody>
+      </p:sp>
+      <p:sp>
+        <p:nvSpPr>
+          <p:cNvPr id="70" name="TextBox 69">
+            <a:extLst>
+              <a:ext uri="{FF2B5EF4-FFF2-40B4-BE49-F238E27FC236}">
+                <a16:creationId xmlns:a16="http://schemas.microsoft.com/office/drawing/2014/main" id="{3B326D6D-0AC2-4A8E-AB57-4C172F05959F}"/>
+              </a:ext>
+            </a:extLst>
+          </p:cNvPr>
+          <p:cNvSpPr txBox="1"/>
+          <p:nvPr/>
+        </p:nvSpPr>
+        <p:spPr>
+          <a:xfrm>
+            <a:off x="5730970" y="2463681"/>
+            <a:ext cx="2239860" cy="307777"/>
+          </a:xfrm>
+          <a:prstGeom prst="rect">
+            <a:avLst/>
+          </a:prstGeom>
+          <a:noFill/>
+        </p:spPr>
+        <p:txBody>
+          <a:bodyPr wrap="square" rtlCol="1">
+            <a:spAutoFit/>
+          </a:bodyPr>
+          <a:lstStyle/>
+          <a:p>
+            <a:r>
+              <a:rPr lang="en-US" sz="1400" b="1" dirty="0">
+                <a:solidFill>
+                  <a:schemeClr val="bg1"/>
+                </a:solidFill>
+              </a:rPr>
+              <a:t>   A                                   B</a:t>
+            </a:r>
+            <a:endParaRPr lang="he-IL" sz="1400" b="1" dirty="0">
+              <a:solidFill>
+                <a:schemeClr val="bg1"/>
+              </a:solidFill>
+            </a:endParaRPr>
+          </a:p>
+        </p:txBody>
+      </p:sp>
+      <mc:AlternateContent xmlns:mc="http://schemas.openxmlformats.org/markup-compatibility/2006">
+        <mc:Choice xmlns:p14="http://schemas.microsoft.com/office/powerpoint/2010/main" Requires="p14">
+          <p:contentPart p14:bwMode="auto" r:id="rId2">
+            <p14:nvContentPartPr>
+              <p14:cNvPr id="27" name="Ink 26">
+                <a:extLst>
+                  <a:ext uri="{FF2B5EF4-FFF2-40B4-BE49-F238E27FC236}">
+                    <a16:creationId xmlns:a16="http://schemas.microsoft.com/office/drawing/2014/main" id="{9C525368-2EDB-4341-A588-01695BB07A34}"/>
+                  </a:ext>
+                </a:extLst>
+              </p14:cNvPr>
+              <p14:cNvContentPartPr/>
+              <p14:nvPr/>
+            </p14:nvContentPartPr>
+            <p14:xfrm>
+              <a:off x="5964333" y="2784273"/>
+              <a:ext cx="1479600" cy="1965600"/>
+            </p14:xfrm>
+          </p:contentPart>
+        </mc:Choice>
+        <mc:Fallback>
+          <p:pic>
+            <p:nvPicPr>
+              <p:cNvPr id="27" name="Ink 26">
+                <a:extLst>
+                  <a:ext uri="{FF2B5EF4-FFF2-40B4-BE49-F238E27FC236}">
+                    <a16:creationId xmlns:a16="http://schemas.microsoft.com/office/drawing/2014/main" id="{9C525368-2EDB-4341-A588-01695BB07A34}"/>
+                  </a:ext>
+                </a:extLst>
+              </p:cNvPr>
+              <p:cNvPicPr/>
+              <p:nvPr/>
+            </p:nvPicPr>
+            <p:blipFill>
+              <a:blip r:embed="rId3"/>
+              <a:stretch>
+                <a:fillRect/>
+              </a:stretch>
+            </p:blipFill>
+            <p:spPr>
+              <a:xfrm>
+                <a:off x="5928333" y="2748273"/>
+                <a:ext cx="1551240" cy="2037240"/>
+              </a:xfrm>
+              <a:prstGeom prst="rect">
+                <a:avLst/>
+              </a:prstGeom>
+            </p:spPr>
+          </p:pic>
+        </mc:Fallback>
+      </mc:AlternateContent>
+    </p:spTree>
+    <p:extLst>
+      <p:ext uri="{BB962C8B-B14F-4D97-AF65-F5344CB8AC3E}">
+        <p14:creationId xmlns:p14="http://schemas.microsoft.com/office/powerpoint/2010/main" val="4190694341"/>
+      </p:ext>
+    </p:extLst>
+  </p:cSld>
+  <p:clrMapOvr>
+    <a:masterClrMapping/>
+  </p:clrMapOvr>
+</p:sld>
+</file>
+
 <file path=ppt/theme/theme1.xml><?xml version="1.0" encoding="utf-8"?>
 <a:theme xmlns:a="http://schemas.openxmlformats.org/drawingml/2006/main" name="Office Theme">
   <a:themeElements>

--- a/presentation/exp birds eye veiw.pptx
+++ b/presentation/exp birds eye veiw.pptx
@@ -2660,7 +2660,7 @@
           <a:p>
             <a:fld id="{B3DC5803-524A-4535-9048-D4846558C48F}" type="datetimeFigureOut">
               <a:rPr lang="he-IL" smtClean="0"/>
-              <a:t>ט'/אדר א/תשפ"ב</a:t>
+              <a:t>כ"א/אדר א/תשפ"ב</a:t>
             </a:fld>
             <a:endParaRPr lang="he-IL"/>
           </a:p>
@@ -2860,7 +2860,7 @@
           <a:p>
             <a:fld id="{B3DC5803-524A-4535-9048-D4846558C48F}" type="datetimeFigureOut">
               <a:rPr lang="he-IL" smtClean="0"/>
-              <a:t>ט'/אדר א/תשפ"ב</a:t>
+              <a:t>כ"א/אדר א/תשפ"ב</a:t>
             </a:fld>
             <a:endParaRPr lang="he-IL"/>
           </a:p>
@@ -3070,7 +3070,7 @@
           <a:p>
             <a:fld id="{B3DC5803-524A-4535-9048-D4846558C48F}" type="datetimeFigureOut">
               <a:rPr lang="he-IL" smtClean="0"/>
-              <a:t>ט'/אדר א/תשפ"ב</a:t>
+              <a:t>כ"א/אדר א/תשפ"ב</a:t>
             </a:fld>
             <a:endParaRPr lang="he-IL"/>
           </a:p>
@@ -3270,7 +3270,7 @@
           <a:p>
             <a:fld id="{B3DC5803-524A-4535-9048-D4846558C48F}" type="datetimeFigureOut">
               <a:rPr lang="he-IL" smtClean="0"/>
-              <a:t>ט'/אדר א/תשפ"ב</a:t>
+              <a:t>כ"א/אדר א/תשפ"ב</a:t>
             </a:fld>
             <a:endParaRPr lang="he-IL"/>
           </a:p>
@@ -3546,7 +3546,7 @@
           <a:p>
             <a:fld id="{B3DC5803-524A-4535-9048-D4846558C48F}" type="datetimeFigureOut">
               <a:rPr lang="he-IL" smtClean="0"/>
-              <a:t>ט'/אדר א/תשפ"ב</a:t>
+              <a:t>כ"א/אדר א/תשפ"ב</a:t>
             </a:fld>
             <a:endParaRPr lang="he-IL"/>
           </a:p>
@@ -3814,7 +3814,7 @@
           <a:p>
             <a:fld id="{B3DC5803-524A-4535-9048-D4846558C48F}" type="datetimeFigureOut">
               <a:rPr lang="he-IL" smtClean="0"/>
-              <a:t>ט'/אדר א/תשפ"ב</a:t>
+              <a:t>כ"א/אדר א/תשפ"ב</a:t>
             </a:fld>
             <a:endParaRPr lang="he-IL"/>
           </a:p>
@@ -4229,7 +4229,7 @@
           <a:p>
             <a:fld id="{B3DC5803-524A-4535-9048-D4846558C48F}" type="datetimeFigureOut">
               <a:rPr lang="he-IL" smtClean="0"/>
-              <a:t>ט'/אדר א/תשפ"ב</a:t>
+              <a:t>כ"א/אדר א/תשפ"ב</a:t>
             </a:fld>
             <a:endParaRPr lang="he-IL"/>
           </a:p>
@@ -4371,7 +4371,7 @@
           <a:p>
             <a:fld id="{B3DC5803-524A-4535-9048-D4846558C48F}" type="datetimeFigureOut">
               <a:rPr lang="he-IL" smtClean="0"/>
-              <a:t>ט'/אדר א/תשפ"ב</a:t>
+              <a:t>כ"א/אדר א/תשפ"ב</a:t>
             </a:fld>
             <a:endParaRPr lang="he-IL"/>
           </a:p>
@@ -4484,7 +4484,7 @@
           <a:p>
             <a:fld id="{B3DC5803-524A-4535-9048-D4846558C48F}" type="datetimeFigureOut">
               <a:rPr lang="he-IL" smtClean="0"/>
-              <a:t>ט'/אדר א/תשפ"ב</a:t>
+              <a:t>כ"א/אדר א/תשפ"ב</a:t>
             </a:fld>
             <a:endParaRPr lang="he-IL"/>
           </a:p>
@@ -4797,7 +4797,7 @@
           <a:p>
             <a:fld id="{B3DC5803-524A-4535-9048-D4846558C48F}" type="datetimeFigureOut">
               <a:rPr lang="he-IL" smtClean="0"/>
-              <a:t>ט'/אדר א/תשפ"ב</a:t>
+              <a:t>כ"א/אדר א/תשפ"ב</a:t>
             </a:fld>
             <a:endParaRPr lang="he-IL"/>
           </a:p>
@@ -5086,7 +5086,7 @@
           <a:p>
             <a:fld id="{B3DC5803-524A-4535-9048-D4846558C48F}" type="datetimeFigureOut">
               <a:rPr lang="he-IL" smtClean="0"/>
-              <a:t>ט'/אדר א/תשפ"ב</a:t>
+              <a:t>כ"א/אדר א/תשפ"ב</a:t>
             </a:fld>
             <a:endParaRPr lang="he-IL"/>
           </a:p>
@@ -5329,7 +5329,7 @@
           <a:p>
             <a:fld id="{B3DC5803-524A-4535-9048-D4846558C48F}" type="datetimeFigureOut">
               <a:rPr lang="he-IL" smtClean="0"/>
-              <a:t>ט'/אדר א/תשפ"ב</a:t>
+              <a:t>כ"א/אדר א/תשפ"ב</a:t>
             </a:fld>
             <a:endParaRPr lang="he-IL"/>
           </a:p>
@@ -23332,7 +23332,7 @@
         </p:nvCxnSpPr>
         <p:spPr>
           <a:xfrm>
-            <a:off x="8987662" y="3033506"/>
+            <a:off x="8183291" y="6437033"/>
             <a:ext cx="2239861" cy="0"/>
           </a:xfrm>
           <a:prstGeom prst="line">
@@ -23375,7 +23375,7 @@
         </p:nvCxnSpPr>
         <p:spPr>
           <a:xfrm flipV="1">
-            <a:off x="8987662" y="810423"/>
+            <a:off x="8183291" y="4213950"/>
             <a:ext cx="0" cy="2223084"/>
           </a:xfrm>
           <a:prstGeom prst="line">
@@ -23416,7 +23416,7 @@
         </p:nvSpPr>
         <p:spPr>
           <a:xfrm>
-            <a:off x="8165945" y="1670294"/>
+            <a:off x="7361574" y="5073821"/>
             <a:ext cx="754605" cy="646331"/>
           </a:xfrm>
           <a:prstGeom prst="rect">
@@ -23460,7 +23460,7 @@
         </p:nvSpPr>
         <p:spPr>
           <a:xfrm>
-            <a:off x="9776228" y="3155146"/>
+            <a:off x="8971857" y="6558673"/>
             <a:ext cx="914400" cy="369332"/>
           </a:xfrm>
           <a:prstGeom prst="rect">
@@ -23496,8 +23496,8 @@
         </p:nvSpPr>
         <p:spPr>
           <a:xfrm>
-            <a:off x="9121887" y="425177"/>
-            <a:ext cx="2105636" cy="558661"/>
+            <a:off x="8317516" y="4079588"/>
+            <a:ext cx="2105636" cy="307777"/>
           </a:xfrm>
           <a:prstGeom prst="roundRect">
             <a:avLst/>
@@ -23529,54 +23529,6 @@
               <a:t>Screen</a:t>
             </a:r>
           </a:p>
-          <a:p>
-            <a:pPr algn="ctr"/>
-            <a:endParaRPr lang="he-IL" dirty="0"/>
-          </a:p>
-        </p:txBody>
-      </p:sp>
-      <p:sp>
-        <p:nvSpPr>
-          <p:cNvPr id="70" name="TextBox 69">
-            <a:extLst>
-              <a:ext uri="{FF2B5EF4-FFF2-40B4-BE49-F238E27FC236}">
-                <a16:creationId xmlns:a16="http://schemas.microsoft.com/office/drawing/2014/main" id="{3B326D6D-0AC2-4A8E-AB57-4C172F05959F}"/>
-              </a:ext>
-            </a:extLst>
-          </p:cNvPr>
-          <p:cNvSpPr txBox="1"/>
-          <p:nvPr/>
-        </p:nvSpPr>
-        <p:spPr>
-          <a:xfrm>
-            <a:off x="9113498" y="678227"/>
-            <a:ext cx="2239860" cy="307777"/>
-          </a:xfrm>
-          <a:prstGeom prst="rect">
-            <a:avLst/>
-          </a:prstGeom>
-          <a:noFill/>
-        </p:spPr>
-        <p:txBody>
-          <a:bodyPr wrap="square" rtlCol="1">
-            <a:spAutoFit/>
-          </a:bodyPr>
-          <a:lstStyle/>
-          <a:p>
-            <a:r>
-              <a:rPr lang="en-US" sz="1400" b="1" dirty="0">
-                <a:solidFill>
-                  <a:schemeClr val="bg1"/>
-                </a:solidFill>
-              </a:rPr>
-              <a:t>   A                                   B</a:t>
-            </a:r>
-            <a:endParaRPr lang="he-IL" sz="1400" b="1" dirty="0">
-              <a:solidFill>
-                <a:schemeClr val="bg1"/>
-              </a:solidFill>
-            </a:endParaRPr>
-          </a:p>
         </p:txBody>
       </p:sp>
       <p:cxnSp>
@@ -23593,7 +23545,7 @@
         </p:nvCxnSpPr>
         <p:spPr>
           <a:xfrm flipV="1">
-            <a:off x="10174705" y="983838"/>
+            <a:off x="9370334" y="4387365"/>
             <a:ext cx="669758" cy="2049668"/>
           </a:xfrm>
           <a:prstGeom prst="line">
@@ -23616,8 +23568,8 @@
           </a:fontRef>
         </p:style>
       </p:cxnSp>
-      <mc:AlternateContent xmlns:mc="http://schemas.openxmlformats.org/markup-compatibility/2006" xmlns:p14="http://schemas.microsoft.com/office/powerpoint/2010/main">
-        <mc:Choice Requires="p14">
+      <mc:AlternateContent xmlns:mc="http://schemas.openxmlformats.org/markup-compatibility/2006">
+        <mc:Choice xmlns:p14="http://schemas.microsoft.com/office/powerpoint/2010/main" Requires="p14">
           <p:contentPart p14:bwMode="auto" r:id="rId2">
             <p14:nvContentPartPr>
               <p14:cNvPr id="5" name="Ink 4">
@@ -23631,12 +23583,12 @@
               <p14:nvPr/>
             </p14:nvContentPartPr>
             <p14:xfrm>
-              <a:off x="10182265" y="976711"/>
+              <a:off x="9377894" y="4380238"/>
               <a:ext cx="668880" cy="2031480"/>
             </p14:xfrm>
           </p:contentPart>
         </mc:Choice>
-        <mc:Fallback xmlns="">
+        <mc:Fallback>
           <p:pic>
             <p:nvPicPr>
               <p:cNvPr id="5" name="Ink 4">
@@ -23657,8 +23609,8 @@
             </p:blipFill>
             <p:spPr>
               <a:xfrm>
-                <a:off x="10173625" y="968071"/>
-                <a:ext cx="686520" cy="2049120"/>
+                <a:off x="9368894" y="4371236"/>
+                <a:ext cx="686520" cy="2049123"/>
               </a:xfrm>
               <a:prstGeom prst="rect">
                 <a:avLst/>
@@ -23681,7 +23633,7 @@
         </p:nvCxnSpPr>
         <p:spPr>
           <a:xfrm>
-            <a:off x="10262935" y="1646228"/>
+            <a:off x="9458564" y="5049755"/>
             <a:ext cx="336884" cy="126422"/>
           </a:xfrm>
           <a:prstGeom prst="straightConnector1">
@@ -23724,7 +23676,7 @@
         </p:nvSpPr>
         <p:spPr>
           <a:xfrm rot="1046172">
-            <a:off x="10182749" y="1463570"/>
+            <a:off x="9378378" y="4867097"/>
             <a:ext cx="585516" cy="276999"/>
           </a:xfrm>
           <a:prstGeom prst="rect">
@@ -23761,7 +23713,7 @@
         </p:nvSpPr>
         <p:spPr>
           <a:xfrm>
-            <a:off x="10413501" y="2470845"/>
+            <a:off x="9609130" y="5874372"/>
             <a:ext cx="1170814" cy="523220"/>
           </a:xfrm>
           <a:prstGeom prst="rect">
@@ -29449,7 +29401,7 @@
         </p:nvCxnSpPr>
         <p:spPr>
           <a:xfrm>
-            <a:off x="4730117" y="6307175"/>
+            <a:off x="4638420" y="6406619"/>
             <a:ext cx="2239861" cy="0"/>
           </a:xfrm>
           <a:prstGeom prst="line">
@@ -29492,7 +29444,7 @@
         </p:nvCxnSpPr>
         <p:spPr>
           <a:xfrm flipV="1">
-            <a:off x="4730117" y="4084092"/>
+            <a:off x="4638420" y="4183536"/>
             <a:ext cx="0" cy="2223084"/>
           </a:xfrm>
           <a:prstGeom prst="line">
@@ -29533,7 +29485,7 @@
         </p:nvSpPr>
         <p:spPr>
           <a:xfrm>
-            <a:off x="3923932" y="4943963"/>
+            <a:off x="3832235" y="5043407"/>
             <a:ext cx="739074" cy="646331"/>
           </a:xfrm>
           <a:prstGeom prst="rect">
@@ -29577,7 +29529,7 @@
         </p:nvSpPr>
         <p:spPr>
           <a:xfrm>
-            <a:off x="5518683" y="6428815"/>
+            <a:off x="5426986" y="6528259"/>
             <a:ext cx="914400" cy="369332"/>
           </a:xfrm>
           <a:prstGeom prst="rect">
@@ -29613,7 +29565,7 @@
         </p:nvSpPr>
         <p:spPr>
           <a:xfrm>
-            <a:off x="4864341" y="4008591"/>
+            <a:off x="4772644" y="4108035"/>
             <a:ext cx="2105636" cy="377498"/>
           </a:xfrm>
           <a:prstGeom prst="roundRect">
@@ -29663,7 +29615,7 @@
         </p:nvSpPr>
         <p:spPr>
           <a:xfrm>
-            <a:off x="5251133" y="4409215"/>
+            <a:off x="5159436" y="4508659"/>
             <a:ext cx="665883" cy="1866900"/>
           </a:xfrm>
           <a:custGeom>
@@ -30385,7 +30337,7 @@
         </p:nvCxnSpPr>
         <p:spPr>
           <a:xfrm>
-            <a:off x="4730117" y="5642022"/>
+            <a:off x="4638420" y="5741466"/>
             <a:ext cx="679414" cy="0"/>
           </a:xfrm>
           <a:prstGeom prst="line">
@@ -30429,7 +30381,7 @@
         </p:nvSpPr>
         <p:spPr>
           <a:xfrm>
-            <a:off x="5363658" y="5608240"/>
+            <a:off x="5271961" y="5707684"/>
             <a:ext cx="91746" cy="80409"/>
           </a:xfrm>
           <a:prstGeom prst="ellipse">
@@ -30483,7 +30435,7 @@
         </p:nvSpPr>
         <p:spPr>
           <a:xfrm>
-            <a:off x="5463570" y="5817611"/>
+            <a:off x="5371873" y="5917055"/>
             <a:ext cx="91746" cy="80409"/>
           </a:xfrm>
           <a:prstGeom prst="ellipse">
@@ -30537,7 +30489,7 @@
         </p:nvSpPr>
         <p:spPr>
           <a:xfrm>
-            <a:off x="5588253" y="6007621"/>
+            <a:off x="5496556" y="6107065"/>
             <a:ext cx="91746" cy="80409"/>
           </a:xfrm>
           <a:prstGeom prst="ellipse">
@@ -30591,7 +30543,7 @@
         </p:nvSpPr>
         <p:spPr>
           <a:xfrm>
-            <a:off x="5004142" y="4964051"/>
+            <a:off x="4912445" y="5063495"/>
             <a:ext cx="514541" cy="253916"/>
           </a:xfrm>
           <a:prstGeom prst="rect">
@@ -30634,7 +30586,7 @@
         </p:nvCxnSpPr>
         <p:spPr>
           <a:xfrm flipV="1">
-            <a:off x="5917016" y="4386089"/>
+            <a:off x="5825319" y="4485533"/>
             <a:ext cx="143" cy="1890026"/>
           </a:xfrm>
           <a:prstGeom prst="line">
@@ -30678,7 +30630,7 @@
         </p:nvCxnSpPr>
         <p:spPr>
           <a:xfrm flipH="1">
-            <a:off x="5481848" y="5642022"/>
+            <a:off x="5390151" y="5741466"/>
             <a:ext cx="415147" cy="0"/>
           </a:xfrm>
           <a:prstGeom prst="straightConnector1">
@@ -30718,7 +30670,7 @@
         </p:nvSpPr>
         <p:spPr>
           <a:xfrm>
-            <a:off x="5288121" y="5149297"/>
+            <a:off x="5196424" y="5248741"/>
             <a:ext cx="783006" cy="461665"/>
           </a:xfrm>
           <a:prstGeom prst="rect">
@@ -30764,7 +30716,7 @@
         </p:nvCxnSpPr>
         <p:spPr>
           <a:xfrm flipH="1">
-            <a:off x="5579133" y="5846501"/>
+            <a:off x="5487436" y="5945945"/>
             <a:ext cx="308868" cy="0"/>
           </a:xfrm>
           <a:prstGeom prst="straightConnector1">
@@ -30806,7 +30758,7 @@
         </p:nvCxnSpPr>
         <p:spPr>
           <a:xfrm flipH="1">
-            <a:off x="5708931" y="6047665"/>
+            <a:off x="5617234" y="6147109"/>
             <a:ext cx="186237" cy="1"/>
           </a:xfrm>
           <a:prstGeom prst="straightConnector1">
@@ -30849,7 +30801,7 @@
         </p:nvCxnSpPr>
         <p:spPr>
           <a:xfrm>
-            <a:off x="4730117" y="5857815"/>
+            <a:off x="4638420" y="5957259"/>
             <a:ext cx="733453" cy="1"/>
           </a:xfrm>
           <a:prstGeom prst="line">
@@ -30896,7 +30848,7 @@
         </p:nvCxnSpPr>
         <p:spPr>
           <a:xfrm flipV="1">
-            <a:off x="4730117" y="6047826"/>
+            <a:off x="4638420" y="6147270"/>
             <a:ext cx="858136" cy="7446"/>
           </a:xfrm>
           <a:prstGeom prst="line">
@@ -30940,7 +30892,7 @@
         </p:nvSpPr>
         <p:spPr>
           <a:xfrm>
-            <a:off x="4399932" y="5923013"/>
+            <a:off x="4308235" y="6022457"/>
             <a:ext cx="465342" cy="261610"/>
           </a:xfrm>
           <a:prstGeom prst="rect">
@@ -30977,7 +30929,7 @@
         </p:nvSpPr>
         <p:spPr>
           <a:xfrm>
-            <a:off x="4399932" y="5711313"/>
+            <a:off x="4308235" y="5810757"/>
             <a:ext cx="465342" cy="261610"/>
           </a:xfrm>
           <a:prstGeom prst="rect">
@@ -31014,7 +30966,7 @@
         </p:nvSpPr>
         <p:spPr>
           <a:xfrm>
-            <a:off x="4399932" y="5505605"/>
+            <a:off x="4308235" y="5605049"/>
             <a:ext cx="465342" cy="261610"/>
           </a:xfrm>
           <a:prstGeom prst="rect">
@@ -31757,8 +31709,8 @@
           </a:p>
         </p:txBody>
       </p:sp>
-      <mc:AlternateContent xmlns:mc="http://schemas.openxmlformats.org/markup-compatibility/2006">
-        <mc:Choice xmlns:p14="http://schemas.microsoft.com/office/powerpoint/2010/main" Requires="p14">
+      <mc:AlternateContent xmlns:mc="http://schemas.openxmlformats.org/markup-compatibility/2006" xmlns:p14="http://schemas.microsoft.com/office/powerpoint/2010/main">
+        <mc:Choice Requires="p14">
           <p:contentPart p14:bwMode="auto" r:id="rId2">
             <p14:nvContentPartPr>
               <p14:cNvPr id="128" name="Ink 127">
@@ -31777,7 +31729,7 @@
             </p14:xfrm>
           </p:contentPart>
         </mc:Choice>
-        <mc:Fallback>
+        <mc:Fallback xmlns="">
           <p:pic>
             <p:nvPicPr>
               <p:cNvPr id="128" name="Ink 127">
@@ -31808,8 +31760,8 @@
           </p:pic>
         </mc:Fallback>
       </mc:AlternateContent>
-      <mc:AlternateContent xmlns:mc="http://schemas.openxmlformats.org/markup-compatibility/2006">
-        <mc:Choice xmlns:p14="http://schemas.microsoft.com/office/powerpoint/2010/main" Requires="p14">
+      <mc:AlternateContent xmlns:mc="http://schemas.openxmlformats.org/markup-compatibility/2006" xmlns:p14="http://schemas.microsoft.com/office/powerpoint/2010/main">
+        <mc:Choice Requires="p14">
           <p:contentPart p14:bwMode="auto" r:id="rId4">
             <p14:nvContentPartPr>
               <p14:cNvPr id="129" name="Ink 128">
@@ -31828,7 +31780,7 @@
             </p14:xfrm>
           </p:contentPart>
         </mc:Choice>
-        <mc:Fallback>
+        <mc:Fallback xmlns="">
           <p:pic>
             <p:nvPicPr>
               <p:cNvPr id="129" name="Ink 128">
@@ -33482,8 +33434,8 @@
           </a:p>
         </p:txBody>
       </p:sp>
-      <mc:AlternateContent xmlns:mc="http://schemas.openxmlformats.org/markup-compatibility/2006">
-        <mc:Choice xmlns:p14="http://schemas.microsoft.com/office/powerpoint/2010/main" Requires="p14">
+      <mc:AlternateContent xmlns:mc="http://schemas.openxmlformats.org/markup-compatibility/2006" xmlns:p14="http://schemas.microsoft.com/office/powerpoint/2010/main">
+        <mc:Choice Requires="p14">
           <p:contentPart p14:bwMode="auto" r:id="rId6">
             <p14:nvContentPartPr>
               <p14:cNvPr id="252" name="Ink 251">
@@ -33502,7 +33454,7 @@
             </p14:xfrm>
           </p:contentPart>
         </mc:Choice>
-        <mc:Fallback>
+        <mc:Fallback xmlns="">
           <p:pic>
             <p:nvPicPr>
               <p:cNvPr id="252" name="Ink 251">
@@ -33533,8 +33485,8 @@
           </p:pic>
         </mc:Fallback>
       </mc:AlternateContent>
-      <mc:AlternateContent xmlns:mc="http://schemas.openxmlformats.org/markup-compatibility/2006">
-        <mc:Choice xmlns:p14="http://schemas.microsoft.com/office/powerpoint/2010/main" Requires="p14">
+      <mc:AlternateContent xmlns:mc="http://schemas.openxmlformats.org/markup-compatibility/2006" xmlns:p14="http://schemas.microsoft.com/office/powerpoint/2010/main">
+        <mc:Choice Requires="p14">
           <p:contentPart p14:bwMode="auto" r:id="rId7">
             <p14:nvContentPartPr>
               <p14:cNvPr id="253" name="Ink 252">
@@ -33553,7 +33505,7 @@
             </p14:xfrm>
           </p:contentPart>
         </mc:Choice>
-        <mc:Fallback>
+        <mc:Fallback xmlns="">
           <p:pic>
             <p:nvPicPr>
               <p:cNvPr id="253" name="Ink 252">

--- a/presentation/exp birds eye veiw.pptx
+++ b/presentation/exp birds eye veiw.pptx
@@ -2660,7 +2660,7 @@
           <a:p>
             <a:fld id="{B3DC5803-524A-4535-9048-D4846558C48F}" type="datetimeFigureOut">
               <a:rPr lang="he-IL" smtClean="0"/>
-              <a:t>כ"א/אדר א/תשפ"ב</a:t>
+              <a:t>י"א/ניסן/תשפ"ב</a:t>
             </a:fld>
             <a:endParaRPr lang="he-IL"/>
           </a:p>
@@ -2860,7 +2860,7 @@
           <a:p>
             <a:fld id="{B3DC5803-524A-4535-9048-D4846558C48F}" type="datetimeFigureOut">
               <a:rPr lang="he-IL" smtClean="0"/>
-              <a:t>כ"א/אדר א/תשפ"ב</a:t>
+              <a:t>י"א/ניסן/תשפ"ב</a:t>
             </a:fld>
             <a:endParaRPr lang="he-IL"/>
           </a:p>
@@ -3070,7 +3070,7 @@
           <a:p>
             <a:fld id="{B3DC5803-524A-4535-9048-D4846558C48F}" type="datetimeFigureOut">
               <a:rPr lang="he-IL" smtClean="0"/>
-              <a:t>כ"א/אדר א/תשפ"ב</a:t>
+              <a:t>י"א/ניסן/תשפ"ב</a:t>
             </a:fld>
             <a:endParaRPr lang="he-IL"/>
           </a:p>
@@ -3270,7 +3270,7 @@
           <a:p>
             <a:fld id="{B3DC5803-524A-4535-9048-D4846558C48F}" type="datetimeFigureOut">
               <a:rPr lang="he-IL" smtClean="0"/>
-              <a:t>כ"א/אדר א/תשפ"ב</a:t>
+              <a:t>י"א/ניסן/תשפ"ב</a:t>
             </a:fld>
             <a:endParaRPr lang="he-IL"/>
           </a:p>
@@ -3546,7 +3546,7 @@
           <a:p>
             <a:fld id="{B3DC5803-524A-4535-9048-D4846558C48F}" type="datetimeFigureOut">
               <a:rPr lang="he-IL" smtClean="0"/>
-              <a:t>כ"א/אדר א/תשפ"ב</a:t>
+              <a:t>י"א/ניסן/תשפ"ב</a:t>
             </a:fld>
             <a:endParaRPr lang="he-IL"/>
           </a:p>
@@ -3814,7 +3814,7 @@
           <a:p>
             <a:fld id="{B3DC5803-524A-4535-9048-D4846558C48F}" type="datetimeFigureOut">
               <a:rPr lang="he-IL" smtClean="0"/>
-              <a:t>כ"א/אדר א/תשפ"ב</a:t>
+              <a:t>י"א/ניסן/תשפ"ב</a:t>
             </a:fld>
             <a:endParaRPr lang="he-IL"/>
           </a:p>
@@ -4229,7 +4229,7 @@
           <a:p>
             <a:fld id="{B3DC5803-524A-4535-9048-D4846558C48F}" type="datetimeFigureOut">
               <a:rPr lang="he-IL" smtClean="0"/>
-              <a:t>כ"א/אדר א/תשפ"ב</a:t>
+              <a:t>י"א/ניסן/תשפ"ב</a:t>
             </a:fld>
             <a:endParaRPr lang="he-IL"/>
           </a:p>
@@ -4371,7 +4371,7 @@
           <a:p>
             <a:fld id="{B3DC5803-524A-4535-9048-D4846558C48F}" type="datetimeFigureOut">
               <a:rPr lang="he-IL" smtClean="0"/>
-              <a:t>כ"א/אדר א/תשפ"ב</a:t>
+              <a:t>י"א/ניסן/תשפ"ב</a:t>
             </a:fld>
             <a:endParaRPr lang="he-IL"/>
           </a:p>
@@ -4484,7 +4484,7 @@
           <a:p>
             <a:fld id="{B3DC5803-524A-4535-9048-D4846558C48F}" type="datetimeFigureOut">
               <a:rPr lang="he-IL" smtClean="0"/>
-              <a:t>כ"א/אדר א/תשפ"ב</a:t>
+              <a:t>י"א/ניסן/תשפ"ב</a:t>
             </a:fld>
             <a:endParaRPr lang="he-IL"/>
           </a:p>
@@ -4797,7 +4797,7 @@
           <a:p>
             <a:fld id="{B3DC5803-524A-4535-9048-D4846558C48F}" type="datetimeFigureOut">
               <a:rPr lang="he-IL" smtClean="0"/>
-              <a:t>כ"א/אדר א/תשפ"ב</a:t>
+              <a:t>י"א/ניסן/תשפ"ב</a:t>
             </a:fld>
             <a:endParaRPr lang="he-IL"/>
           </a:p>
@@ -5086,7 +5086,7 @@
           <a:p>
             <a:fld id="{B3DC5803-524A-4535-9048-D4846558C48F}" type="datetimeFigureOut">
               <a:rPr lang="he-IL" smtClean="0"/>
-              <a:t>כ"א/אדר א/תשפ"ב</a:t>
+              <a:t>י"א/ניסן/תשפ"ב</a:t>
             </a:fld>
             <a:endParaRPr lang="he-IL"/>
           </a:p>
@@ -5329,7 +5329,7 @@
           <a:p>
             <a:fld id="{B3DC5803-524A-4535-9048-D4846558C48F}" type="datetimeFigureOut">
               <a:rPr lang="he-IL" smtClean="0"/>
-              <a:t>כ"א/אדר א/תשפ"ב</a:t>
+              <a:t>י"א/ניסן/תשפ"ב</a:t>
             </a:fld>
             <a:endParaRPr lang="he-IL"/>
           </a:p>
@@ -23568,8 +23568,8 @@
           </a:fontRef>
         </p:style>
       </p:cxnSp>
-      <mc:AlternateContent xmlns:mc="http://schemas.openxmlformats.org/markup-compatibility/2006">
-        <mc:Choice xmlns:p14="http://schemas.microsoft.com/office/powerpoint/2010/main" Requires="p14">
+      <mc:AlternateContent xmlns:mc="http://schemas.openxmlformats.org/markup-compatibility/2006" xmlns:p14="http://schemas.microsoft.com/office/powerpoint/2010/main">
+        <mc:Choice Requires="p14">
           <p:contentPart p14:bwMode="auto" r:id="rId2">
             <p14:nvContentPartPr>
               <p14:cNvPr id="5" name="Ink 4">
@@ -23588,7 +23588,7 @@
             </p14:xfrm>
           </p:contentPart>
         </mc:Choice>
-        <mc:Fallback>
+        <mc:Fallback xmlns="">
           <p:pic>
             <p:nvPicPr>
               <p:cNvPr id="5" name="Ink 4">
@@ -31463,6 +31463,631 @@
           </p:txBody>
         </p:sp>
       </p:grpSp>
+      <p:sp>
+        <p:nvSpPr>
+          <p:cNvPr id="2" name="TextBox 1">
+            <a:extLst>
+              <a:ext uri="{FF2B5EF4-FFF2-40B4-BE49-F238E27FC236}">
+                <a16:creationId xmlns:a16="http://schemas.microsoft.com/office/drawing/2014/main" id="{C678002B-FF60-41A7-9A65-A6ABBFE4163E}"/>
+              </a:ext>
+            </a:extLst>
+          </p:cNvPr>
+          <p:cNvSpPr txBox="1"/>
+          <p:nvPr/>
+        </p:nvSpPr>
+        <p:spPr>
+          <a:xfrm>
+            <a:off x="3722927" y="2458452"/>
+            <a:ext cx="788916" cy="369332"/>
+          </a:xfrm>
+          <a:prstGeom prst="rect">
+            <a:avLst/>
+          </a:prstGeom>
+          <a:noFill/>
+        </p:spPr>
+        <p:txBody>
+          <a:bodyPr wrap="square" rtlCol="1">
+            <a:spAutoFit/>
+          </a:bodyPr>
+          <a:lstStyle/>
+          <a:p>
+            <a:pPr algn="ctr"/>
+            <a:r>
+              <a:rPr lang="en-US" dirty="0"/>
+              <a:t>Radio</a:t>
+            </a:r>
+            <a:endParaRPr lang="he-IL" dirty="0"/>
+          </a:p>
+        </p:txBody>
+      </p:sp>
+      <p:sp>
+        <p:nvSpPr>
+          <p:cNvPr id="14" name="TextBox 13">
+            <a:extLst>
+              <a:ext uri="{FF2B5EF4-FFF2-40B4-BE49-F238E27FC236}">
+                <a16:creationId xmlns:a16="http://schemas.microsoft.com/office/drawing/2014/main" id="{95C9426D-CA60-45A7-9B5C-B054BDFBCAFC}"/>
+              </a:ext>
+            </a:extLst>
+          </p:cNvPr>
+          <p:cNvSpPr txBox="1"/>
+          <p:nvPr/>
+        </p:nvSpPr>
+        <p:spPr>
+          <a:xfrm>
+            <a:off x="2911632" y="2176092"/>
+            <a:ext cx="1031886" cy="307777"/>
+          </a:xfrm>
+          <a:prstGeom prst="rect">
+            <a:avLst/>
+          </a:prstGeom>
+          <a:solidFill>
+            <a:srgbClr val="6F6F6F"/>
+          </a:solidFill>
+        </p:spPr>
+        <p:txBody>
+          <a:bodyPr wrap="square" rtlCol="1">
+            <a:spAutoFit/>
+          </a:bodyPr>
+          <a:lstStyle/>
+          <a:p>
+            <a:pPr algn="ctr"/>
+            <a:r>
+              <a:rPr lang="en-US" sz="1400" dirty="0"/>
+              <a:t>Artificial</a:t>
+            </a:r>
+            <a:endParaRPr lang="he-IL" sz="1400" dirty="0"/>
+          </a:p>
+        </p:txBody>
+      </p:sp>
+      <p:sp>
+        <p:nvSpPr>
+          <p:cNvPr id="16" name="TextBox 15">
+            <a:extLst>
+              <a:ext uri="{FF2B5EF4-FFF2-40B4-BE49-F238E27FC236}">
+                <a16:creationId xmlns:a16="http://schemas.microsoft.com/office/drawing/2014/main" id="{8CFAC7AF-1CAD-4B34-9743-EDC4F2029052}"/>
+              </a:ext>
+            </a:extLst>
+          </p:cNvPr>
+          <p:cNvSpPr txBox="1"/>
+          <p:nvPr/>
+        </p:nvSpPr>
+        <p:spPr>
+          <a:xfrm>
+            <a:off x="4261614" y="2176092"/>
+            <a:ext cx="1031886" cy="307777"/>
+          </a:xfrm>
+          <a:prstGeom prst="rect">
+            <a:avLst/>
+          </a:prstGeom>
+          <a:solidFill>
+            <a:srgbClr val="6F6F6F"/>
+          </a:solidFill>
+        </p:spPr>
+        <p:txBody>
+          <a:bodyPr wrap="square" rtlCol="1">
+            <a:spAutoFit/>
+          </a:bodyPr>
+          <a:lstStyle/>
+          <a:p>
+            <a:pPr algn="ctr"/>
+            <a:r>
+              <a:rPr lang="en-US" sz="1400" dirty="0"/>
+              <a:t>Natural</a:t>
+            </a:r>
+            <a:endParaRPr lang="he-IL" sz="1400" dirty="0"/>
+          </a:p>
+        </p:txBody>
+      </p:sp>
+      <p:cxnSp>
+        <p:nvCxnSpPr>
+          <p:cNvPr id="17" name="Straight Arrow Connector 16">
+            <a:extLst>
+              <a:ext uri="{FF2B5EF4-FFF2-40B4-BE49-F238E27FC236}">
+                <a16:creationId xmlns:a16="http://schemas.microsoft.com/office/drawing/2014/main" id="{B3964CC2-6D9E-4FBA-9B23-39A93FB96BDF}"/>
+              </a:ext>
+            </a:extLst>
+          </p:cNvPr>
+          <p:cNvCxnSpPr>
+            <a:cxnSpLocks/>
+          </p:cNvCxnSpPr>
+          <p:nvPr/>
+        </p:nvCxnSpPr>
+        <p:spPr>
+          <a:xfrm flipH="1" flipV="1">
+            <a:off x="5943600" y="3376753"/>
+            <a:ext cx="461359" cy="1847169"/>
+          </a:xfrm>
+          <a:prstGeom prst="straightConnector1">
+            <a:avLst/>
+          </a:prstGeom>
+          <a:ln w="38100">
+            <a:solidFill>
+              <a:schemeClr val="tx1"/>
+            </a:solidFill>
+            <a:headEnd type="triangle"/>
+            <a:tailEnd type="triangle"/>
+          </a:ln>
+        </p:spPr>
+        <p:style>
+          <a:lnRef idx="1">
+            <a:schemeClr val="accent1"/>
+          </a:lnRef>
+          <a:fillRef idx="0">
+            <a:schemeClr val="accent1"/>
+          </a:fillRef>
+          <a:effectRef idx="0">
+            <a:schemeClr val="accent1"/>
+          </a:effectRef>
+          <a:fontRef idx="minor">
+            <a:schemeClr val="tx1"/>
+          </a:fontRef>
+        </p:style>
+      </p:cxnSp>
+      <p:cxnSp>
+        <p:nvCxnSpPr>
+          <p:cNvPr id="19" name="Straight Arrow Connector 18">
+            <a:extLst>
+              <a:ext uri="{FF2B5EF4-FFF2-40B4-BE49-F238E27FC236}">
+                <a16:creationId xmlns:a16="http://schemas.microsoft.com/office/drawing/2014/main" id="{6911ACB2-ED0B-4FF5-8B77-B37781C4D89F}"/>
+              </a:ext>
+            </a:extLst>
+          </p:cNvPr>
+          <p:cNvCxnSpPr>
+            <a:cxnSpLocks/>
+          </p:cNvCxnSpPr>
+          <p:nvPr/>
+        </p:nvCxnSpPr>
+        <p:spPr>
+          <a:xfrm>
+            <a:off x="2142486" y="2686838"/>
+            <a:ext cx="179270" cy="692489"/>
+          </a:xfrm>
+          <a:prstGeom prst="straightConnector1">
+            <a:avLst/>
+          </a:prstGeom>
+          <a:ln w="38100">
+            <a:solidFill>
+              <a:schemeClr val="tx1"/>
+            </a:solidFill>
+            <a:headEnd type="triangle"/>
+            <a:tailEnd type="triangle"/>
+          </a:ln>
+        </p:spPr>
+        <p:style>
+          <a:lnRef idx="1">
+            <a:schemeClr val="accent1"/>
+          </a:lnRef>
+          <a:fillRef idx="0">
+            <a:schemeClr val="accent1"/>
+          </a:fillRef>
+          <a:effectRef idx="0">
+            <a:schemeClr val="accent1"/>
+          </a:effectRef>
+          <a:fontRef idx="minor">
+            <a:schemeClr val="tx1"/>
+          </a:fontRef>
+        </p:style>
+      </p:cxnSp>
+      <p:cxnSp>
+        <p:nvCxnSpPr>
+          <p:cNvPr id="28" name="Straight Connector 27">
+            <a:extLst>
+              <a:ext uri="{FF2B5EF4-FFF2-40B4-BE49-F238E27FC236}">
+                <a16:creationId xmlns:a16="http://schemas.microsoft.com/office/drawing/2014/main" id="{57617DD2-7248-4E26-B46F-7432AF9DDB5E}"/>
+              </a:ext>
+            </a:extLst>
+          </p:cNvPr>
+          <p:cNvCxnSpPr>
+            <a:cxnSpLocks/>
+          </p:cNvCxnSpPr>
+          <p:nvPr/>
+        </p:nvCxnSpPr>
+        <p:spPr>
+          <a:xfrm flipH="1">
+            <a:off x="2026024" y="2686838"/>
+            <a:ext cx="1810870" cy="0"/>
+          </a:xfrm>
+          <a:prstGeom prst="line">
+            <a:avLst/>
+          </a:prstGeom>
+          <a:ln w="19050">
+            <a:solidFill>
+              <a:schemeClr val="tx1"/>
+            </a:solidFill>
+            <a:prstDash val="sysDash"/>
+          </a:ln>
+        </p:spPr>
+        <p:style>
+          <a:lnRef idx="1">
+            <a:schemeClr val="accent1"/>
+          </a:lnRef>
+          <a:fillRef idx="0">
+            <a:schemeClr val="accent1"/>
+          </a:fillRef>
+          <a:effectRef idx="0">
+            <a:schemeClr val="accent1"/>
+          </a:effectRef>
+          <a:fontRef idx="minor">
+            <a:schemeClr val="tx1"/>
+          </a:fontRef>
+        </p:style>
+      </p:cxnSp>
+      <p:cxnSp>
+        <p:nvCxnSpPr>
+          <p:cNvPr id="29" name="Straight Connector 28">
+            <a:extLst>
+              <a:ext uri="{FF2B5EF4-FFF2-40B4-BE49-F238E27FC236}">
+                <a16:creationId xmlns:a16="http://schemas.microsoft.com/office/drawing/2014/main" id="{BB0AD97C-51C9-4355-8450-F84BC90BB590}"/>
+              </a:ext>
+            </a:extLst>
+          </p:cNvPr>
+          <p:cNvCxnSpPr>
+            <a:cxnSpLocks/>
+          </p:cNvCxnSpPr>
+          <p:nvPr/>
+        </p:nvCxnSpPr>
+        <p:spPr>
+          <a:xfrm flipH="1">
+            <a:off x="2232121" y="3376753"/>
+            <a:ext cx="1885264" cy="0"/>
+          </a:xfrm>
+          <a:prstGeom prst="line">
+            <a:avLst/>
+          </a:prstGeom>
+          <a:ln w="19050">
+            <a:solidFill>
+              <a:schemeClr val="tx1"/>
+            </a:solidFill>
+            <a:prstDash val="sysDash"/>
+          </a:ln>
+        </p:spPr>
+        <p:style>
+          <a:lnRef idx="1">
+            <a:schemeClr val="accent1"/>
+          </a:lnRef>
+          <a:fillRef idx="0">
+            <a:schemeClr val="accent1"/>
+          </a:fillRef>
+          <a:effectRef idx="0">
+            <a:schemeClr val="accent1"/>
+          </a:effectRef>
+          <a:fontRef idx="minor">
+            <a:schemeClr val="tx1"/>
+          </a:fontRef>
+        </p:style>
+      </p:cxnSp>
+      <p:cxnSp>
+        <p:nvCxnSpPr>
+          <p:cNvPr id="32" name="Straight Connector 31">
+            <a:extLst>
+              <a:ext uri="{FF2B5EF4-FFF2-40B4-BE49-F238E27FC236}">
+                <a16:creationId xmlns:a16="http://schemas.microsoft.com/office/drawing/2014/main" id="{C422BD9B-6223-4EA5-827E-236AB7F0F52A}"/>
+              </a:ext>
+            </a:extLst>
+          </p:cNvPr>
+          <p:cNvCxnSpPr>
+            <a:cxnSpLocks/>
+          </p:cNvCxnSpPr>
+          <p:nvPr/>
+        </p:nvCxnSpPr>
+        <p:spPr>
+          <a:xfrm flipH="1">
+            <a:off x="4210736" y="5259342"/>
+            <a:ext cx="2225923" cy="0"/>
+          </a:xfrm>
+          <a:prstGeom prst="line">
+            <a:avLst/>
+          </a:prstGeom>
+          <a:ln w="19050">
+            <a:solidFill>
+              <a:schemeClr val="tx1"/>
+            </a:solidFill>
+            <a:prstDash val="sysDash"/>
+          </a:ln>
+        </p:spPr>
+        <p:style>
+          <a:lnRef idx="1">
+            <a:schemeClr val="accent1"/>
+          </a:lnRef>
+          <a:fillRef idx="0">
+            <a:schemeClr val="accent1"/>
+          </a:fillRef>
+          <a:effectRef idx="0">
+            <a:schemeClr val="accent1"/>
+          </a:effectRef>
+          <a:fontRef idx="minor">
+            <a:schemeClr val="tx1"/>
+          </a:fontRef>
+        </p:style>
+      </p:cxnSp>
+      <p:cxnSp>
+        <p:nvCxnSpPr>
+          <p:cNvPr id="34" name="Straight Connector 33">
+            <a:extLst>
+              <a:ext uri="{FF2B5EF4-FFF2-40B4-BE49-F238E27FC236}">
+                <a16:creationId xmlns:a16="http://schemas.microsoft.com/office/drawing/2014/main" id="{302EFEBC-371A-4454-8288-AC4B5271202D}"/>
+              </a:ext>
+            </a:extLst>
+          </p:cNvPr>
+          <p:cNvCxnSpPr>
+            <a:cxnSpLocks/>
+          </p:cNvCxnSpPr>
+          <p:nvPr/>
+        </p:nvCxnSpPr>
+        <p:spPr>
+          <a:xfrm flipH="1">
+            <a:off x="4151834" y="3376753"/>
+            <a:ext cx="1791766" cy="0"/>
+          </a:xfrm>
+          <a:prstGeom prst="line">
+            <a:avLst/>
+          </a:prstGeom>
+          <a:ln w="19050">
+            <a:solidFill>
+              <a:schemeClr val="tx1"/>
+            </a:solidFill>
+            <a:prstDash val="sysDash"/>
+          </a:ln>
+        </p:spPr>
+        <p:style>
+          <a:lnRef idx="1">
+            <a:schemeClr val="accent1"/>
+          </a:lnRef>
+          <a:fillRef idx="0">
+            <a:schemeClr val="accent1"/>
+          </a:fillRef>
+          <a:effectRef idx="0">
+            <a:schemeClr val="accent1"/>
+          </a:effectRef>
+          <a:fontRef idx="minor">
+            <a:schemeClr val="tx1"/>
+          </a:fontRef>
+        </p:style>
+      </p:cxnSp>
+      <p:sp>
+        <p:nvSpPr>
+          <p:cNvPr id="38" name="TextBox 37">
+            <a:extLst>
+              <a:ext uri="{FF2B5EF4-FFF2-40B4-BE49-F238E27FC236}">
+                <a16:creationId xmlns:a16="http://schemas.microsoft.com/office/drawing/2014/main" id="{60D2B397-6C21-4EC6-84D8-DEF4C9A6E0D2}"/>
+              </a:ext>
+            </a:extLst>
+          </p:cNvPr>
+          <p:cNvSpPr txBox="1"/>
+          <p:nvPr/>
+        </p:nvSpPr>
+        <p:spPr>
+          <a:xfrm>
+            <a:off x="1501986" y="2859901"/>
+            <a:ext cx="840016" cy="369332"/>
+          </a:xfrm>
+          <a:prstGeom prst="rect">
+            <a:avLst/>
+          </a:prstGeom>
+          <a:noFill/>
+        </p:spPr>
+        <p:txBody>
+          <a:bodyPr wrap="square" rtlCol="1">
+            <a:spAutoFit/>
+          </a:bodyPr>
+          <a:lstStyle/>
+          <a:p>
+            <a:pPr algn="ctr"/>
+            <a:r>
+              <a:rPr lang="en-US" dirty="0"/>
+              <a:t>24cm</a:t>
+            </a:r>
+            <a:endParaRPr lang="he-IL" dirty="0"/>
+          </a:p>
+        </p:txBody>
+      </p:sp>
+      <p:sp>
+        <p:nvSpPr>
+          <p:cNvPr id="39" name="TextBox 38">
+            <a:extLst>
+              <a:ext uri="{FF2B5EF4-FFF2-40B4-BE49-F238E27FC236}">
+                <a16:creationId xmlns:a16="http://schemas.microsoft.com/office/drawing/2014/main" id="{94676B2E-FD37-49FF-939A-4C1B56508111}"/>
+              </a:ext>
+            </a:extLst>
+          </p:cNvPr>
+          <p:cNvSpPr txBox="1"/>
+          <p:nvPr/>
+        </p:nvSpPr>
+        <p:spPr>
+          <a:xfrm>
+            <a:off x="6074544" y="4001022"/>
+            <a:ext cx="840016" cy="369332"/>
+          </a:xfrm>
+          <a:prstGeom prst="rect">
+            <a:avLst/>
+          </a:prstGeom>
+          <a:noFill/>
+        </p:spPr>
+        <p:txBody>
+          <a:bodyPr wrap="square" rtlCol="1">
+            <a:spAutoFit/>
+          </a:bodyPr>
+          <a:lstStyle/>
+          <a:p>
+            <a:pPr algn="ctr"/>
+            <a:r>
+              <a:rPr lang="en-US" dirty="0"/>
+              <a:t>35cm</a:t>
+            </a:r>
+            <a:endParaRPr lang="he-IL" dirty="0"/>
+          </a:p>
+        </p:txBody>
+      </p:sp>
+      <p:cxnSp>
+        <p:nvCxnSpPr>
+          <p:cNvPr id="40" name="Straight Arrow Connector 39">
+            <a:extLst>
+              <a:ext uri="{FF2B5EF4-FFF2-40B4-BE49-F238E27FC236}">
+                <a16:creationId xmlns:a16="http://schemas.microsoft.com/office/drawing/2014/main" id="{1BA74B79-9AE2-4CBA-8AFE-B138B4797204}"/>
+              </a:ext>
+            </a:extLst>
+          </p:cNvPr>
+          <p:cNvCxnSpPr>
+            <a:cxnSpLocks/>
+          </p:cNvCxnSpPr>
+          <p:nvPr/>
+        </p:nvCxnSpPr>
+        <p:spPr>
+          <a:xfrm>
+            <a:off x="3514165" y="3019441"/>
+            <a:ext cx="539085" cy="6345"/>
+          </a:xfrm>
+          <a:prstGeom prst="straightConnector1">
+            <a:avLst/>
+          </a:prstGeom>
+          <a:ln w="38100">
+            <a:solidFill>
+              <a:schemeClr val="tx1"/>
+            </a:solidFill>
+            <a:headEnd type="triangle"/>
+            <a:tailEnd type="triangle"/>
+          </a:ln>
+        </p:spPr>
+        <p:style>
+          <a:lnRef idx="1">
+            <a:schemeClr val="accent1"/>
+          </a:lnRef>
+          <a:fillRef idx="0">
+            <a:schemeClr val="accent1"/>
+          </a:fillRef>
+          <a:effectRef idx="0">
+            <a:schemeClr val="accent1"/>
+          </a:effectRef>
+          <a:fontRef idx="minor">
+            <a:schemeClr val="tx1"/>
+          </a:fontRef>
+        </p:style>
+      </p:cxnSp>
+      <p:sp>
+        <p:nvSpPr>
+          <p:cNvPr id="41" name="TextBox 40">
+            <a:extLst>
+              <a:ext uri="{FF2B5EF4-FFF2-40B4-BE49-F238E27FC236}">
+                <a16:creationId xmlns:a16="http://schemas.microsoft.com/office/drawing/2014/main" id="{0519A2C4-0337-4FB7-9876-7C1C1E839ACF}"/>
+              </a:ext>
+            </a:extLst>
+          </p:cNvPr>
+          <p:cNvSpPr txBox="1"/>
+          <p:nvPr/>
+        </p:nvSpPr>
+        <p:spPr>
+          <a:xfrm>
+            <a:off x="3363699" y="2975304"/>
+            <a:ext cx="840016" cy="369332"/>
+          </a:xfrm>
+          <a:prstGeom prst="rect">
+            <a:avLst/>
+          </a:prstGeom>
+          <a:noFill/>
+        </p:spPr>
+        <p:txBody>
+          <a:bodyPr wrap="square" rtlCol="1">
+            <a:spAutoFit/>
+          </a:bodyPr>
+          <a:lstStyle/>
+          <a:p>
+            <a:pPr algn="ctr"/>
+            <a:r>
+              <a:rPr lang="en-US" dirty="0"/>
+              <a:t>10cm</a:t>
+            </a:r>
+            <a:endParaRPr lang="he-IL" dirty="0"/>
+          </a:p>
+        </p:txBody>
+      </p:sp>
+      <p:cxnSp>
+        <p:nvCxnSpPr>
+          <p:cNvPr id="44" name="Straight Connector 43">
+            <a:extLst>
+              <a:ext uri="{FF2B5EF4-FFF2-40B4-BE49-F238E27FC236}">
+                <a16:creationId xmlns:a16="http://schemas.microsoft.com/office/drawing/2014/main" id="{2EB7046D-56CE-4B63-8682-C833318CDC0E}"/>
+              </a:ext>
+            </a:extLst>
+          </p:cNvPr>
+          <p:cNvCxnSpPr>
+            <a:cxnSpLocks/>
+          </p:cNvCxnSpPr>
+          <p:nvPr/>
+        </p:nvCxnSpPr>
+        <p:spPr>
+          <a:xfrm>
+            <a:off x="3452202" y="2686838"/>
+            <a:ext cx="34642" cy="344477"/>
+          </a:xfrm>
+          <a:prstGeom prst="line">
+            <a:avLst/>
+          </a:prstGeom>
+          <a:ln w="19050">
+            <a:solidFill>
+              <a:schemeClr val="tx1"/>
+            </a:solidFill>
+            <a:prstDash val="sysDash"/>
+          </a:ln>
+        </p:spPr>
+        <p:style>
+          <a:lnRef idx="1">
+            <a:schemeClr val="accent1"/>
+          </a:lnRef>
+          <a:fillRef idx="0">
+            <a:schemeClr val="accent1"/>
+          </a:fillRef>
+          <a:effectRef idx="0">
+            <a:schemeClr val="accent1"/>
+          </a:effectRef>
+          <a:fontRef idx="minor">
+            <a:schemeClr val="tx1"/>
+          </a:fontRef>
+        </p:style>
+      </p:cxnSp>
+      <p:cxnSp>
+        <p:nvCxnSpPr>
+          <p:cNvPr id="48" name="Straight Connector 47">
+            <a:extLst>
+              <a:ext uri="{FF2B5EF4-FFF2-40B4-BE49-F238E27FC236}">
+                <a16:creationId xmlns:a16="http://schemas.microsoft.com/office/drawing/2014/main" id="{0F8E9BEA-BEA3-4B3A-97BC-38DA68487807}"/>
+              </a:ext>
+            </a:extLst>
+          </p:cNvPr>
+          <p:cNvCxnSpPr>
+            <a:cxnSpLocks/>
+          </p:cNvCxnSpPr>
+          <p:nvPr/>
+        </p:nvCxnSpPr>
+        <p:spPr>
+          <a:xfrm>
+            <a:off x="4111161" y="2729306"/>
+            <a:ext cx="0" cy="315261"/>
+          </a:xfrm>
+          <a:prstGeom prst="line">
+            <a:avLst/>
+          </a:prstGeom>
+          <a:ln w="19050">
+            <a:solidFill>
+              <a:schemeClr val="tx1"/>
+            </a:solidFill>
+            <a:prstDash val="sysDash"/>
+          </a:ln>
+        </p:spPr>
+        <p:style>
+          <a:lnRef idx="1">
+            <a:schemeClr val="accent1"/>
+          </a:lnRef>
+          <a:fillRef idx="0">
+            <a:schemeClr val="accent1"/>
+          </a:fillRef>
+          <a:effectRef idx="0">
+            <a:schemeClr val="accent1"/>
+          </a:effectRef>
+          <a:fontRef idx="minor">
+            <a:schemeClr val="tx1"/>
+          </a:fontRef>
+        </p:style>
+      </p:cxnSp>
     </p:spTree>
     <p:extLst>
       <p:ext uri="{BB962C8B-B14F-4D97-AF65-F5344CB8AC3E}">

--- a/presentation/exp birds eye veiw.pptx
+++ b/presentation/exp birds eye veiw.pptx
@@ -2278,8 +2278,8 @@
       <inkml:timestamp xml:id="ts0" timeString="2022-02-01T06:02:30.050"/>
     </inkml:context>
     <inkml:brush xml:id="br0">
-      <inkml:brushProperty name="width" value="0.05" units="cm"/>
-      <inkml:brushProperty name="height" value="0.05" units="cm"/>
+      <inkml:brushProperty name="width" value="0.10583" units="cm"/>
+      <inkml:brushProperty name="height" value="0.10583" units="cm"/>
       <inkml:brushProperty name="color" value="#E71224"/>
     </inkml:brush>
   </inkml:definitions>
@@ -2334,8 +2334,8 @@
       <inkml:timestamp xml:id="ts0" timeString="2022-02-01T06:07:16.411"/>
     </inkml:context>
     <inkml:brush xml:id="br0">
-      <inkml:brushProperty name="width" value="0.05" units="cm"/>
-      <inkml:brushProperty name="height" value="0.05" units="cm"/>
+      <inkml:brushProperty name="width" value="0.10583" units="cm"/>
+      <inkml:brushProperty name="height" value="0.10583" units="cm"/>
       <inkml:brushProperty name="color" value="#E71224"/>
     </inkml:brush>
   </inkml:definitions>
@@ -2362,8 +2362,8 @@
       <inkml:timestamp xml:id="ts0" timeString="2022-02-01T06:24:46.254"/>
     </inkml:context>
     <inkml:brush xml:id="br0">
-      <inkml:brushProperty name="width" value="0.05" units="cm"/>
-      <inkml:brushProperty name="height" value="0.05" units="cm"/>
+      <inkml:brushProperty name="width" value="0.10583" units="cm"/>
+      <inkml:brushProperty name="height" value="0.10583" units="cm"/>
       <inkml:brushProperty name="color" value="#E71224"/>
     </inkml:brush>
   </inkml:definitions>
@@ -2660,7 +2660,7 @@
           <a:p>
             <a:fld id="{B3DC5803-524A-4535-9048-D4846558C48F}" type="datetimeFigureOut">
               <a:rPr lang="he-IL" smtClean="0"/>
-              <a:t>י"א/ניסן/תשפ"ב</a:t>
+              <a:t>ט"ז/ניסן/תשפ"ב</a:t>
             </a:fld>
             <a:endParaRPr lang="he-IL"/>
           </a:p>
@@ -2860,7 +2860,7 @@
           <a:p>
             <a:fld id="{B3DC5803-524A-4535-9048-D4846558C48F}" type="datetimeFigureOut">
               <a:rPr lang="he-IL" smtClean="0"/>
-              <a:t>י"א/ניסן/תשפ"ב</a:t>
+              <a:t>ט"ז/ניסן/תשפ"ב</a:t>
             </a:fld>
             <a:endParaRPr lang="he-IL"/>
           </a:p>
@@ -3070,7 +3070,7 @@
           <a:p>
             <a:fld id="{B3DC5803-524A-4535-9048-D4846558C48F}" type="datetimeFigureOut">
               <a:rPr lang="he-IL" smtClean="0"/>
-              <a:t>י"א/ניסן/תשפ"ב</a:t>
+              <a:t>ט"ז/ניסן/תשפ"ב</a:t>
             </a:fld>
             <a:endParaRPr lang="he-IL"/>
           </a:p>
@@ -3270,7 +3270,7 @@
           <a:p>
             <a:fld id="{B3DC5803-524A-4535-9048-D4846558C48F}" type="datetimeFigureOut">
               <a:rPr lang="he-IL" smtClean="0"/>
-              <a:t>י"א/ניסן/תשפ"ב</a:t>
+              <a:t>ט"ז/ניסן/תשפ"ב</a:t>
             </a:fld>
             <a:endParaRPr lang="he-IL"/>
           </a:p>
@@ -3546,7 +3546,7 @@
           <a:p>
             <a:fld id="{B3DC5803-524A-4535-9048-D4846558C48F}" type="datetimeFigureOut">
               <a:rPr lang="he-IL" smtClean="0"/>
-              <a:t>י"א/ניסן/תשפ"ב</a:t>
+              <a:t>ט"ז/ניסן/תשפ"ב</a:t>
             </a:fld>
             <a:endParaRPr lang="he-IL"/>
           </a:p>
@@ -3814,7 +3814,7 @@
           <a:p>
             <a:fld id="{B3DC5803-524A-4535-9048-D4846558C48F}" type="datetimeFigureOut">
               <a:rPr lang="he-IL" smtClean="0"/>
-              <a:t>י"א/ניסן/תשפ"ב</a:t>
+              <a:t>ט"ז/ניסן/תשפ"ב</a:t>
             </a:fld>
             <a:endParaRPr lang="he-IL"/>
           </a:p>
@@ -4229,7 +4229,7 @@
           <a:p>
             <a:fld id="{B3DC5803-524A-4535-9048-D4846558C48F}" type="datetimeFigureOut">
               <a:rPr lang="he-IL" smtClean="0"/>
-              <a:t>י"א/ניסן/תשפ"ב</a:t>
+              <a:t>ט"ז/ניסן/תשפ"ב</a:t>
             </a:fld>
             <a:endParaRPr lang="he-IL"/>
           </a:p>
@@ -4371,7 +4371,7 @@
           <a:p>
             <a:fld id="{B3DC5803-524A-4535-9048-D4846558C48F}" type="datetimeFigureOut">
               <a:rPr lang="he-IL" smtClean="0"/>
-              <a:t>י"א/ניסן/תשפ"ב</a:t>
+              <a:t>ט"ז/ניסן/תשפ"ב</a:t>
             </a:fld>
             <a:endParaRPr lang="he-IL"/>
           </a:p>
@@ -4484,7 +4484,7 @@
           <a:p>
             <a:fld id="{B3DC5803-524A-4535-9048-D4846558C48F}" type="datetimeFigureOut">
               <a:rPr lang="he-IL" smtClean="0"/>
-              <a:t>י"א/ניסן/תשפ"ב</a:t>
+              <a:t>ט"ז/ניסן/תשפ"ב</a:t>
             </a:fld>
             <a:endParaRPr lang="he-IL"/>
           </a:p>
@@ -4797,7 +4797,7 @@
           <a:p>
             <a:fld id="{B3DC5803-524A-4535-9048-D4846558C48F}" type="datetimeFigureOut">
               <a:rPr lang="he-IL" smtClean="0"/>
-              <a:t>י"א/ניסן/תשפ"ב</a:t>
+              <a:t>ט"ז/ניסן/תשפ"ב</a:t>
             </a:fld>
             <a:endParaRPr lang="he-IL"/>
           </a:p>
@@ -5086,7 +5086,7 @@
           <a:p>
             <a:fld id="{B3DC5803-524A-4535-9048-D4846558C48F}" type="datetimeFigureOut">
               <a:rPr lang="he-IL" smtClean="0"/>
-              <a:t>י"א/ניסן/תשפ"ב</a:t>
+              <a:t>ט"ז/ניסן/תשפ"ב</a:t>
             </a:fld>
             <a:endParaRPr lang="he-IL"/>
           </a:p>
@@ -5329,7 +5329,7 @@
           <a:p>
             <a:fld id="{B3DC5803-524A-4535-9048-D4846558C48F}" type="datetimeFigureOut">
               <a:rPr lang="he-IL" smtClean="0"/>
-              <a:t>י"א/ניסן/תשפ"ב</a:t>
+              <a:t>ט"ז/ניסן/תשפ"ב</a:t>
             </a:fld>
             <a:endParaRPr lang="he-IL"/>
           </a:p>
@@ -22301,10 +22301,10 @@
       </p:grpSpPr>
       <p:sp>
         <p:nvSpPr>
-          <p:cNvPr id="20" name="Freeform: Shape 19">
+          <p:cNvPr id="6" name="Freeform: Shape 5">
             <a:extLst>
               <a:ext uri="{FF2B5EF4-FFF2-40B4-BE49-F238E27FC236}">
-                <a16:creationId xmlns:a16="http://schemas.microsoft.com/office/drawing/2014/main" id="{ECB1D59C-F2E2-4E7F-A02F-93A3CEBB7B7C}"/>
+                <a16:creationId xmlns:a16="http://schemas.microsoft.com/office/drawing/2014/main" id="{232FF73B-E0BA-4B92-81AA-ABA001620B2F}"/>
               </a:ext>
             </a:extLst>
           </p:cNvPr>
@@ -22313,204 +22313,44 @@
         </p:nvSpPr>
         <p:spPr>
           <a:xfrm>
-            <a:off x="5415646" y="1843312"/>
-            <a:ext cx="527957" cy="1061359"/>
+            <a:off x="5951764" y="904875"/>
+            <a:ext cx="593272" cy="928007"/>
           </a:xfrm>
           <a:custGeom>
             <a:avLst/>
             <a:gdLst>
-              <a:gd name="connsiteX0" fmla="*/ 157843 w 527957"/>
-              <a:gd name="connsiteY0" fmla="*/ 1061359 h 1061359"/>
-              <a:gd name="connsiteX1" fmla="*/ 157843 w 527957"/>
-              <a:gd name="connsiteY1" fmla="*/ 1061359 h 1061359"/>
-              <a:gd name="connsiteX2" fmla="*/ 145143 w 527957"/>
-              <a:gd name="connsiteY2" fmla="*/ 1045031 h 1061359"/>
-              <a:gd name="connsiteX3" fmla="*/ 139700 w 527957"/>
-              <a:gd name="connsiteY3" fmla="*/ 1039588 h 1061359"/>
-              <a:gd name="connsiteX4" fmla="*/ 132443 w 527957"/>
-              <a:gd name="connsiteY4" fmla="*/ 1025074 h 1061359"/>
-              <a:gd name="connsiteX5" fmla="*/ 128814 w 527957"/>
-              <a:gd name="connsiteY5" fmla="*/ 1017817 h 1061359"/>
-              <a:gd name="connsiteX6" fmla="*/ 125186 w 527957"/>
-              <a:gd name="connsiteY6" fmla="*/ 1010559 h 1061359"/>
-              <a:gd name="connsiteX7" fmla="*/ 119743 w 527957"/>
-              <a:gd name="connsiteY7" fmla="*/ 1001488 h 1061359"/>
-              <a:gd name="connsiteX8" fmla="*/ 114300 w 527957"/>
-              <a:gd name="connsiteY8" fmla="*/ 996045 h 1061359"/>
-              <a:gd name="connsiteX9" fmla="*/ 110671 w 527957"/>
-              <a:gd name="connsiteY9" fmla="*/ 986974 h 1061359"/>
-              <a:gd name="connsiteX10" fmla="*/ 101600 w 527957"/>
-              <a:gd name="connsiteY10" fmla="*/ 968831 h 1061359"/>
-              <a:gd name="connsiteX11" fmla="*/ 97971 w 527957"/>
-              <a:gd name="connsiteY11" fmla="*/ 959759 h 1061359"/>
-              <a:gd name="connsiteX12" fmla="*/ 90714 w 527957"/>
-              <a:gd name="connsiteY12" fmla="*/ 939802 h 1061359"/>
-              <a:gd name="connsiteX13" fmla="*/ 85271 w 527957"/>
-              <a:gd name="connsiteY13" fmla="*/ 928917 h 1061359"/>
-              <a:gd name="connsiteX14" fmla="*/ 78014 w 527957"/>
-              <a:gd name="connsiteY14" fmla="*/ 912588 h 1061359"/>
-              <a:gd name="connsiteX15" fmla="*/ 76200 w 527957"/>
-              <a:gd name="connsiteY15" fmla="*/ 905331 h 1061359"/>
-              <a:gd name="connsiteX16" fmla="*/ 72571 w 527957"/>
-              <a:gd name="connsiteY16" fmla="*/ 899888 h 1061359"/>
-              <a:gd name="connsiteX17" fmla="*/ 68943 w 527957"/>
-              <a:gd name="connsiteY17" fmla="*/ 890817 h 1061359"/>
-              <a:gd name="connsiteX18" fmla="*/ 63500 w 527957"/>
-              <a:gd name="connsiteY18" fmla="*/ 878117 h 1061359"/>
-              <a:gd name="connsiteX19" fmla="*/ 58057 w 527957"/>
-              <a:gd name="connsiteY19" fmla="*/ 859974 h 1061359"/>
-              <a:gd name="connsiteX20" fmla="*/ 56243 w 527957"/>
-              <a:gd name="connsiteY20" fmla="*/ 849088 h 1061359"/>
-              <a:gd name="connsiteX21" fmla="*/ 54428 w 527957"/>
-              <a:gd name="connsiteY21" fmla="*/ 820059 h 1061359"/>
-              <a:gd name="connsiteX22" fmla="*/ 50800 w 527957"/>
-              <a:gd name="connsiteY22" fmla="*/ 801917 h 1061359"/>
-              <a:gd name="connsiteX23" fmla="*/ 48986 w 527957"/>
-              <a:gd name="connsiteY23" fmla="*/ 794659 h 1061359"/>
-              <a:gd name="connsiteX24" fmla="*/ 43543 w 527957"/>
-              <a:gd name="connsiteY24" fmla="*/ 787402 h 1061359"/>
-              <a:gd name="connsiteX25" fmla="*/ 34471 w 527957"/>
-              <a:gd name="connsiteY25" fmla="*/ 772888 h 1061359"/>
-              <a:gd name="connsiteX26" fmla="*/ 21771 w 527957"/>
-              <a:gd name="connsiteY26" fmla="*/ 758374 h 1061359"/>
-              <a:gd name="connsiteX27" fmla="*/ 18143 w 527957"/>
-              <a:gd name="connsiteY27" fmla="*/ 742045 h 1061359"/>
-              <a:gd name="connsiteX28" fmla="*/ 16328 w 527957"/>
-              <a:gd name="connsiteY28" fmla="*/ 723902 h 1061359"/>
-              <a:gd name="connsiteX29" fmla="*/ 14514 w 527957"/>
-              <a:gd name="connsiteY29" fmla="*/ 713017 h 1061359"/>
-              <a:gd name="connsiteX30" fmla="*/ 12700 w 527957"/>
-              <a:gd name="connsiteY30" fmla="*/ 696688 h 1061359"/>
-              <a:gd name="connsiteX31" fmla="*/ 9071 w 527957"/>
-              <a:gd name="connsiteY31" fmla="*/ 682174 h 1061359"/>
-              <a:gd name="connsiteX32" fmla="*/ 7257 w 527957"/>
-              <a:gd name="connsiteY32" fmla="*/ 640445 h 1061359"/>
-              <a:gd name="connsiteX33" fmla="*/ 3628 w 527957"/>
-              <a:gd name="connsiteY33" fmla="*/ 556988 h 1061359"/>
-              <a:gd name="connsiteX34" fmla="*/ 1814 w 527957"/>
-              <a:gd name="connsiteY34" fmla="*/ 533402 h 1061359"/>
-              <a:gd name="connsiteX35" fmla="*/ 0 w 527957"/>
-              <a:gd name="connsiteY35" fmla="*/ 517074 h 1061359"/>
-              <a:gd name="connsiteX36" fmla="*/ 1814 w 527957"/>
-              <a:gd name="connsiteY36" fmla="*/ 489859 h 1061359"/>
-              <a:gd name="connsiteX37" fmla="*/ 5443 w 527957"/>
-              <a:gd name="connsiteY37" fmla="*/ 475345 h 1061359"/>
-              <a:gd name="connsiteX38" fmla="*/ 14514 w 527957"/>
-              <a:gd name="connsiteY38" fmla="*/ 455388 h 1061359"/>
-              <a:gd name="connsiteX39" fmla="*/ 19957 w 527957"/>
-              <a:gd name="connsiteY39" fmla="*/ 446317 h 1061359"/>
-              <a:gd name="connsiteX40" fmla="*/ 25400 w 527957"/>
-              <a:gd name="connsiteY40" fmla="*/ 435431 h 1061359"/>
-              <a:gd name="connsiteX41" fmla="*/ 30843 w 527957"/>
-              <a:gd name="connsiteY41" fmla="*/ 419102 h 1061359"/>
-              <a:gd name="connsiteX42" fmla="*/ 34471 w 527957"/>
-              <a:gd name="connsiteY42" fmla="*/ 402774 h 1061359"/>
-              <a:gd name="connsiteX43" fmla="*/ 38100 w 527957"/>
-              <a:gd name="connsiteY43" fmla="*/ 393702 h 1061359"/>
-              <a:gd name="connsiteX44" fmla="*/ 39914 w 527957"/>
-              <a:gd name="connsiteY44" fmla="*/ 384631 h 1061359"/>
-              <a:gd name="connsiteX45" fmla="*/ 50800 w 527957"/>
-              <a:gd name="connsiteY45" fmla="*/ 361045 h 1061359"/>
-              <a:gd name="connsiteX46" fmla="*/ 52614 w 527957"/>
-              <a:gd name="connsiteY46" fmla="*/ 355602 h 1061359"/>
-              <a:gd name="connsiteX47" fmla="*/ 56243 w 527957"/>
-              <a:gd name="connsiteY47" fmla="*/ 342902 h 1061359"/>
-              <a:gd name="connsiteX48" fmla="*/ 59871 w 527957"/>
-              <a:gd name="connsiteY48" fmla="*/ 333831 h 1061359"/>
-              <a:gd name="connsiteX49" fmla="*/ 61686 w 527957"/>
-              <a:gd name="connsiteY49" fmla="*/ 324759 h 1061359"/>
-              <a:gd name="connsiteX50" fmla="*/ 67128 w 527957"/>
-              <a:gd name="connsiteY50" fmla="*/ 315688 h 1061359"/>
-              <a:gd name="connsiteX51" fmla="*/ 68943 w 527957"/>
-              <a:gd name="connsiteY51" fmla="*/ 310245 h 1061359"/>
-              <a:gd name="connsiteX52" fmla="*/ 76200 w 527957"/>
-              <a:gd name="connsiteY52" fmla="*/ 302988 h 1061359"/>
-              <a:gd name="connsiteX53" fmla="*/ 83457 w 527957"/>
-              <a:gd name="connsiteY53" fmla="*/ 292102 h 1061359"/>
-              <a:gd name="connsiteX54" fmla="*/ 87086 w 527957"/>
-              <a:gd name="connsiteY54" fmla="*/ 286659 h 1061359"/>
-              <a:gd name="connsiteX55" fmla="*/ 92528 w 527957"/>
-              <a:gd name="connsiteY55" fmla="*/ 279402 h 1061359"/>
-              <a:gd name="connsiteX56" fmla="*/ 97971 w 527957"/>
-              <a:gd name="connsiteY56" fmla="*/ 273959 h 1061359"/>
-              <a:gd name="connsiteX57" fmla="*/ 103414 w 527957"/>
-              <a:gd name="connsiteY57" fmla="*/ 266702 h 1061359"/>
-              <a:gd name="connsiteX58" fmla="*/ 114300 w 527957"/>
-              <a:gd name="connsiteY58" fmla="*/ 255817 h 1061359"/>
-              <a:gd name="connsiteX59" fmla="*/ 117928 w 527957"/>
-              <a:gd name="connsiteY59" fmla="*/ 250374 h 1061359"/>
-              <a:gd name="connsiteX60" fmla="*/ 136071 w 527957"/>
-              <a:gd name="connsiteY60" fmla="*/ 234045 h 1061359"/>
-              <a:gd name="connsiteX61" fmla="*/ 148771 w 527957"/>
-              <a:gd name="connsiteY61" fmla="*/ 221345 h 1061359"/>
-              <a:gd name="connsiteX62" fmla="*/ 161471 w 527957"/>
-              <a:gd name="connsiteY62" fmla="*/ 210459 h 1061359"/>
-              <a:gd name="connsiteX63" fmla="*/ 174171 w 527957"/>
-              <a:gd name="connsiteY63" fmla="*/ 201388 h 1061359"/>
-              <a:gd name="connsiteX64" fmla="*/ 175986 w 527957"/>
-              <a:gd name="connsiteY64" fmla="*/ 195945 h 1061359"/>
-              <a:gd name="connsiteX65" fmla="*/ 188686 w 527957"/>
-              <a:gd name="connsiteY65" fmla="*/ 185059 h 1061359"/>
-              <a:gd name="connsiteX66" fmla="*/ 203200 w 527957"/>
-              <a:gd name="connsiteY66" fmla="*/ 170545 h 1061359"/>
-              <a:gd name="connsiteX67" fmla="*/ 215900 w 527957"/>
-              <a:gd name="connsiteY67" fmla="*/ 165102 h 1061359"/>
-              <a:gd name="connsiteX68" fmla="*/ 221343 w 527957"/>
-              <a:gd name="connsiteY68" fmla="*/ 157845 h 1061359"/>
-              <a:gd name="connsiteX69" fmla="*/ 226786 w 527957"/>
-              <a:gd name="connsiteY69" fmla="*/ 156031 h 1061359"/>
-              <a:gd name="connsiteX70" fmla="*/ 241300 w 527957"/>
-              <a:gd name="connsiteY70" fmla="*/ 141517 h 1061359"/>
-              <a:gd name="connsiteX71" fmla="*/ 246743 w 527957"/>
-              <a:gd name="connsiteY71" fmla="*/ 137888 h 1061359"/>
-              <a:gd name="connsiteX72" fmla="*/ 263071 w 527957"/>
-              <a:gd name="connsiteY72" fmla="*/ 128817 h 1061359"/>
-              <a:gd name="connsiteX73" fmla="*/ 268514 w 527957"/>
-              <a:gd name="connsiteY73" fmla="*/ 123374 h 1061359"/>
-              <a:gd name="connsiteX74" fmla="*/ 279400 w 527957"/>
-              <a:gd name="connsiteY74" fmla="*/ 117931 h 1061359"/>
-              <a:gd name="connsiteX75" fmla="*/ 290286 w 527957"/>
-              <a:gd name="connsiteY75" fmla="*/ 110674 h 1061359"/>
-              <a:gd name="connsiteX76" fmla="*/ 306614 w 527957"/>
-              <a:gd name="connsiteY76" fmla="*/ 96159 h 1061359"/>
-              <a:gd name="connsiteX77" fmla="*/ 317500 w 527957"/>
-              <a:gd name="connsiteY77" fmla="*/ 83459 h 1061359"/>
-              <a:gd name="connsiteX78" fmla="*/ 322943 w 527957"/>
-              <a:gd name="connsiteY78" fmla="*/ 79831 h 1061359"/>
-              <a:gd name="connsiteX79" fmla="*/ 330200 w 527957"/>
-              <a:gd name="connsiteY79" fmla="*/ 74388 h 1061359"/>
-              <a:gd name="connsiteX80" fmla="*/ 350157 w 527957"/>
-              <a:gd name="connsiteY80" fmla="*/ 63502 h 1061359"/>
-              <a:gd name="connsiteX81" fmla="*/ 357414 w 527957"/>
-              <a:gd name="connsiteY81" fmla="*/ 61688 h 1061359"/>
-              <a:gd name="connsiteX82" fmla="*/ 375557 w 527957"/>
-              <a:gd name="connsiteY82" fmla="*/ 52617 h 1061359"/>
-              <a:gd name="connsiteX83" fmla="*/ 391886 w 527957"/>
-              <a:gd name="connsiteY83" fmla="*/ 47174 h 1061359"/>
-              <a:gd name="connsiteX84" fmla="*/ 408214 w 527957"/>
-              <a:gd name="connsiteY84" fmla="*/ 41731 h 1061359"/>
-              <a:gd name="connsiteX85" fmla="*/ 413657 w 527957"/>
-              <a:gd name="connsiteY85" fmla="*/ 38102 h 1061359"/>
-              <a:gd name="connsiteX86" fmla="*/ 424543 w 527957"/>
-              <a:gd name="connsiteY86" fmla="*/ 34474 h 1061359"/>
-              <a:gd name="connsiteX87" fmla="*/ 440871 w 527957"/>
-              <a:gd name="connsiteY87" fmla="*/ 27217 h 1061359"/>
-              <a:gd name="connsiteX88" fmla="*/ 464457 w 527957"/>
-              <a:gd name="connsiteY88" fmla="*/ 19959 h 1061359"/>
-              <a:gd name="connsiteX89" fmla="*/ 477157 w 527957"/>
-              <a:gd name="connsiteY89" fmla="*/ 18145 h 1061359"/>
-              <a:gd name="connsiteX90" fmla="*/ 486228 w 527957"/>
-              <a:gd name="connsiteY90" fmla="*/ 16331 h 1061359"/>
-              <a:gd name="connsiteX91" fmla="*/ 495300 w 527957"/>
-              <a:gd name="connsiteY91" fmla="*/ 12702 h 1061359"/>
-              <a:gd name="connsiteX92" fmla="*/ 502557 w 527957"/>
-              <a:gd name="connsiteY92" fmla="*/ 10888 h 1061359"/>
-              <a:gd name="connsiteX93" fmla="*/ 518886 w 527957"/>
-              <a:gd name="connsiteY93" fmla="*/ 1817 h 1061359"/>
-              <a:gd name="connsiteX94" fmla="*/ 527957 w 527957"/>
-              <a:gd name="connsiteY94" fmla="*/ 2 h 1061359"/>
-              <a:gd name="connsiteX95" fmla="*/ 157843 w 527957"/>
-              <a:gd name="connsiteY95" fmla="*/ 1061359 h 1061359"/>
+              <a:gd name="connsiteX0" fmla="*/ 300718 w 593272"/>
+              <a:gd name="connsiteY0" fmla="*/ 0 h 928007"/>
+              <a:gd name="connsiteX1" fmla="*/ 0 w 593272"/>
+              <a:gd name="connsiteY1" fmla="*/ 928007 h 928007"/>
+              <a:gd name="connsiteX2" fmla="*/ 43543 w 593272"/>
+              <a:gd name="connsiteY2" fmla="*/ 923925 h 928007"/>
+              <a:gd name="connsiteX3" fmla="*/ 137432 w 593272"/>
+              <a:gd name="connsiteY3" fmla="*/ 907596 h 928007"/>
+              <a:gd name="connsiteX4" fmla="*/ 254454 w 593272"/>
+              <a:gd name="connsiteY4" fmla="*/ 868136 h 928007"/>
+              <a:gd name="connsiteX5" fmla="*/ 352425 w 593272"/>
+              <a:gd name="connsiteY5" fmla="*/ 800100 h 928007"/>
+              <a:gd name="connsiteX6" fmla="*/ 425904 w 593272"/>
+              <a:gd name="connsiteY6" fmla="*/ 737507 h 928007"/>
+              <a:gd name="connsiteX7" fmla="*/ 544286 w 593272"/>
+              <a:gd name="connsiteY7" fmla="*/ 610961 h 928007"/>
+              <a:gd name="connsiteX8" fmla="*/ 578304 w 593272"/>
+              <a:gd name="connsiteY8" fmla="*/ 517071 h 928007"/>
+              <a:gd name="connsiteX9" fmla="*/ 593272 w 593272"/>
+              <a:gd name="connsiteY9" fmla="*/ 424543 h 928007"/>
+              <a:gd name="connsiteX10" fmla="*/ 549729 w 593272"/>
+              <a:gd name="connsiteY10" fmla="*/ 253093 h 928007"/>
+              <a:gd name="connsiteX11" fmla="*/ 525236 w 593272"/>
+              <a:gd name="connsiteY11" fmla="*/ 191861 h 928007"/>
+              <a:gd name="connsiteX12" fmla="*/ 476250 w 593272"/>
+              <a:gd name="connsiteY12" fmla="*/ 125186 h 928007"/>
+              <a:gd name="connsiteX13" fmla="*/ 423182 w 593272"/>
+              <a:gd name="connsiteY13" fmla="*/ 80282 h 928007"/>
+              <a:gd name="connsiteX14" fmla="*/ 378279 w 593272"/>
+              <a:gd name="connsiteY14" fmla="*/ 42182 h 928007"/>
+              <a:gd name="connsiteX15" fmla="*/ 300718 w 593272"/>
+              <a:gd name="connsiteY15" fmla="*/ 0 h 928007"/>
             </a:gdLst>
             <a:ahLst/>
             <a:cxnLst>
@@ -22562,730 +22402,64 @@
               <a:cxn ang="0">
                 <a:pos x="connsiteX15" y="connsiteY15"/>
               </a:cxn>
-              <a:cxn ang="0">
-                <a:pos x="connsiteX16" y="connsiteY16"/>
-              </a:cxn>
-              <a:cxn ang="0">
-                <a:pos x="connsiteX17" y="connsiteY17"/>
-              </a:cxn>
-              <a:cxn ang="0">
-                <a:pos x="connsiteX18" y="connsiteY18"/>
-              </a:cxn>
-              <a:cxn ang="0">
-                <a:pos x="connsiteX19" y="connsiteY19"/>
-              </a:cxn>
-              <a:cxn ang="0">
-                <a:pos x="connsiteX20" y="connsiteY20"/>
-              </a:cxn>
-              <a:cxn ang="0">
-                <a:pos x="connsiteX21" y="connsiteY21"/>
-              </a:cxn>
-              <a:cxn ang="0">
-                <a:pos x="connsiteX22" y="connsiteY22"/>
-              </a:cxn>
-              <a:cxn ang="0">
-                <a:pos x="connsiteX23" y="connsiteY23"/>
-              </a:cxn>
-              <a:cxn ang="0">
-                <a:pos x="connsiteX24" y="connsiteY24"/>
-              </a:cxn>
-              <a:cxn ang="0">
-                <a:pos x="connsiteX25" y="connsiteY25"/>
-              </a:cxn>
-              <a:cxn ang="0">
-                <a:pos x="connsiteX26" y="connsiteY26"/>
-              </a:cxn>
-              <a:cxn ang="0">
-                <a:pos x="connsiteX27" y="connsiteY27"/>
-              </a:cxn>
-              <a:cxn ang="0">
-                <a:pos x="connsiteX28" y="connsiteY28"/>
-              </a:cxn>
-              <a:cxn ang="0">
-                <a:pos x="connsiteX29" y="connsiteY29"/>
-              </a:cxn>
-              <a:cxn ang="0">
-                <a:pos x="connsiteX30" y="connsiteY30"/>
-              </a:cxn>
-              <a:cxn ang="0">
-                <a:pos x="connsiteX31" y="connsiteY31"/>
-              </a:cxn>
-              <a:cxn ang="0">
-                <a:pos x="connsiteX32" y="connsiteY32"/>
-              </a:cxn>
-              <a:cxn ang="0">
-                <a:pos x="connsiteX33" y="connsiteY33"/>
-              </a:cxn>
-              <a:cxn ang="0">
-                <a:pos x="connsiteX34" y="connsiteY34"/>
-              </a:cxn>
-              <a:cxn ang="0">
-                <a:pos x="connsiteX35" y="connsiteY35"/>
-              </a:cxn>
-              <a:cxn ang="0">
-                <a:pos x="connsiteX36" y="connsiteY36"/>
-              </a:cxn>
-              <a:cxn ang="0">
-                <a:pos x="connsiteX37" y="connsiteY37"/>
-              </a:cxn>
-              <a:cxn ang="0">
-                <a:pos x="connsiteX38" y="connsiteY38"/>
-              </a:cxn>
-              <a:cxn ang="0">
-                <a:pos x="connsiteX39" y="connsiteY39"/>
-              </a:cxn>
-              <a:cxn ang="0">
-                <a:pos x="connsiteX40" y="connsiteY40"/>
-              </a:cxn>
-              <a:cxn ang="0">
-                <a:pos x="connsiteX41" y="connsiteY41"/>
-              </a:cxn>
-              <a:cxn ang="0">
-                <a:pos x="connsiteX42" y="connsiteY42"/>
-              </a:cxn>
-              <a:cxn ang="0">
-                <a:pos x="connsiteX43" y="connsiteY43"/>
-              </a:cxn>
-              <a:cxn ang="0">
-                <a:pos x="connsiteX44" y="connsiteY44"/>
-              </a:cxn>
-              <a:cxn ang="0">
-                <a:pos x="connsiteX45" y="connsiteY45"/>
-              </a:cxn>
-              <a:cxn ang="0">
-                <a:pos x="connsiteX46" y="connsiteY46"/>
-              </a:cxn>
-              <a:cxn ang="0">
-                <a:pos x="connsiteX47" y="connsiteY47"/>
-              </a:cxn>
-              <a:cxn ang="0">
-                <a:pos x="connsiteX48" y="connsiteY48"/>
-              </a:cxn>
-              <a:cxn ang="0">
-                <a:pos x="connsiteX49" y="connsiteY49"/>
-              </a:cxn>
-              <a:cxn ang="0">
-                <a:pos x="connsiteX50" y="connsiteY50"/>
-              </a:cxn>
-              <a:cxn ang="0">
-                <a:pos x="connsiteX51" y="connsiteY51"/>
-              </a:cxn>
-              <a:cxn ang="0">
-                <a:pos x="connsiteX52" y="connsiteY52"/>
-              </a:cxn>
-              <a:cxn ang="0">
-                <a:pos x="connsiteX53" y="connsiteY53"/>
-              </a:cxn>
-              <a:cxn ang="0">
-                <a:pos x="connsiteX54" y="connsiteY54"/>
-              </a:cxn>
-              <a:cxn ang="0">
-                <a:pos x="connsiteX55" y="connsiteY55"/>
-              </a:cxn>
-              <a:cxn ang="0">
-                <a:pos x="connsiteX56" y="connsiteY56"/>
-              </a:cxn>
-              <a:cxn ang="0">
-                <a:pos x="connsiteX57" y="connsiteY57"/>
-              </a:cxn>
-              <a:cxn ang="0">
-                <a:pos x="connsiteX58" y="connsiteY58"/>
-              </a:cxn>
-              <a:cxn ang="0">
-                <a:pos x="connsiteX59" y="connsiteY59"/>
-              </a:cxn>
-              <a:cxn ang="0">
-                <a:pos x="connsiteX60" y="connsiteY60"/>
-              </a:cxn>
-              <a:cxn ang="0">
-                <a:pos x="connsiteX61" y="connsiteY61"/>
-              </a:cxn>
-              <a:cxn ang="0">
-                <a:pos x="connsiteX62" y="connsiteY62"/>
-              </a:cxn>
-              <a:cxn ang="0">
-                <a:pos x="connsiteX63" y="connsiteY63"/>
-              </a:cxn>
-              <a:cxn ang="0">
-                <a:pos x="connsiteX64" y="connsiteY64"/>
-              </a:cxn>
-              <a:cxn ang="0">
-                <a:pos x="connsiteX65" y="connsiteY65"/>
-              </a:cxn>
-              <a:cxn ang="0">
-                <a:pos x="connsiteX66" y="connsiteY66"/>
-              </a:cxn>
-              <a:cxn ang="0">
-                <a:pos x="connsiteX67" y="connsiteY67"/>
-              </a:cxn>
-              <a:cxn ang="0">
-                <a:pos x="connsiteX68" y="connsiteY68"/>
-              </a:cxn>
-              <a:cxn ang="0">
-                <a:pos x="connsiteX69" y="connsiteY69"/>
-              </a:cxn>
-              <a:cxn ang="0">
-                <a:pos x="connsiteX70" y="connsiteY70"/>
-              </a:cxn>
-              <a:cxn ang="0">
-                <a:pos x="connsiteX71" y="connsiteY71"/>
-              </a:cxn>
-              <a:cxn ang="0">
-                <a:pos x="connsiteX72" y="connsiteY72"/>
-              </a:cxn>
-              <a:cxn ang="0">
-                <a:pos x="connsiteX73" y="connsiteY73"/>
-              </a:cxn>
-              <a:cxn ang="0">
-                <a:pos x="connsiteX74" y="connsiteY74"/>
-              </a:cxn>
-              <a:cxn ang="0">
-                <a:pos x="connsiteX75" y="connsiteY75"/>
-              </a:cxn>
-              <a:cxn ang="0">
-                <a:pos x="connsiteX76" y="connsiteY76"/>
-              </a:cxn>
-              <a:cxn ang="0">
-                <a:pos x="connsiteX77" y="connsiteY77"/>
-              </a:cxn>
-              <a:cxn ang="0">
-                <a:pos x="connsiteX78" y="connsiteY78"/>
-              </a:cxn>
-              <a:cxn ang="0">
-                <a:pos x="connsiteX79" y="connsiteY79"/>
-              </a:cxn>
-              <a:cxn ang="0">
-                <a:pos x="connsiteX80" y="connsiteY80"/>
-              </a:cxn>
-              <a:cxn ang="0">
-                <a:pos x="connsiteX81" y="connsiteY81"/>
-              </a:cxn>
-              <a:cxn ang="0">
-                <a:pos x="connsiteX82" y="connsiteY82"/>
-              </a:cxn>
-              <a:cxn ang="0">
-                <a:pos x="connsiteX83" y="connsiteY83"/>
-              </a:cxn>
-              <a:cxn ang="0">
-                <a:pos x="connsiteX84" y="connsiteY84"/>
-              </a:cxn>
-              <a:cxn ang="0">
-                <a:pos x="connsiteX85" y="connsiteY85"/>
-              </a:cxn>
-              <a:cxn ang="0">
-                <a:pos x="connsiteX86" y="connsiteY86"/>
-              </a:cxn>
-              <a:cxn ang="0">
-                <a:pos x="connsiteX87" y="connsiteY87"/>
-              </a:cxn>
-              <a:cxn ang="0">
-                <a:pos x="connsiteX88" y="connsiteY88"/>
-              </a:cxn>
-              <a:cxn ang="0">
-                <a:pos x="connsiteX89" y="connsiteY89"/>
-              </a:cxn>
-              <a:cxn ang="0">
-                <a:pos x="connsiteX90" y="connsiteY90"/>
-              </a:cxn>
-              <a:cxn ang="0">
-                <a:pos x="connsiteX91" y="connsiteY91"/>
-              </a:cxn>
-              <a:cxn ang="0">
-                <a:pos x="connsiteX92" y="connsiteY92"/>
-              </a:cxn>
-              <a:cxn ang="0">
-                <a:pos x="connsiteX93" y="connsiteY93"/>
-              </a:cxn>
-              <a:cxn ang="0">
-                <a:pos x="connsiteX94" y="connsiteY94"/>
-              </a:cxn>
-              <a:cxn ang="0">
-                <a:pos x="connsiteX95" y="connsiteY95"/>
-              </a:cxn>
             </a:cxnLst>
             <a:rect l="l" t="t" r="r" b="b"/>
             <a:pathLst>
-              <a:path w="527957" h="1061359">
+              <a:path w="593272" h="928007">
                 <a:moveTo>
-                  <a:pt x="157843" y="1061359"/>
+                  <a:pt x="300718" y="0"/>
                 </a:moveTo>
                 <a:lnTo>
-                  <a:pt x="157843" y="1061359"/>
+                  <a:pt x="0" y="928007"/>
                 </a:lnTo>
-                <a:cubicBezTo>
-                  <a:pt x="153610" y="1055916"/>
-                  <a:pt x="149557" y="1050328"/>
-                  <a:pt x="145143" y="1045031"/>
-                </a:cubicBezTo>
-                <a:cubicBezTo>
-                  <a:pt x="143500" y="1043060"/>
-                  <a:pt x="141078" y="1041753"/>
-                  <a:pt x="139700" y="1039588"/>
-                </a:cubicBezTo>
-                <a:cubicBezTo>
-                  <a:pt x="136796" y="1035025"/>
-                  <a:pt x="134862" y="1029912"/>
-                  <a:pt x="132443" y="1025074"/>
-                </a:cubicBezTo>
                 <a:lnTo>
-                  <a:pt x="128814" y="1017817"/>
+                  <a:pt x="43543" y="923925"/>
                 </a:lnTo>
-                <a:cubicBezTo>
-                  <a:pt x="127604" y="1015398"/>
-                  <a:pt x="126578" y="1012878"/>
-                  <a:pt x="125186" y="1010559"/>
-                </a:cubicBezTo>
-                <a:cubicBezTo>
-                  <a:pt x="123372" y="1007535"/>
-                  <a:pt x="121859" y="1004309"/>
-                  <a:pt x="119743" y="1001488"/>
-                </a:cubicBezTo>
-                <a:cubicBezTo>
-                  <a:pt x="118203" y="999435"/>
-                  <a:pt x="116114" y="997859"/>
-                  <a:pt x="114300" y="996045"/>
-                </a:cubicBezTo>
-                <a:cubicBezTo>
-                  <a:pt x="113090" y="993021"/>
-                  <a:pt x="112048" y="989925"/>
-                  <a:pt x="110671" y="986974"/>
-                </a:cubicBezTo>
-                <a:cubicBezTo>
-                  <a:pt x="107812" y="980847"/>
-                  <a:pt x="104111" y="975109"/>
-                  <a:pt x="101600" y="968831"/>
-                </a:cubicBezTo>
-                <a:cubicBezTo>
-                  <a:pt x="100390" y="965807"/>
-                  <a:pt x="99084" y="962820"/>
-                  <a:pt x="97971" y="959759"/>
-                </a:cubicBezTo>
-                <a:cubicBezTo>
-                  <a:pt x="94428" y="950015"/>
-                  <a:pt x="94814" y="948822"/>
-                  <a:pt x="90714" y="939802"/>
-                </a:cubicBezTo>
-                <a:cubicBezTo>
-                  <a:pt x="89035" y="936109"/>
-                  <a:pt x="87085" y="932545"/>
-                  <a:pt x="85271" y="928917"/>
-                </a:cubicBezTo>
-                <a:cubicBezTo>
-                  <a:pt x="81212" y="908616"/>
-                  <a:pt x="86928" y="930415"/>
-                  <a:pt x="78014" y="912588"/>
-                </a:cubicBezTo>
-                <a:cubicBezTo>
-                  <a:pt x="76899" y="910358"/>
-                  <a:pt x="77182" y="907623"/>
-                  <a:pt x="76200" y="905331"/>
-                </a:cubicBezTo>
-                <a:cubicBezTo>
-                  <a:pt x="75341" y="903327"/>
-                  <a:pt x="73546" y="901838"/>
-                  <a:pt x="72571" y="899888"/>
-                </a:cubicBezTo>
-                <a:cubicBezTo>
-                  <a:pt x="71115" y="896975"/>
-                  <a:pt x="70266" y="893793"/>
-                  <a:pt x="68943" y="890817"/>
-                </a:cubicBezTo>
-                <a:cubicBezTo>
-                  <a:pt x="65977" y="884142"/>
-                  <a:pt x="65096" y="884504"/>
-                  <a:pt x="63500" y="878117"/>
-                </a:cubicBezTo>
-                <a:cubicBezTo>
-                  <a:pt x="59413" y="861765"/>
-                  <a:pt x="64558" y="876224"/>
-                  <a:pt x="58057" y="859974"/>
-                </a:cubicBezTo>
-                <a:cubicBezTo>
-                  <a:pt x="57452" y="856345"/>
-                  <a:pt x="56576" y="852752"/>
-                  <a:pt x="56243" y="849088"/>
-                </a:cubicBezTo>
-                <a:cubicBezTo>
-                  <a:pt x="55365" y="839433"/>
-                  <a:pt x="55539" y="829690"/>
-                  <a:pt x="54428" y="820059"/>
-                </a:cubicBezTo>
-                <a:cubicBezTo>
-                  <a:pt x="53721" y="813933"/>
-                  <a:pt x="52092" y="807947"/>
-                  <a:pt x="50800" y="801917"/>
-                </a:cubicBezTo>
-                <a:cubicBezTo>
-                  <a:pt x="50278" y="799479"/>
-                  <a:pt x="50101" y="796890"/>
-                  <a:pt x="48986" y="794659"/>
-                </a:cubicBezTo>
-                <a:cubicBezTo>
-                  <a:pt x="47634" y="791954"/>
-                  <a:pt x="45146" y="789966"/>
-                  <a:pt x="43543" y="787402"/>
-                </a:cubicBezTo>
-                <a:cubicBezTo>
-                  <a:pt x="37139" y="777157"/>
-                  <a:pt x="43127" y="782626"/>
-                  <a:pt x="34471" y="772888"/>
-                </a:cubicBezTo>
-                <a:cubicBezTo>
-                  <a:pt x="20320" y="756968"/>
-                  <a:pt x="29576" y="770081"/>
-                  <a:pt x="21771" y="758374"/>
-                </a:cubicBezTo>
-                <a:cubicBezTo>
-                  <a:pt x="20539" y="753444"/>
-                  <a:pt x="18802" y="746984"/>
-                  <a:pt x="18143" y="742045"/>
-                </a:cubicBezTo>
-                <a:cubicBezTo>
-                  <a:pt x="17340" y="736020"/>
-                  <a:pt x="17082" y="729933"/>
-                  <a:pt x="16328" y="723902"/>
-                </a:cubicBezTo>
-                <a:cubicBezTo>
-                  <a:pt x="15872" y="720252"/>
-                  <a:pt x="15000" y="716663"/>
-                  <a:pt x="14514" y="713017"/>
-                </a:cubicBezTo>
-                <a:cubicBezTo>
-                  <a:pt x="13790" y="707589"/>
-                  <a:pt x="13652" y="702081"/>
-                  <a:pt x="12700" y="696688"/>
-                </a:cubicBezTo>
-                <a:cubicBezTo>
-                  <a:pt x="11833" y="691777"/>
-                  <a:pt x="9071" y="682174"/>
-                  <a:pt x="9071" y="682174"/>
-                </a:cubicBezTo>
-                <a:cubicBezTo>
-                  <a:pt x="8466" y="668264"/>
-                  <a:pt x="7699" y="654361"/>
-                  <a:pt x="7257" y="640445"/>
-                </a:cubicBezTo>
-                <a:cubicBezTo>
-                  <a:pt x="4716" y="560387"/>
-                  <a:pt x="9519" y="592322"/>
-                  <a:pt x="3628" y="556988"/>
-                </a:cubicBezTo>
-                <a:cubicBezTo>
-                  <a:pt x="3023" y="549126"/>
-                  <a:pt x="2528" y="541255"/>
-                  <a:pt x="1814" y="533402"/>
-                </a:cubicBezTo>
-                <a:cubicBezTo>
-                  <a:pt x="1318" y="527948"/>
-                  <a:pt x="0" y="522550"/>
-                  <a:pt x="0" y="517074"/>
-                </a:cubicBezTo>
-                <a:cubicBezTo>
-                  <a:pt x="0" y="507982"/>
-                  <a:pt x="638" y="498874"/>
-                  <a:pt x="1814" y="489859"/>
-                </a:cubicBezTo>
-                <a:cubicBezTo>
-                  <a:pt x="2459" y="484914"/>
-                  <a:pt x="4131" y="480156"/>
-                  <a:pt x="5443" y="475345"/>
-                </a:cubicBezTo>
-                <a:cubicBezTo>
-                  <a:pt x="7315" y="468480"/>
-                  <a:pt x="11073" y="461122"/>
-                  <a:pt x="14514" y="455388"/>
-                </a:cubicBezTo>
-                <a:cubicBezTo>
-                  <a:pt x="16328" y="452364"/>
-                  <a:pt x="18380" y="449471"/>
-                  <a:pt x="19957" y="446317"/>
-                </a:cubicBezTo>
-                <a:cubicBezTo>
-                  <a:pt x="27469" y="431293"/>
-                  <a:pt x="14999" y="451030"/>
-                  <a:pt x="25400" y="435431"/>
-                </a:cubicBezTo>
-                <a:cubicBezTo>
-                  <a:pt x="29747" y="418041"/>
-                  <a:pt x="24011" y="439598"/>
-                  <a:pt x="30843" y="419102"/>
-                </a:cubicBezTo>
-                <a:cubicBezTo>
-                  <a:pt x="35030" y="406541"/>
-                  <a:pt x="30158" y="417150"/>
-                  <a:pt x="34471" y="402774"/>
-                </a:cubicBezTo>
-                <a:cubicBezTo>
-                  <a:pt x="35407" y="399654"/>
-                  <a:pt x="36890" y="396726"/>
-                  <a:pt x="38100" y="393702"/>
-                </a:cubicBezTo>
-                <a:cubicBezTo>
-                  <a:pt x="38705" y="390678"/>
-                  <a:pt x="38939" y="387556"/>
-                  <a:pt x="39914" y="384631"/>
-                </a:cubicBezTo>
-                <a:cubicBezTo>
-                  <a:pt x="45292" y="368496"/>
-                  <a:pt x="44458" y="370557"/>
-                  <a:pt x="50800" y="361045"/>
-                </a:cubicBezTo>
-                <a:cubicBezTo>
-                  <a:pt x="51405" y="359231"/>
-                  <a:pt x="52064" y="357434"/>
-                  <a:pt x="52614" y="355602"/>
-                </a:cubicBezTo>
-                <a:cubicBezTo>
-                  <a:pt x="53879" y="351385"/>
-                  <a:pt x="54851" y="347079"/>
-                  <a:pt x="56243" y="342902"/>
-                </a:cubicBezTo>
-                <a:cubicBezTo>
-                  <a:pt x="57273" y="339813"/>
-                  <a:pt x="58935" y="336950"/>
-                  <a:pt x="59871" y="333831"/>
-                </a:cubicBezTo>
-                <a:cubicBezTo>
-                  <a:pt x="60757" y="330877"/>
-                  <a:pt x="60541" y="327622"/>
-                  <a:pt x="61686" y="324759"/>
-                </a:cubicBezTo>
-                <a:cubicBezTo>
-                  <a:pt x="62996" y="321485"/>
-                  <a:pt x="65551" y="318842"/>
-                  <a:pt x="67128" y="315688"/>
-                </a:cubicBezTo>
-                <a:cubicBezTo>
-                  <a:pt x="67983" y="313977"/>
-                  <a:pt x="67831" y="311801"/>
-                  <a:pt x="68943" y="310245"/>
-                </a:cubicBezTo>
-                <a:cubicBezTo>
-                  <a:pt x="70931" y="307461"/>
-                  <a:pt x="73781" y="305407"/>
-                  <a:pt x="76200" y="302988"/>
-                </a:cubicBezTo>
-                <a:cubicBezTo>
-                  <a:pt x="79388" y="293423"/>
-                  <a:pt x="75907" y="301162"/>
-                  <a:pt x="83457" y="292102"/>
-                </a:cubicBezTo>
-                <a:cubicBezTo>
-                  <a:pt x="84853" y="290427"/>
-                  <a:pt x="85819" y="288433"/>
-                  <a:pt x="87086" y="286659"/>
-                </a:cubicBezTo>
-                <a:cubicBezTo>
-                  <a:pt x="88843" y="284199"/>
-                  <a:pt x="90560" y="281698"/>
-                  <a:pt x="92528" y="279402"/>
-                </a:cubicBezTo>
-                <a:cubicBezTo>
-                  <a:pt x="94198" y="277454"/>
-                  <a:pt x="96301" y="275907"/>
-                  <a:pt x="97971" y="273959"/>
-                </a:cubicBezTo>
-                <a:cubicBezTo>
-                  <a:pt x="99939" y="271663"/>
-                  <a:pt x="101391" y="268949"/>
-                  <a:pt x="103414" y="266702"/>
-                </a:cubicBezTo>
-                <a:cubicBezTo>
-                  <a:pt x="106847" y="262888"/>
-                  <a:pt x="111454" y="260087"/>
-                  <a:pt x="114300" y="255817"/>
-                </a:cubicBezTo>
-                <a:cubicBezTo>
-                  <a:pt x="115509" y="254003"/>
-                  <a:pt x="116479" y="252004"/>
-                  <a:pt x="117928" y="250374"/>
-                </a:cubicBezTo>
-                <a:cubicBezTo>
-                  <a:pt x="137614" y="228226"/>
-                  <a:pt x="120783" y="247943"/>
-                  <a:pt x="136071" y="234045"/>
-                </a:cubicBezTo>
-                <a:cubicBezTo>
-                  <a:pt x="140501" y="230018"/>
-                  <a:pt x="144538" y="225578"/>
-                  <a:pt x="148771" y="221345"/>
-                </a:cubicBezTo>
-                <a:cubicBezTo>
-                  <a:pt x="164252" y="205864"/>
-                  <a:pt x="142852" y="226751"/>
-                  <a:pt x="161471" y="210459"/>
-                </a:cubicBezTo>
-                <a:cubicBezTo>
-                  <a:pt x="172066" y="201188"/>
-                  <a:pt x="164372" y="204654"/>
-                  <a:pt x="174171" y="201388"/>
-                </a:cubicBezTo>
-                <a:cubicBezTo>
-                  <a:pt x="174776" y="199574"/>
-                  <a:pt x="174925" y="197536"/>
-                  <a:pt x="175986" y="195945"/>
-                </a:cubicBezTo>
-                <a:cubicBezTo>
-                  <a:pt x="179328" y="190931"/>
-                  <a:pt x="184370" y="189015"/>
-                  <a:pt x="188686" y="185059"/>
-                </a:cubicBezTo>
-                <a:cubicBezTo>
-                  <a:pt x="193730" y="180436"/>
-                  <a:pt x="196709" y="172708"/>
-                  <a:pt x="203200" y="170545"/>
-                </a:cubicBezTo>
-                <a:cubicBezTo>
-                  <a:pt x="211209" y="167876"/>
-                  <a:pt x="206933" y="169586"/>
-                  <a:pt x="215900" y="165102"/>
-                </a:cubicBezTo>
-                <a:cubicBezTo>
-                  <a:pt x="217714" y="162683"/>
-                  <a:pt x="219020" y="159781"/>
-                  <a:pt x="221343" y="157845"/>
-                </a:cubicBezTo>
-                <a:cubicBezTo>
-                  <a:pt x="222812" y="156621"/>
-                  <a:pt x="225306" y="157242"/>
-                  <a:pt x="226786" y="156031"/>
-                </a:cubicBezTo>
-                <a:cubicBezTo>
-                  <a:pt x="232081" y="151698"/>
-                  <a:pt x="235607" y="145312"/>
-                  <a:pt x="241300" y="141517"/>
-                </a:cubicBezTo>
-                <a:cubicBezTo>
-                  <a:pt x="243114" y="140307"/>
-                  <a:pt x="244850" y="138970"/>
-                  <a:pt x="246743" y="137888"/>
-                </a:cubicBezTo>
-                <a:cubicBezTo>
-                  <a:pt x="253976" y="133754"/>
-                  <a:pt x="255824" y="134252"/>
-                  <a:pt x="263071" y="128817"/>
-                </a:cubicBezTo>
-                <a:cubicBezTo>
-                  <a:pt x="265124" y="127278"/>
-                  <a:pt x="266379" y="124797"/>
-                  <a:pt x="268514" y="123374"/>
-                </a:cubicBezTo>
-                <a:cubicBezTo>
-                  <a:pt x="284880" y="112463"/>
-                  <a:pt x="262271" y="132204"/>
-                  <a:pt x="279400" y="117931"/>
-                </a:cubicBezTo>
-                <a:cubicBezTo>
-                  <a:pt x="288461" y="110381"/>
-                  <a:pt x="280720" y="113862"/>
-                  <a:pt x="290286" y="110674"/>
-                </a:cubicBezTo>
-                <a:cubicBezTo>
-                  <a:pt x="298084" y="104825"/>
-                  <a:pt x="299478" y="104315"/>
-                  <a:pt x="306614" y="96159"/>
-                </a:cubicBezTo>
-                <a:cubicBezTo>
-                  <a:pt x="316237" y="85161"/>
-                  <a:pt x="302274" y="96510"/>
-                  <a:pt x="317500" y="83459"/>
-                </a:cubicBezTo>
-                <a:cubicBezTo>
-                  <a:pt x="319155" y="82040"/>
-                  <a:pt x="321169" y="81098"/>
-                  <a:pt x="322943" y="79831"/>
-                </a:cubicBezTo>
-                <a:cubicBezTo>
-                  <a:pt x="325404" y="78074"/>
-                  <a:pt x="327684" y="76065"/>
-                  <a:pt x="330200" y="74388"/>
-                </a:cubicBezTo>
-                <a:cubicBezTo>
-                  <a:pt x="335037" y="71163"/>
-                  <a:pt x="344990" y="65569"/>
-                  <a:pt x="350157" y="63502"/>
-                </a:cubicBezTo>
-                <a:cubicBezTo>
-                  <a:pt x="352472" y="62576"/>
-                  <a:pt x="354995" y="62293"/>
-                  <a:pt x="357414" y="61688"/>
-                </a:cubicBezTo>
-                <a:cubicBezTo>
-                  <a:pt x="371686" y="50984"/>
-                  <a:pt x="356800" y="60953"/>
-                  <a:pt x="375557" y="52617"/>
-                </a:cubicBezTo>
-                <a:cubicBezTo>
-                  <a:pt x="390866" y="45813"/>
-                  <a:pt x="367369" y="51259"/>
-                  <a:pt x="391886" y="47174"/>
-                </a:cubicBezTo>
-                <a:cubicBezTo>
-                  <a:pt x="397329" y="45360"/>
-                  <a:pt x="403441" y="44914"/>
-                  <a:pt x="408214" y="41731"/>
-                </a:cubicBezTo>
-                <a:cubicBezTo>
-                  <a:pt x="410028" y="40521"/>
-                  <a:pt x="411664" y="38988"/>
-                  <a:pt x="413657" y="38102"/>
-                </a:cubicBezTo>
-                <a:cubicBezTo>
-                  <a:pt x="417152" y="36549"/>
-                  <a:pt x="424543" y="34474"/>
-                  <a:pt x="424543" y="34474"/>
-                </a:cubicBezTo>
-                <a:cubicBezTo>
-                  <a:pt x="433169" y="28723"/>
-                  <a:pt x="427915" y="31536"/>
-                  <a:pt x="440871" y="27217"/>
-                </a:cubicBezTo>
-                <a:cubicBezTo>
-                  <a:pt x="448634" y="24629"/>
-                  <a:pt x="456364" y="21431"/>
-                  <a:pt x="464457" y="19959"/>
-                </a:cubicBezTo>
-                <a:cubicBezTo>
-                  <a:pt x="468664" y="19194"/>
-                  <a:pt x="472939" y="18848"/>
-                  <a:pt x="477157" y="18145"/>
-                </a:cubicBezTo>
-                <a:cubicBezTo>
-                  <a:pt x="480199" y="17638"/>
-                  <a:pt x="483204" y="16936"/>
-                  <a:pt x="486228" y="16331"/>
-                </a:cubicBezTo>
-                <a:cubicBezTo>
-                  <a:pt x="489252" y="15121"/>
-                  <a:pt x="492210" y="13732"/>
-                  <a:pt x="495300" y="12702"/>
-                </a:cubicBezTo>
-                <a:cubicBezTo>
-                  <a:pt x="497665" y="11914"/>
-                  <a:pt x="500222" y="11764"/>
-                  <a:pt x="502557" y="10888"/>
-                </a:cubicBezTo>
-                <a:cubicBezTo>
-                  <a:pt x="513777" y="6680"/>
-                  <a:pt x="506440" y="7348"/>
-                  <a:pt x="518886" y="1817"/>
-                </a:cubicBezTo>
-                <a:cubicBezTo>
-                  <a:pt x="523300" y="-145"/>
-                  <a:pt x="524481" y="2"/>
-                  <a:pt x="527957" y="2"/>
-                </a:cubicBezTo>
                 <a:lnTo>
-                  <a:pt x="157843" y="1061359"/>
+                  <a:pt x="137432" y="907596"/>
+                </a:lnTo>
+                <a:lnTo>
+                  <a:pt x="254454" y="868136"/>
+                </a:lnTo>
+                <a:lnTo>
+                  <a:pt x="352425" y="800100"/>
+                </a:lnTo>
+                <a:lnTo>
+                  <a:pt x="425904" y="737507"/>
+                </a:lnTo>
+                <a:lnTo>
+                  <a:pt x="544286" y="610961"/>
+                </a:lnTo>
+                <a:lnTo>
+                  <a:pt x="578304" y="517071"/>
+                </a:lnTo>
+                <a:lnTo>
+                  <a:pt x="593272" y="424543"/>
+                </a:lnTo>
+                <a:lnTo>
+                  <a:pt x="549729" y="253093"/>
+                </a:lnTo>
+                <a:lnTo>
+                  <a:pt x="525236" y="191861"/>
+                </a:lnTo>
+                <a:lnTo>
+                  <a:pt x="476250" y="125186"/>
+                </a:lnTo>
+                <a:lnTo>
+                  <a:pt x="423182" y="80282"/>
+                </a:lnTo>
+                <a:lnTo>
+                  <a:pt x="378279" y="42182"/>
+                </a:lnTo>
+                <a:lnTo>
+                  <a:pt x="300718" y="0"/>
                 </a:lnTo>
                 <a:close/>
               </a:path>
             </a:pathLst>
           </a:custGeom>
           <a:solidFill>
-            <a:srgbClr val="FF0909">
-              <a:alpha val="43922"/>
-            </a:srgbClr>
+            <a:srgbClr val="FF8484"/>
           </a:solidFill>
           <a:ln>
             <a:noFill/>
@@ -23313,6 +22487,705 @@
           <a:p>
             <a:pPr algn="ctr"/>
             <a:endParaRPr lang="he-IL"/>
+          </a:p>
+        </p:txBody>
+      </p:sp>
+      <p:sp>
+        <p:nvSpPr>
+          <p:cNvPr id="4" name="Freeform: Shape 3">
+            <a:extLst>
+              <a:ext uri="{FF2B5EF4-FFF2-40B4-BE49-F238E27FC236}">
+                <a16:creationId xmlns:a16="http://schemas.microsoft.com/office/drawing/2014/main" id="{8E04903F-B74C-4E67-BDAF-C5A760C5ABEB}"/>
+              </a:ext>
+            </a:extLst>
+          </p:cNvPr>
+          <p:cNvSpPr/>
+          <p:nvPr/>
+        </p:nvSpPr>
+        <p:spPr>
+          <a:xfrm>
+            <a:off x="5422446" y="1846489"/>
+            <a:ext cx="510268" cy="1066800"/>
+          </a:xfrm>
+          <a:custGeom>
+            <a:avLst/>
+            <a:gdLst>
+              <a:gd name="connsiteX0" fmla="*/ 510268 w 510268"/>
+              <a:gd name="connsiteY0" fmla="*/ 0 h 1066800"/>
+              <a:gd name="connsiteX1" fmla="*/ 510268 w 510268"/>
+              <a:gd name="connsiteY1" fmla="*/ 0 h 1066800"/>
+              <a:gd name="connsiteX2" fmla="*/ 496661 w 510268"/>
+              <a:gd name="connsiteY2" fmla="*/ 1361 h 1066800"/>
+              <a:gd name="connsiteX3" fmla="*/ 489858 w 510268"/>
+              <a:gd name="connsiteY3" fmla="*/ 4082 h 1066800"/>
+              <a:gd name="connsiteX4" fmla="*/ 485775 w 510268"/>
+              <a:gd name="connsiteY4" fmla="*/ 5443 h 1066800"/>
+              <a:gd name="connsiteX5" fmla="*/ 472168 w 510268"/>
+              <a:gd name="connsiteY5" fmla="*/ 10886 h 1066800"/>
+              <a:gd name="connsiteX6" fmla="*/ 468086 w 510268"/>
+              <a:gd name="connsiteY6" fmla="*/ 12247 h 1066800"/>
+              <a:gd name="connsiteX7" fmla="*/ 461283 w 510268"/>
+              <a:gd name="connsiteY7" fmla="*/ 13607 h 1066800"/>
+              <a:gd name="connsiteX8" fmla="*/ 450397 w 510268"/>
+              <a:gd name="connsiteY8" fmla="*/ 16329 h 1066800"/>
+              <a:gd name="connsiteX9" fmla="*/ 444954 w 510268"/>
+              <a:gd name="connsiteY9" fmla="*/ 17690 h 1066800"/>
+              <a:gd name="connsiteX10" fmla="*/ 439511 w 510268"/>
+              <a:gd name="connsiteY10" fmla="*/ 19050 h 1066800"/>
+              <a:gd name="connsiteX11" fmla="*/ 431347 w 510268"/>
+              <a:gd name="connsiteY11" fmla="*/ 21772 h 1066800"/>
+              <a:gd name="connsiteX12" fmla="*/ 427265 w 510268"/>
+              <a:gd name="connsiteY12" fmla="*/ 23132 h 1066800"/>
+              <a:gd name="connsiteX13" fmla="*/ 416379 w 510268"/>
+              <a:gd name="connsiteY13" fmla="*/ 28575 h 1066800"/>
+              <a:gd name="connsiteX14" fmla="*/ 412297 w 510268"/>
+              <a:gd name="connsiteY14" fmla="*/ 31297 h 1066800"/>
+              <a:gd name="connsiteX15" fmla="*/ 402772 w 510268"/>
+              <a:gd name="connsiteY15" fmla="*/ 34018 h 1066800"/>
+              <a:gd name="connsiteX16" fmla="*/ 398690 w 510268"/>
+              <a:gd name="connsiteY16" fmla="*/ 36740 h 1066800"/>
+              <a:gd name="connsiteX17" fmla="*/ 387804 w 510268"/>
+              <a:gd name="connsiteY17" fmla="*/ 39461 h 1066800"/>
+              <a:gd name="connsiteX18" fmla="*/ 371475 w 510268"/>
+              <a:gd name="connsiteY18" fmla="*/ 44904 h 1066800"/>
+              <a:gd name="connsiteX19" fmla="*/ 367393 w 510268"/>
+              <a:gd name="connsiteY19" fmla="*/ 46265 h 1066800"/>
+              <a:gd name="connsiteX20" fmla="*/ 356508 w 510268"/>
+              <a:gd name="connsiteY20" fmla="*/ 51707 h 1066800"/>
+              <a:gd name="connsiteX21" fmla="*/ 345622 w 510268"/>
+              <a:gd name="connsiteY21" fmla="*/ 55790 h 1066800"/>
+              <a:gd name="connsiteX22" fmla="*/ 342900 w 510268"/>
+              <a:gd name="connsiteY22" fmla="*/ 58511 h 1066800"/>
+              <a:gd name="connsiteX23" fmla="*/ 332015 w 510268"/>
+              <a:gd name="connsiteY23" fmla="*/ 62593 h 1066800"/>
+              <a:gd name="connsiteX24" fmla="*/ 326572 w 510268"/>
+              <a:gd name="connsiteY24" fmla="*/ 66675 h 1066800"/>
+              <a:gd name="connsiteX25" fmla="*/ 322490 w 510268"/>
+              <a:gd name="connsiteY25" fmla="*/ 70757 h 1066800"/>
+              <a:gd name="connsiteX26" fmla="*/ 312965 w 510268"/>
+              <a:gd name="connsiteY26" fmla="*/ 74840 h 1066800"/>
+              <a:gd name="connsiteX27" fmla="*/ 303440 w 510268"/>
+              <a:gd name="connsiteY27" fmla="*/ 81643 h 1066800"/>
+              <a:gd name="connsiteX28" fmla="*/ 295275 w 510268"/>
+              <a:gd name="connsiteY28" fmla="*/ 87086 h 1066800"/>
+              <a:gd name="connsiteX29" fmla="*/ 291193 w 510268"/>
+              <a:gd name="connsiteY29" fmla="*/ 89807 h 1066800"/>
+              <a:gd name="connsiteX30" fmla="*/ 287111 w 510268"/>
+              <a:gd name="connsiteY30" fmla="*/ 92529 h 1066800"/>
+              <a:gd name="connsiteX31" fmla="*/ 277586 w 510268"/>
+              <a:gd name="connsiteY31" fmla="*/ 97972 h 1066800"/>
+              <a:gd name="connsiteX32" fmla="*/ 270783 w 510268"/>
+              <a:gd name="connsiteY32" fmla="*/ 102054 h 1066800"/>
+              <a:gd name="connsiteX33" fmla="*/ 265340 w 510268"/>
+              <a:gd name="connsiteY33" fmla="*/ 108857 h 1066800"/>
+              <a:gd name="connsiteX34" fmla="*/ 254454 w 510268"/>
+              <a:gd name="connsiteY34" fmla="*/ 117022 h 1066800"/>
+              <a:gd name="connsiteX35" fmla="*/ 243568 w 510268"/>
+              <a:gd name="connsiteY35" fmla="*/ 123825 h 1066800"/>
+              <a:gd name="connsiteX36" fmla="*/ 239486 w 510268"/>
+              <a:gd name="connsiteY36" fmla="*/ 129268 h 1066800"/>
+              <a:gd name="connsiteX37" fmla="*/ 235404 w 510268"/>
+              <a:gd name="connsiteY37" fmla="*/ 133350 h 1066800"/>
+              <a:gd name="connsiteX38" fmla="*/ 229961 w 510268"/>
+              <a:gd name="connsiteY38" fmla="*/ 140154 h 1066800"/>
+              <a:gd name="connsiteX39" fmla="*/ 223158 w 510268"/>
+              <a:gd name="connsiteY39" fmla="*/ 144236 h 1066800"/>
+              <a:gd name="connsiteX40" fmla="*/ 221797 w 510268"/>
+              <a:gd name="connsiteY40" fmla="*/ 148318 h 1066800"/>
+              <a:gd name="connsiteX41" fmla="*/ 217715 w 510268"/>
+              <a:gd name="connsiteY41" fmla="*/ 151040 h 1066800"/>
+              <a:gd name="connsiteX42" fmla="*/ 212272 w 510268"/>
+              <a:gd name="connsiteY42" fmla="*/ 155122 h 1066800"/>
+              <a:gd name="connsiteX43" fmla="*/ 193222 w 510268"/>
+              <a:gd name="connsiteY43" fmla="*/ 168729 h 1066800"/>
+              <a:gd name="connsiteX44" fmla="*/ 185058 w 510268"/>
+              <a:gd name="connsiteY44" fmla="*/ 179615 h 1066800"/>
+              <a:gd name="connsiteX45" fmla="*/ 182336 w 510268"/>
+              <a:gd name="connsiteY45" fmla="*/ 183697 h 1066800"/>
+              <a:gd name="connsiteX46" fmla="*/ 174172 w 510268"/>
+              <a:gd name="connsiteY46" fmla="*/ 193222 h 1066800"/>
+              <a:gd name="connsiteX47" fmla="*/ 167368 w 510268"/>
+              <a:gd name="connsiteY47" fmla="*/ 200025 h 1066800"/>
+              <a:gd name="connsiteX48" fmla="*/ 164647 w 510268"/>
+              <a:gd name="connsiteY48" fmla="*/ 204107 h 1066800"/>
+              <a:gd name="connsiteX49" fmla="*/ 153761 w 510268"/>
+              <a:gd name="connsiteY49" fmla="*/ 210911 h 1066800"/>
+              <a:gd name="connsiteX50" fmla="*/ 149679 w 510268"/>
+              <a:gd name="connsiteY50" fmla="*/ 212272 h 1066800"/>
+              <a:gd name="connsiteX51" fmla="*/ 144236 w 510268"/>
+              <a:gd name="connsiteY51" fmla="*/ 216354 h 1066800"/>
+              <a:gd name="connsiteX52" fmla="*/ 140154 w 510268"/>
+              <a:gd name="connsiteY52" fmla="*/ 217715 h 1066800"/>
+              <a:gd name="connsiteX53" fmla="*/ 131990 w 510268"/>
+              <a:gd name="connsiteY53" fmla="*/ 225879 h 1066800"/>
+              <a:gd name="connsiteX54" fmla="*/ 127908 w 510268"/>
+              <a:gd name="connsiteY54" fmla="*/ 228600 h 1066800"/>
+              <a:gd name="connsiteX55" fmla="*/ 122465 w 510268"/>
+              <a:gd name="connsiteY55" fmla="*/ 236765 h 1066800"/>
+              <a:gd name="connsiteX56" fmla="*/ 119743 w 510268"/>
+              <a:gd name="connsiteY56" fmla="*/ 242207 h 1066800"/>
+              <a:gd name="connsiteX57" fmla="*/ 70758 w 510268"/>
+              <a:gd name="connsiteY57" fmla="*/ 308882 h 1066800"/>
+              <a:gd name="connsiteX58" fmla="*/ 19050 w 510268"/>
+              <a:gd name="connsiteY58" fmla="*/ 416379 h 1066800"/>
+              <a:gd name="connsiteX59" fmla="*/ 0 w 510268"/>
+              <a:gd name="connsiteY59" fmla="*/ 478972 h 1066800"/>
+              <a:gd name="connsiteX60" fmla="*/ 8165 w 510268"/>
+              <a:gd name="connsiteY60" fmla="*/ 666750 h 1066800"/>
+              <a:gd name="connsiteX61" fmla="*/ 20411 w 510268"/>
+              <a:gd name="connsiteY61" fmla="*/ 757918 h 1066800"/>
+              <a:gd name="connsiteX62" fmla="*/ 55790 w 510268"/>
+              <a:gd name="connsiteY62" fmla="*/ 869497 h 1066800"/>
+              <a:gd name="connsiteX63" fmla="*/ 83004 w 510268"/>
+              <a:gd name="connsiteY63" fmla="*/ 955222 h 1066800"/>
+              <a:gd name="connsiteX64" fmla="*/ 151040 w 510268"/>
+              <a:gd name="connsiteY64" fmla="*/ 1059997 h 1066800"/>
+              <a:gd name="connsiteX65" fmla="*/ 171450 w 510268"/>
+              <a:gd name="connsiteY65" fmla="*/ 1066800 h 1066800"/>
+              <a:gd name="connsiteX66" fmla="*/ 510268 w 510268"/>
+              <a:gd name="connsiteY66" fmla="*/ 0 h 1066800"/>
+            </a:gdLst>
+            <a:ahLst/>
+            <a:cxnLst>
+              <a:cxn ang="0">
+                <a:pos x="connsiteX0" y="connsiteY0"/>
+              </a:cxn>
+              <a:cxn ang="0">
+                <a:pos x="connsiteX1" y="connsiteY1"/>
+              </a:cxn>
+              <a:cxn ang="0">
+                <a:pos x="connsiteX2" y="connsiteY2"/>
+              </a:cxn>
+              <a:cxn ang="0">
+                <a:pos x="connsiteX3" y="connsiteY3"/>
+              </a:cxn>
+              <a:cxn ang="0">
+                <a:pos x="connsiteX4" y="connsiteY4"/>
+              </a:cxn>
+              <a:cxn ang="0">
+                <a:pos x="connsiteX5" y="connsiteY5"/>
+              </a:cxn>
+              <a:cxn ang="0">
+                <a:pos x="connsiteX6" y="connsiteY6"/>
+              </a:cxn>
+              <a:cxn ang="0">
+                <a:pos x="connsiteX7" y="connsiteY7"/>
+              </a:cxn>
+              <a:cxn ang="0">
+                <a:pos x="connsiteX8" y="connsiteY8"/>
+              </a:cxn>
+              <a:cxn ang="0">
+                <a:pos x="connsiteX9" y="connsiteY9"/>
+              </a:cxn>
+              <a:cxn ang="0">
+                <a:pos x="connsiteX10" y="connsiteY10"/>
+              </a:cxn>
+              <a:cxn ang="0">
+                <a:pos x="connsiteX11" y="connsiteY11"/>
+              </a:cxn>
+              <a:cxn ang="0">
+                <a:pos x="connsiteX12" y="connsiteY12"/>
+              </a:cxn>
+              <a:cxn ang="0">
+                <a:pos x="connsiteX13" y="connsiteY13"/>
+              </a:cxn>
+              <a:cxn ang="0">
+                <a:pos x="connsiteX14" y="connsiteY14"/>
+              </a:cxn>
+              <a:cxn ang="0">
+                <a:pos x="connsiteX15" y="connsiteY15"/>
+              </a:cxn>
+              <a:cxn ang="0">
+                <a:pos x="connsiteX16" y="connsiteY16"/>
+              </a:cxn>
+              <a:cxn ang="0">
+                <a:pos x="connsiteX17" y="connsiteY17"/>
+              </a:cxn>
+              <a:cxn ang="0">
+                <a:pos x="connsiteX18" y="connsiteY18"/>
+              </a:cxn>
+              <a:cxn ang="0">
+                <a:pos x="connsiteX19" y="connsiteY19"/>
+              </a:cxn>
+              <a:cxn ang="0">
+                <a:pos x="connsiteX20" y="connsiteY20"/>
+              </a:cxn>
+              <a:cxn ang="0">
+                <a:pos x="connsiteX21" y="connsiteY21"/>
+              </a:cxn>
+              <a:cxn ang="0">
+                <a:pos x="connsiteX22" y="connsiteY22"/>
+              </a:cxn>
+              <a:cxn ang="0">
+                <a:pos x="connsiteX23" y="connsiteY23"/>
+              </a:cxn>
+              <a:cxn ang="0">
+                <a:pos x="connsiteX24" y="connsiteY24"/>
+              </a:cxn>
+              <a:cxn ang="0">
+                <a:pos x="connsiteX25" y="connsiteY25"/>
+              </a:cxn>
+              <a:cxn ang="0">
+                <a:pos x="connsiteX26" y="connsiteY26"/>
+              </a:cxn>
+              <a:cxn ang="0">
+                <a:pos x="connsiteX27" y="connsiteY27"/>
+              </a:cxn>
+              <a:cxn ang="0">
+                <a:pos x="connsiteX28" y="connsiteY28"/>
+              </a:cxn>
+              <a:cxn ang="0">
+                <a:pos x="connsiteX29" y="connsiteY29"/>
+              </a:cxn>
+              <a:cxn ang="0">
+                <a:pos x="connsiteX30" y="connsiteY30"/>
+              </a:cxn>
+              <a:cxn ang="0">
+                <a:pos x="connsiteX31" y="connsiteY31"/>
+              </a:cxn>
+              <a:cxn ang="0">
+                <a:pos x="connsiteX32" y="connsiteY32"/>
+              </a:cxn>
+              <a:cxn ang="0">
+                <a:pos x="connsiteX33" y="connsiteY33"/>
+              </a:cxn>
+              <a:cxn ang="0">
+                <a:pos x="connsiteX34" y="connsiteY34"/>
+              </a:cxn>
+              <a:cxn ang="0">
+                <a:pos x="connsiteX35" y="connsiteY35"/>
+              </a:cxn>
+              <a:cxn ang="0">
+                <a:pos x="connsiteX36" y="connsiteY36"/>
+              </a:cxn>
+              <a:cxn ang="0">
+                <a:pos x="connsiteX37" y="connsiteY37"/>
+              </a:cxn>
+              <a:cxn ang="0">
+                <a:pos x="connsiteX38" y="connsiteY38"/>
+              </a:cxn>
+              <a:cxn ang="0">
+                <a:pos x="connsiteX39" y="connsiteY39"/>
+              </a:cxn>
+              <a:cxn ang="0">
+                <a:pos x="connsiteX40" y="connsiteY40"/>
+              </a:cxn>
+              <a:cxn ang="0">
+                <a:pos x="connsiteX41" y="connsiteY41"/>
+              </a:cxn>
+              <a:cxn ang="0">
+                <a:pos x="connsiteX42" y="connsiteY42"/>
+              </a:cxn>
+              <a:cxn ang="0">
+                <a:pos x="connsiteX43" y="connsiteY43"/>
+              </a:cxn>
+              <a:cxn ang="0">
+                <a:pos x="connsiteX44" y="connsiteY44"/>
+              </a:cxn>
+              <a:cxn ang="0">
+                <a:pos x="connsiteX45" y="connsiteY45"/>
+              </a:cxn>
+              <a:cxn ang="0">
+                <a:pos x="connsiteX46" y="connsiteY46"/>
+              </a:cxn>
+              <a:cxn ang="0">
+                <a:pos x="connsiteX47" y="connsiteY47"/>
+              </a:cxn>
+              <a:cxn ang="0">
+                <a:pos x="connsiteX48" y="connsiteY48"/>
+              </a:cxn>
+              <a:cxn ang="0">
+                <a:pos x="connsiteX49" y="connsiteY49"/>
+              </a:cxn>
+              <a:cxn ang="0">
+                <a:pos x="connsiteX50" y="connsiteY50"/>
+              </a:cxn>
+              <a:cxn ang="0">
+                <a:pos x="connsiteX51" y="connsiteY51"/>
+              </a:cxn>
+              <a:cxn ang="0">
+                <a:pos x="connsiteX52" y="connsiteY52"/>
+              </a:cxn>
+              <a:cxn ang="0">
+                <a:pos x="connsiteX53" y="connsiteY53"/>
+              </a:cxn>
+              <a:cxn ang="0">
+                <a:pos x="connsiteX54" y="connsiteY54"/>
+              </a:cxn>
+              <a:cxn ang="0">
+                <a:pos x="connsiteX55" y="connsiteY55"/>
+              </a:cxn>
+              <a:cxn ang="0">
+                <a:pos x="connsiteX56" y="connsiteY56"/>
+              </a:cxn>
+              <a:cxn ang="0">
+                <a:pos x="connsiteX57" y="connsiteY57"/>
+              </a:cxn>
+              <a:cxn ang="0">
+                <a:pos x="connsiteX58" y="connsiteY58"/>
+              </a:cxn>
+              <a:cxn ang="0">
+                <a:pos x="connsiteX59" y="connsiteY59"/>
+              </a:cxn>
+              <a:cxn ang="0">
+                <a:pos x="connsiteX60" y="connsiteY60"/>
+              </a:cxn>
+              <a:cxn ang="0">
+                <a:pos x="connsiteX61" y="connsiteY61"/>
+              </a:cxn>
+              <a:cxn ang="0">
+                <a:pos x="connsiteX62" y="connsiteY62"/>
+              </a:cxn>
+              <a:cxn ang="0">
+                <a:pos x="connsiteX63" y="connsiteY63"/>
+              </a:cxn>
+              <a:cxn ang="0">
+                <a:pos x="connsiteX64" y="connsiteY64"/>
+              </a:cxn>
+              <a:cxn ang="0">
+                <a:pos x="connsiteX65" y="connsiteY65"/>
+              </a:cxn>
+              <a:cxn ang="0">
+                <a:pos x="connsiteX66" y="connsiteY66"/>
+              </a:cxn>
+            </a:cxnLst>
+            <a:rect l="l" t="t" r="r" b="b"/>
+            <a:pathLst>
+              <a:path w="510268" h="1066800">
+                <a:moveTo>
+                  <a:pt x="510268" y="0"/>
+                </a:moveTo>
+                <a:lnTo>
+                  <a:pt x="510268" y="0"/>
+                </a:lnTo>
+                <a:cubicBezTo>
+                  <a:pt x="505732" y="454"/>
+                  <a:pt x="501131" y="467"/>
+                  <a:pt x="496661" y="1361"/>
+                </a:cubicBezTo>
+                <a:cubicBezTo>
+                  <a:pt x="494266" y="1840"/>
+                  <a:pt x="492145" y="3224"/>
+                  <a:pt x="489858" y="4082"/>
+                </a:cubicBezTo>
+                <a:cubicBezTo>
+                  <a:pt x="488515" y="4586"/>
+                  <a:pt x="487114" y="4928"/>
+                  <a:pt x="485775" y="5443"/>
+                </a:cubicBezTo>
+                <a:cubicBezTo>
+                  <a:pt x="481216" y="7197"/>
+                  <a:pt x="476802" y="9341"/>
+                  <a:pt x="472168" y="10886"/>
+                </a:cubicBezTo>
+                <a:cubicBezTo>
+                  <a:pt x="470807" y="11340"/>
+                  <a:pt x="469477" y="11899"/>
+                  <a:pt x="468086" y="12247"/>
+                </a:cubicBezTo>
+                <a:cubicBezTo>
+                  <a:pt x="465842" y="12808"/>
+                  <a:pt x="463536" y="13087"/>
+                  <a:pt x="461283" y="13607"/>
+                </a:cubicBezTo>
+                <a:cubicBezTo>
+                  <a:pt x="457638" y="14448"/>
+                  <a:pt x="454026" y="15422"/>
+                  <a:pt x="450397" y="16329"/>
+                </a:cubicBezTo>
+                <a:lnTo>
+                  <a:pt x="444954" y="17690"/>
+                </a:lnTo>
+                <a:cubicBezTo>
+                  <a:pt x="443140" y="18143"/>
+                  <a:pt x="441285" y="18458"/>
+                  <a:pt x="439511" y="19050"/>
+                </a:cubicBezTo>
+                <a:lnTo>
+                  <a:pt x="431347" y="21772"/>
+                </a:lnTo>
+                <a:lnTo>
+                  <a:pt x="427265" y="23132"/>
+                </a:lnTo>
+                <a:cubicBezTo>
+                  <a:pt x="417808" y="29438"/>
+                  <a:pt x="429695" y="21917"/>
+                  <a:pt x="416379" y="28575"/>
+                </a:cubicBezTo>
+                <a:cubicBezTo>
+                  <a:pt x="414916" y="29306"/>
+                  <a:pt x="413800" y="30653"/>
+                  <a:pt x="412297" y="31297"/>
+                </a:cubicBezTo>
+                <a:cubicBezTo>
+                  <a:pt x="406183" y="33917"/>
+                  <a:pt x="408075" y="31366"/>
+                  <a:pt x="402772" y="34018"/>
+                </a:cubicBezTo>
+                <a:cubicBezTo>
+                  <a:pt x="401309" y="34750"/>
+                  <a:pt x="400153" y="36009"/>
+                  <a:pt x="398690" y="36740"/>
+                </a:cubicBezTo>
+                <a:cubicBezTo>
+                  <a:pt x="395392" y="38389"/>
+                  <a:pt x="391210" y="38532"/>
+                  <a:pt x="387804" y="39461"/>
+                </a:cubicBezTo>
+                <a:cubicBezTo>
+                  <a:pt x="387789" y="39465"/>
+                  <a:pt x="371489" y="44899"/>
+                  <a:pt x="371475" y="44904"/>
+                </a:cubicBezTo>
+                <a:cubicBezTo>
+                  <a:pt x="370114" y="45358"/>
+                  <a:pt x="368676" y="45624"/>
+                  <a:pt x="367393" y="46265"/>
+                </a:cubicBezTo>
+                <a:cubicBezTo>
+                  <a:pt x="363765" y="48079"/>
+                  <a:pt x="360274" y="50200"/>
+                  <a:pt x="356508" y="51707"/>
+                </a:cubicBezTo>
+                <a:cubicBezTo>
+                  <a:pt x="348372" y="54962"/>
+                  <a:pt x="352021" y="53656"/>
+                  <a:pt x="345622" y="55790"/>
+                </a:cubicBezTo>
+                <a:cubicBezTo>
+                  <a:pt x="344715" y="56697"/>
+                  <a:pt x="344014" y="57875"/>
+                  <a:pt x="342900" y="58511"/>
+                </a:cubicBezTo>
+                <a:cubicBezTo>
+                  <a:pt x="340624" y="59811"/>
+                  <a:pt x="334973" y="61607"/>
+                  <a:pt x="332015" y="62593"/>
+                </a:cubicBezTo>
+                <a:cubicBezTo>
+                  <a:pt x="330201" y="63954"/>
+                  <a:pt x="328294" y="65199"/>
+                  <a:pt x="326572" y="66675"/>
+                </a:cubicBezTo>
+                <a:cubicBezTo>
+                  <a:pt x="325111" y="67927"/>
+                  <a:pt x="324056" y="69638"/>
+                  <a:pt x="322490" y="70757"/>
+                </a:cubicBezTo>
+                <a:cubicBezTo>
+                  <a:pt x="315885" y="75475"/>
+                  <a:pt x="318886" y="71879"/>
+                  <a:pt x="312965" y="74840"/>
+                </a:cubicBezTo>
+                <a:cubicBezTo>
+                  <a:pt x="310752" y="75947"/>
+                  <a:pt x="304983" y="80563"/>
+                  <a:pt x="303440" y="81643"/>
+                </a:cubicBezTo>
+                <a:cubicBezTo>
+                  <a:pt x="300760" y="83519"/>
+                  <a:pt x="297997" y="85272"/>
+                  <a:pt x="295275" y="87086"/>
+                </a:cubicBezTo>
+                <a:lnTo>
+                  <a:pt x="291193" y="89807"/>
+                </a:lnTo>
+                <a:cubicBezTo>
+                  <a:pt x="289832" y="90714"/>
+                  <a:pt x="288574" y="91798"/>
+                  <a:pt x="287111" y="92529"/>
+                </a:cubicBezTo>
+                <a:cubicBezTo>
+                  <a:pt x="277818" y="97174"/>
+                  <a:pt x="285280" y="93163"/>
+                  <a:pt x="277586" y="97972"/>
+                </a:cubicBezTo>
+                <a:cubicBezTo>
+                  <a:pt x="275343" y="99374"/>
+                  <a:pt x="272935" y="100517"/>
+                  <a:pt x="270783" y="102054"/>
+                </a:cubicBezTo>
+                <a:cubicBezTo>
+                  <a:pt x="264164" y="106781"/>
+                  <a:pt x="272265" y="102624"/>
+                  <a:pt x="265340" y="108857"/>
+                </a:cubicBezTo>
+                <a:cubicBezTo>
+                  <a:pt x="261969" y="111891"/>
+                  <a:pt x="258511" y="114994"/>
+                  <a:pt x="254454" y="117022"/>
+                </a:cubicBezTo>
+                <a:cubicBezTo>
+                  <a:pt x="250142" y="119177"/>
+                  <a:pt x="247101" y="120292"/>
+                  <a:pt x="243568" y="123825"/>
+                </a:cubicBezTo>
+                <a:cubicBezTo>
+                  <a:pt x="241964" y="125429"/>
+                  <a:pt x="240962" y="127546"/>
+                  <a:pt x="239486" y="129268"/>
+                </a:cubicBezTo>
+                <a:cubicBezTo>
+                  <a:pt x="238234" y="130729"/>
+                  <a:pt x="236671" y="131902"/>
+                  <a:pt x="235404" y="133350"/>
+                </a:cubicBezTo>
+                <a:cubicBezTo>
+                  <a:pt x="233491" y="135536"/>
+                  <a:pt x="232132" y="138224"/>
+                  <a:pt x="229961" y="140154"/>
+                </a:cubicBezTo>
+                <a:cubicBezTo>
+                  <a:pt x="227984" y="141911"/>
+                  <a:pt x="225426" y="142875"/>
+                  <a:pt x="223158" y="144236"/>
+                </a:cubicBezTo>
+                <a:cubicBezTo>
+                  <a:pt x="222704" y="145597"/>
+                  <a:pt x="222693" y="147198"/>
+                  <a:pt x="221797" y="148318"/>
+                </a:cubicBezTo>
+                <a:cubicBezTo>
+                  <a:pt x="220775" y="149595"/>
+                  <a:pt x="219046" y="150089"/>
+                  <a:pt x="217715" y="151040"/>
+                </a:cubicBezTo>
+                <a:cubicBezTo>
+                  <a:pt x="215870" y="152358"/>
+                  <a:pt x="214130" y="153821"/>
+                  <a:pt x="212272" y="155122"/>
+                </a:cubicBezTo>
+                <a:cubicBezTo>
+                  <a:pt x="207121" y="158728"/>
+                  <a:pt x="197313" y="164640"/>
+                  <a:pt x="193222" y="168729"/>
+                </a:cubicBezTo>
+                <a:cubicBezTo>
+                  <a:pt x="188186" y="173764"/>
+                  <a:pt x="191215" y="170379"/>
+                  <a:pt x="185058" y="179615"/>
+                </a:cubicBezTo>
+                <a:cubicBezTo>
+                  <a:pt x="184151" y="180976"/>
+                  <a:pt x="183492" y="182541"/>
+                  <a:pt x="182336" y="183697"/>
+                </a:cubicBezTo>
+                <a:cubicBezTo>
+                  <a:pt x="169236" y="196797"/>
+                  <a:pt x="188147" y="177501"/>
+                  <a:pt x="174172" y="193222"/>
+                </a:cubicBezTo>
+                <a:cubicBezTo>
+                  <a:pt x="172041" y="195619"/>
+                  <a:pt x="169147" y="197356"/>
+                  <a:pt x="167368" y="200025"/>
+                </a:cubicBezTo>
+                <a:cubicBezTo>
+                  <a:pt x="166461" y="201386"/>
+                  <a:pt x="165803" y="202951"/>
+                  <a:pt x="164647" y="204107"/>
+                </a:cubicBezTo>
+                <a:cubicBezTo>
+                  <a:pt x="161715" y="207040"/>
+                  <a:pt x="157536" y="209293"/>
+                  <a:pt x="153761" y="210911"/>
+                </a:cubicBezTo>
+                <a:cubicBezTo>
+                  <a:pt x="152443" y="211476"/>
+                  <a:pt x="151040" y="211818"/>
+                  <a:pt x="149679" y="212272"/>
+                </a:cubicBezTo>
+                <a:cubicBezTo>
+                  <a:pt x="147865" y="213633"/>
+                  <a:pt x="146205" y="215229"/>
+                  <a:pt x="144236" y="216354"/>
+                </a:cubicBezTo>
+                <a:cubicBezTo>
+                  <a:pt x="142991" y="217066"/>
+                  <a:pt x="141286" y="216834"/>
+                  <a:pt x="140154" y="217715"/>
+                </a:cubicBezTo>
+                <a:cubicBezTo>
+                  <a:pt x="137116" y="220078"/>
+                  <a:pt x="135192" y="223744"/>
+                  <a:pt x="131990" y="225879"/>
+                </a:cubicBezTo>
+                <a:lnTo>
+                  <a:pt x="127908" y="228600"/>
+                </a:lnTo>
+                <a:cubicBezTo>
+                  <a:pt x="124672" y="238306"/>
+                  <a:pt x="129260" y="226572"/>
+                  <a:pt x="122465" y="236765"/>
+                </a:cubicBezTo>
+                <a:cubicBezTo>
+                  <a:pt x="116220" y="246133"/>
+                  <a:pt x="124212" y="237741"/>
+                  <a:pt x="119743" y="242207"/>
+                </a:cubicBezTo>
+                <a:lnTo>
+                  <a:pt x="70758" y="308882"/>
+                </a:lnTo>
+                <a:lnTo>
+                  <a:pt x="19050" y="416379"/>
+                </a:lnTo>
+                <a:lnTo>
+                  <a:pt x="0" y="478972"/>
+                </a:lnTo>
+                <a:lnTo>
+                  <a:pt x="8165" y="666750"/>
+                </a:lnTo>
+                <a:lnTo>
+                  <a:pt x="20411" y="757918"/>
+                </a:lnTo>
+                <a:lnTo>
+                  <a:pt x="55790" y="869497"/>
+                </a:lnTo>
+                <a:lnTo>
+                  <a:pt x="83004" y="955222"/>
+                </a:lnTo>
+                <a:lnTo>
+                  <a:pt x="151040" y="1059997"/>
+                </a:lnTo>
+                <a:lnTo>
+                  <a:pt x="171450" y="1066800"/>
+                </a:lnTo>
+                <a:lnTo>
+                  <a:pt x="510268" y="0"/>
+                </a:lnTo>
+                <a:close/>
+              </a:path>
+            </a:pathLst>
+          </a:custGeom>
+          <a:solidFill>
+            <a:srgbClr val="FF8484"/>
+          </a:solidFill>
+          <a:ln>
+            <a:noFill/>
+          </a:ln>
+        </p:spPr>
+        <p:style>
+          <a:lnRef idx="2">
+            <a:schemeClr val="accent1">
+              <a:shade val="50000"/>
+            </a:schemeClr>
+          </a:lnRef>
+          <a:fillRef idx="1">
+            <a:schemeClr val="accent1"/>
+          </a:fillRef>
+          <a:effectRef idx="0">
+            <a:schemeClr val="accent1"/>
+          </a:effectRef>
+          <a:fontRef idx="minor">
+            <a:schemeClr val="lt1"/>
+          </a:fontRef>
+        </p:style>
+        <p:txBody>
+          <a:bodyPr rtlCol="1" anchor="ctr"/>
+          <a:lstStyle/>
+          <a:p>
+            <a:pPr algn="ctr"/>
+            <a:endParaRPr lang="he-IL" dirty="0"/>
           </a:p>
         </p:txBody>
       </p:sp>
@@ -23404,86 +23277,6 @@
       </p:cxnSp>
       <p:sp>
         <p:nvSpPr>
-          <p:cNvPr id="35" name="TextBox 34">
-            <a:extLst>
-              <a:ext uri="{FF2B5EF4-FFF2-40B4-BE49-F238E27FC236}">
-                <a16:creationId xmlns:a16="http://schemas.microsoft.com/office/drawing/2014/main" id="{E143FC0A-2DA1-4EEA-8EBF-BFC31A474CE0}"/>
-              </a:ext>
-            </a:extLst>
-          </p:cNvPr>
-          <p:cNvSpPr txBox="1"/>
-          <p:nvPr/>
-        </p:nvSpPr>
-        <p:spPr>
-          <a:xfrm>
-            <a:off x="7361574" y="5073821"/>
-            <a:ext cx="754605" cy="646331"/>
-          </a:xfrm>
-          <a:prstGeom prst="rect">
-            <a:avLst/>
-          </a:prstGeom>
-          <a:noFill/>
-        </p:spPr>
-        <p:txBody>
-          <a:bodyPr wrap="square" rtlCol="1">
-            <a:spAutoFit/>
-          </a:bodyPr>
-          <a:lstStyle/>
-          <a:p>
-            <a:pPr algn="ctr"/>
-            <a:r>
-              <a:rPr lang="en-US" dirty="0"/>
-              <a:t>Z</a:t>
-            </a:r>
-          </a:p>
-          <a:p>
-            <a:pPr algn="ctr"/>
-            <a:r>
-              <a:rPr lang="en-US" dirty="0"/>
-              <a:t>index</a:t>
-            </a:r>
-            <a:endParaRPr lang="he-IL" dirty="0"/>
-          </a:p>
-        </p:txBody>
-      </p:sp>
-      <p:sp>
-        <p:nvSpPr>
-          <p:cNvPr id="36" name="TextBox 35">
-            <a:extLst>
-              <a:ext uri="{FF2B5EF4-FFF2-40B4-BE49-F238E27FC236}">
-                <a16:creationId xmlns:a16="http://schemas.microsoft.com/office/drawing/2014/main" id="{8D6742F8-85EF-444A-A252-43EE2FC78D8D}"/>
-              </a:ext>
-            </a:extLst>
-          </p:cNvPr>
-          <p:cNvSpPr txBox="1"/>
-          <p:nvPr/>
-        </p:nvSpPr>
-        <p:spPr>
-          <a:xfrm>
-            <a:off x="8971857" y="6558673"/>
-            <a:ext cx="914400" cy="369332"/>
-          </a:xfrm>
-          <a:prstGeom prst="rect">
-            <a:avLst/>
-          </a:prstGeom>
-          <a:noFill/>
-        </p:spPr>
-        <p:txBody>
-          <a:bodyPr wrap="square" rtlCol="1">
-            <a:spAutoFit/>
-          </a:bodyPr>
-          <a:lstStyle/>
-          <a:p>
-            <a:r>
-              <a:rPr lang="en-US" dirty="0"/>
-              <a:t>X pos</a:t>
-            </a:r>
-            <a:endParaRPr lang="he-IL" dirty="0"/>
-          </a:p>
-        </p:txBody>
-      </p:sp>
-      <p:sp>
-        <p:nvSpPr>
           <p:cNvPr id="37" name="Rectangle: Rounded Corners 36">
             <a:extLst>
               <a:ext uri="{FF2B5EF4-FFF2-40B4-BE49-F238E27FC236}">
@@ -23551,7 +23344,7 @@
           <a:prstGeom prst="line">
             <a:avLst/>
           </a:prstGeom>
-          <a:ln w="19050"/>
+          <a:ln w="38100"/>
         </p:spPr>
         <p:style>
           <a:lnRef idx="1">
@@ -23568,8 +23361,8 @@
           </a:fontRef>
         </p:style>
       </p:cxnSp>
-      <mc:AlternateContent xmlns:mc="http://schemas.openxmlformats.org/markup-compatibility/2006" xmlns:p14="http://schemas.microsoft.com/office/powerpoint/2010/main">
-        <mc:Choice Requires="p14">
+      <mc:AlternateContent xmlns:mc="http://schemas.openxmlformats.org/markup-compatibility/2006">
+        <mc:Choice xmlns:p14="http://schemas.microsoft.com/office/powerpoint/2010/main" Requires="p14">
           <p:contentPart p14:bwMode="auto" r:id="rId2">
             <p14:nvContentPartPr>
               <p14:cNvPr id="5" name="Ink 4">
@@ -23588,7 +23381,7 @@
             </p14:xfrm>
           </p:contentPart>
         </mc:Choice>
-        <mc:Fallback xmlns="">
+        <mc:Fallback>
           <p:pic>
             <p:nvPicPr>
               <p:cNvPr id="5" name="Ink 4">
@@ -23609,8 +23402,8 @@
             </p:blipFill>
             <p:spPr>
               <a:xfrm>
-                <a:off x="9368894" y="4371236"/>
-                <a:ext cx="686520" cy="2049123"/>
+                <a:off x="9358814" y="4361155"/>
+                <a:ext cx="706680" cy="2069287"/>
               </a:xfrm>
               <a:prstGeom prst="rect">
                 <a:avLst/>
@@ -23628,20 +23421,24 @@
               </a:ext>
             </a:extLst>
           </p:cNvPr>
-          <p:cNvCxnSpPr/>
+          <p:cNvCxnSpPr>
+            <a:cxnSpLocks/>
+            <a:stCxn id="111" idx="5"/>
+            <a:endCxn id="92" idx="1"/>
+          </p:cNvCxnSpPr>
           <p:nvPr/>
         </p:nvCxnSpPr>
         <p:spPr>
           <a:xfrm>
-            <a:off x="9458564" y="5049755"/>
-            <a:ext cx="336884" cy="126422"/>
+            <a:off x="9292017" y="2596664"/>
+            <a:ext cx="178799" cy="148035"/>
           </a:xfrm>
           <a:prstGeom prst="straightConnector1">
             <a:avLst/>
           </a:prstGeom>
-          <a:ln>
+          <a:ln w="28575">
             <a:solidFill>
-              <a:schemeClr val="tx1"/>
+              <a:srgbClr val="7C7C7C"/>
             </a:solidFill>
             <a:headEnd type="triangle"/>
             <a:tailEnd type="triangle"/>
@@ -23675,9 +23472,9 @@
           <p:nvPr/>
         </p:nvSpPr>
         <p:spPr>
-          <a:xfrm rot="1046172">
-            <a:off x="9378378" y="4867097"/>
-            <a:ext cx="585516" cy="276999"/>
+          <a:xfrm>
+            <a:off x="8821062" y="4870378"/>
+            <a:ext cx="636318" cy="338554"/>
           </a:xfrm>
           <a:prstGeom prst="rect">
             <a:avLst/>
@@ -23692,10 +23489,10 @@
           <a:p>
             <a:pPr algn="ctr"/>
             <a:r>
-              <a:rPr lang="en-US" sz="1200" dirty="0"/>
+              <a:rPr lang="en-US" sz="1600" b="1" dirty="0"/>
               <a:t>MAD</a:t>
             </a:r>
-            <a:endParaRPr lang="he-IL" sz="1200" dirty="0"/>
+            <a:endParaRPr lang="he-IL" sz="1600" b="1" dirty="0"/>
           </a:p>
         </p:txBody>
       </p:sp>
@@ -23852,9 +23649,9 @@
           <p:nvPr/>
         </p:nvSpPr>
         <p:spPr>
-          <a:xfrm>
-            <a:off x="3593438" y="1449484"/>
-            <a:ext cx="739073" cy="646331"/>
+          <a:xfrm rot="16200000">
+            <a:off x="3399877" y="1540495"/>
+            <a:ext cx="1411850" cy="584775"/>
           </a:xfrm>
           <a:prstGeom prst="rect">
             <a:avLst/>
@@ -23869,17 +23666,17 @@
           <a:p>
             <a:pPr algn="ctr"/>
             <a:r>
-              <a:rPr lang="en-US" dirty="0"/>
-              <a:t>Z</a:t>
+              <a:rPr lang="en-US" sz="1600" dirty="0"/>
+              <a:t>Proportion</a:t>
             </a:r>
           </a:p>
           <a:p>
             <a:pPr algn="ctr"/>
             <a:r>
-              <a:rPr lang="en-US" dirty="0"/>
-              <a:t>index</a:t>
+              <a:rPr lang="en-US" sz="1600" dirty="0"/>
+              <a:t>Of Z traveled</a:t>
             </a:r>
-            <a:endParaRPr lang="he-IL" dirty="0"/>
+            <a:endParaRPr lang="he-IL" sz="1600" dirty="0"/>
           </a:p>
         </p:txBody>
       </p:sp>
@@ -23897,8 +23694,8 @@
         </p:nvSpPr>
         <p:spPr>
           <a:xfrm>
-            <a:off x="5188189" y="3055110"/>
-            <a:ext cx="914400" cy="369332"/>
+            <a:off x="5082483" y="2978995"/>
+            <a:ext cx="1125812" cy="338554"/>
           </a:xfrm>
           <a:prstGeom prst="rect">
             <a:avLst/>
@@ -23911,11 +23708,12 @@
           </a:bodyPr>
           <a:lstStyle/>
           <a:p>
+            <a:pPr algn="ctr"/>
             <a:r>
-              <a:rPr lang="en-US" dirty="0"/>
-              <a:t>X pos</a:t>
+              <a:rPr lang="en-US" sz="1600" dirty="0"/>
+              <a:t>X</a:t>
             </a:r>
-            <a:endParaRPr lang="he-IL" dirty="0"/>
+            <a:endParaRPr lang="he-IL" sz="1600" dirty="0"/>
           </a:p>
         </p:txBody>
       </p:sp>
@@ -24036,7 +23834,13 @@
           <a:prstGeom prst="line">
             <a:avLst/>
           </a:prstGeom>
-          <a:ln w="19050"/>
+          <a:ln w="38100">
+            <a:solidFill>
+              <a:schemeClr val="accent3">
+                <a:lumMod val="75000"/>
+              </a:schemeClr>
+            </a:solidFill>
+          </a:ln>
         </p:spPr>
         <p:style>
           <a:lnRef idx="1">
@@ -24053,42 +23857,6 @@
           </a:fontRef>
         </p:style>
       </p:cxnSp>
-      <p:sp>
-        <p:nvSpPr>
-          <p:cNvPr id="175" name="TextBox 174">
-            <a:extLst>
-              <a:ext uri="{FF2B5EF4-FFF2-40B4-BE49-F238E27FC236}">
-                <a16:creationId xmlns:a16="http://schemas.microsoft.com/office/drawing/2014/main" id="{B0A192B0-E73F-43E8-9D54-DF74D088C20F}"/>
-              </a:ext>
-            </a:extLst>
-          </p:cNvPr>
-          <p:cNvSpPr txBox="1"/>
-          <p:nvPr/>
-        </p:nvSpPr>
-        <p:spPr>
-          <a:xfrm>
-            <a:off x="5319034" y="2141554"/>
-            <a:ext cx="585516" cy="261610"/>
-          </a:xfrm>
-          <a:prstGeom prst="rect">
-            <a:avLst/>
-          </a:prstGeom>
-          <a:noFill/>
-        </p:spPr>
-        <p:txBody>
-          <a:bodyPr wrap="square" rtlCol="1">
-            <a:spAutoFit/>
-          </a:bodyPr>
-          <a:lstStyle/>
-          <a:p>
-            <a:pPr algn="ctr"/>
-            <a:r>
-              <a:rPr lang="en-US" sz="1050" dirty="0"/>
-              <a:t>+ AUC</a:t>
-            </a:r>
-          </a:p>
-        </p:txBody>
-      </p:sp>
       <p:sp>
         <p:nvSpPr>
           <p:cNvPr id="176" name="TextBox 175">
@@ -24120,7 +23888,7 @@
             <a:r>
               <a:rPr lang="en-US" sz="1400" dirty="0">
                 <a:solidFill>
-                  <a:srgbClr val="5B84CB"/>
+                  <a:srgbClr val="7C7C7C"/>
                 </a:solidFill>
               </a:rPr>
               <a:t>Optimal path</a:t>
@@ -24143,8 +23911,8 @@
           </a:p>
         </p:txBody>
       </p:sp>
-      <mc:AlternateContent xmlns:mc="http://schemas.openxmlformats.org/markup-compatibility/2006" xmlns:p14="http://schemas.microsoft.com/office/powerpoint/2010/main">
-        <mc:Choice Requires="p14">
+      <mc:AlternateContent xmlns:mc="http://schemas.openxmlformats.org/markup-compatibility/2006">
+        <mc:Choice xmlns:p14="http://schemas.microsoft.com/office/powerpoint/2010/main" Requires="p14">
           <p:contentPart p14:bwMode="auto" r:id="rId4">
             <p14:nvContentPartPr>
               <p14:cNvPr id="18" name="Ink 17">
@@ -24163,7 +23931,7 @@
             </p14:xfrm>
           </p:contentPart>
         </mc:Choice>
-        <mc:Fallback xmlns="">
+        <mc:Fallback>
           <p:pic>
             <p:nvPicPr>
               <p:cNvPr id="18" name="Ink 17">
@@ -24184,8 +23952,8 @@
             </p:blipFill>
             <p:spPr>
               <a:xfrm>
-                <a:off x="5413083" y="887627"/>
-                <a:ext cx="1137960" cy="2032920"/>
+                <a:off x="5403009" y="877547"/>
+                <a:ext cx="1158108" cy="2053080"/>
               </a:xfrm>
               <a:prstGeom prst="rect">
                 <a:avLst/>
@@ -24194,971 +23962,6 @@
           </p:pic>
         </mc:Fallback>
       </mc:AlternateContent>
-      <p:sp>
-        <p:nvSpPr>
-          <p:cNvPr id="21" name="Freeform: Shape 20">
-            <a:extLst>
-              <a:ext uri="{FF2B5EF4-FFF2-40B4-BE49-F238E27FC236}">
-                <a16:creationId xmlns:a16="http://schemas.microsoft.com/office/drawing/2014/main" id="{EB87BB23-1895-4320-BA8A-B24968B6DC91}"/>
-              </a:ext>
-            </a:extLst>
-          </p:cNvPr>
-          <p:cNvSpPr/>
-          <p:nvPr/>
-        </p:nvSpPr>
-        <p:spPr>
-          <a:xfrm>
-            <a:off x="5950860" y="899886"/>
-            <a:ext cx="579651" cy="928914"/>
-          </a:xfrm>
-          <a:custGeom>
-            <a:avLst/>
-            <a:gdLst>
-              <a:gd name="connsiteX0" fmla="*/ 302986 w 579651"/>
-              <a:gd name="connsiteY0" fmla="*/ 0 h 928914"/>
-              <a:gd name="connsiteX1" fmla="*/ 302986 w 579651"/>
-              <a:gd name="connsiteY1" fmla="*/ 0 h 928914"/>
-              <a:gd name="connsiteX2" fmla="*/ 321129 w 579651"/>
-              <a:gd name="connsiteY2" fmla="*/ 14514 h 928914"/>
-              <a:gd name="connsiteX3" fmla="*/ 324757 w 579651"/>
-              <a:gd name="connsiteY3" fmla="*/ 21771 h 928914"/>
-              <a:gd name="connsiteX4" fmla="*/ 332014 w 579651"/>
-              <a:gd name="connsiteY4" fmla="*/ 29028 h 928914"/>
-              <a:gd name="connsiteX5" fmla="*/ 353786 w 579651"/>
-              <a:gd name="connsiteY5" fmla="*/ 47171 h 928914"/>
-              <a:gd name="connsiteX6" fmla="*/ 357414 w 579651"/>
-              <a:gd name="connsiteY6" fmla="*/ 52614 h 928914"/>
-              <a:gd name="connsiteX7" fmla="*/ 368300 w 579651"/>
-              <a:gd name="connsiteY7" fmla="*/ 61685 h 928914"/>
-              <a:gd name="connsiteX8" fmla="*/ 373743 w 579651"/>
-              <a:gd name="connsiteY8" fmla="*/ 68943 h 928914"/>
-              <a:gd name="connsiteX9" fmla="*/ 377372 w 579651"/>
-              <a:gd name="connsiteY9" fmla="*/ 74385 h 928914"/>
-              <a:gd name="connsiteX10" fmla="*/ 382814 w 579651"/>
-              <a:gd name="connsiteY10" fmla="*/ 78014 h 928914"/>
-              <a:gd name="connsiteX11" fmla="*/ 400957 w 579651"/>
-              <a:gd name="connsiteY11" fmla="*/ 97971 h 928914"/>
-              <a:gd name="connsiteX12" fmla="*/ 408214 w 579651"/>
-              <a:gd name="connsiteY12" fmla="*/ 103414 h 928914"/>
-              <a:gd name="connsiteX13" fmla="*/ 419100 w 579651"/>
-              <a:gd name="connsiteY13" fmla="*/ 110671 h 928914"/>
-              <a:gd name="connsiteX14" fmla="*/ 435429 w 579651"/>
-              <a:gd name="connsiteY14" fmla="*/ 123371 h 928914"/>
-              <a:gd name="connsiteX15" fmla="*/ 442686 w 579651"/>
-              <a:gd name="connsiteY15" fmla="*/ 125185 h 928914"/>
-              <a:gd name="connsiteX16" fmla="*/ 448129 w 579651"/>
-              <a:gd name="connsiteY16" fmla="*/ 130628 h 928914"/>
-              <a:gd name="connsiteX17" fmla="*/ 453572 w 579651"/>
-              <a:gd name="connsiteY17" fmla="*/ 132443 h 928914"/>
-              <a:gd name="connsiteX18" fmla="*/ 477157 w 579651"/>
-              <a:gd name="connsiteY18" fmla="*/ 157843 h 928914"/>
-              <a:gd name="connsiteX19" fmla="*/ 482600 w 579651"/>
-              <a:gd name="connsiteY19" fmla="*/ 163285 h 928914"/>
-              <a:gd name="connsiteX20" fmla="*/ 489857 w 579651"/>
-              <a:gd name="connsiteY20" fmla="*/ 172357 h 928914"/>
-              <a:gd name="connsiteX21" fmla="*/ 495300 w 579651"/>
-              <a:gd name="connsiteY21" fmla="*/ 177800 h 928914"/>
-              <a:gd name="connsiteX22" fmla="*/ 502557 w 579651"/>
-              <a:gd name="connsiteY22" fmla="*/ 188685 h 928914"/>
-              <a:gd name="connsiteX23" fmla="*/ 511629 w 579651"/>
-              <a:gd name="connsiteY23" fmla="*/ 199571 h 928914"/>
-              <a:gd name="connsiteX24" fmla="*/ 517072 w 579651"/>
-              <a:gd name="connsiteY24" fmla="*/ 208643 h 928914"/>
-              <a:gd name="connsiteX25" fmla="*/ 529772 w 579651"/>
-              <a:gd name="connsiteY25" fmla="*/ 219528 h 928914"/>
-              <a:gd name="connsiteX26" fmla="*/ 544286 w 579651"/>
-              <a:gd name="connsiteY26" fmla="*/ 241300 h 928914"/>
-              <a:gd name="connsiteX27" fmla="*/ 551543 w 579651"/>
-              <a:gd name="connsiteY27" fmla="*/ 252185 h 928914"/>
-              <a:gd name="connsiteX28" fmla="*/ 553357 w 579651"/>
-              <a:gd name="connsiteY28" fmla="*/ 257628 h 928914"/>
-              <a:gd name="connsiteX29" fmla="*/ 556986 w 579651"/>
-              <a:gd name="connsiteY29" fmla="*/ 263071 h 928914"/>
-              <a:gd name="connsiteX30" fmla="*/ 562429 w 579651"/>
-              <a:gd name="connsiteY30" fmla="*/ 279400 h 928914"/>
-              <a:gd name="connsiteX31" fmla="*/ 564243 w 579651"/>
-              <a:gd name="connsiteY31" fmla="*/ 319314 h 928914"/>
-              <a:gd name="connsiteX32" fmla="*/ 566057 w 579651"/>
-              <a:gd name="connsiteY32" fmla="*/ 332014 h 928914"/>
-              <a:gd name="connsiteX33" fmla="*/ 569686 w 579651"/>
-              <a:gd name="connsiteY33" fmla="*/ 339271 h 928914"/>
-              <a:gd name="connsiteX34" fmla="*/ 573314 w 579651"/>
-              <a:gd name="connsiteY34" fmla="*/ 362857 h 928914"/>
-              <a:gd name="connsiteX35" fmla="*/ 576943 w 579651"/>
-              <a:gd name="connsiteY35" fmla="*/ 382814 h 928914"/>
-              <a:gd name="connsiteX36" fmla="*/ 576943 w 579651"/>
-              <a:gd name="connsiteY36" fmla="*/ 500743 h 928914"/>
-              <a:gd name="connsiteX37" fmla="*/ 573314 w 579651"/>
-              <a:gd name="connsiteY37" fmla="*/ 522514 h 928914"/>
-              <a:gd name="connsiteX38" fmla="*/ 571500 w 579651"/>
-              <a:gd name="connsiteY38" fmla="*/ 538843 h 928914"/>
-              <a:gd name="connsiteX39" fmla="*/ 564243 w 579651"/>
-              <a:gd name="connsiteY39" fmla="*/ 562428 h 928914"/>
-              <a:gd name="connsiteX40" fmla="*/ 560614 w 579651"/>
-              <a:gd name="connsiteY40" fmla="*/ 567871 h 928914"/>
-              <a:gd name="connsiteX41" fmla="*/ 555172 w 579651"/>
-              <a:gd name="connsiteY41" fmla="*/ 580571 h 928914"/>
-              <a:gd name="connsiteX42" fmla="*/ 549729 w 579651"/>
-              <a:gd name="connsiteY42" fmla="*/ 586014 h 928914"/>
-              <a:gd name="connsiteX43" fmla="*/ 546100 w 579651"/>
-              <a:gd name="connsiteY43" fmla="*/ 593271 h 928914"/>
-              <a:gd name="connsiteX44" fmla="*/ 540657 w 579651"/>
-              <a:gd name="connsiteY44" fmla="*/ 602343 h 928914"/>
-              <a:gd name="connsiteX45" fmla="*/ 537029 w 579651"/>
-              <a:gd name="connsiteY45" fmla="*/ 607785 h 928914"/>
-              <a:gd name="connsiteX46" fmla="*/ 535214 w 579651"/>
-              <a:gd name="connsiteY46" fmla="*/ 613228 h 928914"/>
-              <a:gd name="connsiteX47" fmla="*/ 531586 w 579651"/>
-              <a:gd name="connsiteY47" fmla="*/ 627743 h 928914"/>
-              <a:gd name="connsiteX48" fmla="*/ 529772 w 579651"/>
-              <a:gd name="connsiteY48" fmla="*/ 633185 h 928914"/>
-              <a:gd name="connsiteX49" fmla="*/ 518886 w 579651"/>
-              <a:gd name="connsiteY49" fmla="*/ 649514 h 928914"/>
-              <a:gd name="connsiteX50" fmla="*/ 506186 w 579651"/>
-              <a:gd name="connsiteY50" fmla="*/ 676728 h 928914"/>
-              <a:gd name="connsiteX51" fmla="*/ 495300 w 579651"/>
-              <a:gd name="connsiteY51" fmla="*/ 683985 h 928914"/>
-              <a:gd name="connsiteX52" fmla="*/ 471714 w 579651"/>
-              <a:gd name="connsiteY52" fmla="*/ 691243 h 928914"/>
-              <a:gd name="connsiteX53" fmla="*/ 459014 w 579651"/>
-              <a:gd name="connsiteY53" fmla="*/ 694871 h 928914"/>
-              <a:gd name="connsiteX54" fmla="*/ 446314 w 579651"/>
-              <a:gd name="connsiteY54" fmla="*/ 703943 h 928914"/>
-              <a:gd name="connsiteX55" fmla="*/ 433614 w 579651"/>
-              <a:gd name="connsiteY55" fmla="*/ 713014 h 928914"/>
-              <a:gd name="connsiteX56" fmla="*/ 426357 w 579651"/>
-              <a:gd name="connsiteY56" fmla="*/ 714828 h 928914"/>
-              <a:gd name="connsiteX57" fmla="*/ 417286 w 579651"/>
-              <a:gd name="connsiteY57" fmla="*/ 727528 h 928914"/>
-              <a:gd name="connsiteX58" fmla="*/ 411843 w 579651"/>
-              <a:gd name="connsiteY58" fmla="*/ 732971 h 928914"/>
-              <a:gd name="connsiteX59" fmla="*/ 402772 w 579651"/>
-              <a:gd name="connsiteY59" fmla="*/ 743857 h 928914"/>
-              <a:gd name="connsiteX60" fmla="*/ 397329 w 579651"/>
-              <a:gd name="connsiteY60" fmla="*/ 747485 h 928914"/>
-              <a:gd name="connsiteX61" fmla="*/ 388257 w 579651"/>
-              <a:gd name="connsiteY61" fmla="*/ 758371 h 928914"/>
-              <a:gd name="connsiteX62" fmla="*/ 368300 w 579651"/>
-              <a:gd name="connsiteY62" fmla="*/ 772885 h 928914"/>
-              <a:gd name="connsiteX63" fmla="*/ 361043 w 579651"/>
-              <a:gd name="connsiteY63" fmla="*/ 780143 h 928914"/>
-              <a:gd name="connsiteX64" fmla="*/ 353786 w 579651"/>
-              <a:gd name="connsiteY64" fmla="*/ 783771 h 928914"/>
-              <a:gd name="connsiteX65" fmla="*/ 335643 w 579651"/>
-              <a:gd name="connsiteY65" fmla="*/ 801914 h 928914"/>
-              <a:gd name="connsiteX66" fmla="*/ 321129 w 579651"/>
-              <a:gd name="connsiteY66" fmla="*/ 814614 h 928914"/>
-              <a:gd name="connsiteX67" fmla="*/ 308429 w 579651"/>
-              <a:gd name="connsiteY67" fmla="*/ 834571 h 928914"/>
-              <a:gd name="connsiteX68" fmla="*/ 302986 w 579651"/>
-              <a:gd name="connsiteY68" fmla="*/ 836385 h 928914"/>
-              <a:gd name="connsiteX69" fmla="*/ 299357 w 579651"/>
-              <a:gd name="connsiteY69" fmla="*/ 841828 h 928914"/>
-              <a:gd name="connsiteX70" fmla="*/ 286657 w 579651"/>
-              <a:gd name="connsiteY70" fmla="*/ 847271 h 928914"/>
-              <a:gd name="connsiteX71" fmla="*/ 270329 w 579651"/>
-              <a:gd name="connsiteY71" fmla="*/ 854528 h 928914"/>
-              <a:gd name="connsiteX72" fmla="*/ 254000 w 579651"/>
-              <a:gd name="connsiteY72" fmla="*/ 861785 h 928914"/>
-              <a:gd name="connsiteX73" fmla="*/ 246743 w 579651"/>
-              <a:gd name="connsiteY73" fmla="*/ 863600 h 928914"/>
-              <a:gd name="connsiteX74" fmla="*/ 219529 w 579651"/>
-              <a:gd name="connsiteY74" fmla="*/ 876300 h 928914"/>
-              <a:gd name="connsiteX75" fmla="*/ 208643 w 579651"/>
-              <a:gd name="connsiteY75" fmla="*/ 878114 h 928914"/>
-              <a:gd name="connsiteX76" fmla="*/ 188686 w 579651"/>
-              <a:gd name="connsiteY76" fmla="*/ 885371 h 928914"/>
-              <a:gd name="connsiteX77" fmla="*/ 179614 w 579651"/>
-              <a:gd name="connsiteY77" fmla="*/ 889000 h 928914"/>
-              <a:gd name="connsiteX78" fmla="*/ 161472 w 579651"/>
-              <a:gd name="connsiteY78" fmla="*/ 890814 h 928914"/>
-              <a:gd name="connsiteX79" fmla="*/ 145143 w 579651"/>
-              <a:gd name="connsiteY79" fmla="*/ 896257 h 928914"/>
-              <a:gd name="connsiteX80" fmla="*/ 137886 w 579651"/>
-              <a:gd name="connsiteY80" fmla="*/ 898071 h 928914"/>
-              <a:gd name="connsiteX81" fmla="*/ 116114 w 579651"/>
-              <a:gd name="connsiteY81" fmla="*/ 905328 h 928914"/>
-              <a:gd name="connsiteX82" fmla="*/ 83457 w 579651"/>
-              <a:gd name="connsiteY82" fmla="*/ 908957 h 928914"/>
-              <a:gd name="connsiteX83" fmla="*/ 76200 w 579651"/>
-              <a:gd name="connsiteY83" fmla="*/ 910771 h 928914"/>
-              <a:gd name="connsiteX84" fmla="*/ 52614 w 579651"/>
-              <a:gd name="connsiteY84" fmla="*/ 914400 h 928914"/>
-              <a:gd name="connsiteX85" fmla="*/ 43543 w 579651"/>
-              <a:gd name="connsiteY85" fmla="*/ 918028 h 928914"/>
-              <a:gd name="connsiteX86" fmla="*/ 34472 w 579651"/>
-              <a:gd name="connsiteY86" fmla="*/ 919843 h 928914"/>
-              <a:gd name="connsiteX87" fmla="*/ 14514 w 579651"/>
-              <a:gd name="connsiteY87" fmla="*/ 923471 h 928914"/>
-              <a:gd name="connsiteX88" fmla="*/ 9072 w 579651"/>
-              <a:gd name="connsiteY88" fmla="*/ 927100 h 928914"/>
-              <a:gd name="connsiteX89" fmla="*/ 0 w 579651"/>
-              <a:gd name="connsiteY89" fmla="*/ 928914 h 928914"/>
-              <a:gd name="connsiteX90" fmla="*/ 302986 w 579651"/>
-              <a:gd name="connsiteY90" fmla="*/ 0 h 928914"/>
-            </a:gdLst>
-            <a:ahLst/>
-            <a:cxnLst>
-              <a:cxn ang="0">
-                <a:pos x="connsiteX0" y="connsiteY0"/>
-              </a:cxn>
-              <a:cxn ang="0">
-                <a:pos x="connsiteX1" y="connsiteY1"/>
-              </a:cxn>
-              <a:cxn ang="0">
-                <a:pos x="connsiteX2" y="connsiteY2"/>
-              </a:cxn>
-              <a:cxn ang="0">
-                <a:pos x="connsiteX3" y="connsiteY3"/>
-              </a:cxn>
-              <a:cxn ang="0">
-                <a:pos x="connsiteX4" y="connsiteY4"/>
-              </a:cxn>
-              <a:cxn ang="0">
-                <a:pos x="connsiteX5" y="connsiteY5"/>
-              </a:cxn>
-              <a:cxn ang="0">
-                <a:pos x="connsiteX6" y="connsiteY6"/>
-              </a:cxn>
-              <a:cxn ang="0">
-                <a:pos x="connsiteX7" y="connsiteY7"/>
-              </a:cxn>
-              <a:cxn ang="0">
-                <a:pos x="connsiteX8" y="connsiteY8"/>
-              </a:cxn>
-              <a:cxn ang="0">
-                <a:pos x="connsiteX9" y="connsiteY9"/>
-              </a:cxn>
-              <a:cxn ang="0">
-                <a:pos x="connsiteX10" y="connsiteY10"/>
-              </a:cxn>
-              <a:cxn ang="0">
-                <a:pos x="connsiteX11" y="connsiteY11"/>
-              </a:cxn>
-              <a:cxn ang="0">
-                <a:pos x="connsiteX12" y="connsiteY12"/>
-              </a:cxn>
-              <a:cxn ang="0">
-                <a:pos x="connsiteX13" y="connsiteY13"/>
-              </a:cxn>
-              <a:cxn ang="0">
-                <a:pos x="connsiteX14" y="connsiteY14"/>
-              </a:cxn>
-              <a:cxn ang="0">
-                <a:pos x="connsiteX15" y="connsiteY15"/>
-              </a:cxn>
-              <a:cxn ang="0">
-                <a:pos x="connsiteX16" y="connsiteY16"/>
-              </a:cxn>
-              <a:cxn ang="0">
-                <a:pos x="connsiteX17" y="connsiteY17"/>
-              </a:cxn>
-              <a:cxn ang="0">
-                <a:pos x="connsiteX18" y="connsiteY18"/>
-              </a:cxn>
-              <a:cxn ang="0">
-                <a:pos x="connsiteX19" y="connsiteY19"/>
-              </a:cxn>
-              <a:cxn ang="0">
-                <a:pos x="connsiteX20" y="connsiteY20"/>
-              </a:cxn>
-              <a:cxn ang="0">
-                <a:pos x="connsiteX21" y="connsiteY21"/>
-              </a:cxn>
-              <a:cxn ang="0">
-                <a:pos x="connsiteX22" y="connsiteY22"/>
-              </a:cxn>
-              <a:cxn ang="0">
-                <a:pos x="connsiteX23" y="connsiteY23"/>
-              </a:cxn>
-              <a:cxn ang="0">
-                <a:pos x="connsiteX24" y="connsiteY24"/>
-              </a:cxn>
-              <a:cxn ang="0">
-                <a:pos x="connsiteX25" y="connsiteY25"/>
-              </a:cxn>
-              <a:cxn ang="0">
-                <a:pos x="connsiteX26" y="connsiteY26"/>
-              </a:cxn>
-              <a:cxn ang="0">
-                <a:pos x="connsiteX27" y="connsiteY27"/>
-              </a:cxn>
-              <a:cxn ang="0">
-                <a:pos x="connsiteX28" y="connsiteY28"/>
-              </a:cxn>
-              <a:cxn ang="0">
-                <a:pos x="connsiteX29" y="connsiteY29"/>
-              </a:cxn>
-              <a:cxn ang="0">
-                <a:pos x="connsiteX30" y="connsiteY30"/>
-              </a:cxn>
-              <a:cxn ang="0">
-                <a:pos x="connsiteX31" y="connsiteY31"/>
-              </a:cxn>
-              <a:cxn ang="0">
-                <a:pos x="connsiteX32" y="connsiteY32"/>
-              </a:cxn>
-              <a:cxn ang="0">
-                <a:pos x="connsiteX33" y="connsiteY33"/>
-              </a:cxn>
-              <a:cxn ang="0">
-                <a:pos x="connsiteX34" y="connsiteY34"/>
-              </a:cxn>
-              <a:cxn ang="0">
-                <a:pos x="connsiteX35" y="connsiteY35"/>
-              </a:cxn>
-              <a:cxn ang="0">
-                <a:pos x="connsiteX36" y="connsiteY36"/>
-              </a:cxn>
-              <a:cxn ang="0">
-                <a:pos x="connsiteX37" y="connsiteY37"/>
-              </a:cxn>
-              <a:cxn ang="0">
-                <a:pos x="connsiteX38" y="connsiteY38"/>
-              </a:cxn>
-              <a:cxn ang="0">
-                <a:pos x="connsiteX39" y="connsiteY39"/>
-              </a:cxn>
-              <a:cxn ang="0">
-                <a:pos x="connsiteX40" y="connsiteY40"/>
-              </a:cxn>
-              <a:cxn ang="0">
-                <a:pos x="connsiteX41" y="connsiteY41"/>
-              </a:cxn>
-              <a:cxn ang="0">
-                <a:pos x="connsiteX42" y="connsiteY42"/>
-              </a:cxn>
-              <a:cxn ang="0">
-                <a:pos x="connsiteX43" y="connsiteY43"/>
-              </a:cxn>
-              <a:cxn ang="0">
-                <a:pos x="connsiteX44" y="connsiteY44"/>
-              </a:cxn>
-              <a:cxn ang="0">
-                <a:pos x="connsiteX45" y="connsiteY45"/>
-              </a:cxn>
-              <a:cxn ang="0">
-                <a:pos x="connsiteX46" y="connsiteY46"/>
-              </a:cxn>
-              <a:cxn ang="0">
-                <a:pos x="connsiteX47" y="connsiteY47"/>
-              </a:cxn>
-              <a:cxn ang="0">
-                <a:pos x="connsiteX48" y="connsiteY48"/>
-              </a:cxn>
-              <a:cxn ang="0">
-                <a:pos x="connsiteX49" y="connsiteY49"/>
-              </a:cxn>
-              <a:cxn ang="0">
-                <a:pos x="connsiteX50" y="connsiteY50"/>
-              </a:cxn>
-              <a:cxn ang="0">
-                <a:pos x="connsiteX51" y="connsiteY51"/>
-              </a:cxn>
-              <a:cxn ang="0">
-                <a:pos x="connsiteX52" y="connsiteY52"/>
-              </a:cxn>
-              <a:cxn ang="0">
-                <a:pos x="connsiteX53" y="connsiteY53"/>
-              </a:cxn>
-              <a:cxn ang="0">
-                <a:pos x="connsiteX54" y="connsiteY54"/>
-              </a:cxn>
-              <a:cxn ang="0">
-                <a:pos x="connsiteX55" y="connsiteY55"/>
-              </a:cxn>
-              <a:cxn ang="0">
-                <a:pos x="connsiteX56" y="connsiteY56"/>
-              </a:cxn>
-              <a:cxn ang="0">
-                <a:pos x="connsiteX57" y="connsiteY57"/>
-              </a:cxn>
-              <a:cxn ang="0">
-                <a:pos x="connsiteX58" y="connsiteY58"/>
-              </a:cxn>
-              <a:cxn ang="0">
-                <a:pos x="connsiteX59" y="connsiteY59"/>
-              </a:cxn>
-              <a:cxn ang="0">
-                <a:pos x="connsiteX60" y="connsiteY60"/>
-              </a:cxn>
-              <a:cxn ang="0">
-                <a:pos x="connsiteX61" y="connsiteY61"/>
-              </a:cxn>
-              <a:cxn ang="0">
-                <a:pos x="connsiteX62" y="connsiteY62"/>
-              </a:cxn>
-              <a:cxn ang="0">
-                <a:pos x="connsiteX63" y="connsiteY63"/>
-              </a:cxn>
-              <a:cxn ang="0">
-                <a:pos x="connsiteX64" y="connsiteY64"/>
-              </a:cxn>
-              <a:cxn ang="0">
-                <a:pos x="connsiteX65" y="connsiteY65"/>
-              </a:cxn>
-              <a:cxn ang="0">
-                <a:pos x="connsiteX66" y="connsiteY66"/>
-              </a:cxn>
-              <a:cxn ang="0">
-                <a:pos x="connsiteX67" y="connsiteY67"/>
-              </a:cxn>
-              <a:cxn ang="0">
-                <a:pos x="connsiteX68" y="connsiteY68"/>
-              </a:cxn>
-              <a:cxn ang="0">
-                <a:pos x="connsiteX69" y="connsiteY69"/>
-              </a:cxn>
-              <a:cxn ang="0">
-                <a:pos x="connsiteX70" y="connsiteY70"/>
-              </a:cxn>
-              <a:cxn ang="0">
-                <a:pos x="connsiteX71" y="connsiteY71"/>
-              </a:cxn>
-              <a:cxn ang="0">
-                <a:pos x="connsiteX72" y="connsiteY72"/>
-              </a:cxn>
-              <a:cxn ang="0">
-                <a:pos x="connsiteX73" y="connsiteY73"/>
-              </a:cxn>
-              <a:cxn ang="0">
-                <a:pos x="connsiteX74" y="connsiteY74"/>
-              </a:cxn>
-              <a:cxn ang="0">
-                <a:pos x="connsiteX75" y="connsiteY75"/>
-              </a:cxn>
-              <a:cxn ang="0">
-                <a:pos x="connsiteX76" y="connsiteY76"/>
-              </a:cxn>
-              <a:cxn ang="0">
-                <a:pos x="connsiteX77" y="connsiteY77"/>
-              </a:cxn>
-              <a:cxn ang="0">
-                <a:pos x="connsiteX78" y="connsiteY78"/>
-              </a:cxn>
-              <a:cxn ang="0">
-                <a:pos x="connsiteX79" y="connsiteY79"/>
-              </a:cxn>
-              <a:cxn ang="0">
-                <a:pos x="connsiteX80" y="connsiteY80"/>
-              </a:cxn>
-              <a:cxn ang="0">
-                <a:pos x="connsiteX81" y="connsiteY81"/>
-              </a:cxn>
-              <a:cxn ang="0">
-                <a:pos x="connsiteX82" y="connsiteY82"/>
-              </a:cxn>
-              <a:cxn ang="0">
-                <a:pos x="connsiteX83" y="connsiteY83"/>
-              </a:cxn>
-              <a:cxn ang="0">
-                <a:pos x="connsiteX84" y="connsiteY84"/>
-              </a:cxn>
-              <a:cxn ang="0">
-                <a:pos x="connsiteX85" y="connsiteY85"/>
-              </a:cxn>
-              <a:cxn ang="0">
-                <a:pos x="connsiteX86" y="connsiteY86"/>
-              </a:cxn>
-              <a:cxn ang="0">
-                <a:pos x="connsiteX87" y="connsiteY87"/>
-              </a:cxn>
-              <a:cxn ang="0">
-                <a:pos x="connsiteX88" y="connsiteY88"/>
-              </a:cxn>
-              <a:cxn ang="0">
-                <a:pos x="connsiteX89" y="connsiteY89"/>
-              </a:cxn>
-              <a:cxn ang="0">
-                <a:pos x="connsiteX90" y="connsiteY90"/>
-              </a:cxn>
-            </a:cxnLst>
-            <a:rect l="l" t="t" r="r" b="b"/>
-            <a:pathLst>
-              <a:path w="579651" h="928914">
-                <a:moveTo>
-                  <a:pt x="302986" y="0"/>
-                </a:moveTo>
-                <a:lnTo>
-                  <a:pt x="302986" y="0"/>
-                </a:lnTo>
-                <a:cubicBezTo>
-                  <a:pt x="306986" y="2857"/>
-                  <a:pt x="317328" y="9193"/>
-                  <a:pt x="321129" y="14514"/>
-                </a:cubicBezTo>
-                <a:cubicBezTo>
-                  <a:pt x="322701" y="16715"/>
-                  <a:pt x="323134" y="19607"/>
-                  <a:pt x="324757" y="21771"/>
-                </a:cubicBezTo>
-                <a:cubicBezTo>
-                  <a:pt x="326810" y="24508"/>
-                  <a:pt x="329492" y="26716"/>
-                  <a:pt x="332014" y="29028"/>
-                </a:cubicBezTo>
-                <a:cubicBezTo>
-                  <a:pt x="344604" y="40569"/>
-                  <a:pt x="343362" y="39352"/>
-                  <a:pt x="353786" y="47171"/>
-                </a:cubicBezTo>
-                <a:cubicBezTo>
-                  <a:pt x="354995" y="48985"/>
-                  <a:pt x="356018" y="50939"/>
-                  <a:pt x="357414" y="52614"/>
-                </a:cubicBezTo>
-                <a:cubicBezTo>
-                  <a:pt x="361779" y="57853"/>
-                  <a:pt x="362948" y="58118"/>
-                  <a:pt x="368300" y="61685"/>
-                </a:cubicBezTo>
-                <a:cubicBezTo>
-                  <a:pt x="370114" y="64104"/>
-                  <a:pt x="371985" y="66482"/>
-                  <a:pt x="373743" y="68943"/>
-                </a:cubicBezTo>
-                <a:cubicBezTo>
-                  <a:pt x="375010" y="70717"/>
-                  <a:pt x="375830" y="72843"/>
-                  <a:pt x="377372" y="74385"/>
-                </a:cubicBezTo>
-                <a:cubicBezTo>
-                  <a:pt x="378914" y="75927"/>
-                  <a:pt x="381272" y="76472"/>
-                  <a:pt x="382814" y="78014"/>
-                </a:cubicBezTo>
-                <a:cubicBezTo>
-                  <a:pt x="396396" y="91597"/>
-                  <a:pt x="377116" y="80090"/>
-                  <a:pt x="400957" y="97971"/>
-                </a:cubicBezTo>
-                <a:cubicBezTo>
-                  <a:pt x="403376" y="99785"/>
-                  <a:pt x="405737" y="101680"/>
-                  <a:pt x="408214" y="103414"/>
-                </a:cubicBezTo>
-                <a:cubicBezTo>
-                  <a:pt x="411787" y="105915"/>
-                  <a:pt x="416016" y="107587"/>
-                  <a:pt x="419100" y="110671"/>
-                </a:cubicBezTo>
-                <a:cubicBezTo>
-                  <a:pt x="423371" y="114942"/>
-                  <a:pt x="429642" y="121924"/>
-                  <a:pt x="435429" y="123371"/>
-                </a:cubicBezTo>
-                <a:lnTo>
-                  <a:pt x="442686" y="125185"/>
-                </a:lnTo>
-                <a:cubicBezTo>
-                  <a:pt x="444500" y="126999"/>
-                  <a:pt x="445994" y="129205"/>
-                  <a:pt x="448129" y="130628"/>
-                </a:cubicBezTo>
-                <a:cubicBezTo>
-                  <a:pt x="449720" y="131689"/>
-                  <a:pt x="452112" y="131208"/>
-                  <a:pt x="453572" y="132443"/>
-                </a:cubicBezTo>
-                <a:cubicBezTo>
-                  <a:pt x="479684" y="154538"/>
-                  <a:pt x="464521" y="143101"/>
-                  <a:pt x="477157" y="157843"/>
-                </a:cubicBezTo>
-                <a:cubicBezTo>
-                  <a:pt x="478827" y="159791"/>
-                  <a:pt x="480911" y="161354"/>
-                  <a:pt x="482600" y="163285"/>
-                </a:cubicBezTo>
-                <a:cubicBezTo>
-                  <a:pt x="485150" y="166199"/>
-                  <a:pt x="487307" y="169443"/>
-                  <a:pt x="489857" y="172357"/>
-                </a:cubicBezTo>
-                <a:cubicBezTo>
-                  <a:pt x="491547" y="174288"/>
-                  <a:pt x="493725" y="175775"/>
-                  <a:pt x="495300" y="177800"/>
-                </a:cubicBezTo>
-                <a:cubicBezTo>
-                  <a:pt x="497977" y="181242"/>
-                  <a:pt x="499940" y="185196"/>
-                  <a:pt x="502557" y="188685"/>
-                </a:cubicBezTo>
-                <a:cubicBezTo>
-                  <a:pt x="505391" y="192464"/>
-                  <a:pt x="508851" y="195751"/>
-                  <a:pt x="511629" y="199571"/>
-                </a:cubicBezTo>
-                <a:cubicBezTo>
-                  <a:pt x="513703" y="202423"/>
-                  <a:pt x="514907" y="205859"/>
-                  <a:pt x="517072" y="208643"/>
-                </a:cubicBezTo>
-                <a:cubicBezTo>
-                  <a:pt x="521810" y="214735"/>
-                  <a:pt x="524070" y="215728"/>
-                  <a:pt x="529772" y="219528"/>
-                </a:cubicBezTo>
-                <a:cubicBezTo>
-                  <a:pt x="537967" y="235919"/>
-                  <a:pt x="527613" y="216292"/>
-                  <a:pt x="544286" y="241300"/>
-                </a:cubicBezTo>
-                <a:lnTo>
-                  <a:pt x="551543" y="252185"/>
-                </a:lnTo>
-                <a:cubicBezTo>
-                  <a:pt x="552148" y="253999"/>
-                  <a:pt x="552502" y="255917"/>
-                  <a:pt x="553357" y="257628"/>
-                </a:cubicBezTo>
-                <a:cubicBezTo>
-                  <a:pt x="554332" y="259578"/>
-                  <a:pt x="556147" y="261058"/>
-                  <a:pt x="556986" y="263071"/>
-                </a:cubicBezTo>
-                <a:cubicBezTo>
-                  <a:pt x="559193" y="268367"/>
-                  <a:pt x="562429" y="279400"/>
-                  <a:pt x="562429" y="279400"/>
-                </a:cubicBezTo>
-                <a:cubicBezTo>
-                  <a:pt x="563034" y="292705"/>
-                  <a:pt x="563327" y="306027"/>
-                  <a:pt x="564243" y="319314"/>
-                </a:cubicBezTo>
-                <a:cubicBezTo>
-                  <a:pt x="564537" y="323580"/>
-                  <a:pt x="564932" y="327888"/>
-                  <a:pt x="566057" y="332014"/>
-                </a:cubicBezTo>
-                <a:cubicBezTo>
-                  <a:pt x="566769" y="334623"/>
-                  <a:pt x="568476" y="336852"/>
-                  <a:pt x="569686" y="339271"/>
-                </a:cubicBezTo>
-                <a:cubicBezTo>
-                  <a:pt x="571043" y="348769"/>
-                  <a:pt x="571638" y="353641"/>
-                  <a:pt x="573314" y="362857"/>
-                </a:cubicBezTo>
-                <a:cubicBezTo>
-                  <a:pt x="578386" y="390750"/>
-                  <a:pt x="571597" y="350735"/>
-                  <a:pt x="576943" y="382814"/>
-                </a:cubicBezTo>
-                <a:cubicBezTo>
-                  <a:pt x="580487" y="432443"/>
-                  <a:pt x="580621" y="423502"/>
-                  <a:pt x="576943" y="500743"/>
-                </a:cubicBezTo>
-                <a:cubicBezTo>
-                  <a:pt x="576593" y="508092"/>
-                  <a:pt x="574126" y="515202"/>
-                  <a:pt x="573314" y="522514"/>
-                </a:cubicBezTo>
-                <a:cubicBezTo>
-                  <a:pt x="572709" y="527957"/>
-                  <a:pt x="572452" y="533450"/>
-                  <a:pt x="571500" y="538843"/>
-                </a:cubicBezTo>
-                <a:cubicBezTo>
-                  <a:pt x="570234" y="546018"/>
-                  <a:pt x="567666" y="555583"/>
-                  <a:pt x="564243" y="562428"/>
-                </a:cubicBezTo>
-                <a:cubicBezTo>
-                  <a:pt x="563268" y="564378"/>
-                  <a:pt x="561824" y="566057"/>
-                  <a:pt x="560614" y="567871"/>
-                </a:cubicBezTo>
-                <a:cubicBezTo>
-                  <a:pt x="559134" y="572312"/>
-                  <a:pt x="557974" y="576648"/>
-                  <a:pt x="555172" y="580571"/>
-                </a:cubicBezTo>
-                <a:cubicBezTo>
-                  <a:pt x="553681" y="582659"/>
-                  <a:pt x="551220" y="583926"/>
-                  <a:pt x="549729" y="586014"/>
-                </a:cubicBezTo>
-                <a:cubicBezTo>
-                  <a:pt x="548157" y="588215"/>
-                  <a:pt x="547414" y="590907"/>
-                  <a:pt x="546100" y="593271"/>
-                </a:cubicBezTo>
-                <a:cubicBezTo>
-                  <a:pt x="544387" y="596354"/>
-                  <a:pt x="542526" y="599352"/>
-                  <a:pt x="540657" y="602343"/>
-                </a:cubicBezTo>
-                <a:cubicBezTo>
-                  <a:pt x="539502" y="604192"/>
-                  <a:pt x="538004" y="605835"/>
-                  <a:pt x="537029" y="607785"/>
-                </a:cubicBezTo>
-                <a:cubicBezTo>
-                  <a:pt x="536174" y="609496"/>
-                  <a:pt x="535717" y="611383"/>
-                  <a:pt x="535214" y="613228"/>
-                </a:cubicBezTo>
-                <a:cubicBezTo>
-                  <a:pt x="533902" y="618039"/>
-                  <a:pt x="533163" y="623012"/>
-                  <a:pt x="531586" y="627743"/>
-                </a:cubicBezTo>
-                <a:cubicBezTo>
-                  <a:pt x="530981" y="629557"/>
-                  <a:pt x="530735" y="631533"/>
-                  <a:pt x="529772" y="633185"/>
-                </a:cubicBezTo>
-                <a:cubicBezTo>
-                  <a:pt x="526476" y="638836"/>
-                  <a:pt x="521463" y="643501"/>
-                  <a:pt x="518886" y="649514"/>
-                </a:cubicBezTo>
-                <a:cubicBezTo>
-                  <a:pt x="516912" y="654119"/>
-                  <a:pt x="508926" y="673440"/>
-                  <a:pt x="506186" y="676728"/>
-                </a:cubicBezTo>
-                <a:cubicBezTo>
-                  <a:pt x="503394" y="680078"/>
-                  <a:pt x="499040" y="681741"/>
-                  <a:pt x="495300" y="683985"/>
-                </a:cubicBezTo>
-                <a:cubicBezTo>
-                  <a:pt x="485823" y="689672"/>
-                  <a:pt x="484980" y="687927"/>
-                  <a:pt x="471714" y="691243"/>
-                </a:cubicBezTo>
-                <a:cubicBezTo>
-                  <a:pt x="467443" y="692311"/>
-                  <a:pt x="463247" y="693662"/>
-                  <a:pt x="459014" y="694871"/>
-                </a:cubicBezTo>
-                <a:cubicBezTo>
-                  <a:pt x="435355" y="712616"/>
-                  <a:pt x="464843" y="690708"/>
-                  <a:pt x="446314" y="703943"/>
-                </a:cubicBezTo>
-                <a:cubicBezTo>
-                  <a:pt x="445389" y="704604"/>
-                  <a:pt x="435748" y="712099"/>
-                  <a:pt x="433614" y="713014"/>
-                </a:cubicBezTo>
-                <a:cubicBezTo>
-                  <a:pt x="431322" y="713996"/>
-                  <a:pt x="428776" y="714223"/>
-                  <a:pt x="426357" y="714828"/>
-                </a:cubicBezTo>
-                <a:cubicBezTo>
-                  <a:pt x="423483" y="719139"/>
-                  <a:pt x="420665" y="723586"/>
-                  <a:pt x="417286" y="727528"/>
-                </a:cubicBezTo>
-                <a:cubicBezTo>
-                  <a:pt x="415616" y="729476"/>
-                  <a:pt x="413548" y="731053"/>
-                  <a:pt x="411843" y="732971"/>
-                </a:cubicBezTo>
-                <a:cubicBezTo>
-                  <a:pt x="408705" y="736501"/>
-                  <a:pt x="406112" y="740517"/>
-                  <a:pt x="402772" y="743857"/>
-                </a:cubicBezTo>
-                <a:cubicBezTo>
-                  <a:pt x="401230" y="745399"/>
-                  <a:pt x="398871" y="745943"/>
-                  <a:pt x="397329" y="747485"/>
-                </a:cubicBezTo>
-                <a:cubicBezTo>
-                  <a:pt x="393989" y="750825"/>
-                  <a:pt x="391597" y="755031"/>
-                  <a:pt x="388257" y="758371"/>
-                </a:cubicBezTo>
-                <a:cubicBezTo>
-                  <a:pt x="377718" y="768910"/>
-                  <a:pt x="378500" y="767786"/>
-                  <a:pt x="368300" y="772885"/>
-                </a:cubicBezTo>
-                <a:cubicBezTo>
-                  <a:pt x="365881" y="775304"/>
-                  <a:pt x="363780" y="778090"/>
-                  <a:pt x="361043" y="780143"/>
-                </a:cubicBezTo>
-                <a:cubicBezTo>
-                  <a:pt x="358879" y="781766"/>
-                  <a:pt x="355839" y="782011"/>
-                  <a:pt x="353786" y="783771"/>
-                </a:cubicBezTo>
-                <a:cubicBezTo>
-                  <a:pt x="347292" y="789337"/>
-                  <a:pt x="342759" y="797170"/>
-                  <a:pt x="335643" y="801914"/>
-                </a:cubicBezTo>
-                <a:cubicBezTo>
-                  <a:pt x="329349" y="806111"/>
-                  <a:pt x="326435" y="807539"/>
-                  <a:pt x="321129" y="814614"/>
-                </a:cubicBezTo>
-                <a:cubicBezTo>
-                  <a:pt x="318567" y="818030"/>
-                  <a:pt x="312956" y="830799"/>
-                  <a:pt x="308429" y="834571"/>
-                </a:cubicBezTo>
-                <a:cubicBezTo>
-                  <a:pt x="306960" y="835795"/>
-                  <a:pt x="304800" y="835780"/>
-                  <a:pt x="302986" y="836385"/>
-                </a:cubicBezTo>
-                <a:cubicBezTo>
-                  <a:pt x="301776" y="838199"/>
-                  <a:pt x="301032" y="840432"/>
-                  <a:pt x="299357" y="841828"/>
-                </a:cubicBezTo>
-                <a:cubicBezTo>
-                  <a:pt x="293690" y="846550"/>
-                  <a:pt x="292332" y="844434"/>
-                  <a:pt x="286657" y="847271"/>
-                </a:cubicBezTo>
-                <a:cubicBezTo>
-                  <a:pt x="270963" y="855118"/>
-                  <a:pt x="284178" y="851066"/>
-                  <a:pt x="270329" y="854528"/>
-                </a:cubicBezTo>
-                <a:cubicBezTo>
-                  <a:pt x="264000" y="857693"/>
-                  <a:pt x="260958" y="859466"/>
-                  <a:pt x="254000" y="861785"/>
-                </a:cubicBezTo>
-                <a:cubicBezTo>
-                  <a:pt x="251634" y="862574"/>
-                  <a:pt x="249035" y="862618"/>
-                  <a:pt x="246743" y="863600"/>
-                </a:cubicBezTo>
-                <a:cubicBezTo>
-                  <a:pt x="242078" y="865600"/>
-                  <a:pt x="226983" y="874267"/>
-                  <a:pt x="219529" y="876300"/>
-                </a:cubicBezTo>
-                <a:cubicBezTo>
-                  <a:pt x="215980" y="877268"/>
-                  <a:pt x="212272" y="877509"/>
-                  <a:pt x="208643" y="878114"/>
-                </a:cubicBezTo>
-                <a:cubicBezTo>
-                  <a:pt x="174695" y="892664"/>
-                  <a:pt x="210674" y="878042"/>
-                  <a:pt x="188686" y="885371"/>
-                </a:cubicBezTo>
-                <a:cubicBezTo>
-                  <a:pt x="185596" y="886401"/>
-                  <a:pt x="182808" y="888361"/>
-                  <a:pt x="179614" y="889000"/>
-                </a:cubicBezTo>
-                <a:cubicBezTo>
-                  <a:pt x="173655" y="890192"/>
-                  <a:pt x="167519" y="890209"/>
-                  <a:pt x="161472" y="890814"/>
-                </a:cubicBezTo>
-                <a:cubicBezTo>
-                  <a:pt x="156029" y="892628"/>
-                  <a:pt x="150709" y="894866"/>
-                  <a:pt x="145143" y="896257"/>
-                </a:cubicBezTo>
-                <a:cubicBezTo>
-                  <a:pt x="142724" y="896862"/>
-                  <a:pt x="140274" y="897355"/>
-                  <a:pt x="137886" y="898071"/>
-                </a:cubicBezTo>
-                <a:cubicBezTo>
-                  <a:pt x="137878" y="898073"/>
-                  <a:pt x="116122" y="905327"/>
-                  <a:pt x="116114" y="905328"/>
-                </a:cubicBezTo>
-                <a:cubicBezTo>
-                  <a:pt x="96801" y="908088"/>
-                  <a:pt x="107673" y="906756"/>
-                  <a:pt x="83457" y="908957"/>
-                </a:cubicBezTo>
-                <a:cubicBezTo>
-                  <a:pt x="81038" y="909562"/>
-                  <a:pt x="78660" y="910361"/>
-                  <a:pt x="76200" y="910771"/>
-                </a:cubicBezTo>
-                <a:cubicBezTo>
-                  <a:pt x="69548" y="911879"/>
-                  <a:pt x="59558" y="912317"/>
-                  <a:pt x="52614" y="914400"/>
-                </a:cubicBezTo>
-                <a:cubicBezTo>
-                  <a:pt x="49495" y="915336"/>
-                  <a:pt x="46662" y="917092"/>
-                  <a:pt x="43543" y="918028"/>
-                </a:cubicBezTo>
-                <a:cubicBezTo>
-                  <a:pt x="40589" y="918914"/>
-                  <a:pt x="37506" y="919291"/>
-                  <a:pt x="34472" y="919843"/>
-                </a:cubicBezTo>
-                <a:cubicBezTo>
-                  <a:pt x="8854" y="924501"/>
-                  <a:pt x="36993" y="918976"/>
-                  <a:pt x="14514" y="923471"/>
-                </a:cubicBezTo>
-                <a:cubicBezTo>
-                  <a:pt x="12700" y="924681"/>
-                  <a:pt x="11114" y="926334"/>
-                  <a:pt x="9072" y="927100"/>
-                </a:cubicBezTo>
-                <a:cubicBezTo>
-                  <a:pt x="6185" y="928183"/>
-                  <a:pt x="0" y="928914"/>
-                  <a:pt x="0" y="928914"/>
-                </a:cubicBezTo>
-                <a:lnTo>
-                  <a:pt x="302986" y="0"/>
-                </a:lnTo>
-                <a:close/>
-              </a:path>
-            </a:pathLst>
-          </a:custGeom>
-          <a:solidFill>
-            <a:srgbClr val="FF0909">
-              <a:alpha val="50196"/>
-            </a:srgbClr>
-          </a:solidFill>
-          <a:ln>
-            <a:noFill/>
-          </a:ln>
-        </p:spPr>
-        <p:style>
-          <a:lnRef idx="2">
-            <a:schemeClr val="accent1">
-              <a:shade val="50000"/>
-            </a:schemeClr>
-          </a:lnRef>
-          <a:fillRef idx="1">
-            <a:schemeClr val="accent1"/>
-          </a:fillRef>
-          <a:effectRef idx="0">
-            <a:schemeClr val="accent1"/>
-          </a:effectRef>
-          <a:fontRef idx="minor">
-            <a:schemeClr val="lt1"/>
-          </a:fontRef>
-        </p:style>
-        <p:txBody>
-          <a:bodyPr rtlCol="1" anchor="ctr"/>
-          <a:lstStyle/>
-          <a:p>
-            <a:pPr algn="ctr"/>
-            <a:endParaRPr lang="he-IL"/>
-          </a:p>
-        </p:txBody>
-      </p:sp>
       <p:sp>
         <p:nvSpPr>
           <p:cNvPr id="177" name="TextBox 176">
@@ -25189,10 +23992,18 @@
           <a:p>
             <a:pPr algn="ctr"/>
             <a:r>
-              <a:rPr lang="en-US" sz="1050" dirty="0"/>
+              <a:rPr lang="en-US" sz="1050" dirty="0">
+                <a:solidFill>
+                  <a:schemeClr val="bg1"/>
+                </a:solidFill>
+              </a:rPr>
               <a:t>- AUC</a:t>
             </a:r>
-            <a:endParaRPr lang="he-IL" sz="1050" dirty="0"/>
+            <a:endParaRPr lang="he-IL" sz="1050" dirty="0">
+              <a:solidFill>
+                <a:schemeClr val="bg1"/>
+              </a:solidFill>
+            </a:endParaRPr>
           </a:p>
         </p:txBody>
       </p:sp>
@@ -26301,86 +25112,6 @@
       </p:cxnSp>
       <p:sp>
         <p:nvSpPr>
-          <p:cNvPr id="217" name="TextBox 216">
-            <a:extLst>
-              <a:ext uri="{FF2B5EF4-FFF2-40B4-BE49-F238E27FC236}">
-                <a16:creationId xmlns:a16="http://schemas.microsoft.com/office/drawing/2014/main" id="{4AD8513C-9DE7-4C72-BE52-F5BC42C38028}"/>
-              </a:ext>
-            </a:extLst>
-          </p:cNvPr>
-          <p:cNvSpPr txBox="1"/>
-          <p:nvPr/>
-        </p:nvSpPr>
-        <p:spPr>
-          <a:xfrm>
-            <a:off x="-30206" y="1478656"/>
-            <a:ext cx="739073" cy="646331"/>
-          </a:xfrm>
-          <a:prstGeom prst="rect">
-            <a:avLst/>
-          </a:prstGeom>
-          <a:noFill/>
-        </p:spPr>
-        <p:txBody>
-          <a:bodyPr wrap="square" rtlCol="1">
-            <a:spAutoFit/>
-          </a:bodyPr>
-          <a:lstStyle/>
-          <a:p>
-            <a:pPr algn="ctr"/>
-            <a:r>
-              <a:rPr lang="en-US" dirty="0"/>
-              <a:t>Z</a:t>
-            </a:r>
-          </a:p>
-          <a:p>
-            <a:pPr algn="ctr"/>
-            <a:r>
-              <a:rPr lang="en-US" dirty="0"/>
-              <a:t>index</a:t>
-            </a:r>
-            <a:endParaRPr lang="he-IL" dirty="0"/>
-          </a:p>
-        </p:txBody>
-      </p:sp>
-      <p:sp>
-        <p:nvSpPr>
-          <p:cNvPr id="218" name="TextBox 217">
-            <a:extLst>
-              <a:ext uri="{FF2B5EF4-FFF2-40B4-BE49-F238E27FC236}">
-                <a16:creationId xmlns:a16="http://schemas.microsoft.com/office/drawing/2014/main" id="{E10130DD-B29A-4479-8341-6A5A69D2049E}"/>
-              </a:ext>
-            </a:extLst>
-          </p:cNvPr>
-          <p:cNvSpPr txBox="1"/>
-          <p:nvPr/>
-        </p:nvSpPr>
-        <p:spPr>
-          <a:xfrm>
-            <a:off x="1564545" y="3084282"/>
-            <a:ext cx="914400" cy="369332"/>
-          </a:xfrm>
-          <a:prstGeom prst="rect">
-            <a:avLst/>
-          </a:prstGeom>
-          <a:noFill/>
-        </p:spPr>
-        <p:txBody>
-          <a:bodyPr wrap="square" rtlCol="1">
-            <a:spAutoFit/>
-          </a:bodyPr>
-          <a:lstStyle/>
-          <a:p>
-            <a:r>
-              <a:rPr lang="en-US" dirty="0"/>
-              <a:t>X pos</a:t>
-            </a:r>
-            <a:endParaRPr lang="he-IL" dirty="0"/>
-          </a:p>
-        </p:txBody>
-      </p:sp>
-      <p:sp>
-        <p:nvSpPr>
           <p:cNvPr id="219" name="Rectangle: Rounded Corners 218">
             <a:extLst>
               <a:ext uri="{FF2B5EF4-FFF2-40B4-BE49-F238E27FC236}">
@@ -26496,7 +25227,13 @@
           <a:prstGeom prst="line">
             <a:avLst/>
           </a:prstGeom>
-          <a:ln w="19050"/>
+          <a:ln w="38100">
+            <a:solidFill>
+              <a:schemeClr val="accent3">
+                <a:lumMod val="75000"/>
+              </a:schemeClr>
+            </a:solidFill>
+          </a:ln>
         </p:spPr>
         <p:style>
           <a:lnRef idx="1">
@@ -26543,7 +25280,11 @@
           <a:p>
             <a:pPr algn="ctr"/>
             <a:r>
-              <a:rPr lang="en-US" sz="1050" dirty="0"/>
+              <a:rPr lang="en-US" sz="1050" dirty="0">
+                <a:solidFill>
+                  <a:schemeClr val="bg1"/>
+                </a:solidFill>
+              </a:rPr>
               <a:t>+ AUC</a:t>
             </a:r>
           </a:p>
@@ -26580,7 +25321,7 @@
             <a:r>
               <a:rPr lang="en-US" sz="1400" dirty="0">
                 <a:solidFill>
-                  <a:srgbClr val="5B84CB"/>
+                  <a:srgbClr val="7C7C7C"/>
                 </a:solidFill>
               </a:rPr>
               <a:t>Optimal path</a:t>
@@ -26603,8 +25344,8 @@
           </a:p>
         </p:txBody>
       </p:sp>
-      <mc:AlternateContent xmlns:mc="http://schemas.openxmlformats.org/markup-compatibility/2006" xmlns:p14="http://schemas.microsoft.com/office/powerpoint/2010/main">
-        <mc:Choice Requires="p14">
+      <mc:AlternateContent xmlns:mc="http://schemas.openxmlformats.org/markup-compatibility/2006">
+        <mc:Choice xmlns:p14="http://schemas.microsoft.com/office/powerpoint/2010/main" Requires="p14">
           <p:contentPart p14:bwMode="auto" r:id="rId6">
             <p14:nvContentPartPr>
               <p14:cNvPr id="224" name="Ink 223">
@@ -26623,7 +25364,7 @@
             </p14:xfrm>
           </p:contentPart>
         </mc:Choice>
-        <mc:Fallback xmlns="">
+        <mc:Fallback>
           <p:pic>
             <p:nvPicPr>
               <p:cNvPr id="224" name="Ink 223">
@@ -26644,8 +25385,8 @@
             </p:blipFill>
             <p:spPr>
               <a:xfrm>
-                <a:off x="1789439" y="916799"/>
-                <a:ext cx="1137960" cy="2032920"/>
+                <a:off x="1779365" y="906719"/>
+                <a:ext cx="1158108" cy="2053080"/>
               </a:xfrm>
               <a:prstGeom prst="rect">
                 <a:avLst/>
@@ -26668,10 +25409,10 @@
         </p:nvGrpSpPr>
         <p:grpSpPr>
           <a:xfrm>
-            <a:off x="372158" y="4113943"/>
-            <a:ext cx="2591781" cy="2751756"/>
-            <a:chOff x="2289308" y="35068868"/>
-            <a:chExt cx="6443081" cy="6840779"/>
+            <a:off x="708203" y="4113941"/>
+            <a:ext cx="2255735" cy="2314876"/>
+            <a:chOff x="3124706" y="35068868"/>
+            <a:chExt cx="5607683" cy="5754710"/>
           </a:xfrm>
         </p:grpSpPr>
         <p:sp>
@@ -28216,9 +26957,7 @@
               </a:pathLst>
             </a:custGeom>
             <a:solidFill>
-              <a:srgbClr val="CEA963">
-                <a:alpha val="27059"/>
-              </a:srgbClr>
+              <a:srgbClr val="FF9393"/>
             </a:solidFill>
             <a:ln>
               <a:noFill/>
@@ -28335,80 +27074,6 @@
             </a:fontRef>
           </p:style>
         </p:cxnSp>
-        <p:sp>
-          <p:nvSpPr>
-            <p:cNvPr id="231" name="TextBox 230">
-              <a:extLst>
-                <a:ext uri="{FF2B5EF4-FFF2-40B4-BE49-F238E27FC236}">
-                  <a16:creationId xmlns:a16="http://schemas.microsoft.com/office/drawing/2014/main" id="{4BACF564-4B72-42D4-A0FA-AB21F46289E6}"/>
-                </a:ext>
-              </a:extLst>
-            </p:cNvPr>
-            <p:cNvSpPr txBox="1"/>
-            <p:nvPr/>
-          </p:nvSpPr>
-          <p:spPr>
-            <a:xfrm>
-              <a:off x="2289308" y="37625925"/>
-              <a:ext cx="681222" cy="1147685"/>
-            </a:xfrm>
-            <a:prstGeom prst="rect">
-              <a:avLst/>
-            </a:prstGeom>
-            <a:noFill/>
-          </p:spPr>
-          <p:txBody>
-            <a:bodyPr wrap="square" rtlCol="1">
-              <a:spAutoFit/>
-            </a:bodyPr>
-            <a:lstStyle/>
-            <a:p>
-              <a:pPr algn="ctr"/>
-              <a:r>
-                <a:rPr lang="en-US" sz="2400" dirty="0"/>
-                <a:t>Z</a:t>
-              </a:r>
-              <a:endParaRPr lang="he-IL" sz="2400" dirty="0"/>
-            </a:p>
-          </p:txBody>
-        </p:sp>
-        <p:sp>
-          <p:nvSpPr>
-            <p:cNvPr id="232" name="TextBox 231">
-              <a:extLst>
-                <a:ext uri="{FF2B5EF4-FFF2-40B4-BE49-F238E27FC236}">
-                  <a16:creationId xmlns:a16="http://schemas.microsoft.com/office/drawing/2014/main" id="{071C9348-DABB-4BDF-A067-878F75133F5E}"/>
-                </a:ext>
-              </a:extLst>
-            </p:cNvPr>
-            <p:cNvSpPr txBox="1"/>
-            <p:nvPr/>
-          </p:nvSpPr>
-          <p:spPr>
-            <a:xfrm>
-              <a:off x="5036299" y="40761962"/>
-              <a:ext cx="2289279" cy="1147685"/>
-            </a:xfrm>
-            <a:prstGeom prst="rect">
-              <a:avLst/>
-            </a:prstGeom>
-            <a:noFill/>
-          </p:spPr>
-          <p:txBody>
-            <a:bodyPr wrap="square" rtlCol="1">
-              <a:spAutoFit/>
-            </a:bodyPr>
-            <a:lstStyle/>
-            <a:p>
-              <a:pPr algn="ctr"/>
-              <a:r>
-                <a:rPr lang="en-US" sz="2400" dirty="0"/>
-                <a:t>X</a:t>
-              </a:r>
-              <a:endParaRPr lang="he-IL" sz="2400" dirty="0"/>
-            </a:p>
-          </p:txBody>
-        </p:sp>
         <p:sp>
           <p:nvSpPr>
             <p:cNvPr id="233" name="Freeform: Shape 232">
@@ -28730,9 +27395,7 @@
             <a:noFill/>
             <a:ln w="76200">
               <a:solidFill>
-                <a:schemeClr val="accent4">
-                  <a:lumMod val="75000"/>
-                </a:schemeClr>
+                <a:srgbClr val="AE0E1D"/>
               </a:solidFill>
             </a:ln>
           </p:spPr>
@@ -29212,9 +27875,7 @@
             <a:noFill/>
             <a:ln w="76200">
               <a:solidFill>
-                <a:schemeClr val="accent2">
-                  <a:lumMod val="75000"/>
-                </a:schemeClr>
+                <a:srgbClr val="E71224"/>
               </a:solidFill>
             </a:ln>
           </p:spPr>
@@ -29308,8 +27969,8 @@
           </p:nvSpPr>
           <p:spPr>
             <a:xfrm>
-              <a:off x="5197429" y="35964791"/>
-              <a:ext cx="1836965" cy="1147685"/>
+              <a:off x="5120289" y="35954820"/>
+              <a:ext cx="2031130" cy="1453733"/>
             </a:xfrm>
             <a:prstGeom prst="rect">
               <a:avLst/>
@@ -29324,8 +27985,12 @@
             <a:p>
               <a:pPr algn="ctr"/>
               <a:r>
-                <a:rPr lang="en-US" sz="2400" dirty="0"/>
-                <a:t>RA</a:t>
+                <a:rPr lang="en-US" sz="1600" dirty="0">
+                  <a:solidFill>
+                    <a:schemeClr val="bg1"/>
+                  </a:solidFill>
+                </a:rPr>
+                <a:t>Reach Area</a:t>
               </a:r>
             </a:p>
           </p:txBody>
@@ -29362,7 +28027,7 @@
             <a:r>
               <a:rPr lang="en-US" sz="1400" dirty="0">
                 <a:solidFill>
-                  <a:srgbClr val="BF9000"/>
+                  <a:srgbClr val="AE0E1D"/>
                 </a:solidFill>
               </a:rPr>
               <a:t>Average Left</a:t>
@@ -29372,14 +28037,14 @@
             <a:r>
               <a:rPr lang="en-US" sz="1400" dirty="0">
                 <a:solidFill>
-                  <a:srgbClr val="C55A11"/>
+                  <a:srgbClr val="E71224"/>
                 </a:solidFill>
               </a:rPr>
               <a:t>Average right</a:t>
             </a:r>
             <a:endParaRPr lang="he-IL" sz="1400" dirty="0">
               <a:solidFill>
-                <a:srgbClr val="C55A11"/>
+                <a:srgbClr val="E71224"/>
               </a:solidFill>
             </a:endParaRPr>
           </a:p>
@@ -29471,86 +28136,6 @@
           </a:fontRef>
         </p:style>
       </p:cxnSp>
-      <p:sp>
-        <p:nvSpPr>
-          <p:cNvPr id="270" name="TextBox 269">
-            <a:extLst>
-              <a:ext uri="{FF2B5EF4-FFF2-40B4-BE49-F238E27FC236}">
-                <a16:creationId xmlns:a16="http://schemas.microsoft.com/office/drawing/2014/main" id="{AAB870C7-05F5-4F21-A81E-EE1989EEC110}"/>
-              </a:ext>
-            </a:extLst>
-          </p:cNvPr>
-          <p:cNvSpPr txBox="1"/>
-          <p:nvPr/>
-        </p:nvSpPr>
-        <p:spPr>
-          <a:xfrm>
-            <a:off x="3832235" y="5043407"/>
-            <a:ext cx="739074" cy="646331"/>
-          </a:xfrm>
-          <a:prstGeom prst="rect">
-            <a:avLst/>
-          </a:prstGeom>
-          <a:noFill/>
-        </p:spPr>
-        <p:txBody>
-          <a:bodyPr wrap="square" rtlCol="1">
-            <a:spAutoFit/>
-          </a:bodyPr>
-          <a:lstStyle/>
-          <a:p>
-            <a:pPr algn="ctr"/>
-            <a:r>
-              <a:rPr lang="en-US" dirty="0"/>
-              <a:t>Z</a:t>
-            </a:r>
-          </a:p>
-          <a:p>
-            <a:pPr algn="ctr"/>
-            <a:r>
-              <a:rPr lang="en-US" dirty="0"/>
-              <a:t>index</a:t>
-            </a:r>
-            <a:endParaRPr lang="he-IL" dirty="0"/>
-          </a:p>
-        </p:txBody>
-      </p:sp>
-      <p:sp>
-        <p:nvSpPr>
-          <p:cNvPr id="271" name="TextBox 270">
-            <a:extLst>
-              <a:ext uri="{FF2B5EF4-FFF2-40B4-BE49-F238E27FC236}">
-                <a16:creationId xmlns:a16="http://schemas.microsoft.com/office/drawing/2014/main" id="{36B757CF-B2B2-45C2-9D20-D29E9A7D2965}"/>
-              </a:ext>
-            </a:extLst>
-          </p:cNvPr>
-          <p:cNvSpPr txBox="1"/>
-          <p:nvPr/>
-        </p:nvSpPr>
-        <p:spPr>
-          <a:xfrm>
-            <a:off x="5426986" y="6528259"/>
-            <a:ext cx="914400" cy="369332"/>
-          </a:xfrm>
-          <a:prstGeom prst="rect">
-            <a:avLst/>
-          </a:prstGeom>
-          <a:noFill/>
-        </p:spPr>
-        <p:txBody>
-          <a:bodyPr wrap="square" rtlCol="1">
-            <a:spAutoFit/>
-          </a:bodyPr>
-          <a:lstStyle/>
-          <a:p>
-            <a:r>
-              <a:rPr lang="en-US" dirty="0"/>
-              <a:t>X pos</a:t>
-            </a:r>
-            <a:endParaRPr lang="he-IL" dirty="0"/>
-          </a:p>
-        </p:txBody>
-      </p:sp>
       <p:sp>
         <p:nvSpPr>
           <p:cNvPr id="272" name="Rectangle: Rounded Corners 271">
@@ -30986,6 +29571,1745 @@
               <a:t>3</a:t>
             </a:r>
             <a:endParaRPr lang="he-IL" sz="1050" dirty="0"/>
+          </a:p>
+        </p:txBody>
+      </p:sp>
+      <p:sp>
+        <p:nvSpPr>
+          <p:cNvPr id="175" name="TextBox 174">
+            <a:extLst>
+              <a:ext uri="{FF2B5EF4-FFF2-40B4-BE49-F238E27FC236}">
+                <a16:creationId xmlns:a16="http://schemas.microsoft.com/office/drawing/2014/main" id="{B0A192B0-E73F-43E8-9D54-DF74D088C20F}"/>
+              </a:ext>
+            </a:extLst>
+          </p:cNvPr>
+          <p:cNvSpPr txBox="1"/>
+          <p:nvPr/>
+        </p:nvSpPr>
+        <p:spPr>
+          <a:xfrm>
+            <a:off x="5319034" y="2141554"/>
+            <a:ext cx="585516" cy="261610"/>
+          </a:xfrm>
+          <a:prstGeom prst="rect">
+            <a:avLst/>
+          </a:prstGeom>
+          <a:noFill/>
+        </p:spPr>
+        <p:txBody>
+          <a:bodyPr wrap="square" rtlCol="1">
+            <a:spAutoFit/>
+          </a:bodyPr>
+          <a:lstStyle/>
+          <a:p>
+            <a:pPr algn="ctr"/>
+            <a:r>
+              <a:rPr lang="en-US" sz="1050" dirty="0">
+                <a:solidFill>
+                  <a:schemeClr val="bg1"/>
+                </a:solidFill>
+              </a:rPr>
+              <a:t>+ AUC</a:t>
+            </a:r>
+          </a:p>
+        </p:txBody>
+      </p:sp>
+      <p:sp>
+        <p:nvSpPr>
+          <p:cNvPr id="71" name="TextBox 70">
+            <a:extLst>
+              <a:ext uri="{FF2B5EF4-FFF2-40B4-BE49-F238E27FC236}">
+                <a16:creationId xmlns:a16="http://schemas.microsoft.com/office/drawing/2014/main" id="{85F0D839-BFA1-4786-A41D-13168D1678D4}"/>
+              </a:ext>
+            </a:extLst>
+          </p:cNvPr>
+          <p:cNvSpPr txBox="1"/>
+          <p:nvPr/>
+        </p:nvSpPr>
+        <p:spPr>
+          <a:xfrm rot="16200000">
+            <a:off x="-267227" y="1548712"/>
+            <a:ext cx="1411850" cy="584775"/>
+          </a:xfrm>
+          <a:prstGeom prst="rect">
+            <a:avLst/>
+          </a:prstGeom>
+          <a:noFill/>
+        </p:spPr>
+        <p:txBody>
+          <a:bodyPr wrap="square" rtlCol="1">
+            <a:spAutoFit/>
+          </a:bodyPr>
+          <a:lstStyle/>
+          <a:p>
+            <a:pPr algn="ctr"/>
+            <a:r>
+              <a:rPr lang="en-US" sz="1600" dirty="0"/>
+              <a:t>Proportion</a:t>
+            </a:r>
+          </a:p>
+          <a:p>
+            <a:pPr algn="ctr"/>
+            <a:r>
+              <a:rPr lang="en-US" sz="1600" dirty="0"/>
+              <a:t>Of Z traveled</a:t>
+            </a:r>
+            <a:endParaRPr lang="he-IL" sz="1600" dirty="0"/>
+          </a:p>
+        </p:txBody>
+      </p:sp>
+      <p:sp>
+        <p:nvSpPr>
+          <p:cNvPr id="72" name="TextBox 71">
+            <a:extLst>
+              <a:ext uri="{FF2B5EF4-FFF2-40B4-BE49-F238E27FC236}">
+                <a16:creationId xmlns:a16="http://schemas.microsoft.com/office/drawing/2014/main" id="{95B78899-C1EA-4F54-83E5-48174808D83C}"/>
+              </a:ext>
+            </a:extLst>
+          </p:cNvPr>
+          <p:cNvSpPr txBox="1"/>
+          <p:nvPr/>
+        </p:nvSpPr>
+        <p:spPr>
+          <a:xfrm>
+            <a:off x="1415379" y="2987212"/>
+            <a:ext cx="1125812" cy="338554"/>
+          </a:xfrm>
+          <a:prstGeom prst="rect">
+            <a:avLst/>
+          </a:prstGeom>
+          <a:noFill/>
+        </p:spPr>
+        <p:txBody>
+          <a:bodyPr wrap="square" rtlCol="1">
+            <a:spAutoFit/>
+          </a:bodyPr>
+          <a:lstStyle/>
+          <a:p>
+            <a:pPr algn="ctr"/>
+            <a:r>
+              <a:rPr lang="en-US" sz="1600" dirty="0"/>
+              <a:t>X</a:t>
+            </a:r>
+            <a:endParaRPr lang="he-IL" sz="1600" dirty="0"/>
+          </a:p>
+        </p:txBody>
+      </p:sp>
+      <p:sp>
+        <p:nvSpPr>
+          <p:cNvPr id="73" name="TextBox 72">
+            <a:extLst>
+              <a:ext uri="{FF2B5EF4-FFF2-40B4-BE49-F238E27FC236}">
+                <a16:creationId xmlns:a16="http://schemas.microsoft.com/office/drawing/2014/main" id="{0F5A51D4-37F7-45CD-8BE6-D269E5C4DC5E}"/>
+              </a:ext>
+            </a:extLst>
+          </p:cNvPr>
+          <p:cNvSpPr txBox="1"/>
+          <p:nvPr/>
+        </p:nvSpPr>
+        <p:spPr>
+          <a:xfrm rot="16200000">
+            <a:off x="-335223" y="5006826"/>
+            <a:ext cx="1411850" cy="584775"/>
+          </a:xfrm>
+          <a:prstGeom prst="rect">
+            <a:avLst/>
+          </a:prstGeom>
+          <a:noFill/>
+        </p:spPr>
+        <p:txBody>
+          <a:bodyPr wrap="square" rtlCol="1">
+            <a:spAutoFit/>
+          </a:bodyPr>
+          <a:lstStyle/>
+          <a:p>
+            <a:pPr algn="ctr"/>
+            <a:r>
+              <a:rPr lang="en-US" sz="1600" dirty="0"/>
+              <a:t>Proportion</a:t>
+            </a:r>
+          </a:p>
+          <a:p>
+            <a:pPr algn="ctr"/>
+            <a:r>
+              <a:rPr lang="en-US" sz="1600" dirty="0"/>
+              <a:t>Of Z traveled</a:t>
+            </a:r>
+            <a:endParaRPr lang="he-IL" sz="1600" dirty="0"/>
+          </a:p>
+        </p:txBody>
+      </p:sp>
+      <p:sp>
+        <p:nvSpPr>
+          <p:cNvPr id="74" name="TextBox 73">
+            <a:extLst>
+              <a:ext uri="{FF2B5EF4-FFF2-40B4-BE49-F238E27FC236}">
+                <a16:creationId xmlns:a16="http://schemas.microsoft.com/office/drawing/2014/main" id="{C5085EA4-3906-4582-92BA-6DA913942A94}"/>
+              </a:ext>
+            </a:extLst>
+          </p:cNvPr>
+          <p:cNvSpPr txBox="1"/>
+          <p:nvPr/>
+        </p:nvSpPr>
+        <p:spPr>
+          <a:xfrm>
+            <a:off x="1347383" y="6445326"/>
+            <a:ext cx="1125812" cy="338554"/>
+          </a:xfrm>
+          <a:prstGeom prst="rect">
+            <a:avLst/>
+          </a:prstGeom>
+          <a:noFill/>
+        </p:spPr>
+        <p:txBody>
+          <a:bodyPr wrap="square" rtlCol="1">
+            <a:spAutoFit/>
+          </a:bodyPr>
+          <a:lstStyle/>
+          <a:p>
+            <a:pPr algn="ctr"/>
+            <a:r>
+              <a:rPr lang="en-US" sz="1600" dirty="0"/>
+              <a:t>X</a:t>
+            </a:r>
+            <a:endParaRPr lang="he-IL" sz="1600" dirty="0"/>
+          </a:p>
+        </p:txBody>
+      </p:sp>
+      <p:sp>
+        <p:nvSpPr>
+          <p:cNvPr id="75" name="TextBox 74">
+            <a:extLst>
+              <a:ext uri="{FF2B5EF4-FFF2-40B4-BE49-F238E27FC236}">
+                <a16:creationId xmlns:a16="http://schemas.microsoft.com/office/drawing/2014/main" id="{AA3161FF-C6EC-4871-8F55-D663B8F3229F}"/>
+              </a:ext>
+            </a:extLst>
+          </p:cNvPr>
+          <p:cNvSpPr txBox="1"/>
+          <p:nvPr/>
+        </p:nvSpPr>
+        <p:spPr>
+          <a:xfrm rot="16200000">
+            <a:off x="3588473" y="4982002"/>
+            <a:ext cx="1411850" cy="584775"/>
+          </a:xfrm>
+          <a:prstGeom prst="rect">
+            <a:avLst/>
+          </a:prstGeom>
+          <a:noFill/>
+        </p:spPr>
+        <p:txBody>
+          <a:bodyPr wrap="square" rtlCol="1">
+            <a:spAutoFit/>
+          </a:bodyPr>
+          <a:lstStyle/>
+          <a:p>
+            <a:pPr algn="ctr"/>
+            <a:r>
+              <a:rPr lang="en-US" sz="1600" dirty="0"/>
+              <a:t>Proportion</a:t>
+            </a:r>
+          </a:p>
+          <a:p>
+            <a:pPr algn="ctr"/>
+            <a:r>
+              <a:rPr lang="en-US" sz="1600" dirty="0"/>
+              <a:t>Of Z traveled</a:t>
+            </a:r>
+            <a:endParaRPr lang="he-IL" sz="1600" dirty="0"/>
+          </a:p>
+        </p:txBody>
+      </p:sp>
+      <p:sp>
+        <p:nvSpPr>
+          <p:cNvPr id="76" name="TextBox 75">
+            <a:extLst>
+              <a:ext uri="{FF2B5EF4-FFF2-40B4-BE49-F238E27FC236}">
+                <a16:creationId xmlns:a16="http://schemas.microsoft.com/office/drawing/2014/main" id="{11BB0E72-D057-4DDA-9927-8DE461E3E41D}"/>
+              </a:ext>
+            </a:extLst>
+          </p:cNvPr>
+          <p:cNvSpPr txBox="1"/>
+          <p:nvPr/>
+        </p:nvSpPr>
+        <p:spPr>
+          <a:xfrm>
+            <a:off x="5271079" y="6420502"/>
+            <a:ext cx="1125812" cy="338554"/>
+          </a:xfrm>
+          <a:prstGeom prst="rect">
+            <a:avLst/>
+          </a:prstGeom>
+          <a:noFill/>
+        </p:spPr>
+        <p:txBody>
+          <a:bodyPr wrap="square" rtlCol="1">
+            <a:spAutoFit/>
+          </a:bodyPr>
+          <a:lstStyle/>
+          <a:p>
+            <a:pPr algn="ctr"/>
+            <a:r>
+              <a:rPr lang="en-US" sz="1600" dirty="0"/>
+              <a:t>X</a:t>
+            </a:r>
+            <a:endParaRPr lang="he-IL" sz="1600" dirty="0"/>
+          </a:p>
+        </p:txBody>
+      </p:sp>
+      <p:sp>
+        <p:nvSpPr>
+          <p:cNvPr id="77" name="TextBox 76">
+            <a:extLst>
+              <a:ext uri="{FF2B5EF4-FFF2-40B4-BE49-F238E27FC236}">
+                <a16:creationId xmlns:a16="http://schemas.microsoft.com/office/drawing/2014/main" id="{11763726-BF73-486E-9F79-7549BE303D6D}"/>
+              </a:ext>
+            </a:extLst>
+          </p:cNvPr>
+          <p:cNvSpPr txBox="1"/>
+          <p:nvPr/>
+        </p:nvSpPr>
+        <p:spPr>
+          <a:xfrm rot="16200000">
+            <a:off x="7135972" y="5011083"/>
+            <a:ext cx="1411850" cy="584775"/>
+          </a:xfrm>
+          <a:prstGeom prst="rect">
+            <a:avLst/>
+          </a:prstGeom>
+          <a:noFill/>
+        </p:spPr>
+        <p:txBody>
+          <a:bodyPr wrap="square" rtlCol="1">
+            <a:spAutoFit/>
+          </a:bodyPr>
+          <a:lstStyle/>
+          <a:p>
+            <a:pPr algn="ctr"/>
+            <a:r>
+              <a:rPr lang="en-US" sz="1600" dirty="0"/>
+              <a:t>Proportion</a:t>
+            </a:r>
+          </a:p>
+          <a:p>
+            <a:pPr algn="ctr"/>
+            <a:r>
+              <a:rPr lang="en-US" sz="1600" dirty="0"/>
+              <a:t>Of Z traveled</a:t>
+            </a:r>
+            <a:endParaRPr lang="he-IL" sz="1600" dirty="0"/>
+          </a:p>
+        </p:txBody>
+      </p:sp>
+      <p:sp>
+        <p:nvSpPr>
+          <p:cNvPr id="78" name="TextBox 77">
+            <a:extLst>
+              <a:ext uri="{FF2B5EF4-FFF2-40B4-BE49-F238E27FC236}">
+                <a16:creationId xmlns:a16="http://schemas.microsoft.com/office/drawing/2014/main" id="{CF062D79-B80C-4BE2-8E7C-32E303F40B9A}"/>
+              </a:ext>
+            </a:extLst>
+          </p:cNvPr>
+          <p:cNvSpPr txBox="1"/>
+          <p:nvPr/>
+        </p:nvSpPr>
+        <p:spPr>
+          <a:xfrm>
+            <a:off x="8818578" y="6449583"/>
+            <a:ext cx="1125812" cy="338554"/>
+          </a:xfrm>
+          <a:prstGeom prst="rect">
+            <a:avLst/>
+          </a:prstGeom>
+          <a:noFill/>
+        </p:spPr>
+        <p:txBody>
+          <a:bodyPr wrap="square" rtlCol="1">
+            <a:spAutoFit/>
+          </a:bodyPr>
+          <a:lstStyle/>
+          <a:p>
+            <a:pPr algn="ctr"/>
+            <a:r>
+              <a:rPr lang="en-US" sz="1600" dirty="0"/>
+              <a:t>X</a:t>
+            </a:r>
+            <a:endParaRPr lang="he-IL" sz="1600" dirty="0"/>
+          </a:p>
+        </p:txBody>
+      </p:sp>
+      <p:cxnSp>
+        <p:nvCxnSpPr>
+          <p:cNvPr id="10" name="Straight Arrow Connector 9">
+            <a:extLst>
+              <a:ext uri="{FF2B5EF4-FFF2-40B4-BE49-F238E27FC236}">
+                <a16:creationId xmlns:a16="http://schemas.microsoft.com/office/drawing/2014/main" id="{C2507711-81AC-4A4E-AEAA-A09D5A5AE77C}"/>
+              </a:ext>
+            </a:extLst>
+          </p:cNvPr>
+          <p:cNvCxnSpPr>
+            <a:cxnSpLocks/>
+          </p:cNvCxnSpPr>
+          <p:nvPr/>
+        </p:nvCxnSpPr>
+        <p:spPr>
+          <a:xfrm flipH="1" flipV="1">
+            <a:off x="9488302" y="5049755"/>
+            <a:ext cx="259762" cy="88302"/>
+          </a:xfrm>
+          <a:prstGeom prst="straightConnector1">
+            <a:avLst/>
+          </a:prstGeom>
+          <a:ln w="38100">
+            <a:solidFill>
+              <a:schemeClr val="tx1"/>
+            </a:solidFill>
+            <a:tailEnd type="triangle"/>
+          </a:ln>
+        </p:spPr>
+        <p:style>
+          <a:lnRef idx="1">
+            <a:schemeClr val="accent1"/>
+          </a:lnRef>
+          <a:fillRef idx="0">
+            <a:schemeClr val="accent1"/>
+          </a:fillRef>
+          <a:effectRef idx="0">
+            <a:schemeClr val="accent1"/>
+          </a:effectRef>
+          <a:fontRef idx="minor">
+            <a:schemeClr val="tx1"/>
+          </a:fontRef>
+        </p:style>
+      </p:cxnSp>
+      <p:cxnSp>
+        <p:nvCxnSpPr>
+          <p:cNvPr id="13" name="Straight Connector 12">
+            <a:extLst>
+              <a:ext uri="{FF2B5EF4-FFF2-40B4-BE49-F238E27FC236}">
+                <a16:creationId xmlns:a16="http://schemas.microsoft.com/office/drawing/2014/main" id="{9C72AE8A-164E-4251-8A31-FB91E6847EC2}"/>
+              </a:ext>
+            </a:extLst>
+          </p:cNvPr>
+          <p:cNvCxnSpPr/>
+          <p:nvPr/>
+        </p:nvCxnSpPr>
+        <p:spPr>
+          <a:xfrm flipV="1">
+            <a:off x="9728750" y="5080818"/>
+            <a:ext cx="34580" cy="116418"/>
+          </a:xfrm>
+          <a:prstGeom prst="line">
+            <a:avLst/>
+          </a:prstGeom>
+          <a:ln w="38100">
+            <a:solidFill>
+              <a:schemeClr val="tx1"/>
+            </a:solidFill>
+          </a:ln>
+        </p:spPr>
+        <p:style>
+          <a:lnRef idx="1">
+            <a:schemeClr val="accent1"/>
+          </a:lnRef>
+          <a:fillRef idx="0">
+            <a:schemeClr val="accent1"/>
+          </a:fillRef>
+          <a:effectRef idx="0">
+            <a:schemeClr val="accent1"/>
+          </a:effectRef>
+          <a:fontRef idx="minor">
+            <a:schemeClr val="tx1"/>
+          </a:fontRef>
+        </p:style>
+      </p:cxnSp>
+      <p:cxnSp>
+        <p:nvCxnSpPr>
+          <p:cNvPr id="85" name="Straight Connector 84">
+            <a:extLst>
+              <a:ext uri="{FF2B5EF4-FFF2-40B4-BE49-F238E27FC236}">
+                <a16:creationId xmlns:a16="http://schemas.microsoft.com/office/drawing/2014/main" id="{ED396DF6-D4DE-4396-A284-42A2F434D3AB}"/>
+              </a:ext>
+            </a:extLst>
+          </p:cNvPr>
+          <p:cNvCxnSpPr>
+            <a:cxnSpLocks/>
+          </p:cNvCxnSpPr>
+          <p:nvPr/>
+        </p:nvCxnSpPr>
+        <p:spPr>
+          <a:xfrm>
+            <a:off x="8340820" y="2808718"/>
+            <a:ext cx="2239861" cy="0"/>
+          </a:xfrm>
+          <a:prstGeom prst="line">
+            <a:avLst/>
+          </a:prstGeom>
+          <a:ln w="38100">
+            <a:solidFill>
+              <a:schemeClr val="tx1"/>
+            </a:solidFill>
+          </a:ln>
+        </p:spPr>
+        <p:style>
+          <a:lnRef idx="1">
+            <a:schemeClr val="accent1"/>
+          </a:lnRef>
+          <a:fillRef idx="0">
+            <a:schemeClr val="accent1"/>
+          </a:fillRef>
+          <a:effectRef idx="0">
+            <a:schemeClr val="accent1"/>
+          </a:effectRef>
+          <a:fontRef idx="minor">
+            <a:schemeClr val="tx1"/>
+          </a:fontRef>
+        </p:style>
+      </p:cxnSp>
+      <p:cxnSp>
+        <p:nvCxnSpPr>
+          <p:cNvPr id="86" name="Straight Connector 85">
+            <a:extLst>
+              <a:ext uri="{FF2B5EF4-FFF2-40B4-BE49-F238E27FC236}">
+                <a16:creationId xmlns:a16="http://schemas.microsoft.com/office/drawing/2014/main" id="{F1DDC109-9BEC-4EDE-B638-78EAD395D499}"/>
+              </a:ext>
+            </a:extLst>
+          </p:cNvPr>
+          <p:cNvCxnSpPr>
+            <a:cxnSpLocks/>
+          </p:cNvCxnSpPr>
+          <p:nvPr/>
+        </p:nvCxnSpPr>
+        <p:spPr>
+          <a:xfrm flipV="1">
+            <a:off x="8340820" y="585635"/>
+            <a:ext cx="0" cy="2223084"/>
+          </a:xfrm>
+          <a:prstGeom prst="line">
+            <a:avLst/>
+          </a:prstGeom>
+          <a:ln w="38100">
+            <a:solidFill>
+              <a:schemeClr val="tx1"/>
+            </a:solidFill>
+          </a:ln>
+        </p:spPr>
+        <p:style>
+          <a:lnRef idx="1">
+            <a:schemeClr val="accent1"/>
+          </a:lnRef>
+          <a:fillRef idx="0">
+            <a:schemeClr val="accent1"/>
+          </a:fillRef>
+          <a:effectRef idx="0">
+            <a:schemeClr val="accent1"/>
+          </a:effectRef>
+          <a:fontRef idx="minor">
+            <a:schemeClr val="tx1"/>
+          </a:fontRef>
+        </p:style>
+      </p:cxnSp>
+      <p:sp>
+        <p:nvSpPr>
+          <p:cNvPr id="87" name="Rectangle: Rounded Corners 86">
+            <a:extLst>
+              <a:ext uri="{FF2B5EF4-FFF2-40B4-BE49-F238E27FC236}">
+                <a16:creationId xmlns:a16="http://schemas.microsoft.com/office/drawing/2014/main" id="{CAF98021-E509-471D-91BF-77A60C08D30A}"/>
+              </a:ext>
+            </a:extLst>
+          </p:cNvPr>
+          <p:cNvSpPr/>
+          <p:nvPr/>
+        </p:nvSpPr>
+        <p:spPr>
+          <a:xfrm>
+            <a:off x="8475044" y="510134"/>
+            <a:ext cx="2105636" cy="377498"/>
+          </a:xfrm>
+          <a:prstGeom prst="roundRect">
+            <a:avLst/>
+          </a:prstGeom>
+        </p:spPr>
+        <p:style>
+          <a:lnRef idx="2">
+            <a:schemeClr val="accent1">
+              <a:shade val="50000"/>
+            </a:schemeClr>
+          </a:lnRef>
+          <a:fillRef idx="1">
+            <a:schemeClr val="accent1"/>
+          </a:fillRef>
+          <a:effectRef idx="0">
+            <a:schemeClr val="accent1"/>
+          </a:effectRef>
+          <a:fontRef idx="minor">
+            <a:schemeClr val="lt1"/>
+          </a:fontRef>
+        </p:style>
+        <p:txBody>
+          <a:bodyPr rtlCol="1" anchor="ctr"/>
+          <a:lstStyle/>
+          <a:p>
+            <a:pPr algn="ctr"/>
+            <a:r>
+              <a:rPr lang="en-US" dirty="0"/>
+              <a:t>Screen</a:t>
+            </a:r>
+            <a:endParaRPr lang="he-IL" dirty="0"/>
+          </a:p>
+        </p:txBody>
+      </p:sp>
+      <p:sp>
+        <p:nvSpPr>
+          <p:cNvPr id="91" name="Oval 90">
+            <a:extLst>
+              <a:ext uri="{FF2B5EF4-FFF2-40B4-BE49-F238E27FC236}">
+                <a16:creationId xmlns:a16="http://schemas.microsoft.com/office/drawing/2014/main" id="{7841484D-D4AB-4670-AEB2-813DE9A7BB8D}"/>
+              </a:ext>
+            </a:extLst>
+          </p:cNvPr>
+          <p:cNvSpPr/>
+          <p:nvPr/>
+        </p:nvSpPr>
+        <p:spPr>
+          <a:xfrm>
+            <a:off x="8996711" y="2221122"/>
+            <a:ext cx="91746" cy="80409"/>
+          </a:xfrm>
+          <a:prstGeom prst="ellipse">
+            <a:avLst/>
+          </a:prstGeom>
+          <a:solidFill>
+            <a:srgbClr val="C00000"/>
+          </a:solidFill>
+          <a:ln w="19050">
+            <a:solidFill>
+              <a:schemeClr val="tx1"/>
+            </a:solidFill>
+          </a:ln>
+        </p:spPr>
+        <p:style>
+          <a:lnRef idx="2">
+            <a:schemeClr val="accent1">
+              <a:shade val="50000"/>
+            </a:schemeClr>
+          </a:lnRef>
+          <a:fillRef idx="1">
+            <a:schemeClr val="accent1"/>
+          </a:fillRef>
+          <a:effectRef idx="0">
+            <a:schemeClr val="accent1"/>
+          </a:effectRef>
+          <a:fontRef idx="minor">
+            <a:schemeClr val="lt1"/>
+          </a:fontRef>
+        </p:style>
+        <p:txBody>
+          <a:bodyPr rtlCol="1" anchor="ctr"/>
+          <a:lstStyle/>
+          <a:p>
+            <a:pPr algn="ctr"/>
+            <a:endParaRPr lang="he-IL"/>
+          </a:p>
+        </p:txBody>
+      </p:sp>
+      <p:sp>
+        <p:nvSpPr>
+          <p:cNvPr id="92" name="Oval 91">
+            <a:extLst>
+              <a:ext uri="{FF2B5EF4-FFF2-40B4-BE49-F238E27FC236}">
+                <a16:creationId xmlns:a16="http://schemas.microsoft.com/office/drawing/2014/main" id="{4485C07C-BFB0-4C3C-AC80-ECC36C7B15CB}"/>
+              </a:ext>
+            </a:extLst>
+          </p:cNvPr>
+          <p:cNvSpPr/>
+          <p:nvPr/>
+        </p:nvSpPr>
+        <p:spPr>
+          <a:xfrm>
+            <a:off x="9457380" y="2732923"/>
+            <a:ext cx="91746" cy="80409"/>
+          </a:xfrm>
+          <a:prstGeom prst="ellipse">
+            <a:avLst/>
+          </a:prstGeom>
+          <a:solidFill>
+            <a:srgbClr val="C00000"/>
+          </a:solidFill>
+          <a:ln w="19050">
+            <a:solidFill>
+              <a:schemeClr val="tx1"/>
+            </a:solidFill>
+          </a:ln>
+        </p:spPr>
+        <p:style>
+          <a:lnRef idx="2">
+            <a:schemeClr val="accent1">
+              <a:shade val="50000"/>
+            </a:schemeClr>
+          </a:lnRef>
+          <a:fillRef idx="1">
+            <a:schemeClr val="accent1"/>
+          </a:fillRef>
+          <a:effectRef idx="0">
+            <a:schemeClr val="accent1"/>
+          </a:effectRef>
+          <a:fontRef idx="minor">
+            <a:schemeClr val="lt1"/>
+          </a:fontRef>
+        </p:style>
+        <p:txBody>
+          <a:bodyPr rtlCol="1" anchor="ctr"/>
+          <a:lstStyle/>
+          <a:p>
+            <a:pPr algn="ctr"/>
+            <a:endParaRPr lang="he-IL"/>
+          </a:p>
+        </p:txBody>
+      </p:sp>
+      <p:sp>
+        <p:nvSpPr>
+          <p:cNvPr id="104" name="TextBox 103">
+            <a:extLst>
+              <a:ext uri="{FF2B5EF4-FFF2-40B4-BE49-F238E27FC236}">
+                <a16:creationId xmlns:a16="http://schemas.microsoft.com/office/drawing/2014/main" id="{13431DA2-C75C-438F-8230-35CF9352FAB8}"/>
+              </a:ext>
+            </a:extLst>
+          </p:cNvPr>
+          <p:cNvSpPr txBox="1"/>
+          <p:nvPr/>
+        </p:nvSpPr>
+        <p:spPr>
+          <a:xfrm rot="16200000">
+            <a:off x="7320906" y="1381173"/>
+            <a:ext cx="1411850" cy="584775"/>
+          </a:xfrm>
+          <a:prstGeom prst="rect">
+            <a:avLst/>
+          </a:prstGeom>
+          <a:noFill/>
+        </p:spPr>
+        <p:txBody>
+          <a:bodyPr wrap="square" rtlCol="1">
+            <a:spAutoFit/>
+          </a:bodyPr>
+          <a:lstStyle/>
+          <a:p>
+            <a:pPr algn="ctr"/>
+            <a:r>
+              <a:rPr lang="en-US" sz="1600" dirty="0"/>
+              <a:t>Proportion</a:t>
+            </a:r>
+          </a:p>
+          <a:p>
+            <a:pPr algn="ctr"/>
+            <a:r>
+              <a:rPr lang="en-US" sz="1600" dirty="0"/>
+              <a:t>Of Z traveled</a:t>
+            </a:r>
+            <a:endParaRPr lang="he-IL" sz="1600" dirty="0"/>
+          </a:p>
+        </p:txBody>
+      </p:sp>
+      <p:sp>
+        <p:nvSpPr>
+          <p:cNvPr id="105" name="TextBox 104">
+            <a:extLst>
+              <a:ext uri="{FF2B5EF4-FFF2-40B4-BE49-F238E27FC236}">
+                <a16:creationId xmlns:a16="http://schemas.microsoft.com/office/drawing/2014/main" id="{5F420A9C-5106-48AD-AF34-925BD9BD2FEE}"/>
+              </a:ext>
+            </a:extLst>
+          </p:cNvPr>
+          <p:cNvSpPr txBox="1"/>
+          <p:nvPr/>
+        </p:nvSpPr>
+        <p:spPr>
+          <a:xfrm>
+            <a:off x="8973479" y="2822601"/>
+            <a:ext cx="1125812" cy="338554"/>
+          </a:xfrm>
+          <a:prstGeom prst="rect">
+            <a:avLst/>
+          </a:prstGeom>
+          <a:noFill/>
+        </p:spPr>
+        <p:txBody>
+          <a:bodyPr wrap="square" rtlCol="1">
+            <a:spAutoFit/>
+          </a:bodyPr>
+          <a:lstStyle/>
+          <a:p>
+            <a:pPr algn="ctr"/>
+            <a:r>
+              <a:rPr lang="en-US" sz="1600" dirty="0"/>
+              <a:t>X</a:t>
+            </a:r>
+            <a:endParaRPr lang="he-IL" sz="1600" dirty="0"/>
+          </a:p>
+        </p:txBody>
+      </p:sp>
+      <p:sp>
+        <p:nvSpPr>
+          <p:cNvPr id="106" name="Oval 105">
+            <a:extLst>
+              <a:ext uri="{FF2B5EF4-FFF2-40B4-BE49-F238E27FC236}">
+                <a16:creationId xmlns:a16="http://schemas.microsoft.com/office/drawing/2014/main" id="{7D1995AF-7C12-4446-A6BE-6C8BAA042B78}"/>
+              </a:ext>
+            </a:extLst>
+          </p:cNvPr>
+          <p:cNvSpPr/>
+          <p:nvPr/>
+        </p:nvSpPr>
+        <p:spPr>
+          <a:xfrm>
+            <a:off x="8923429" y="1835602"/>
+            <a:ext cx="91746" cy="80409"/>
+          </a:xfrm>
+          <a:prstGeom prst="ellipse">
+            <a:avLst/>
+          </a:prstGeom>
+          <a:solidFill>
+            <a:srgbClr val="C00000"/>
+          </a:solidFill>
+          <a:ln w="19050">
+            <a:solidFill>
+              <a:schemeClr val="tx1"/>
+            </a:solidFill>
+          </a:ln>
+        </p:spPr>
+        <p:style>
+          <a:lnRef idx="2">
+            <a:schemeClr val="accent1">
+              <a:shade val="50000"/>
+            </a:schemeClr>
+          </a:lnRef>
+          <a:fillRef idx="1">
+            <a:schemeClr val="accent1"/>
+          </a:fillRef>
+          <a:effectRef idx="0">
+            <a:schemeClr val="accent1"/>
+          </a:effectRef>
+          <a:fontRef idx="minor">
+            <a:schemeClr val="lt1"/>
+          </a:fontRef>
+        </p:style>
+        <p:txBody>
+          <a:bodyPr rtlCol="1" anchor="ctr"/>
+          <a:lstStyle/>
+          <a:p>
+            <a:pPr algn="ctr"/>
+            <a:endParaRPr lang="he-IL"/>
+          </a:p>
+        </p:txBody>
+      </p:sp>
+      <p:sp>
+        <p:nvSpPr>
+          <p:cNvPr id="111" name="Oval 110">
+            <a:extLst>
+              <a:ext uri="{FF2B5EF4-FFF2-40B4-BE49-F238E27FC236}">
+                <a16:creationId xmlns:a16="http://schemas.microsoft.com/office/drawing/2014/main" id="{358319B7-751A-4DD9-B91F-8372FDC1DB98}"/>
+              </a:ext>
+            </a:extLst>
+          </p:cNvPr>
+          <p:cNvSpPr/>
+          <p:nvPr/>
+        </p:nvSpPr>
+        <p:spPr>
+          <a:xfrm>
+            <a:off x="9213707" y="2528031"/>
+            <a:ext cx="91746" cy="80409"/>
+          </a:xfrm>
+          <a:prstGeom prst="ellipse">
+            <a:avLst/>
+          </a:prstGeom>
+          <a:solidFill>
+            <a:srgbClr val="C00000"/>
+          </a:solidFill>
+          <a:ln w="19050">
+            <a:solidFill>
+              <a:schemeClr val="tx1"/>
+            </a:solidFill>
+          </a:ln>
+        </p:spPr>
+        <p:style>
+          <a:lnRef idx="2">
+            <a:schemeClr val="accent1">
+              <a:shade val="50000"/>
+            </a:schemeClr>
+          </a:lnRef>
+          <a:fillRef idx="1">
+            <a:schemeClr val="accent1"/>
+          </a:fillRef>
+          <a:effectRef idx="0">
+            <a:schemeClr val="accent1"/>
+          </a:effectRef>
+          <a:fontRef idx="minor">
+            <a:schemeClr val="lt1"/>
+          </a:fontRef>
+        </p:style>
+        <p:txBody>
+          <a:bodyPr rtlCol="1" anchor="ctr"/>
+          <a:lstStyle/>
+          <a:p>
+            <a:pPr algn="ctr"/>
+            <a:endParaRPr lang="he-IL"/>
+          </a:p>
+        </p:txBody>
+      </p:sp>
+      <p:cxnSp>
+        <p:nvCxnSpPr>
+          <p:cNvPr id="117" name="Straight Arrow Connector 116">
+            <a:extLst>
+              <a:ext uri="{FF2B5EF4-FFF2-40B4-BE49-F238E27FC236}">
+                <a16:creationId xmlns:a16="http://schemas.microsoft.com/office/drawing/2014/main" id="{AA401F07-9957-44F0-979B-F3CA1D252CB2}"/>
+              </a:ext>
+            </a:extLst>
+          </p:cNvPr>
+          <p:cNvCxnSpPr>
+            <a:cxnSpLocks/>
+            <a:stCxn id="91" idx="5"/>
+            <a:endCxn id="111" idx="1"/>
+          </p:cNvCxnSpPr>
+          <p:nvPr/>
+        </p:nvCxnSpPr>
+        <p:spPr>
+          <a:xfrm>
+            <a:off x="9075021" y="2289755"/>
+            <a:ext cx="152122" cy="250052"/>
+          </a:xfrm>
+          <a:prstGeom prst="straightConnector1">
+            <a:avLst/>
+          </a:prstGeom>
+          <a:ln w="28575">
+            <a:solidFill>
+              <a:srgbClr val="7C7C7C"/>
+            </a:solidFill>
+            <a:headEnd type="triangle"/>
+            <a:tailEnd type="triangle"/>
+          </a:ln>
+        </p:spPr>
+        <p:style>
+          <a:lnRef idx="1">
+            <a:schemeClr val="accent1"/>
+          </a:lnRef>
+          <a:fillRef idx="0">
+            <a:schemeClr val="accent1"/>
+          </a:fillRef>
+          <a:effectRef idx="0">
+            <a:schemeClr val="accent1"/>
+          </a:effectRef>
+          <a:fontRef idx="minor">
+            <a:schemeClr val="tx1"/>
+          </a:fontRef>
+        </p:style>
+      </p:cxnSp>
+      <p:cxnSp>
+        <p:nvCxnSpPr>
+          <p:cNvPr id="121" name="Straight Arrow Connector 120">
+            <a:extLst>
+              <a:ext uri="{FF2B5EF4-FFF2-40B4-BE49-F238E27FC236}">
+                <a16:creationId xmlns:a16="http://schemas.microsoft.com/office/drawing/2014/main" id="{F19BFF15-C449-4089-A776-77AF71A3C969}"/>
+              </a:ext>
+            </a:extLst>
+          </p:cNvPr>
+          <p:cNvCxnSpPr>
+            <a:cxnSpLocks/>
+            <a:stCxn id="106" idx="4"/>
+            <a:endCxn id="91" idx="0"/>
+          </p:cNvCxnSpPr>
+          <p:nvPr/>
+        </p:nvCxnSpPr>
+        <p:spPr>
+          <a:xfrm>
+            <a:off x="8969302" y="1916011"/>
+            <a:ext cx="73282" cy="305111"/>
+          </a:xfrm>
+          <a:prstGeom prst="straightConnector1">
+            <a:avLst/>
+          </a:prstGeom>
+          <a:ln w="28575">
+            <a:solidFill>
+              <a:srgbClr val="7C7C7C"/>
+            </a:solidFill>
+            <a:headEnd type="triangle"/>
+            <a:tailEnd type="triangle"/>
+          </a:ln>
+        </p:spPr>
+        <p:style>
+          <a:lnRef idx="1">
+            <a:schemeClr val="accent1"/>
+          </a:lnRef>
+          <a:fillRef idx="0">
+            <a:schemeClr val="accent1"/>
+          </a:fillRef>
+          <a:effectRef idx="0">
+            <a:schemeClr val="accent1"/>
+          </a:effectRef>
+          <a:fontRef idx="minor">
+            <a:schemeClr val="tx1"/>
+          </a:fontRef>
+        </p:style>
+      </p:cxnSp>
+      <p:sp>
+        <p:nvSpPr>
+          <p:cNvPr id="127" name="Oval 126">
+            <a:extLst>
+              <a:ext uri="{FF2B5EF4-FFF2-40B4-BE49-F238E27FC236}">
+                <a16:creationId xmlns:a16="http://schemas.microsoft.com/office/drawing/2014/main" id="{18CE358D-603F-4CC8-88BA-99A4A90AAAC6}"/>
+              </a:ext>
+            </a:extLst>
+          </p:cNvPr>
+          <p:cNvSpPr/>
+          <p:nvPr/>
+        </p:nvSpPr>
+        <p:spPr>
+          <a:xfrm>
+            <a:off x="9027478" y="1549387"/>
+            <a:ext cx="91746" cy="80409"/>
+          </a:xfrm>
+          <a:prstGeom prst="ellipse">
+            <a:avLst/>
+          </a:prstGeom>
+          <a:solidFill>
+            <a:srgbClr val="C00000"/>
+          </a:solidFill>
+          <a:ln w="19050">
+            <a:solidFill>
+              <a:schemeClr val="tx1"/>
+            </a:solidFill>
+          </a:ln>
+        </p:spPr>
+        <p:style>
+          <a:lnRef idx="2">
+            <a:schemeClr val="accent1">
+              <a:shade val="50000"/>
+            </a:schemeClr>
+          </a:lnRef>
+          <a:fillRef idx="1">
+            <a:schemeClr val="accent1"/>
+          </a:fillRef>
+          <a:effectRef idx="0">
+            <a:schemeClr val="accent1"/>
+          </a:effectRef>
+          <a:fontRef idx="minor">
+            <a:schemeClr val="lt1"/>
+          </a:fontRef>
+        </p:style>
+        <p:txBody>
+          <a:bodyPr rtlCol="1" anchor="ctr"/>
+          <a:lstStyle/>
+          <a:p>
+            <a:pPr algn="ctr"/>
+            <a:endParaRPr lang="he-IL"/>
+          </a:p>
+        </p:txBody>
+      </p:sp>
+      <p:cxnSp>
+        <p:nvCxnSpPr>
+          <p:cNvPr id="128" name="Straight Arrow Connector 127">
+            <a:extLst>
+              <a:ext uri="{FF2B5EF4-FFF2-40B4-BE49-F238E27FC236}">
+                <a16:creationId xmlns:a16="http://schemas.microsoft.com/office/drawing/2014/main" id="{F640DAFC-E16E-434B-99B2-DDA78A42FB7A}"/>
+              </a:ext>
+            </a:extLst>
+          </p:cNvPr>
+          <p:cNvCxnSpPr>
+            <a:cxnSpLocks/>
+            <a:stCxn id="127" idx="3"/>
+            <a:endCxn id="106" idx="0"/>
+          </p:cNvCxnSpPr>
+          <p:nvPr/>
+        </p:nvCxnSpPr>
+        <p:spPr>
+          <a:xfrm flipH="1">
+            <a:off x="8969302" y="1618020"/>
+            <a:ext cx="71612" cy="217582"/>
+          </a:xfrm>
+          <a:prstGeom prst="straightConnector1">
+            <a:avLst/>
+          </a:prstGeom>
+          <a:ln w="28575">
+            <a:solidFill>
+              <a:srgbClr val="7C7C7C"/>
+            </a:solidFill>
+            <a:headEnd type="triangle"/>
+            <a:tailEnd type="triangle"/>
+          </a:ln>
+        </p:spPr>
+        <p:style>
+          <a:lnRef idx="1">
+            <a:schemeClr val="accent1"/>
+          </a:lnRef>
+          <a:fillRef idx="0">
+            <a:schemeClr val="accent1"/>
+          </a:fillRef>
+          <a:effectRef idx="0">
+            <a:schemeClr val="accent1"/>
+          </a:effectRef>
+          <a:fontRef idx="minor">
+            <a:schemeClr val="tx1"/>
+          </a:fontRef>
+        </p:style>
+      </p:cxnSp>
+      <p:sp>
+        <p:nvSpPr>
+          <p:cNvPr id="129" name="Oval 128">
+            <a:extLst>
+              <a:ext uri="{FF2B5EF4-FFF2-40B4-BE49-F238E27FC236}">
+                <a16:creationId xmlns:a16="http://schemas.microsoft.com/office/drawing/2014/main" id="{A11E475A-C796-4300-B9A2-3F9D79241A12}"/>
+              </a:ext>
+            </a:extLst>
+          </p:cNvPr>
+          <p:cNvSpPr/>
+          <p:nvPr/>
+        </p:nvSpPr>
+        <p:spPr>
+          <a:xfrm>
+            <a:off x="9350945" y="1468080"/>
+            <a:ext cx="91746" cy="80409"/>
+          </a:xfrm>
+          <a:prstGeom prst="ellipse">
+            <a:avLst/>
+          </a:prstGeom>
+          <a:solidFill>
+            <a:srgbClr val="C00000"/>
+          </a:solidFill>
+          <a:ln w="19050">
+            <a:solidFill>
+              <a:schemeClr val="tx1"/>
+            </a:solidFill>
+          </a:ln>
+        </p:spPr>
+        <p:style>
+          <a:lnRef idx="2">
+            <a:schemeClr val="accent1">
+              <a:shade val="50000"/>
+            </a:schemeClr>
+          </a:lnRef>
+          <a:fillRef idx="1">
+            <a:schemeClr val="accent1"/>
+          </a:fillRef>
+          <a:effectRef idx="0">
+            <a:schemeClr val="accent1"/>
+          </a:effectRef>
+          <a:fontRef idx="minor">
+            <a:schemeClr val="lt1"/>
+          </a:fontRef>
+        </p:style>
+        <p:txBody>
+          <a:bodyPr rtlCol="1" anchor="ctr"/>
+          <a:lstStyle/>
+          <a:p>
+            <a:pPr algn="ctr"/>
+            <a:endParaRPr lang="he-IL"/>
+          </a:p>
+        </p:txBody>
+      </p:sp>
+      <p:cxnSp>
+        <p:nvCxnSpPr>
+          <p:cNvPr id="130" name="Straight Arrow Connector 129">
+            <a:extLst>
+              <a:ext uri="{FF2B5EF4-FFF2-40B4-BE49-F238E27FC236}">
+                <a16:creationId xmlns:a16="http://schemas.microsoft.com/office/drawing/2014/main" id="{DD3DD7B2-3349-4A78-9CB0-9513C1E77756}"/>
+              </a:ext>
+            </a:extLst>
+          </p:cNvPr>
+          <p:cNvCxnSpPr>
+            <a:cxnSpLocks/>
+            <a:stCxn id="129" idx="2"/>
+            <a:endCxn id="127" idx="7"/>
+          </p:cNvCxnSpPr>
+          <p:nvPr/>
+        </p:nvCxnSpPr>
+        <p:spPr>
+          <a:xfrm flipH="1">
+            <a:off x="9105788" y="1508285"/>
+            <a:ext cx="245157" cy="52878"/>
+          </a:xfrm>
+          <a:prstGeom prst="straightConnector1">
+            <a:avLst/>
+          </a:prstGeom>
+          <a:ln w="28575">
+            <a:solidFill>
+              <a:srgbClr val="7C7C7C"/>
+            </a:solidFill>
+            <a:headEnd type="triangle"/>
+            <a:tailEnd type="triangle"/>
+          </a:ln>
+        </p:spPr>
+        <p:style>
+          <a:lnRef idx="1">
+            <a:schemeClr val="accent1"/>
+          </a:lnRef>
+          <a:fillRef idx="0">
+            <a:schemeClr val="accent1"/>
+          </a:fillRef>
+          <a:effectRef idx="0">
+            <a:schemeClr val="accent1"/>
+          </a:effectRef>
+          <a:fontRef idx="minor">
+            <a:schemeClr val="tx1"/>
+          </a:fontRef>
+        </p:style>
+      </p:cxnSp>
+      <p:sp>
+        <p:nvSpPr>
+          <p:cNvPr id="131" name="Oval 130">
+            <a:extLst>
+              <a:ext uri="{FF2B5EF4-FFF2-40B4-BE49-F238E27FC236}">
+                <a16:creationId xmlns:a16="http://schemas.microsoft.com/office/drawing/2014/main" id="{1A6223C4-4552-40D0-8175-24B9BC680E89}"/>
+              </a:ext>
+            </a:extLst>
+          </p:cNvPr>
+          <p:cNvSpPr/>
+          <p:nvPr/>
+        </p:nvSpPr>
+        <p:spPr>
+          <a:xfrm>
+            <a:off x="9709283" y="1625090"/>
+            <a:ext cx="91746" cy="80409"/>
+          </a:xfrm>
+          <a:prstGeom prst="ellipse">
+            <a:avLst/>
+          </a:prstGeom>
+          <a:solidFill>
+            <a:srgbClr val="C00000"/>
+          </a:solidFill>
+          <a:ln w="19050">
+            <a:solidFill>
+              <a:schemeClr val="tx1"/>
+            </a:solidFill>
+          </a:ln>
+        </p:spPr>
+        <p:style>
+          <a:lnRef idx="2">
+            <a:schemeClr val="accent1">
+              <a:shade val="50000"/>
+            </a:schemeClr>
+          </a:lnRef>
+          <a:fillRef idx="1">
+            <a:schemeClr val="accent1"/>
+          </a:fillRef>
+          <a:effectRef idx="0">
+            <a:schemeClr val="accent1"/>
+          </a:effectRef>
+          <a:fontRef idx="minor">
+            <a:schemeClr val="lt1"/>
+          </a:fontRef>
+        </p:style>
+        <p:txBody>
+          <a:bodyPr rtlCol="1" anchor="ctr"/>
+          <a:lstStyle/>
+          <a:p>
+            <a:pPr algn="ctr"/>
+            <a:endParaRPr lang="he-IL"/>
+          </a:p>
+        </p:txBody>
+      </p:sp>
+      <p:cxnSp>
+        <p:nvCxnSpPr>
+          <p:cNvPr id="132" name="Straight Arrow Connector 131">
+            <a:extLst>
+              <a:ext uri="{FF2B5EF4-FFF2-40B4-BE49-F238E27FC236}">
+                <a16:creationId xmlns:a16="http://schemas.microsoft.com/office/drawing/2014/main" id="{D3FDE70C-AEF5-4E53-BBBE-B1916462FED6}"/>
+              </a:ext>
+            </a:extLst>
+          </p:cNvPr>
+          <p:cNvCxnSpPr>
+            <a:cxnSpLocks/>
+            <a:stCxn id="131" idx="1"/>
+            <a:endCxn id="129" idx="6"/>
+          </p:cNvCxnSpPr>
+          <p:nvPr/>
+        </p:nvCxnSpPr>
+        <p:spPr>
+          <a:xfrm flipH="1" flipV="1">
+            <a:off x="9442691" y="1508285"/>
+            <a:ext cx="280028" cy="128581"/>
+          </a:xfrm>
+          <a:prstGeom prst="straightConnector1">
+            <a:avLst/>
+          </a:prstGeom>
+          <a:ln w="28575">
+            <a:solidFill>
+              <a:srgbClr val="7C7C7C"/>
+            </a:solidFill>
+            <a:headEnd type="triangle"/>
+            <a:tailEnd type="triangle"/>
+          </a:ln>
+        </p:spPr>
+        <p:style>
+          <a:lnRef idx="1">
+            <a:schemeClr val="accent1"/>
+          </a:lnRef>
+          <a:fillRef idx="0">
+            <a:schemeClr val="accent1"/>
+          </a:fillRef>
+          <a:effectRef idx="0">
+            <a:schemeClr val="accent1"/>
+          </a:effectRef>
+          <a:fontRef idx="minor">
+            <a:schemeClr val="tx1"/>
+          </a:fontRef>
+        </p:style>
+      </p:cxnSp>
+      <p:sp>
+        <p:nvSpPr>
+          <p:cNvPr id="134" name="Oval 133">
+            <a:extLst>
+              <a:ext uri="{FF2B5EF4-FFF2-40B4-BE49-F238E27FC236}">
+                <a16:creationId xmlns:a16="http://schemas.microsoft.com/office/drawing/2014/main" id="{942446ED-98B4-4DD9-B672-3016340EFE61}"/>
+              </a:ext>
+            </a:extLst>
+          </p:cNvPr>
+          <p:cNvSpPr/>
+          <p:nvPr/>
+        </p:nvSpPr>
+        <p:spPr>
+          <a:xfrm>
+            <a:off x="10038975" y="1748514"/>
+            <a:ext cx="91746" cy="80409"/>
+          </a:xfrm>
+          <a:prstGeom prst="ellipse">
+            <a:avLst/>
+          </a:prstGeom>
+          <a:solidFill>
+            <a:srgbClr val="C00000"/>
+          </a:solidFill>
+          <a:ln w="19050">
+            <a:solidFill>
+              <a:schemeClr val="tx1"/>
+            </a:solidFill>
+          </a:ln>
+        </p:spPr>
+        <p:style>
+          <a:lnRef idx="2">
+            <a:schemeClr val="accent1">
+              <a:shade val="50000"/>
+            </a:schemeClr>
+          </a:lnRef>
+          <a:fillRef idx="1">
+            <a:schemeClr val="accent1"/>
+          </a:fillRef>
+          <a:effectRef idx="0">
+            <a:schemeClr val="accent1"/>
+          </a:effectRef>
+          <a:fontRef idx="minor">
+            <a:schemeClr val="lt1"/>
+          </a:fontRef>
+        </p:style>
+        <p:txBody>
+          <a:bodyPr rtlCol="1" anchor="ctr"/>
+          <a:lstStyle/>
+          <a:p>
+            <a:pPr algn="ctr"/>
+            <a:endParaRPr lang="he-IL"/>
+          </a:p>
+        </p:txBody>
+      </p:sp>
+      <p:cxnSp>
+        <p:nvCxnSpPr>
+          <p:cNvPr id="141" name="Straight Arrow Connector 140">
+            <a:extLst>
+              <a:ext uri="{FF2B5EF4-FFF2-40B4-BE49-F238E27FC236}">
+                <a16:creationId xmlns:a16="http://schemas.microsoft.com/office/drawing/2014/main" id="{AED9592D-7CB6-4606-A2F4-D655C81CAB4B}"/>
+              </a:ext>
+            </a:extLst>
+          </p:cNvPr>
+          <p:cNvCxnSpPr>
+            <a:cxnSpLocks/>
+            <a:stCxn id="134" idx="1"/>
+            <a:endCxn id="131" idx="6"/>
+          </p:cNvCxnSpPr>
+          <p:nvPr/>
+        </p:nvCxnSpPr>
+        <p:spPr>
+          <a:xfrm flipH="1" flipV="1">
+            <a:off x="9801029" y="1665295"/>
+            <a:ext cx="251382" cy="94995"/>
+          </a:xfrm>
+          <a:prstGeom prst="straightConnector1">
+            <a:avLst/>
+          </a:prstGeom>
+          <a:ln w="28575">
+            <a:solidFill>
+              <a:srgbClr val="7C7C7C"/>
+            </a:solidFill>
+            <a:headEnd type="triangle"/>
+            <a:tailEnd type="triangle"/>
+          </a:ln>
+        </p:spPr>
+        <p:style>
+          <a:lnRef idx="1">
+            <a:schemeClr val="accent1"/>
+          </a:lnRef>
+          <a:fillRef idx="0">
+            <a:schemeClr val="accent1"/>
+          </a:fillRef>
+          <a:effectRef idx="0">
+            <a:schemeClr val="accent1"/>
+          </a:effectRef>
+          <a:fontRef idx="minor">
+            <a:schemeClr val="tx1"/>
+          </a:fontRef>
+        </p:style>
+      </p:cxnSp>
+      <p:sp>
+        <p:nvSpPr>
+          <p:cNvPr id="142" name="Oval 141">
+            <a:extLst>
+              <a:ext uri="{FF2B5EF4-FFF2-40B4-BE49-F238E27FC236}">
+                <a16:creationId xmlns:a16="http://schemas.microsoft.com/office/drawing/2014/main" id="{8FE1486C-0EB8-4A6B-983B-0B9B50F7402A}"/>
+              </a:ext>
+            </a:extLst>
+          </p:cNvPr>
+          <p:cNvSpPr/>
+          <p:nvPr/>
+        </p:nvSpPr>
+        <p:spPr>
+          <a:xfrm>
+            <a:off x="10284460" y="1546014"/>
+            <a:ext cx="91746" cy="80409"/>
+          </a:xfrm>
+          <a:prstGeom prst="ellipse">
+            <a:avLst/>
+          </a:prstGeom>
+          <a:solidFill>
+            <a:srgbClr val="C00000"/>
+          </a:solidFill>
+          <a:ln w="19050">
+            <a:solidFill>
+              <a:schemeClr val="tx1"/>
+            </a:solidFill>
+          </a:ln>
+        </p:spPr>
+        <p:style>
+          <a:lnRef idx="2">
+            <a:schemeClr val="accent1">
+              <a:shade val="50000"/>
+            </a:schemeClr>
+          </a:lnRef>
+          <a:fillRef idx="1">
+            <a:schemeClr val="accent1"/>
+          </a:fillRef>
+          <a:effectRef idx="0">
+            <a:schemeClr val="accent1"/>
+          </a:effectRef>
+          <a:fontRef idx="minor">
+            <a:schemeClr val="lt1"/>
+          </a:fontRef>
+        </p:style>
+        <p:txBody>
+          <a:bodyPr rtlCol="1" anchor="ctr"/>
+          <a:lstStyle/>
+          <a:p>
+            <a:pPr algn="ctr"/>
+            <a:endParaRPr lang="he-IL"/>
+          </a:p>
+        </p:txBody>
+      </p:sp>
+      <p:cxnSp>
+        <p:nvCxnSpPr>
+          <p:cNvPr id="143" name="Straight Arrow Connector 142">
+            <a:extLst>
+              <a:ext uri="{FF2B5EF4-FFF2-40B4-BE49-F238E27FC236}">
+                <a16:creationId xmlns:a16="http://schemas.microsoft.com/office/drawing/2014/main" id="{1491CB79-B0A0-4CD1-A914-0096814DFBE7}"/>
+              </a:ext>
+            </a:extLst>
+          </p:cNvPr>
+          <p:cNvCxnSpPr>
+            <a:cxnSpLocks/>
+            <a:stCxn id="142" idx="3"/>
+            <a:endCxn id="134" idx="7"/>
+          </p:cNvCxnSpPr>
+          <p:nvPr/>
+        </p:nvCxnSpPr>
+        <p:spPr>
+          <a:xfrm flipH="1">
+            <a:off x="10117285" y="1614647"/>
+            <a:ext cx="180611" cy="145643"/>
+          </a:xfrm>
+          <a:prstGeom prst="straightConnector1">
+            <a:avLst/>
+          </a:prstGeom>
+          <a:ln w="28575">
+            <a:solidFill>
+              <a:srgbClr val="7C7C7C"/>
+            </a:solidFill>
+            <a:headEnd type="triangle"/>
+            <a:tailEnd type="triangle"/>
+          </a:ln>
+        </p:spPr>
+        <p:style>
+          <a:lnRef idx="1">
+            <a:schemeClr val="accent1"/>
+          </a:lnRef>
+          <a:fillRef idx="0">
+            <a:schemeClr val="accent1"/>
+          </a:fillRef>
+          <a:effectRef idx="0">
+            <a:schemeClr val="accent1"/>
+          </a:effectRef>
+          <a:fontRef idx="minor">
+            <a:schemeClr val="tx1"/>
+          </a:fontRef>
+        </p:style>
+      </p:cxnSp>
+      <p:sp>
+        <p:nvSpPr>
+          <p:cNvPr id="144" name="Oval 143">
+            <a:extLst>
+              <a:ext uri="{FF2B5EF4-FFF2-40B4-BE49-F238E27FC236}">
+                <a16:creationId xmlns:a16="http://schemas.microsoft.com/office/drawing/2014/main" id="{F81F45A8-2F82-48DA-A379-77D58D8E3722}"/>
+              </a:ext>
+            </a:extLst>
+          </p:cNvPr>
+          <p:cNvSpPr/>
+          <p:nvPr/>
+        </p:nvSpPr>
+        <p:spPr>
+          <a:xfrm>
+            <a:off x="10343730" y="1215267"/>
+            <a:ext cx="91746" cy="80409"/>
+          </a:xfrm>
+          <a:prstGeom prst="ellipse">
+            <a:avLst/>
+          </a:prstGeom>
+          <a:solidFill>
+            <a:srgbClr val="C00000"/>
+          </a:solidFill>
+          <a:ln w="19050">
+            <a:solidFill>
+              <a:schemeClr val="tx1"/>
+            </a:solidFill>
+          </a:ln>
+        </p:spPr>
+        <p:style>
+          <a:lnRef idx="2">
+            <a:schemeClr val="accent1">
+              <a:shade val="50000"/>
+            </a:schemeClr>
+          </a:lnRef>
+          <a:fillRef idx="1">
+            <a:schemeClr val="accent1"/>
+          </a:fillRef>
+          <a:effectRef idx="0">
+            <a:schemeClr val="accent1"/>
+          </a:effectRef>
+          <a:fontRef idx="minor">
+            <a:schemeClr val="lt1"/>
+          </a:fontRef>
+        </p:style>
+        <p:txBody>
+          <a:bodyPr rtlCol="1" anchor="ctr"/>
+          <a:lstStyle/>
+          <a:p>
+            <a:pPr algn="ctr"/>
+            <a:endParaRPr lang="he-IL"/>
+          </a:p>
+        </p:txBody>
+      </p:sp>
+      <p:cxnSp>
+        <p:nvCxnSpPr>
+          <p:cNvPr id="145" name="Straight Arrow Connector 144">
+            <a:extLst>
+              <a:ext uri="{FF2B5EF4-FFF2-40B4-BE49-F238E27FC236}">
+                <a16:creationId xmlns:a16="http://schemas.microsoft.com/office/drawing/2014/main" id="{070F4F26-076A-42B6-B00E-9349F272A632}"/>
+              </a:ext>
+            </a:extLst>
+          </p:cNvPr>
+          <p:cNvCxnSpPr>
+            <a:cxnSpLocks/>
+            <a:stCxn id="144" idx="4"/>
+            <a:endCxn id="142" idx="7"/>
+          </p:cNvCxnSpPr>
+          <p:nvPr/>
+        </p:nvCxnSpPr>
+        <p:spPr>
+          <a:xfrm flipH="1">
+            <a:off x="10362770" y="1295676"/>
+            <a:ext cx="26833" cy="262114"/>
+          </a:xfrm>
+          <a:prstGeom prst="straightConnector1">
+            <a:avLst/>
+          </a:prstGeom>
+          <a:ln w="28575">
+            <a:solidFill>
+              <a:srgbClr val="7C7C7C"/>
+            </a:solidFill>
+            <a:headEnd type="triangle"/>
+            <a:tailEnd type="triangle"/>
+          </a:ln>
+        </p:spPr>
+        <p:style>
+          <a:lnRef idx="1">
+            <a:schemeClr val="accent1"/>
+          </a:lnRef>
+          <a:fillRef idx="0">
+            <a:schemeClr val="accent1"/>
+          </a:fillRef>
+          <a:effectRef idx="0">
+            <a:schemeClr val="accent1"/>
+          </a:effectRef>
+          <a:fontRef idx="minor">
+            <a:schemeClr val="tx1"/>
+          </a:fontRef>
+        </p:style>
+      </p:cxnSp>
+      <p:sp>
+        <p:nvSpPr>
+          <p:cNvPr id="146" name="Oval 145">
+            <a:extLst>
+              <a:ext uri="{FF2B5EF4-FFF2-40B4-BE49-F238E27FC236}">
+                <a16:creationId xmlns:a16="http://schemas.microsoft.com/office/drawing/2014/main" id="{8F97B9D6-BC9E-461A-82BB-F719C4E040B7}"/>
+              </a:ext>
+            </a:extLst>
+          </p:cNvPr>
+          <p:cNvSpPr/>
+          <p:nvPr/>
+        </p:nvSpPr>
+        <p:spPr>
+          <a:xfrm>
+            <a:off x="10301239" y="896685"/>
+            <a:ext cx="91746" cy="80409"/>
+          </a:xfrm>
+          <a:prstGeom prst="ellipse">
+            <a:avLst/>
+          </a:prstGeom>
+          <a:solidFill>
+            <a:srgbClr val="C00000"/>
+          </a:solidFill>
+          <a:ln w="19050">
+            <a:solidFill>
+              <a:schemeClr val="tx1"/>
+            </a:solidFill>
+          </a:ln>
+        </p:spPr>
+        <p:style>
+          <a:lnRef idx="2">
+            <a:schemeClr val="accent1">
+              <a:shade val="50000"/>
+            </a:schemeClr>
+          </a:lnRef>
+          <a:fillRef idx="1">
+            <a:schemeClr val="accent1"/>
+          </a:fillRef>
+          <a:effectRef idx="0">
+            <a:schemeClr val="accent1"/>
+          </a:effectRef>
+          <a:fontRef idx="minor">
+            <a:schemeClr val="lt1"/>
+          </a:fontRef>
+        </p:style>
+        <p:txBody>
+          <a:bodyPr rtlCol="1" anchor="ctr"/>
+          <a:lstStyle/>
+          <a:p>
+            <a:pPr algn="ctr"/>
+            <a:endParaRPr lang="he-IL"/>
+          </a:p>
+        </p:txBody>
+      </p:sp>
+      <p:cxnSp>
+        <p:nvCxnSpPr>
+          <p:cNvPr id="147" name="Straight Arrow Connector 146">
+            <a:extLst>
+              <a:ext uri="{FF2B5EF4-FFF2-40B4-BE49-F238E27FC236}">
+                <a16:creationId xmlns:a16="http://schemas.microsoft.com/office/drawing/2014/main" id="{06830ADA-DC69-4FB0-B0DC-5671749067A5}"/>
+              </a:ext>
+            </a:extLst>
+          </p:cNvPr>
+          <p:cNvCxnSpPr>
+            <a:cxnSpLocks/>
+            <a:stCxn id="146" idx="4"/>
+            <a:endCxn id="144" idx="0"/>
+          </p:cNvCxnSpPr>
+          <p:nvPr/>
+        </p:nvCxnSpPr>
+        <p:spPr>
+          <a:xfrm>
+            <a:off x="10347112" y="977094"/>
+            <a:ext cx="42491" cy="238173"/>
+          </a:xfrm>
+          <a:prstGeom prst="straightConnector1">
+            <a:avLst/>
+          </a:prstGeom>
+          <a:ln w="28575">
+            <a:solidFill>
+              <a:srgbClr val="7C7C7C"/>
+            </a:solidFill>
+            <a:headEnd type="triangle"/>
+            <a:tailEnd type="triangle"/>
+          </a:ln>
+        </p:spPr>
+        <p:style>
+          <a:lnRef idx="1">
+            <a:schemeClr val="accent1"/>
+          </a:lnRef>
+          <a:fillRef idx="0">
+            <a:schemeClr val="accent1"/>
+          </a:fillRef>
+          <a:effectRef idx="0">
+            <a:schemeClr val="accent1"/>
+          </a:effectRef>
+          <a:fontRef idx="minor">
+            <a:schemeClr val="tx1"/>
+          </a:fontRef>
+        </p:style>
+      </p:cxnSp>
+      <p:sp>
+        <p:nvSpPr>
+          <p:cNvPr id="169" name="TextBox 168">
+            <a:extLst>
+              <a:ext uri="{FF2B5EF4-FFF2-40B4-BE49-F238E27FC236}">
+                <a16:creationId xmlns:a16="http://schemas.microsoft.com/office/drawing/2014/main" id="{29E08A64-B170-42BF-9F92-F18C6A70CA8C}"/>
+              </a:ext>
+            </a:extLst>
+          </p:cNvPr>
+          <p:cNvSpPr txBox="1"/>
+          <p:nvPr/>
+        </p:nvSpPr>
+        <p:spPr>
+          <a:xfrm>
+            <a:off x="9555965" y="2275975"/>
+            <a:ext cx="1640441" cy="523220"/>
+          </a:xfrm>
+          <a:prstGeom prst="rect">
+            <a:avLst/>
+          </a:prstGeom>
+          <a:noFill/>
+        </p:spPr>
+        <p:txBody>
+          <a:bodyPr wrap="square" rtlCol="1">
+            <a:spAutoFit/>
+          </a:bodyPr>
+          <a:lstStyle/>
+          <a:p>
+            <a:r>
+              <a:rPr lang="en-US" sz="1400" dirty="0">
+                <a:solidFill>
+                  <a:schemeClr val="bg2">
+                    <a:lumMod val="50000"/>
+                  </a:schemeClr>
+                </a:solidFill>
+              </a:rPr>
+              <a:t>Euclidean distances</a:t>
+            </a:r>
+          </a:p>
+          <a:p>
+            <a:r>
+              <a:rPr lang="en-US" sz="1400" dirty="0">
+                <a:solidFill>
+                  <a:srgbClr val="C00000"/>
+                </a:solidFill>
+              </a:rPr>
+              <a:t>Trajectory samples</a:t>
+            </a:r>
+            <a:endParaRPr lang="he-IL" sz="1400" dirty="0">
+              <a:solidFill>
+                <a:srgbClr val="C00000"/>
+              </a:solidFill>
+            </a:endParaRPr>
           </a:p>
         </p:txBody>
       </p:sp>

--- a/presentation/exp birds eye veiw.pptx
+++ b/presentation/exp birds eye veiw.pptx
@@ -9,7 +9,8 @@
     <p:sldId id="257" r:id="rId3"/>
     <p:sldId id="258" r:id="rId4"/>
     <p:sldId id="259" r:id="rId5"/>
-    <p:sldId id="260" r:id="rId6"/>
+    <p:sldId id="261" r:id="rId6"/>
+    <p:sldId id="260" r:id="rId7"/>
   </p:sldIdLst>
   <p:sldSz cx="12192000" cy="6858000"/>
   <p:notesSz cx="6858000" cy="9144000"/>
@@ -117,6 +118,7 @@
             <p14:sldId id="257"/>
             <p14:sldId id="258"/>
             <p14:sldId id="259"/>
+            <p14:sldId id="261"/>
             <p14:sldId id="260"/>
           </p14:sldIdLst>
         </p14:section>
@@ -2660,7 +2662,7 @@
           <a:p>
             <a:fld id="{B3DC5803-524A-4535-9048-D4846558C48F}" type="datetimeFigureOut">
               <a:rPr lang="he-IL" smtClean="0"/>
-              <a:t>ט"ז/ניסן/תשפ"ב</a:t>
+              <a:t>י"ד/אייר/תשפ"ב</a:t>
             </a:fld>
             <a:endParaRPr lang="he-IL"/>
           </a:p>
@@ -2860,7 +2862,7 @@
           <a:p>
             <a:fld id="{B3DC5803-524A-4535-9048-D4846558C48F}" type="datetimeFigureOut">
               <a:rPr lang="he-IL" smtClean="0"/>
-              <a:t>ט"ז/ניסן/תשפ"ב</a:t>
+              <a:t>י"ד/אייר/תשפ"ב</a:t>
             </a:fld>
             <a:endParaRPr lang="he-IL"/>
           </a:p>
@@ -3070,7 +3072,7 @@
           <a:p>
             <a:fld id="{B3DC5803-524A-4535-9048-D4846558C48F}" type="datetimeFigureOut">
               <a:rPr lang="he-IL" smtClean="0"/>
-              <a:t>ט"ז/ניסן/תשפ"ב</a:t>
+              <a:t>י"ד/אייר/תשפ"ב</a:t>
             </a:fld>
             <a:endParaRPr lang="he-IL"/>
           </a:p>
@@ -3270,7 +3272,7 @@
           <a:p>
             <a:fld id="{B3DC5803-524A-4535-9048-D4846558C48F}" type="datetimeFigureOut">
               <a:rPr lang="he-IL" smtClean="0"/>
-              <a:t>ט"ז/ניסן/תשפ"ב</a:t>
+              <a:t>י"ד/אייר/תשפ"ב</a:t>
             </a:fld>
             <a:endParaRPr lang="he-IL"/>
           </a:p>
@@ -3546,7 +3548,7 @@
           <a:p>
             <a:fld id="{B3DC5803-524A-4535-9048-D4846558C48F}" type="datetimeFigureOut">
               <a:rPr lang="he-IL" smtClean="0"/>
-              <a:t>ט"ז/ניסן/תשפ"ב</a:t>
+              <a:t>י"ד/אייר/תשפ"ב</a:t>
             </a:fld>
             <a:endParaRPr lang="he-IL"/>
           </a:p>
@@ -3814,7 +3816,7 @@
           <a:p>
             <a:fld id="{B3DC5803-524A-4535-9048-D4846558C48F}" type="datetimeFigureOut">
               <a:rPr lang="he-IL" smtClean="0"/>
-              <a:t>ט"ז/ניסן/תשפ"ב</a:t>
+              <a:t>י"ד/אייר/תשפ"ב</a:t>
             </a:fld>
             <a:endParaRPr lang="he-IL"/>
           </a:p>
@@ -4229,7 +4231,7 @@
           <a:p>
             <a:fld id="{B3DC5803-524A-4535-9048-D4846558C48F}" type="datetimeFigureOut">
               <a:rPr lang="he-IL" smtClean="0"/>
-              <a:t>ט"ז/ניסן/תשפ"ב</a:t>
+              <a:t>י"ד/אייר/תשפ"ב</a:t>
             </a:fld>
             <a:endParaRPr lang="he-IL"/>
           </a:p>
@@ -4371,7 +4373,7 @@
           <a:p>
             <a:fld id="{B3DC5803-524A-4535-9048-D4846558C48F}" type="datetimeFigureOut">
               <a:rPr lang="he-IL" smtClean="0"/>
-              <a:t>ט"ז/ניסן/תשפ"ב</a:t>
+              <a:t>י"ד/אייר/תשפ"ב</a:t>
             </a:fld>
             <a:endParaRPr lang="he-IL"/>
           </a:p>
@@ -4484,7 +4486,7 @@
           <a:p>
             <a:fld id="{B3DC5803-524A-4535-9048-D4846558C48F}" type="datetimeFigureOut">
               <a:rPr lang="he-IL" smtClean="0"/>
-              <a:t>ט"ז/ניסן/תשפ"ב</a:t>
+              <a:t>י"ד/אייר/תשפ"ב</a:t>
             </a:fld>
             <a:endParaRPr lang="he-IL"/>
           </a:p>
@@ -4797,7 +4799,7 @@
           <a:p>
             <a:fld id="{B3DC5803-524A-4535-9048-D4846558C48F}" type="datetimeFigureOut">
               <a:rPr lang="he-IL" smtClean="0"/>
-              <a:t>ט"ז/ניסן/תשפ"ב</a:t>
+              <a:t>י"ד/אייר/תשפ"ב</a:t>
             </a:fld>
             <a:endParaRPr lang="he-IL"/>
           </a:p>
@@ -5086,7 +5088,7 @@
           <a:p>
             <a:fld id="{B3DC5803-524A-4535-9048-D4846558C48F}" type="datetimeFigureOut">
               <a:rPr lang="he-IL" smtClean="0"/>
-              <a:t>ט"ז/ניסן/תשפ"ב</a:t>
+              <a:t>י"ד/אייר/תשפ"ב</a:t>
             </a:fld>
             <a:endParaRPr lang="he-IL"/>
           </a:p>
@@ -5329,7 +5331,7 @@
           <a:p>
             <a:fld id="{B3DC5803-524A-4535-9048-D4846558C48F}" type="datetimeFigureOut">
               <a:rPr lang="he-IL" smtClean="0"/>
-              <a:t>ט"ז/ניסן/תשפ"ב</a:t>
+              <a:t>י"ד/אייר/תשפ"ב</a:t>
             </a:fld>
             <a:endParaRPr lang="he-IL"/>
           </a:p>
@@ -23361,8 +23363,8 @@
           </a:fontRef>
         </p:style>
       </p:cxnSp>
-      <mc:AlternateContent xmlns:mc="http://schemas.openxmlformats.org/markup-compatibility/2006">
-        <mc:Choice xmlns:p14="http://schemas.microsoft.com/office/powerpoint/2010/main" Requires="p14">
+      <mc:AlternateContent xmlns:mc="http://schemas.openxmlformats.org/markup-compatibility/2006" xmlns:p14="http://schemas.microsoft.com/office/powerpoint/2010/main">
+        <mc:Choice Requires="p14">
           <p:contentPart p14:bwMode="auto" r:id="rId2">
             <p14:nvContentPartPr>
               <p14:cNvPr id="5" name="Ink 4">
@@ -23381,7 +23383,7 @@
             </p14:xfrm>
           </p:contentPart>
         </mc:Choice>
-        <mc:Fallback>
+        <mc:Fallback xmlns="">
           <p:pic>
             <p:nvPicPr>
               <p:cNvPr id="5" name="Ink 4">
@@ -23911,8 +23913,8 @@
           </a:p>
         </p:txBody>
       </p:sp>
-      <mc:AlternateContent xmlns:mc="http://schemas.openxmlformats.org/markup-compatibility/2006">
-        <mc:Choice xmlns:p14="http://schemas.microsoft.com/office/powerpoint/2010/main" Requires="p14">
+      <mc:AlternateContent xmlns:mc="http://schemas.openxmlformats.org/markup-compatibility/2006" xmlns:p14="http://schemas.microsoft.com/office/powerpoint/2010/main">
+        <mc:Choice Requires="p14">
           <p:contentPart p14:bwMode="auto" r:id="rId4">
             <p14:nvContentPartPr>
               <p14:cNvPr id="18" name="Ink 17">
@@ -23931,7 +23933,7 @@
             </p14:xfrm>
           </p:contentPart>
         </mc:Choice>
-        <mc:Fallback>
+        <mc:Fallback xmlns="">
           <p:pic>
             <p:nvPicPr>
               <p:cNvPr id="18" name="Ink 17">
@@ -25344,8 +25346,8 @@
           </a:p>
         </p:txBody>
       </p:sp>
-      <mc:AlternateContent xmlns:mc="http://schemas.openxmlformats.org/markup-compatibility/2006">
-        <mc:Choice xmlns:p14="http://schemas.microsoft.com/office/powerpoint/2010/main" Requires="p14">
+      <mc:AlternateContent xmlns:mc="http://schemas.openxmlformats.org/markup-compatibility/2006" xmlns:p14="http://schemas.microsoft.com/office/powerpoint/2010/main">
+        <mc:Choice Requires="p14">
           <p:contentPart p14:bwMode="auto" r:id="rId6">
             <p14:nvContentPartPr>
               <p14:cNvPr id="224" name="Ink 223">
@@ -25364,7 +25366,7 @@
             </p14:xfrm>
           </p:contentPart>
         </mc:Choice>
-        <mc:Fallback>
+        <mc:Fallback xmlns="">
           <p:pic>
             <p:nvPicPr>
               <p:cNvPr id="224" name="Ink 223">
@@ -32442,6 +32444,1227 @@
           <a:chExt cx="0" cy="0"/>
         </a:xfrm>
       </p:grpSpPr>
+      <p:cxnSp>
+        <p:nvCxnSpPr>
+          <p:cNvPr id="50" name="Straight Connector 49">
+            <a:extLst>
+              <a:ext uri="{FF2B5EF4-FFF2-40B4-BE49-F238E27FC236}">
+                <a16:creationId xmlns:a16="http://schemas.microsoft.com/office/drawing/2014/main" id="{493C9875-9B23-6C61-8E7F-B4A6A9AD70E5}"/>
+              </a:ext>
+            </a:extLst>
+          </p:cNvPr>
+          <p:cNvCxnSpPr>
+            <a:cxnSpLocks/>
+            <a:endCxn id="3" idx="2"/>
+          </p:cNvCxnSpPr>
+          <p:nvPr/>
+        </p:nvCxnSpPr>
+        <p:spPr>
+          <a:xfrm flipH="1">
+            <a:off x="4940308" y="4861713"/>
+            <a:ext cx="5292" cy="422858"/>
+          </a:xfrm>
+          <a:prstGeom prst="line">
+            <a:avLst/>
+          </a:prstGeom>
+          <a:ln w="19050">
+            <a:solidFill>
+              <a:schemeClr val="tx1"/>
+            </a:solidFill>
+            <a:prstDash val="sysDash"/>
+          </a:ln>
+        </p:spPr>
+        <p:style>
+          <a:lnRef idx="1">
+            <a:schemeClr val="accent1"/>
+          </a:lnRef>
+          <a:fillRef idx="0">
+            <a:schemeClr val="accent1"/>
+          </a:fillRef>
+          <a:effectRef idx="0">
+            <a:schemeClr val="accent1"/>
+          </a:effectRef>
+          <a:fontRef idx="minor">
+            <a:schemeClr val="tx1"/>
+          </a:fontRef>
+        </p:style>
+      </p:cxnSp>
+      <p:cxnSp>
+        <p:nvCxnSpPr>
+          <p:cNvPr id="49" name="Straight Connector 48">
+            <a:extLst>
+              <a:ext uri="{FF2B5EF4-FFF2-40B4-BE49-F238E27FC236}">
+                <a16:creationId xmlns:a16="http://schemas.microsoft.com/office/drawing/2014/main" id="{7D3B6876-77FF-006B-ADAE-628F789AC38E}"/>
+              </a:ext>
+            </a:extLst>
+          </p:cNvPr>
+          <p:cNvCxnSpPr>
+            <a:cxnSpLocks/>
+            <a:endCxn id="3" idx="1"/>
+          </p:cNvCxnSpPr>
+          <p:nvPr/>
+        </p:nvCxnSpPr>
+        <p:spPr>
+          <a:xfrm>
+            <a:off x="3321503" y="4861713"/>
+            <a:ext cx="43655" cy="447574"/>
+          </a:xfrm>
+          <a:prstGeom prst="line">
+            <a:avLst/>
+          </a:prstGeom>
+          <a:ln w="19050">
+            <a:solidFill>
+              <a:schemeClr val="tx1"/>
+            </a:solidFill>
+            <a:prstDash val="sysDash"/>
+          </a:ln>
+        </p:spPr>
+        <p:style>
+          <a:lnRef idx="1">
+            <a:schemeClr val="accent1"/>
+          </a:lnRef>
+          <a:fillRef idx="0">
+            <a:schemeClr val="accent1"/>
+          </a:fillRef>
+          <a:effectRef idx="0">
+            <a:schemeClr val="accent1"/>
+          </a:effectRef>
+          <a:fontRef idx="minor">
+            <a:schemeClr val="tx1"/>
+          </a:fontRef>
+        </p:style>
+      </p:cxnSp>
+      <p:grpSp>
+        <p:nvGrpSpPr>
+          <p:cNvPr id="5" name="Group 4">
+            <a:extLst>
+              <a:ext uri="{FF2B5EF4-FFF2-40B4-BE49-F238E27FC236}">
+                <a16:creationId xmlns:a16="http://schemas.microsoft.com/office/drawing/2014/main" id="{BCFE4272-3329-4CB3-B375-57AEC545DDDB}"/>
+              </a:ext>
+            </a:extLst>
+          </p:cNvPr>
+          <p:cNvGrpSpPr/>
+          <p:nvPr/>
+        </p:nvGrpSpPr>
+        <p:grpSpPr>
+          <a:xfrm>
+            <a:off x="410992" y="1089287"/>
+            <a:ext cx="6634622" cy="5243710"/>
+            <a:chOff x="15604701" y="18075440"/>
+            <a:chExt cx="7466330" cy="5901055"/>
+          </a:xfrm>
+        </p:grpSpPr>
+        <p:pic>
+          <p:nvPicPr>
+            <p:cNvPr id="6" name="Picture 5" descr="Diagram&#10;&#10;Description automatically generated">
+              <a:extLst>
+                <a:ext uri="{FF2B5EF4-FFF2-40B4-BE49-F238E27FC236}">
+                  <a16:creationId xmlns:a16="http://schemas.microsoft.com/office/drawing/2014/main" id="{ABA88908-6C47-4B4A-A2C1-9F8477C0FD40}"/>
+                </a:ext>
+              </a:extLst>
+            </p:cNvPr>
+            <p:cNvPicPr>
+              <a:picLocks noChangeAspect="1"/>
+            </p:cNvPicPr>
+            <p:nvPr/>
+          </p:nvPicPr>
+          <p:blipFill>
+            <a:blip r:embed="rId2">
+              <a:extLst>
+                <a:ext uri="{BEBA8EAE-BF5A-486C-A8C5-ECC9F3942E4B}">
+                  <a14:imgProps xmlns:a14="http://schemas.microsoft.com/office/drawing/2010/main">
+                    <a14:imgLayer r:embed="rId3">
+                      <a14:imgEffect>
+                        <a14:backgroundRemoval t="4449" b="95273" l="6462" r="89890">
+                          <a14:foregroundMark x1="6549" y1="52503" x2="6681" y2="46385"/>
+                          <a14:foregroundMark x1="60659" y1="95273" x2="61099" y2="89377"/>
+                          <a14:foregroundMark x1="35165" y1="6062" x2="79033" y2="4449"/>
+                        </a14:backgroundRemoval>
+                      </a14:imgEffect>
+                    </a14:imgLayer>
+                  </a14:imgProps>
+                </a:ext>
+              </a:extLst>
+            </a:blip>
+            <a:stretch>
+              <a:fillRect/>
+            </a:stretch>
+          </p:blipFill>
+          <p:spPr>
+            <a:xfrm>
+              <a:off x="15604701" y="18075440"/>
+              <a:ext cx="7466330" cy="5901055"/>
+            </a:xfrm>
+            <a:prstGeom prst="rect">
+              <a:avLst/>
+            </a:prstGeom>
+            <a:ln w="38100" cap="sq">
+              <a:noFill/>
+              <a:prstDash val="solid"/>
+              <a:miter lim="800000"/>
+            </a:ln>
+            <a:effectLst>
+              <a:outerShdw blurRad="50800" dist="38100" dir="2700000" algn="tl" rotWithShape="0">
+                <a:srgbClr val="000000">
+                  <a:alpha val="43000"/>
+                </a:srgbClr>
+              </a:outerShdw>
+            </a:effectLst>
+          </p:spPr>
+        </p:pic>
+        <p:cxnSp>
+          <p:nvCxnSpPr>
+            <p:cNvPr id="7" name="Straight Arrow Connector 6">
+              <a:extLst>
+                <a:ext uri="{FF2B5EF4-FFF2-40B4-BE49-F238E27FC236}">
+                  <a16:creationId xmlns:a16="http://schemas.microsoft.com/office/drawing/2014/main" id="{2DF67370-1180-4F70-A19E-F9C8C6CF15DD}"/>
+                </a:ext>
+              </a:extLst>
+            </p:cNvPr>
+            <p:cNvCxnSpPr>
+              <a:cxnSpLocks/>
+            </p:cNvCxnSpPr>
+            <p:nvPr/>
+          </p:nvCxnSpPr>
+          <p:spPr>
+            <a:xfrm>
+              <a:off x="20034108" y="22852916"/>
+              <a:ext cx="1652058" cy="0"/>
+            </a:xfrm>
+            <a:prstGeom prst="straightConnector1">
+              <a:avLst/>
+            </a:prstGeom>
+            <a:ln w="76200">
+              <a:solidFill>
+                <a:srgbClr val="6969FF"/>
+              </a:solidFill>
+              <a:tailEnd type="triangle"/>
+            </a:ln>
+          </p:spPr>
+          <p:style>
+            <a:lnRef idx="1">
+              <a:schemeClr val="accent1"/>
+            </a:lnRef>
+            <a:fillRef idx="0">
+              <a:schemeClr val="accent1"/>
+            </a:fillRef>
+            <a:effectRef idx="0">
+              <a:schemeClr val="accent1"/>
+            </a:effectRef>
+            <a:fontRef idx="minor">
+              <a:schemeClr val="tx1"/>
+            </a:fontRef>
+          </p:style>
+        </p:cxnSp>
+        <p:cxnSp>
+          <p:nvCxnSpPr>
+            <p:cNvPr id="8" name="Straight Arrow Connector 7">
+              <a:extLst>
+                <a:ext uri="{FF2B5EF4-FFF2-40B4-BE49-F238E27FC236}">
+                  <a16:creationId xmlns:a16="http://schemas.microsoft.com/office/drawing/2014/main" id="{B7D3B4C5-88F5-4F3E-B860-9A7B4BB0FDFB}"/>
+                </a:ext>
+              </a:extLst>
+            </p:cNvPr>
+            <p:cNvCxnSpPr>
+              <a:cxnSpLocks/>
+            </p:cNvCxnSpPr>
+            <p:nvPr/>
+          </p:nvCxnSpPr>
+          <p:spPr>
+            <a:xfrm flipV="1">
+              <a:off x="17888067" y="20877360"/>
+              <a:ext cx="240295" cy="1981200"/>
+            </a:xfrm>
+            <a:prstGeom prst="straightConnector1">
+              <a:avLst/>
+            </a:prstGeom>
+            <a:ln w="76200">
+              <a:solidFill>
+                <a:srgbClr val="6969FF"/>
+              </a:solidFill>
+              <a:tailEnd type="triangle"/>
+            </a:ln>
+          </p:spPr>
+          <p:style>
+            <a:lnRef idx="1">
+              <a:schemeClr val="accent1"/>
+            </a:lnRef>
+            <a:fillRef idx="0">
+              <a:schemeClr val="accent1"/>
+            </a:fillRef>
+            <a:effectRef idx="0">
+              <a:schemeClr val="accent1"/>
+            </a:effectRef>
+            <a:fontRef idx="minor">
+              <a:schemeClr val="tx1"/>
+            </a:fontRef>
+          </p:style>
+        </p:cxnSp>
+        <p:cxnSp>
+          <p:nvCxnSpPr>
+            <p:cNvPr id="9" name="Straight Arrow Connector 8">
+              <a:extLst>
+                <a:ext uri="{FF2B5EF4-FFF2-40B4-BE49-F238E27FC236}">
+                  <a16:creationId xmlns:a16="http://schemas.microsoft.com/office/drawing/2014/main" id="{7656FC30-9CB8-4FA9-867E-0BEC86706482}"/>
+                </a:ext>
+              </a:extLst>
+            </p:cNvPr>
+            <p:cNvCxnSpPr>
+              <a:cxnSpLocks/>
+            </p:cNvCxnSpPr>
+            <p:nvPr/>
+          </p:nvCxnSpPr>
+          <p:spPr>
+            <a:xfrm flipH="1" flipV="1">
+              <a:off x="17107752" y="20866072"/>
+              <a:ext cx="773147" cy="1986844"/>
+            </a:xfrm>
+            <a:prstGeom prst="straightConnector1">
+              <a:avLst/>
+            </a:prstGeom>
+            <a:ln w="76200">
+              <a:solidFill>
+                <a:srgbClr val="6969FF"/>
+              </a:solidFill>
+              <a:tailEnd type="triangle"/>
+            </a:ln>
+          </p:spPr>
+          <p:style>
+            <a:lnRef idx="1">
+              <a:schemeClr val="accent1"/>
+            </a:lnRef>
+            <a:fillRef idx="0">
+              <a:schemeClr val="accent1"/>
+            </a:fillRef>
+            <a:effectRef idx="0">
+              <a:schemeClr val="accent1"/>
+            </a:effectRef>
+            <a:fontRef idx="minor">
+              <a:schemeClr val="tx1"/>
+            </a:fontRef>
+          </p:style>
+        </p:cxnSp>
+        <p:cxnSp>
+          <p:nvCxnSpPr>
+            <p:cNvPr id="10" name="Straight Connector 9">
+              <a:extLst>
+                <a:ext uri="{FF2B5EF4-FFF2-40B4-BE49-F238E27FC236}">
+                  <a16:creationId xmlns:a16="http://schemas.microsoft.com/office/drawing/2014/main" id="{B79ABAE1-07F3-4803-A99F-7AAA5F98C57B}"/>
+                </a:ext>
+              </a:extLst>
+            </p:cNvPr>
+            <p:cNvCxnSpPr/>
+            <p:nvPr/>
+          </p:nvCxnSpPr>
+          <p:spPr>
+            <a:xfrm>
+              <a:off x="17853438" y="22852916"/>
+              <a:ext cx="1722108" cy="0"/>
+            </a:xfrm>
+            <a:prstGeom prst="line">
+              <a:avLst/>
+            </a:prstGeom>
+            <a:ln w="76200">
+              <a:solidFill>
+                <a:srgbClr val="6969FF"/>
+              </a:solidFill>
+            </a:ln>
+          </p:spPr>
+          <p:style>
+            <a:lnRef idx="1">
+              <a:schemeClr val="accent1"/>
+            </a:lnRef>
+            <a:fillRef idx="0">
+              <a:schemeClr val="accent1"/>
+            </a:fillRef>
+            <a:effectRef idx="0">
+              <a:schemeClr val="accent1"/>
+            </a:effectRef>
+            <a:fontRef idx="minor">
+              <a:schemeClr val="tx1"/>
+            </a:fontRef>
+          </p:style>
+        </p:cxnSp>
+        <p:sp>
+          <p:nvSpPr>
+            <p:cNvPr id="11" name="TextBox 10">
+              <a:extLst>
+                <a:ext uri="{FF2B5EF4-FFF2-40B4-BE49-F238E27FC236}">
+                  <a16:creationId xmlns:a16="http://schemas.microsoft.com/office/drawing/2014/main" id="{0E385FB2-378C-4482-8C2B-C8B581E583F2}"/>
+                </a:ext>
+              </a:extLst>
+            </p:cNvPr>
+            <p:cNvSpPr txBox="1"/>
+            <p:nvPr/>
+          </p:nvSpPr>
+          <p:spPr>
+            <a:xfrm>
+              <a:off x="21383564" y="22277189"/>
+              <a:ext cx="398627" cy="530921"/>
+            </a:xfrm>
+            <a:prstGeom prst="rect">
+              <a:avLst/>
+            </a:prstGeom>
+            <a:noFill/>
+          </p:spPr>
+          <p:txBody>
+            <a:bodyPr wrap="square" rtlCol="1">
+              <a:spAutoFit/>
+            </a:bodyPr>
+            <a:lstStyle/>
+            <a:p>
+              <a:r>
+                <a:rPr lang="en-US" sz="2799" b="1" dirty="0"/>
+                <a:t>X</a:t>
+              </a:r>
+              <a:endParaRPr lang="he-IL" sz="2799" b="1" dirty="0"/>
+            </a:p>
+          </p:txBody>
+        </p:sp>
+        <p:sp>
+          <p:nvSpPr>
+            <p:cNvPr id="12" name="TextBox 11">
+              <a:extLst>
+                <a:ext uri="{FF2B5EF4-FFF2-40B4-BE49-F238E27FC236}">
+                  <a16:creationId xmlns:a16="http://schemas.microsoft.com/office/drawing/2014/main" id="{E97577A9-670D-4F5B-837E-7527F13B17F9}"/>
+                </a:ext>
+              </a:extLst>
+            </p:cNvPr>
+            <p:cNvSpPr txBox="1"/>
+            <p:nvPr/>
+          </p:nvSpPr>
+          <p:spPr>
+            <a:xfrm>
+              <a:off x="17654124" y="20764356"/>
+              <a:ext cx="398627" cy="530921"/>
+            </a:xfrm>
+            <a:prstGeom prst="rect">
+              <a:avLst/>
+            </a:prstGeom>
+            <a:noFill/>
+          </p:spPr>
+          <p:txBody>
+            <a:bodyPr wrap="square" rtlCol="1">
+              <a:spAutoFit/>
+            </a:bodyPr>
+            <a:lstStyle/>
+            <a:p>
+              <a:r>
+                <a:rPr lang="en-US" sz="2799" b="1" dirty="0"/>
+                <a:t>Z</a:t>
+              </a:r>
+              <a:endParaRPr lang="he-IL" sz="2799" b="1" dirty="0"/>
+            </a:p>
+          </p:txBody>
+        </p:sp>
+        <p:sp>
+          <p:nvSpPr>
+            <p:cNvPr id="13" name="TextBox 12">
+              <a:extLst>
+                <a:ext uri="{FF2B5EF4-FFF2-40B4-BE49-F238E27FC236}">
+                  <a16:creationId xmlns:a16="http://schemas.microsoft.com/office/drawing/2014/main" id="{6235E006-D53F-4C9E-B47D-B4DF30D15AC9}"/>
+                </a:ext>
+              </a:extLst>
+            </p:cNvPr>
+            <p:cNvSpPr txBox="1"/>
+            <p:nvPr/>
+          </p:nvSpPr>
+          <p:spPr>
+            <a:xfrm>
+              <a:off x="16736586" y="20764356"/>
+              <a:ext cx="398627" cy="530921"/>
+            </a:xfrm>
+            <a:prstGeom prst="rect">
+              <a:avLst/>
+            </a:prstGeom>
+            <a:noFill/>
+          </p:spPr>
+          <p:txBody>
+            <a:bodyPr wrap="square" rtlCol="1">
+              <a:spAutoFit/>
+            </a:bodyPr>
+            <a:lstStyle/>
+            <a:p>
+              <a:r>
+                <a:rPr lang="en-US" sz="2799" b="1" dirty="0"/>
+                <a:t>Y</a:t>
+              </a:r>
+              <a:endParaRPr lang="he-IL" sz="2799" b="1" dirty="0"/>
+            </a:p>
+          </p:txBody>
+        </p:sp>
+      </p:grpSp>
+      <p:sp>
+        <p:nvSpPr>
+          <p:cNvPr id="2" name="TextBox 1">
+            <a:extLst>
+              <a:ext uri="{FF2B5EF4-FFF2-40B4-BE49-F238E27FC236}">
+                <a16:creationId xmlns:a16="http://schemas.microsoft.com/office/drawing/2014/main" id="{C678002B-FF60-41A7-9A65-A6ABBFE4163E}"/>
+              </a:ext>
+            </a:extLst>
+          </p:cNvPr>
+          <p:cNvSpPr txBox="1"/>
+          <p:nvPr/>
+        </p:nvSpPr>
+        <p:spPr>
+          <a:xfrm>
+            <a:off x="3722927" y="2458452"/>
+            <a:ext cx="788916" cy="369332"/>
+          </a:xfrm>
+          <a:prstGeom prst="rect">
+            <a:avLst/>
+          </a:prstGeom>
+          <a:noFill/>
+        </p:spPr>
+        <p:txBody>
+          <a:bodyPr wrap="square" rtlCol="1">
+            <a:spAutoFit/>
+          </a:bodyPr>
+          <a:lstStyle/>
+          <a:p>
+            <a:pPr algn="ctr"/>
+            <a:r>
+              <a:rPr lang="en-US" dirty="0"/>
+              <a:t>Radio</a:t>
+            </a:r>
+            <a:endParaRPr lang="he-IL" dirty="0"/>
+          </a:p>
+        </p:txBody>
+      </p:sp>
+      <p:sp>
+        <p:nvSpPr>
+          <p:cNvPr id="14" name="TextBox 13">
+            <a:extLst>
+              <a:ext uri="{FF2B5EF4-FFF2-40B4-BE49-F238E27FC236}">
+                <a16:creationId xmlns:a16="http://schemas.microsoft.com/office/drawing/2014/main" id="{95C9426D-CA60-45A7-9B5C-B054BDFBCAFC}"/>
+              </a:ext>
+            </a:extLst>
+          </p:cNvPr>
+          <p:cNvSpPr txBox="1"/>
+          <p:nvPr/>
+        </p:nvSpPr>
+        <p:spPr>
+          <a:xfrm>
+            <a:off x="2911632" y="2176092"/>
+            <a:ext cx="1031886" cy="307777"/>
+          </a:xfrm>
+          <a:prstGeom prst="rect">
+            <a:avLst/>
+          </a:prstGeom>
+          <a:solidFill>
+            <a:srgbClr val="6F6F6F"/>
+          </a:solidFill>
+        </p:spPr>
+        <p:txBody>
+          <a:bodyPr wrap="square" rtlCol="1">
+            <a:spAutoFit/>
+          </a:bodyPr>
+          <a:lstStyle/>
+          <a:p>
+            <a:pPr algn="ctr"/>
+            <a:r>
+              <a:rPr lang="en-US" sz="1400" dirty="0"/>
+              <a:t>Artificial</a:t>
+            </a:r>
+            <a:endParaRPr lang="he-IL" sz="1400" dirty="0"/>
+          </a:p>
+        </p:txBody>
+      </p:sp>
+      <p:sp>
+        <p:nvSpPr>
+          <p:cNvPr id="16" name="TextBox 15">
+            <a:extLst>
+              <a:ext uri="{FF2B5EF4-FFF2-40B4-BE49-F238E27FC236}">
+                <a16:creationId xmlns:a16="http://schemas.microsoft.com/office/drawing/2014/main" id="{8CFAC7AF-1CAD-4B34-9743-EDC4F2029052}"/>
+              </a:ext>
+            </a:extLst>
+          </p:cNvPr>
+          <p:cNvSpPr txBox="1"/>
+          <p:nvPr/>
+        </p:nvSpPr>
+        <p:spPr>
+          <a:xfrm>
+            <a:off x="4261614" y="2176092"/>
+            <a:ext cx="1031886" cy="307777"/>
+          </a:xfrm>
+          <a:prstGeom prst="rect">
+            <a:avLst/>
+          </a:prstGeom>
+          <a:solidFill>
+            <a:srgbClr val="6F6F6F"/>
+          </a:solidFill>
+        </p:spPr>
+        <p:txBody>
+          <a:bodyPr wrap="square" rtlCol="1">
+            <a:spAutoFit/>
+          </a:bodyPr>
+          <a:lstStyle/>
+          <a:p>
+            <a:pPr algn="ctr"/>
+            <a:r>
+              <a:rPr lang="en-US" sz="1400" dirty="0"/>
+              <a:t>Natural</a:t>
+            </a:r>
+            <a:endParaRPr lang="he-IL" sz="1400" dirty="0"/>
+          </a:p>
+        </p:txBody>
+      </p:sp>
+      <p:cxnSp>
+        <p:nvCxnSpPr>
+          <p:cNvPr id="44" name="Straight Connector 43">
+            <a:extLst>
+              <a:ext uri="{FF2B5EF4-FFF2-40B4-BE49-F238E27FC236}">
+                <a16:creationId xmlns:a16="http://schemas.microsoft.com/office/drawing/2014/main" id="{2EB7046D-56CE-4B63-8682-C833318CDC0E}"/>
+              </a:ext>
+            </a:extLst>
+          </p:cNvPr>
+          <p:cNvCxnSpPr>
+            <a:cxnSpLocks/>
+          </p:cNvCxnSpPr>
+          <p:nvPr/>
+        </p:nvCxnSpPr>
+        <p:spPr>
+          <a:xfrm>
+            <a:off x="3452202" y="2686838"/>
+            <a:ext cx="71924" cy="715209"/>
+          </a:xfrm>
+          <a:prstGeom prst="line">
+            <a:avLst/>
+          </a:prstGeom>
+          <a:ln w="19050">
+            <a:solidFill>
+              <a:schemeClr val="tx1"/>
+            </a:solidFill>
+            <a:prstDash val="sysDash"/>
+          </a:ln>
+        </p:spPr>
+        <p:style>
+          <a:lnRef idx="1">
+            <a:schemeClr val="accent1"/>
+          </a:lnRef>
+          <a:fillRef idx="0">
+            <a:schemeClr val="accent1"/>
+          </a:fillRef>
+          <a:effectRef idx="0">
+            <a:schemeClr val="accent1"/>
+          </a:effectRef>
+          <a:fontRef idx="minor">
+            <a:schemeClr val="tx1"/>
+          </a:fontRef>
+        </p:style>
+      </p:cxnSp>
+      <p:sp>
+        <p:nvSpPr>
+          <p:cNvPr id="3" name="Freeform: Shape 2">
+            <a:extLst>
+              <a:ext uri="{FF2B5EF4-FFF2-40B4-BE49-F238E27FC236}">
+                <a16:creationId xmlns:a16="http://schemas.microsoft.com/office/drawing/2014/main" id="{5C55FF7B-6A5D-3CB0-3719-2A69B1310736}"/>
+              </a:ext>
+            </a:extLst>
+          </p:cNvPr>
+          <p:cNvSpPr/>
+          <p:nvPr/>
+        </p:nvSpPr>
+        <p:spPr>
+          <a:xfrm>
+            <a:off x="3365158" y="3348680"/>
+            <a:ext cx="1575150" cy="1960607"/>
+          </a:xfrm>
+          <a:custGeom>
+            <a:avLst/>
+            <a:gdLst>
+              <a:gd name="connsiteX0" fmla="*/ 218303 w 3513438"/>
+              <a:gd name="connsiteY0" fmla="*/ 65903 h 1927654"/>
+              <a:gd name="connsiteX1" fmla="*/ 0 w 3513438"/>
+              <a:gd name="connsiteY1" fmla="*/ 1919417 h 1927654"/>
+              <a:gd name="connsiteX2" fmla="*/ 3513438 w 3513438"/>
+              <a:gd name="connsiteY2" fmla="*/ 1927654 h 1927654"/>
+              <a:gd name="connsiteX3" fmla="*/ 3085070 w 3513438"/>
+              <a:gd name="connsiteY3" fmla="*/ 16476 h 1927654"/>
+              <a:gd name="connsiteX4" fmla="*/ 226541 w 3513438"/>
+              <a:gd name="connsiteY4" fmla="*/ 0 h 1927654"/>
+              <a:gd name="connsiteX5" fmla="*/ 218303 w 3513438"/>
+              <a:gd name="connsiteY5" fmla="*/ 65903 h 1927654"/>
+              <a:gd name="connsiteX0" fmla="*/ 226541 w 3513438"/>
+              <a:gd name="connsiteY0" fmla="*/ 0 h 1927654"/>
+              <a:gd name="connsiteX1" fmla="*/ 0 w 3513438"/>
+              <a:gd name="connsiteY1" fmla="*/ 1919417 h 1927654"/>
+              <a:gd name="connsiteX2" fmla="*/ 3513438 w 3513438"/>
+              <a:gd name="connsiteY2" fmla="*/ 1927654 h 1927654"/>
+              <a:gd name="connsiteX3" fmla="*/ 3085070 w 3513438"/>
+              <a:gd name="connsiteY3" fmla="*/ 16476 h 1927654"/>
+              <a:gd name="connsiteX4" fmla="*/ 226541 w 3513438"/>
+              <a:gd name="connsiteY4" fmla="*/ 0 h 1927654"/>
+              <a:gd name="connsiteX0" fmla="*/ 226541 w 3513438"/>
+              <a:gd name="connsiteY0" fmla="*/ 0 h 1927654"/>
+              <a:gd name="connsiteX1" fmla="*/ 0 w 3513438"/>
+              <a:gd name="connsiteY1" fmla="*/ 1919417 h 1927654"/>
+              <a:gd name="connsiteX2" fmla="*/ 3513438 w 3513438"/>
+              <a:gd name="connsiteY2" fmla="*/ 1927654 h 1927654"/>
+              <a:gd name="connsiteX3" fmla="*/ 2964759 w 3513438"/>
+              <a:gd name="connsiteY3" fmla="*/ 0 h 1927654"/>
+              <a:gd name="connsiteX4" fmla="*/ 226541 w 3513438"/>
+              <a:gd name="connsiteY4" fmla="*/ 0 h 1927654"/>
+              <a:gd name="connsiteX0" fmla="*/ 226541 w 3066563"/>
+              <a:gd name="connsiteY0" fmla="*/ 0 h 1944129"/>
+              <a:gd name="connsiteX1" fmla="*/ 0 w 3066563"/>
+              <a:gd name="connsiteY1" fmla="*/ 1919417 h 1944129"/>
+              <a:gd name="connsiteX2" fmla="*/ 3066563 w 3066563"/>
+              <a:gd name="connsiteY2" fmla="*/ 1944129 h 1944129"/>
+              <a:gd name="connsiteX3" fmla="*/ 2964759 w 3066563"/>
+              <a:gd name="connsiteY3" fmla="*/ 0 h 1944129"/>
+              <a:gd name="connsiteX4" fmla="*/ 226541 w 3066563"/>
+              <a:gd name="connsiteY4" fmla="*/ 0 h 1944129"/>
+              <a:gd name="connsiteX0" fmla="*/ 518731 w 3066563"/>
+              <a:gd name="connsiteY0" fmla="*/ 0 h 1952367"/>
+              <a:gd name="connsiteX1" fmla="*/ 0 w 3066563"/>
+              <a:gd name="connsiteY1" fmla="*/ 1927655 h 1952367"/>
+              <a:gd name="connsiteX2" fmla="*/ 3066563 w 3066563"/>
+              <a:gd name="connsiteY2" fmla="*/ 1952367 h 1952367"/>
+              <a:gd name="connsiteX3" fmla="*/ 2964759 w 3066563"/>
+              <a:gd name="connsiteY3" fmla="*/ 8238 h 1952367"/>
+              <a:gd name="connsiteX4" fmla="*/ 518731 w 3066563"/>
+              <a:gd name="connsiteY4" fmla="*/ 0 h 1952367"/>
+              <a:gd name="connsiteX0" fmla="*/ 690605 w 3238437"/>
+              <a:gd name="connsiteY0" fmla="*/ 0 h 1952367"/>
+              <a:gd name="connsiteX1" fmla="*/ 0 w 3238437"/>
+              <a:gd name="connsiteY1" fmla="*/ 1935893 h 1952367"/>
+              <a:gd name="connsiteX2" fmla="*/ 3238437 w 3238437"/>
+              <a:gd name="connsiteY2" fmla="*/ 1952367 h 1952367"/>
+              <a:gd name="connsiteX3" fmla="*/ 3136633 w 3238437"/>
+              <a:gd name="connsiteY3" fmla="*/ 8238 h 1952367"/>
+              <a:gd name="connsiteX4" fmla="*/ 690605 w 3238437"/>
+              <a:gd name="connsiteY4" fmla="*/ 0 h 1952367"/>
+              <a:gd name="connsiteX0" fmla="*/ 690605 w 3255625"/>
+              <a:gd name="connsiteY0" fmla="*/ 0 h 1935893"/>
+              <a:gd name="connsiteX1" fmla="*/ 0 w 3255625"/>
+              <a:gd name="connsiteY1" fmla="*/ 1935893 h 1935893"/>
+              <a:gd name="connsiteX2" fmla="*/ 3255625 w 3255625"/>
+              <a:gd name="connsiteY2" fmla="*/ 1923534 h 1935893"/>
+              <a:gd name="connsiteX3" fmla="*/ 3136633 w 3255625"/>
+              <a:gd name="connsiteY3" fmla="*/ 8238 h 1935893"/>
+              <a:gd name="connsiteX4" fmla="*/ 690605 w 3255625"/>
+              <a:gd name="connsiteY4" fmla="*/ 0 h 1935893"/>
+              <a:gd name="connsiteX0" fmla="*/ 690605 w 5628817"/>
+              <a:gd name="connsiteY0" fmla="*/ 16476 h 1952369"/>
+              <a:gd name="connsiteX1" fmla="*/ 0 w 5628817"/>
+              <a:gd name="connsiteY1" fmla="*/ 1952369 h 1952369"/>
+              <a:gd name="connsiteX2" fmla="*/ 3255625 w 5628817"/>
+              <a:gd name="connsiteY2" fmla="*/ 1940010 h 1952369"/>
+              <a:gd name="connsiteX3" fmla="*/ 5628817 w 5628817"/>
+              <a:gd name="connsiteY3" fmla="*/ 0 h 1952369"/>
+              <a:gd name="connsiteX4" fmla="*/ 690605 w 5628817"/>
+              <a:gd name="connsiteY4" fmla="*/ 16476 h 1952369"/>
+              <a:gd name="connsiteX0" fmla="*/ 690605 w 6572808"/>
+              <a:gd name="connsiteY0" fmla="*/ 16476 h 1952369"/>
+              <a:gd name="connsiteX1" fmla="*/ 0 w 6572808"/>
+              <a:gd name="connsiteY1" fmla="*/ 1952369 h 1952369"/>
+              <a:gd name="connsiteX2" fmla="*/ 6572808 w 6572808"/>
+              <a:gd name="connsiteY2" fmla="*/ 1927653 h 1952369"/>
+              <a:gd name="connsiteX3" fmla="*/ 5628817 w 6572808"/>
+              <a:gd name="connsiteY3" fmla="*/ 0 h 1952369"/>
+              <a:gd name="connsiteX4" fmla="*/ 690605 w 6572808"/>
+              <a:gd name="connsiteY4" fmla="*/ 16476 h 1952369"/>
+              <a:gd name="connsiteX0" fmla="*/ 690605 w 6572808"/>
+              <a:gd name="connsiteY0" fmla="*/ 24714 h 1960607"/>
+              <a:gd name="connsiteX1" fmla="*/ 0 w 6572808"/>
+              <a:gd name="connsiteY1" fmla="*/ 1960607 h 1960607"/>
+              <a:gd name="connsiteX2" fmla="*/ 6572808 w 6572808"/>
+              <a:gd name="connsiteY2" fmla="*/ 1935891 h 1960607"/>
+              <a:gd name="connsiteX3" fmla="*/ 5731940 w 6572808"/>
+              <a:gd name="connsiteY3" fmla="*/ 0 h 1960607"/>
+              <a:gd name="connsiteX4" fmla="*/ 690605 w 6572808"/>
+              <a:gd name="connsiteY4" fmla="*/ 24714 h 1960607"/>
+            </a:gdLst>
+            <a:ahLst/>
+            <a:cxnLst>
+              <a:cxn ang="0">
+                <a:pos x="connsiteX0" y="connsiteY0"/>
+              </a:cxn>
+              <a:cxn ang="0">
+                <a:pos x="connsiteX1" y="connsiteY1"/>
+              </a:cxn>
+              <a:cxn ang="0">
+                <a:pos x="connsiteX2" y="connsiteY2"/>
+              </a:cxn>
+              <a:cxn ang="0">
+                <a:pos x="connsiteX3" y="connsiteY3"/>
+              </a:cxn>
+              <a:cxn ang="0">
+                <a:pos x="connsiteX4" y="connsiteY4"/>
+              </a:cxn>
+            </a:cxnLst>
+            <a:rect l="l" t="t" r="r" b="b"/>
+            <a:pathLst>
+              <a:path w="6572808" h="1960607">
+                <a:moveTo>
+                  <a:pt x="690605" y="24714"/>
+                </a:moveTo>
+                <a:lnTo>
+                  <a:pt x="0" y="1960607"/>
+                </a:lnTo>
+                <a:lnTo>
+                  <a:pt x="6572808" y="1935891"/>
+                </a:lnTo>
+                <a:lnTo>
+                  <a:pt x="5731940" y="0"/>
+                </a:lnTo>
+                <a:lnTo>
+                  <a:pt x="690605" y="24714"/>
+                </a:lnTo>
+                <a:close/>
+              </a:path>
+            </a:pathLst>
+          </a:custGeom>
+          <a:solidFill>
+            <a:srgbClr val="E71224">
+              <a:alpha val="54118"/>
+            </a:srgbClr>
+          </a:solidFill>
+          <a:ln>
+            <a:solidFill>
+              <a:schemeClr val="tx1"/>
+            </a:solidFill>
+          </a:ln>
+        </p:spPr>
+        <p:style>
+          <a:lnRef idx="2">
+            <a:schemeClr val="accent1">
+              <a:shade val="50000"/>
+            </a:schemeClr>
+          </a:lnRef>
+          <a:fillRef idx="1">
+            <a:schemeClr val="accent1"/>
+          </a:fillRef>
+          <a:effectRef idx="0">
+            <a:schemeClr val="accent1"/>
+          </a:effectRef>
+          <a:fontRef idx="minor">
+            <a:schemeClr val="lt1"/>
+          </a:fontRef>
+        </p:style>
+        <p:txBody>
+          <a:bodyPr rtlCol="1" anchor="ctr"/>
+          <a:lstStyle/>
+          <a:p>
+            <a:pPr algn="ctr"/>
+            <a:r>
+              <a:rPr lang="en-US" dirty="0"/>
+              <a:t>Max. Reach area</a:t>
+            </a:r>
+          </a:p>
+          <a:p>
+            <a:pPr algn="ctr"/>
+            <a:r>
+              <a:rPr lang="en-US" dirty="0"/>
+              <a:t>0.07m</a:t>
+            </a:r>
+            <a:r>
+              <a:rPr lang="en-US" baseline="30000" dirty="0"/>
+              <a:t>2</a:t>
+            </a:r>
+            <a:endParaRPr lang="he-IL" dirty="0"/>
+          </a:p>
+        </p:txBody>
+      </p:sp>
+      <p:sp>
+        <p:nvSpPr>
+          <p:cNvPr id="27" name="Freeform: Shape 26">
+            <a:extLst>
+              <a:ext uri="{FF2B5EF4-FFF2-40B4-BE49-F238E27FC236}">
+                <a16:creationId xmlns:a16="http://schemas.microsoft.com/office/drawing/2014/main" id="{9AEC0EC9-19F5-05ED-BC8D-BAB08EB2022E}"/>
+              </a:ext>
+            </a:extLst>
+          </p:cNvPr>
+          <p:cNvSpPr/>
+          <p:nvPr/>
+        </p:nvSpPr>
+        <p:spPr>
+          <a:xfrm>
+            <a:off x="3327400" y="2693451"/>
+            <a:ext cx="816232" cy="2595240"/>
+          </a:xfrm>
+          <a:custGeom>
+            <a:avLst/>
+            <a:gdLst>
+              <a:gd name="connsiteX0" fmla="*/ 790832 w 790832"/>
+              <a:gd name="connsiteY0" fmla="*/ 1890584 h 1919416"/>
+              <a:gd name="connsiteX1" fmla="*/ 0 w 790832"/>
+              <a:gd name="connsiteY1" fmla="*/ 1919416 h 1919416"/>
+              <a:gd name="connsiteX2" fmla="*/ 172995 w 790832"/>
+              <a:gd name="connsiteY2" fmla="*/ 0 h 1919416"/>
+              <a:gd name="connsiteX0" fmla="*/ 790832 w 790832"/>
+              <a:gd name="connsiteY0" fmla="*/ 1907059 h 1935891"/>
+              <a:gd name="connsiteX1" fmla="*/ 0 w 790832"/>
+              <a:gd name="connsiteY1" fmla="*/ 1935891 h 1935891"/>
+              <a:gd name="connsiteX2" fmla="*/ 181233 w 790832"/>
+              <a:gd name="connsiteY2" fmla="*/ 0 h 1935891"/>
+              <a:gd name="connsiteX0" fmla="*/ 790832 w 790832"/>
+              <a:gd name="connsiteY0" fmla="*/ 1915393 h 1944225"/>
+              <a:gd name="connsiteX1" fmla="*/ 0 w 790832"/>
+              <a:gd name="connsiteY1" fmla="*/ 1944225 h 1944225"/>
+              <a:gd name="connsiteX2" fmla="*/ 171708 w 790832"/>
+              <a:gd name="connsiteY2" fmla="*/ 0 h 1944225"/>
+              <a:gd name="connsiteX0" fmla="*/ 790832 w 790832"/>
+              <a:gd name="connsiteY0" fmla="*/ 2585715 h 2614547"/>
+              <a:gd name="connsiteX1" fmla="*/ 0 w 790832"/>
+              <a:gd name="connsiteY1" fmla="*/ 2614547 h 2614547"/>
+              <a:gd name="connsiteX2" fmla="*/ 97889 w 790832"/>
+              <a:gd name="connsiteY2" fmla="*/ 0 h 2614547"/>
+              <a:gd name="connsiteX0" fmla="*/ 828932 w 828932"/>
+              <a:gd name="connsiteY0" fmla="*/ 2585715 h 2585715"/>
+              <a:gd name="connsiteX1" fmla="*/ 0 w 828932"/>
+              <a:gd name="connsiteY1" fmla="*/ 2265297 h 2585715"/>
+              <a:gd name="connsiteX2" fmla="*/ 135989 w 828932"/>
+              <a:gd name="connsiteY2" fmla="*/ 0 h 2585715"/>
+              <a:gd name="connsiteX0" fmla="*/ 816232 w 816232"/>
+              <a:gd name="connsiteY0" fmla="*/ 2585715 h 2585715"/>
+              <a:gd name="connsiteX1" fmla="*/ 0 w 816232"/>
+              <a:gd name="connsiteY1" fmla="*/ 2173222 h 2585715"/>
+              <a:gd name="connsiteX2" fmla="*/ 123289 w 816232"/>
+              <a:gd name="connsiteY2" fmla="*/ 0 h 2585715"/>
+              <a:gd name="connsiteX0" fmla="*/ 816232 w 816232"/>
+              <a:gd name="connsiteY0" fmla="*/ 2595240 h 2595240"/>
+              <a:gd name="connsiteX1" fmla="*/ 0 w 816232"/>
+              <a:gd name="connsiteY1" fmla="*/ 2182747 h 2595240"/>
+              <a:gd name="connsiteX2" fmla="*/ 120114 w 816232"/>
+              <a:gd name="connsiteY2" fmla="*/ 0 h 2595240"/>
+            </a:gdLst>
+            <a:ahLst/>
+            <a:cxnLst>
+              <a:cxn ang="0">
+                <a:pos x="connsiteX0" y="connsiteY0"/>
+              </a:cxn>
+              <a:cxn ang="0">
+                <a:pos x="connsiteX1" y="connsiteY1"/>
+              </a:cxn>
+              <a:cxn ang="0">
+                <a:pos x="connsiteX2" y="connsiteY2"/>
+              </a:cxn>
+            </a:cxnLst>
+            <a:rect l="l" t="t" r="r" b="b"/>
+            <a:pathLst>
+              <a:path w="816232" h="2595240">
+                <a:moveTo>
+                  <a:pt x="816232" y="2595240"/>
+                </a:moveTo>
+                <a:lnTo>
+                  <a:pt x="0" y="2182747"/>
+                </a:lnTo>
+                <a:cubicBezTo>
+                  <a:pt x="57665" y="1542942"/>
+                  <a:pt x="62449" y="639805"/>
+                  <a:pt x="120114" y="0"/>
+                </a:cubicBezTo>
+              </a:path>
+            </a:pathLst>
+          </a:custGeom>
+          <a:noFill/>
+          <a:ln w="57150">
+            <a:solidFill>
+              <a:srgbClr val="AE0E1D"/>
+            </a:solidFill>
+            <a:headEnd type="none" w="med" len="med"/>
+            <a:tailEnd type="triangle" w="med" len="med"/>
+          </a:ln>
+        </p:spPr>
+        <p:style>
+          <a:lnRef idx="2">
+            <a:schemeClr val="accent1">
+              <a:shade val="50000"/>
+            </a:schemeClr>
+          </a:lnRef>
+          <a:fillRef idx="1">
+            <a:schemeClr val="accent1"/>
+          </a:fillRef>
+          <a:effectRef idx="0">
+            <a:schemeClr val="accent1"/>
+          </a:effectRef>
+          <a:fontRef idx="minor">
+            <a:schemeClr val="lt1"/>
+          </a:fontRef>
+        </p:style>
+        <p:txBody>
+          <a:bodyPr rtlCol="1" anchor="ctr"/>
+          <a:lstStyle/>
+          <a:p>
+            <a:pPr algn="ctr"/>
+            <a:endParaRPr lang="he-IL"/>
+          </a:p>
+        </p:txBody>
+      </p:sp>
+      <p:cxnSp>
+        <p:nvCxnSpPr>
+          <p:cNvPr id="45" name="Straight Connector 44">
+            <a:extLst>
+              <a:ext uri="{FF2B5EF4-FFF2-40B4-BE49-F238E27FC236}">
+                <a16:creationId xmlns:a16="http://schemas.microsoft.com/office/drawing/2014/main" id="{DCE5B0EE-4A65-092B-3163-50F6EBC1AC58}"/>
+              </a:ext>
+            </a:extLst>
+          </p:cNvPr>
+          <p:cNvCxnSpPr>
+            <a:cxnSpLocks/>
+          </p:cNvCxnSpPr>
+          <p:nvPr/>
+        </p:nvCxnSpPr>
+        <p:spPr>
+          <a:xfrm flipH="1">
+            <a:off x="4743278" y="2686838"/>
+            <a:ext cx="11771" cy="686019"/>
+          </a:xfrm>
+          <a:prstGeom prst="line">
+            <a:avLst/>
+          </a:prstGeom>
+          <a:ln w="19050">
+            <a:solidFill>
+              <a:schemeClr val="tx1"/>
+            </a:solidFill>
+            <a:prstDash val="sysDash"/>
+          </a:ln>
+        </p:spPr>
+        <p:style>
+          <a:lnRef idx="1">
+            <a:schemeClr val="accent1"/>
+          </a:lnRef>
+          <a:fillRef idx="0">
+            <a:schemeClr val="accent1"/>
+          </a:fillRef>
+          <a:effectRef idx="0">
+            <a:schemeClr val="accent1"/>
+          </a:effectRef>
+          <a:fontRef idx="minor">
+            <a:schemeClr val="tx1"/>
+          </a:fontRef>
+        </p:style>
+      </p:cxnSp>
+      <p:sp>
+        <p:nvSpPr>
+          <p:cNvPr id="43" name="Freeform: Shape 42">
+            <a:extLst>
+              <a:ext uri="{FF2B5EF4-FFF2-40B4-BE49-F238E27FC236}">
+                <a16:creationId xmlns:a16="http://schemas.microsoft.com/office/drawing/2014/main" id="{C0944F40-9F13-105B-DBD5-7D7D60C3FC6E}"/>
+              </a:ext>
+            </a:extLst>
+          </p:cNvPr>
+          <p:cNvSpPr/>
+          <p:nvPr/>
+        </p:nvSpPr>
+        <p:spPr>
+          <a:xfrm flipH="1">
+            <a:off x="4134059" y="2706209"/>
+            <a:ext cx="816833" cy="2577575"/>
+          </a:xfrm>
+          <a:custGeom>
+            <a:avLst/>
+            <a:gdLst>
+              <a:gd name="connsiteX0" fmla="*/ 790832 w 790832"/>
+              <a:gd name="connsiteY0" fmla="*/ 1890584 h 1919416"/>
+              <a:gd name="connsiteX1" fmla="*/ 0 w 790832"/>
+              <a:gd name="connsiteY1" fmla="*/ 1919416 h 1919416"/>
+              <a:gd name="connsiteX2" fmla="*/ 172995 w 790832"/>
+              <a:gd name="connsiteY2" fmla="*/ 0 h 1919416"/>
+              <a:gd name="connsiteX0" fmla="*/ 807308 w 807308"/>
+              <a:gd name="connsiteY0" fmla="*/ 1890584 h 1902940"/>
+              <a:gd name="connsiteX1" fmla="*/ 0 w 807308"/>
+              <a:gd name="connsiteY1" fmla="*/ 1902940 h 1902940"/>
+              <a:gd name="connsiteX2" fmla="*/ 189471 w 807308"/>
+              <a:gd name="connsiteY2" fmla="*/ 0 h 1902940"/>
+              <a:gd name="connsiteX0" fmla="*/ 807308 w 807308"/>
+              <a:gd name="connsiteY0" fmla="*/ 1932256 h 1944612"/>
+              <a:gd name="connsiteX1" fmla="*/ 0 w 807308"/>
+              <a:gd name="connsiteY1" fmla="*/ 1944612 h 1944612"/>
+              <a:gd name="connsiteX2" fmla="*/ 194233 w 807308"/>
+              <a:gd name="connsiteY2" fmla="*/ 0 h 1944612"/>
+              <a:gd name="connsiteX0" fmla="*/ 807308 w 807308"/>
+              <a:gd name="connsiteY0" fmla="*/ 2577575 h 2589931"/>
+              <a:gd name="connsiteX1" fmla="*/ 0 w 807308"/>
+              <a:gd name="connsiteY1" fmla="*/ 2589931 h 2589931"/>
+              <a:gd name="connsiteX2" fmla="*/ 183517 w 807308"/>
+              <a:gd name="connsiteY2" fmla="*/ 0 h 2589931"/>
+              <a:gd name="connsiteX0" fmla="*/ 778733 w 778733"/>
+              <a:gd name="connsiteY0" fmla="*/ 2577575 h 2577575"/>
+              <a:gd name="connsiteX1" fmla="*/ 0 w 778733"/>
+              <a:gd name="connsiteY1" fmla="*/ 2186706 h 2577575"/>
+              <a:gd name="connsiteX2" fmla="*/ 154942 w 778733"/>
+              <a:gd name="connsiteY2" fmla="*/ 0 h 2577575"/>
+              <a:gd name="connsiteX0" fmla="*/ 804133 w 804133"/>
+              <a:gd name="connsiteY0" fmla="*/ 2577575 h 2577575"/>
+              <a:gd name="connsiteX1" fmla="*/ 0 w 804133"/>
+              <a:gd name="connsiteY1" fmla="*/ 2170831 h 2577575"/>
+              <a:gd name="connsiteX2" fmla="*/ 180342 w 804133"/>
+              <a:gd name="connsiteY2" fmla="*/ 0 h 2577575"/>
+              <a:gd name="connsiteX0" fmla="*/ 804133 w 804133"/>
+              <a:gd name="connsiteY0" fmla="*/ 2577575 h 2577575"/>
+              <a:gd name="connsiteX1" fmla="*/ 0 w 804133"/>
+              <a:gd name="connsiteY1" fmla="*/ 2202581 h 2577575"/>
+              <a:gd name="connsiteX2" fmla="*/ 180342 w 804133"/>
+              <a:gd name="connsiteY2" fmla="*/ 0 h 2577575"/>
+              <a:gd name="connsiteX0" fmla="*/ 791433 w 791433"/>
+              <a:gd name="connsiteY0" fmla="*/ 2577575 h 2577575"/>
+              <a:gd name="connsiteX1" fmla="*/ 0 w 791433"/>
+              <a:gd name="connsiteY1" fmla="*/ 2196231 h 2577575"/>
+              <a:gd name="connsiteX2" fmla="*/ 167642 w 791433"/>
+              <a:gd name="connsiteY2" fmla="*/ 0 h 2577575"/>
+              <a:gd name="connsiteX0" fmla="*/ 816833 w 816833"/>
+              <a:gd name="connsiteY0" fmla="*/ 2577575 h 2577575"/>
+              <a:gd name="connsiteX1" fmla="*/ 0 w 816833"/>
+              <a:gd name="connsiteY1" fmla="*/ 2202581 h 2577575"/>
+              <a:gd name="connsiteX2" fmla="*/ 193042 w 816833"/>
+              <a:gd name="connsiteY2" fmla="*/ 0 h 2577575"/>
+              <a:gd name="connsiteX0" fmla="*/ 816833 w 816833"/>
+              <a:gd name="connsiteY0" fmla="*/ 2577575 h 2577575"/>
+              <a:gd name="connsiteX1" fmla="*/ 0 w 816833"/>
+              <a:gd name="connsiteY1" fmla="*/ 2183531 h 2577575"/>
+              <a:gd name="connsiteX2" fmla="*/ 193042 w 816833"/>
+              <a:gd name="connsiteY2" fmla="*/ 0 h 2577575"/>
+            </a:gdLst>
+            <a:ahLst/>
+            <a:cxnLst>
+              <a:cxn ang="0">
+                <a:pos x="connsiteX0" y="connsiteY0"/>
+              </a:cxn>
+              <a:cxn ang="0">
+                <a:pos x="connsiteX1" y="connsiteY1"/>
+              </a:cxn>
+              <a:cxn ang="0">
+                <a:pos x="connsiteX2" y="connsiteY2"/>
+              </a:cxn>
+            </a:cxnLst>
+            <a:rect l="l" t="t" r="r" b="b"/>
+            <a:pathLst>
+              <a:path w="816833" h="2577575">
+                <a:moveTo>
+                  <a:pt x="816833" y="2577575"/>
+                </a:moveTo>
+                <a:lnTo>
+                  <a:pt x="0" y="2183531"/>
+                </a:lnTo>
+                <a:cubicBezTo>
+                  <a:pt x="57665" y="1543726"/>
+                  <a:pt x="135377" y="639805"/>
+                  <a:pt x="193042" y="0"/>
+                </a:cubicBezTo>
+              </a:path>
+            </a:pathLst>
+          </a:custGeom>
+          <a:noFill/>
+          <a:ln w="57150">
+            <a:solidFill>
+              <a:srgbClr val="E71224"/>
+            </a:solidFill>
+            <a:headEnd type="none" w="med" len="med"/>
+            <a:tailEnd type="triangle" w="med" len="med"/>
+          </a:ln>
+        </p:spPr>
+        <p:style>
+          <a:lnRef idx="2">
+            <a:schemeClr val="accent1">
+              <a:shade val="50000"/>
+            </a:schemeClr>
+          </a:lnRef>
+          <a:fillRef idx="1">
+            <a:schemeClr val="accent1"/>
+          </a:fillRef>
+          <a:effectRef idx="0">
+            <a:schemeClr val="accent1"/>
+          </a:effectRef>
+          <a:fontRef idx="minor">
+            <a:schemeClr val="lt1"/>
+          </a:fontRef>
+        </p:style>
+        <p:txBody>
+          <a:bodyPr rtlCol="1" anchor="ctr"/>
+          <a:lstStyle/>
+          <a:p>
+            <a:pPr algn="ctr"/>
+            <a:endParaRPr lang="he-IL"/>
+          </a:p>
+        </p:txBody>
+      </p:sp>
+      <p:sp>
+        <p:nvSpPr>
+          <p:cNvPr id="52" name="TextBox 51">
+            <a:extLst>
+              <a:ext uri="{FF2B5EF4-FFF2-40B4-BE49-F238E27FC236}">
+                <a16:creationId xmlns:a16="http://schemas.microsoft.com/office/drawing/2014/main" id="{D48BF05E-1FA6-9579-084E-4F12B78C74F5}"/>
+              </a:ext>
+            </a:extLst>
+          </p:cNvPr>
+          <p:cNvSpPr txBox="1"/>
+          <p:nvPr/>
+        </p:nvSpPr>
+        <p:spPr>
+          <a:xfrm>
+            <a:off x="4984532" y="4299764"/>
+            <a:ext cx="1170814" cy="523220"/>
+          </a:xfrm>
+          <a:prstGeom prst="rect">
+            <a:avLst/>
+          </a:prstGeom>
+          <a:noFill/>
+        </p:spPr>
+        <p:txBody>
+          <a:bodyPr wrap="square" rtlCol="1">
+            <a:spAutoFit/>
+          </a:bodyPr>
+          <a:lstStyle/>
+          <a:p>
+            <a:r>
+              <a:rPr lang="en-US" sz="1400" dirty="0">
+                <a:solidFill>
+                  <a:srgbClr val="AE0E1D"/>
+                </a:solidFill>
+              </a:rPr>
+              <a:t>Average Left</a:t>
+            </a:r>
+          </a:p>
+          <a:p>
+            <a:r>
+              <a:rPr lang="en-US" sz="1400" dirty="0">
+                <a:solidFill>
+                  <a:srgbClr val="E71224"/>
+                </a:solidFill>
+              </a:rPr>
+              <a:t>Average right</a:t>
+            </a:r>
+            <a:endParaRPr lang="he-IL" sz="1400" dirty="0">
+              <a:solidFill>
+                <a:srgbClr val="E71224"/>
+              </a:solidFill>
+            </a:endParaRPr>
+          </a:p>
+        </p:txBody>
+      </p:sp>
+    </p:spTree>
+    <p:extLst>
+      <p:ext uri="{BB962C8B-B14F-4D97-AF65-F5344CB8AC3E}">
+        <p14:creationId xmlns:p14="http://schemas.microsoft.com/office/powerpoint/2010/main" val="2234030179"/>
+      </p:ext>
+    </p:extLst>
+  </p:cSld>
+  <p:clrMapOvr>
+    <a:masterClrMapping/>
+  </p:clrMapOvr>
+</p:sld>
+</file>
+
+<file path=ppt/slides/slide6.xml><?xml version="1.0" encoding="utf-8"?>
+<p:sld xmlns:a="http://schemas.openxmlformats.org/drawingml/2006/main" xmlns:r="http://schemas.openxmlformats.org/officeDocument/2006/relationships" xmlns:p="http://schemas.openxmlformats.org/presentationml/2006/main">
+  <p:cSld>
+    <p:spTree>
+      <p:nvGrpSpPr>
+        <p:cNvPr id="1" name=""/>
+        <p:cNvGrpSpPr/>
+        <p:nvPr/>
+      </p:nvGrpSpPr>
+      <p:grpSpPr>
+        <a:xfrm>
+          <a:off x="0" y="0"/>
+          <a:ext cx="0" cy="0"/>
+          <a:chOff x="0" y="0"/>
+          <a:chExt cx="0" cy="0"/>
+        </a:xfrm>
+      </p:grpSpPr>
       <p:sp>
         <p:nvSpPr>
           <p:cNvPr id="165" name="TextBox 164">

--- a/presentation/exp birds eye veiw.pptx
+++ b/presentation/exp birds eye veiw.pptx
@@ -2662,7 +2662,7 @@
           <a:p>
             <a:fld id="{B3DC5803-524A-4535-9048-D4846558C48F}" type="datetimeFigureOut">
               <a:rPr lang="he-IL" smtClean="0"/>
-              <a:t>י"ד/אייר/תשפ"ב</a:t>
+              <a:t>כ"א/אייר/תשפ"ב</a:t>
             </a:fld>
             <a:endParaRPr lang="he-IL"/>
           </a:p>
@@ -2862,7 +2862,7 @@
           <a:p>
             <a:fld id="{B3DC5803-524A-4535-9048-D4846558C48F}" type="datetimeFigureOut">
               <a:rPr lang="he-IL" smtClean="0"/>
-              <a:t>י"ד/אייר/תשפ"ב</a:t>
+              <a:t>כ"א/אייר/תשפ"ב</a:t>
             </a:fld>
             <a:endParaRPr lang="he-IL"/>
           </a:p>
@@ -3072,7 +3072,7 @@
           <a:p>
             <a:fld id="{B3DC5803-524A-4535-9048-D4846558C48F}" type="datetimeFigureOut">
               <a:rPr lang="he-IL" smtClean="0"/>
-              <a:t>י"ד/אייר/תשפ"ב</a:t>
+              <a:t>כ"א/אייר/תשפ"ב</a:t>
             </a:fld>
             <a:endParaRPr lang="he-IL"/>
           </a:p>
@@ -3272,7 +3272,7 @@
           <a:p>
             <a:fld id="{B3DC5803-524A-4535-9048-D4846558C48F}" type="datetimeFigureOut">
               <a:rPr lang="he-IL" smtClean="0"/>
-              <a:t>י"ד/אייר/תשפ"ב</a:t>
+              <a:t>כ"א/אייר/תשפ"ב</a:t>
             </a:fld>
             <a:endParaRPr lang="he-IL"/>
           </a:p>
@@ -3548,7 +3548,7 @@
           <a:p>
             <a:fld id="{B3DC5803-524A-4535-9048-D4846558C48F}" type="datetimeFigureOut">
               <a:rPr lang="he-IL" smtClean="0"/>
-              <a:t>י"ד/אייר/תשפ"ב</a:t>
+              <a:t>כ"א/אייר/תשפ"ב</a:t>
             </a:fld>
             <a:endParaRPr lang="he-IL"/>
           </a:p>
@@ -3816,7 +3816,7 @@
           <a:p>
             <a:fld id="{B3DC5803-524A-4535-9048-D4846558C48F}" type="datetimeFigureOut">
               <a:rPr lang="he-IL" smtClean="0"/>
-              <a:t>י"ד/אייר/תשפ"ב</a:t>
+              <a:t>כ"א/אייר/תשפ"ב</a:t>
             </a:fld>
             <a:endParaRPr lang="he-IL"/>
           </a:p>
@@ -4231,7 +4231,7 @@
           <a:p>
             <a:fld id="{B3DC5803-524A-4535-9048-D4846558C48F}" type="datetimeFigureOut">
               <a:rPr lang="he-IL" smtClean="0"/>
-              <a:t>י"ד/אייר/תשפ"ב</a:t>
+              <a:t>כ"א/אייר/תשפ"ב</a:t>
             </a:fld>
             <a:endParaRPr lang="he-IL"/>
           </a:p>
@@ -4373,7 +4373,7 @@
           <a:p>
             <a:fld id="{B3DC5803-524A-4535-9048-D4846558C48F}" type="datetimeFigureOut">
               <a:rPr lang="he-IL" smtClean="0"/>
-              <a:t>י"ד/אייר/תשפ"ב</a:t>
+              <a:t>כ"א/אייר/תשפ"ב</a:t>
             </a:fld>
             <a:endParaRPr lang="he-IL"/>
           </a:p>
@@ -4486,7 +4486,7 @@
           <a:p>
             <a:fld id="{B3DC5803-524A-4535-9048-D4846558C48F}" type="datetimeFigureOut">
               <a:rPr lang="he-IL" smtClean="0"/>
-              <a:t>י"ד/אייר/תשפ"ב</a:t>
+              <a:t>כ"א/אייר/תשפ"ב</a:t>
             </a:fld>
             <a:endParaRPr lang="he-IL"/>
           </a:p>
@@ -4799,7 +4799,7 @@
           <a:p>
             <a:fld id="{B3DC5803-524A-4535-9048-D4846558C48F}" type="datetimeFigureOut">
               <a:rPr lang="he-IL" smtClean="0"/>
-              <a:t>י"ד/אייר/תשפ"ב</a:t>
+              <a:t>כ"א/אייר/תשפ"ב</a:t>
             </a:fld>
             <a:endParaRPr lang="he-IL"/>
           </a:p>
@@ -5088,7 +5088,7 @@
           <a:p>
             <a:fld id="{B3DC5803-524A-4535-9048-D4846558C48F}" type="datetimeFigureOut">
               <a:rPr lang="he-IL" smtClean="0"/>
-              <a:t>י"ד/אייר/תשפ"ב</a:t>
+              <a:t>כ"א/אייר/תשפ"ב</a:t>
             </a:fld>
             <a:endParaRPr lang="he-IL"/>
           </a:p>
@@ -5331,7 +5331,7 @@
           <a:p>
             <a:fld id="{B3DC5803-524A-4535-9048-D4846558C48F}" type="datetimeFigureOut">
               <a:rPr lang="he-IL" smtClean="0"/>
-              <a:t>י"ד/אייר/תשפ"ב</a:t>
+              <a:t>כ"א/אייר/תשפ"ב</a:t>
             </a:fld>
             <a:endParaRPr lang="he-IL"/>
           </a:p>
@@ -5750,6 +5750,271 @@
       </p:grpSpPr>
       <p:sp>
         <p:nvSpPr>
+          <p:cNvPr id="31" name="Freeform: Shape 30">
+            <a:extLst>
+              <a:ext uri="{FF2B5EF4-FFF2-40B4-BE49-F238E27FC236}">
+                <a16:creationId xmlns:a16="http://schemas.microsoft.com/office/drawing/2014/main" id="{E2864CF7-4224-D020-30CC-7CB1E7623E2D}"/>
+              </a:ext>
+            </a:extLst>
+          </p:cNvPr>
+          <p:cNvSpPr/>
+          <p:nvPr/>
+        </p:nvSpPr>
+        <p:spPr>
+          <a:xfrm>
+            <a:off x="4659275" y="5144530"/>
+            <a:ext cx="543784" cy="374821"/>
+          </a:xfrm>
+          <a:custGeom>
+            <a:avLst/>
+            <a:gdLst>
+              <a:gd name="connsiteX0" fmla="*/ 32952 w 543784"/>
+              <a:gd name="connsiteY0" fmla="*/ 0 h 374821"/>
+              <a:gd name="connsiteX1" fmla="*/ 32952 w 543784"/>
+              <a:gd name="connsiteY1" fmla="*/ 0 h 374821"/>
+              <a:gd name="connsiteX2" fmla="*/ 65903 w 543784"/>
+              <a:gd name="connsiteY2" fmla="*/ 24713 h 374821"/>
+              <a:gd name="connsiteX3" fmla="*/ 94736 w 543784"/>
+              <a:gd name="connsiteY3" fmla="*/ 37070 h 374821"/>
+              <a:gd name="connsiteX4" fmla="*/ 156519 w 543784"/>
+              <a:gd name="connsiteY4" fmla="*/ 82378 h 374821"/>
+              <a:gd name="connsiteX5" fmla="*/ 185352 w 543784"/>
+              <a:gd name="connsiteY5" fmla="*/ 115329 h 374821"/>
+              <a:gd name="connsiteX6" fmla="*/ 205946 w 543784"/>
+              <a:gd name="connsiteY6" fmla="*/ 131805 h 374821"/>
+              <a:gd name="connsiteX7" fmla="*/ 222422 w 543784"/>
+              <a:gd name="connsiteY7" fmla="*/ 152400 h 374821"/>
+              <a:gd name="connsiteX8" fmla="*/ 247136 w 543784"/>
+              <a:gd name="connsiteY8" fmla="*/ 164756 h 374821"/>
+              <a:gd name="connsiteX9" fmla="*/ 284206 w 543784"/>
+              <a:gd name="connsiteY9" fmla="*/ 197708 h 374821"/>
+              <a:gd name="connsiteX10" fmla="*/ 308919 w 543784"/>
+              <a:gd name="connsiteY10" fmla="*/ 226540 h 374821"/>
+              <a:gd name="connsiteX11" fmla="*/ 333633 w 543784"/>
+              <a:gd name="connsiteY11" fmla="*/ 243016 h 374821"/>
+              <a:gd name="connsiteX12" fmla="*/ 370703 w 543784"/>
+              <a:gd name="connsiteY12" fmla="*/ 271848 h 374821"/>
+              <a:gd name="connsiteX13" fmla="*/ 395417 w 543784"/>
+              <a:gd name="connsiteY13" fmla="*/ 275967 h 374821"/>
+              <a:gd name="connsiteX14" fmla="*/ 424249 w 543784"/>
+              <a:gd name="connsiteY14" fmla="*/ 284205 h 374821"/>
+              <a:gd name="connsiteX15" fmla="*/ 477795 w 543784"/>
+              <a:gd name="connsiteY15" fmla="*/ 308919 h 374821"/>
+              <a:gd name="connsiteX16" fmla="*/ 502509 w 543784"/>
+              <a:gd name="connsiteY16" fmla="*/ 313038 h 374821"/>
+              <a:gd name="connsiteX17" fmla="*/ 535460 w 543784"/>
+              <a:gd name="connsiteY17" fmla="*/ 354227 h 374821"/>
+              <a:gd name="connsiteX18" fmla="*/ 543698 w 543784"/>
+              <a:gd name="connsiteY18" fmla="*/ 374821 h 374821"/>
+              <a:gd name="connsiteX19" fmla="*/ 0 w 543784"/>
+              <a:gd name="connsiteY19" fmla="*/ 362465 h 374821"/>
+              <a:gd name="connsiteX20" fmla="*/ 32952 w 543784"/>
+              <a:gd name="connsiteY20" fmla="*/ 0 h 374821"/>
+            </a:gdLst>
+            <a:ahLst/>
+            <a:cxnLst>
+              <a:cxn ang="0">
+                <a:pos x="connsiteX0" y="connsiteY0"/>
+              </a:cxn>
+              <a:cxn ang="0">
+                <a:pos x="connsiteX1" y="connsiteY1"/>
+              </a:cxn>
+              <a:cxn ang="0">
+                <a:pos x="connsiteX2" y="connsiteY2"/>
+              </a:cxn>
+              <a:cxn ang="0">
+                <a:pos x="connsiteX3" y="connsiteY3"/>
+              </a:cxn>
+              <a:cxn ang="0">
+                <a:pos x="connsiteX4" y="connsiteY4"/>
+              </a:cxn>
+              <a:cxn ang="0">
+                <a:pos x="connsiteX5" y="connsiteY5"/>
+              </a:cxn>
+              <a:cxn ang="0">
+                <a:pos x="connsiteX6" y="connsiteY6"/>
+              </a:cxn>
+              <a:cxn ang="0">
+                <a:pos x="connsiteX7" y="connsiteY7"/>
+              </a:cxn>
+              <a:cxn ang="0">
+                <a:pos x="connsiteX8" y="connsiteY8"/>
+              </a:cxn>
+              <a:cxn ang="0">
+                <a:pos x="connsiteX9" y="connsiteY9"/>
+              </a:cxn>
+              <a:cxn ang="0">
+                <a:pos x="connsiteX10" y="connsiteY10"/>
+              </a:cxn>
+              <a:cxn ang="0">
+                <a:pos x="connsiteX11" y="connsiteY11"/>
+              </a:cxn>
+              <a:cxn ang="0">
+                <a:pos x="connsiteX12" y="connsiteY12"/>
+              </a:cxn>
+              <a:cxn ang="0">
+                <a:pos x="connsiteX13" y="connsiteY13"/>
+              </a:cxn>
+              <a:cxn ang="0">
+                <a:pos x="connsiteX14" y="connsiteY14"/>
+              </a:cxn>
+              <a:cxn ang="0">
+                <a:pos x="connsiteX15" y="connsiteY15"/>
+              </a:cxn>
+              <a:cxn ang="0">
+                <a:pos x="connsiteX16" y="connsiteY16"/>
+              </a:cxn>
+              <a:cxn ang="0">
+                <a:pos x="connsiteX17" y="connsiteY17"/>
+              </a:cxn>
+              <a:cxn ang="0">
+                <a:pos x="connsiteX18" y="connsiteY18"/>
+              </a:cxn>
+              <a:cxn ang="0">
+                <a:pos x="connsiteX19" y="connsiteY19"/>
+              </a:cxn>
+              <a:cxn ang="0">
+                <a:pos x="connsiteX20" y="connsiteY20"/>
+              </a:cxn>
+            </a:cxnLst>
+            <a:rect l="l" t="t" r="r" b="b"/>
+            <a:pathLst>
+              <a:path w="543784" h="374821">
+                <a:moveTo>
+                  <a:pt x="32952" y="0"/>
+                </a:moveTo>
+                <a:lnTo>
+                  <a:pt x="32952" y="0"/>
+                </a:lnTo>
+                <a:cubicBezTo>
+                  <a:pt x="43936" y="8238"/>
+                  <a:pt x="54130" y="17649"/>
+                  <a:pt x="65903" y="24713"/>
+                </a:cubicBezTo>
+                <a:cubicBezTo>
+                  <a:pt x="74869" y="30093"/>
+                  <a:pt x="85622" y="31944"/>
+                  <a:pt x="94736" y="37070"/>
+                </a:cubicBezTo>
+                <a:cubicBezTo>
+                  <a:pt x="117532" y="49893"/>
+                  <a:pt x="137146" y="65157"/>
+                  <a:pt x="156519" y="82378"/>
+                </a:cubicBezTo>
+                <a:cubicBezTo>
+                  <a:pt x="186500" y="109028"/>
+                  <a:pt x="148021" y="77998"/>
+                  <a:pt x="185352" y="115329"/>
+                </a:cubicBezTo>
+                <a:cubicBezTo>
+                  <a:pt x="191568" y="121545"/>
+                  <a:pt x="199730" y="125589"/>
+                  <a:pt x="205946" y="131805"/>
+                </a:cubicBezTo>
+                <a:cubicBezTo>
+                  <a:pt x="212162" y="138022"/>
+                  <a:pt x="215747" y="146679"/>
+                  <a:pt x="222422" y="152400"/>
+                </a:cubicBezTo>
+                <a:cubicBezTo>
+                  <a:pt x="269313" y="192592"/>
+                  <a:pt x="197147" y="114767"/>
+                  <a:pt x="247136" y="164756"/>
+                </a:cubicBezTo>
+                <a:cubicBezTo>
+                  <a:pt x="308631" y="226251"/>
+                  <a:pt x="219629" y="149275"/>
+                  <a:pt x="284206" y="197708"/>
+                </a:cubicBezTo>
+                <a:cubicBezTo>
+                  <a:pt x="313483" y="219666"/>
+                  <a:pt x="278848" y="199811"/>
+                  <a:pt x="308919" y="226540"/>
+                </a:cubicBezTo>
+                <a:cubicBezTo>
+                  <a:pt x="316319" y="233118"/>
+                  <a:pt x="326632" y="236015"/>
+                  <a:pt x="333633" y="243016"/>
+                </a:cubicBezTo>
+                <a:cubicBezTo>
+                  <a:pt x="345949" y="255332"/>
+                  <a:pt x="353571" y="265619"/>
+                  <a:pt x="370703" y="271848"/>
+                </a:cubicBezTo>
+                <a:cubicBezTo>
+                  <a:pt x="378552" y="274702"/>
+                  <a:pt x="387279" y="274089"/>
+                  <a:pt x="395417" y="275967"/>
+                </a:cubicBezTo>
+                <a:cubicBezTo>
+                  <a:pt x="405156" y="278215"/>
+                  <a:pt x="414638" y="281459"/>
+                  <a:pt x="424249" y="284205"/>
+                </a:cubicBezTo>
+                <a:cubicBezTo>
+                  <a:pt x="441757" y="295877"/>
+                  <a:pt x="453377" y="304849"/>
+                  <a:pt x="477795" y="308919"/>
+                </a:cubicBezTo>
+                <a:lnTo>
+                  <a:pt x="502509" y="313038"/>
+                </a:lnTo>
+                <a:cubicBezTo>
+                  <a:pt x="540498" y="344695"/>
+                  <a:pt x="518002" y="319312"/>
+                  <a:pt x="535460" y="354227"/>
+                </a:cubicBezTo>
+                <a:cubicBezTo>
+                  <a:pt x="545221" y="373749"/>
+                  <a:pt x="543698" y="358927"/>
+                  <a:pt x="543698" y="374821"/>
+                </a:cubicBezTo>
+                <a:lnTo>
+                  <a:pt x="0" y="362465"/>
+                </a:lnTo>
+                <a:lnTo>
+                  <a:pt x="32952" y="0"/>
+                </a:lnTo>
+                <a:close/>
+              </a:path>
+            </a:pathLst>
+          </a:custGeom>
+          <a:solidFill>
+            <a:schemeClr val="accent1">
+              <a:alpha val="55000"/>
+            </a:schemeClr>
+          </a:solidFill>
+          <a:ln>
+            <a:noFill/>
+          </a:ln>
+        </p:spPr>
+        <p:style>
+          <a:lnRef idx="2">
+            <a:schemeClr val="accent1">
+              <a:shade val="50000"/>
+            </a:schemeClr>
+          </a:lnRef>
+          <a:fillRef idx="1">
+            <a:schemeClr val="accent1"/>
+          </a:fillRef>
+          <a:effectRef idx="0">
+            <a:schemeClr val="accent1"/>
+          </a:effectRef>
+          <a:fontRef idx="minor">
+            <a:schemeClr val="lt1"/>
+          </a:fontRef>
+        </p:style>
+        <p:txBody>
+          <a:bodyPr rtlCol="1" anchor="ctr"/>
+          <a:lstStyle/>
+          <a:p>
+            <a:pPr algn="ctr"/>
+            <a:endParaRPr lang="he-IL" dirty="0"/>
+          </a:p>
+        </p:txBody>
+      </p:sp>
+      <p:sp>
+        <p:nvSpPr>
           <p:cNvPr id="15" name="Freeform: Shape 14">
             <a:extLst>
               <a:ext uri="{FF2B5EF4-FFF2-40B4-BE49-F238E27FC236}">
@@ -5762,7 +6027,7 @@
         </p:nvSpPr>
         <p:spPr>
           <a:xfrm>
-            <a:off x="4235367" y="4176183"/>
+            <a:off x="1067015" y="4176183"/>
             <a:ext cx="1240450" cy="1881717"/>
           </a:xfrm>
           <a:custGeom>
@@ -7931,7 +8196,7 @@
         </p:nvSpPr>
         <p:spPr>
           <a:xfrm>
-            <a:off x="4301067" y="4178300"/>
+            <a:off x="1132715" y="4178300"/>
             <a:ext cx="1134533" cy="1763183"/>
           </a:xfrm>
           <a:custGeom>
@@ -14581,7 +14846,7 @@
         </p:nvCxnSpPr>
         <p:spPr>
           <a:xfrm>
-            <a:off x="3605616" y="6107911"/>
+            <a:off x="437264" y="6107911"/>
             <a:ext cx="2239861" cy="0"/>
           </a:xfrm>
           <a:prstGeom prst="line">
@@ -14624,7 +14889,7 @@
         </p:nvCxnSpPr>
         <p:spPr>
           <a:xfrm flipV="1">
-            <a:off x="3605616" y="3884828"/>
+            <a:off x="437264" y="3884828"/>
             <a:ext cx="0" cy="2223084"/>
           </a:xfrm>
           <a:prstGeom prst="line">
@@ -14665,7 +14930,7 @@
         </p:nvSpPr>
         <p:spPr>
           <a:xfrm>
-            <a:off x="3177889" y="4744699"/>
+            <a:off x="9537" y="4744699"/>
             <a:ext cx="272099" cy="369332"/>
           </a:xfrm>
           <a:prstGeom prst="rect">
@@ -14701,7 +14966,7 @@
         </p:nvSpPr>
         <p:spPr>
           <a:xfrm>
-            <a:off x="4679950" y="6229551"/>
+            <a:off x="1511598" y="6229551"/>
             <a:ext cx="914400" cy="369332"/>
           </a:xfrm>
           <a:prstGeom prst="rect">
@@ -14737,7 +15002,7 @@
         </p:nvSpPr>
         <p:spPr>
           <a:xfrm>
-            <a:off x="2166122" y="3746070"/>
+            <a:off x="365175" y="5451786"/>
             <a:ext cx="1426870" cy="646331"/>
           </a:xfrm>
           <a:prstGeom prst="rect">
@@ -14786,7 +15051,7 @@
         </p:nvSpPr>
         <p:spPr>
           <a:xfrm>
-            <a:off x="4267200" y="4178300"/>
+            <a:off x="1098848" y="4178300"/>
             <a:ext cx="558800" cy="1905000"/>
           </a:xfrm>
           <a:custGeom>
@@ -15136,7 +15401,7 @@
         </p:nvSpPr>
         <p:spPr>
           <a:xfrm>
-            <a:off x="4826000" y="4191000"/>
+            <a:off x="1657648" y="4191000"/>
             <a:ext cx="622300" cy="1883833"/>
           </a:xfrm>
           <a:custGeom>
@@ -15616,7 +15881,7 @@
         </p:nvSpPr>
         <p:spPr>
           <a:xfrm>
-            <a:off x="4241625" y="4182533"/>
+            <a:off x="1073273" y="4182533"/>
             <a:ext cx="580142" cy="1909234"/>
           </a:xfrm>
           <a:custGeom>
@@ -15996,7 +16261,7 @@
         </p:nvSpPr>
         <p:spPr>
           <a:xfrm>
-            <a:off x="4821767" y="4165600"/>
+            <a:off x="1653415" y="4165600"/>
             <a:ext cx="648633" cy="1921933"/>
           </a:xfrm>
           <a:custGeom>
@@ -16446,7 +16711,7 @@
         </p:nvSpPr>
         <p:spPr>
           <a:xfrm>
-            <a:off x="3739840" y="3809327"/>
+            <a:off x="571488" y="3809327"/>
             <a:ext cx="2105636" cy="377498"/>
           </a:xfrm>
           <a:prstGeom prst="roundRect">
@@ -16479,6 +16744,5123 @@
               <a:t>Screen</a:t>
             </a:r>
             <a:endParaRPr lang="he-IL" dirty="0"/>
+          </a:p>
+        </p:txBody>
+      </p:sp>
+      <p:cxnSp>
+        <p:nvCxnSpPr>
+          <p:cNvPr id="70" name="Straight Connector 69">
+            <a:extLst>
+              <a:ext uri="{FF2B5EF4-FFF2-40B4-BE49-F238E27FC236}">
+                <a16:creationId xmlns:a16="http://schemas.microsoft.com/office/drawing/2014/main" id="{92D6DD56-E3A5-0D44-0E08-C838E0463B99}"/>
+              </a:ext>
+            </a:extLst>
+          </p:cNvPr>
+          <p:cNvCxnSpPr>
+            <a:cxnSpLocks/>
+          </p:cNvCxnSpPr>
+          <p:nvPr/>
+        </p:nvCxnSpPr>
+        <p:spPr>
+          <a:xfrm>
+            <a:off x="3308386" y="6107911"/>
+            <a:ext cx="2239861" cy="0"/>
+          </a:xfrm>
+          <a:prstGeom prst="line">
+            <a:avLst/>
+          </a:prstGeom>
+          <a:ln w="38100">
+            <a:solidFill>
+              <a:schemeClr val="tx1"/>
+            </a:solidFill>
+          </a:ln>
+        </p:spPr>
+        <p:style>
+          <a:lnRef idx="1">
+            <a:schemeClr val="accent1"/>
+          </a:lnRef>
+          <a:fillRef idx="0">
+            <a:schemeClr val="accent1"/>
+          </a:fillRef>
+          <a:effectRef idx="0">
+            <a:schemeClr val="accent1"/>
+          </a:effectRef>
+          <a:fontRef idx="minor">
+            <a:schemeClr val="tx1"/>
+          </a:fontRef>
+        </p:style>
+      </p:cxnSp>
+      <p:cxnSp>
+        <p:nvCxnSpPr>
+          <p:cNvPr id="71" name="Straight Connector 70">
+            <a:extLst>
+              <a:ext uri="{FF2B5EF4-FFF2-40B4-BE49-F238E27FC236}">
+                <a16:creationId xmlns:a16="http://schemas.microsoft.com/office/drawing/2014/main" id="{0DFE338A-310A-993E-4228-6BB455BADB2A}"/>
+              </a:ext>
+            </a:extLst>
+          </p:cNvPr>
+          <p:cNvCxnSpPr>
+            <a:cxnSpLocks/>
+          </p:cNvCxnSpPr>
+          <p:nvPr/>
+        </p:nvCxnSpPr>
+        <p:spPr>
+          <a:xfrm flipV="1">
+            <a:off x="3308386" y="3884828"/>
+            <a:ext cx="0" cy="2223084"/>
+          </a:xfrm>
+          <a:prstGeom prst="line">
+            <a:avLst/>
+          </a:prstGeom>
+          <a:ln w="38100">
+            <a:solidFill>
+              <a:schemeClr val="tx1"/>
+            </a:solidFill>
+          </a:ln>
+        </p:spPr>
+        <p:style>
+          <a:lnRef idx="1">
+            <a:schemeClr val="accent1"/>
+          </a:lnRef>
+          <a:fillRef idx="0">
+            <a:schemeClr val="accent1"/>
+          </a:fillRef>
+          <a:effectRef idx="0">
+            <a:schemeClr val="accent1"/>
+          </a:effectRef>
+          <a:fontRef idx="minor">
+            <a:schemeClr val="tx1"/>
+          </a:fontRef>
+        </p:style>
+      </p:cxnSp>
+      <p:sp>
+        <p:nvSpPr>
+          <p:cNvPr id="72" name="TextBox 71">
+            <a:extLst>
+              <a:ext uri="{FF2B5EF4-FFF2-40B4-BE49-F238E27FC236}">
+                <a16:creationId xmlns:a16="http://schemas.microsoft.com/office/drawing/2014/main" id="{CA77DCE6-7A7E-1379-4D76-C0C159432D03}"/>
+              </a:ext>
+            </a:extLst>
+          </p:cNvPr>
+          <p:cNvSpPr txBox="1"/>
+          <p:nvPr/>
+        </p:nvSpPr>
+        <p:spPr>
+          <a:xfrm>
+            <a:off x="2947602" y="3887208"/>
+            <a:ext cx="272099" cy="369332"/>
+          </a:xfrm>
+          <a:prstGeom prst="rect">
+            <a:avLst/>
+          </a:prstGeom>
+          <a:noFill/>
+        </p:spPr>
+        <p:txBody>
+          <a:bodyPr wrap="square" rtlCol="1">
+            <a:spAutoFit/>
+          </a:bodyPr>
+          <a:lstStyle/>
+          <a:p>
+            <a:r>
+              <a:rPr lang="en-US" dirty="0"/>
+              <a:t>Y</a:t>
+            </a:r>
+            <a:endParaRPr lang="he-IL" dirty="0"/>
+          </a:p>
+        </p:txBody>
+      </p:sp>
+      <p:sp>
+        <p:nvSpPr>
+          <p:cNvPr id="73" name="TextBox 72">
+            <a:extLst>
+              <a:ext uri="{FF2B5EF4-FFF2-40B4-BE49-F238E27FC236}">
+                <a16:creationId xmlns:a16="http://schemas.microsoft.com/office/drawing/2014/main" id="{EFD05368-982B-2AC7-57E9-26ADB590655B}"/>
+              </a:ext>
+            </a:extLst>
+          </p:cNvPr>
+          <p:cNvSpPr txBox="1"/>
+          <p:nvPr/>
+        </p:nvSpPr>
+        <p:spPr>
+          <a:xfrm>
+            <a:off x="5334280" y="6100047"/>
+            <a:ext cx="284793" cy="369332"/>
+          </a:xfrm>
+          <a:prstGeom prst="rect">
+            <a:avLst/>
+          </a:prstGeom>
+          <a:noFill/>
+        </p:spPr>
+        <p:txBody>
+          <a:bodyPr wrap="square" rtlCol="1">
+            <a:spAutoFit/>
+          </a:bodyPr>
+          <a:lstStyle/>
+          <a:p>
+            <a:r>
+              <a:rPr lang="en-US" dirty="0"/>
+              <a:t>X</a:t>
+            </a:r>
+            <a:endParaRPr lang="he-IL" dirty="0"/>
+          </a:p>
+        </p:txBody>
+      </p:sp>
+      <p:sp>
+        <p:nvSpPr>
+          <p:cNvPr id="85" name="Rectangle: Rounded Corners 84">
+            <a:extLst>
+              <a:ext uri="{FF2B5EF4-FFF2-40B4-BE49-F238E27FC236}">
+                <a16:creationId xmlns:a16="http://schemas.microsoft.com/office/drawing/2014/main" id="{848D9B42-0765-CC7B-DE4B-D067FB100600}"/>
+              </a:ext>
+            </a:extLst>
+          </p:cNvPr>
+          <p:cNvSpPr/>
+          <p:nvPr/>
+        </p:nvSpPr>
+        <p:spPr>
+          <a:xfrm rot="5400000">
+            <a:off x="4352459" y="4744705"/>
+            <a:ext cx="2105636" cy="377498"/>
+          </a:xfrm>
+          <a:prstGeom prst="roundRect">
+            <a:avLst/>
+          </a:prstGeom>
+        </p:spPr>
+        <p:style>
+          <a:lnRef idx="2">
+            <a:schemeClr val="accent1">
+              <a:shade val="50000"/>
+            </a:schemeClr>
+          </a:lnRef>
+          <a:fillRef idx="1">
+            <a:schemeClr val="accent1"/>
+          </a:fillRef>
+          <a:effectRef idx="0">
+            <a:schemeClr val="accent1"/>
+          </a:effectRef>
+          <a:fontRef idx="minor">
+            <a:schemeClr val="lt1"/>
+          </a:fontRef>
+        </p:style>
+        <p:txBody>
+          <a:bodyPr rtlCol="1" anchor="ctr"/>
+          <a:lstStyle/>
+          <a:p>
+            <a:pPr algn="ctr"/>
+            <a:r>
+              <a:rPr lang="en-US" dirty="0"/>
+              <a:t>Screen</a:t>
+            </a:r>
+            <a:endParaRPr lang="he-IL" dirty="0"/>
+          </a:p>
+        </p:txBody>
+      </p:sp>
+      <p:sp>
+        <p:nvSpPr>
+          <p:cNvPr id="13" name="Freeform: Shape 12">
+            <a:extLst>
+              <a:ext uri="{FF2B5EF4-FFF2-40B4-BE49-F238E27FC236}">
+                <a16:creationId xmlns:a16="http://schemas.microsoft.com/office/drawing/2014/main" id="{D1EDDFD1-BFA2-9CF3-A2F9-EAEB907B561D}"/>
+              </a:ext>
+            </a:extLst>
+          </p:cNvPr>
+          <p:cNvSpPr/>
+          <p:nvPr/>
+        </p:nvSpPr>
+        <p:spPr>
+          <a:xfrm>
+            <a:off x="3316508" y="4880919"/>
+            <a:ext cx="1894703" cy="304800"/>
+          </a:xfrm>
+          <a:custGeom>
+            <a:avLst/>
+            <a:gdLst>
+              <a:gd name="connsiteX0" fmla="*/ 0 w 1894703"/>
+              <a:gd name="connsiteY0" fmla="*/ 234778 h 304800"/>
+              <a:gd name="connsiteX1" fmla="*/ 20594 w 1894703"/>
+              <a:gd name="connsiteY1" fmla="*/ 243016 h 304800"/>
+              <a:gd name="connsiteX2" fmla="*/ 37070 w 1894703"/>
+              <a:gd name="connsiteY2" fmla="*/ 255373 h 304800"/>
+              <a:gd name="connsiteX3" fmla="*/ 53546 w 1894703"/>
+              <a:gd name="connsiteY3" fmla="*/ 263611 h 304800"/>
+              <a:gd name="connsiteX4" fmla="*/ 61784 w 1894703"/>
+              <a:gd name="connsiteY4" fmla="*/ 275967 h 304800"/>
+              <a:gd name="connsiteX5" fmla="*/ 111211 w 1894703"/>
+              <a:gd name="connsiteY5" fmla="*/ 292443 h 304800"/>
+              <a:gd name="connsiteX6" fmla="*/ 214184 w 1894703"/>
+              <a:gd name="connsiteY6" fmla="*/ 304800 h 304800"/>
+              <a:gd name="connsiteX7" fmla="*/ 374822 w 1894703"/>
+              <a:gd name="connsiteY7" fmla="*/ 300681 h 304800"/>
+              <a:gd name="connsiteX8" fmla="*/ 757881 w 1894703"/>
+              <a:gd name="connsiteY8" fmla="*/ 292443 h 304800"/>
+              <a:gd name="connsiteX9" fmla="*/ 959708 w 1894703"/>
+              <a:gd name="connsiteY9" fmla="*/ 275967 h 304800"/>
+              <a:gd name="connsiteX10" fmla="*/ 976184 w 1894703"/>
+              <a:gd name="connsiteY10" fmla="*/ 271849 h 304800"/>
+              <a:gd name="connsiteX11" fmla="*/ 1000897 w 1894703"/>
+              <a:gd name="connsiteY11" fmla="*/ 267730 h 304800"/>
+              <a:gd name="connsiteX12" fmla="*/ 1083276 w 1894703"/>
+              <a:gd name="connsiteY12" fmla="*/ 263611 h 304800"/>
+              <a:gd name="connsiteX13" fmla="*/ 1112108 w 1894703"/>
+              <a:gd name="connsiteY13" fmla="*/ 255373 h 304800"/>
+              <a:gd name="connsiteX14" fmla="*/ 1309816 w 1894703"/>
+              <a:gd name="connsiteY14" fmla="*/ 238897 h 304800"/>
+              <a:gd name="connsiteX15" fmla="*/ 1342767 w 1894703"/>
+              <a:gd name="connsiteY15" fmla="*/ 230659 h 304800"/>
+              <a:gd name="connsiteX16" fmla="*/ 1363362 w 1894703"/>
+              <a:gd name="connsiteY16" fmla="*/ 222422 h 304800"/>
+              <a:gd name="connsiteX17" fmla="*/ 1400432 w 1894703"/>
+              <a:gd name="connsiteY17" fmla="*/ 210065 h 304800"/>
+              <a:gd name="connsiteX18" fmla="*/ 1433384 w 1894703"/>
+              <a:gd name="connsiteY18" fmla="*/ 201827 h 304800"/>
+              <a:gd name="connsiteX19" fmla="*/ 1462216 w 1894703"/>
+              <a:gd name="connsiteY19" fmla="*/ 189470 h 304800"/>
+              <a:gd name="connsiteX20" fmla="*/ 1528119 w 1894703"/>
+              <a:gd name="connsiteY20" fmla="*/ 172995 h 304800"/>
+              <a:gd name="connsiteX21" fmla="*/ 1602259 w 1894703"/>
+              <a:gd name="connsiteY21" fmla="*/ 156519 h 304800"/>
+              <a:gd name="connsiteX22" fmla="*/ 1647567 w 1894703"/>
+              <a:gd name="connsiteY22" fmla="*/ 144162 h 304800"/>
+              <a:gd name="connsiteX23" fmla="*/ 1692876 w 1894703"/>
+              <a:gd name="connsiteY23" fmla="*/ 131805 h 304800"/>
+              <a:gd name="connsiteX24" fmla="*/ 1721708 w 1894703"/>
+              <a:gd name="connsiteY24" fmla="*/ 115330 h 304800"/>
+              <a:gd name="connsiteX25" fmla="*/ 1758778 w 1894703"/>
+              <a:gd name="connsiteY25" fmla="*/ 94735 h 304800"/>
+              <a:gd name="connsiteX26" fmla="*/ 1791730 w 1894703"/>
+              <a:gd name="connsiteY26" fmla="*/ 65903 h 304800"/>
+              <a:gd name="connsiteX27" fmla="*/ 1795849 w 1894703"/>
+              <a:gd name="connsiteY27" fmla="*/ 53546 h 304800"/>
+              <a:gd name="connsiteX28" fmla="*/ 1812324 w 1894703"/>
+              <a:gd name="connsiteY28" fmla="*/ 49427 h 304800"/>
+              <a:gd name="connsiteX29" fmla="*/ 1837038 w 1894703"/>
+              <a:gd name="connsiteY29" fmla="*/ 37070 h 304800"/>
+              <a:gd name="connsiteX30" fmla="*/ 1849394 w 1894703"/>
+              <a:gd name="connsiteY30" fmla="*/ 20595 h 304800"/>
+              <a:gd name="connsiteX31" fmla="*/ 1861751 w 1894703"/>
+              <a:gd name="connsiteY31" fmla="*/ 16476 h 304800"/>
+              <a:gd name="connsiteX32" fmla="*/ 1874108 w 1894703"/>
+              <a:gd name="connsiteY32" fmla="*/ 8238 h 304800"/>
+              <a:gd name="connsiteX33" fmla="*/ 1894703 w 1894703"/>
+              <a:gd name="connsiteY33" fmla="*/ 0 h 304800"/>
+            </a:gdLst>
+            <a:ahLst/>
+            <a:cxnLst>
+              <a:cxn ang="0">
+                <a:pos x="connsiteX0" y="connsiteY0"/>
+              </a:cxn>
+              <a:cxn ang="0">
+                <a:pos x="connsiteX1" y="connsiteY1"/>
+              </a:cxn>
+              <a:cxn ang="0">
+                <a:pos x="connsiteX2" y="connsiteY2"/>
+              </a:cxn>
+              <a:cxn ang="0">
+                <a:pos x="connsiteX3" y="connsiteY3"/>
+              </a:cxn>
+              <a:cxn ang="0">
+                <a:pos x="connsiteX4" y="connsiteY4"/>
+              </a:cxn>
+              <a:cxn ang="0">
+                <a:pos x="connsiteX5" y="connsiteY5"/>
+              </a:cxn>
+              <a:cxn ang="0">
+                <a:pos x="connsiteX6" y="connsiteY6"/>
+              </a:cxn>
+              <a:cxn ang="0">
+                <a:pos x="connsiteX7" y="connsiteY7"/>
+              </a:cxn>
+              <a:cxn ang="0">
+                <a:pos x="connsiteX8" y="connsiteY8"/>
+              </a:cxn>
+              <a:cxn ang="0">
+                <a:pos x="connsiteX9" y="connsiteY9"/>
+              </a:cxn>
+              <a:cxn ang="0">
+                <a:pos x="connsiteX10" y="connsiteY10"/>
+              </a:cxn>
+              <a:cxn ang="0">
+                <a:pos x="connsiteX11" y="connsiteY11"/>
+              </a:cxn>
+              <a:cxn ang="0">
+                <a:pos x="connsiteX12" y="connsiteY12"/>
+              </a:cxn>
+              <a:cxn ang="0">
+                <a:pos x="connsiteX13" y="connsiteY13"/>
+              </a:cxn>
+              <a:cxn ang="0">
+                <a:pos x="connsiteX14" y="connsiteY14"/>
+              </a:cxn>
+              <a:cxn ang="0">
+                <a:pos x="connsiteX15" y="connsiteY15"/>
+              </a:cxn>
+              <a:cxn ang="0">
+                <a:pos x="connsiteX16" y="connsiteY16"/>
+              </a:cxn>
+              <a:cxn ang="0">
+                <a:pos x="connsiteX17" y="connsiteY17"/>
+              </a:cxn>
+              <a:cxn ang="0">
+                <a:pos x="connsiteX18" y="connsiteY18"/>
+              </a:cxn>
+              <a:cxn ang="0">
+                <a:pos x="connsiteX19" y="connsiteY19"/>
+              </a:cxn>
+              <a:cxn ang="0">
+                <a:pos x="connsiteX20" y="connsiteY20"/>
+              </a:cxn>
+              <a:cxn ang="0">
+                <a:pos x="connsiteX21" y="connsiteY21"/>
+              </a:cxn>
+              <a:cxn ang="0">
+                <a:pos x="connsiteX22" y="connsiteY22"/>
+              </a:cxn>
+              <a:cxn ang="0">
+                <a:pos x="connsiteX23" y="connsiteY23"/>
+              </a:cxn>
+              <a:cxn ang="0">
+                <a:pos x="connsiteX24" y="connsiteY24"/>
+              </a:cxn>
+              <a:cxn ang="0">
+                <a:pos x="connsiteX25" y="connsiteY25"/>
+              </a:cxn>
+              <a:cxn ang="0">
+                <a:pos x="connsiteX26" y="connsiteY26"/>
+              </a:cxn>
+              <a:cxn ang="0">
+                <a:pos x="connsiteX27" y="connsiteY27"/>
+              </a:cxn>
+              <a:cxn ang="0">
+                <a:pos x="connsiteX28" y="connsiteY28"/>
+              </a:cxn>
+              <a:cxn ang="0">
+                <a:pos x="connsiteX29" y="connsiteY29"/>
+              </a:cxn>
+              <a:cxn ang="0">
+                <a:pos x="connsiteX30" y="connsiteY30"/>
+              </a:cxn>
+              <a:cxn ang="0">
+                <a:pos x="connsiteX31" y="connsiteY31"/>
+              </a:cxn>
+              <a:cxn ang="0">
+                <a:pos x="connsiteX32" y="connsiteY32"/>
+              </a:cxn>
+              <a:cxn ang="0">
+                <a:pos x="connsiteX33" y="connsiteY33"/>
+              </a:cxn>
+            </a:cxnLst>
+            <a:rect l="l" t="t" r="r" b="b"/>
+            <a:pathLst>
+              <a:path w="1894703" h="304800">
+                <a:moveTo>
+                  <a:pt x="0" y="234778"/>
+                </a:moveTo>
+                <a:cubicBezTo>
+                  <a:pt x="6865" y="237524"/>
+                  <a:pt x="14131" y="239425"/>
+                  <a:pt x="20594" y="243016"/>
+                </a:cubicBezTo>
+                <a:cubicBezTo>
+                  <a:pt x="26595" y="246350"/>
+                  <a:pt x="31248" y="251735"/>
+                  <a:pt x="37070" y="255373"/>
+                </a:cubicBezTo>
+                <a:cubicBezTo>
+                  <a:pt x="42277" y="258627"/>
+                  <a:pt x="48054" y="260865"/>
+                  <a:pt x="53546" y="263611"/>
+                </a:cubicBezTo>
+                <a:cubicBezTo>
+                  <a:pt x="56292" y="267730"/>
+                  <a:pt x="57586" y="273343"/>
+                  <a:pt x="61784" y="275967"/>
+                </a:cubicBezTo>
+                <a:cubicBezTo>
+                  <a:pt x="61785" y="275968"/>
+                  <a:pt x="111210" y="292443"/>
+                  <a:pt x="111211" y="292443"/>
+                </a:cubicBezTo>
+                <a:lnTo>
+                  <a:pt x="214184" y="304800"/>
+                </a:lnTo>
+                <a:lnTo>
+                  <a:pt x="374822" y="300681"/>
+                </a:lnTo>
+                <a:lnTo>
+                  <a:pt x="757881" y="292443"/>
+                </a:lnTo>
+                <a:cubicBezTo>
+                  <a:pt x="862727" y="266231"/>
+                  <a:pt x="772026" y="285121"/>
+                  <a:pt x="959708" y="275967"/>
+                </a:cubicBezTo>
+                <a:cubicBezTo>
+                  <a:pt x="965362" y="275691"/>
+                  <a:pt x="970633" y="272959"/>
+                  <a:pt x="976184" y="271849"/>
+                </a:cubicBezTo>
+                <a:cubicBezTo>
+                  <a:pt x="984373" y="270211"/>
+                  <a:pt x="992570" y="268371"/>
+                  <a:pt x="1000897" y="267730"/>
+                </a:cubicBezTo>
+                <a:cubicBezTo>
+                  <a:pt x="1028310" y="265621"/>
+                  <a:pt x="1055816" y="264984"/>
+                  <a:pt x="1083276" y="263611"/>
+                </a:cubicBezTo>
+                <a:cubicBezTo>
+                  <a:pt x="1092887" y="260865"/>
+                  <a:pt x="1102289" y="257243"/>
+                  <a:pt x="1112108" y="255373"/>
+                </a:cubicBezTo>
+                <a:cubicBezTo>
+                  <a:pt x="1177210" y="242972"/>
+                  <a:pt x="1243897" y="241893"/>
+                  <a:pt x="1309816" y="238897"/>
+                </a:cubicBezTo>
+                <a:cubicBezTo>
+                  <a:pt x="1320800" y="236151"/>
+                  <a:pt x="1331946" y="233988"/>
+                  <a:pt x="1342767" y="230659"/>
+                </a:cubicBezTo>
+                <a:cubicBezTo>
+                  <a:pt x="1349834" y="228485"/>
+                  <a:pt x="1356399" y="224909"/>
+                  <a:pt x="1363362" y="222422"/>
+                </a:cubicBezTo>
+                <a:cubicBezTo>
+                  <a:pt x="1375628" y="218041"/>
+                  <a:pt x="1387936" y="213740"/>
+                  <a:pt x="1400432" y="210065"/>
+                </a:cubicBezTo>
+                <a:cubicBezTo>
+                  <a:pt x="1411294" y="206870"/>
+                  <a:pt x="1422643" y="205407"/>
+                  <a:pt x="1433384" y="201827"/>
+                </a:cubicBezTo>
+                <a:cubicBezTo>
+                  <a:pt x="1443304" y="198520"/>
+                  <a:pt x="1452369" y="192987"/>
+                  <a:pt x="1462216" y="189470"/>
+                </a:cubicBezTo>
+                <a:cubicBezTo>
+                  <a:pt x="1498937" y="176355"/>
+                  <a:pt x="1486715" y="185172"/>
+                  <a:pt x="1528119" y="172995"/>
+                </a:cubicBezTo>
+                <a:cubicBezTo>
+                  <a:pt x="1593107" y="153881"/>
+                  <a:pt x="1526910" y="164054"/>
+                  <a:pt x="1602259" y="156519"/>
+                </a:cubicBezTo>
+                <a:cubicBezTo>
+                  <a:pt x="1617362" y="152400"/>
+                  <a:pt x="1632549" y="148579"/>
+                  <a:pt x="1647567" y="144162"/>
+                </a:cubicBezTo>
+                <a:cubicBezTo>
+                  <a:pt x="1691986" y="131098"/>
+                  <a:pt x="1653234" y="139733"/>
+                  <a:pt x="1692876" y="131805"/>
+                </a:cubicBezTo>
+                <a:cubicBezTo>
+                  <a:pt x="1705289" y="123529"/>
+                  <a:pt x="1707071" y="121603"/>
+                  <a:pt x="1721708" y="115330"/>
+                </a:cubicBezTo>
+                <a:cubicBezTo>
+                  <a:pt x="1736594" y="108951"/>
+                  <a:pt x="1746104" y="111634"/>
+                  <a:pt x="1758778" y="94735"/>
+                </a:cubicBezTo>
+                <a:cubicBezTo>
+                  <a:pt x="1775938" y="71854"/>
+                  <a:pt x="1765248" y="81791"/>
+                  <a:pt x="1791730" y="65903"/>
+                </a:cubicBezTo>
+                <a:cubicBezTo>
+                  <a:pt x="1793103" y="61784"/>
+                  <a:pt x="1792459" y="56258"/>
+                  <a:pt x="1795849" y="53546"/>
+                </a:cubicBezTo>
+                <a:cubicBezTo>
+                  <a:pt x="1800269" y="50010"/>
+                  <a:pt x="1806881" y="50982"/>
+                  <a:pt x="1812324" y="49427"/>
+                </a:cubicBezTo>
+                <a:cubicBezTo>
+                  <a:pt x="1827246" y="45163"/>
+                  <a:pt x="1823498" y="46096"/>
+                  <a:pt x="1837038" y="37070"/>
+                </a:cubicBezTo>
+                <a:cubicBezTo>
+                  <a:pt x="1841157" y="31578"/>
+                  <a:pt x="1844121" y="24990"/>
+                  <a:pt x="1849394" y="20595"/>
+                </a:cubicBezTo>
+                <a:cubicBezTo>
+                  <a:pt x="1852729" y="17815"/>
+                  <a:pt x="1857868" y="18418"/>
+                  <a:pt x="1861751" y="16476"/>
+                </a:cubicBezTo>
+                <a:cubicBezTo>
+                  <a:pt x="1866179" y="14262"/>
+                  <a:pt x="1869680" y="10452"/>
+                  <a:pt x="1874108" y="8238"/>
+                </a:cubicBezTo>
+                <a:cubicBezTo>
+                  <a:pt x="1880721" y="4931"/>
+                  <a:pt x="1894703" y="0"/>
+                  <a:pt x="1894703" y="0"/>
+                </a:cubicBezTo>
+              </a:path>
+            </a:pathLst>
+          </a:custGeom>
+          <a:noFill/>
+          <a:ln w="38100">
+            <a:solidFill>
+              <a:srgbClr val="C00000"/>
+            </a:solidFill>
+          </a:ln>
+        </p:spPr>
+        <p:style>
+          <a:lnRef idx="2">
+            <a:schemeClr val="accent1">
+              <a:shade val="50000"/>
+            </a:schemeClr>
+          </a:lnRef>
+          <a:fillRef idx="1">
+            <a:schemeClr val="accent1"/>
+          </a:fillRef>
+          <a:effectRef idx="0">
+            <a:schemeClr val="accent1"/>
+          </a:effectRef>
+          <a:fontRef idx="minor">
+            <a:schemeClr val="lt1"/>
+          </a:fontRef>
+        </p:style>
+        <p:txBody>
+          <a:bodyPr rtlCol="1" anchor="ctr"/>
+          <a:lstStyle/>
+          <a:p>
+            <a:pPr algn="ctr"/>
+            <a:endParaRPr lang="he-IL"/>
+          </a:p>
+        </p:txBody>
+      </p:sp>
+      <p:cxnSp>
+        <p:nvCxnSpPr>
+          <p:cNvPr id="23" name="Straight Connector 22">
+            <a:extLst>
+              <a:ext uri="{FF2B5EF4-FFF2-40B4-BE49-F238E27FC236}">
+                <a16:creationId xmlns:a16="http://schemas.microsoft.com/office/drawing/2014/main" id="{BA2C9697-BEA8-A6DA-B131-DF803689DD82}"/>
+              </a:ext>
+            </a:extLst>
+          </p:cNvPr>
+          <p:cNvCxnSpPr>
+            <a:cxnSpLocks/>
+          </p:cNvCxnSpPr>
+          <p:nvPr/>
+        </p:nvCxnSpPr>
+        <p:spPr>
+          <a:xfrm flipH="1">
+            <a:off x="3308386" y="5511324"/>
+            <a:ext cx="1927538" cy="407"/>
+          </a:xfrm>
+          <a:prstGeom prst="line">
+            <a:avLst/>
+          </a:prstGeom>
+          <a:ln w="38100">
+            <a:solidFill>
+              <a:schemeClr val="bg1">
+                <a:lumMod val="75000"/>
+              </a:schemeClr>
+            </a:solidFill>
+            <a:prstDash val="sysDash"/>
+          </a:ln>
+        </p:spPr>
+        <p:style>
+          <a:lnRef idx="1">
+            <a:schemeClr val="accent1"/>
+          </a:lnRef>
+          <a:fillRef idx="0">
+            <a:schemeClr val="accent1"/>
+          </a:fillRef>
+          <a:effectRef idx="0">
+            <a:schemeClr val="accent1"/>
+          </a:effectRef>
+          <a:fontRef idx="minor">
+            <a:schemeClr val="tx1"/>
+          </a:fontRef>
+        </p:style>
+      </p:cxnSp>
+      <p:sp>
+        <p:nvSpPr>
+          <p:cNvPr id="86" name="TextBox 85">
+            <a:extLst>
+              <a:ext uri="{FF2B5EF4-FFF2-40B4-BE49-F238E27FC236}">
+                <a16:creationId xmlns:a16="http://schemas.microsoft.com/office/drawing/2014/main" id="{74936B3E-340E-3D66-361B-BFA08615728D}"/>
+              </a:ext>
+            </a:extLst>
+          </p:cNvPr>
+          <p:cNvSpPr txBox="1"/>
+          <p:nvPr/>
+        </p:nvSpPr>
+        <p:spPr>
+          <a:xfrm>
+            <a:off x="2749214" y="5357207"/>
+            <a:ext cx="613108" cy="276999"/>
+          </a:xfrm>
+          <a:prstGeom prst="rect">
+            <a:avLst/>
+          </a:prstGeom>
+          <a:noFill/>
+        </p:spPr>
+        <p:txBody>
+          <a:bodyPr wrap="square" rtlCol="1">
+            <a:spAutoFit/>
+          </a:bodyPr>
+          <a:lstStyle/>
+          <a:p>
+            <a:r>
+              <a:rPr lang="en-US" sz="1200" dirty="0" err="1">
+                <a:solidFill>
+                  <a:srgbClr val="BFBFBF"/>
+                </a:solidFill>
+              </a:rPr>
+              <a:t>h_line</a:t>
+            </a:r>
+            <a:endParaRPr lang="he-IL" sz="1200" dirty="0">
+              <a:solidFill>
+                <a:srgbClr val="BFBFBF"/>
+              </a:solidFill>
+            </a:endParaRPr>
+          </a:p>
+        </p:txBody>
+      </p:sp>
+      <p:sp>
+        <p:nvSpPr>
+          <p:cNvPr id="87" name="TextBox 86">
+            <a:extLst>
+              <a:ext uri="{FF2B5EF4-FFF2-40B4-BE49-F238E27FC236}">
+                <a16:creationId xmlns:a16="http://schemas.microsoft.com/office/drawing/2014/main" id="{28C64C01-9FFC-981E-9D27-C887F5C1D856}"/>
+              </a:ext>
+            </a:extLst>
+          </p:cNvPr>
+          <p:cNvSpPr txBox="1"/>
+          <p:nvPr/>
+        </p:nvSpPr>
+        <p:spPr>
+          <a:xfrm>
+            <a:off x="4561181" y="4664678"/>
+            <a:ext cx="727643" cy="276999"/>
+          </a:xfrm>
+          <a:prstGeom prst="rect">
+            <a:avLst/>
+          </a:prstGeom>
+          <a:noFill/>
+        </p:spPr>
+        <p:txBody>
+          <a:bodyPr wrap="square" rtlCol="1">
+            <a:spAutoFit/>
+          </a:bodyPr>
+          <a:lstStyle/>
+          <a:p>
+            <a:r>
+              <a:rPr lang="en-US" sz="1200" dirty="0">
+                <a:solidFill>
+                  <a:srgbClr val="C00000"/>
+                </a:solidFill>
+              </a:rPr>
+              <a:t>Curve 1</a:t>
+            </a:r>
+            <a:endParaRPr lang="he-IL" sz="1200" dirty="0">
+              <a:solidFill>
+                <a:srgbClr val="C00000"/>
+              </a:solidFill>
+            </a:endParaRPr>
+          </a:p>
+        </p:txBody>
+      </p:sp>
+      <p:sp>
+        <p:nvSpPr>
+          <p:cNvPr id="88" name="TextBox 87">
+            <a:extLst>
+              <a:ext uri="{FF2B5EF4-FFF2-40B4-BE49-F238E27FC236}">
+                <a16:creationId xmlns:a16="http://schemas.microsoft.com/office/drawing/2014/main" id="{3110E208-CB7A-5BF0-51D1-3B8BE83A0830}"/>
+              </a:ext>
+            </a:extLst>
+          </p:cNvPr>
+          <p:cNvSpPr txBox="1"/>
+          <p:nvPr/>
+        </p:nvSpPr>
+        <p:spPr>
+          <a:xfrm>
+            <a:off x="3510595" y="4550757"/>
+            <a:ext cx="727643" cy="276999"/>
+          </a:xfrm>
+          <a:prstGeom prst="rect">
+            <a:avLst/>
+          </a:prstGeom>
+          <a:noFill/>
+        </p:spPr>
+        <p:txBody>
+          <a:bodyPr wrap="square" rtlCol="1">
+            <a:spAutoFit/>
+          </a:bodyPr>
+          <a:lstStyle/>
+          <a:p>
+            <a:r>
+              <a:rPr lang="en-US" sz="1200" dirty="0">
+                <a:solidFill>
+                  <a:srgbClr val="2F528F"/>
+                </a:solidFill>
+              </a:rPr>
+              <a:t>Curve 2</a:t>
+            </a:r>
+            <a:endParaRPr lang="he-IL" sz="1200" dirty="0">
+              <a:solidFill>
+                <a:srgbClr val="2F528F"/>
+              </a:solidFill>
+            </a:endParaRPr>
+          </a:p>
+        </p:txBody>
+      </p:sp>
+      <p:sp>
+        <p:nvSpPr>
+          <p:cNvPr id="26" name="Freeform: Shape 25">
+            <a:extLst>
+              <a:ext uri="{FF2B5EF4-FFF2-40B4-BE49-F238E27FC236}">
+                <a16:creationId xmlns:a16="http://schemas.microsoft.com/office/drawing/2014/main" id="{C47F8B3D-8EB5-EF56-F430-6B7361896FD3}"/>
+              </a:ext>
+            </a:extLst>
+          </p:cNvPr>
+          <p:cNvSpPr/>
+          <p:nvPr/>
+        </p:nvSpPr>
+        <p:spPr>
+          <a:xfrm>
+            <a:off x="3328865" y="4810897"/>
+            <a:ext cx="1882346" cy="691979"/>
+          </a:xfrm>
+          <a:custGeom>
+            <a:avLst/>
+            <a:gdLst>
+              <a:gd name="connsiteX0" fmla="*/ 0 w 1882346"/>
+              <a:gd name="connsiteY0" fmla="*/ 292444 h 691979"/>
+              <a:gd name="connsiteX1" fmla="*/ 41189 w 1882346"/>
+              <a:gd name="connsiteY1" fmla="*/ 255373 h 691979"/>
+              <a:gd name="connsiteX2" fmla="*/ 65902 w 1882346"/>
+              <a:gd name="connsiteY2" fmla="*/ 234779 h 691979"/>
+              <a:gd name="connsiteX3" fmla="*/ 78259 w 1882346"/>
+              <a:gd name="connsiteY3" fmla="*/ 222422 h 691979"/>
+              <a:gd name="connsiteX4" fmla="*/ 115329 w 1882346"/>
+              <a:gd name="connsiteY4" fmla="*/ 193589 h 691979"/>
+              <a:gd name="connsiteX5" fmla="*/ 131805 w 1882346"/>
+              <a:gd name="connsiteY5" fmla="*/ 177114 h 691979"/>
+              <a:gd name="connsiteX6" fmla="*/ 160637 w 1882346"/>
+              <a:gd name="connsiteY6" fmla="*/ 152400 h 691979"/>
+              <a:gd name="connsiteX7" fmla="*/ 172994 w 1882346"/>
+              <a:gd name="connsiteY7" fmla="*/ 135925 h 691979"/>
+              <a:gd name="connsiteX8" fmla="*/ 201827 w 1882346"/>
+              <a:gd name="connsiteY8" fmla="*/ 107092 h 691979"/>
+              <a:gd name="connsiteX9" fmla="*/ 214183 w 1882346"/>
+              <a:gd name="connsiteY9" fmla="*/ 90617 h 691979"/>
+              <a:gd name="connsiteX10" fmla="*/ 243016 w 1882346"/>
+              <a:gd name="connsiteY10" fmla="*/ 78260 h 691979"/>
+              <a:gd name="connsiteX11" fmla="*/ 259492 w 1882346"/>
+              <a:gd name="connsiteY11" fmla="*/ 65903 h 691979"/>
+              <a:gd name="connsiteX12" fmla="*/ 288324 w 1882346"/>
+              <a:gd name="connsiteY12" fmla="*/ 53546 h 691979"/>
+              <a:gd name="connsiteX13" fmla="*/ 403654 w 1882346"/>
+              <a:gd name="connsiteY13" fmla="*/ 16476 h 691979"/>
+              <a:gd name="connsiteX14" fmla="*/ 457200 w 1882346"/>
+              <a:gd name="connsiteY14" fmla="*/ 0 h 691979"/>
+              <a:gd name="connsiteX15" fmla="*/ 593124 w 1882346"/>
+              <a:gd name="connsiteY15" fmla="*/ 4119 h 691979"/>
+              <a:gd name="connsiteX16" fmla="*/ 671383 w 1882346"/>
+              <a:gd name="connsiteY16" fmla="*/ 12357 h 691979"/>
+              <a:gd name="connsiteX17" fmla="*/ 687859 w 1882346"/>
+              <a:gd name="connsiteY17" fmla="*/ 16476 h 691979"/>
+              <a:gd name="connsiteX18" fmla="*/ 770237 w 1882346"/>
+              <a:gd name="connsiteY18" fmla="*/ 32952 h 691979"/>
+              <a:gd name="connsiteX19" fmla="*/ 799070 w 1882346"/>
+              <a:gd name="connsiteY19" fmla="*/ 45308 h 691979"/>
+              <a:gd name="connsiteX20" fmla="*/ 823783 w 1882346"/>
+              <a:gd name="connsiteY20" fmla="*/ 53546 h 691979"/>
+              <a:gd name="connsiteX21" fmla="*/ 844378 w 1882346"/>
+              <a:gd name="connsiteY21" fmla="*/ 70022 h 691979"/>
+              <a:gd name="connsiteX22" fmla="*/ 897924 w 1882346"/>
+              <a:gd name="connsiteY22" fmla="*/ 102973 h 691979"/>
+              <a:gd name="connsiteX23" fmla="*/ 1042086 w 1882346"/>
+              <a:gd name="connsiteY23" fmla="*/ 168876 h 691979"/>
+              <a:gd name="connsiteX24" fmla="*/ 1112108 w 1882346"/>
+              <a:gd name="connsiteY24" fmla="*/ 214184 h 691979"/>
+              <a:gd name="connsiteX25" fmla="*/ 1145059 w 1882346"/>
+              <a:gd name="connsiteY25" fmla="*/ 234779 h 691979"/>
+              <a:gd name="connsiteX26" fmla="*/ 1334529 w 1882346"/>
+              <a:gd name="connsiteY26" fmla="*/ 321276 h 691979"/>
+              <a:gd name="connsiteX27" fmla="*/ 1367481 w 1882346"/>
+              <a:gd name="connsiteY27" fmla="*/ 341871 h 691979"/>
+              <a:gd name="connsiteX28" fmla="*/ 1400432 w 1882346"/>
+              <a:gd name="connsiteY28" fmla="*/ 362465 h 691979"/>
+              <a:gd name="connsiteX29" fmla="*/ 1408670 w 1882346"/>
+              <a:gd name="connsiteY29" fmla="*/ 378941 h 691979"/>
+              <a:gd name="connsiteX30" fmla="*/ 1425146 w 1882346"/>
+              <a:gd name="connsiteY30" fmla="*/ 395417 h 691979"/>
+              <a:gd name="connsiteX31" fmla="*/ 1466335 w 1882346"/>
+              <a:gd name="connsiteY31" fmla="*/ 424249 h 691979"/>
+              <a:gd name="connsiteX32" fmla="*/ 1507524 w 1882346"/>
+              <a:gd name="connsiteY32" fmla="*/ 461319 h 691979"/>
+              <a:gd name="connsiteX33" fmla="*/ 1548713 w 1882346"/>
+              <a:gd name="connsiteY33" fmla="*/ 498389 h 691979"/>
+              <a:gd name="connsiteX34" fmla="*/ 1577546 w 1882346"/>
+              <a:gd name="connsiteY34" fmla="*/ 518984 h 691979"/>
+              <a:gd name="connsiteX35" fmla="*/ 1585783 w 1882346"/>
+              <a:gd name="connsiteY35" fmla="*/ 531341 h 691979"/>
+              <a:gd name="connsiteX36" fmla="*/ 1639329 w 1882346"/>
+              <a:gd name="connsiteY36" fmla="*/ 568411 h 691979"/>
+              <a:gd name="connsiteX37" fmla="*/ 1672281 w 1882346"/>
+              <a:gd name="connsiteY37" fmla="*/ 584887 h 691979"/>
+              <a:gd name="connsiteX38" fmla="*/ 1684637 w 1882346"/>
+              <a:gd name="connsiteY38" fmla="*/ 589006 h 691979"/>
+              <a:gd name="connsiteX39" fmla="*/ 1734065 w 1882346"/>
+              <a:gd name="connsiteY39" fmla="*/ 601362 h 691979"/>
+              <a:gd name="connsiteX40" fmla="*/ 1787610 w 1882346"/>
+              <a:gd name="connsiteY40" fmla="*/ 621957 h 691979"/>
+              <a:gd name="connsiteX41" fmla="*/ 1812324 w 1882346"/>
+              <a:gd name="connsiteY41" fmla="*/ 630195 h 691979"/>
+              <a:gd name="connsiteX42" fmla="*/ 1828800 w 1882346"/>
+              <a:gd name="connsiteY42" fmla="*/ 646671 h 691979"/>
+              <a:gd name="connsiteX43" fmla="*/ 1857632 w 1882346"/>
+              <a:gd name="connsiteY43" fmla="*/ 675503 h 691979"/>
+              <a:gd name="connsiteX44" fmla="*/ 1882346 w 1882346"/>
+              <a:gd name="connsiteY44" fmla="*/ 691979 h 691979"/>
+            </a:gdLst>
+            <a:ahLst/>
+            <a:cxnLst>
+              <a:cxn ang="0">
+                <a:pos x="connsiteX0" y="connsiteY0"/>
+              </a:cxn>
+              <a:cxn ang="0">
+                <a:pos x="connsiteX1" y="connsiteY1"/>
+              </a:cxn>
+              <a:cxn ang="0">
+                <a:pos x="connsiteX2" y="connsiteY2"/>
+              </a:cxn>
+              <a:cxn ang="0">
+                <a:pos x="connsiteX3" y="connsiteY3"/>
+              </a:cxn>
+              <a:cxn ang="0">
+                <a:pos x="connsiteX4" y="connsiteY4"/>
+              </a:cxn>
+              <a:cxn ang="0">
+                <a:pos x="connsiteX5" y="connsiteY5"/>
+              </a:cxn>
+              <a:cxn ang="0">
+                <a:pos x="connsiteX6" y="connsiteY6"/>
+              </a:cxn>
+              <a:cxn ang="0">
+                <a:pos x="connsiteX7" y="connsiteY7"/>
+              </a:cxn>
+              <a:cxn ang="0">
+                <a:pos x="connsiteX8" y="connsiteY8"/>
+              </a:cxn>
+              <a:cxn ang="0">
+                <a:pos x="connsiteX9" y="connsiteY9"/>
+              </a:cxn>
+              <a:cxn ang="0">
+                <a:pos x="connsiteX10" y="connsiteY10"/>
+              </a:cxn>
+              <a:cxn ang="0">
+                <a:pos x="connsiteX11" y="connsiteY11"/>
+              </a:cxn>
+              <a:cxn ang="0">
+                <a:pos x="connsiteX12" y="connsiteY12"/>
+              </a:cxn>
+              <a:cxn ang="0">
+                <a:pos x="connsiteX13" y="connsiteY13"/>
+              </a:cxn>
+              <a:cxn ang="0">
+                <a:pos x="connsiteX14" y="connsiteY14"/>
+              </a:cxn>
+              <a:cxn ang="0">
+                <a:pos x="connsiteX15" y="connsiteY15"/>
+              </a:cxn>
+              <a:cxn ang="0">
+                <a:pos x="connsiteX16" y="connsiteY16"/>
+              </a:cxn>
+              <a:cxn ang="0">
+                <a:pos x="connsiteX17" y="connsiteY17"/>
+              </a:cxn>
+              <a:cxn ang="0">
+                <a:pos x="connsiteX18" y="connsiteY18"/>
+              </a:cxn>
+              <a:cxn ang="0">
+                <a:pos x="connsiteX19" y="connsiteY19"/>
+              </a:cxn>
+              <a:cxn ang="0">
+                <a:pos x="connsiteX20" y="connsiteY20"/>
+              </a:cxn>
+              <a:cxn ang="0">
+                <a:pos x="connsiteX21" y="connsiteY21"/>
+              </a:cxn>
+              <a:cxn ang="0">
+                <a:pos x="connsiteX22" y="connsiteY22"/>
+              </a:cxn>
+              <a:cxn ang="0">
+                <a:pos x="connsiteX23" y="connsiteY23"/>
+              </a:cxn>
+              <a:cxn ang="0">
+                <a:pos x="connsiteX24" y="connsiteY24"/>
+              </a:cxn>
+              <a:cxn ang="0">
+                <a:pos x="connsiteX25" y="connsiteY25"/>
+              </a:cxn>
+              <a:cxn ang="0">
+                <a:pos x="connsiteX26" y="connsiteY26"/>
+              </a:cxn>
+              <a:cxn ang="0">
+                <a:pos x="connsiteX27" y="connsiteY27"/>
+              </a:cxn>
+              <a:cxn ang="0">
+                <a:pos x="connsiteX28" y="connsiteY28"/>
+              </a:cxn>
+              <a:cxn ang="0">
+                <a:pos x="connsiteX29" y="connsiteY29"/>
+              </a:cxn>
+              <a:cxn ang="0">
+                <a:pos x="connsiteX30" y="connsiteY30"/>
+              </a:cxn>
+              <a:cxn ang="0">
+                <a:pos x="connsiteX31" y="connsiteY31"/>
+              </a:cxn>
+              <a:cxn ang="0">
+                <a:pos x="connsiteX32" y="connsiteY32"/>
+              </a:cxn>
+              <a:cxn ang="0">
+                <a:pos x="connsiteX33" y="connsiteY33"/>
+              </a:cxn>
+              <a:cxn ang="0">
+                <a:pos x="connsiteX34" y="connsiteY34"/>
+              </a:cxn>
+              <a:cxn ang="0">
+                <a:pos x="connsiteX35" y="connsiteY35"/>
+              </a:cxn>
+              <a:cxn ang="0">
+                <a:pos x="connsiteX36" y="connsiteY36"/>
+              </a:cxn>
+              <a:cxn ang="0">
+                <a:pos x="connsiteX37" y="connsiteY37"/>
+              </a:cxn>
+              <a:cxn ang="0">
+                <a:pos x="connsiteX38" y="connsiteY38"/>
+              </a:cxn>
+              <a:cxn ang="0">
+                <a:pos x="connsiteX39" y="connsiteY39"/>
+              </a:cxn>
+              <a:cxn ang="0">
+                <a:pos x="connsiteX40" y="connsiteY40"/>
+              </a:cxn>
+              <a:cxn ang="0">
+                <a:pos x="connsiteX41" y="connsiteY41"/>
+              </a:cxn>
+              <a:cxn ang="0">
+                <a:pos x="connsiteX42" y="connsiteY42"/>
+              </a:cxn>
+              <a:cxn ang="0">
+                <a:pos x="connsiteX43" y="connsiteY43"/>
+              </a:cxn>
+              <a:cxn ang="0">
+                <a:pos x="connsiteX44" y="connsiteY44"/>
+              </a:cxn>
+            </a:cxnLst>
+            <a:rect l="l" t="t" r="r" b="b"/>
+            <a:pathLst>
+              <a:path w="1882346" h="691979">
+                <a:moveTo>
+                  <a:pt x="0" y="292444"/>
+                </a:moveTo>
+                <a:cubicBezTo>
+                  <a:pt x="39391" y="268809"/>
+                  <a:pt x="2608" y="293954"/>
+                  <a:pt x="41189" y="255373"/>
+                </a:cubicBezTo>
+                <a:cubicBezTo>
+                  <a:pt x="48771" y="247791"/>
+                  <a:pt x="57888" y="241903"/>
+                  <a:pt x="65902" y="234779"/>
+                </a:cubicBezTo>
+                <a:cubicBezTo>
+                  <a:pt x="70256" y="230909"/>
+                  <a:pt x="73784" y="226151"/>
+                  <a:pt x="78259" y="222422"/>
+                </a:cubicBezTo>
+                <a:cubicBezTo>
+                  <a:pt x="90285" y="212400"/>
+                  <a:pt x="104259" y="204658"/>
+                  <a:pt x="115329" y="193589"/>
+                </a:cubicBezTo>
+                <a:cubicBezTo>
+                  <a:pt x="120821" y="188097"/>
+                  <a:pt x="125908" y="182168"/>
+                  <a:pt x="131805" y="177114"/>
+                </a:cubicBezTo>
+                <a:cubicBezTo>
+                  <a:pt x="156804" y="155687"/>
+                  <a:pt x="130967" y="186309"/>
+                  <a:pt x="160637" y="152400"/>
+                </a:cubicBezTo>
+                <a:cubicBezTo>
+                  <a:pt x="165157" y="147234"/>
+                  <a:pt x="168376" y="141004"/>
+                  <a:pt x="172994" y="135925"/>
+                </a:cubicBezTo>
+                <a:cubicBezTo>
+                  <a:pt x="182137" y="125868"/>
+                  <a:pt x="192684" y="117149"/>
+                  <a:pt x="201827" y="107092"/>
+                </a:cubicBezTo>
+                <a:cubicBezTo>
+                  <a:pt x="206445" y="102013"/>
+                  <a:pt x="208559" y="94554"/>
+                  <a:pt x="214183" y="90617"/>
+                </a:cubicBezTo>
+                <a:cubicBezTo>
+                  <a:pt x="222749" y="84621"/>
+                  <a:pt x="233836" y="83267"/>
+                  <a:pt x="243016" y="78260"/>
+                </a:cubicBezTo>
+                <a:cubicBezTo>
+                  <a:pt x="249043" y="74973"/>
+                  <a:pt x="253465" y="69190"/>
+                  <a:pt x="259492" y="65903"/>
+                </a:cubicBezTo>
+                <a:cubicBezTo>
+                  <a:pt x="268671" y="60896"/>
+                  <a:pt x="278579" y="57336"/>
+                  <a:pt x="288324" y="53546"/>
+                </a:cubicBezTo>
+                <a:cubicBezTo>
+                  <a:pt x="352700" y="28511"/>
+                  <a:pt x="323963" y="41978"/>
+                  <a:pt x="403654" y="16476"/>
+                </a:cubicBezTo>
+                <a:cubicBezTo>
+                  <a:pt x="461268" y="-1961"/>
+                  <a:pt x="414295" y="8581"/>
+                  <a:pt x="457200" y="0"/>
+                </a:cubicBezTo>
+                <a:lnTo>
+                  <a:pt x="593124" y="4119"/>
+                </a:lnTo>
+                <a:cubicBezTo>
+                  <a:pt x="613666" y="5032"/>
+                  <a:pt x="648827" y="8256"/>
+                  <a:pt x="671383" y="12357"/>
+                </a:cubicBezTo>
+                <a:cubicBezTo>
+                  <a:pt x="676953" y="13370"/>
+                  <a:pt x="682317" y="15321"/>
+                  <a:pt x="687859" y="16476"/>
+                </a:cubicBezTo>
+                <a:lnTo>
+                  <a:pt x="770237" y="32952"/>
+                </a:lnTo>
+                <a:cubicBezTo>
+                  <a:pt x="779848" y="37071"/>
+                  <a:pt x="789311" y="41554"/>
+                  <a:pt x="799070" y="45308"/>
+                </a:cubicBezTo>
+                <a:cubicBezTo>
+                  <a:pt x="807175" y="48425"/>
+                  <a:pt x="816160" y="49388"/>
+                  <a:pt x="823783" y="53546"/>
+                </a:cubicBezTo>
+                <a:cubicBezTo>
+                  <a:pt x="831501" y="57756"/>
+                  <a:pt x="837268" y="64851"/>
+                  <a:pt x="844378" y="70022"/>
+                </a:cubicBezTo>
+                <a:cubicBezTo>
+                  <a:pt x="856157" y="78588"/>
+                  <a:pt x="885254" y="97293"/>
+                  <a:pt x="897924" y="102973"/>
+                </a:cubicBezTo>
+                <a:cubicBezTo>
+                  <a:pt x="981817" y="140580"/>
+                  <a:pt x="975636" y="129006"/>
+                  <a:pt x="1042086" y="168876"/>
+                </a:cubicBezTo>
+                <a:cubicBezTo>
+                  <a:pt x="1065925" y="183179"/>
+                  <a:pt x="1088692" y="199198"/>
+                  <a:pt x="1112108" y="214184"/>
+                </a:cubicBezTo>
+                <a:cubicBezTo>
+                  <a:pt x="1123018" y="221166"/>
+                  <a:pt x="1133170" y="229638"/>
+                  <a:pt x="1145059" y="234779"/>
+                </a:cubicBezTo>
+                <a:cubicBezTo>
+                  <a:pt x="1364381" y="329620"/>
+                  <a:pt x="1235300" y="267844"/>
+                  <a:pt x="1334529" y="321276"/>
+                </a:cubicBezTo>
+                <a:cubicBezTo>
+                  <a:pt x="1376370" y="343806"/>
+                  <a:pt x="1324599" y="313283"/>
+                  <a:pt x="1367481" y="341871"/>
+                </a:cubicBezTo>
+                <a:cubicBezTo>
+                  <a:pt x="1378258" y="349056"/>
+                  <a:pt x="1400432" y="362465"/>
+                  <a:pt x="1400432" y="362465"/>
+                </a:cubicBezTo>
+                <a:cubicBezTo>
+                  <a:pt x="1403178" y="367957"/>
+                  <a:pt x="1404986" y="374029"/>
+                  <a:pt x="1408670" y="378941"/>
+                </a:cubicBezTo>
+                <a:cubicBezTo>
+                  <a:pt x="1413330" y="385154"/>
+                  <a:pt x="1419341" y="390257"/>
+                  <a:pt x="1425146" y="395417"/>
+                </a:cubicBezTo>
+                <a:cubicBezTo>
+                  <a:pt x="1443731" y="411937"/>
+                  <a:pt x="1445725" y="411883"/>
+                  <a:pt x="1466335" y="424249"/>
+                </a:cubicBezTo>
+                <a:cubicBezTo>
+                  <a:pt x="1493736" y="458502"/>
+                  <a:pt x="1470156" y="433293"/>
+                  <a:pt x="1507524" y="461319"/>
+                </a:cubicBezTo>
+                <a:cubicBezTo>
+                  <a:pt x="1550953" y="493890"/>
+                  <a:pt x="1515420" y="469259"/>
+                  <a:pt x="1548713" y="498389"/>
+                </a:cubicBezTo>
+                <a:cubicBezTo>
+                  <a:pt x="1556889" y="505543"/>
+                  <a:pt x="1568318" y="512832"/>
+                  <a:pt x="1577546" y="518984"/>
+                </a:cubicBezTo>
+                <a:cubicBezTo>
+                  <a:pt x="1580292" y="523103"/>
+                  <a:pt x="1582283" y="527841"/>
+                  <a:pt x="1585783" y="531341"/>
+                </a:cubicBezTo>
+                <a:cubicBezTo>
+                  <a:pt x="1605636" y="551195"/>
+                  <a:pt x="1614917" y="550102"/>
+                  <a:pt x="1639329" y="568411"/>
+                </a:cubicBezTo>
+                <a:cubicBezTo>
+                  <a:pt x="1662493" y="585784"/>
+                  <a:pt x="1647365" y="577768"/>
+                  <a:pt x="1672281" y="584887"/>
+                </a:cubicBezTo>
+                <a:cubicBezTo>
+                  <a:pt x="1676455" y="586080"/>
+                  <a:pt x="1680442" y="587887"/>
+                  <a:pt x="1684637" y="589006"/>
+                </a:cubicBezTo>
+                <a:cubicBezTo>
+                  <a:pt x="1701047" y="593382"/>
+                  <a:pt x="1734065" y="601362"/>
+                  <a:pt x="1734065" y="601362"/>
+                </a:cubicBezTo>
+                <a:cubicBezTo>
+                  <a:pt x="1762189" y="615425"/>
+                  <a:pt x="1744716" y="607659"/>
+                  <a:pt x="1787610" y="621957"/>
+                </a:cubicBezTo>
+                <a:lnTo>
+                  <a:pt x="1812324" y="630195"/>
+                </a:lnTo>
+                <a:cubicBezTo>
+                  <a:pt x="1821311" y="657156"/>
+                  <a:pt x="1808829" y="630694"/>
+                  <a:pt x="1828800" y="646671"/>
+                </a:cubicBezTo>
+                <a:cubicBezTo>
+                  <a:pt x="1839413" y="655162"/>
+                  <a:pt x="1846323" y="667964"/>
+                  <a:pt x="1857632" y="675503"/>
+                </a:cubicBezTo>
+                <a:lnTo>
+                  <a:pt x="1882346" y="691979"/>
+                </a:lnTo>
+              </a:path>
+            </a:pathLst>
+          </a:custGeom>
+          <a:noFill/>
+          <a:ln w="38100"/>
+        </p:spPr>
+        <p:style>
+          <a:lnRef idx="2">
+            <a:schemeClr val="accent1">
+              <a:shade val="50000"/>
+            </a:schemeClr>
+          </a:lnRef>
+          <a:fillRef idx="1">
+            <a:schemeClr val="accent1"/>
+          </a:fillRef>
+          <a:effectRef idx="0">
+            <a:schemeClr val="accent1"/>
+          </a:effectRef>
+          <a:fontRef idx="minor">
+            <a:schemeClr val="lt1"/>
+          </a:fontRef>
+        </p:style>
+        <p:txBody>
+          <a:bodyPr rtlCol="1" anchor="ctr"/>
+          <a:lstStyle/>
+          <a:p>
+            <a:pPr algn="ctr"/>
+            <a:endParaRPr lang="he-IL"/>
+          </a:p>
+        </p:txBody>
+      </p:sp>
+      <p:cxnSp>
+        <p:nvCxnSpPr>
+          <p:cNvPr id="89" name="Straight Connector 88">
+            <a:extLst>
+              <a:ext uri="{FF2B5EF4-FFF2-40B4-BE49-F238E27FC236}">
+                <a16:creationId xmlns:a16="http://schemas.microsoft.com/office/drawing/2014/main" id="{F5F29E0B-F98B-B25C-DBB9-0A6E16877EB4}"/>
+              </a:ext>
+            </a:extLst>
+          </p:cNvPr>
+          <p:cNvCxnSpPr>
+            <a:cxnSpLocks/>
+            <a:stCxn id="26" idx="26"/>
+          </p:cNvCxnSpPr>
+          <p:nvPr/>
+        </p:nvCxnSpPr>
+        <p:spPr>
+          <a:xfrm>
+            <a:off x="4663394" y="5132173"/>
+            <a:ext cx="8121" cy="363533"/>
+          </a:xfrm>
+          <a:prstGeom prst="line">
+            <a:avLst/>
+          </a:prstGeom>
+          <a:ln w="19050">
+            <a:solidFill>
+              <a:schemeClr val="tx1"/>
+            </a:solidFill>
+            <a:prstDash val="sysDash"/>
+          </a:ln>
+        </p:spPr>
+        <p:style>
+          <a:lnRef idx="1">
+            <a:schemeClr val="accent1"/>
+          </a:lnRef>
+          <a:fillRef idx="0">
+            <a:schemeClr val="accent1"/>
+          </a:fillRef>
+          <a:effectRef idx="0">
+            <a:schemeClr val="accent1"/>
+          </a:effectRef>
+          <a:fontRef idx="minor">
+            <a:schemeClr val="tx1"/>
+          </a:fontRef>
+        </p:style>
+      </p:cxnSp>
+      <p:cxnSp>
+        <p:nvCxnSpPr>
+          <p:cNvPr id="93" name="Straight Connector 92">
+            <a:extLst>
+              <a:ext uri="{FF2B5EF4-FFF2-40B4-BE49-F238E27FC236}">
+                <a16:creationId xmlns:a16="http://schemas.microsoft.com/office/drawing/2014/main" id="{7188C895-B0F5-B657-4110-F300ABCA1040}"/>
+              </a:ext>
+            </a:extLst>
+          </p:cNvPr>
+          <p:cNvCxnSpPr>
+            <a:cxnSpLocks/>
+          </p:cNvCxnSpPr>
+          <p:nvPr/>
+        </p:nvCxnSpPr>
+        <p:spPr>
+          <a:xfrm>
+            <a:off x="6248200" y="6107911"/>
+            <a:ext cx="2239861" cy="0"/>
+          </a:xfrm>
+          <a:prstGeom prst="line">
+            <a:avLst/>
+          </a:prstGeom>
+          <a:ln w="38100">
+            <a:solidFill>
+              <a:schemeClr val="tx1"/>
+            </a:solidFill>
+          </a:ln>
+        </p:spPr>
+        <p:style>
+          <a:lnRef idx="1">
+            <a:schemeClr val="accent1"/>
+          </a:lnRef>
+          <a:fillRef idx="0">
+            <a:schemeClr val="accent1"/>
+          </a:fillRef>
+          <a:effectRef idx="0">
+            <a:schemeClr val="accent1"/>
+          </a:effectRef>
+          <a:fontRef idx="minor">
+            <a:schemeClr val="tx1"/>
+          </a:fontRef>
+        </p:style>
+      </p:cxnSp>
+      <p:cxnSp>
+        <p:nvCxnSpPr>
+          <p:cNvPr id="94" name="Straight Connector 93">
+            <a:extLst>
+              <a:ext uri="{FF2B5EF4-FFF2-40B4-BE49-F238E27FC236}">
+                <a16:creationId xmlns:a16="http://schemas.microsoft.com/office/drawing/2014/main" id="{BECE1D4A-61F1-C34B-8C4F-7D4E59BD504E}"/>
+              </a:ext>
+            </a:extLst>
+          </p:cNvPr>
+          <p:cNvCxnSpPr>
+            <a:cxnSpLocks/>
+          </p:cNvCxnSpPr>
+          <p:nvPr/>
+        </p:nvCxnSpPr>
+        <p:spPr>
+          <a:xfrm flipV="1">
+            <a:off x="6248200" y="3884828"/>
+            <a:ext cx="0" cy="2223084"/>
+          </a:xfrm>
+          <a:prstGeom prst="line">
+            <a:avLst/>
+          </a:prstGeom>
+          <a:ln w="38100">
+            <a:solidFill>
+              <a:schemeClr val="tx1"/>
+            </a:solidFill>
+          </a:ln>
+        </p:spPr>
+        <p:style>
+          <a:lnRef idx="1">
+            <a:schemeClr val="accent1"/>
+          </a:lnRef>
+          <a:fillRef idx="0">
+            <a:schemeClr val="accent1"/>
+          </a:fillRef>
+          <a:effectRef idx="0">
+            <a:schemeClr val="accent1"/>
+          </a:effectRef>
+          <a:fontRef idx="minor">
+            <a:schemeClr val="tx1"/>
+          </a:fontRef>
+        </p:style>
+      </p:cxnSp>
+      <p:sp>
+        <p:nvSpPr>
+          <p:cNvPr id="95" name="TextBox 94">
+            <a:extLst>
+              <a:ext uri="{FF2B5EF4-FFF2-40B4-BE49-F238E27FC236}">
+                <a16:creationId xmlns:a16="http://schemas.microsoft.com/office/drawing/2014/main" id="{2061D199-2F1F-1CDC-8DC6-49F87118FB6F}"/>
+              </a:ext>
+            </a:extLst>
+          </p:cNvPr>
+          <p:cNvSpPr txBox="1"/>
+          <p:nvPr/>
+        </p:nvSpPr>
+        <p:spPr>
+          <a:xfrm>
+            <a:off x="5887416" y="3887208"/>
+            <a:ext cx="272099" cy="369332"/>
+          </a:xfrm>
+          <a:prstGeom prst="rect">
+            <a:avLst/>
+          </a:prstGeom>
+          <a:noFill/>
+        </p:spPr>
+        <p:txBody>
+          <a:bodyPr wrap="square" rtlCol="1">
+            <a:spAutoFit/>
+          </a:bodyPr>
+          <a:lstStyle/>
+          <a:p>
+            <a:r>
+              <a:rPr lang="en-US" dirty="0"/>
+              <a:t>Y</a:t>
+            </a:r>
+            <a:endParaRPr lang="he-IL" dirty="0"/>
+          </a:p>
+        </p:txBody>
+      </p:sp>
+      <p:sp>
+        <p:nvSpPr>
+          <p:cNvPr id="96" name="TextBox 95">
+            <a:extLst>
+              <a:ext uri="{FF2B5EF4-FFF2-40B4-BE49-F238E27FC236}">
+                <a16:creationId xmlns:a16="http://schemas.microsoft.com/office/drawing/2014/main" id="{EEC0F2E2-CCE5-2D2F-D1ED-27894F1F0076}"/>
+              </a:ext>
+            </a:extLst>
+          </p:cNvPr>
+          <p:cNvSpPr txBox="1"/>
+          <p:nvPr/>
+        </p:nvSpPr>
+        <p:spPr>
+          <a:xfrm>
+            <a:off x="8274094" y="6100047"/>
+            <a:ext cx="284793" cy="369332"/>
+          </a:xfrm>
+          <a:prstGeom prst="rect">
+            <a:avLst/>
+          </a:prstGeom>
+          <a:noFill/>
+        </p:spPr>
+        <p:txBody>
+          <a:bodyPr wrap="square" rtlCol="1">
+            <a:spAutoFit/>
+          </a:bodyPr>
+          <a:lstStyle/>
+          <a:p>
+            <a:r>
+              <a:rPr lang="en-US" dirty="0"/>
+              <a:t>X</a:t>
+            </a:r>
+            <a:endParaRPr lang="he-IL" dirty="0"/>
+          </a:p>
+        </p:txBody>
+      </p:sp>
+      <p:sp>
+        <p:nvSpPr>
+          <p:cNvPr id="97" name="Rectangle: Rounded Corners 96">
+            <a:extLst>
+              <a:ext uri="{FF2B5EF4-FFF2-40B4-BE49-F238E27FC236}">
+                <a16:creationId xmlns:a16="http://schemas.microsoft.com/office/drawing/2014/main" id="{EC171B2F-C971-A3D6-60A9-79D2C7BA1D14}"/>
+              </a:ext>
+            </a:extLst>
+          </p:cNvPr>
+          <p:cNvSpPr/>
+          <p:nvPr/>
+        </p:nvSpPr>
+        <p:spPr>
+          <a:xfrm rot="5400000">
+            <a:off x="7292273" y="4744705"/>
+            <a:ext cx="2105636" cy="377498"/>
+          </a:xfrm>
+          <a:prstGeom prst="roundRect">
+            <a:avLst/>
+          </a:prstGeom>
+        </p:spPr>
+        <p:style>
+          <a:lnRef idx="2">
+            <a:schemeClr val="accent1">
+              <a:shade val="50000"/>
+            </a:schemeClr>
+          </a:lnRef>
+          <a:fillRef idx="1">
+            <a:schemeClr val="accent1"/>
+          </a:fillRef>
+          <a:effectRef idx="0">
+            <a:schemeClr val="accent1"/>
+          </a:effectRef>
+          <a:fontRef idx="minor">
+            <a:schemeClr val="lt1"/>
+          </a:fontRef>
+        </p:style>
+        <p:txBody>
+          <a:bodyPr rtlCol="1" anchor="ctr"/>
+          <a:lstStyle/>
+          <a:p>
+            <a:pPr algn="ctr"/>
+            <a:r>
+              <a:rPr lang="en-US" dirty="0"/>
+              <a:t>Screen</a:t>
+            </a:r>
+            <a:endParaRPr lang="he-IL" dirty="0"/>
+          </a:p>
+        </p:txBody>
+      </p:sp>
+      <p:sp>
+        <p:nvSpPr>
+          <p:cNvPr id="98" name="Freeform: Shape 97">
+            <a:extLst>
+              <a:ext uri="{FF2B5EF4-FFF2-40B4-BE49-F238E27FC236}">
+                <a16:creationId xmlns:a16="http://schemas.microsoft.com/office/drawing/2014/main" id="{DE3B7C99-731A-1CE5-DA30-C0C3BAC83DC5}"/>
+              </a:ext>
+            </a:extLst>
+          </p:cNvPr>
+          <p:cNvSpPr/>
+          <p:nvPr/>
+        </p:nvSpPr>
+        <p:spPr>
+          <a:xfrm>
+            <a:off x="6256322" y="4880919"/>
+            <a:ext cx="1894703" cy="304800"/>
+          </a:xfrm>
+          <a:custGeom>
+            <a:avLst/>
+            <a:gdLst>
+              <a:gd name="connsiteX0" fmla="*/ 0 w 1894703"/>
+              <a:gd name="connsiteY0" fmla="*/ 234778 h 304800"/>
+              <a:gd name="connsiteX1" fmla="*/ 20594 w 1894703"/>
+              <a:gd name="connsiteY1" fmla="*/ 243016 h 304800"/>
+              <a:gd name="connsiteX2" fmla="*/ 37070 w 1894703"/>
+              <a:gd name="connsiteY2" fmla="*/ 255373 h 304800"/>
+              <a:gd name="connsiteX3" fmla="*/ 53546 w 1894703"/>
+              <a:gd name="connsiteY3" fmla="*/ 263611 h 304800"/>
+              <a:gd name="connsiteX4" fmla="*/ 61784 w 1894703"/>
+              <a:gd name="connsiteY4" fmla="*/ 275967 h 304800"/>
+              <a:gd name="connsiteX5" fmla="*/ 111211 w 1894703"/>
+              <a:gd name="connsiteY5" fmla="*/ 292443 h 304800"/>
+              <a:gd name="connsiteX6" fmla="*/ 214184 w 1894703"/>
+              <a:gd name="connsiteY6" fmla="*/ 304800 h 304800"/>
+              <a:gd name="connsiteX7" fmla="*/ 374822 w 1894703"/>
+              <a:gd name="connsiteY7" fmla="*/ 300681 h 304800"/>
+              <a:gd name="connsiteX8" fmla="*/ 757881 w 1894703"/>
+              <a:gd name="connsiteY8" fmla="*/ 292443 h 304800"/>
+              <a:gd name="connsiteX9" fmla="*/ 959708 w 1894703"/>
+              <a:gd name="connsiteY9" fmla="*/ 275967 h 304800"/>
+              <a:gd name="connsiteX10" fmla="*/ 976184 w 1894703"/>
+              <a:gd name="connsiteY10" fmla="*/ 271849 h 304800"/>
+              <a:gd name="connsiteX11" fmla="*/ 1000897 w 1894703"/>
+              <a:gd name="connsiteY11" fmla="*/ 267730 h 304800"/>
+              <a:gd name="connsiteX12" fmla="*/ 1083276 w 1894703"/>
+              <a:gd name="connsiteY12" fmla="*/ 263611 h 304800"/>
+              <a:gd name="connsiteX13" fmla="*/ 1112108 w 1894703"/>
+              <a:gd name="connsiteY13" fmla="*/ 255373 h 304800"/>
+              <a:gd name="connsiteX14" fmla="*/ 1309816 w 1894703"/>
+              <a:gd name="connsiteY14" fmla="*/ 238897 h 304800"/>
+              <a:gd name="connsiteX15" fmla="*/ 1342767 w 1894703"/>
+              <a:gd name="connsiteY15" fmla="*/ 230659 h 304800"/>
+              <a:gd name="connsiteX16" fmla="*/ 1363362 w 1894703"/>
+              <a:gd name="connsiteY16" fmla="*/ 222422 h 304800"/>
+              <a:gd name="connsiteX17" fmla="*/ 1400432 w 1894703"/>
+              <a:gd name="connsiteY17" fmla="*/ 210065 h 304800"/>
+              <a:gd name="connsiteX18" fmla="*/ 1433384 w 1894703"/>
+              <a:gd name="connsiteY18" fmla="*/ 201827 h 304800"/>
+              <a:gd name="connsiteX19" fmla="*/ 1462216 w 1894703"/>
+              <a:gd name="connsiteY19" fmla="*/ 189470 h 304800"/>
+              <a:gd name="connsiteX20" fmla="*/ 1528119 w 1894703"/>
+              <a:gd name="connsiteY20" fmla="*/ 172995 h 304800"/>
+              <a:gd name="connsiteX21" fmla="*/ 1602259 w 1894703"/>
+              <a:gd name="connsiteY21" fmla="*/ 156519 h 304800"/>
+              <a:gd name="connsiteX22" fmla="*/ 1647567 w 1894703"/>
+              <a:gd name="connsiteY22" fmla="*/ 144162 h 304800"/>
+              <a:gd name="connsiteX23" fmla="*/ 1692876 w 1894703"/>
+              <a:gd name="connsiteY23" fmla="*/ 131805 h 304800"/>
+              <a:gd name="connsiteX24" fmla="*/ 1721708 w 1894703"/>
+              <a:gd name="connsiteY24" fmla="*/ 115330 h 304800"/>
+              <a:gd name="connsiteX25" fmla="*/ 1758778 w 1894703"/>
+              <a:gd name="connsiteY25" fmla="*/ 94735 h 304800"/>
+              <a:gd name="connsiteX26" fmla="*/ 1791730 w 1894703"/>
+              <a:gd name="connsiteY26" fmla="*/ 65903 h 304800"/>
+              <a:gd name="connsiteX27" fmla="*/ 1795849 w 1894703"/>
+              <a:gd name="connsiteY27" fmla="*/ 53546 h 304800"/>
+              <a:gd name="connsiteX28" fmla="*/ 1812324 w 1894703"/>
+              <a:gd name="connsiteY28" fmla="*/ 49427 h 304800"/>
+              <a:gd name="connsiteX29" fmla="*/ 1837038 w 1894703"/>
+              <a:gd name="connsiteY29" fmla="*/ 37070 h 304800"/>
+              <a:gd name="connsiteX30" fmla="*/ 1849394 w 1894703"/>
+              <a:gd name="connsiteY30" fmla="*/ 20595 h 304800"/>
+              <a:gd name="connsiteX31" fmla="*/ 1861751 w 1894703"/>
+              <a:gd name="connsiteY31" fmla="*/ 16476 h 304800"/>
+              <a:gd name="connsiteX32" fmla="*/ 1874108 w 1894703"/>
+              <a:gd name="connsiteY32" fmla="*/ 8238 h 304800"/>
+              <a:gd name="connsiteX33" fmla="*/ 1894703 w 1894703"/>
+              <a:gd name="connsiteY33" fmla="*/ 0 h 304800"/>
+            </a:gdLst>
+            <a:ahLst/>
+            <a:cxnLst>
+              <a:cxn ang="0">
+                <a:pos x="connsiteX0" y="connsiteY0"/>
+              </a:cxn>
+              <a:cxn ang="0">
+                <a:pos x="connsiteX1" y="connsiteY1"/>
+              </a:cxn>
+              <a:cxn ang="0">
+                <a:pos x="connsiteX2" y="connsiteY2"/>
+              </a:cxn>
+              <a:cxn ang="0">
+                <a:pos x="connsiteX3" y="connsiteY3"/>
+              </a:cxn>
+              <a:cxn ang="0">
+                <a:pos x="connsiteX4" y="connsiteY4"/>
+              </a:cxn>
+              <a:cxn ang="0">
+                <a:pos x="connsiteX5" y="connsiteY5"/>
+              </a:cxn>
+              <a:cxn ang="0">
+                <a:pos x="connsiteX6" y="connsiteY6"/>
+              </a:cxn>
+              <a:cxn ang="0">
+                <a:pos x="connsiteX7" y="connsiteY7"/>
+              </a:cxn>
+              <a:cxn ang="0">
+                <a:pos x="connsiteX8" y="connsiteY8"/>
+              </a:cxn>
+              <a:cxn ang="0">
+                <a:pos x="connsiteX9" y="connsiteY9"/>
+              </a:cxn>
+              <a:cxn ang="0">
+                <a:pos x="connsiteX10" y="connsiteY10"/>
+              </a:cxn>
+              <a:cxn ang="0">
+                <a:pos x="connsiteX11" y="connsiteY11"/>
+              </a:cxn>
+              <a:cxn ang="0">
+                <a:pos x="connsiteX12" y="connsiteY12"/>
+              </a:cxn>
+              <a:cxn ang="0">
+                <a:pos x="connsiteX13" y="connsiteY13"/>
+              </a:cxn>
+              <a:cxn ang="0">
+                <a:pos x="connsiteX14" y="connsiteY14"/>
+              </a:cxn>
+              <a:cxn ang="0">
+                <a:pos x="connsiteX15" y="connsiteY15"/>
+              </a:cxn>
+              <a:cxn ang="0">
+                <a:pos x="connsiteX16" y="connsiteY16"/>
+              </a:cxn>
+              <a:cxn ang="0">
+                <a:pos x="connsiteX17" y="connsiteY17"/>
+              </a:cxn>
+              <a:cxn ang="0">
+                <a:pos x="connsiteX18" y="connsiteY18"/>
+              </a:cxn>
+              <a:cxn ang="0">
+                <a:pos x="connsiteX19" y="connsiteY19"/>
+              </a:cxn>
+              <a:cxn ang="0">
+                <a:pos x="connsiteX20" y="connsiteY20"/>
+              </a:cxn>
+              <a:cxn ang="0">
+                <a:pos x="connsiteX21" y="connsiteY21"/>
+              </a:cxn>
+              <a:cxn ang="0">
+                <a:pos x="connsiteX22" y="connsiteY22"/>
+              </a:cxn>
+              <a:cxn ang="0">
+                <a:pos x="connsiteX23" y="connsiteY23"/>
+              </a:cxn>
+              <a:cxn ang="0">
+                <a:pos x="connsiteX24" y="connsiteY24"/>
+              </a:cxn>
+              <a:cxn ang="0">
+                <a:pos x="connsiteX25" y="connsiteY25"/>
+              </a:cxn>
+              <a:cxn ang="0">
+                <a:pos x="connsiteX26" y="connsiteY26"/>
+              </a:cxn>
+              <a:cxn ang="0">
+                <a:pos x="connsiteX27" y="connsiteY27"/>
+              </a:cxn>
+              <a:cxn ang="0">
+                <a:pos x="connsiteX28" y="connsiteY28"/>
+              </a:cxn>
+              <a:cxn ang="0">
+                <a:pos x="connsiteX29" y="connsiteY29"/>
+              </a:cxn>
+              <a:cxn ang="0">
+                <a:pos x="connsiteX30" y="connsiteY30"/>
+              </a:cxn>
+              <a:cxn ang="0">
+                <a:pos x="connsiteX31" y="connsiteY31"/>
+              </a:cxn>
+              <a:cxn ang="0">
+                <a:pos x="connsiteX32" y="connsiteY32"/>
+              </a:cxn>
+              <a:cxn ang="0">
+                <a:pos x="connsiteX33" y="connsiteY33"/>
+              </a:cxn>
+            </a:cxnLst>
+            <a:rect l="l" t="t" r="r" b="b"/>
+            <a:pathLst>
+              <a:path w="1894703" h="304800">
+                <a:moveTo>
+                  <a:pt x="0" y="234778"/>
+                </a:moveTo>
+                <a:cubicBezTo>
+                  <a:pt x="6865" y="237524"/>
+                  <a:pt x="14131" y="239425"/>
+                  <a:pt x="20594" y="243016"/>
+                </a:cubicBezTo>
+                <a:cubicBezTo>
+                  <a:pt x="26595" y="246350"/>
+                  <a:pt x="31248" y="251735"/>
+                  <a:pt x="37070" y="255373"/>
+                </a:cubicBezTo>
+                <a:cubicBezTo>
+                  <a:pt x="42277" y="258627"/>
+                  <a:pt x="48054" y="260865"/>
+                  <a:pt x="53546" y="263611"/>
+                </a:cubicBezTo>
+                <a:cubicBezTo>
+                  <a:pt x="56292" y="267730"/>
+                  <a:pt x="57586" y="273343"/>
+                  <a:pt x="61784" y="275967"/>
+                </a:cubicBezTo>
+                <a:cubicBezTo>
+                  <a:pt x="61785" y="275968"/>
+                  <a:pt x="111210" y="292443"/>
+                  <a:pt x="111211" y="292443"/>
+                </a:cubicBezTo>
+                <a:lnTo>
+                  <a:pt x="214184" y="304800"/>
+                </a:lnTo>
+                <a:lnTo>
+                  <a:pt x="374822" y="300681"/>
+                </a:lnTo>
+                <a:lnTo>
+                  <a:pt x="757881" y="292443"/>
+                </a:lnTo>
+                <a:cubicBezTo>
+                  <a:pt x="862727" y="266231"/>
+                  <a:pt x="772026" y="285121"/>
+                  <a:pt x="959708" y="275967"/>
+                </a:cubicBezTo>
+                <a:cubicBezTo>
+                  <a:pt x="965362" y="275691"/>
+                  <a:pt x="970633" y="272959"/>
+                  <a:pt x="976184" y="271849"/>
+                </a:cubicBezTo>
+                <a:cubicBezTo>
+                  <a:pt x="984373" y="270211"/>
+                  <a:pt x="992570" y="268371"/>
+                  <a:pt x="1000897" y="267730"/>
+                </a:cubicBezTo>
+                <a:cubicBezTo>
+                  <a:pt x="1028310" y="265621"/>
+                  <a:pt x="1055816" y="264984"/>
+                  <a:pt x="1083276" y="263611"/>
+                </a:cubicBezTo>
+                <a:cubicBezTo>
+                  <a:pt x="1092887" y="260865"/>
+                  <a:pt x="1102289" y="257243"/>
+                  <a:pt x="1112108" y="255373"/>
+                </a:cubicBezTo>
+                <a:cubicBezTo>
+                  <a:pt x="1177210" y="242972"/>
+                  <a:pt x="1243897" y="241893"/>
+                  <a:pt x="1309816" y="238897"/>
+                </a:cubicBezTo>
+                <a:cubicBezTo>
+                  <a:pt x="1320800" y="236151"/>
+                  <a:pt x="1331946" y="233988"/>
+                  <a:pt x="1342767" y="230659"/>
+                </a:cubicBezTo>
+                <a:cubicBezTo>
+                  <a:pt x="1349834" y="228485"/>
+                  <a:pt x="1356399" y="224909"/>
+                  <a:pt x="1363362" y="222422"/>
+                </a:cubicBezTo>
+                <a:cubicBezTo>
+                  <a:pt x="1375628" y="218041"/>
+                  <a:pt x="1387936" y="213740"/>
+                  <a:pt x="1400432" y="210065"/>
+                </a:cubicBezTo>
+                <a:cubicBezTo>
+                  <a:pt x="1411294" y="206870"/>
+                  <a:pt x="1422643" y="205407"/>
+                  <a:pt x="1433384" y="201827"/>
+                </a:cubicBezTo>
+                <a:cubicBezTo>
+                  <a:pt x="1443304" y="198520"/>
+                  <a:pt x="1452369" y="192987"/>
+                  <a:pt x="1462216" y="189470"/>
+                </a:cubicBezTo>
+                <a:cubicBezTo>
+                  <a:pt x="1498937" y="176355"/>
+                  <a:pt x="1486715" y="185172"/>
+                  <a:pt x="1528119" y="172995"/>
+                </a:cubicBezTo>
+                <a:cubicBezTo>
+                  <a:pt x="1593107" y="153881"/>
+                  <a:pt x="1526910" y="164054"/>
+                  <a:pt x="1602259" y="156519"/>
+                </a:cubicBezTo>
+                <a:cubicBezTo>
+                  <a:pt x="1617362" y="152400"/>
+                  <a:pt x="1632549" y="148579"/>
+                  <a:pt x="1647567" y="144162"/>
+                </a:cubicBezTo>
+                <a:cubicBezTo>
+                  <a:pt x="1691986" y="131098"/>
+                  <a:pt x="1653234" y="139733"/>
+                  <a:pt x="1692876" y="131805"/>
+                </a:cubicBezTo>
+                <a:cubicBezTo>
+                  <a:pt x="1705289" y="123529"/>
+                  <a:pt x="1707071" y="121603"/>
+                  <a:pt x="1721708" y="115330"/>
+                </a:cubicBezTo>
+                <a:cubicBezTo>
+                  <a:pt x="1736594" y="108951"/>
+                  <a:pt x="1746104" y="111634"/>
+                  <a:pt x="1758778" y="94735"/>
+                </a:cubicBezTo>
+                <a:cubicBezTo>
+                  <a:pt x="1775938" y="71854"/>
+                  <a:pt x="1765248" y="81791"/>
+                  <a:pt x="1791730" y="65903"/>
+                </a:cubicBezTo>
+                <a:cubicBezTo>
+                  <a:pt x="1793103" y="61784"/>
+                  <a:pt x="1792459" y="56258"/>
+                  <a:pt x="1795849" y="53546"/>
+                </a:cubicBezTo>
+                <a:cubicBezTo>
+                  <a:pt x="1800269" y="50010"/>
+                  <a:pt x="1806881" y="50982"/>
+                  <a:pt x="1812324" y="49427"/>
+                </a:cubicBezTo>
+                <a:cubicBezTo>
+                  <a:pt x="1827246" y="45163"/>
+                  <a:pt x="1823498" y="46096"/>
+                  <a:pt x="1837038" y="37070"/>
+                </a:cubicBezTo>
+                <a:cubicBezTo>
+                  <a:pt x="1841157" y="31578"/>
+                  <a:pt x="1844121" y="24990"/>
+                  <a:pt x="1849394" y="20595"/>
+                </a:cubicBezTo>
+                <a:cubicBezTo>
+                  <a:pt x="1852729" y="17815"/>
+                  <a:pt x="1857868" y="18418"/>
+                  <a:pt x="1861751" y="16476"/>
+                </a:cubicBezTo>
+                <a:cubicBezTo>
+                  <a:pt x="1866179" y="14262"/>
+                  <a:pt x="1869680" y="10452"/>
+                  <a:pt x="1874108" y="8238"/>
+                </a:cubicBezTo>
+                <a:cubicBezTo>
+                  <a:pt x="1880721" y="4931"/>
+                  <a:pt x="1894703" y="0"/>
+                  <a:pt x="1894703" y="0"/>
+                </a:cubicBezTo>
+              </a:path>
+            </a:pathLst>
+          </a:custGeom>
+          <a:noFill/>
+          <a:ln w="38100">
+            <a:solidFill>
+              <a:srgbClr val="C00000"/>
+            </a:solidFill>
+          </a:ln>
+        </p:spPr>
+        <p:style>
+          <a:lnRef idx="2">
+            <a:schemeClr val="accent1">
+              <a:shade val="50000"/>
+            </a:schemeClr>
+          </a:lnRef>
+          <a:fillRef idx="1">
+            <a:schemeClr val="accent1"/>
+          </a:fillRef>
+          <a:effectRef idx="0">
+            <a:schemeClr val="accent1"/>
+          </a:effectRef>
+          <a:fontRef idx="minor">
+            <a:schemeClr val="lt1"/>
+          </a:fontRef>
+        </p:style>
+        <p:txBody>
+          <a:bodyPr rtlCol="1" anchor="ctr"/>
+          <a:lstStyle/>
+          <a:p>
+            <a:pPr algn="ctr"/>
+            <a:endParaRPr lang="he-IL"/>
+          </a:p>
+        </p:txBody>
+      </p:sp>
+      <p:cxnSp>
+        <p:nvCxnSpPr>
+          <p:cNvPr id="99" name="Straight Connector 98">
+            <a:extLst>
+              <a:ext uri="{FF2B5EF4-FFF2-40B4-BE49-F238E27FC236}">
+                <a16:creationId xmlns:a16="http://schemas.microsoft.com/office/drawing/2014/main" id="{7AA8A9CE-5D20-373E-A61C-9288AE2400A4}"/>
+              </a:ext>
+            </a:extLst>
+          </p:cNvPr>
+          <p:cNvCxnSpPr>
+            <a:cxnSpLocks/>
+          </p:cNvCxnSpPr>
+          <p:nvPr/>
+        </p:nvCxnSpPr>
+        <p:spPr>
+          <a:xfrm flipH="1">
+            <a:off x="6248200" y="5511324"/>
+            <a:ext cx="1927538" cy="407"/>
+          </a:xfrm>
+          <a:prstGeom prst="line">
+            <a:avLst/>
+          </a:prstGeom>
+          <a:ln w="38100">
+            <a:solidFill>
+              <a:schemeClr val="bg1">
+                <a:lumMod val="75000"/>
+              </a:schemeClr>
+            </a:solidFill>
+            <a:prstDash val="sysDash"/>
+          </a:ln>
+        </p:spPr>
+        <p:style>
+          <a:lnRef idx="1">
+            <a:schemeClr val="accent1"/>
+          </a:lnRef>
+          <a:fillRef idx="0">
+            <a:schemeClr val="accent1"/>
+          </a:fillRef>
+          <a:effectRef idx="0">
+            <a:schemeClr val="accent1"/>
+          </a:effectRef>
+          <a:fontRef idx="minor">
+            <a:schemeClr val="tx1"/>
+          </a:fontRef>
+        </p:style>
+      </p:cxnSp>
+      <p:sp>
+        <p:nvSpPr>
+          <p:cNvPr id="100" name="TextBox 99">
+            <a:extLst>
+              <a:ext uri="{FF2B5EF4-FFF2-40B4-BE49-F238E27FC236}">
+                <a16:creationId xmlns:a16="http://schemas.microsoft.com/office/drawing/2014/main" id="{74C6DFFC-19AD-FA5D-4515-FA0B36EF9724}"/>
+              </a:ext>
+            </a:extLst>
+          </p:cNvPr>
+          <p:cNvSpPr txBox="1"/>
+          <p:nvPr/>
+        </p:nvSpPr>
+        <p:spPr>
+          <a:xfrm>
+            <a:off x="5689028" y="5357207"/>
+            <a:ext cx="613108" cy="276999"/>
+          </a:xfrm>
+          <a:prstGeom prst="rect">
+            <a:avLst/>
+          </a:prstGeom>
+          <a:noFill/>
+        </p:spPr>
+        <p:txBody>
+          <a:bodyPr wrap="square" rtlCol="1">
+            <a:spAutoFit/>
+          </a:bodyPr>
+          <a:lstStyle/>
+          <a:p>
+            <a:r>
+              <a:rPr lang="en-US" sz="1200" dirty="0" err="1">
+                <a:solidFill>
+                  <a:srgbClr val="BFBFBF"/>
+                </a:solidFill>
+              </a:rPr>
+              <a:t>h_line</a:t>
+            </a:r>
+            <a:endParaRPr lang="he-IL" sz="1200" dirty="0">
+              <a:solidFill>
+                <a:srgbClr val="BFBFBF"/>
+              </a:solidFill>
+            </a:endParaRPr>
+          </a:p>
+        </p:txBody>
+      </p:sp>
+      <p:sp>
+        <p:nvSpPr>
+          <p:cNvPr id="101" name="TextBox 100">
+            <a:extLst>
+              <a:ext uri="{FF2B5EF4-FFF2-40B4-BE49-F238E27FC236}">
+                <a16:creationId xmlns:a16="http://schemas.microsoft.com/office/drawing/2014/main" id="{ECA219E6-F9CB-A6F0-62C6-36EAF2BFFB96}"/>
+              </a:ext>
+            </a:extLst>
+          </p:cNvPr>
+          <p:cNvSpPr txBox="1"/>
+          <p:nvPr/>
+        </p:nvSpPr>
+        <p:spPr>
+          <a:xfrm>
+            <a:off x="7500995" y="4664678"/>
+            <a:ext cx="727643" cy="276999"/>
+          </a:xfrm>
+          <a:prstGeom prst="rect">
+            <a:avLst/>
+          </a:prstGeom>
+          <a:noFill/>
+        </p:spPr>
+        <p:txBody>
+          <a:bodyPr wrap="square" rtlCol="1">
+            <a:spAutoFit/>
+          </a:bodyPr>
+          <a:lstStyle/>
+          <a:p>
+            <a:r>
+              <a:rPr lang="en-US" sz="1200" dirty="0">
+                <a:solidFill>
+                  <a:srgbClr val="C00000"/>
+                </a:solidFill>
+              </a:rPr>
+              <a:t>Curve 1</a:t>
+            </a:r>
+            <a:endParaRPr lang="he-IL" sz="1200" dirty="0">
+              <a:solidFill>
+                <a:srgbClr val="C00000"/>
+              </a:solidFill>
+            </a:endParaRPr>
+          </a:p>
+        </p:txBody>
+      </p:sp>
+      <p:sp>
+        <p:nvSpPr>
+          <p:cNvPr id="102" name="TextBox 101">
+            <a:extLst>
+              <a:ext uri="{FF2B5EF4-FFF2-40B4-BE49-F238E27FC236}">
+                <a16:creationId xmlns:a16="http://schemas.microsoft.com/office/drawing/2014/main" id="{79ECBFAB-E603-04BF-680C-DCE41972EBAC}"/>
+              </a:ext>
+            </a:extLst>
+          </p:cNvPr>
+          <p:cNvSpPr txBox="1"/>
+          <p:nvPr/>
+        </p:nvSpPr>
+        <p:spPr>
+          <a:xfrm>
+            <a:off x="6450409" y="4550757"/>
+            <a:ext cx="727643" cy="276999"/>
+          </a:xfrm>
+          <a:prstGeom prst="rect">
+            <a:avLst/>
+          </a:prstGeom>
+          <a:noFill/>
+        </p:spPr>
+        <p:txBody>
+          <a:bodyPr wrap="square" rtlCol="1">
+            <a:spAutoFit/>
+          </a:bodyPr>
+          <a:lstStyle/>
+          <a:p>
+            <a:r>
+              <a:rPr lang="en-US" sz="1200" dirty="0">
+                <a:solidFill>
+                  <a:srgbClr val="2F528F"/>
+                </a:solidFill>
+              </a:rPr>
+              <a:t>Curve 2</a:t>
+            </a:r>
+            <a:endParaRPr lang="he-IL" sz="1200" dirty="0">
+              <a:solidFill>
+                <a:srgbClr val="2F528F"/>
+              </a:solidFill>
+            </a:endParaRPr>
+          </a:p>
+        </p:txBody>
+      </p:sp>
+      <p:sp>
+        <p:nvSpPr>
+          <p:cNvPr id="103" name="Freeform: Shape 102">
+            <a:extLst>
+              <a:ext uri="{FF2B5EF4-FFF2-40B4-BE49-F238E27FC236}">
+                <a16:creationId xmlns:a16="http://schemas.microsoft.com/office/drawing/2014/main" id="{291D6E5E-8A40-AA21-7D6E-30B800925ACB}"/>
+              </a:ext>
+            </a:extLst>
+          </p:cNvPr>
+          <p:cNvSpPr/>
+          <p:nvPr/>
+        </p:nvSpPr>
+        <p:spPr>
+          <a:xfrm>
+            <a:off x="6268679" y="4810897"/>
+            <a:ext cx="1882346" cy="691979"/>
+          </a:xfrm>
+          <a:custGeom>
+            <a:avLst/>
+            <a:gdLst>
+              <a:gd name="connsiteX0" fmla="*/ 0 w 1882346"/>
+              <a:gd name="connsiteY0" fmla="*/ 292444 h 691979"/>
+              <a:gd name="connsiteX1" fmla="*/ 41189 w 1882346"/>
+              <a:gd name="connsiteY1" fmla="*/ 255373 h 691979"/>
+              <a:gd name="connsiteX2" fmla="*/ 65902 w 1882346"/>
+              <a:gd name="connsiteY2" fmla="*/ 234779 h 691979"/>
+              <a:gd name="connsiteX3" fmla="*/ 78259 w 1882346"/>
+              <a:gd name="connsiteY3" fmla="*/ 222422 h 691979"/>
+              <a:gd name="connsiteX4" fmla="*/ 115329 w 1882346"/>
+              <a:gd name="connsiteY4" fmla="*/ 193589 h 691979"/>
+              <a:gd name="connsiteX5" fmla="*/ 131805 w 1882346"/>
+              <a:gd name="connsiteY5" fmla="*/ 177114 h 691979"/>
+              <a:gd name="connsiteX6" fmla="*/ 160637 w 1882346"/>
+              <a:gd name="connsiteY6" fmla="*/ 152400 h 691979"/>
+              <a:gd name="connsiteX7" fmla="*/ 172994 w 1882346"/>
+              <a:gd name="connsiteY7" fmla="*/ 135925 h 691979"/>
+              <a:gd name="connsiteX8" fmla="*/ 201827 w 1882346"/>
+              <a:gd name="connsiteY8" fmla="*/ 107092 h 691979"/>
+              <a:gd name="connsiteX9" fmla="*/ 214183 w 1882346"/>
+              <a:gd name="connsiteY9" fmla="*/ 90617 h 691979"/>
+              <a:gd name="connsiteX10" fmla="*/ 243016 w 1882346"/>
+              <a:gd name="connsiteY10" fmla="*/ 78260 h 691979"/>
+              <a:gd name="connsiteX11" fmla="*/ 259492 w 1882346"/>
+              <a:gd name="connsiteY11" fmla="*/ 65903 h 691979"/>
+              <a:gd name="connsiteX12" fmla="*/ 288324 w 1882346"/>
+              <a:gd name="connsiteY12" fmla="*/ 53546 h 691979"/>
+              <a:gd name="connsiteX13" fmla="*/ 403654 w 1882346"/>
+              <a:gd name="connsiteY13" fmla="*/ 16476 h 691979"/>
+              <a:gd name="connsiteX14" fmla="*/ 457200 w 1882346"/>
+              <a:gd name="connsiteY14" fmla="*/ 0 h 691979"/>
+              <a:gd name="connsiteX15" fmla="*/ 593124 w 1882346"/>
+              <a:gd name="connsiteY15" fmla="*/ 4119 h 691979"/>
+              <a:gd name="connsiteX16" fmla="*/ 671383 w 1882346"/>
+              <a:gd name="connsiteY16" fmla="*/ 12357 h 691979"/>
+              <a:gd name="connsiteX17" fmla="*/ 687859 w 1882346"/>
+              <a:gd name="connsiteY17" fmla="*/ 16476 h 691979"/>
+              <a:gd name="connsiteX18" fmla="*/ 770237 w 1882346"/>
+              <a:gd name="connsiteY18" fmla="*/ 32952 h 691979"/>
+              <a:gd name="connsiteX19" fmla="*/ 799070 w 1882346"/>
+              <a:gd name="connsiteY19" fmla="*/ 45308 h 691979"/>
+              <a:gd name="connsiteX20" fmla="*/ 823783 w 1882346"/>
+              <a:gd name="connsiteY20" fmla="*/ 53546 h 691979"/>
+              <a:gd name="connsiteX21" fmla="*/ 844378 w 1882346"/>
+              <a:gd name="connsiteY21" fmla="*/ 70022 h 691979"/>
+              <a:gd name="connsiteX22" fmla="*/ 897924 w 1882346"/>
+              <a:gd name="connsiteY22" fmla="*/ 102973 h 691979"/>
+              <a:gd name="connsiteX23" fmla="*/ 1042086 w 1882346"/>
+              <a:gd name="connsiteY23" fmla="*/ 168876 h 691979"/>
+              <a:gd name="connsiteX24" fmla="*/ 1112108 w 1882346"/>
+              <a:gd name="connsiteY24" fmla="*/ 214184 h 691979"/>
+              <a:gd name="connsiteX25" fmla="*/ 1145059 w 1882346"/>
+              <a:gd name="connsiteY25" fmla="*/ 234779 h 691979"/>
+              <a:gd name="connsiteX26" fmla="*/ 1334529 w 1882346"/>
+              <a:gd name="connsiteY26" fmla="*/ 321276 h 691979"/>
+              <a:gd name="connsiteX27" fmla="*/ 1367481 w 1882346"/>
+              <a:gd name="connsiteY27" fmla="*/ 341871 h 691979"/>
+              <a:gd name="connsiteX28" fmla="*/ 1400432 w 1882346"/>
+              <a:gd name="connsiteY28" fmla="*/ 362465 h 691979"/>
+              <a:gd name="connsiteX29" fmla="*/ 1408670 w 1882346"/>
+              <a:gd name="connsiteY29" fmla="*/ 378941 h 691979"/>
+              <a:gd name="connsiteX30" fmla="*/ 1425146 w 1882346"/>
+              <a:gd name="connsiteY30" fmla="*/ 395417 h 691979"/>
+              <a:gd name="connsiteX31" fmla="*/ 1466335 w 1882346"/>
+              <a:gd name="connsiteY31" fmla="*/ 424249 h 691979"/>
+              <a:gd name="connsiteX32" fmla="*/ 1507524 w 1882346"/>
+              <a:gd name="connsiteY32" fmla="*/ 461319 h 691979"/>
+              <a:gd name="connsiteX33" fmla="*/ 1548713 w 1882346"/>
+              <a:gd name="connsiteY33" fmla="*/ 498389 h 691979"/>
+              <a:gd name="connsiteX34" fmla="*/ 1577546 w 1882346"/>
+              <a:gd name="connsiteY34" fmla="*/ 518984 h 691979"/>
+              <a:gd name="connsiteX35" fmla="*/ 1585783 w 1882346"/>
+              <a:gd name="connsiteY35" fmla="*/ 531341 h 691979"/>
+              <a:gd name="connsiteX36" fmla="*/ 1639329 w 1882346"/>
+              <a:gd name="connsiteY36" fmla="*/ 568411 h 691979"/>
+              <a:gd name="connsiteX37" fmla="*/ 1672281 w 1882346"/>
+              <a:gd name="connsiteY37" fmla="*/ 584887 h 691979"/>
+              <a:gd name="connsiteX38" fmla="*/ 1684637 w 1882346"/>
+              <a:gd name="connsiteY38" fmla="*/ 589006 h 691979"/>
+              <a:gd name="connsiteX39" fmla="*/ 1734065 w 1882346"/>
+              <a:gd name="connsiteY39" fmla="*/ 601362 h 691979"/>
+              <a:gd name="connsiteX40" fmla="*/ 1787610 w 1882346"/>
+              <a:gd name="connsiteY40" fmla="*/ 621957 h 691979"/>
+              <a:gd name="connsiteX41" fmla="*/ 1812324 w 1882346"/>
+              <a:gd name="connsiteY41" fmla="*/ 630195 h 691979"/>
+              <a:gd name="connsiteX42" fmla="*/ 1828800 w 1882346"/>
+              <a:gd name="connsiteY42" fmla="*/ 646671 h 691979"/>
+              <a:gd name="connsiteX43" fmla="*/ 1857632 w 1882346"/>
+              <a:gd name="connsiteY43" fmla="*/ 675503 h 691979"/>
+              <a:gd name="connsiteX44" fmla="*/ 1882346 w 1882346"/>
+              <a:gd name="connsiteY44" fmla="*/ 691979 h 691979"/>
+            </a:gdLst>
+            <a:ahLst/>
+            <a:cxnLst>
+              <a:cxn ang="0">
+                <a:pos x="connsiteX0" y="connsiteY0"/>
+              </a:cxn>
+              <a:cxn ang="0">
+                <a:pos x="connsiteX1" y="connsiteY1"/>
+              </a:cxn>
+              <a:cxn ang="0">
+                <a:pos x="connsiteX2" y="connsiteY2"/>
+              </a:cxn>
+              <a:cxn ang="0">
+                <a:pos x="connsiteX3" y="connsiteY3"/>
+              </a:cxn>
+              <a:cxn ang="0">
+                <a:pos x="connsiteX4" y="connsiteY4"/>
+              </a:cxn>
+              <a:cxn ang="0">
+                <a:pos x="connsiteX5" y="connsiteY5"/>
+              </a:cxn>
+              <a:cxn ang="0">
+                <a:pos x="connsiteX6" y="connsiteY6"/>
+              </a:cxn>
+              <a:cxn ang="0">
+                <a:pos x="connsiteX7" y="connsiteY7"/>
+              </a:cxn>
+              <a:cxn ang="0">
+                <a:pos x="connsiteX8" y="connsiteY8"/>
+              </a:cxn>
+              <a:cxn ang="0">
+                <a:pos x="connsiteX9" y="connsiteY9"/>
+              </a:cxn>
+              <a:cxn ang="0">
+                <a:pos x="connsiteX10" y="connsiteY10"/>
+              </a:cxn>
+              <a:cxn ang="0">
+                <a:pos x="connsiteX11" y="connsiteY11"/>
+              </a:cxn>
+              <a:cxn ang="0">
+                <a:pos x="connsiteX12" y="connsiteY12"/>
+              </a:cxn>
+              <a:cxn ang="0">
+                <a:pos x="connsiteX13" y="connsiteY13"/>
+              </a:cxn>
+              <a:cxn ang="0">
+                <a:pos x="connsiteX14" y="connsiteY14"/>
+              </a:cxn>
+              <a:cxn ang="0">
+                <a:pos x="connsiteX15" y="connsiteY15"/>
+              </a:cxn>
+              <a:cxn ang="0">
+                <a:pos x="connsiteX16" y="connsiteY16"/>
+              </a:cxn>
+              <a:cxn ang="0">
+                <a:pos x="connsiteX17" y="connsiteY17"/>
+              </a:cxn>
+              <a:cxn ang="0">
+                <a:pos x="connsiteX18" y="connsiteY18"/>
+              </a:cxn>
+              <a:cxn ang="0">
+                <a:pos x="connsiteX19" y="connsiteY19"/>
+              </a:cxn>
+              <a:cxn ang="0">
+                <a:pos x="connsiteX20" y="connsiteY20"/>
+              </a:cxn>
+              <a:cxn ang="0">
+                <a:pos x="connsiteX21" y="connsiteY21"/>
+              </a:cxn>
+              <a:cxn ang="0">
+                <a:pos x="connsiteX22" y="connsiteY22"/>
+              </a:cxn>
+              <a:cxn ang="0">
+                <a:pos x="connsiteX23" y="connsiteY23"/>
+              </a:cxn>
+              <a:cxn ang="0">
+                <a:pos x="connsiteX24" y="connsiteY24"/>
+              </a:cxn>
+              <a:cxn ang="0">
+                <a:pos x="connsiteX25" y="connsiteY25"/>
+              </a:cxn>
+              <a:cxn ang="0">
+                <a:pos x="connsiteX26" y="connsiteY26"/>
+              </a:cxn>
+              <a:cxn ang="0">
+                <a:pos x="connsiteX27" y="connsiteY27"/>
+              </a:cxn>
+              <a:cxn ang="0">
+                <a:pos x="connsiteX28" y="connsiteY28"/>
+              </a:cxn>
+              <a:cxn ang="0">
+                <a:pos x="connsiteX29" y="connsiteY29"/>
+              </a:cxn>
+              <a:cxn ang="0">
+                <a:pos x="connsiteX30" y="connsiteY30"/>
+              </a:cxn>
+              <a:cxn ang="0">
+                <a:pos x="connsiteX31" y="connsiteY31"/>
+              </a:cxn>
+              <a:cxn ang="0">
+                <a:pos x="connsiteX32" y="connsiteY32"/>
+              </a:cxn>
+              <a:cxn ang="0">
+                <a:pos x="connsiteX33" y="connsiteY33"/>
+              </a:cxn>
+              <a:cxn ang="0">
+                <a:pos x="connsiteX34" y="connsiteY34"/>
+              </a:cxn>
+              <a:cxn ang="0">
+                <a:pos x="connsiteX35" y="connsiteY35"/>
+              </a:cxn>
+              <a:cxn ang="0">
+                <a:pos x="connsiteX36" y="connsiteY36"/>
+              </a:cxn>
+              <a:cxn ang="0">
+                <a:pos x="connsiteX37" y="connsiteY37"/>
+              </a:cxn>
+              <a:cxn ang="0">
+                <a:pos x="connsiteX38" y="connsiteY38"/>
+              </a:cxn>
+              <a:cxn ang="0">
+                <a:pos x="connsiteX39" y="connsiteY39"/>
+              </a:cxn>
+              <a:cxn ang="0">
+                <a:pos x="connsiteX40" y="connsiteY40"/>
+              </a:cxn>
+              <a:cxn ang="0">
+                <a:pos x="connsiteX41" y="connsiteY41"/>
+              </a:cxn>
+              <a:cxn ang="0">
+                <a:pos x="connsiteX42" y="connsiteY42"/>
+              </a:cxn>
+              <a:cxn ang="0">
+                <a:pos x="connsiteX43" y="connsiteY43"/>
+              </a:cxn>
+              <a:cxn ang="0">
+                <a:pos x="connsiteX44" y="connsiteY44"/>
+              </a:cxn>
+            </a:cxnLst>
+            <a:rect l="l" t="t" r="r" b="b"/>
+            <a:pathLst>
+              <a:path w="1882346" h="691979">
+                <a:moveTo>
+                  <a:pt x="0" y="292444"/>
+                </a:moveTo>
+                <a:cubicBezTo>
+                  <a:pt x="39391" y="268809"/>
+                  <a:pt x="2608" y="293954"/>
+                  <a:pt x="41189" y="255373"/>
+                </a:cubicBezTo>
+                <a:cubicBezTo>
+                  <a:pt x="48771" y="247791"/>
+                  <a:pt x="57888" y="241903"/>
+                  <a:pt x="65902" y="234779"/>
+                </a:cubicBezTo>
+                <a:cubicBezTo>
+                  <a:pt x="70256" y="230909"/>
+                  <a:pt x="73784" y="226151"/>
+                  <a:pt x="78259" y="222422"/>
+                </a:cubicBezTo>
+                <a:cubicBezTo>
+                  <a:pt x="90285" y="212400"/>
+                  <a:pt x="104259" y="204658"/>
+                  <a:pt x="115329" y="193589"/>
+                </a:cubicBezTo>
+                <a:cubicBezTo>
+                  <a:pt x="120821" y="188097"/>
+                  <a:pt x="125908" y="182168"/>
+                  <a:pt x="131805" y="177114"/>
+                </a:cubicBezTo>
+                <a:cubicBezTo>
+                  <a:pt x="156804" y="155687"/>
+                  <a:pt x="130967" y="186309"/>
+                  <a:pt x="160637" y="152400"/>
+                </a:cubicBezTo>
+                <a:cubicBezTo>
+                  <a:pt x="165157" y="147234"/>
+                  <a:pt x="168376" y="141004"/>
+                  <a:pt x="172994" y="135925"/>
+                </a:cubicBezTo>
+                <a:cubicBezTo>
+                  <a:pt x="182137" y="125868"/>
+                  <a:pt x="192684" y="117149"/>
+                  <a:pt x="201827" y="107092"/>
+                </a:cubicBezTo>
+                <a:cubicBezTo>
+                  <a:pt x="206445" y="102013"/>
+                  <a:pt x="208559" y="94554"/>
+                  <a:pt x="214183" y="90617"/>
+                </a:cubicBezTo>
+                <a:cubicBezTo>
+                  <a:pt x="222749" y="84621"/>
+                  <a:pt x="233836" y="83267"/>
+                  <a:pt x="243016" y="78260"/>
+                </a:cubicBezTo>
+                <a:cubicBezTo>
+                  <a:pt x="249043" y="74973"/>
+                  <a:pt x="253465" y="69190"/>
+                  <a:pt x="259492" y="65903"/>
+                </a:cubicBezTo>
+                <a:cubicBezTo>
+                  <a:pt x="268671" y="60896"/>
+                  <a:pt x="278579" y="57336"/>
+                  <a:pt x="288324" y="53546"/>
+                </a:cubicBezTo>
+                <a:cubicBezTo>
+                  <a:pt x="352700" y="28511"/>
+                  <a:pt x="323963" y="41978"/>
+                  <a:pt x="403654" y="16476"/>
+                </a:cubicBezTo>
+                <a:cubicBezTo>
+                  <a:pt x="461268" y="-1961"/>
+                  <a:pt x="414295" y="8581"/>
+                  <a:pt x="457200" y="0"/>
+                </a:cubicBezTo>
+                <a:lnTo>
+                  <a:pt x="593124" y="4119"/>
+                </a:lnTo>
+                <a:cubicBezTo>
+                  <a:pt x="613666" y="5032"/>
+                  <a:pt x="648827" y="8256"/>
+                  <a:pt x="671383" y="12357"/>
+                </a:cubicBezTo>
+                <a:cubicBezTo>
+                  <a:pt x="676953" y="13370"/>
+                  <a:pt x="682317" y="15321"/>
+                  <a:pt x="687859" y="16476"/>
+                </a:cubicBezTo>
+                <a:lnTo>
+                  <a:pt x="770237" y="32952"/>
+                </a:lnTo>
+                <a:cubicBezTo>
+                  <a:pt x="779848" y="37071"/>
+                  <a:pt x="789311" y="41554"/>
+                  <a:pt x="799070" y="45308"/>
+                </a:cubicBezTo>
+                <a:cubicBezTo>
+                  <a:pt x="807175" y="48425"/>
+                  <a:pt x="816160" y="49388"/>
+                  <a:pt x="823783" y="53546"/>
+                </a:cubicBezTo>
+                <a:cubicBezTo>
+                  <a:pt x="831501" y="57756"/>
+                  <a:pt x="837268" y="64851"/>
+                  <a:pt x="844378" y="70022"/>
+                </a:cubicBezTo>
+                <a:cubicBezTo>
+                  <a:pt x="856157" y="78588"/>
+                  <a:pt x="885254" y="97293"/>
+                  <a:pt x="897924" y="102973"/>
+                </a:cubicBezTo>
+                <a:cubicBezTo>
+                  <a:pt x="981817" y="140580"/>
+                  <a:pt x="975636" y="129006"/>
+                  <a:pt x="1042086" y="168876"/>
+                </a:cubicBezTo>
+                <a:cubicBezTo>
+                  <a:pt x="1065925" y="183179"/>
+                  <a:pt x="1088692" y="199198"/>
+                  <a:pt x="1112108" y="214184"/>
+                </a:cubicBezTo>
+                <a:cubicBezTo>
+                  <a:pt x="1123018" y="221166"/>
+                  <a:pt x="1133170" y="229638"/>
+                  <a:pt x="1145059" y="234779"/>
+                </a:cubicBezTo>
+                <a:cubicBezTo>
+                  <a:pt x="1364381" y="329620"/>
+                  <a:pt x="1235300" y="267844"/>
+                  <a:pt x="1334529" y="321276"/>
+                </a:cubicBezTo>
+                <a:cubicBezTo>
+                  <a:pt x="1376370" y="343806"/>
+                  <a:pt x="1324599" y="313283"/>
+                  <a:pt x="1367481" y="341871"/>
+                </a:cubicBezTo>
+                <a:cubicBezTo>
+                  <a:pt x="1378258" y="349056"/>
+                  <a:pt x="1400432" y="362465"/>
+                  <a:pt x="1400432" y="362465"/>
+                </a:cubicBezTo>
+                <a:cubicBezTo>
+                  <a:pt x="1403178" y="367957"/>
+                  <a:pt x="1404986" y="374029"/>
+                  <a:pt x="1408670" y="378941"/>
+                </a:cubicBezTo>
+                <a:cubicBezTo>
+                  <a:pt x="1413330" y="385154"/>
+                  <a:pt x="1419341" y="390257"/>
+                  <a:pt x="1425146" y="395417"/>
+                </a:cubicBezTo>
+                <a:cubicBezTo>
+                  <a:pt x="1443731" y="411937"/>
+                  <a:pt x="1445725" y="411883"/>
+                  <a:pt x="1466335" y="424249"/>
+                </a:cubicBezTo>
+                <a:cubicBezTo>
+                  <a:pt x="1493736" y="458502"/>
+                  <a:pt x="1470156" y="433293"/>
+                  <a:pt x="1507524" y="461319"/>
+                </a:cubicBezTo>
+                <a:cubicBezTo>
+                  <a:pt x="1550953" y="493890"/>
+                  <a:pt x="1515420" y="469259"/>
+                  <a:pt x="1548713" y="498389"/>
+                </a:cubicBezTo>
+                <a:cubicBezTo>
+                  <a:pt x="1556889" y="505543"/>
+                  <a:pt x="1568318" y="512832"/>
+                  <a:pt x="1577546" y="518984"/>
+                </a:cubicBezTo>
+                <a:cubicBezTo>
+                  <a:pt x="1580292" y="523103"/>
+                  <a:pt x="1582283" y="527841"/>
+                  <a:pt x="1585783" y="531341"/>
+                </a:cubicBezTo>
+                <a:cubicBezTo>
+                  <a:pt x="1605636" y="551195"/>
+                  <a:pt x="1614917" y="550102"/>
+                  <a:pt x="1639329" y="568411"/>
+                </a:cubicBezTo>
+                <a:cubicBezTo>
+                  <a:pt x="1662493" y="585784"/>
+                  <a:pt x="1647365" y="577768"/>
+                  <a:pt x="1672281" y="584887"/>
+                </a:cubicBezTo>
+                <a:cubicBezTo>
+                  <a:pt x="1676455" y="586080"/>
+                  <a:pt x="1680442" y="587887"/>
+                  <a:pt x="1684637" y="589006"/>
+                </a:cubicBezTo>
+                <a:cubicBezTo>
+                  <a:pt x="1701047" y="593382"/>
+                  <a:pt x="1734065" y="601362"/>
+                  <a:pt x="1734065" y="601362"/>
+                </a:cubicBezTo>
+                <a:cubicBezTo>
+                  <a:pt x="1762189" y="615425"/>
+                  <a:pt x="1744716" y="607659"/>
+                  <a:pt x="1787610" y="621957"/>
+                </a:cubicBezTo>
+                <a:lnTo>
+                  <a:pt x="1812324" y="630195"/>
+                </a:lnTo>
+                <a:cubicBezTo>
+                  <a:pt x="1821311" y="657156"/>
+                  <a:pt x="1808829" y="630694"/>
+                  <a:pt x="1828800" y="646671"/>
+                </a:cubicBezTo>
+                <a:cubicBezTo>
+                  <a:pt x="1839413" y="655162"/>
+                  <a:pt x="1846323" y="667964"/>
+                  <a:pt x="1857632" y="675503"/>
+                </a:cubicBezTo>
+                <a:lnTo>
+                  <a:pt x="1882346" y="691979"/>
+                </a:lnTo>
+              </a:path>
+            </a:pathLst>
+          </a:custGeom>
+          <a:noFill/>
+          <a:ln w="38100"/>
+        </p:spPr>
+        <p:style>
+          <a:lnRef idx="2">
+            <a:schemeClr val="accent1">
+              <a:shade val="50000"/>
+            </a:schemeClr>
+          </a:lnRef>
+          <a:fillRef idx="1">
+            <a:schemeClr val="accent1"/>
+          </a:fillRef>
+          <a:effectRef idx="0">
+            <a:schemeClr val="accent1"/>
+          </a:effectRef>
+          <a:fontRef idx="minor">
+            <a:schemeClr val="lt1"/>
+          </a:fontRef>
+        </p:style>
+        <p:txBody>
+          <a:bodyPr rtlCol="1" anchor="ctr"/>
+          <a:lstStyle/>
+          <a:p>
+            <a:pPr algn="ctr"/>
+            <a:endParaRPr lang="he-IL"/>
+          </a:p>
+        </p:txBody>
+      </p:sp>
+      <p:cxnSp>
+        <p:nvCxnSpPr>
+          <p:cNvPr id="104" name="Straight Connector 103">
+            <a:extLst>
+              <a:ext uri="{FF2B5EF4-FFF2-40B4-BE49-F238E27FC236}">
+                <a16:creationId xmlns:a16="http://schemas.microsoft.com/office/drawing/2014/main" id="{3AF037D4-68BF-8C58-8C8D-B7E403FA8AE6}"/>
+              </a:ext>
+            </a:extLst>
+          </p:cNvPr>
+          <p:cNvCxnSpPr>
+            <a:cxnSpLocks/>
+            <a:stCxn id="103" idx="26"/>
+          </p:cNvCxnSpPr>
+          <p:nvPr/>
+        </p:nvCxnSpPr>
+        <p:spPr>
+          <a:xfrm>
+            <a:off x="7603208" y="5132173"/>
+            <a:ext cx="8121" cy="363533"/>
+          </a:xfrm>
+          <a:prstGeom prst="line">
+            <a:avLst/>
+          </a:prstGeom>
+          <a:ln w="19050">
+            <a:solidFill>
+              <a:schemeClr val="tx1"/>
+            </a:solidFill>
+            <a:prstDash val="sysDash"/>
+          </a:ln>
+        </p:spPr>
+        <p:style>
+          <a:lnRef idx="1">
+            <a:schemeClr val="accent1"/>
+          </a:lnRef>
+          <a:fillRef idx="0">
+            <a:schemeClr val="accent1"/>
+          </a:fillRef>
+          <a:effectRef idx="0">
+            <a:schemeClr val="accent1"/>
+          </a:effectRef>
+          <a:fontRef idx="minor">
+            <a:schemeClr val="tx1"/>
+          </a:fontRef>
+        </p:style>
+      </p:cxnSp>
+      <p:sp>
+        <p:nvSpPr>
+          <p:cNvPr id="105" name="Freeform: Shape 104">
+            <a:extLst>
+              <a:ext uri="{FF2B5EF4-FFF2-40B4-BE49-F238E27FC236}">
+                <a16:creationId xmlns:a16="http://schemas.microsoft.com/office/drawing/2014/main" id="{FAEB527D-8E6C-6557-32ED-86B017C6F997}"/>
+              </a:ext>
+            </a:extLst>
+          </p:cNvPr>
+          <p:cNvSpPr/>
+          <p:nvPr/>
+        </p:nvSpPr>
+        <p:spPr>
+          <a:xfrm>
+            <a:off x="6272798" y="5121823"/>
+            <a:ext cx="1330410" cy="385172"/>
+          </a:xfrm>
+          <a:custGeom>
+            <a:avLst/>
+            <a:gdLst>
+              <a:gd name="connsiteX0" fmla="*/ 0 w 1330410"/>
+              <a:gd name="connsiteY0" fmla="*/ 22707 h 385172"/>
+              <a:gd name="connsiteX1" fmla="*/ 0 w 1330410"/>
+              <a:gd name="connsiteY1" fmla="*/ 22707 h 385172"/>
+              <a:gd name="connsiteX2" fmla="*/ 45308 w 1330410"/>
+              <a:gd name="connsiteY2" fmla="*/ 39182 h 385172"/>
+              <a:gd name="connsiteX3" fmla="*/ 90616 w 1330410"/>
+              <a:gd name="connsiteY3" fmla="*/ 63896 h 385172"/>
+              <a:gd name="connsiteX4" fmla="*/ 135924 w 1330410"/>
+              <a:gd name="connsiteY4" fmla="*/ 68015 h 385172"/>
+              <a:gd name="connsiteX5" fmla="*/ 218302 w 1330410"/>
+              <a:gd name="connsiteY5" fmla="*/ 72134 h 385172"/>
+              <a:gd name="connsiteX6" fmla="*/ 280086 w 1330410"/>
+              <a:gd name="connsiteY6" fmla="*/ 84491 h 385172"/>
+              <a:gd name="connsiteX7" fmla="*/ 395416 w 1330410"/>
+              <a:gd name="connsiteY7" fmla="*/ 92728 h 385172"/>
+              <a:gd name="connsiteX8" fmla="*/ 436605 w 1330410"/>
+              <a:gd name="connsiteY8" fmla="*/ 100966 h 385172"/>
+              <a:gd name="connsiteX9" fmla="*/ 671383 w 1330410"/>
+              <a:gd name="connsiteY9" fmla="*/ 84491 h 385172"/>
+              <a:gd name="connsiteX10" fmla="*/ 757881 w 1330410"/>
+              <a:gd name="connsiteY10" fmla="*/ 63896 h 385172"/>
+              <a:gd name="connsiteX11" fmla="*/ 902043 w 1330410"/>
+              <a:gd name="connsiteY11" fmla="*/ 55658 h 385172"/>
+              <a:gd name="connsiteX12" fmla="*/ 943232 w 1330410"/>
+              <a:gd name="connsiteY12" fmla="*/ 51539 h 385172"/>
+              <a:gd name="connsiteX13" fmla="*/ 1025610 w 1330410"/>
+              <a:gd name="connsiteY13" fmla="*/ 47420 h 385172"/>
+              <a:gd name="connsiteX14" fmla="*/ 1083275 w 1330410"/>
+              <a:gd name="connsiteY14" fmla="*/ 35063 h 385172"/>
+              <a:gd name="connsiteX15" fmla="*/ 1198605 w 1330410"/>
+              <a:gd name="connsiteY15" fmla="*/ 26826 h 385172"/>
+              <a:gd name="connsiteX16" fmla="*/ 1231556 w 1330410"/>
+              <a:gd name="connsiteY16" fmla="*/ 18588 h 385172"/>
+              <a:gd name="connsiteX17" fmla="*/ 1272746 w 1330410"/>
+              <a:gd name="connsiteY17" fmla="*/ 10350 h 385172"/>
+              <a:gd name="connsiteX18" fmla="*/ 1330410 w 1330410"/>
+              <a:gd name="connsiteY18" fmla="*/ 2112 h 385172"/>
+              <a:gd name="connsiteX19" fmla="*/ 1326291 w 1330410"/>
+              <a:gd name="connsiteY19" fmla="*/ 385172 h 385172"/>
+              <a:gd name="connsiteX20" fmla="*/ 0 w 1330410"/>
+              <a:gd name="connsiteY20" fmla="*/ 372815 h 385172"/>
+              <a:gd name="connsiteX21" fmla="*/ 0 w 1330410"/>
+              <a:gd name="connsiteY21" fmla="*/ 22707 h 385172"/>
+            </a:gdLst>
+            <a:ahLst/>
+            <a:cxnLst>
+              <a:cxn ang="0">
+                <a:pos x="connsiteX0" y="connsiteY0"/>
+              </a:cxn>
+              <a:cxn ang="0">
+                <a:pos x="connsiteX1" y="connsiteY1"/>
+              </a:cxn>
+              <a:cxn ang="0">
+                <a:pos x="connsiteX2" y="connsiteY2"/>
+              </a:cxn>
+              <a:cxn ang="0">
+                <a:pos x="connsiteX3" y="connsiteY3"/>
+              </a:cxn>
+              <a:cxn ang="0">
+                <a:pos x="connsiteX4" y="connsiteY4"/>
+              </a:cxn>
+              <a:cxn ang="0">
+                <a:pos x="connsiteX5" y="connsiteY5"/>
+              </a:cxn>
+              <a:cxn ang="0">
+                <a:pos x="connsiteX6" y="connsiteY6"/>
+              </a:cxn>
+              <a:cxn ang="0">
+                <a:pos x="connsiteX7" y="connsiteY7"/>
+              </a:cxn>
+              <a:cxn ang="0">
+                <a:pos x="connsiteX8" y="connsiteY8"/>
+              </a:cxn>
+              <a:cxn ang="0">
+                <a:pos x="connsiteX9" y="connsiteY9"/>
+              </a:cxn>
+              <a:cxn ang="0">
+                <a:pos x="connsiteX10" y="connsiteY10"/>
+              </a:cxn>
+              <a:cxn ang="0">
+                <a:pos x="connsiteX11" y="connsiteY11"/>
+              </a:cxn>
+              <a:cxn ang="0">
+                <a:pos x="connsiteX12" y="connsiteY12"/>
+              </a:cxn>
+              <a:cxn ang="0">
+                <a:pos x="connsiteX13" y="connsiteY13"/>
+              </a:cxn>
+              <a:cxn ang="0">
+                <a:pos x="connsiteX14" y="connsiteY14"/>
+              </a:cxn>
+              <a:cxn ang="0">
+                <a:pos x="connsiteX15" y="connsiteY15"/>
+              </a:cxn>
+              <a:cxn ang="0">
+                <a:pos x="connsiteX16" y="connsiteY16"/>
+              </a:cxn>
+              <a:cxn ang="0">
+                <a:pos x="connsiteX17" y="connsiteY17"/>
+              </a:cxn>
+              <a:cxn ang="0">
+                <a:pos x="connsiteX18" y="connsiteY18"/>
+              </a:cxn>
+              <a:cxn ang="0">
+                <a:pos x="connsiteX19" y="connsiteY19"/>
+              </a:cxn>
+              <a:cxn ang="0">
+                <a:pos x="connsiteX20" y="connsiteY20"/>
+              </a:cxn>
+              <a:cxn ang="0">
+                <a:pos x="connsiteX21" y="connsiteY21"/>
+              </a:cxn>
+            </a:cxnLst>
+            <a:rect l="l" t="t" r="r" b="b"/>
+            <a:pathLst>
+              <a:path w="1330410" h="385172">
+                <a:moveTo>
+                  <a:pt x="0" y="22707"/>
+                </a:moveTo>
+                <a:lnTo>
+                  <a:pt x="0" y="22707"/>
+                </a:lnTo>
+                <a:cubicBezTo>
+                  <a:pt x="15103" y="28199"/>
+                  <a:pt x="30934" y="31995"/>
+                  <a:pt x="45308" y="39182"/>
+                </a:cubicBezTo>
+                <a:cubicBezTo>
+                  <a:pt x="90799" y="61927"/>
+                  <a:pt x="2184" y="45278"/>
+                  <a:pt x="90616" y="63896"/>
+                </a:cubicBezTo>
+                <a:cubicBezTo>
+                  <a:pt x="105456" y="67020"/>
+                  <a:pt x="120791" y="67039"/>
+                  <a:pt x="135924" y="68015"/>
+                </a:cubicBezTo>
+                <a:cubicBezTo>
+                  <a:pt x="163361" y="69785"/>
+                  <a:pt x="190843" y="70761"/>
+                  <a:pt x="218302" y="72134"/>
+                </a:cubicBezTo>
+                <a:cubicBezTo>
+                  <a:pt x="244428" y="78665"/>
+                  <a:pt x="253975" y="82253"/>
+                  <a:pt x="280086" y="84491"/>
+                </a:cubicBezTo>
+                <a:cubicBezTo>
+                  <a:pt x="318486" y="87782"/>
+                  <a:pt x="395416" y="92728"/>
+                  <a:pt x="395416" y="92728"/>
+                </a:cubicBezTo>
+                <a:cubicBezTo>
+                  <a:pt x="409146" y="95474"/>
+                  <a:pt x="422603" y="100966"/>
+                  <a:pt x="436605" y="100966"/>
+                </a:cubicBezTo>
+                <a:cubicBezTo>
+                  <a:pt x="600012" y="100966"/>
+                  <a:pt x="576435" y="103479"/>
+                  <a:pt x="671383" y="84491"/>
+                </a:cubicBezTo>
+                <a:cubicBezTo>
+                  <a:pt x="704587" y="62355"/>
+                  <a:pt x="678857" y="77067"/>
+                  <a:pt x="757881" y="63896"/>
+                </a:cubicBezTo>
+                <a:cubicBezTo>
+                  <a:pt x="821894" y="53227"/>
+                  <a:pt x="774240" y="60065"/>
+                  <a:pt x="902043" y="55658"/>
+                </a:cubicBezTo>
+                <a:cubicBezTo>
+                  <a:pt x="915773" y="54285"/>
+                  <a:pt x="929464" y="52457"/>
+                  <a:pt x="943232" y="51539"/>
+                </a:cubicBezTo>
+                <a:cubicBezTo>
+                  <a:pt x="970665" y="49710"/>
+                  <a:pt x="998305" y="50632"/>
+                  <a:pt x="1025610" y="47420"/>
+                </a:cubicBezTo>
+                <a:cubicBezTo>
+                  <a:pt x="1045133" y="45123"/>
+                  <a:pt x="1063829" y="37944"/>
+                  <a:pt x="1083275" y="35063"/>
+                </a:cubicBezTo>
+                <a:cubicBezTo>
+                  <a:pt x="1092590" y="33683"/>
+                  <a:pt x="1193687" y="27154"/>
+                  <a:pt x="1198605" y="26826"/>
+                </a:cubicBezTo>
+                <a:cubicBezTo>
+                  <a:pt x="1209589" y="24080"/>
+                  <a:pt x="1220486" y="20960"/>
+                  <a:pt x="1231556" y="18588"/>
+                </a:cubicBezTo>
+                <a:cubicBezTo>
+                  <a:pt x="1302259" y="3437"/>
+                  <a:pt x="1220780" y="23341"/>
+                  <a:pt x="1272746" y="10350"/>
+                </a:cubicBezTo>
+                <a:cubicBezTo>
+                  <a:pt x="1297668" y="-6266"/>
+                  <a:pt x="1280152" y="2112"/>
+                  <a:pt x="1330410" y="2112"/>
+                </a:cubicBezTo>
+                <a:lnTo>
+                  <a:pt x="1326291" y="385172"/>
+                </a:lnTo>
+                <a:lnTo>
+                  <a:pt x="0" y="372815"/>
+                </a:lnTo>
+                <a:lnTo>
+                  <a:pt x="0" y="22707"/>
+                </a:lnTo>
+                <a:close/>
+              </a:path>
+            </a:pathLst>
+          </a:custGeom>
+          <a:solidFill>
+            <a:srgbClr val="C00000">
+              <a:alpha val="45000"/>
+            </a:srgbClr>
+          </a:solidFill>
+          <a:ln>
+            <a:noFill/>
+          </a:ln>
+        </p:spPr>
+        <p:style>
+          <a:lnRef idx="2">
+            <a:schemeClr val="accent1">
+              <a:shade val="50000"/>
+            </a:schemeClr>
+          </a:lnRef>
+          <a:fillRef idx="1">
+            <a:schemeClr val="accent1"/>
+          </a:fillRef>
+          <a:effectRef idx="0">
+            <a:schemeClr val="accent1"/>
+          </a:effectRef>
+          <a:fontRef idx="minor">
+            <a:schemeClr val="lt1"/>
+          </a:fontRef>
+        </p:style>
+        <p:txBody>
+          <a:bodyPr rtlCol="1" anchor="ctr"/>
+          <a:lstStyle/>
+          <a:p>
+            <a:pPr algn="ctr"/>
+            <a:r>
+              <a:rPr lang="en-US" dirty="0"/>
+              <a:t>C</a:t>
+            </a:r>
+            <a:endParaRPr lang="he-IL" dirty="0"/>
+          </a:p>
+        </p:txBody>
+      </p:sp>
+      <p:sp>
+        <p:nvSpPr>
+          <p:cNvPr id="30" name="Freeform: Shape 29">
+            <a:extLst>
+              <a:ext uri="{FF2B5EF4-FFF2-40B4-BE49-F238E27FC236}">
+                <a16:creationId xmlns:a16="http://schemas.microsoft.com/office/drawing/2014/main" id="{7D895C22-63DE-FA50-6ACA-8B67FDEB99A1}"/>
+              </a:ext>
+            </a:extLst>
+          </p:cNvPr>
+          <p:cNvSpPr/>
+          <p:nvPr/>
+        </p:nvSpPr>
+        <p:spPr>
+          <a:xfrm>
+            <a:off x="3295913" y="4787493"/>
+            <a:ext cx="1363362" cy="731858"/>
+          </a:xfrm>
+          <a:custGeom>
+            <a:avLst/>
+            <a:gdLst>
+              <a:gd name="connsiteX0" fmla="*/ 20595 w 1363362"/>
+              <a:gd name="connsiteY0" fmla="*/ 319966 h 731858"/>
+              <a:gd name="connsiteX1" fmla="*/ 20595 w 1363362"/>
+              <a:gd name="connsiteY1" fmla="*/ 319966 h 731858"/>
+              <a:gd name="connsiteX2" fmla="*/ 86498 w 1363362"/>
+              <a:gd name="connsiteY2" fmla="*/ 225231 h 731858"/>
+              <a:gd name="connsiteX3" fmla="*/ 102973 w 1363362"/>
+              <a:gd name="connsiteY3" fmla="*/ 216993 h 731858"/>
+              <a:gd name="connsiteX4" fmla="*/ 131806 w 1363362"/>
+              <a:gd name="connsiteY4" fmla="*/ 196399 h 731858"/>
+              <a:gd name="connsiteX5" fmla="*/ 160638 w 1363362"/>
+              <a:gd name="connsiteY5" fmla="*/ 188161 h 731858"/>
+              <a:gd name="connsiteX6" fmla="*/ 172995 w 1363362"/>
+              <a:gd name="connsiteY6" fmla="*/ 179923 h 731858"/>
+              <a:gd name="connsiteX7" fmla="*/ 193589 w 1363362"/>
+              <a:gd name="connsiteY7" fmla="*/ 175804 h 731858"/>
+              <a:gd name="connsiteX8" fmla="*/ 205946 w 1363362"/>
+              <a:gd name="connsiteY8" fmla="*/ 151091 h 731858"/>
+              <a:gd name="connsiteX9" fmla="*/ 218303 w 1363362"/>
+              <a:gd name="connsiteY9" fmla="*/ 138734 h 731858"/>
+              <a:gd name="connsiteX10" fmla="*/ 226541 w 1363362"/>
+              <a:gd name="connsiteY10" fmla="*/ 126377 h 731858"/>
+              <a:gd name="connsiteX11" fmla="*/ 255373 w 1363362"/>
+              <a:gd name="connsiteY11" fmla="*/ 114021 h 731858"/>
+              <a:gd name="connsiteX12" fmla="*/ 288325 w 1363362"/>
+              <a:gd name="connsiteY12" fmla="*/ 97545 h 731858"/>
+              <a:gd name="connsiteX13" fmla="*/ 304800 w 1363362"/>
+              <a:gd name="connsiteY13" fmla="*/ 85188 h 731858"/>
+              <a:gd name="connsiteX14" fmla="*/ 329514 w 1363362"/>
+              <a:gd name="connsiteY14" fmla="*/ 68712 h 731858"/>
+              <a:gd name="connsiteX15" fmla="*/ 370703 w 1363362"/>
+              <a:gd name="connsiteY15" fmla="*/ 56356 h 731858"/>
+              <a:gd name="connsiteX16" fmla="*/ 399535 w 1363362"/>
+              <a:gd name="connsiteY16" fmla="*/ 39880 h 731858"/>
+              <a:gd name="connsiteX17" fmla="*/ 481914 w 1363362"/>
+              <a:gd name="connsiteY17" fmla="*/ 27523 h 731858"/>
+              <a:gd name="connsiteX18" fmla="*/ 506627 w 1363362"/>
+              <a:gd name="connsiteY18" fmla="*/ 23404 h 731858"/>
+              <a:gd name="connsiteX19" fmla="*/ 551935 w 1363362"/>
+              <a:gd name="connsiteY19" fmla="*/ 19285 h 731858"/>
+              <a:gd name="connsiteX20" fmla="*/ 564292 w 1363362"/>
+              <a:gd name="connsiteY20" fmla="*/ 11048 h 731858"/>
+              <a:gd name="connsiteX21" fmla="*/ 597244 w 1363362"/>
+              <a:gd name="connsiteY21" fmla="*/ 6929 h 731858"/>
+              <a:gd name="connsiteX22" fmla="*/ 675503 w 1363362"/>
+              <a:gd name="connsiteY22" fmla="*/ 6929 h 731858"/>
+              <a:gd name="connsiteX23" fmla="*/ 691979 w 1363362"/>
+              <a:gd name="connsiteY23" fmla="*/ 23404 h 731858"/>
+              <a:gd name="connsiteX24" fmla="*/ 724930 w 1363362"/>
+              <a:gd name="connsiteY24" fmla="*/ 35761 h 731858"/>
+              <a:gd name="connsiteX25" fmla="*/ 757881 w 1363362"/>
+              <a:gd name="connsiteY25" fmla="*/ 52237 h 731858"/>
+              <a:gd name="connsiteX26" fmla="*/ 811427 w 1363362"/>
+              <a:gd name="connsiteY26" fmla="*/ 68712 h 731858"/>
+              <a:gd name="connsiteX27" fmla="*/ 836141 w 1363362"/>
+              <a:gd name="connsiteY27" fmla="*/ 76950 h 731858"/>
+              <a:gd name="connsiteX28" fmla="*/ 848498 w 1363362"/>
+              <a:gd name="connsiteY28" fmla="*/ 85188 h 731858"/>
+              <a:gd name="connsiteX29" fmla="*/ 893806 w 1363362"/>
+              <a:gd name="connsiteY29" fmla="*/ 105783 h 731858"/>
+              <a:gd name="connsiteX30" fmla="*/ 910281 w 1363362"/>
+              <a:gd name="connsiteY30" fmla="*/ 118139 h 731858"/>
+              <a:gd name="connsiteX31" fmla="*/ 951471 w 1363362"/>
+              <a:gd name="connsiteY31" fmla="*/ 134615 h 731858"/>
+              <a:gd name="connsiteX32" fmla="*/ 972065 w 1363362"/>
+              <a:gd name="connsiteY32" fmla="*/ 142853 h 731858"/>
+              <a:gd name="connsiteX33" fmla="*/ 1005017 w 1363362"/>
+              <a:gd name="connsiteY33" fmla="*/ 159329 h 731858"/>
+              <a:gd name="connsiteX34" fmla="*/ 1054444 w 1363362"/>
+              <a:gd name="connsiteY34" fmla="*/ 179923 h 731858"/>
+              <a:gd name="connsiteX35" fmla="*/ 1083276 w 1363362"/>
+              <a:gd name="connsiteY35" fmla="*/ 200518 h 731858"/>
+              <a:gd name="connsiteX36" fmla="*/ 1116227 w 1363362"/>
+              <a:gd name="connsiteY36" fmla="*/ 225231 h 731858"/>
+              <a:gd name="connsiteX37" fmla="*/ 1124465 w 1363362"/>
+              <a:gd name="connsiteY37" fmla="*/ 237588 h 731858"/>
+              <a:gd name="connsiteX38" fmla="*/ 1169773 w 1363362"/>
+              <a:gd name="connsiteY38" fmla="*/ 262302 h 731858"/>
+              <a:gd name="connsiteX39" fmla="*/ 1186249 w 1363362"/>
+              <a:gd name="connsiteY39" fmla="*/ 270539 h 731858"/>
+              <a:gd name="connsiteX40" fmla="*/ 1219200 w 1363362"/>
+              <a:gd name="connsiteY40" fmla="*/ 278777 h 731858"/>
+              <a:gd name="connsiteX41" fmla="*/ 1252152 w 1363362"/>
+              <a:gd name="connsiteY41" fmla="*/ 291134 h 731858"/>
+              <a:gd name="connsiteX42" fmla="*/ 1264508 w 1363362"/>
+              <a:gd name="connsiteY42" fmla="*/ 295253 h 731858"/>
+              <a:gd name="connsiteX43" fmla="*/ 1293341 w 1363362"/>
+              <a:gd name="connsiteY43" fmla="*/ 299372 h 731858"/>
+              <a:gd name="connsiteX44" fmla="*/ 1309817 w 1363362"/>
+              <a:gd name="connsiteY44" fmla="*/ 303491 h 731858"/>
+              <a:gd name="connsiteX45" fmla="*/ 1334530 w 1363362"/>
+              <a:gd name="connsiteY45" fmla="*/ 307610 h 731858"/>
+              <a:gd name="connsiteX46" fmla="*/ 1346887 w 1363362"/>
+              <a:gd name="connsiteY46" fmla="*/ 324085 h 731858"/>
+              <a:gd name="connsiteX47" fmla="*/ 1363362 w 1363362"/>
+              <a:gd name="connsiteY47" fmla="*/ 340561 h 731858"/>
+              <a:gd name="connsiteX48" fmla="*/ 1359244 w 1363362"/>
+              <a:gd name="connsiteY48" fmla="*/ 731858 h 731858"/>
+              <a:gd name="connsiteX49" fmla="*/ 0 w 1363362"/>
+              <a:gd name="connsiteY49" fmla="*/ 715383 h 731858"/>
+              <a:gd name="connsiteX50" fmla="*/ 20595 w 1363362"/>
+              <a:gd name="connsiteY50" fmla="*/ 319966 h 731858"/>
+            </a:gdLst>
+            <a:ahLst/>
+            <a:cxnLst>
+              <a:cxn ang="0">
+                <a:pos x="connsiteX0" y="connsiteY0"/>
+              </a:cxn>
+              <a:cxn ang="0">
+                <a:pos x="connsiteX1" y="connsiteY1"/>
+              </a:cxn>
+              <a:cxn ang="0">
+                <a:pos x="connsiteX2" y="connsiteY2"/>
+              </a:cxn>
+              <a:cxn ang="0">
+                <a:pos x="connsiteX3" y="connsiteY3"/>
+              </a:cxn>
+              <a:cxn ang="0">
+                <a:pos x="connsiteX4" y="connsiteY4"/>
+              </a:cxn>
+              <a:cxn ang="0">
+                <a:pos x="connsiteX5" y="connsiteY5"/>
+              </a:cxn>
+              <a:cxn ang="0">
+                <a:pos x="connsiteX6" y="connsiteY6"/>
+              </a:cxn>
+              <a:cxn ang="0">
+                <a:pos x="connsiteX7" y="connsiteY7"/>
+              </a:cxn>
+              <a:cxn ang="0">
+                <a:pos x="connsiteX8" y="connsiteY8"/>
+              </a:cxn>
+              <a:cxn ang="0">
+                <a:pos x="connsiteX9" y="connsiteY9"/>
+              </a:cxn>
+              <a:cxn ang="0">
+                <a:pos x="connsiteX10" y="connsiteY10"/>
+              </a:cxn>
+              <a:cxn ang="0">
+                <a:pos x="connsiteX11" y="connsiteY11"/>
+              </a:cxn>
+              <a:cxn ang="0">
+                <a:pos x="connsiteX12" y="connsiteY12"/>
+              </a:cxn>
+              <a:cxn ang="0">
+                <a:pos x="connsiteX13" y="connsiteY13"/>
+              </a:cxn>
+              <a:cxn ang="0">
+                <a:pos x="connsiteX14" y="connsiteY14"/>
+              </a:cxn>
+              <a:cxn ang="0">
+                <a:pos x="connsiteX15" y="connsiteY15"/>
+              </a:cxn>
+              <a:cxn ang="0">
+                <a:pos x="connsiteX16" y="connsiteY16"/>
+              </a:cxn>
+              <a:cxn ang="0">
+                <a:pos x="connsiteX17" y="connsiteY17"/>
+              </a:cxn>
+              <a:cxn ang="0">
+                <a:pos x="connsiteX18" y="connsiteY18"/>
+              </a:cxn>
+              <a:cxn ang="0">
+                <a:pos x="connsiteX19" y="connsiteY19"/>
+              </a:cxn>
+              <a:cxn ang="0">
+                <a:pos x="connsiteX20" y="connsiteY20"/>
+              </a:cxn>
+              <a:cxn ang="0">
+                <a:pos x="connsiteX21" y="connsiteY21"/>
+              </a:cxn>
+              <a:cxn ang="0">
+                <a:pos x="connsiteX22" y="connsiteY22"/>
+              </a:cxn>
+              <a:cxn ang="0">
+                <a:pos x="connsiteX23" y="connsiteY23"/>
+              </a:cxn>
+              <a:cxn ang="0">
+                <a:pos x="connsiteX24" y="connsiteY24"/>
+              </a:cxn>
+              <a:cxn ang="0">
+                <a:pos x="connsiteX25" y="connsiteY25"/>
+              </a:cxn>
+              <a:cxn ang="0">
+                <a:pos x="connsiteX26" y="connsiteY26"/>
+              </a:cxn>
+              <a:cxn ang="0">
+                <a:pos x="connsiteX27" y="connsiteY27"/>
+              </a:cxn>
+              <a:cxn ang="0">
+                <a:pos x="connsiteX28" y="connsiteY28"/>
+              </a:cxn>
+              <a:cxn ang="0">
+                <a:pos x="connsiteX29" y="connsiteY29"/>
+              </a:cxn>
+              <a:cxn ang="0">
+                <a:pos x="connsiteX30" y="connsiteY30"/>
+              </a:cxn>
+              <a:cxn ang="0">
+                <a:pos x="connsiteX31" y="connsiteY31"/>
+              </a:cxn>
+              <a:cxn ang="0">
+                <a:pos x="connsiteX32" y="connsiteY32"/>
+              </a:cxn>
+              <a:cxn ang="0">
+                <a:pos x="connsiteX33" y="connsiteY33"/>
+              </a:cxn>
+              <a:cxn ang="0">
+                <a:pos x="connsiteX34" y="connsiteY34"/>
+              </a:cxn>
+              <a:cxn ang="0">
+                <a:pos x="connsiteX35" y="connsiteY35"/>
+              </a:cxn>
+              <a:cxn ang="0">
+                <a:pos x="connsiteX36" y="connsiteY36"/>
+              </a:cxn>
+              <a:cxn ang="0">
+                <a:pos x="connsiteX37" y="connsiteY37"/>
+              </a:cxn>
+              <a:cxn ang="0">
+                <a:pos x="connsiteX38" y="connsiteY38"/>
+              </a:cxn>
+              <a:cxn ang="0">
+                <a:pos x="connsiteX39" y="connsiteY39"/>
+              </a:cxn>
+              <a:cxn ang="0">
+                <a:pos x="connsiteX40" y="connsiteY40"/>
+              </a:cxn>
+              <a:cxn ang="0">
+                <a:pos x="connsiteX41" y="connsiteY41"/>
+              </a:cxn>
+              <a:cxn ang="0">
+                <a:pos x="connsiteX42" y="connsiteY42"/>
+              </a:cxn>
+              <a:cxn ang="0">
+                <a:pos x="connsiteX43" y="connsiteY43"/>
+              </a:cxn>
+              <a:cxn ang="0">
+                <a:pos x="connsiteX44" y="connsiteY44"/>
+              </a:cxn>
+              <a:cxn ang="0">
+                <a:pos x="connsiteX45" y="connsiteY45"/>
+              </a:cxn>
+              <a:cxn ang="0">
+                <a:pos x="connsiteX46" y="connsiteY46"/>
+              </a:cxn>
+              <a:cxn ang="0">
+                <a:pos x="connsiteX47" y="connsiteY47"/>
+              </a:cxn>
+              <a:cxn ang="0">
+                <a:pos x="connsiteX48" y="connsiteY48"/>
+              </a:cxn>
+              <a:cxn ang="0">
+                <a:pos x="connsiteX49" y="connsiteY49"/>
+              </a:cxn>
+              <a:cxn ang="0">
+                <a:pos x="connsiteX50" y="connsiteY50"/>
+              </a:cxn>
+            </a:cxnLst>
+            <a:rect l="l" t="t" r="r" b="b"/>
+            <a:pathLst>
+              <a:path w="1363362" h="731858">
+                <a:moveTo>
+                  <a:pt x="20595" y="319966"/>
+                </a:moveTo>
+                <a:lnTo>
+                  <a:pt x="20595" y="319966"/>
+                </a:lnTo>
+                <a:cubicBezTo>
+                  <a:pt x="40810" y="287117"/>
+                  <a:pt x="58871" y="252858"/>
+                  <a:pt x="86498" y="225231"/>
+                </a:cubicBezTo>
+                <a:cubicBezTo>
+                  <a:pt x="90840" y="220889"/>
+                  <a:pt x="97766" y="220247"/>
+                  <a:pt x="102973" y="216993"/>
+                </a:cubicBezTo>
+                <a:cubicBezTo>
+                  <a:pt x="105062" y="215688"/>
+                  <a:pt x="126968" y="198334"/>
+                  <a:pt x="131806" y="196399"/>
+                </a:cubicBezTo>
+                <a:cubicBezTo>
+                  <a:pt x="141086" y="192687"/>
+                  <a:pt x="151027" y="190907"/>
+                  <a:pt x="160638" y="188161"/>
+                </a:cubicBezTo>
+                <a:cubicBezTo>
+                  <a:pt x="164757" y="185415"/>
+                  <a:pt x="168360" y="181661"/>
+                  <a:pt x="172995" y="179923"/>
+                </a:cubicBezTo>
+                <a:cubicBezTo>
+                  <a:pt x="179550" y="177465"/>
+                  <a:pt x="188320" y="180414"/>
+                  <a:pt x="193589" y="175804"/>
+                </a:cubicBezTo>
+                <a:cubicBezTo>
+                  <a:pt x="200520" y="169739"/>
+                  <a:pt x="200837" y="158754"/>
+                  <a:pt x="205946" y="151091"/>
+                </a:cubicBezTo>
+                <a:cubicBezTo>
+                  <a:pt x="209177" y="146244"/>
+                  <a:pt x="214574" y="143209"/>
+                  <a:pt x="218303" y="138734"/>
+                </a:cubicBezTo>
+                <a:cubicBezTo>
+                  <a:pt x="221472" y="134931"/>
+                  <a:pt x="223041" y="129877"/>
+                  <a:pt x="226541" y="126377"/>
+                </a:cubicBezTo>
+                <a:cubicBezTo>
+                  <a:pt x="236023" y="116895"/>
+                  <a:pt x="242768" y="117172"/>
+                  <a:pt x="255373" y="114021"/>
+                </a:cubicBezTo>
+                <a:cubicBezTo>
+                  <a:pt x="266357" y="108529"/>
+                  <a:pt x="277717" y="103733"/>
+                  <a:pt x="288325" y="97545"/>
+                </a:cubicBezTo>
+                <a:cubicBezTo>
+                  <a:pt x="294255" y="94086"/>
+                  <a:pt x="299176" y="89125"/>
+                  <a:pt x="304800" y="85188"/>
+                </a:cubicBezTo>
+                <a:cubicBezTo>
+                  <a:pt x="312911" y="79510"/>
+                  <a:pt x="320822" y="73453"/>
+                  <a:pt x="329514" y="68712"/>
+                </a:cubicBezTo>
+                <a:cubicBezTo>
+                  <a:pt x="345198" y="60157"/>
+                  <a:pt x="353662" y="59764"/>
+                  <a:pt x="370703" y="56356"/>
+                </a:cubicBezTo>
+                <a:cubicBezTo>
+                  <a:pt x="380314" y="50864"/>
+                  <a:pt x="389361" y="44240"/>
+                  <a:pt x="399535" y="39880"/>
+                </a:cubicBezTo>
+                <a:cubicBezTo>
+                  <a:pt x="426874" y="28163"/>
+                  <a:pt x="451904" y="29831"/>
+                  <a:pt x="481914" y="27523"/>
+                </a:cubicBezTo>
+                <a:cubicBezTo>
+                  <a:pt x="490152" y="26150"/>
+                  <a:pt x="498333" y="24380"/>
+                  <a:pt x="506627" y="23404"/>
+                </a:cubicBezTo>
+                <a:cubicBezTo>
+                  <a:pt x="521688" y="21632"/>
+                  <a:pt x="537107" y="22462"/>
+                  <a:pt x="551935" y="19285"/>
+                </a:cubicBezTo>
+                <a:cubicBezTo>
+                  <a:pt x="556775" y="18248"/>
+                  <a:pt x="559516" y="12350"/>
+                  <a:pt x="564292" y="11048"/>
+                </a:cubicBezTo>
+                <a:cubicBezTo>
+                  <a:pt x="574971" y="8136"/>
+                  <a:pt x="586260" y="8302"/>
+                  <a:pt x="597244" y="6929"/>
+                </a:cubicBezTo>
+                <a:cubicBezTo>
+                  <a:pt x="626662" y="-426"/>
+                  <a:pt x="633889" y="-4022"/>
+                  <a:pt x="675503" y="6929"/>
+                </a:cubicBezTo>
+                <a:cubicBezTo>
+                  <a:pt x="683014" y="8905"/>
+                  <a:pt x="685766" y="18744"/>
+                  <a:pt x="691979" y="23404"/>
+                </a:cubicBezTo>
+                <a:cubicBezTo>
+                  <a:pt x="705462" y="33516"/>
+                  <a:pt x="709924" y="30759"/>
+                  <a:pt x="724930" y="35761"/>
+                </a:cubicBezTo>
+                <a:cubicBezTo>
+                  <a:pt x="767694" y="50016"/>
+                  <a:pt x="727608" y="37100"/>
+                  <a:pt x="757881" y="52237"/>
+                </a:cubicBezTo>
+                <a:cubicBezTo>
+                  <a:pt x="783427" y="65010"/>
+                  <a:pt x="779818" y="58176"/>
+                  <a:pt x="811427" y="68712"/>
+                </a:cubicBezTo>
+                <a:cubicBezTo>
+                  <a:pt x="819665" y="71458"/>
+                  <a:pt x="828916" y="72133"/>
+                  <a:pt x="836141" y="76950"/>
+                </a:cubicBezTo>
+                <a:cubicBezTo>
+                  <a:pt x="840260" y="79696"/>
+                  <a:pt x="844070" y="82974"/>
+                  <a:pt x="848498" y="85188"/>
+                </a:cubicBezTo>
+                <a:cubicBezTo>
+                  <a:pt x="875487" y="98683"/>
+                  <a:pt x="848535" y="71830"/>
+                  <a:pt x="893806" y="105783"/>
+                </a:cubicBezTo>
+                <a:cubicBezTo>
+                  <a:pt x="899298" y="109902"/>
+                  <a:pt x="904141" y="115069"/>
+                  <a:pt x="910281" y="118139"/>
+                </a:cubicBezTo>
+                <a:cubicBezTo>
+                  <a:pt x="923508" y="124752"/>
+                  <a:pt x="937741" y="129123"/>
+                  <a:pt x="951471" y="134615"/>
+                </a:cubicBezTo>
+                <a:cubicBezTo>
+                  <a:pt x="958336" y="137361"/>
+                  <a:pt x="966150" y="138417"/>
+                  <a:pt x="972065" y="142853"/>
+                </a:cubicBezTo>
+                <a:cubicBezTo>
+                  <a:pt x="1007097" y="169127"/>
+                  <a:pt x="970314" y="144870"/>
+                  <a:pt x="1005017" y="159329"/>
+                </a:cubicBezTo>
+                <a:cubicBezTo>
+                  <a:pt x="1062039" y="183088"/>
+                  <a:pt x="1017292" y="170635"/>
+                  <a:pt x="1054444" y="179923"/>
+                </a:cubicBezTo>
+                <a:cubicBezTo>
+                  <a:pt x="1081425" y="206906"/>
+                  <a:pt x="1050750" y="178834"/>
+                  <a:pt x="1083276" y="200518"/>
+                </a:cubicBezTo>
+                <a:cubicBezTo>
+                  <a:pt x="1094700" y="208134"/>
+                  <a:pt x="1116227" y="225231"/>
+                  <a:pt x="1116227" y="225231"/>
+                </a:cubicBezTo>
+                <a:cubicBezTo>
+                  <a:pt x="1118973" y="229350"/>
+                  <a:pt x="1120599" y="234495"/>
+                  <a:pt x="1124465" y="237588"/>
+                </a:cubicBezTo>
+                <a:cubicBezTo>
+                  <a:pt x="1162682" y="268162"/>
+                  <a:pt x="1144598" y="251513"/>
+                  <a:pt x="1169773" y="262302"/>
+                </a:cubicBezTo>
+                <a:cubicBezTo>
+                  <a:pt x="1175417" y="264721"/>
+                  <a:pt x="1180424" y="268597"/>
+                  <a:pt x="1186249" y="270539"/>
+                </a:cubicBezTo>
+                <a:cubicBezTo>
+                  <a:pt x="1196990" y="274119"/>
+                  <a:pt x="1209074" y="273714"/>
+                  <a:pt x="1219200" y="278777"/>
+                </a:cubicBezTo>
+                <a:cubicBezTo>
+                  <a:pt x="1244796" y="291575"/>
+                  <a:pt x="1225979" y="283656"/>
+                  <a:pt x="1252152" y="291134"/>
+                </a:cubicBezTo>
+                <a:cubicBezTo>
+                  <a:pt x="1256326" y="292327"/>
+                  <a:pt x="1260251" y="294402"/>
+                  <a:pt x="1264508" y="295253"/>
+                </a:cubicBezTo>
+                <a:cubicBezTo>
+                  <a:pt x="1274028" y="297157"/>
+                  <a:pt x="1283789" y="297635"/>
+                  <a:pt x="1293341" y="299372"/>
+                </a:cubicBezTo>
+                <a:cubicBezTo>
+                  <a:pt x="1298911" y="300385"/>
+                  <a:pt x="1304266" y="302381"/>
+                  <a:pt x="1309817" y="303491"/>
+                </a:cubicBezTo>
+                <a:cubicBezTo>
+                  <a:pt x="1318006" y="305129"/>
+                  <a:pt x="1326292" y="306237"/>
+                  <a:pt x="1334530" y="307610"/>
+                </a:cubicBezTo>
+                <a:cubicBezTo>
+                  <a:pt x="1338649" y="313102"/>
+                  <a:pt x="1341613" y="319690"/>
+                  <a:pt x="1346887" y="324085"/>
+                </a:cubicBezTo>
+                <a:cubicBezTo>
+                  <a:pt x="1367163" y="340981"/>
+                  <a:pt x="1354071" y="312681"/>
+                  <a:pt x="1363362" y="340561"/>
+                </a:cubicBezTo>
+                <a:cubicBezTo>
+                  <a:pt x="1361989" y="470993"/>
+                  <a:pt x="1360617" y="601426"/>
+                  <a:pt x="1359244" y="731858"/>
+                </a:cubicBezTo>
+                <a:lnTo>
+                  <a:pt x="0" y="715383"/>
+                </a:lnTo>
+                <a:lnTo>
+                  <a:pt x="20595" y="319966"/>
+                </a:lnTo>
+                <a:close/>
+              </a:path>
+            </a:pathLst>
+          </a:custGeom>
+          <a:solidFill>
+            <a:schemeClr val="accent1">
+              <a:alpha val="60000"/>
+            </a:schemeClr>
+          </a:solidFill>
+          <a:ln>
+            <a:noFill/>
+          </a:ln>
+        </p:spPr>
+        <p:style>
+          <a:lnRef idx="2">
+            <a:schemeClr val="accent1">
+              <a:shade val="50000"/>
+            </a:schemeClr>
+          </a:lnRef>
+          <a:fillRef idx="1">
+            <a:schemeClr val="accent1"/>
+          </a:fillRef>
+          <a:effectRef idx="0">
+            <a:schemeClr val="accent1"/>
+          </a:effectRef>
+          <a:fontRef idx="minor">
+            <a:schemeClr val="lt1"/>
+          </a:fontRef>
+        </p:style>
+        <p:txBody>
+          <a:bodyPr rtlCol="1" anchor="ctr"/>
+          <a:lstStyle/>
+          <a:p>
+            <a:pPr algn="ctr"/>
+            <a:r>
+              <a:rPr lang="en-US" dirty="0"/>
+              <a:t>A</a:t>
+            </a:r>
+            <a:endParaRPr lang="he-IL" dirty="0"/>
+          </a:p>
+        </p:txBody>
+      </p:sp>
+      <p:sp>
+        <p:nvSpPr>
+          <p:cNvPr id="92" name="Freeform: Shape 91">
+            <a:extLst>
+              <a:ext uri="{FF2B5EF4-FFF2-40B4-BE49-F238E27FC236}">
+                <a16:creationId xmlns:a16="http://schemas.microsoft.com/office/drawing/2014/main" id="{7A3A013F-9AE8-B9FE-197E-8CF7EA366A8A}"/>
+              </a:ext>
+            </a:extLst>
+          </p:cNvPr>
+          <p:cNvSpPr/>
+          <p:nvPr/>
+        </p:nvSpPr>
+        <p:spPr>
+          <a:xfrm>
+            <a:off x="7594971" y="4893224"/>
+            <a:ext cx="568410" cy="622008"/>
+          </a:xfrm>
+          <a:custGeom>
+            <a:avLst/>
+            <a:gdLst>
+              <a:gd name="connsiteX0" fmla="*/ 45308 w 568410"/>
+              <a:gd name="connsiteY0" fmla="*/ 214235 h 622008"/>
+              <a:gd name="connsiteX1" fmla="*/ 45308 w 568410"/>
+              <a:gd name="connsiteY1" fmla="*/ 214235 h 622008"/>
+              <a:gd name="connsiteX2" fmla="*/ 168875 w 568410"/>
+              <a:gd name="connsiteY2" fmla="*/ 193641 h 622008"/>
+              <a:gd name="connsiteX3" fmla="*/ 185351 w 568410"/>
+              <a:gd name="connsiteY3" fmla="*/ 181284 h 622008"/>
+              <a:gd name="connsiteX4" fmla="*/ 275967 w 568410"/>
+              <a:gd name="connsiteY4" fmla="*/ 156571 h 622008"/>
+              <a:gd name="connsiteX5" fmla="*/ 341870 w 568410"/>
+              <a:gd name="connsiteY5" fmla="*/ 135976 h 622008"/>
+              <a:gd name="connsiteX6" fmla="*/ 358345 w 568410"/>
+              <a:gd name="connsiteY6" fmla="*/ 127738 h 622008"/>
+              <a:gd name="connsiteX7" fmla="*/ 383059 w 568410"/>
+              <a:gd name="connsiteY7" fmla="*/ 119500 h 622008"/>
+              <a:gd name="connsiteX8" fmla="*/ 395416 w 568410"/>
+              <a:gd name="connsiteY8" fmla="*/ 107144 h 622008"/>
+              <a:gd name="connsiteX9" fmla="*/ 407773 w 568410"/>
+              <a:gd name="connsiteY9" fmla="*/ 103025 h 622008"/>
+              <a:gd name="connsiteX10" fmla="*/ 420129 w 568410"/>
+              <a:gd name="connsiteY10" fmla="*/ 82430 h 622008"/>
+              <a:gd name="connsiteX11" fmla="*/ 432486 w 568410"/>
+              <a:gd name="connsiteY11" fmla="*/ 70073 h 622008"/>
+              <a:gd name="connsiteX12" fmla="*/ 457200 w 568410"/>
+              <a:gd name="connsiteY12" fmla="*/ 45360 h 622008"/>
+              <a:gd name="connsiteX13" fmla="*/ 465437 w 568410"/>
+              <a:gd name="connsiteY13" fmla="*/ 33003 h 622008"/>
+              <a:gd name="connsiteX14" fmla="*/ 490151 w 568410"/>
+              <a:gd name="connsiteY14" fmla="*/ 16527 h 622008"/>
+              <a:gd name="connsiteX15" fmla="*/ 535459 w 568410"/>
+              <a:gd name="connsiteY15" fmla="*/ 8290 h 622008"/>
+              <a:gd name="connsiteX16" fmla="*/ 560173 w 568410"/>
+              <a:gd name="connsiteY16" fmla="*/ 52 h 622008"/>
+              <a:gd name="connsiteX17" fmla="*/ 568410 w 568410"/>
+              <a:gd name="connsiteY17" fmla="*/ 622008 h 622008"/>
+              <a:gd name="connsiteX18" fmla="*/ 0 w 568410"/>
+              <a:gd name="connsiteY18" fmla="*/ 613771 h 622008"/>
+              <a:gd name="connsiteX19" fmla="*/ 45308 w 568410"/>
+              <a:gd name="connsiteY19" fmla="*/ 214235 h 622008"/>
+            </a:gdLst>
+            <a:ahLst/>
+            <a:cxnLst>
+              <a:cxn ang="0">
+                <a:pos x="connsiteX0" y="connsiteY0"/>
+              </a:cxn>
+              <a:cxn ang="0">
+                <a:pos x="connsiteX1" y="connsiteY1"/>
+              </a:cxn>
+              <a:cxn ang="0">
+                <a:pos x="connsiteX2" y="connsiteY2"/>
+              </a:cxn>
+              <a:cxn ang="0">
+                <a:pos x="connsiteX3" y="connsiteY3"/>
+              </a:cxn>
+              <a:cxn ang="0">
+                <a:pos x="connsiteX4" y="connsiteY4"/>
+              </a:cxn>
+              <a:cxn ang="0">
+                <a:pos x="connsiteX5" y="connsiteY5"/>
+              </a:cxn>
+              <a:cxn ang="0">
+                <a:pos x="connsiteX6" y="connsiteY6"/>
+              </a:cxn>
+              <a:cxn ang="0">
+                <a:pos x="connsiteX7" y="connsiteY7"/>
+              </a:cxn>
+              <a:cxn ang="0">
+                <a:pos x="connsiteX8" y="connsiteY8"/>
+              </a:cxn>
+              <a:cxn ang="0">
+                <a:pos x="connsiteX9" y="connsiteY9"/>
+              </a:cxn>
+              <a:cxn ang="0">
+                <a:pos x="connsiteX10" y="connsiteY10"/>
+              </a:cxn>
+              <a:cxn ang="0">
+                <a:pos x="connsiteX11" y="connsiteY11"/>
+              </a:cxn>
+              <a:cxn ang="0">
+                <a:pos x="connsiteX12" y="connsiteY12"/>
+              </a:cxn>
+              <a:cxn ang="0">
+                <a:pos x="connsiteX13" y="connsiteY13"/>
+              </a:cxn>
+              <a:cxn ang="0">
+                <a:pos x="connsiteX14" y="connsiteY14"/>
+              </a:cxn>
+              <a:cxn ang="0">
+                <a:pos x="connsiteX15" y="connsiteY15"/>
+              </a:cxn>
+              <a:cxn ang="0">
+                <a:pos x="connsiteX16" y="connsiteY16"/>
+              </a:cxn>
+              <a:cxn ang="0">
+                <a:pos x="connsiteX17" y="connsiteY17"/>
+              </a:cxn>
+              <a:cxn ang="0">
+                <a:pos x="connsiteX18" y="connsiteY18"/>
+              </a:cxn>
+              <a:cxn ang="0">
+                <a:pos x="connsiteX19" y="connsiteY19"/>
+              </a:cxn>
+            </a:cxnLst>
+            <a:rect l="l" t="t" r="r" b="b"/>
+            <a:pathLst>
+              <a:path w="568410" h="622008">
+                <a:moveTo>
+                  <a:pt x="45308" y="214235"/>
+                </a:moveTo>
+                <a:lnTo>
+                  <a:pt x="45308" y="214235"/>
+                </a:lnTo>
+                <a:cubicBezTo>
+                  <a:pt x="86497" y="207370"/>
+                  <a:pt x="128228" y="203205"/>
+                  <a:pt x="168875" y="193641"/>
+                </a:cubicBezTo>
+                <a:cubicBezTo>
+                  <a:pt x="175558" y="192069"/>
+                  <a:pt x="179130" y="184187"/>
+                  <a:pt x="185351" y="181284"/>
+                </a:cubicBezTo>
+                <a:cubicBezTo>
+                  <a:pt x="223481" y="163490"/>
+                  <a:pt x="235484" y="163931"/>
+                  <a:pt x="275967" y="156571"/>
+                </a:cubicBezTo>
+                <a:cubicBezTo>
+                  <a:pt x="366382" y="116385"/>
+                  <a:pt x="267720" y="156199"/>
+                  <a:pt x="341870" y="135976"/>
+                </a:cubicBezTo>
+                <a:cubicBezTo>
+                  <a:pt x="347794" y="134360"/>
+                  <a:pt x="352644" y="130018"/>
+                  <a:pt x="358345" y="127738"/>
+                </a:cubicBezTo>
+                <a:cubicBezTo>
+                  <a:pt x="366408" y="124513"/>
+                  <a:pt x="383059" y="119500"/>
+                  <a:pt x="383059" y="119500"/>
+                </a:cubicBezTo>
+                <a:cubicBezTo>
+                  <a:pt x="387178" y="115381"/>
+                  <a:pt x="390569" y="110375"/>
+                  <a:pt x="395416" y="107144"/>
+                </a:cubicBezTo>
+                <a:cubicBezTo>
+                  <a:pt x="399029" y="104736"/>
+                  <a:pt x="404703" y="106095"/>
+                  <a:pt x="407773" y="103025"/>
+                </a:cubicBezTo>
+                <a:cubicBezTo>
+                  <a:pt x="413434" y="97364"/>
+                  <a:pt x="415326" y="88835"/>
+                  <a:pt x="420129" y="82430"/>
+                </a:cubicBezTo>
+                <a:cubicBezTo>
+                  <a:pt x="423624" y="77770"/>
+                  <a:pt x="428757" y="74548"/>
+                  <a:pt x="432486" y="70073"/>
+                </a:cubicBezTo>
+                <a:cubicBezTo>
+                  <a:pt x="452562" y="45983"/>
+                  <a:pt x="425628" y="69039"/>
+                  <a:pt x="457200" y="45360"/>
+                </a:cubicBezTo>
+                <a:cubicBezTo>
+                  <a:pt x="459946" y="41241"/>
+                  <a:pt x="461712" y="36263"/>
+                  <a:pt x="465437" y="33003"/>
+                </a:cubicBezTo>
+                <a:cubicBezTo>
+                  <a:pt x="472888" y="26483"/>
+                  <a:pt x="481295" y="20955"/>
+                  <a:pt x="490151" y="16527"/>
+                </a:cubicBezTo>
+                <a:cubicBezTo>
+                  <a:pt x="497921" y="12642"/>
+                  <a:pt x="532105" y="8769"/>
+                  <a:pt x="535459" y="8290"/>
+                </a:cubicBezTo>
+                <a:cubicBezTo>
+                  <a:pt x="554391" y="-1176"/>
+                  <a:pt x="545795" y="52"/>
+                  <a:pt x="560173" y="52"/>
+                </a:cubicBezTo>
+                <a:lnTo>
+                  <a:pt x="568410" y="622008"/>
+                </a:lnTo>
+                <a:lnTo>
+                  <a:pt x="0" y="613771"/>
+                </a:lnTo>
+                <a:lnTo>
+                  <a:pt x="45308" y="214235"/>
+                </a:lnTo>
+                <a:close/>
+              </a:path>
+            </a:pathLst>
+          </a:custGeom>
+          <a:solidFill>
+            <a:srgbClr val="C00000">
+              <a:alpha val="54000"/>
+            </a:srgbClr>
+          </a:solidFill>
+          <a:ln>
+            <a:noFill/>
+          </a:ln>
+        </p:spPr>
+        <p:style>
+          <a:lnRef idx="2">
+            <a:schemeClr val="accent1">
+              <a:shade val="50000"/>
+            </a:schemeClr>
+          </a:lnRef>
+          <a:fillRef idx="1">
+            <a:schemeClr val="accent1"/>
+          </a:fillRef>
+          <a:effectRef idx="0">
+            <a:schemeClr val="accent1"/>
+          </a:effectRef>
+          <a:fontRef idx="minor">
+            <a:schemeClr val="lt1"/>
+          </a:fontRef>
+        </p:style>
+        <p:txBody>
+          <a:bodyPr rtlCol="1" anchor="ctr"/>
+          <a:lstStyle/>
+          <a:p>
+            <a:pPr algn="ctr"/>
+            <a:endParaRPr lang="he-IL" dirty="0"/>
+          </a:p>
+        </p:txBody>
+      </p:sp>
+      <p:sp>
+        <p:nvSpPr>
+          <p:cNvPr id="106" name="TextBox 105">
+            <a:extLst>
+              <a:ext uri="{FF2B5EF4-FFF2-40B4-BE49-F238E27FC236}">
+                <a16:creationId xmlns:a16="http://schemas.microsoft.com/office/drawing/2014/main" id="{146221BE-1C63-AD05-9EC3-86E2836FC8FB}"/>
+              </a:ext>
+            </a:extLst>
+          </p:cNvPr>
+          <p:cNvSpPr txBox="1"/>
+          <p:nvPr/>
+        </p:nvSpPr>
+        <p:spPr>
+          <a:xfrm>
+            <a:off x="4630843" y="5184472"/>
+            <a:ext cx="272099" cy="369332"/>
+          </a:xfrm>
+          <a:prstGeom prst="rect">
+            <a:avLst/>
+          </a:prstGeom>
+          <a:noFill/>
+        </p:spPr>
+        <p:txBody>
+          <a:bodyPr wrap="square" rtlCol="1">
+            <a:spAutoFit/>
+          </a:bodyPr>
+          <a:lstStyle/>
+          <a:p>
+            <a:r>
+              <a:rPr lang="en-US" dirty="0">
+                <a:solidFill>
+                  <a:schemeClr val="bg1"/>
+                </a:solidFill>
+              </a:rPr>
+              <a:t>B</a:t>
+            </a:r>
+            <a:endParaRPr lang="he-IL" dirty="0">
+              <a:solidFill>
+                <a:schemeClr val="bg1"/>
+              </a:solidFill>
+            </a:endParaRPr>
+          </a:p>
+        </p:txBody>
+      </p:sp>
+      <p:sp>
+        <p:nvSpPr>
+          <p:cNvPr id="108" name="TextBox 107">
+            <a:extLst>
+              <a:ext uri="{FF2B5EF4-FFF2-40B4-BE49-F238E27FC236}">
+                <a16:creationId xmlns:a16="http://schemas.microsoft.com/office/drawing/2014/main" id="{7A47F957-5552-CAC4-91A6-97CB20B154F0}"/>
+              </a:ext>
+            </a:extLst>
+          </p:cNvPr>
+          <p:cNvSpPr txBox="1"/>
+          <p:nvPr/>
+        </p:nvSpPr>
+        <p:spPr>
+          <a:xfrm>
+            <a:off x="7709055" y="5114031"/>
+            <a:ext cx="272099" cy="369332"/>
+          </a:xfrm>
+          <a:prstGeom prst="rect">
+            <a:avLst/>
+          </a:prstGeom>
+          <a:noFill/>
+        </p:spPr>
+        <p:txBody>
+          <a:bodyPr wrap="square" rtlCol="1">
+            <a:spAutoFit/>
+          </a:bodyPr>
+          <a:lstStyle/>
+          <a:p>
+            <a:r>
+              <a:rPr lang="en-US" dirty="0">
+                <a:solidFill>
+                  <a:schemeClr val="bg1"/>
+                </a:solidFill>
+              </a:rPr>
+              <a:t>D</a:t>
+            </a:r>
+            <a:endParaRPr lang="he-IL" dirty="0">
+              <a:solidFill>
+                <a:schemeClr val="bg1"/>
+              </a:solidFill>
+            </a:endParaRPr>
+          </a:p>
+        </p:txBody>
+      </p:sp>
+      <p:cxnSp>
+        <p:nvCxnSpPr>
+          <p:cNvPr id="125" name="Straight Connector 124">
+            <a:extLst>
+              <a:ext uri="{FF2B5EF4-FFF2-40B4-BE49-F238E27FC236}">
+                <a16:creationId xmlns:a16="http://schemas.microsoft.com/office/drawing/2014/main" id="{24CB14C3-FF25-960F-B1C8-D42D5FC7D379}"/>
+              </a:ext>
+            </a:extLst>
+          </p:cNvPr>
+          <p:cNvCxnSpPr>
+            <a:cxnSpLocks/>
+          </p:cNvCxnSpPr>
+          <p:nvPr/>
+        </p:nvCxnSpPr>
+        <p:spPr>
+          <a:xfrm>
+            <a:off x="9472993" y="6107911"/>
+            <a:ext cx="2239861" cy="0"/>
+          </a:xfrm>
+          <a:prstGeom prst="line">
+            <a:avLst/>
+          </a:prstGeom>
+          <a:ln w="38100">
+            <a:solidFill>
+              <a:schemeClr val="tx1"/>
+            </a:solidFill>
+          </a:ln>
+        </p:spPr>
+        <p:style>
+          <a:lnRef idx="1">
+            <a:schemeClr val="accent1"/>
+          </a:lnRef>
+          <a:fillRef idx="0">
+            <a:schemeClr val="accent1"/>
+          </a:fillRef>
+          <a:effectRef idx="0">
+            <a:schemeClr val="accent1"/>
+          </a:effectRef>
+          <a:fontRef idx="minor">
+            <a:schemeClr val="tx1"/>
+          </a:fontRef>
+        </p:style>
+      </p:cxnSp>
+      <p:cxnSp>
+        <p:nvCxnSpPr>
+          <p:cNvPr id="126" name="Straight Connector 125">
+            <a:extLst>
+              <a:ext uri="{FF2B5EF4-FFF2-40B4-BE49-F238E27FC236}">
+                <a16:creationId xmlns:a16="http://schemas.microsoft.com/office/drawing/2014/main" id="{79620FA3-E8C8-1B3E-DA00-21B5F8B04A5E}"/>
+              </a:ext>
+            </a:extLst>
+          </p:cNvPr>
+          <p:cNvCxnSpPr>
+            <a:cxnSpLocks/>
+          </p:cNvCxnSpPr>
+          <p:nvPr/>
+        </p:nvCxnSpPr>
+        <p:spPr>
+          <a:xfrm flipV="1">
+            <a:off x="9472993" y="3884828"/>
+            <a:ext cx="0" cy="2223084"/>
+          </a:xfrm>
+          <a:prstGeom prst="line">
+            <a:avLst/>
+          </a:prstGeom>
+          <a:ln w="38100">
+            <a:solidFill>
+              <a:schemeClr val="tx1"/>
+            </a:solidFill>
+          </a:ln>
+        </p:spPr>
+        <p:style>
+          <a:lnRef idx="1">
+            <a:schemeClr val="accent1"/>
+          </a:lnRef>
+          <a:fillRef idx="0">
+            <a:schemeClr val="accent1"/>
+          </a:fillRef>
+          <a:effectRef idx="0">
+            <a:schemeClr val="accent1"/>
+          </a:effectRef>
+          <a:fontRef idx="minor">
+            <a:schemeClr val="tx1"/>
+          </a:fontRef>
+        </p:style>
+      </p:cxnSp>
+      <p:sp>
+        <p:nvSpPr>
+          <p:cNvPr id="127" name="TextBox 126">
+            <a:extLst>
+              <a:ext uri="{FF2B5EF4-FFF2-40B4-BE49-F238E27FC236}">
+                <a16:creationId xmlns:a16="http://schemas.microsoft.com/office/drawing/2014/main" id="{A0FCE238-03FC-7620-495C-D17B380C500A}"/>
+              </a:ext>
+            </a:extLst>
+          </p:cNvPr>
+          <p:cNvSpPr txBox="1"/>
+          <p:nvPr/>
+        </p:nvSpPr>
+        <p:spPr>
+          <a:xfrm>
+            <a:off x="9112209" y="3887208"/>
+            <a:ext cx="272099" cy="369332"/>
+          </a:xfrm>
+          <a:prstGeom prst="rect">
+            <a:avLst/>
+          </a:prstGeom>
+          <a:noFill/>
+        </p:spPr>
+        <p:txBody>
+          <a:bodyPr wrap="square" rtlCol="1">
+            <a:spAutoFit/>
+          </a:bodyPr>
+          <a:lstStyle/>
+          <a:p>
+            <a:r>
+              <a:rPr lang="en-US" dirty="0"/>
+              <a:t>Y</a:t>
+            </a:r>
+            <a:endParaRPr lang="he-IL" dirty="0"/>
+          </a:p>
+        </p:txBody>
+      </p:sp>
+      <p:sp>
+        <p:nvSpPr>
+          <p:cNvPr id="128" name="TextBox 127">
+            <a:extLst>
+              <a:ext uri="{FF2B5EF4-FFF2-40B4-BE49-F238E27FC236}">
+                <a16:creationId xmlns:a16="http://schemas.microsoft.com/office/drawing/2014/main" id="{16A97664-6D2E-B21F-D197-377C15582FE6}"/>
+              </a:ext>
+            </a:extLst>
+          </p:cNvPr>
+          <p:cNvSpPr txBox="1"/>
+          <p:nvPr/>
+        </p:nvSpPr>
+        <p:spPr>
+          <a:xfrm>
+            <a:off x="11498887" y="6100047"/>
+            <a:ext cx="284793" cy="369332"/>
+          </a:xfrm>
+          <a:prstGeom prst="rect">
+            <a:avLst/>
+          </a:prstGeom>
+          <a:noFill/>
+        </p:spPr>
+        <p:txBody>
+          <a:bodyPr wrap="square" rtlCol="1">
+            <a:spAutoFit/>
+          </a:bodyPr>
+          <a:lstStyle/>
+          <a:p>
+            <a:r>
+              <a:rPr lang="en-US" dirty="0"/>
+              <a:t>X</a:t>
+            </a:r>
+            <a:endParaRPr lang="he-IL" dirty="0"/>
+          </a:p>
+        </p:txBody>
+      </p:sp>
+      <p:sp>
+        <p:nvSpPr>
+          <p:cNvPr id="129" name="Rectangle: Rounded Corners 128">
+            <a:extLst>
+              <a:ext uri="{FF2B5EF4-FFF2-40B4-BE49-F238E27FC236}">
+                <a16:creationId xmlns:a16="http://schemas.microsoft.com/office/drawing/2014/main" id="{A76E3E7C-7328-17E4-AE31-E471234970E1}"/>
+              </a:ext>
+            </a:extLst>
+          </p:cNvPr>
+          <p:cNvSpPr/>
+          <p:nvPr/>
+        </p:nvSpPr>
+        <p:spPr>
+          <a:xfrm rot="5400000">
+            <a:off x="10517066" y="4744705"/>
+            <a:ext cx="2105636" cy="377498"/>
+          </a:xfrm>
+          <a:prstGeom prst="roundRect">
+            <a:avLst/>
+          </a:prstGeom>
+        </p:spPr>
+        <p:style>
+          <a:lnRef idx="2">
+            <a:schemeClr val="accent1">
+              <a:shade val="50000"/>
+            </a:schemeClr>
+          </a:lnRef>
+          <a:fillRef idx="1">
+            <a:schemeClr val="accent1"/>
+          </a:fillRef>
+          <a:effectRef idx="0">
+            <a:schemeClr val="accent1"/>
+          </a:effectRef>
+          <a:fontRef idx="minor">
+            <a:schemeClr val="lt1"/>
+          </a:fontRef>
+        </p:style>
+        <p:txBody>
+          <a:bodyPr rtlCol="1" anchor="ctr"/>
+          <a:lstStyle/>
+          <a:p>
+            <a:pPr algn="ctr"/>
+            <a:r>
+              <a:rPr lang="en-US" dirty="0"/>
+              <a:t>Screen</a:t>
+            </a:r>
+            <a:endParaRPr lang="he-IL" dirty="0"/>
+          </a:p>
+        </p:txBody>
+      </p:sp>
+      <p:sp>
+        <p:nvSpPr>
+          <p:cNvPr id="130" name="Freeform: Shape 129">
+            <a:extLst>
+              <a:ext uri="{FF2B5EF4-FFF2-40B4-BE49-F238E27FC236}">
+                <a16:creationId xmlns:a16="http://schemas.microsoft.com/office/drawing/2014/main" id="{6F6F60A8-6BD6-90F2-3118-45798F216B50}"/>
+              </a:ext>
+            </a:extLst>
+          </p:cNvPr>
+          <p:cNvSpPr/>
+          <p:nvPr/>
+        </p:nvSpPr>
+        <p:spPr>
+          <a:xfrm>
+            <a:off x="9481115" y="4880919"/>
+            <a:ext cx="1894703" cy="304800"/>
+          </a:xfrm>
+          <a:custGeom>
+            <a:avLst/>
+            <a:gdLst>
+              <a:gd name="connsiteX0" fmla="*/ 0 w 1894703"/>
+              <a:gd name="connsiteY0" fmla="*/ 234778 h 304800"/>
+              <a:gd name="connsiteX1" fmla="*/ 20594 w 1894703"/>
+              <a:gd name="connsiteY1" fmla="*/ 243016 h 304800"/>
+              <a:gd name="connsiteX2" fmla="*/ 37070 w 1894703"/>
+              <a:gd name="connsiteY2" fmla="*/ 255373 h 304800"/>
+              <a:gd name="connsiteX3" fmla="*/ 53546 w 1894703"/>
+              <a:gd name="connsiteY3" fmla="*/ 263611 h 304800"/>
+              <a:gd name="connsiteX4" fmla="*/ 61784 w 1894703"/>
+              <a:gd name="connsiteY4" fmla="*/ 275967 h 304800"/>
+              <a:gd name="connsiteX5" fmla="*/ 111211 w 1894703"/>
+              <a:gd name="connsiteY5" fmla="*/ 292443 h 304800"/>
+              <a:gd name="connsiteX6" fmla="*/ 214184 w 1894703"/>
+              <a:gd name="connsiteY6" fmla="*/ 304800 h 304800"/>
+              <a:gd name="connsiteX7" fmla="*/ 374822 w 1894703"/>
+              <a:gd name="connsiteY7" fmla="*/ 300681 h 304800"/>
+              <a:gd name="connsiteX8" fmla="*/ 757881 w 1894703"/>
+              <a:gd name="connsiteY8" fmla="*/ 292443 h 304800"/>
+              <a:gd name="connsiteX9" fmla="*/ 959708 w 1894703"/>
+              <a:gd name="connsiteY9" fmla="*/ 275967 h 304800"/>
+              <a:gd name="connsiteX10" fmla="*/ 976184 w 1894703"/>
+              <a:gd name="connsiteY10" fmla="*/ 271849 h 304800"/>
+              <a:gd name="connsiteX11" fmla="*/ 1000897 w 1894703"/>
+              <a:gd name="connsiteY11" fmla="*/ 267730 h 304800"/>
+              <a:gd name="connsiteX12" fmla="*/ 1083276 w 1894703"/>
+              <a:gd name="connsiteY12" fmla="*/ 263611 h 304800"/>
+              <a:gd name="connsiteX13" fmla="*/ 1112108 w 1894703"/>
+              <a:gd name="connsiteY13" fmla="*/ 255373 h 304800"/>
+              <a:gd name="connsiteX14" fmla="*/ 1309816 w 1894703"/>
+              <a:gd name="connsiteY14" fmla="*/ 238897 h 304800"/>
+              <a:gd name="connsiteX15" fmla="*/ 1342767 w 1894703"/>
+              <a:gd name="connsiteY15" fmla="*/ 230659 h 304800"/>
+              <a:gd name="connsiteX16" fmla="*/ 1363362 w 1894703"/>
+              <a:gd name="connsiteY16" fmla="*/ 222422 h 304800"/>
+              <a:gd name="connsiteX17" fmla="*/ 1400432 w 1894703"/>
+              <a:gd name="connsiteY17" fmla="*/ 210065 h 304800"/>
+              <a:gd name="connsiteX18" fmla="*/ 1433384 w 1894703"/>
+              <a:gd name="connsiteY18" fmla="*/ 201827 h 304800"/>
+              <a:gd name="connsiteX19" fmla="*/ 1462216 w 1894703"/>
+              <a:gd name="connsiteY19" fmla="*/ 189470 h 304800"/>
+              <a:gd name="connsiteX20" fmla="*/ 1528119 w 1894703"/>
+              <a:gd name="connsiteY20" fmla="*/ 172995 h 304800"/>
+              <a:gd name="connsiteX21" fmla="*/ 1602259 w 1894703"/>
+              <a:gd name="connsiteY21" fmla="*/ 156519 h 304800"/>
+              <a:gd name="connsiteX22" fmla="*/ 1647567 w 1894703"/>
+              <a:gd name="connsiteY22" fmla="*/ 144162 h 304800"/>
+              <a:gd name="connsiteX23" fmla="*/ 1692876 w 1894703"/>
+              <a:gd name="connsiteY23" fmla="*/ 131805 h 304800"/>
+              <a:gd name="connsiteX24" fmla="*/ 1721708 w 1894703"/>
+              <a:gd name="connsiteY24" fmla="*/ 115330 h 304800"/>
+              <a:gd name="connsiteX25" fmla="*/ 1758778 w 1894703"/>
+              <a:gd name="connsiteY25" fmla="*/ 94735 h 304800"/>
+              <a:gd name="connsiteX26" fmla="*/ 1791730 w 1894703"/>
+              <a:gd name="connsiteY26" fmla="*/ 65903 h 304800"/>
+              <a:gd name="connsiteX27" fmla="*/ 1795849 w 1894703"/>
+              <a:gd name="connsiteY27" fmla="*/ 53546 h 304800"/>
+              <a:gd name="connsiteX28" fmla="*/ 1812324 w 1894703"/>
+              <a:gd name="connsiteY28" fmla="*/ 49427 h 304800"/>
+              <a:gd name="connsiteX29" fmla="*/ 1837038 w 1894703"/>
+              <a:gd name="connsiteY29" fmla="*/ 37070 h 304800"/>
+              <a:gd name="connsiteX30" fmla="*/ 1849394 w 1894703"/>
+              <a:gd name="connsiteY30" fmla="*/ 20595 h 304800"/>
+              <a:gd name="connsiteX31" fmla="*/ 1861751 w 1894703"/>
+              <a:gd name="connsiteY31" fmla="*/ 16476 h 304800"/>
+              <a:gd name="connsiteX32" fmla="*/ 1874108 w 1894703"/>
+              <a:gd name="connsiteY32" fmla="*/ 8238 h 304800"/>
+              <a:gd name="connsiteX33" fmla="*/ 1894703 w 1894703"/>
+              <a:gd name="connsiteY33" fmla="*/ 0 h 304800"/>
+            </a:gdLst>
+            <a:ahLst/>
+            <a:cxnLst>
+              <a:cxn ang="0">
+                <a:pos x="connsiteX0" y="connsiteY0"/>
+              </a:cxn>
+              <a:cxn ang="0">
+                <a:pos x="connsiteX1" y="connsiteY1"/>
+              </a:cxn>
+              <a:cxn ang="0">
+                <a:pos x="connsiteX2" y="connsiteY2"/>
+              </a:cxn>
+              <a:cxn ang="0">
+                <a:pos x="connsiteX3" y="connsiteY3"/>
+              </a:cxn>
+              <a:cxn ang="0">
+                <a:pos x="connsiteX4" y="connsiteY4"/>
+              </a:cxn>
+              <a:cxn ang="0">
+                <a:pos x="connsiteX5" y="connsiteY5"/>
+              </a:cxn>
+              <a:cxn ang="0">
+                <a:pos x="connsiteX6" y="connsiteY6"/>
+              </a:cxn>
+              <a:cxn ang="0">
+                <a:pos x="connsiteX7" y="connsiteY7"/>
+              </a:cxn>
+              <a:cxn ang="0">
+                <a:pos x="connsiteX8" y="connsiteY8"/>
+              </a:cxn>
+              <a:cxn ang="0">
+                <a:pos x="connsiteX9" y="connsiteY9"/>
+              </a:cxn>
+              <a:cxn ang="0">
+                <a:pos x="connsiteX10" y="connsiteY10"/>
+              </a:cxn>
+              <a:cxn ang="0">
+                <a:pos x="connsiteX11" y="connsiteY11"/>
+              </a:cxn>
+              <a:cxn ang="0">
+                <a:pos x="connsiteX12" y="connsiteY12"/>
+              </a:cxn>
+              <a:cxn ang="0">
+                <a:pos x="connsiteX13" y="connsiteY13"/>
+              </a:cxn>
+              <a:cxn ang="0">
+                <a:pos x="connsiteX14" y="connsiteY14"/>
+              </a:cxn>
+              <a:cxn ang="0">
+                <a:pos x="connsiteX15" y="connsiteY15"/>
+              </a:cxn>
+              <a:cxn ang="0">
+                <a:pos x="connsiteX16" y="connsiteY16"/>
+              </a:cxn>
+              <a:cxn ang="0">
+                <a:pos x="connsiteX17" y="connsiteY17"/>
+              </a:cxn>
+              <a:cxn ang="0">
+                <a:pos x="connsiteX18" y="connsiteY18"/>
+              </a:cxn>
+              <a:cxn ang="0">
+                <a:pos x="connsiteX19" y="connsiteY19"/>
+              </a:cxn>
+              <a:cxn ang="0">
+                <a:pos x="connsiteX20" y="connsiteY20"/>
+              </a:cxn>
+              <a:cxn ang="0">
+                <a:pos x="connsiteX21" y="connsiteY21"/>
+              </a:cxn>
+              <a:cxn ang="0">
+                <a:pos x="connsiteX22" y="connsiteY22"/>
+              </a:cxn>
+              <a:cxn ang="0">
+                <a:pos x="connsiteX23" y="connsiteY23"/>
+              </a:cxn>
+              <a:cxn ang="0">
+                <a:pos x="connsiteX24" y="connsiteY24"/>
+              </a:cxn>
+              <a:cxn ang="0">
+                <a:pos x="connsiteX25" y="connsiteY25"/>
+              </a:cxn>
+              <a:cxn ang="0">
+                <a:pos x="connsiteX26" y="connsiteY26"/>
+              </a:cxn>
+              <a:cxn ang="0">
+                <a:pos x="connsiteX27" y="connsiteY27"/>
+              </a:cxn>
+              <a:cxn ang="0">
+                <a:pos x="connsiteX28" y="connsiteY28"/>
+              </a:cxn>
+              <a:cxn ang="0">
+                <a:pos x="connsiteX29" y="connsiteY29"/>
+              </a:cxn>
+              <a:cxn ang="0">
+                <a:pos x="connsiteX30" y="connsiteY30"/>
+              </a:cxn>
+              <a:cxn ang="0">
+                <a:pos x="connsiteX31" y="connsiteY31"/>
+              </a:cxn>
+              <a:cxn ang="0">
+                <a:pos x="connsiteX32" y="connsiteY32"/>
+              </a:cxn>
+              <a:cxn ang="0">
+                <a:pos x="connsiteX33" y="connsiteY33"/>
+              </a:cxn>
+            </a:cxnLst>
+            <a:rect l="l" t="t" r="r" b="b"/>
+            <a:pathLst>
+              <a:path w="1894703" h="304800">
+                <a:moveTo>
+                  <a:pt x="0" y="234778"/>
+                </a:moveTo>
+                <a:cubicBezTo>
+                  <a:pt x="6865" y="237524"/>
+                  <a:pt x="14131" y="239425"/>
+                  <a:pt x="20594" y="243016"/>
+                </a:cubicBezTo>
+                <a:cubicBezTo>
+                  <a:pt x="26595" y="246350"/>
+                  <a:pt x="31248" y="251735"/>
+                  <a:pt x="37070" y="255373"/>
+                </a:cubicBezTo>
+                <a:cubicBezTo>
+                  <a:pt x="42277" y="258627"/>
+                  <a:pt x="48054" y="260865"/>
+                  <a:pt x="53546" y="263611"/>
+                </a:cubicBezTo>
+                <a:cubicBezTo>
+                  <a:pt x="56292" y="267730"/>
+                  <a:pt x="57586" y="273343"/>
+                  <a:pt x="61784" y="275967"/>
+                </a:cubicBezTo>
+                <a:cubicBezTo>
+                  <a:pt x="61785" y="275968"/>
+                  <a:pt x="111210" y="292443"/>
+                  <a:pt x="111211" y="292443"/>
+                </a:cubicBezTo>
+                <a:lnTo>
+                  <a:pt x="214184" y="304800"/>
+                </a:lnTo>
+                <a:lnTo>
+                  <a:pt x="374822" y="300681"/>
+                </a:lnTo>
+                <a:lnTo>
+                  <a:pt x="757881" y="292443"/>
+                </a:lnTo>
+                <a:cubicBezTo>
+                  <a:pt x="862727" y="266231"/>
+                  <a:pt x="772026" y="285121"/>
+                  <a:pt x="959708" y="275967"/>
+                </a:cubicBezTo>
+                <a:cubicBezTo>
+                  <a:pt x="965362" y="275691"/>
+                  <a:pt x="970633" y="272959"/>
+                  <a:pt x="976184" y="271849"/>
+                </a:cubicBezTo>
+                <a:cubicBezTo>
+                  <a:pt x="984373" y="270211"/>
+                  <a:pt x="992570" y="268371"/>
+                  <a:pt x="1000897" y="267730"/>
+                </a:cubicBezTo>
+                <a:cubicBezTo>
+                  <a:pt x="1028310" y="265621"/>
+                  <a:pt x="1055816" y="264984"/>
+                  <a:pt x="1083276" y="263611"/>
+                </a:cubicBezTo>
+                <a:cubicBezTo>
+                  <a:pt x="1092887" y="260865"/>
+                  <a:pt x="1102289" y="257243"/>
+                  <a:pt x="1112108" y="255373"/>
+                </a:cubicBezTo>
+                <a:cubicBezTo>
+                  <a:pt x="1177210" y="242972"/>
+                  <a:pt x="1243897" y="241893"/>
+                  <a:pt x="1309816" y="238897"/>
+                </a:cubicBezTo>
+                <a:cubicBezTo>
+                  <a:pt x="1320800" y="236151"/>
+                  <a:pt x="1331946" y="233988"/>
+                  <a:pt x="1342767" y="230659"/>
+                </a:cubicBezTo>
+                <a:cubicBezTo>
+                  <a:pt x="1349834" y="228485"/>
+                  <a:pt x="1356399" y="224909"/>
+                  <a:pt x="1363362" y="222422"/>
+                </a:cubicBezTo>
+                <a:cubicBezTo>
+                  <a:pt x="1375628" y="218041"/>
+                  <a:pt x="1387936" y="213740"/>
+                  <a:pt x="1400432" y="210065"/>
+                </a:cubicBezTo>
+                <a:cubicBezTo>
+                  <a:pt x="1411294" y="206870"/>
+                  <a:pt x="1422643" y="205407"/>
+                  <a:pt x="1433384" y="201827"/>
+                </a:cubicBezTo>
+                <a:cubicBezTo>
+                  <a:pt x="1443304" y="198520"/>
+                  <a:pt x="1452369" y="192987"/>
+                  <a:pt x="1462216" y="189470"/>
+                </a:cubicBezTo>
+                <a:cubicBezTo>
+                  <a:pt x="1498937" y="176355"/>
+                  <a:pt x="1486715" y="185172"/>
+                  <a:pt x="1528119" y="172995"/>
+                </a:cubicBezTo>
+                <a:cubicBezTo>
+                  <a:pt x="1593107" y="153881"/>
+                  <a:pt x="1526910" y="164054"/>
+                  <a:pt x="1602259" y="156519"/>
+                </a:cubicBezTo>
+                <a:cubicBezTo>
+                  <a:pt x="1617362" y="152400"/>
+                  <a:pt x="1632549" y="148579"/>
+                  <a:pt x="1647567" y="144162"/>
+                </a:cubicBezTo>
+                <a:cubicBezTo>
+                  <a:pt x="1691986" y="131098"/>
+                  <a:pt x="1653234" y="139733"/>
+                  <a:pt x="1692876" y="131805"/>
+                </a:cubicBezTo>
+                <a:cubicBezTo>
+                  <a:pt x="1705289" y="123529"/>
+                  <a:pt x="1707071" y="121603"/>
+                  <a:pt x="1721708" y="115330"/>
+                </a:cubicBezTo>
+                <a:cubicBezTo>
+                  <a:pt x="1736594" y="108951"/>
+                  <a:pt x="1746104" y="111634"/>
+                  <a:pt x="1758778" y="94735"/>
+                </a:cubicBezTo>
+                <a:cubicBezTo>
+                  <a:pt x="1775938" y="71854"/>
+                  <a:pt x="1765248" y="81791"/>
+                  <a:pt x="1791730" y="65903"/>
+                </a:cubicBezTo>
+                <a:cubicBezTo>
+                  <a:pt x="1793103" y="61784"/>
+                  <a:pt x="1792459" y="56258"/>
+                  <a:pt x="1795849" y="53546"/>
+                </a:cubicBezTo>
+                <a:cubicBezTo>
+                  <a:pt x="1800269" y="50010"/>
+                  <a:pt x="1806881" y="50982"/>
+                  <a:pt x="1812324" y="49427"/>
+                </a:cubicBezTo>
+                <a:cubicBezTo>
+                  <a:pt x="1827246" y="45163"/>
+                  <a:pt x="1823498" y="46096"/>
+                  <a:pt x="1837038" y="37070"/>
+                </a:cubicBezTo>
+                <a:cubicBezTo>
+                  <a:pt x="1841157" y="31578"/>
+                  <a:pt x="1844121" y="24990"/>
+                  <a:pt x="1849394" y="20595"/>
+                </a:cubicBezTo>
+                <a:cubicBezTo>
+                  <a:pt x="1852729" y="17815"/>
+                  <a:pt x="1857868" y="18418"/>
+                  <a:pt x="1861751" y="16476"/>
+                </a:cubicBezTo>
+                <a:cubicBezTo>
+                  <a:pt x="1866179" y="14262"/>
+                  <a:pt x="1869680" y="10452"/>
+                  <a:pt x="1874108" y="8238"/>
+                </a:cubicBezTo>
+                <a:cubicBezTo>
+                  <a:pt x="1880721" y="4931"/>
+                  <a:pt x="1894703" y="0"/>
+                  <a:pt x="1894703" y="0"/>
+                </a:cubicBezTo>
+              </a:path>
+            </a:pathLst>
+          </a:custGeom>
+          <a:noFill/>
+          <a:ln w="38100">
+            <a:solidFill>
+              <a:srgbClr val="C00000"/>
+            </a:solidFill>
+          </a:ln>
+        </p:spPr>
+        <p:style>
+          <a:lnRef idx="2">
+            <a:schemeClr val="accent1">
+              <a:shade val="50000"/>
+            </a:schemeClr>
+          </a:lnRef>
+          <a:fillRef idx="1">
+            <a:schemeClr val="accent1"/>
+          </a:fillRef>
+          <a:effectRef idx="0">
+            <a:schemeClr val="accent1"/>
+          </a:effectRef>
+          <a:fontRef idx="minor">
+            <a:schemeClr val="lt1"/>
+          </a:fontRef>
+        </p:style>
+        <p:txBody>
+          <a:bodyPr rtlCol="1" anchor="ctr"/>
+          <a:lstStyle/>
+          <a:p>
+            <a:pPr algn="ctr"/>
+            <a:endParaRPr lang="he-IL"/>
+          </a:p>
+        </p:txBody>
+      </p:sp>
+      <p:cxnSp>
+        <p:nvCxnSpPr>
+          <p:cNvPr id="131" name="Straight Connector 130">
+            <a:extLst>
+              <a:ext uri="{FF2B5EF4-FFF2-40B4-BE49-F238E27FC236}">
+                <a16:creationId xmlns:a16="http://schemas.microsoft.com/office/drawing/2014/main" id="{BA7EDB2E-05E1-ABB4-DC30-6836A15DFC5F}"/>
+              </a:ext>
+            </a:extLst>
+          </p:cNvPr>
+          <p:cNvCxnSpPr>
+            <a:cxnSpLocks/>
+          </p:cNvCxnSpPr>
+          <p:nvPr/>
+        </p:nvCxnSpPr>
+        <p:spPr>
+          <a:xfrm flipH="1">
+            <a:off x="9472993" y="5511324"/>
+            <a:ext cx="1927538" cy="407"/>
+          </a:xfrm>
+          <a:prstGeom prst="line">
+            <a:avLst/>
+          </a:prstGeom>
+          <a:ln w="38100">
+            <a:solidFill>
+              <a:schemeClr val="bg1">
+                <a:lumMod val="75000"/>
+              </a:schemeClr>
+            </a:solidFill>
+            <a:prstDash val="sysDash"/>
+          </a:ln>
+        </p:spPr>
+        <p:style>
+          <a:lnRef idx="1">
+            <a:schemeClr val="accent1"/>
+          </a:lnRef>
+          <a:fillRef idx="0">
+            <a:schemeClr val="accent1"/>
+          </a:fillRef>
+          <a:effectRef idx="0">
+            <a:schemeClr val="accent1"/>
+          </a:effectRef>
+          <a:fontRef idx="minor">
+            <a:schemeClr val="tx1"/>
+          </a:fontRef>
+        </p:style>
+      </p:cxnSp>
+      <p:sp>
+        <p:nvSpPr>
+          <p:cNvPr id="132" name="TextBox 131">
+            <a:extLst>
+              <a:ext uri="{FF2B5EF4-FFF2-40B4-BE49-F238E27FC236}">
+                <a16:creationId xmlns:a16="http://schemas.microsoft.com/office/drawing/2014/main" id="{7D7364E5-1AC4-04BF-AEEF-DAF154FA426F}"/>
+              </a:ext>
+            </a:extLst>
+          </p:cNvPr>
+          <p:cNvSpPr txBox="1"/>
+          <p:nvPr/>
+        </p:nvSpPr>
+        <p:spPr>
+          <a:xfrm>
+            <a:off x="8913821" y="5357207"/>
+            <a:ext cx="613108" cy="276999"/>
+          </a:xfrm>
+          <a:prstGeom prst="rect">
+            <a:avLst/>
+          </a:prstGeom>
+          <a:noFill/>
+        </p:spPr>
+        <p:txBody>
+          <a:bodyPr wrap="square" rtlCol="1">
+            <a:spAutoFit/>
+          </a:bodyPr>
+          <a:lstStyle/>
+          <a:p>
+            <a:r>
+              <a:rPr lang="en-US" sz="1200" dirty="0" err="1">
+                <a:solidFill>
+                  <a:srgbClr val="BFBFBF"/>
+                </a:solidFill>
+              </a:rPr>
+              <a:t>h_line</a:t>
+            </a:r>
+            <a:endParaRPr lang="he-IL" sz="1200" dirty="0">
+              <a:solidFill>
+                <a:srgbClr val="BFBFBF"/>
+              </a:solidFill>
+            </a:endParaRPr>
+          </a:p>
+        </p:txBody>
+      </p:sp>
+      <p:sp>
+        <p:nvSpPr>
+          <p:cNvPr id="133" name="TextBox 132">
+            <a:extLst>
+              <a:ext uri="{FF2B5EF4-FFF2-40B4-BE49-F238E27FC236}">
+                <a16:creationId xmlns:a16="http://schemas.microsoft.com/office/drawing/2014/main" id="{91211025-EDFB-0AA6-BF4E-137C935AA315}"/>
+              </a:ext>
+            </a:extLst>
+          </p:cNvPr>
+          <p:cNvSpPr txBox="1"/>
+          <p:nvPr/>
+        </p:nvSpPr>
+        <p:spPr>
+          <a:xfrm>
+            <a:off x="10725788" y="4664678"/>
+            <a:ext cx="727643" cy="276999"/>
+          </a:xfrm>
+          <a:prstGeom prst="rect">
+            <a:avLst/>
+          </a:prstGeom>
+          <a:noFill/>
+        </p:spPr>
+        <p:txBody>
+          <a:bodyPr wrap="square" rtlCol="1">
+            <a:spAutoFit/>
+          </a:bodyPr>
+          <a:lstStyle/>
+          <a:p>
+            <a:r>
+              <a:rPr lang="en-US" sz="1200" dirty="0">
+                <a:solidFill>
+                  <a:srgbClr val="C00000"/>
+                </a:solidFill>
+              </a:rPr>
+              <a:t>Curve 1</a:t>
+            </a:r>
+            <a:endParaRPr lang="he-IL" sz="1200" dirty="0">
+              <a:solidFill>
+                <a:srgbClr val="C00000"/>
+              </a:solidFill>
+            </a:endParaRPr>
+          </a:p>
+        </p:txBody>
+      </p:sp>
+      <p:sp>
+        <p:nvSpPr>
+          <p:cNvPr id="134" name="TextBox 133">
+            <a:extLst>
+              <a:ext uri="{FF2B5EF4-FFF2-40B4-BE49-F238E27FC236}">
+                <a16:creationId xmlns:a16="http://schemas.microsoft.com/office/drawing/2014/main" id="{C4115E46-AA8E-3E30-B467-2D05C869D4F0}"/>
+              </a:ext>
+            </a:extLst>
+          </p:cNvPr>
+          <p:cNvSpPr txBox="1"/>
+          <p:nvPr/>
+        </p:nvSpPr>
+        <p:spPr>
+          <a:xfrm>
+            <a:off x="9675202" y="4550757"/>
+            <a:ext cx="727643" cy="276999"/>
+          </a:xfrm>
+          <a:prstGeom prst="rect">
+            <a:avLst/>
+          </a:prstGeom>
+          <a:noFill/>
+        </p:spPr>
+        <p:txBody>
+          <a:bodyPr wrap="square" rtlCol="1">
+            <a:spAutoFit/>
+          </a:bodyPr>
+          <a:lstStyle/>
+          <a:p>
+            <a:r>
+              <a:rPr lang="en-US" sz="1200" dirty="0">
+                <a:solidFill>
+                  <a:srgbClr val="2F528F"/>
+                </a:solidFill>
+              </a:rPr>
+              <a:t>Curve 2</a:t>
+            </a:r>
+            <a:endParaRPr lang="he-IL" sz="1200" dirty="0">
+              <a:solidFill>
+                <a:srgbClr val="2F528F"/>
+              </a:solidFill>
+            </a:endParaRPr>
+          </a:p>
+        </p:txBody>
+      </p:sp>
+      <p:sp>
+        <p:nvSpPr>
+          <p:cNvPr id="135" name="Freeform: Shape 134">
+            <a:extLst>
+              <a:ext uri="{FF2B5EF4-FFF2-40B4-BE49-F238E27FC236}">
+                <a16:creationId xmlns:a16="http://schemas.microsoft.com/office/drawing/2014/main" id="{CF67B10A-BB36-8439-1A60-40861086B1A2}"/>
+              </a:ext>
+            </a:extLst>
+          </p:cNvPr>
+          <p:cNvSpPr/>
+          <p:nvPr/>
+        </p:nvSpPr>
+        <p:spPr>
+          <a:xfrm>
+            <a:off x="9835360" y="4810897"/>
+            <a:ext cx="1540458" cy="691979"/>
+          </a:xfrm>
+          <a:custGeom>
+            <a:avLst/>
+            <a:gdLst>
+              <a:gd name="connsiteX0" fmla="*/ 0 w 1882346"/>
+              <a:gd name="connsiteY0" fmla="*/ 292444 h 691979"/>
+              <a:gd name="connsiteX1" fmla="*/ 41189 w 1882346"/>
+              <a:gd name="connsiteY1" fmla="*/ 255373 h 691979"/>
+              <a:gd name="connsiteX2" fmla="*/ 65902 w 1882346"/>
+              <a:gd name="connsiteY2" fmla="*/ 234779 h 691979"/>
+              <a:gd name="connsiteX3" fmla="*/ 78259 w 1882346"/>
+              <a:gd name="connsiteY3" fmla="*/ 222422 h 691979"/>
+              <a:gd name="connsiteX4" fmla="*/ 115329 w 1882346"/>
+              <a:gd name="connsiteY4" fmla="*/ 193589 h 691979"/>
+              <a:gd name="connsiteX5" fmla="*/ 131805 w 1882346"/>
+              <a:gd name="connsiteY5" fmla="*/ 177114 h 691979"/>
+              <a:gd name="connsiteX6" fmla="*/ 160637 w 1882346"/>
+              <a:gd name="connsiteY6" fmla="*/ 152400 h 691979"/>
+              <a:gd name="connsiteX7" fmla="*/ 172994 w 1882346"/>
+              <a:gd name="connsiteY7" fmla="*/ 135925 h 691979"/>
+              <a:gd name="connsiteX8" fmla="*/ 201827 w 1882346"/>
+              <a:gd name="connsiteY8" fmla="*/ 107092 h 691979"/>
+              <a:gd name="connsiteX9" fmla="*/ 214183 w 1882346"/>
+              <a:gd name="connsiteY9" fmla="*/ 90617 h 691979"/>
+              <a:gd name="connsiteX10" fmla="*/ 243016 w 1882346"/>
+              <a:gd name="connsiteY10" fmla="*/ 78260 h 691979"/>
+              <a:gd name="connsiteX11" fmla="*/ 259492 w 1882346"/>
+              <a:gd name="connsiteY11" fmla="*/ 65903 h 691979"/>
+              <a:gd name="connsiteX12" fmla="*/ 288324 w 1882346"/>
+              <a:gd name="connsiteY12" fmla="*/ 53546 h 691979"/>
+              <a:gd name="connsiteX13" fmla="*/ 403654 w 1882346"/>
+              <a:gd name="connsiteY13" fmla="*/ 16476 h 691979"/>
+              <a:gd name="connsiteX14" fmla="*/ 457200 w 1882346"/>
+              <a:gd name="connsiteY14" fmla="*/ 0 h 691979"/>
+              <a:gd name="connsiteX15" fmla="*/ 593124 w 1882346"/>
+              <a:gd name="connsiteY15" fmla="*/ 4119 h 691979"/>
+              <a:gd name="connsiteX16" fmla="*/ 671383 w 1882346"/>
+              <a:gd name="connsiteY16" fmla="*/ 12357 h 691979"/>
+              <a:gd name="connsiteX17" fmla="*/ 687859 w 1882346"/>
+              <a:gd name="connsiteY17" fmla="*/ 16476 h 691979"/>
+              <a:gd name="connsiteX18" fmla="*/ 770237 w 1882346"/>
+              <a:gd name="connsiteY18" fmla="*/ 32952 h 691979"/>
+              <a:gd name="connsiteX19" fmla="*/ 799070 w 1882346"/>
+              <a:gd name="connsiteY19" fmla="*/ 45308 h 691979"/>
+              <a:gd name="connsiteX20" fmla="*/ 823783 w 1882346"/>
+              <a:gd name="connsiteY20" fmla="*/ 53546 h 691979"/>
+              <a:gd name="connsiteX21" fmla="*/ 844378 w 1882346"/>
+              <a:gd name="connsiteY21" fmla="*/ 70022 h 691979"/>
+              <a:gd name="connsiteX22" fmla="*/ 897924 w 1882346"/>
+              <a:gd name="connsiteY22" fmla="*/ 102973 h 691979"/>
+              <a:gd name="connsiteX23" fmla="*/ 1042086 w 1882346"/>
+              <a:gd name="connsiteY23" fmla="*/ 168876 h 691979"/>
+              <a:gd name="connsiteX24" fmla="*/ 1112108 w 1882346"/>
+              <a:gd name="connsiteY24" fmla="*/ 214184 h 691979"/>
+              <a:gd name="connsiteX25" fmla="*/ 1145059 w 1882346"/>
+              <a:gd name="connsiteY25" fmla="*/ 234779 h 691979"/>
+              <a:gd name="connsiteX26" fmla="*/ 1334529 w 1882346"/>
+              <a:gd name="connsiteY26" fmla="*/ 321276 h 691979"/>
+              <a:gd name="connsiteX27" fmla="*/ 1367481 w 1882346"/>
+              <a:gd name="connsiteY27" fmla="*/ 341871 h 691979"/>
+              <a:gd name="connsiteX28" fmla="*/ 1400432 w 1882346"/>
+              <a:gd name="connsiteY28" fmla="*/ 362465 h 691979"/>
+              <a:gd name="connsiteX29" fmla="*/ 1408670 w 1882346"/>
+              <a:gd name="connsiteY29" fmla="*/ 378941 h 691979"/>
+              <a:gd name="connsiteX30" fmla="*/ 1425146 w 1882346"/>
+              <a:gd name="connsiteY30" fmla="*/ 395417 h 691979"/>
+              <a:gd name="connsiteX31" fmla="*/ 1466335 w 1882346"/>
+              <a:gd name="connsiteY31" fmla="*/ 424249 h 691979"/>
+              <a:gd name="connsiteX32" fmla="*/ 1507524 w 1882346"/>
+              <a:gd name="connsiteY32" fmla="*/ 461319 h 691979"/>
+              <a:gd name="connsiteX33" fmla="*/ 1548713 w 1882346"/>
+              <a:gd name="connsiteY33" fmla="*/ 498389 h 691979"/>
+              <a:gd name="connsiteX34" fmla="*/ 1577546 w 1882346"/>
+              <a:gd name="connsiteY34" fmla="*/ 518984 h 691979"/>
+              <a:gd name="connsiteX35" fmla="*/ 1585783 w 1882346"/>
+              <a:gd name="connsiteY35" fmla="*/ 531341 h 691979"/>
+              <a:gd name="connsiteX36" fmla="*/ 1639329 w 1882346"/>
+              <a:gd name="connsiteY36" fmla="*/ 568411 h 691979"/>
+              <a:gd name="connsiteX37" fmla="*/ 1672281 w 1882346"/>
+              <a:gd name="connsiteY37" fmla="*/ 584887 h 691979"/>
+              <a:gd name="connsiteX38" fmla="*/ 1684637 w 1882346"/>
+              <a:gd name="connsiteY38" fmla="*/ 589006 h 691979"/>
+              <a:gd name="connsiteX39" fmla="*/ 1734065 w 1882346"/>
+              <a:gd name="connsiteY39" fmla="*/ 601362 h 691979"/>
+              <a:gd name="connsiteX40" fmla="*/ 1787610 w 1882346"/>
+              <a:gd name="connsiteY40" fmla="*/ 621957 h 691979"/>
+              <a:gd name="connsiteX41" fmla="*/ 1812324 w 1882346"/>
+              <a:gd name="connsiteY41" fmla="*/ 630195 h 691979"/>
+              <a:gd name="connsiteX42" fmla="*/ 1828800 w 1882346"/>
+              <a:gd name="connsiteY42" fmla="*/ 646671 h 691979"/>
+              <a:gd name="connsiteX43" fmla="*/ 1857632 w 1882346"/>
+              <a:gd name="connsiteY43" fmla="*/ 675503 h 691979"/>
+              <a:gd name="connsiteX44" fmla="*/ 1882346 w 1882346"/>
+              <a:gd name="connsiteY44" fmla="*/ 691979 h 691979"/>
+            </a:gdLst>
+            <a:ahLst/>
+            <a:cxnLst>
+              <a:cxn ang="0">
+                <a:pos x="connsiteX0" y="connsiteY0"/>
+              </a:cxn>
+              <a:cxn ang="0">
+                <a:pos x="connsiteX1" y="connsiteY1"/>
+              </a:cxn>
+              <a:cxn ang="0">
+                <a:pos x="connsiteX2" y="connsiteY2"/>
+              </a:cxn>
+              <a:cxn ang="0">
+                <a:pos x="connsiteX3" y="connsiteY3"/>
+              </a:cxn>
+              <a:cxn ang="0">
+                <a:pos x="connsiteX4" y="connsiteY4"/>
+              </a:cxn>
+              <a:cxn ang="0">
+                <a:pos x="connsiteX5" y="connsiteY5"/>
+              </a:cxn>
+              <a:cxn ang="0">
+                <a:pos x="connsiteX6" y="connsiteY6"/>
+              </a:cxn>
+              <a:cxn ang="0">
+                <a:pos x="connsiteX7" y="connsiteY7"/>
+              </a:cxn>
+              <a:cxn ang="0">
+                <a:pos x="connsiteX8" y="connsiteY8"/>
+              </a:cxn>
+              <a:cxn ang="0">
+                <a:pos x="connsiteX9" y="connsiteY9"/>
+              </a:cxn>
+              <a:cxn ang="0">
+                <a:pos x="connsiteX10" y="connsiteY10"/>
+              </a:cxn>
+              <a:cxn ang="0">
+                <a:pos x="connsiteX11" y="connsiteY11"/>
+              </a:cxn>
+              <a:cxn ang="0">
+                <a:pos x="connsiteX12" y="connsiteY12"/>
+              </a:cxn>
+              <a:cxn ang="0">
+                <a:pos x="connsiteX13" y="connsiteY13"/>
+              </a:cxn>
+              <a:cxn ang="0">
+                <a:pos x="connsiteX14" y="connsiteY14"/>
+              </a:cxn>
+              <a:cxn ang="0">
+                <a:pos x="connsiteX15" y="connsiteY15"/>
+              </a:cxn>
+              <a:cxn ang="0">
+                <a:pos x="connsiteX16" y="connsiteY16"/>
+              </a:cxn>
+              <a:cxn ang="0">
+                <a:pos x="connsiteX17" y="connsiteY17"/>
+              </a:cxn>
+              <a:cxn ang="0">
+                <a:pos x="connsiteX18" y="connsiteY18"/>
+              </a:cxn>
+              <a:cxn ang="0">
+                <a:pos x="connsiteX19" y="connsiteY19"/>
+              </a:cxn>
+              <a:cxn ang="0">
+                <a:pos x="connsiteX20" y="connsiteY20"/>
+              </a:cxn>
+              <a:cxn ang="0">
+                <a:pos x="connsiteX21" y="connsiteY21"/>
+              </a:cxn>
+              <a:cxn ang="0">
+                <a:pos x="connsiteX22" y="connsiteY22"/>
+              </a:cxn>
+              <a:cxn ang="0">
+                <a:pos x="connsiteX23" y="connsiteY23"/>
+              </a:cxn>
+              <a:cxn ang="0">
+                <a:pos x="connsiteX24" y="connsiteY24"/>
+              </a:cxn>
+              <a:cxn ang="0">
+                <a:pos x="connsiteX25" y="connsiteY25"/>
+              </a:cxn>
+              <a:cxn ang="0">
+                <a:pos x="connsiteX26" y="connsiteY26"/>
+              </a:cxn>
+              <a:cxn ang="0">
+                <a:pos x="connsiteX27" y="connsiteY27"/>
+              </a:cxn>
+              <a:cxn ang="0">
+                <a:pos x="connsiteX28" y="connsiteY28"/>
+              </a:cxn>
+              <a:cxn ang="0">
+                <a:pos x="connsiteX29" y="connsiteY29"/>
+              </a:cxn>
+              <a:cxn ang="0">
+                <a:pos x="connsiteX30" y="connsiteY30"/>
+              </a:cxn>
+              <a:cxn ang="0">
+                <a:pos x="connsiteX31" y="connsiteY31"/>
+              </a:cxn>
+              <a:cxn ang="0">
+                <a:pos x="connsiteX32" y="connsiteY32"/>
+              </a:cxn>
+              <a:cxn ang="0">
+                <a:pos x="connsiteX33" y="connsiteY33"/>
+              </a:cxn>
+              <a:cxn ang="0">
+                <a:pos x="connsiteX34" y="connsiteY34"/>
+              </a:cxn>
+              <a:cxn ang="0">
+                <a:pos x="connsiteX35" y="connsiteY35"/>
+              </a:cxn>
+              <a:cxn ang="0">
+                <a:pos x="connsiteX36" y="connsiteY36"/>
+              </a:cxn>
+              <a:cxn ang="0">
+                <a:pos x="connsiteX37" y="connsiteY37"/>
+              </a:cxn>
+              <a:cxn ang="0">
+                <a:pos x="connsiteX38" y="connsiteY38"/>
+              </a:cxn>
+              <a:cxn ang="0">
+                <a:pos x="connsiteX39" y="connsiteY39"/>
+              </a:cxn>
+              <a:cxn ang="0">
+                <a:pos x="connsiteX40" y="connsiteY40"/>
+              </a:cxn>
+              <a:cxn ang="0">
+                <a:pos x="connsiteX41" y="connsiteY41"/>
+              </a:cxn>
+              <a:cxn ang="0">
+                <a:pos x="connsiteX42" y="connsiteY42"/>
+              </a:cxn>
+              <a:cxn ang="0">
+                <a:pos x="connsiteX43" y="connsiteY43"/>
+              </a:cxn>
+              <a:cxn ang="0">
+                <a:pos x="connsiteX44" y="connsiteY44"/>
+              </a:cxn>
+            </a:cxnLst>
+            <a:rect l="l" t="t" r="r" b="b"/>
+            <a:pathLst>
+              <a:path w="1882346" h="691979">
+                <a:moveTo>
+                  <a:pt x="0" y="292444"/>
+                </a:moveTo>
+                <a:cubicBezTo>
+                  <a:pt x="39391" y="268809"/>
+                  <a:pt x="2608" y="293954"/>
+                  <a:pt x="41189" y="255373"/>
+                </a:cubicBezTo>
+                <a:cubicBezTo>
+                  <a:pt x="48771" y="247791"/>
+                  <a:pt x="57888" y="241903"/>
+                  <a:pt x="65902" y="234779"/>
+                </a:cubicBezTo>
+                <a:cubicBezTo>
+                  <a:pt x="70256" y="230909"/>
+                  <a:pt x="73784" y="226151"/>
+                  <a:pt x="78259" y="222422"/>
+                </a:cubicBezTo>
+                <a:cubicBezTo>
+                  <a:pt x="90285" y="212400"/>
+                  <a:pt x="104259" y="204658"/>
+                  <a:pt x="115329" y="193589"/>
+                </a:cubicBezTo>
+                <a:cubicBezTo>
+                  <a:pt x="120821" y="188097"/>
+                  <a:pt x="125908" y="182168"/>
+                  <a:pt x="131805" y="177114"/>
+                </a:cubicBezTo>
+                <a:cubicBezTo>
+                  <a:pt x="156804" y="155687"/>
+                  <a:pt x="130967" y="186309"/>
+                  <a:pt x="160637" y="152400"/>
+                </a:cubicBezTo>
+                <a:cubicBezTo>
+                  <a:pt x="165157" y="147234"/>
+                  <a:pt x="168376" y="141004"/>
+                  <a:pt x="172994" y="135925"/>
+                </a:cubicBezTo>
+                <a:cubicBezTo>
+                  <a:pt x="182137" y="125868"/>
+                  <a:pt x="192684" y="117149"/>
+                  <a:pt x="201827" y="107092"/>
+                </a:cubicBezTo>
+                <a:cubicBezTo>
+                  <a:pt x="206445" y="102013"/>
+                  <a:pt x="208559" y="94554"/>
+                  <a:pt x="214183" y="90617"/>
+                </a:cubicBezTo>
+                <a:cubicBezTo>
+                  <a:pt x="222749" y="84621"/>
+                  <a:pt x="233836" y="83267"/>
+                  <a:pt x="243016" y="78260"/>
+                </a:cubicBezTo>
+                <a:cubicBezTo>
+                  <a:pt x="249043" y="74973"/>
+                  <a:pt x="253465" y="69190"/>
+                  <a:pt x="259492" y="65903"/>
+                </a:cubicBezTo>
+                <a:cubicBezTo>
+                  <a:pt x="268671" y="60896"/>
+                  <a:pt x="278579" y="57336"/>
+                  <a:pt x="288324" y="53546"/>
+                </a:cubicBezTo>
+                <a:cubicBezTo>
+                  <a:pt x="352700" y="28511"/>
+                  <a:pt x="323963" y="41978"/>
+                  <a:pt x="403654" y="16476"/>
+                </a:cubicBezTo>
+                <a:cubicBezTo>
+                  <a:pt x="461268" y="-1961"/>
+                  <a:pt x="414295" y="8581"/>
+                  <a:pt x="457200" y="0"/>
+                </a:cubicBezTo>
+                <a:lnTo>
+                  <a:pt x="593124" y="4119"/>
+                </a:lnTo>
+                <a:cubicBezTo>
+                  <a:pt x="613666" y="5032"/>
+                  <a:pt x="648827" y="8256"/>
+                  <a:pt x="671383" y="12357"/>
+                </a:cubicBezTo>
+                <a:cubicBezTo>
+                  <a:pt x="676953" y="13370"/>
+                  <a:pt x="682317" y="15321"/>
+                  <a:pt x="687859" y="16476"/>
+                </a:cubicBezTo>
+                <a:lnTo>
+                  <a:pt x="770237" y="32952"/>
+                </a:lnTo>
+                <a:cubicBezTo>
+                  <a:pt x="779848" y="37071"/>
+                  <a:pt x="789311" y="41554"/>
+                  <a:pt x="799070" y="45308"/>
+                </a:cubicBezTo>
+                <a:cubicBezTo>
+                  <a:pt x="807175" y="48425"/>
+                  <a:pt x="816160" y="49388"/>
+                  <a:pt x="823783" y="53546"/>
+                </a:cubicBezTo>
+                <a:cubicBezTo>
+                  <a:pt x="831501" y="57756"/>
+                  <a:pt x="837268" y="64851"/>
+                  <a:pt x="844378" y="70022"/>
+                </a:cubicBezTo>
+                <a:cubicBezTo>
+                  <a:pt x="856157" y="78588"/>
+                  <a:pt x="885254" y="97293"/>
+                  <a:pt x="897924" y="102973"/>
+                </a:cubicBezTo>
+                <a:cubicBezTo>
+                  <a:pt x="981817" y="140580"/>
+                  <a:pt x="975636" y="129006"/>
+                  <a:pt x="1042086" y="168876"/>
+                </a:cubicBezTo>
+                <a:cubicBezTo>
+                  <a:pt x="1065925" y="183179"/>
+                  <a:pt x="1088692" y="199198"/>
+                  <a:pt x="1112108" y="214184"/>
+                </a:cubicBezTo>
+                <a:cubicBezTo>
+                  <a:pt x="1123018" y="221166"/>
+                  <a:pt x="1133170" y="229638"/>
+                  <a:pt x="1145059" y="234779"/>
+                </a:cubicBezTo>
+                <a:cubicBezTo>
+                  <a:pt x="1364381" y="329620"/>
+                  <a:pt x="1235300" y="267844"/>
+                  <a:pt x="1334529" y="321276"/>
+                </a:cubicBezTo>
+                <a:cubicBezTo>
+                  <a:pt x="1376370" y="343806"/>
+                  <a:pt x="1324599" y="313283"/>
+                  <a:pt x="1367481" y="341871"/>
+                </a:cubicBezTo>
+                <a:cubicBezTo>
+                  <a:pt x="1378258" y="349056"/>
+                  <a:pt x="1400432" y="362465"/>
+                  <a:pt x="1400432" y="362465"/>
+                </a:cubicBezTo>
+                <a:cubicBezTo>
+                  <a:pt x="1403178" y="367957"/>
+                  <a:pt x="1404986" y="374029"/>
+                  <a:pt x="1408670" y="378941"/>
+                </a:cubicBezTo>
+                <a:cubicBezTo>
+                  <a:pt x="1413330" y="385154"/>
+                  <a:pt x="1419341" y="390257"/>
+                  <a:pt x="1425146" y="395417"/>
+                </a:cubicBezTo>
+                <a:cubicBezTo>
+                  <a:pt x="1443731" y="411937"/>
+                  <a:pt x="1445725" y="411883"/>
+                  <a:pt x="1466335" y="424249"/>
+                </a:cubicBezTo>
+                <a:cubicBezTo>
+                  <a:pt x="1493736" y="458502"/>
+                  <a:pt x="1470156" y="433293"/>
+                  <a:pt x="1507524" y="461319"/>
+                </a:cubicBezTo>
+                <a:cubicBezTo>
+                  <a:pt x="1550953" y="493890"/>
+                  <a:pt x="1515420" y="469259"/>
+                  <a:pt x="1548713" y="498389"/>
+                </a:cubicBezTo>
+                <a:cubicBezTo>
+                  <a:pt x="1556889" y="505543"/>
+                  <a:pt x="1568318" y="512832"/>
+                  <a:pt x="1577546" y="518984"/>
+                </a:cubicBezTo>
+                <a:cubicBezTo>
+                  <a:pt x="1580292" y="523103"/>
+                  <a:pt x="1582283" y="527841"/>
+                  <a:pt x="1585783" y="531341"/>
+                </a:cubicBezTo>
+                <a:cubicBezTo>
+                  <a:pt x="1605636" y="551195"/>
+                  <a:pt x="1614917" y="550102"/>
+                  <a:pt x="1639329" y="568411"/>
+                </a:cubicBezTo>
+                <a:cubicBezTo>
+                  <a:pt x="1662493" y="585784"/>
+                  <a:pt x="1647365" y="577768"/>
+                  <a:pt x="1672281" y="584887"/>
+                </a:cubicBezTo>
+                <a:cubicBezTo>
+                  <a:pt x="1676455" y="586080"/>
+                  <a:pt x="1680442" y="587887"/>
+                  <a:pt x="1684637" y="589006"/>
+                </a:cubicBezTo>
+                <a:cubicBezTo>
+                  <a:pt x="1701047" y="593382"/>
+                  <a:pt x="1734065" y="601362"/>
+                  <a:pt x="1734065" y="601362"/>
+                </a:cubicBezTo>
+                <a:cubicBezTo>
+                  <a:pt x="1762189" y="615425"/>
+                  <a:pt x="1744716" y="607659"/>
+                  <a:pt x="1787610" y="621957"/>
+                </a:cubicBezTo>
+                <a:lnTo>
+                  <a:pt x="1812324" y="630195"/>
+                </a:lnTo>
+                <a:cubicBezTo>
+                  <a:pt x="1821311" y="657156"/>
+                  <a:pt x="1808829" y="630694"/>
+                  <a:pt x="1828800" y="646671"/>
+                </a:cubicBezTo>
+                <a:cubicBezTo>
+                  <a:pt x="1839413" y="655162"/>
+                  <a:pt x="1846323" y="667964"/>
+                  <a:pt x="1857632" y="675503"/>
+                </a:cubicBezTo>
+                <a:lnTo>
+                  <a:pt x="1882346" y="691979"/>
+                </a:lnTo>
+              </a:path>
+            </a:pathLst>
+          </a:custGeom>
+          <a:noFill/>
+          <a:ln w="38100"/>
+        </p:spPr>
+        <p:style>
+          <a:lnRef idx="2">
+            <a:schemeClr val="accent1">
+              <a:shade val="50000"/>
+            </a:schemeClr>
+          </a:lnRef>
+          <a:fillRef idx="1">
+            <a:schemeClr val="accent1"/>
+          </a:fillRef>
+          <a:effectRef idx="0">
+            <a:schemeClr val="accent1"/>
+          </a:effectRef>
+          <a:fontRef idx="minor">
+            <a:schemeClr val="lt1"/>
+          </a:fontRef>
+        </p:style>
+        <p:txBody>
+          <a:bodyPr rtlCol="1" anchor="ctr"/>
+          <a:lstStyle/>
+          <a:p>
+            <a:pPr algn="ctr"/>
+            <a:endParaRPr lang="he-IL"/>
           </a:p>
         </p:txBody>
       </p:sp>

--- a/presentation/exp birds eye veiw.pptx
+++ b/presentation/exp birds eye veiw.pptx
@@ -8,9 +8,10 @@
     <p:sldId id="256" r:id="rId2"/>
     <p:sldId id="257" r:id="rId3"/>
     <p:sldId id="258" r:id="rId4"/>
-    <p:sldId id="259" r:id="rId5"/>
-    <p:sldId id="261" r:id="rId6"/>
-    <p:sldId id="260" r:id="rId7"/>
+    <p:sldId id="262" r:id="rId5"/>
+    <p:sldId id="259" r:id="rId6"/>
+    <p:sldId id="261" r:id="rId7"/>
+    <p:sldId id="260" r:id="rId8"/>
   </p:sldIdLst>
   <p:sldSz cx="12192000" cy="6858000"/>
   <p:notesSz cx="6858000" cy="9144000"/>
@@ -117,6 +118,7 @@
             <p14:sldId id="256"/>
             <p14:sldId id="257"/>
             <p14:sldId id="258"/>
+            <p14:sldId id="262"/>
             <p14:sldId id="259"/>
             <p14:sldId id="261"/>
             <p14:sldId id="260"/>
@@ -2662,7 +2664,7 @@
           <a:p>
             <a:fld id="{B3DC5803-524A-4535-9048-D4846558C48F}" type="datetimeFigureOut">
               <a:rPr lang="he-IL" smtClean="0"/>
-              <a:t>כ"א/אייר/תשפ"ב</a:t>
+              <a:t>ט"ו/סיון/תשפ"ב</a:t>
             </a:fld>
             <a:endParaRPr lang="he-IL"/>
           </a:p>
@@ -2862,7 +2864,7 @@
           <a:p>
             <a:fld id="{B3DC5803-524A-4535-9048-D4846558C48F}" type="datetimeFigureOut">
               <a:rPr lang="he-IL" smtClean="0"/>
-              <a:t>כ"א/אייר/תשפ"ב</a:t>
+              <a:t>ט"ו/סיון/תשפ"ב</a:t>
             </a:fld>
             <a:endParaRPr lang="he-IL"/>
           </a:p>
@@ -3072,7 +3074,7 @@
           <a:p>
             <a:fld id="{B3DC5803-524A-4535-9048-D4846558C48F}" type="datetimeFigureOut">
               <a:rPr lang="he-IL" smtClean="0"/>
-              <a:t>כ"א/אייר/תשפ"ב</a:t>
+              <a:t>ט"ו/סיון/תשפ"ב</a:t>
             </a:fld>
             <a:endParaRPr lang="he-IL"/>
           </a:p>
@@ -3272,7 +3274,7 @@
           <a:p>
             <a:fld id="{B3DC5803-524A-4535-9048-D4846558C48F}" type="datetimeFigureOut">
               <a:rPr lang="he-IL" smtClean="0"/>
-              <a:t>כ"א/אייר/תשפ"ב</a:t>
+              <a:t>ט"ו/סיון/תשפ"ב</a:t>
             </a:fld>
             <a:endParaRPr lang="he-IL"/>
           </a:p>
@@ -3548,7 +3550,7 @@
           <a:p>
             <a:fld id="{B3DC5803-524A-4535-9048-D4846558C48F}" type="datetimeFigureOut">
               <a:rPr lang="he-IL" smtClean="0"/>
-              <a:t>כ"א/אייר/תשפ"ב</a:t>
+              <a:t>ט"ו/סיון/תשפ"ב</a:t>
             </a:fld>
             <a:endParaRPr lang="he-IL"/>
           </a:p>
@@ -3816,7 +3818,7 @@
           <a:p>
             <a:fld id="{B3DC5803-524A-4535-9048-D4846558C48F}" type="datetimeFigureOut">
               <a:rPr lang="he-IL" smtClean="0"/>
-              <a:t>כ"א/אייר/תשפ"ב</a:t>
+              <a:t>ט"ו/סיון/תשפ"ב</a:t>
             </a:fld>
             <a:endParaRPr lang="he-IL"/>
           </a:p>
@@ -4231,7 +4233,7 @@
           <a:p>
             <a:fld id="{B3DC5803-524A-4535-9048-D4846558C48F}" type="datetimeFigureOut">
               <a:rPr lang="he-IL" smtClean="0"/>
-              <a:t>כ"א/אייר/תשפ"ב</a:t>
+              <a:t>ט"ו/סיון/תשפ"ב</a:t>
             </a:fld>
             <a:endParaRPr lang="he-IL"/>
           </a:p>
@@ -4373,7 +4375,7 @@
           <a:p>
             <a:fld id="{B3DC5803-524A-4535-9048-D4846558C48F}" type="datetimeFigureOut">
               <a:rPr lang="he-IL" smtClean="0"/>
-              <a:t>כ"א/אייר/תשפ"ב</a:t>
+              <a:t>ט"ו/סיון/תשפ"ב</a:t>
             </a:fld>
             <a:endParaRPr lang="he-IL"/>
           </a:p>
@@ -4486,7 +4488,7 @@
           <a:p>
             <a:fld id="{B3DC5803-524A-4535-9048-D4846558C48F}" type="datetimeFigureOut">
               <a:rPr lang="he-IL" smtClean="0"/>
-              <a:t>כ"א/אייר/תשפ"ב</a:t>
+              <a:t>ט"ו/סיון/תשפ"ב</a:t>
             </a:fld>
             <a:endParaRPr lang="he-IL"/>
           </a:p>
@@ -4799,7 +4801,7 @@
           <a:p>
             <a:fld id="{B3DC5803-524A-4535-9048-D4846558C48F}" type="datetimeFigureOut">
               <a:rPr lang="he-IL" smtClean="0"/>
-              <a:t>כ"א/אייר/תשפ"ב</a:t>
+              <a:t>ט"ו/סיון/תשפ"ב</a:t>
             </a:fld>
             <a:endParaRPr lang="he-IL"/>
           </a:p>
@@ -5088,7 +5090,7 @@
           <a:p>
             <a:fld id="{B3DC5803-524A-4535-9048-D4846558C48F}" type="datetimeFigureOut">
               <a:rPr lang="he-IL" smtClean="0"/>
-              <a:t>כ"א/אייר/תשפ"ב</a:t>
+              <a:t>ט"ו/סיון/תשפ"ב</a:t>
             </a:fld>
             <a:endParaRPr lang="he-IL"/>
           </a:p>
@@ -5331,7 +5333,7 @@
           <a:p>
             <a:fld id="{B3DC5803-524A-4535-9048-D4846558C48F}" type="datetimeFigureOut">
               <a:rPr lang="he-IL" smtClean="0"/>
-              <a:t>כ"א/אייר/תשפ"ב</a:t>
+              <a:t>ט"ו/סיון/תשפ"ב</a:t>
             </a:fld>
             <a:endParaRPr lang="he-IL"/>
           </a:p>
@@ -34498,46 +34500,6 @@
           </a:p>
         </p:txBody>
       </p:sp>
-      <p:sp>
-        <p:nvSpPr>
-          <p:cNvPr id="300" name="TextBox 299">
-            <a:extLst>
-              <a:ext uri="{FF2B5EF4-FFF2-40B4-BE49-F238E27FC236}">
-                <a16:creationId xmlns:a16="http://schemas.microsoft.com/office/drawing/2014/main" id="{EA2F2A67-D536-494B-AC1F-A01CC61B4696}"/>
-              </a:ext>
-            </a:extLst>
-          </p:cNvPr>
-          <p:cNvSpPr txBox="1"/>
-          <p:nvPr/>
-        </p:nvSpPr>
-        <p:spPr>
-          <a:xfrm>
-            <a:off x="4912445" y="5063495"/>
-            <a:ext cx="514541" cy="253916"/>
-          </a:xfrm>
-          <a:prstGeom prst="rect">
-            <a:avLst/>
-          </a:prstGeom>
-          <a:noFill/>
-        </p:spPr>
-        <p:txBody>
-          <a:bodyPr wrap="square" rtlCol="1">
-            <a:spAutoFit/>
-          </a:bodyPr>
-          <a:lstStyle/>
-          <a:p>
-            <a:r>
-              <a:rPr lang="en-US" sz="1050" b="1" dirty="0"/>
-              <a:t>Trial </a:t>
-            </a:r>
-            <a:r>
-              <a:rPr lang="en-US" sz="1050" b="1" dirty="0" err="1"/>
-              <a:t>i</a:t>
-            </a:r>
-            <a:endParaRPr lang="en-US" sz="1050" b="1" dirty="0"/>
-          </a:p>
-        </p:txBody>
-      </p:sp>
       <p:cxnSp>
         <p:nvCxnSpPr>
           <p:cNvPr id="42" name="Straight Connector 41">
@@ -34639,8 +34601,8 @@
         </p:nvSpPr>
         <p:spPr>
           <a:xfrm>
-            <a:off x="5196424" y="5248741"/>
-            <a:ext cx="783006" cy="461665"/>
+            <a:off x="5915970" y="5699539"/>
+            <a:ext cx="981034" cy="461665"/>
           </a:xfrm>
           <a:prstGeom prst="rect">
             <a:avLst/>
@@ -34655,17 +34617,18 @@
           <a:p>
             <a:pPr algn="ctr"/>
             <a:r>
-              <a:rPr lang="en-US" sz="1200" dirty="0"/>
-              <a:t>X</a:t>
+              <a:rPr lang="en-US" sz="1200" b="1" dirty="0">
+                <a:solidFill>
+                  <a:srgbClr val="4472C4"/>
+                </a:solidFill>
+              </a:rPr>
+              <a:t>Deviation from center</a:t>
             </a:r>
-            <a:br>
-              <a:rPr lang="en-US" sz="1200" dirty="0"/>
-            </a:br>
-            <a:r>
-              <a:rPr lang="en-US" sz="1200" dirty="0"/>
-              <a:t>Deviation</a:t>
-            </a:r>
-            <a:endParaRPr lang="he-IL" sz="1200" dirty="0"/>
+            <a:endParaRPr lang="he-IL" sz="1200" b="1" dirty="0">
+              <a:solidFill>
+                <a:srgbClr val="4472C4"/>
+              </a:solidFill>
+            </a:endParaRPr>
           </a:p>
         </p:txBody>
       </p:sp>
@@ -36711,6 +36674,2760 @@
 </file>
 
 <file path=ppt/slides/slide4.xml><?xml version="1.0" encoding="utf-8"?>
+<p:sld xmlns:a="http://schemas.openxmlformats.org/drawingml/2006/main" xmlns:r="http://schemas.openxmlformats.org/officeDocument/2006/relationships" xmlns:p="http://schemas.openxmlformats.org/presentationml/2006/main">
+  <p:cSld>
+    <p:spTree>
+      <p:nvGrpSpPr>
+        <p:cNvPr id="1" name=""/>
+        <p:cNvGrpSpPr/>
+        <p:nvPr/>
+      </p:nvGrpSpPr>
+      <p:grpSpPr>
+        <a:xfrm>
+          <a:off x="0" y="0"/>
+          <a:ext cx="0" cy="0"/>
+          <a:chOff x="0" y="0"/>
+          <a:chExt cx="0" cy="0"/>
+        </a:xfrm>
+      </p:grpSpPr>
+      <p:sp>
+        <p:nvSpPr>
+          <p:cNvPr id="12" name="Freeform: Shape 11">
+            <a:extLst>
+              <a:ext uri="{FF2B5EF4-FFF2-40B4-BE49-F238E27FC236}">
+                <a16:creationId xmlns:a16="http://schemas.microsoft.com/office/drawing/2014/main" id="{D4EA1BD1-D843-8543-766A-C459CD94FFE7}"/>
+              </a:ext>
+            </a:extLst>
+          </p:cNvPr>
+          <p:cNvSpPr/>
+          <p:nvPr/>
+        </p:nvSpPr>
+        <p:spPr>
+          <a:xfrm>
+            <a:off x="1547530" y="4279557"/>
+            <a:ext cx="1206844" cy="1956487"/>
+          </a:xfrm>
+          <a:custGeom>
+            <a:avLst/>
+            <a:gdLst>
+              <a:gd name="connsiteX0" fmla="*/ 589006 w 1206844"/>
+              <a:gd name="connsiteY0" fmla="*/ 1923535 h 1944130"/>
+              <a:gd name="connsiteX1" fmla="*/ 654908 w 1206844"/>
+              <a:gd name="connsiteY1" fmla="*/ 1754659 h 1944130"/>
+              <a:gd name="connsiteX2" fmla="*/ 667265 w 1206844"/>
+              <a:gd name="connsiteY2" fmla="*/ 1441621 h 1944130"/>
+              <a:gd name="connsiteX3" fmla="*/ 679622 w 1206844"/>
+              <a:gd name="connsiteY3" fmla="*/ 1173892 h 1944130"/>
+              <a:gd name="connsiteX4" fmla="*/ 700217 w 1206844"/>
+              <a:gd name="connsiteY4" fmla="*/ 864973 h 1944130"/>
+              <a:gd name="connsiteX5" fmla="*/ 745525 w 1206844"/>
+              <a:gd name="connsiteY5" fmla="*/ 753762 h 1944130"/>
+              <a:gd name="connsiteX6" fmla="*/ 774357 w 1206844"/>
+              <a:gd name="connsiteY6" fmla="*/ 580767 h 1944130"/>
+              <a:gd name="connsiteX7" fmla="*/ 819665 w 1206844"/>
+              <a:gd name="connsiteY7" fmla="*/ 457200 h 1944130"/>
+              <a:gd name="connsiteX8" fmla="*/ 930876 w 1206844"/>
+              <a:gd name="connsiteY8" fmla="*/ 354227 h 1944130"/>
+              <a:gd name="connsiteX9" fmla="*/ 959708 w 1206844"/>
+              <a:gd name="connsiteY9" fmla="*/ 313038 h 1944130"/>
+              <a:gd name="connsiteX10" fmla="*/ 1037968 w 1206844"/>
+              <a:gd name="connsiteY10" fmla="*/ 230659 h 1944130"/>
+              <a:gd name="connsiteX11" fmla="*/ 1107990 w 1206844"/>
+              <a:gd name="connsiteY11" fmla="*/ 140043 h 1944130"/>
+              <a:gd name="connsiteX12" fmla="*/ 1161535 w 1206844"/>
+              <a:gd name="connsiteY12" fmla="*/ 90616 h 1944130"/>
+              <a:gd name="connsiteX13" fmla="*/ 1206844 w 1206844"/>
+              <a:gd name="connsiteY13" fmla="*/ 16475 h 1944130"/>
+              <a:gd name="connsiteX14" fmla="*/ 0 w 1206844"/>
+              <a:gd name="connsiteY14" fmla="*/ 0 h 1944130"/>
+              <a:gd name="connsiteX15" fmla="*/ 4119 w 1206844"/>
+              <a:gd name="connsiteY15" fmla="*/ 1944130 h 1944130"/>
+              <a:gd name="connsiteX16" fmla="*/ 589006 w 1206844"/>
+              <a:gd name="connsiteY16" fmla="*/ 1923535 h 1944130"/>
+              <a:gd name="connsiteX0" fmla="*/ 593125 w 1206844"/>
+              <a:gd name="connsiteY0" fmla="*/ 1956487 h 1956487"/>
+              <a:gd name="connsiteX1" fmla="*/ 654908 w 1206844"/>
+              <a:gd name="connsiteY1" fmla="*/ 1754659 h 1956487"/>
+              <a:gd name="connsiteX2" fmla="*/ 667265 w 1206844"/>
+              <a:gd name="connsiteY2" fmla="*/ 1441621 h 1956487"/>
+              <a:gd name="connsiteX3" fmla="*/ 679622 w 1206844"/>
+              <a:gd name="connsiteY3" fmla="*/ 1173892 h 1956487"/>
+              <a:gd name="connsiteX4" fmla="*/ 700217 w 1206844"/>
+              <a:gd name="connsiteY4" fmla="*/ 864973 h 1956487"/>
+              <a:gd name="connsiteX5" fmla="*/ 745525 w 1206844"/>
+              <a:gd name="connsiteY5" fmla="*/ 753762 h 1956487"/>
+              <a:gd name="connsiteX6" fmla="*/ 774357 w 1206844"/>
+              <a:gd name="connsiteY6" fmla="*/ 580767 h 1956487"/>
+              <a:gd name="connsiteX7" fmla="*/ 819665 w 1206844"/>
+              <a:gd name="connsiteY7" fmla="*/ 457200 h 1956487"/>
+              <a:gd name="connsiteX8" fmla="*/ 930876 w 1206844"/>
+              <a:gd name="connsiteY8" fmla="*/ 354227 h 1956487"/>
+              <a:gd name="connsiteX9" fmla="*/ 959708 w 1206844"/>
+              <a:gd name="connsiteY9" fmla="*/ 313038 h 1956487"/>
+              <a:gd name="connsiteX10" fmla="*/ 1037968 w 1206844"/>
+              <a:gd name="connsiteY10" fmla="*/ 230659 h 1956487"/>
+              <a:gd name="connsiteX11" fmla="*/ 1107990 w 1206844"/>
+              <a:gd name="connsiteY11" fmla="*/ 140043 h 1956487"/>
+              <a:gd name="connsiteX12" fmla="*/ 1161535 w 1206844"/>
+              <a:gd name="connsiteY12" fmla="*/ 90616 h 1956487"/>
+              <a:gd name="connsiteX13" fmla="*/ 1206844 w 1206844"/>
+              <a:gd name="connsiteY13" fmla="*/ 16475 h 1956487"/>
+              <a:gd name="connsiteX14" fmla="*/ 0 w 1206844"/>
+              <a:gd name="connsiteY14" fmla="*/ 0 h 1956487"/>
+              <a:gd name="connsiteX15" fmla="*/ 4119 w 1206844"/>
+              <a:gd name="connsiteY15" fmla="*/ 1944130 h 1956487"/>
+              <a:gd name="connsiteX16" fmla="*/ 593125 w 1206844"/>
+              <a:gd name="connsiteY16" fmla="*/ 1956487 h 1956487"/>
+            </a:gdLst>
+            <a:ahLst/>
+            <a:cxnLst>
+              <a:cxn ang="0">
+                <a:pos x="connsiteX0" y="connsiteY0"/>
+              </a:cxn>
+              <a:cxn ang="0">
+                <a:pos x="connsiteX1" y="connsiteY1"/>
+              </a:cxn>
+              <a:cxn ang="0">
+                <a:pos x="connsiteX2" y="connsiteY2"/>
+              </a:cxn>
+              <a:cxn ang="0">
+                <a:pos x="connsiteX3" y="connsiteY3"/>
+              </a:cxn>
+              <a:cxn ang="0">
+                <a:pos x="connsiteX4" y="connsiteY4"/>
+              </a:cxn>
+              <a:cxn ang="0">
+                <a:pos x="connsiteX5" y="connsiteY5"/>
+              </a:cxn>
+              <a:cxn ang="0">
+                <a:pos x="connsiteX6" y="connsiteY6"/>
+              </a:cxn>
+              <a:cxn ang="0">
+                <a:pos x="connsiteX7" y="connsiteY7"/>
+              </a:cxn>
+              <a:cxn ang="0">
+                <a:pos x="connsiteX8" y="connsiteY8"/>
+              </a:cxn>
+              <a:cxn ang="0">
+                <a:pos x="connsiteX9" y="connsiteY9"/>
+              </a:cxn>
+              <a:cxn ang="0">
+                <a:pos x="connsiteX10" y="connsiteY10"/>
+              </a:cxn>
+              <a:cxn ang="0">
+                <a:pos x="connsiteX11" y="connsiteY11"/>
+              </a:cxn>
+              <a:cxn ang="0">
+                <a:pos x="connsiteX12" y="connsiteY12"/>
+              </a:cxn>
+              <a:cxn ang="0">
+                <a:pos x="connsiteX13" y="connsiteY13"/>
+              </a:cxn>
+              <a:cxn ang="0">
+                <a:pos x="connsiteX14" y="connsiteY14"/>
+              </a:cxn>
+              <a:cxn ang="0">
+                <a:pos x="connsiteX15" y="connsiteY15"/>
+              </a:cxn>
+              <a:cxn ang="0">
+                <a:pos x="connsiteX16" y="connsiteY16"/>
+              </a:cxn>
+            </a:cxnLst>
+            <a:rect l="l" t="t" r="r" b="b"/>
+            <a:pathLst>
+              <a:path w="1206844" h="1956487">
+                <a:moveTo>
+                  <a:pt x="593125" y="1956487"/>
+                </a:moveTo>
+                <a:lnTo>
+                  <a:pt x="654908" y="1754659"/>
+                </a:lnTo>
+                <a:lnTo>
+                  <a:pt x="667265" y="1441621"/>
+                </a:lnTo>
+                <a:lnTo>
+                  <a:pt x="679622" y="1173892"/>
+                </a:lnTo>
+                <a:lnTo>
+                  <a:pt x="700217" y="864973"/>
+                </a:lnTo>
+                <a:lnTo>
+                  <a:pt x="745525" y="753762"/>
+                </a:lnTo>
+                <a:lnTo>
+                  <a:pt x="774357" y="580767"/>
+                </a:lnTo>
+                <a:lnTo>
+                  <a:pt x="819665" y="457200"/>
+                </a:lnTo>
+                <a:lnTo>
+                  <a:pt x="930876" y="354227"/>
+                </a:lnTo>
+                <a:cubicBezTo>
+                  <a:pt x="954348" y="321366"/>
+                  <a:pt x="944920" y="335221"/>
+                  <a:pt x="959708" y="313038"/>
+                </a:cubicBezTo>
+                <a:lnTo>
+                  <a:pt x="1037968" y="230659"/>
+                </a:lnTo>
+                <a:lnTo>
+                  <a:pt x="1107990" y="140043"/>
+                </a:lnTo>
+                <a:lnTo>
+                  <a:pt x="1161535" y="90616"/>
+                </a:lnTo>
+                <a:lnTo>
+                  <a:pt x="1206844" y="16475"/>
+                </a:lnTo>
+                <a:lnTo>
+                  <a:pt x="0" y="0"/>
+                </a:lnTo>
+                <a:lnTo>
+                  <a:pt x="4119" y="1944130"/>
+                </a:lnTo>
+                <a:lnTo>
+                  <a:pt x="593125" y="1956487"/>
+                </a:lnTo>
+                <a:close/>
+              </a:path>
+            </a:pathLst>
+          </a:custGeom>
+          <a:solidFill>
+            <a:srgbClr val="FF9393"/>
+          </a:solidFill>
+          <a:ln>
+            <a:noFill/>
+          </a:ln>
+        </p:spPr>
+        <p:style>
+          <a:lnRef idx="2">
+            <a:schemeClr val="accent1">
+              <a:shade val="50000"/>
+            </a:schemeClr>
+          </a:lnRef>
+          <a:fillRef idx="1">
+            <a:schemeClr val="accent1"/>
+          </a:fillRef>
+          <a:effectRef idx="0">
+            <a:schemeClr val="accent1"/>
+          </a:effectRef>
+          <a:fontRef idx="minor">
+            <a:schemeClr val="lt1"/>
+          </a:fontRef>
+        </p:style>
+        <p:txBody>
+          <a:bodyPr rtlCol="1" anchor="ctr"/>
+          <a:lstStyle/>
+          <a:p>
+            <a:pPr algn="ctr"/>
+            <a:endParaRPr lang="he-IL"/>
+          </a:p>
+        </p:txBody>
+      </p:sp>
+      <p:sp>
+        <p:nvSpPr>
+          <p:cNvPr id="109" name="TextBox 108">
+            <a:extLst>
+              <a:ext uri="{FF2B5EF4-FFF2-40B4-BE49-F238E27FC236}">
+                <a16:creationId xmlns:a16="http://schemas.microsoft.com/office/drawing/2014/main" id="{5DE29298-1BCC-14A5-2E3D-7FEDAD9618F4}"/>
+              </a:ext>
+            </a:extLst>
+          </p:cNvPr>
+          <p:cNvSpPr txBox="1"/>
+          <p:nvPr/>
+        </p:nvSpPr>
+        <p:spPr>
+          <a:xfrm>
+            <a:off x="2324481" y="4974997"/>
+            <a:ext cx="817038" cy="830997"/>
+          </a:xfrm>
+          <a:prstGeom prst="rect">
+            <a:avLst/>
+          </a:prstGeom>
+          <a:noFill/>
+        </p:spPr>
+        <p:txBody>
+          <a:bodyPr wrap="square" rtlCol="1">
+            <a:spAutoFit/>
+          </a:bodyPr>
+          <a:lstStyle/>
+          <a:p>
+            <a:pPr algn="ctr"/>
+            <a:r>
+              <a:rPr lang="en-US" sz="1600" dirty="0">
+                <a:solidFill>
+                  <a:schemeClr val="bg1"/>
+                </a:solidFill>
+              </a:rPr>
+              <a:t>Right Path Area</a:t>
+            </a:r>
+          </a:p>
+        </p:txBody>
+      </p:sp>
+      <p:sp>
+        <p:nvSpPr>
+          <p:cNvPr id="124" name="TextBox 123">
+            <a:extLst>
+              <a:ext uri="{FF2B5EF4-FFF2-40B4-BE49-F238E27FC236}">
+                <a16:creationId xmlns:a16="http://schemas.microsoft.com/office/drawing/2014/main" id="{6E5802D5-6A45-F04F-5606-BDCAD321938E}"/>
+              </a:ext>
+            </a:extLst>
+          </p:cNvPr>
+          <p:cNvSpPr txBox="1"/>
+          <p:nvPr/>
+        </p:nvSpPr>
+        <p:spPr>
+          <a:xfrm>
+            <a:off x="1473161" y="4974997"/>
+            <a:ext cx="817038" cy="830997"/>
+          </a:xfrm>
+          <a:prstGeom prst="rect">
+            <a:avLst/>
+          </a:prstGeom>
+          <a:noFill/>
+        </p:spPr>
+        <p:txBody>
+          <a:bodyPr wrap="square" rtlCol="1">
+            <a:spAutoFit/>
+          </a:bodyPr>
+          <a:lstStyle/>
+          <a:p>
+            <a:pPr algn="ctr"/>
+            <a:r>
+              <a:rPr lang="en-US" sz="1600" dirty="0">
+                <a:solidFill>
+                  <a:schemeClr val="bg1"/>
+                </a:solidFill>
+              </a:rPr>
+              <a:t>Right Path Area</a:t>
+            </a:r>
+          </a:p>
+        </p:txBody>
+      </p:sp>
+      <p:sp>
+        <p:nvSpPr>
+          <p:cNvPr id="73" name="TextBox 72">
+            <a:extLst>
+              <a:ext uri="{FF2B5EF4-FFF2-40B4-BE49-F238E27FC236}">
+                <a16:creationId xmlns:a16="http://schemas.microsoft.com/office/drawing/2014/main" id="{0F5A51D4-37F7-45CD-8BE6-D269E5C4DC5E}"/>
+              </a:ext>
+            </a:extLst>
+          </p:cNvPr>
+          <p:cNvSpPr txBox="1"/>
+          <p:nvPr/>
+        </p:nvSpPr>
+        <p:spPr>
+          <a:xfrm rot="16200000">
+            <a:off x="-335223" y="4804999"/>
+            <a:ext cx="1411850" cy="584775"/>
+          </a:xfrm>
+          <a:prstGeom prst="rect">
+            <a:avLst/>
+          </a:prstGeom>
+          <a:noFill/>
+        </p:spPr>
+        <p:txBody>
+          <a:bodyPr wrap="square" rtlCol="1">
+            <a:spAutoFit/>
+          </a:bodyPr>
+          <a:lstStyle/>
+          <a:p>
+            <a:pPr algn="ctr"/>
+            <a:r>
+              <a:rPr lang="en-US" sz="1600" dirty="0"/>
+              <a:t>Proportion</a:t>
+            </a:r>
+          </a:p>
+          <a:p>
+            <a:pPr algn="ctr"/>
+            <a:r>
+              <a:rPr lang="en-US" sz="1600" dirty="0"/>
+              <a:t>Of Z traveled</a:t>
+            </a:r>
+            <a:endParaRPr lang="he-IL" sz="1600" dirty="0"/>
+          </a:p>
+        </p:txBody>
+      </p:sp>
+      <p:cxnSp>
+        <p:nvCxnSpPr>
+          <p:cNvPr id="99" name="Straight Connector 98">
+            <a:extLst>
+              <a:ext uri="{FF2B5EF4-FFF2-40B4-BE49-F238E27FC236}">
+                <a16:creationId xmlns:a16="http://schemas.microsoft.com/office/drawing/2014/main" id="{1E68874E-B43A-9895-0FB4-626DFECE0D1E}"/>
+              </a:ext>
+            </a:extLst>
+          </p:cNvPr>
+          <p:cNvCxnSpPr>
+            <a:cxnSpLocks/>
+          </p:cNvCxnSpPr>
+          <p:nvPr/>
+        </p:nvCxnSpPr>
+        <p:spPr>
+          <a:xfrm>
+            <a:off x="933561" y="6226989"/>
+            <a:ext cx="2255735" cy="0"/>
+          </a:xfrm>
+          <a:prstGeom prst="line">
+            <a:avLst/>
+          </a:prstGeom>
+          <a:ln w="38100">
+            <a:solidFill>
+              <a:schemeClr val="tx1"/>
+            </a:solidFill>
+          </a:ln>
+        </p:spPr>
+        <p:style>
+          <a:lnRef idx="1">
+            <a:schemeClr val="accent1"/>
+          </a:lnRef>
+          <a:fillRef idx="0">
+            <a:schemeClr val="accent1"/>
+          </a:fillRef>
+          <a:effectRef idx="0">
+            <a:schemeClr val="accent1"/>
+          </a:effectRef>
+          <a:fontRef idx="minor">
+            <a:schemeClr val="tx1"/>
+          </a:fontRef>
+        </p:style>
+      </p:cxnSp>
+      <p:cxnSp>
+        <p:nvCxnSpPr>
+          <p:cNvPr id="100" name="Straight Connector 99">
+            <a:extLst>
+              <a:ext uri="{FF2B5EF4-FFF2-40B4-BE49-F238E27FC236}">
+                <a16:creationId xmlns:a16="http://schemas.microsoft.com/office/drawing/2014/main" id="{90856294-F9AB-C577-33E0-1C6071E29164}"/>
+              </a:ext>
+            </a:extLst>
+          </p:cNvPr>
+          <p:cNvCxnSpPr>
+            <a:cxnSpLocks/>
+          </p:cNvCxnSpPr>
+          <p:nvPr/>
+        </p:nvCxnSpPr>
+        <p:spPr>
+          <a:xfrm flipV="1">
+            <a:off x="933561" y="3988151"/>
+            <a:ext cx="0" cy="2238838"/>
+          </a:xfrm>
+          <a:prstGeom prst="line">
+            <a:avLst/>
+          </a:prstGeom>
+          <a:ln w="38100">
+            <a:solidFill>
+              <a:schemeClr val="tx1"/>
+            </a:solidFill>
+          </a:ln>
+        </p:spPr>
+        <p:style>
+          <a:lnRef idx="1">
+            <a:schemeClr val="accent1"/>
+          </a:lnRef>
+          <a:fillRef idx="0">
+            <a:schemeClr val="accent1"/>
+          </a:fillRef>
+          <a:effectRef idx="0">
+            <a:schemeClr val="accent1"/>
+          </a:effectRef>
+          <a:fontRef idx="minor">
+            <a:schemeClr val="tx1"/>
+          </a:fontRef>
+        </p:style>
+      </p:cxnSp>
+      <p:sp>
+        <p:nvSpPr>
+          <p:cNvPr id="102" name="Freeform: Shape 101">
+            <a:extLst>
+              <a:ext uri="{FF2B5EF4-FFF2-40B4-BE49-F238E27FC236}">
+                <a16:creationId xmlns:a16="http://schemas.microsoft.com/office/drawing/2014/main" id="{C8D891CA-157B-8414-8999-FEA5D659B2D2}"/>
+              </a:ext>
+            </a:extLst>
+          </p:cNvPr>
+          <p:cNvSpPr/>
+          <p:nvPr/>
+        </p:nvSpPr>
+        <p:spPr>
+          <a:xfrm>
+            <a:off x="2162594" y="4315165"/>
+            <a:ext cx="626710" cy="1897183"/>
+          </a:xfrm>
+          <a:custGeom>
+            <a:avLst/>
+            <a:gdLst>
+              <a:gd name="connsiteX0" fmla="*/ 0 w 622300"/>
+              <a:gd name="connsiteY0" fmla="*/ 1883833 h 1883833"/>
+              <a:gd name="connsiteX1" fmla="*/ 4233 w 622300"/>
+              <a:gd name="connsiteY1" fmla="*/ 1807633 h 1883833"/>
+              <a:gd name="connsiteX2" fmla="*/ 8467 w 622300"/>
+              <a:gd name="connsiteY2" fmla="*/ 1778000 h 1883833"/>
+              <a:gd name="connsiteX3" fmla="*/ 21167 w 622300"/>
+              <a:gd name="connsiteY3" fmla="*/ 1748367 h 1883833"/>
+              <a:gd name="connsiteX4" fmla="*/ 25400 w 622300"/>
+              <a:gd name="connsiteY4" fmla="*/ 1710267 h 1883833"/>
+              <a:gd name="connsiteX5" fmla="*/ 29633 w 622300"/>
+              <a:gd name="connsiteY5" fmla="*/ 1667933 h 1883833"/>
+              <a:gd name="connsiteX6" fmla="*/ 38100 w 622300"/>
+              <a:gd name="connsiteY6" fmla="*/ 1638300 h 1883833"/>
+              <a:gd name="connsiteX7" fmla="*/ 46567 w 622300"/>
+              <a:gd name="connsiteY7" fmla="*/ 1337733 h 1883833"/>
+              <a:gd name="connsiteX8" fmla="*/ 55033 w 622300"/>
+              <a:gd name="connsiteY8" fmla="*/ 1282700 h 1883833"/>
+              <a:gd name="connsiteX9" fmla="*/ 63500 w 622300"/>
+              <a:gd name="connsiteY9" fmla="*/ 1198033 h 1883833"/>
+              <a:gd name="connsiteX10" fmla="*/ 84667 w 622300"/>
+              <a:gd name="connsiteY10" fmla="*/ 1066800 h 1883833"/>
+              <a:gd name="connsiteX11" fmla="*/ 88900 w 622300"/>
+              <a:gd name="connsiteY11" fmla="*/ 986367 h 1883833"/>
+              <a:gd name="connsiteX12" fmla="*/ 93133 w 622300"/>
+              <a:gd name="connsiteY12" fmla="*/ 948267 h 1883833"/>
+              <a:gd name="connsiteX13" fmla="*/ 105833 w 622300"/>
+              <a:gd name="connsiteY13" fmla="*/ 821267 h 1883833"/>
+              <a:gd name="connsiteX14" fmla="*/ 110067 w 622300"/>
+              <a:gd name="connsiteY14" fmla="*/ 791633 h 1883833"/>
+              <a:gd name="connsiteX15" fmla="*/ 114300 w 622300"/>
+              <a:gd name="connsiteY15" fmla="*/ 757767 h 1883833"/>
+              <a:gd name="connsiteX16" fmla="*/ 131233 w 622300"/>
+              <a:gd name="connsiteY16" fmla="*/ 728133 h 1883833"/>
+              <a:gd name="connsiteX17" fmla="*/ 139700 w 622300"/>
+              <a:gd name="connsiteY17" fmla="*/ 698500 h 1883833"/>
+              <a:gd name="connsiteX18" fmla="*/ 148167 w 622300"/>
+              <a:gd name="connsiteY18" fmla="*/ 601133 h 1883833"/>
+              <a:gd name="connsiteX19" fmla="*/ 160867 w 622300"/>
+              <a:gd name="connsiteY19" fmla="*/ 567267 h 1883833"/>
+              <a:gd name="connsiteX20" fmla="*/ 177800 w 622300"/>
+              <a:gd name="connsiteY20" fmla="*/ 503767 h 1883833"/>
+              <a:gd name="connsiteX21" fmla="*/ 198967 w 622300"/>
+              <a:gd name="connsiteY21" fmla="*/ 469900 h 1883833"/>
+              <a:gd name="connsiteX22" fmla="*/ 215900 w 622300"/>
+              <a:gd name="connsiteY22" fmla="*/ 431800 h 1883833"/>
+              <a:gd name="connsiteX23" fmla="*/ 249767 w 622300"/>
+              <a:gd name="connsiteY23" fmla="*/ 389467 h 1883833"/>
+              <a:gd name="connsiteX24" fmla="*/ 270933 w 622300"/>
+              <a:gd name="connsiteY24" fmla="*/ 359833 h 1883833"/>
+              <a:gd name="connsiteX25" fmla="*/ 287867 w 622300"/>
+              <a:gd name="connsiteY25" fmla="*/ 347133 h 1883833"/>
+              <a:gd name="connsiteX26" fmla="*/ 309033 w 622300"/>
+              <a:gd name="connsiteY26" fmla="*/ 317500 h 1883833"/>
+              <a:gd name="connsiteX27" fmla="*/ 364067 w 622300"/>
+              <a:gd name="connsiteY27" fmla="*/ 266700 h 1883833"/>
+              <a:gd name="connsiteX28" fmla="*/ 393700 w 622300"/>
+              <a:gd name="connsiteY28" fmla="*/ 228600 h 1883833"/>
+              <a:gd name="connsiteX29" fmla="*/ 410633 w 622300"/>
+              <a:gd name="connsiteY29" fmla="*/ 211667 h 1883833"/>
+              <a:gd name="connsiteX30" fmla="*/ 436033 w 622300"/>
+              <a:gd name="connsiteY30" fmla="*/ 169333 h 1883833"/>
+              <a:gd name="connsiteX31" fmla="*/ 440267 w 622300"/>
+              <a:gd name="connsiteY31" fmla="*/ 156633 h 1883833"/>
+              <a:gd name="connsiteX32" fmla="*/ 465667 w 622300"/>
+              <a:gd name="connsiteY32" fmla="*/ 127000 h 1883833"/>
+              <a:gd name="connsiteX33" fmla="*/ 474133 w 622300"/>
+              <a:gd name="connsiteY33" fmla="*/ 110067 h 1883833"/>
+              <a:gd name="connsiteX34" fmla="*/ 486833 w 622300"/>
+              <a:gd name="connsiteY34" fmla="*/ 101600 h 1883833"/>
+              <a:gd name="connsiteX35" fmla="*/ 508000 w 622300"/>
+              <a:gd name="connsiteY35" fmla="*/ 84667 h 1883833"/>
+              <a:gd name="connsiteX36" fmla="*/ 524933 w 622300"/>
+              <a:gd name="connsiteY36" fmla="*/ 67733 h 1883833"/>
+              <a:gd name="connsiteX37" fmla="*/ 546100 w 622300"/>
+              <a:gd name="connsiteY37" fmla="*/ 50800 h 1883833"/>
+              <a:gd name="connsiteX38" fmla="*/ 575733 w 622300"/>
+              <a:gd name="connsiteY38" fmla="*/ 25400 h 1883833"/>
+              <a:gd name="connsiteX39" fmla="*/ 592667 w 622300"/>
+              <a:gd name="connsiteY39" fmla="*/ 21167 h 1883833"/>
+              <a:gd name="connsiteX40" fmla="*/ 605367 w 622300"/>
+              <a:gd name="connsiteY40" fmla="*/ 4233 h 1883833"/>
+              <a:gd name="connsiteX41" fmla="*/ 622300 w 622300"/>
+              <a:gd name="connsiteY41" fmla="*/ 0 h 1883833"/>
+            </a:gdLst>
+            <a:ahLst/>
+            <a:cxnLst>
+              <a:cxn ang="0">
+                <a:pos x="connsiteX0" y="connsiteY0"/>
+              </a:cxn>
+              <a:cxn ang="0">
+                <a:pos x="connsiteX1" y="connsiteY1"/>
+              </a:cxn>
+              <a:cxn ang="0">
+                <a:pos x="connsiteX2" y="connsiteY2"/>
+              </a:cxn>
+              <a:cxn ang="0">
+                <a:pos x="connsiteX3" y="connsiteY3"/>
+              </a:cxn>
+              <a:cxn ang="0">
+                <a:pos x="connsiteX4" y="connsiteY4"/>
+              </a:cxn>
+              <a:cxn ang="0">
+                <a:pos x="connsiteX5" y="connsiteY5"/>
+              </a:cxn>
+              <a:cxn ang="0">
+                <a:pos x="connsiteX6" y="connsiteY6"/>
+              </a:cxn>
+              <a:cxn ang="0">
+                <a:pos x="connsiteX7" y="connsiteY7"/>
+              </a:cxn>
+              <a:cxn ang="0">
+                <a:pos x="connsiteX8" y="connsiteY8"/>
+              </a:cxn>
+              <a:cxn ang="0">
+                <a:pos x="connsiteX9" y="connsiteY9"/>
+              </a:cxn>
+              <a:cxn ang="0">
+                <a:pos x="connsiteX10" y="connsiteY10"/>
+              </a:cxn>
+              <a:cxn ang="0">
+                <a:pos x="connsiteX11" y="connsiteY11"/>
+              </a:cxn>
+              <a:cxn ang="0">
+                <a:pos x="connsiteX12" y="connsiteY12"/>
+              </a:cxn>
+              <a:cxn ang="0">
+                <a:pos x="connsiteX13" y="connsiteY13"/>
+              </a:cxn>
+              <a:cxn ang="0">
+                <a:pos x="connsiteX14" y="connsiteY14"/>
+              </a:cxn>
+              <a:cxn ang="0">
+                <a:pos x="connsiteX15" y="connsiteY15"/>
+              </a:cxn>
+              <a:cxn ang="0">
+                <a:pos x="connsiteX16" y="connsiteY16"/>
+              </a:cxn>
+              <a:cxn ang="0">
+                <a:pos x="connsiteX17" y="connsiteY17"/>
+              </a:cxn>
+              <a:cxn ang="0">
+                <a:pos x="connsiteX18" y="connsiteY18"/>
+              </a:cxn>
+              <a:cxn ang="0">
+                <a:pos x="connsiteX19" y="connsiteY19"/>
+              </a:cxn>
+              <a:cxn ang="0">
+                <a:pos x="connsiteX20" y="connsiteY20"/>
+              </a:cxn>
+              <a:cxn ang="0">
+                <a:pos x="connsiteX21" y="connsiteY21"/>
+              </a:cxn>
+              <a:cxn ang="0">
+                <a:pos x="connsiteX22" y="connsiteY22"/>
+              </a:cxn>
+              <a:cxn ang="0">
+                <a:pos x="connsiteX23" y="connsiteY23"/>
+              </a:cxn>
+              <a:cxn ang="0">
+                <a:pos x="connsiteX24" y="connsiteY24"/>
+              </a:cxn>
+              <a:cxn ang="0">
+                <a:pos x="connsiteX25" y="connsiteY25"/>
+              </a:cxn>
+              <a:cxn ang="0">
+                <a:pos x="connsiteX26" y="connsiteY26"/>
+              </a:cxn>
+              <a:cxn ang="0">
+                <a:pos x="connsiteX27" y="connsiteY27"/>
+              </a:cxn>
+              <a:cxn ang="0">
+                <a:pos x="connsiteX28" y="connsiteY28"/>
+              </a:cxn>
+              <a:cxn ang="0">
+                <a:pos x="connsiteX29" y="connsiteY29"/>
+              </a:cxn>
+              <a:cxn ang="0">
+                <a:pos x="connsiteX30" y="connsiteY30"/>
+              </a:cxn>
+              <a:cxn ang="0">
+                <a:pos x="connsiteX31" y="connsiteY31"/>
+              </a:cxn>
+              <a:cxn ang="0">
+                <a:pos x="connsiteX32" y="connsiteY32"/>
+              </a:cxn>
+              <a:cxn ang="0">
+                <a:pos x="connsiteX33" y="connsiteY33"/>
+              </a:cxn>
+              <a:cxn ang="0">
+                <a:pos x="connsiteX34" y="connsiteY34"/>
+              </a:cxn>
+              <a:cxn ang="0">
+                <a:pos x="connsiteX35" y="connsiteY35"/>
+              </a:cxn>
+              <a:cxn ang="0">
+                <a:pos x="connsiteX36" y="connsiteY36"/>
+              </a:cxn>
+              <a:cxn ang="0">
+                <a:pos x="connsiteX37" y="connsiteY37"/>
+              </a:cxn>
+              <a:cxn ang="0">
+                <a:pos x="connsiteX38" y="connsiteY38"/>
+              </a:cxn>
+              <a:cxn ang="0">
+                <a:pos x="connsiteX39" y="connsiteY39"/>
+              </a:cxn>
+              <a:cxn ang="0">
+                <a:pos x="connsiteX40" y="connsiteY40"/>
+              </a:cxn>
+              <a:cxn ang="0">
+                <a:pos x="connsiteX41" y="connsiteY41"/>
+              </a:cxn>
+            </a:cxnLst>
+            <a:rect l="l" t="t" r="r" b="b"/>
+            <a:pathLst>
+              <a:path w="622300" h="1883833">
+                <a:moveTo>
+                  <a:pt x="0" y="1883833"/>
+                </a:moveTo>
+                <a:cubicBezTo>
+                  <a:pt x="1411" y="1858433"/>
+                  <a:pt x="2204" y="1832991"/>
+                  <a:pt x="4233" y="1807633"/>
+                </a:cubicBezTo>
+                <a:cubicBezTo>
+                  <a:pt x="5029" y="1797687"/>
+                  <a:pt x="5726" y="1787594"/>
+                  <a:pt x="8467" y="1778000"/>
+                </a:cubicBezTo>
+                <a:cubicBezTo>
+                  <a:pt x="11419" y="1767667"/>
+                  <a:pt x="16934" y="1758245"/>
+                  <a:pt x="21167" y="1748367"/>
+                </a:cubicBezTo>
+                <a:cubicBezTo>
+                  <a:pt x="22578" y="1735667"/>
+                  <a:pt x="24062" y="1722975"/>
+                  <a:pt x="25400" y="1710267"/>
+                </a:cubicBezTo>
+                <a:cubicBezTo>
+                  <a:pt x="26884" y="1696163"/>
+                  <a:pt x="27168" y="1681899"/>
+                  <a:pt x="29633" y="1667933"/>
+                </a:cubicBezTo>
+                <a:cubicBezTo>
+                  <a:pt x="31418" y="1657816"/>
+                  <a:pt x="35278" y="1648178"/>
+                  <a:pt x="38100" y="1638300"/>
+                </a:cubicBezTo>
+                <a:cubicBezTo>
+                  <a:pt x="52721" y="1492081"/>
+                  <a:pt x="31038" y="1720778"/>
+                  <a:pt x="46567" y="1337733"/>
+                </a:cubicBezTo>
+                <a:cubicBezTo>
+                  <a:pt x="47319" y="1319188"/>
+                  <a:pt x="52525" y="1301090"/>
+                  <a:pt x="55033" y="1282700"/>
+                </a:cubicBezTo>
+                <a:cubicBezTo>
+                  <a:pt x="71657" y="1160791"/>
+                  <a:pt x="45097" y="1340657"/>
+                  <a:pt x="63500" y="1198033"/>
+                </a:cubicBezTo>
+                <a:cubicBezTo>
+                  <a:pt x="71298" y="1137594"/>
+                  <a:pt x="75098" y="1119425"/>
+                  <a:pt x="84667" y="1066800"/>
+                </a:cubicBezTo>
+                <a:cubicBezTo>
+                  <a:pt x="86078" y="1039989"/>
+                  <a:pt x="86987" y="1013147"/>
+                  <a:pt x="88900" y="986367"/>
+                </a:cubicBezTo>
+                <a:cubicBezTo>
+                  <a:pt x="89810" y="973621"/>
+                  <a:pt x="92360" y="961022"/>
+                  <a:pt x="93133" y="948267"/>
+                </a:cubicBezTo>
+                <a:cubicBezTo>
+                  <a:pt x="100296" y="830076"/>
+                  <a:pt x="85975" y="880844"/>
+                  <a:pt x="105833" y="821267"/>
+                </a:cubicBezTo>
+                <a:cubicBezTo>
+                  <a:pt x="107244" y="811389"/>
+                  <a:pt x="108748" y="801524"/>
+                  <a:pt x="110067" y="791633"/>
+                </a:cubicBezTo>
+                <a:cubicBezTo>
+                  <a:pt x="111571" y="780356"/>
+                  <a:pt x="110703" y="768560"/>
+                  <a:pt x="114300" y="757767"/>
+                </a:cubicBezTo>
+                <a:cubicBezTo>
+                  <a:pt x="117898" y="746974"/>
+                  <a:pt x="126751" y="738590"/>
+                  <a:pt x="131233" y="728133"/>
+                </a:cubicBezTo>
+                <a:cubicBezTo>
+                  <a:pt x="135280" y="718691"/>
+                  <a:pt x="136878" y="708378"/>
+                  <a:pt x="139700" y="698500"/>
+                </a:cubicBezTo>
+                <a:cubicBezTo>
+                  <a:pt x="140195" y="690081"/>
+                  <a:pt x="141497" y="624477"/>
+                  <a:pt x="148167" y="601133"/>
+                </a:cubicBezTo>
+                <a:cubicBezTo>
+                  <a:pt x="151479" y="589541"/>
+                  <a:pt x="156634" y="578556"/>
+                  <a:pt x="160867" y="567267"/>
+                </a:cubicBezTo>
+                <a:cubicBezTo>
+                  <a:pt x="165017" y="538214"/>
+                  <a:pt x="163756" y="531854"/>
+                  <a:pt x="177800" y="503767"/>
+                </a:cubicBezTo>
+                <a:cubicBezTo>
+                  <a:pt x="183754" y="491860"/>
+                  <a:pt x="192738" y="481665"/>
+                  <a:pt x="198967" y="469900"/>
+                </a:cubicBezTo>
+                <a:cubicBezTo>
+                  <a:pt x="205470" y="457617"/>
+                  <a:pt x="208479" y="443550"/>
+                  <a:pt x="215900" y="431800"/>
+                </a:cubicBezTo>
+                <a:cubicBezTo>
+                  <a:pt x="225550" y="416521"/>
+                  <a:pt x="239264" y="404172"/>
+                  <a:pt x="249767" y="389467"/>
+                </a:cubicBezTo>
+                <a:cubicBezTo>
+                  <a:pt x="256822" y="379589"/>
+                  <a:pt x="262813" y="368856"/>
+                  <a:pt x="270933" y="359833"/>
+                </a:cubicBezTo>
+                <a:cubicBezTo>
+                  <a:pt x="275653" y="354588"/>
+                  <a:pt x="283147" y="352377"/>
+                  <a:pt x="287867" y="347133"/>
+                </a:cubicBezTo>
+                <a:cubicBezTo>
+                  <a:pt x="295987" y="338110"/>
+                  <a:pt x="301346" y="326895"/>
+                  <a:pt x="309033" y="317500"/>
+                </a:cubicBezTo>
+                <a:cubicBezTo>
+                  <a:pt x="318837" y="305517"/>
+                  <a:pt x="360755" y="269758"/>
+                  <a:pt x="364067" y="266700"/>
+                </a:cubicBezTo>
+                <a:cubicBezTo>
+                  <a:pt x="399121" y="234343"/>
+                  <a:pt x="364212" y="266514"/>
+                  <a:pt x="393700" y="228600"/>
+                </a:cubicBezTo>
+                <a:cubicBezTo>
+                  <a:pt x="398601" y="222299"/>
+                  <a:pt x="405993" y="218162"/>
+                  <a:pt x="410633" y="211667"/>
+                </a:cubicBezTo>
+                <a:cubicBezTo>
+                  <a:pt x="420198" y="198276"/>
+                  <a:pt x="430828" y="184945"/>
+                  <a:pt x="436033" y="169333"/>
+                </a:cubicBezTo>
+                <a:cubicBezTo>
+                  <a:pt x="437444" y="165100"/>
+                  <a:pt x="437708" y="160289"/>
+                  <a:pt x="440267" y="156633"/>
+                </a:cubicBezTo>
+                <a:cubicBezTo>
+                  <a:pt x="447728" y="145975"/>
+                  <a:pt x="458015" y="137521"/>
+                  <a:pt x="465667" y="127000"/>
+                </a:cubicBezTo>
+                <a:cubicBezTo>
+                  <a:pt x="469379" y="121896"/>
+                  <a:pt x="470093" y="114915"/>
+                  <a:pt x="474133" y="110067"/>
+                </a:cubicBezTo>
+                <a:cubicBezTo>
+                  <a:pt x="477390" y="106158"/>
+                  <a:pt x="482763" y="104653"/>
+                  <a:pt x="486833" y="101600"/>
+                </a:cubicBezTo>
+                <a:cubicBezTo>
+                  <a:pt x="494061" y="96179"/>
+                  <a:pt x="501247" y="90670"/>
+                  <a:pt x="508000" y="84667"/>
+                </a:cubicBezTo>
+                <a:cubicBezTo>
+                  <a:pt x="513966" y="79364"/>
+                  <a:pt x="518967" y="73036"/>
+                  <a:pt x="524933" y="67733"/>
+                </a:cubicBezTo>
+                <a:cubicBezTo>
+                  <a:pt x="531686" y="61730"/>
+                  <a:pt x="539347" y="56803"/>
+                  <a:pt x="546100" y="50800"/>
+                </a:cubicBezTo>
+                <a:cubicBezTo>
+                  <a:pt x="555889" y="42099"/>
+                  <a:pt x="563238" y="30755"/>
+                  <a:pt x="575733" y="25400"/>
+                </a:cubicBezTo>
+                <a:cubicBezTo>
+                  <a:pt x="581081" y="23108"/>
+                  <a:pt x="587022" y="22578"/>
+                  <a:pt x="592667" y="21167"/>
+                </a:cubicBezTo>
+                <a:cubicBezTo>
+                  <a:pt x="596900" y="15522"/>
+                  <a:pt x="599626" y="8334"/>
+                  <a:pt x="605367" y="4233"/>
+                </a:cubicBezTo>
+                <a:cubicBezTo>
+                  <a:pt x="610101" y="851"/>
+                  <a:pt x="622300" y="0"/>
+                  <a:pt x="622300" y="0"/>
+                </a:cubicBezTo>
+              </a:path>
+            </a:pathLst>
+          </a:custGeom>
+          <a:noFill/>
+          <a:ln w="76200">
+            <a:solidFill>
+              <a:srgbClr val="E71224"/>
+            </a:solidFill>
+          </a:ln>
+        </p:spPr>
+        <p:style>
+          <a:lnRef idx="2">
+            <a:schemeClr val="accent1">
+              <a:shade val="50000"/>
+            </a:schemeClr>
+          </a:lnRef>
+          <a:fillRef idx="1">
+            <a:schemeClr val="accent1"/>
+          </a:fillRef>
+          <a:effectRef idx="0">
+            <a:schemeClr val="accent1"/>
+          </a:effectRef>
+          <a:fontRef idx="minor">
+            <a:schemeClr val="lt1"/>
+          </a:fontRef>
+        </p:style>
+        <p:txBody>
+          <a:bodyPr rtlCol="1" anchor="ctr"/>
+          <a:lstStyle/>
+          <a:p>
+            <a:pPr algn="ctr"/>
+            <a:endParaRPr lang="he-IL" sz="5400"/>
+          </a:p>
+        </p:txBody>
+      </p:sp>
+      <p:sp>
+        <p:nvSpPr>
+          <p:cNvPr id="103" name="Rectangle: Rounded Corners 102">
+            <a:extLst>
+              <a:ext uri="{FF2B5EF4-FFF2-40B4-BE49-F238E27FC236}">
+                <a16:creationId xmlns:a16="http://schemas.microsoft.com/office/drawing/2014/main" id="{AEE9CA0C-C3B9-3C43-9DD3-3FFD63404702}"/>
+              </a:ext>
+            </a:extLst>
+          </p:cNvPr>
+          <p:cNvSpPr/>
+          <p:nvPr/>
+        </p:nvSpPr>
+        <p:spPr>
+          <a:xfrm>
+            <a:off x="1068737" y="3912113"/>
+            <a:ext cx="2120559" cy="380173"/>
+          </a:xfrm>
+          <a:prstGeom prst="roundRect">
+            <a:avLst/>
+          </a:prstGeom>
+          <a:ln w="38100"/>
+        </p:spPr>
+        <p:style>
+          <a:lnRef idx="2">
+            <a:schemeClr val="accent1">
+              <a:shade val="50000"/>
+            </a:schemeClr>
+          </a:lnRef>
+          <a:fillRef idx="1">
+            <a:schemeClr val="accent1"/>
+          </a:fillRef>
+          <a:effectRef idx="0">
+            <a:schemeClr val="accent1"/>
+          </a:effectRef>
+          <a:fontRef idx="minor">
+            <a:schemeClr val="lt1"/>
+          </a:fontRef>
+        </p:style>
+        <p:txBody>
+          <a:bodyPr rtlCol="1" anchor="ctr"/>
+          <a:lstStyle/>
+          <a:p>
+            <a:pPr algn="ctr"/>
+            <a:r>
+              <a:rPr lang="en-US" sz="2800" dirty="0"/>
+              <a:t>Screen</a:t>
+            </a:r>
+            <a:endParaRPr lang="he-IL" sz="2800" dirty="0"/>
+          </a:p>
+        </p:txBody>
+      </p:sp>
+      <p:cxnSp>
+        <p:nvCxnSpPr>
+          <p:cNvPr id="108" name="Straight Connector 107">
+            <a:extLst>
+              <a:ext uri="{FF2B5EF4-FFF2-40B4-BE49-F238E27FC236}">
+                <a16:creationId xmlns:a16="http://schemas.microsoft.com/office/drawing/2014/main" id="{BE480602-FA6F-586E-1809-F251227A97A5}"/>
+              </a:ext>
+            </a:extLst>
+          </p:cNvPr>
+          <p:cNvCxnSpPr/>
+          <p:nvPr/>
+        </p:nvCxnSpPr>
+        <p:spPr>
+          <a:xfrm flipV="1">
+            <a:off x="1539789" y="4292286"/>
+            <a:ext cx="0" cy="1934703"/>
+          </a:xfrm>
+          <a:prstGeom prst="line">
+            <a:avLst/>
+          </a:prstGeom>
+          <a:ln w="28575">
+            <a:solidFill>
+              <a:schemeClr val="tx1"/>
+            </a:solidFill>
+            <a:prstDash val="sysDash"/>
+          </a:ln>
+        </p:spPr>
+        <p:style>
+          <a:lnRef idx="1">
+            <a:schemeClr val="accent1"/>
+          </a:lnRef>
+          <a:fillRef idx="0">
+            <a:schemeClr val="accent1"/>
+          </a:fillRef>
+          <a:effectRef idx="0">
+            <a:schemeClr val="accent1"/>
+          </a:effectRef>
+          <a:fontRef idx="minor">
+            <a:schemeClr val="tx1"/>
+          </a:fontRef>
+        </p:style>
+      </p:cxnSp>
+      <p:sp>
+        <p:nvSpPr>
+          <p:cNvPr id="110" name="Freeform: Shape 109">
+            <a:extLst>
+              <a:ext uri="{FF2B5EF4-FFF2-40B4-BE49-F238E27FC236}">
+                <a16:creationId xmlns:a16="http://schemas.microsoft.com/office/drawing/2014/main" id="{E6F7731B-BD45-89AF-84B1-F73F86F6158F}"/>
+              </a:ext>
+            </a:extLst>
+          </p:cNvPr>
+          <p:cNvSpPr/>
+          <p:nvPr/>
+        </p:nvSpPr>
+        <p:spPr>
+          <a:xfrm>
+            <a:off x="9506070" y="4273207"/>
+            <a:ext cx="1190969" cy="1962837"/>
+          </a:xfrm>
+          <a:custGeom>
+            <a:avLst/>
+            <a:gdLst>
+              <a:gd name="connsiteX0" fmla="*/ 589006 w 1206844"/>
+              <a:gd name="connsiteY0" fmla="*/ 1923535 h 1944130"/>
+              <a:gd name="connsiteX1" fmla="*/ 654908 w 1206844"/>
+              <a:gd name="connsiteY1" fmla="*/ 1754659 h 1944130"/>
+              <a:gd name="connsiteX2" fmla="*/ 667265 w 1206844"/>
+              <a:gd name="connsiteY2" fmla="*/ 1441621 h 1944130"/>
+              <a:gd name="connsiteX3" fmla="*/ 679622 w 1206844"/>
+              <a:gd name="connsiteY3" fmla="*/ 1173892 h 1944130"/>
+              <a:gd name="connsiteX4" fmla="*/ 700217 w 1206844"/>
+              <a:gd name="connsiteY4" fmla="*/ 864973 h 1944130"/>
+              <a:gd name="connsiteX5" fmla="*/ 745525 w 1206844"/>
+              <a:gd name="connsiteY5" fmla="*/ 753762 h 1944130"/>
+              <a:gd name="connsiteX6" fmla="*/ 774357 w 1206844"/>
+              <a:gd name="connsiteY6" fmla="*/ 580767 h 1944130"/>
+              <a:gd name="connsiteX7" fmla="*/ 819665 w 1206844"/>
+              <a:gd name="connsiteY7" fmla="*/ 457200 h 1944130"/>
+              <a:gd name="connsiteX8" fmla="*/ 930876 w 1206844"/>
+              <a:gd name="connsiteY8" fmla="*/ 354227 h 1944130"/>
+              <a:gd name="connsiteX9" fmla="*/ 959708 w 1206844"/>
+              <a:gd name="connsiteY9" fmla="*/ 313038 h 1944130"/>
+              <a:gd name="connsiteX10" fmla="*/ 1037968 w 1206844"/>
+              <a:gd name="connsiteY10" fmla="*/ 230659 h 1944130"/>
+              <a:gd name="connsiteX11" fmla="*/ 1107990 w 1206844"/>
+              <a:gd name="connsiteY11" fmla="*/ 140043 h 1944130"/>
+              <a:gd name="connsiteX12" fmla="*/ 1161535 w 1206844"/>
+              <a:gd name="connsiteY12" fmla="*/ 90616 h 1944130"/>
+              <a:gd name="connsiteX13" fmla="*/ 1206844 w 1206844"/>
+              <a:gd name="connsiteY13" fmla="*/ 16475 h 1944130"/>
+              <a:gd name="connsiteX14" fmla="*/ 0 w 1206844"/>
+              <a:gd name="connsiteY14" fmla="*/ 0 h 1944130"/>
+              <a:gd name="connsiteX15" fmla="*/ 4119 w 1206844"/>
+              <a:gd name="connsiteY15" fmla="*/ 1944130 h 1944130"/>
+              <a:gd name="connsiteX16" fmla="*/ 589006 w 1206844"/>
+              <a:gd name="connsiteY16" fmla="*/ 1923535 h 1944130"/>
+              <a:gd name="connsiteX0" fmla="*/ 593125 w 1206844"/>
+              <a:gd name="connsiteY0" fmla="*/ 1956487 h 1956487"/>
+              <a:gd name="connsiteX1" fmla="*/ 654908 w 1206844"/>
+              <a:gd name="connsiteY1" fmla="*/ 1754659 h 1956487"/>
+              <a:gd name="connsiteX2" fmla="*/ 667265 w 1206844"/>
+              <a:gd name="connsiteY2" fmla="*/ 1441621 h 1956487"/>
+              <a:gd name="connsiteX3" fmla="*/ 679622 w 1206844"/>
+              <a:gd name="connsiteY3" fmla="*/ 1173892 h 1956487"/>
+              <a:gd name="connsiteX4" fmla="*/ 700217 w 1206844"/>
+              <a:gd name="connsiteY4" fmla="*/ 864973 h 1956487"/>
+              <a:gd name="connsiteX5" fmla="*/ 745525 w 1206844"/>
+              <a:gd name="connsiteY5" fmla="*/ 753762 h 1956487"/>
+              <a:gd name="connsiteX6" fmla="*/ 774357 w 1206844"/>
+              <a:gd name="connsiteY6" fmla="*/ 580767 h 1956487"/>
+              <a:gd name="connsiteX7" fmla="*/ 819665 w 1206844"/>
+              <a:gd name="connsiteY7" fmla="*/ 457200 h 1956487"/>
+              <a:gd name="connsiteX8" fmla="*/ 930876 w 1206844"/>
+              <a:gd name="connsiteY8" fmla="*/ 354227 h 1956487"/>
+              <a:gd name="connsiteX9" fmla="*/ 959708 w 1206844"/>
+              <a:gd name="connsiteY9" fmla="*/ 313038 h 1956487"/>
+              <a:gd name="connsiteX10" fmla="*/ 1037968 w 1206844"/>
+              <a:gd name="connsiteY10" fmla="*/ 230659 h 1956487"/>
+              <a:gd name="connsiteX11" fmla="*/ 1107990 w 1206844"/>
+              <a:gd name="connsiteY11" fmla="*/ 140043 h 1956487"/>
+              <a:gd name="connsiteX12" fmla="*/ 1161535 w 1206844"/>
+              <a:gd name="connsiteY12" fmla="*/ 90616 h 1956487"/>
+              <a:gd name="connsiteX13" fmla="*/ 1206844 w 1206844"/>
+              <a:gd name="connsiteY13" fmla="*/ 16475 h 1956487"/>
+              <a:gd name="connsiteX14" fmla="*/ 0 w 1206844"/>
+              <a:gd name="connsiteY14" fmla="*/ 0 h 1956487"/>
+              <a:gd name="connsiteX15" fmla="*/ 4119 w 1206844"/>
+              <a:gd name="connsiteY15" fmla="*/ 1944130 h 1956487"/>
+              <a:gd name="connsiteX16" fmla="*/ 593125 w 1206844"/>
+              <a:gd name="connsiteY16" fmla="*/ 1956487 h 1956487"/>
+              <a:gd name="connsiteX0" fmla="*/ 593125 w 1206844"/>
+              <a:gd name="connsiteY0" fmla="*/ 1956487 h 1956487"/>
+              <a:gd name="connsiteX1" fmla="*/ 654908 w 1206844"/>
+              <a:gd name="connsiteY1" fmla="*/ 1754659 h 1956487"/>
+              <a:gd name="connsiteX2" fmla="*/ 667265 w 1206844"/>
+              <a:gd name="connsiteY2" fmla="*/ 1441621 h 1956487"/>
+              <a:gd name="connsiteX3" fmla="*/ 679622 w 1206844"/>
+              <a:gd name="connsiteY3" fmla="*/ 1173892 h 1956487"/>
+              <a:gd name="connsiteX4" fmla="*/ 700217 w 1206844"/>
+              <a:gd name="connsiteY4" fmla="*/ 864973 h 1956487"/>
+              <a:gd name="connsiteX5" fmla="*/ 745525 w 1206844"/>
+              <a:gd name="connsiteY5" fmla="*/ 753762 h 1956487"/>
+              <a:gd name="connsiteX6" fmla="*/ 774357 w 1206844"/>
+              <a:gd name="connsiteY6" fmla="*/ 580767 h 1956487"/>
+              <a:gd name="connsiteX7" fmla="*/ 819665 w 1206844"/>
+              <a:gd name="connsiteY7" fmla="*/ 457200 h 1956487"/>
+              <a:gd name="connsiteX8" fmla="*/ 930876 w 1206844"/>
+              <a:gd name="connsiteY8" fmla="*/ 354227 h 1956487"/>
+              <a:gd name="connsiteX9" fmla="*/ 959708 w 1206844"/>
+              <a:gd name="connsiteY9" fmla="*/ 313038 h 1956487"/>
+              <a:gd name="connsiteX10" fmla="*/ 1037968 w 1206844"/>
+              <a:gd name="connsiteY10" fmla="*/ 230659 h 1956487"/>
+              <a:gd name="connsiteX11" fmla="*/ 1107990 w 1206844"/>
+              <a:gd name="connsiteY11" fmla="*/ 140043 h 1956487"/>
+              <a:gd name="connsiteX12" fmla="*/ 1161535 w 1206844"/>
+              <a:gd name="connsiteY12" fmla="*/ 90616 h 1956487"/>
+              <a:gd name="connsiteX13" fmla="*/ 1206844 w 1206844"/>
+              <a:gd name="connsiteY13" fmla="*/ 16475 h 1956487"/>
+              <a:gd name="connsiteX14" fmla="*/ 0 w 1206844"/>
+              <a:gd name="connsiteY14" fmla="*/ 0 h 1956487"/>
+              <a:gd name="connsiteX15" fmla="*/ 54919 w 1206844"/>
+              <a:gd name="connsiteY15" fmla="*/ 1944130 h 1956487"/>
+              <a:gd name="connsiteX16" fmla="*/ 593125 w 1206844"/>
+              <a:gd name="connsiteY16" fmla="*/ 1956487 h 1956487"/>
+              <a:gd name="connsiteX0" fmla="*/ 577250 w 1190969"/>
+              <a:gd name="connsiteY0" fmla="*/ 1962837 h 1962837"/>
+              <a:gd name="connsiteX1" fmla="*/ 639033 w 1190969"/>
+              <a:gd name="connsiteY1" fmla="*/ 1761009 h 1962837"/>
+              <a:gd name="connsiteX2" fmla="*/ 651390 w 1190969"/>
+              <a:gd name="connsiteY2" fmla="*/ 1447971 h 1962837"/>
+              <a:gd name="connsiteX3" fmla="*/ 663747 w 1190969"/>
+              <a:gd name="connsiteY3" fmla="*/ 1180242 h 1962837"/>
+              <a:gd name="connsiteX4" fmla="*/ 684342 w 1190969"/>
+              <a:gd name="connsiteY4" fmla="*/ 871323 h 1962837"/>
+              <a:gd name="connsiteX5" fmla="*/ 729650 w 1190969"/>
+              <a:gd name="connsiteY5" fmla="*/ 760112 h 1962837"/>
+              <a:gd name="connsiteX6" fmla="*/ 758482 w 1190969"/>
+              <a:gd name="connsiteY6" fmla="*/ 587117 h 1962837"/>
+              <a:gd name="connsiteX7" fmla="*/ 803790 w 1190969"/>
+              <a:gd name="connsiteY7" fmla="*/ 463550 h 1962837"/>
+              <a:gd name="connsiteX8" fmla="*/ 915001 w 1190969"/>
+              <a:gd name="connsiteY8" fmla="*/ 360577 h 1962837"/>
+              <a:gd name="connsiteX9" fmla="*/ 943833 w 1190969"/>
+              <a:gd name="connsiteY9" fmla="*/ 319388 h 1962837"/>
+              <a:gd name="connsiteX10" fmla="*/ 1022093 w 1190969"/>
+              <a:gd name="connsiteY10" fmla="*/ 237009 h 1962837"/>
+              <a:gd name="connsiteX11" fmla="*/ 1092115 w 1190969"/>
+              <a:gd name="connsiteY11" fmla="*/ 146393 h 1962837"/>
+              <a:gd name="connsiteX12" fmla="*/ 1145660 w 1190969"/>
+              <a:gd name="connsiteY12" fmla="*/ 96966 h 1962837"/>
+              <a:gd name="connsiteX13" fmla="*/ 1190969 w 1190969"/>
+              <a:gd name="connsiteY13" fmla="*/ 22825 h 1962837"/>
+              <a:gd name="connsiteX14" fmla="*/ 0 w 1190969"/>
+              <a:gd name="connsiteY14" fmla="*/ 0 h 1962837"/>
+              <a:gd name="connsiteX15" fmla="*/ 39044 w 1190969"/>
+              <a:gd name="connsiteY15" fmla="*/ 1950480 h 1962837"/>
+              <a:gd name="connsiteX16" fmla="*/ 577250 w 1190969"/>
+              <a:gd name="connsiteY16" fmla="*/ 1962837 h 1962837"/>
+            </a:gdLst>
+            <a:ahLst/>
+            <a:cxnLst>
+              <a:cxn ang="0">
+                <a:pos x="connsiteX0" y="connsiteY0"/>
+              </a:cxn>
+              <a:cxn ang="0">
+                <a:pos x="connsiteX1" y="connsiteY1"/>
+              </a:cxn>
+              <a:cxn ang="0">
+                <a:pos x="connsiteX2" y="connsiteY2"/>
+              </a:cxn>
+              <a:cxn ang="0">
+                <a:pos x="connsiteX3" y="connsiteY3"/>
+              </a:cxn>
+              <a:cxn ang="0">
+                <a:pos x="connsiteX4" y="connsiteY4"/>
+              </a:cxn>
+              <a:cxn ang="0">
+                <a:pos x="connsiteX5" y="connsiteY5"/>
+              </a:cxn>
+              <a:cxn ang="0">
+                <a:pos x="connsiteX6" y="connsiteY6"/>
+              </a:cxn>
+              <a:cxn ang="0">
+                <a:pos x="connsiteX7" y="connsiteY7"/>
+              </a:cxn>
+              <a:cxn ang="0">
+                <a:pos x="connsiteX8" y="connsiteY8"/>
+              </a:cxn>
+              <a:cxn ang="0">
+                <a:pos x="connsiteX9" y="connsiteY9"/>
+              </a:cxn>
+              <a:cxn ang="0">
+                <a:pos x="connsiteX10" y="connsiteY10"/>
+              </a:cxn>
+              <a:cxn ang="0">
+                <a:pos x="connsiteX11" y="connsiteY11"/>
+              </a:cxn>
+              <a:cxn ang="0">
+                <a:pos x="connsiteX12" y="connsiteY12"/>
+              </a:cxn>
+              <a:cxn ang="0">
+                <a:pos x="connsiteX13" y="connsiteY13"/>
+              </a:cxn>
+              <a:cxn ang="0">
+                <a:pos x="connsiteX14" y="connsiteY14"/>
+              </a:cxn>
+              <a:cxn ang="0">
+                <a:pos x="connsiteX15" y="connsiteY15"/>
+              </a:cxn>
+              <a:cxn ang="0">
+                <a:pos x="connsiteX16" y="connsiteY16"/>
+              </a:cxn>
+            </a:cxnLst>
+            <a:rect l="l" t="t" r="r" b="b"/>
+            <a:pathLst>
+              <a:path w="1190969" h="1962837">
+                <a:moveTo>
+                  <a:pt x="577250" y="1962837"/>
+                </a:moveTo>
+                <a:lnTo>
+                  <a:pt x="639033" y="1761009"/>
+                </a:lnTo>
+                <a:lnTo>
+                  <a:pt x="651390" y="1447971"/>
+                </a:lnTo>
+                <a:lnTo>
+                  <a:pt x="663747" y="1180242"/>
+                </a:lnTo>
+                <a:lnTo>
+                  <a:pt x="684342" y="871323"/>
+                </a:lnTo>
+                <a:lnTo>
+                  <a:pt x="729650" y="760112"/>
+                </a:lnTo>
+                <a:lnTo>
+                  <a:pt x="758482" y="587117"/>
+                </a:lnTo>
+                <a:lnTo>
+                  <a:pt x="803790" y="463550"/>
+                </a:lnTo>
+                <a:lnTo>
+                  <a:pt x="915001" y="360577"/>
+                </a:lnTo>
+                <a:cubicBezTo>
+                  <a:pt x="938473" y="327716"/>
+                  <a:pt x="929045" y="341571"/>
+                  <a:pt x="943833" y="319388"/>
+                </a:cubicBezTo>
+                <a:lnTo>
+                  <a:pt x="1022093" y="237009"/>
+                </a:lnTo>
+                <a:lnTo>
+                  <a:pt x="1092115" y="146393"/>
+                </a:lnTo>
+                <a:lnTo>
+                  <a:pt x="1145660" y="96966"/>
+                </a:lnTo>
+                <a:lnTo>
+                  <a:pt x="1190969" y="22825"/>
+                </a:lnTo>
+                <a:lnTo>
+                  <a:pt x="0" y="0"/>
+                </a:lnTo>
+                <a:lnTo>
+                  <a:pt x="39044" y="1950480"/>
+                </a:lnTo>
+                <a:lnTo>
+                  <a:pt x="577250" y="1962837"/>
+                </a:lnTo>
+                <a:close/>
+              </a:path>
+            </a:pathLst>
+          </a:custGeom>
+          <a:solidFill>
+            <a:srgbClr val="FF0000">
+              <a:alpha val="38824"/>
+            </a:srgbClr>
+          </a:solidFill>
+          <a:ln>
+            <a:noFill/>
+          </a:ln>
+        </p:spPr>
+        <p:style>
+          <a:lnRef idx="2">
+            <a:schemeClr val="accent1">
+              <a:shade val="50000"/>
+            </a:schemeClr>
+          </a:lnRef>
+          <a:fillRef idx="1">
+            <a:schemeClr val="accent1"/>
+          </a:fillRef>
+          <a:effectRef idx="0">
+            <a:schemeClr val="accent1"/>
+          </a:effectRef>
+          <a:fontRef idx="minor">
+            <a:schemeClr val="lt1"/>
+          </a:fontRef>
+        </p:style>
+        <p:txBody>
+          <a:bodyPr rtlCol="1" anchor="ctr"/>
+          <a:lstStyle/>
+          <a:p>
+            <a:pPr algn="ctr"/>
+            <a:endParaRPr lang="he-IL"/>
+          </a:p>
+        </p:txBody>
+      </p:sp>
+      <p:sp>
+        <p:nvSpPr>
+          <p:cNvPr id="112" name="Freeform: Shape 111">
+            <a:extLst>
+              <a:ext uri="{FF2B5EF4-FFF2-40B4-BE49-F238E27FC236}">
+                <a16:creationId xmlns:a16="http://schemas.microsoft.com/office/drawing/2014/main" id="{4BFF4E8A-FCE2-3E73-9E20-2D708E44DC04}"/>
+              </a:ext>
+            </a:extLst>
+          </p:cNvPr>
+          <p:cNvSpPr/>
+          <p:nvPr/>
+        </p:nvSpPr>
+        <p:spPr>
+          <a:xfrm>
+            <a:off x="9490195" y="4300151"/>
+            <a:ext cx="601362" cy="1935892"/>
+          </a:xfrm>
+          <a:custGeom>
+            <a:avLst/>
+            <a:gdLst>
+              <a:gd name="connsiteX0" fmla="*/ 0 w 601362"/>
+              <a:gd name="connsiteY0" fmla="*/ 12357 h 1935892"/>
+              <a:gd name="connsiteX1" fmla="*/ 12356 w 601362"/>
+              <a:gd name="connsiteY1" fmla="*/ 1935892 h 1935892"/>
+              <a:gd name="connsiteX2" fmla="*/ 580767 w 601362"/>
+              <a:gd name="connsiteY2" fmla="*/ 1927654 h 1935892"/>
+              <a:gd name="connsiteX3" fmla="*/ 601362 w 601362"/>
+              <a:gd name="connsiteY3" fmla="*/ 1729946 h 1935892"/>
+              <a:gd name="connsiteX4" fmla="*/ 601362 w 601362"/>
+              <a:gd name="connsiteY4" fmla="*/ 1519881 h 1935892"/>
+              <a:gd name="connsiteX5" fmla="*/ 601362 w 601362"/>
+              <a:gd name="connsiteY5" fmla="*/ 1363363 h 1935892"/>
+              <a:gd name="connsiteX6" fmla="*/ 551935 w 601362"/>
+              <a:gd name="connsiteY6" fmla="*/ 1178011 h 1935892"/>
+              <a:gd name="connsiteX7" fmla="*/ 506627 w 601362"/>
+              <a:gd name="connsiteY7" fmla="*/ 939114 h 1935892"/>
+              <a:gd name="connsiteX8" fmla="*/ 469556 w 601362"/>
+              <a:gd name="connsiteY8" fmla="*/ 807308 h 1935892"/>
+              <a:gd name="connsiteX9" fmla="*/ 420129 w 601362"/>
+              <a:gd name="connsiteY9" fmla="*/ 654908 h 1935892"/>
+              <a:gd name="connsiteX10" fmla="*/ 341870 w 601362"/>
+              <a:gd name="connsiteY10" fmla="*/ 481914 h 1935892"/>
+              <a:gd name="connsiteX11" fmla="*/ 275967 w 601362"/>
+              <a:gd name="connsiteY11" fmla="*/ 308919 h 1935892"/>
+              <a:gd name="connsiteX12" fmla="*/ 255373 w 601362"/>
+              <a:gd name="connsiteY12" fmla="*/ 185352 h 1935892"/>
+              <a:gd name="connsiteX13" fmla="*/ 140043 w 601362"/>
+              <a:gd name="connsiteY13" fmla="*/ 61784 h 1935892"/>
+              <a:gd name="connsiteX14" fmla="*/ 70021 w 601362"/>
+              <a:gd name="connsiteY14" fmla="*/ 0 h 1935892"/>
+              <a:gd name="connsiteX15" fmla="*/ 0 w 601362"/>
+              <a:gd name="connsiteY15" fmla="*/ 12357 h 1935892"/>
+            </a:gdLst>
+            <a:ahLst/>
+            <a:cxnLst>
+              <a:cxn ang="0">
+                <a:pos x="connsiteX0" y="connsiteY0"/>
+              </a:cxn>
+              <a:cxn ang="0">
+                <a:pos x="connsiteX1" y="connsiteY1"/>
+              </a:cxn>
+              <a:cxn ang="0">
+                <a:pos x="connsiteX2" y="connsiteY2"/>
+              </a:cxn>
+              <a:cxn ang="0">
+                <a:pos x="connsiteX3" y="connsiteY3"/>
+              </a:cxn>
+              <a:cxn ang="0">
+                <a:pos x="connsiteX4" y="connsiteY4"/>
+              </a:cxn>
+              <a:cxn ang="0">
+                <a:pos x="connsiteX5" y="connsiteY5"/>
+              </a:cxn>
+              <a:cxn ang="0">
+                <a:pos x="connsiteX6" y="connsiteY6"/>
+              </a:cxn>
+              <a:cxn ang="0">
+                <a:pos x="connsiteX7" y="connsiteY7"/>
+              </a:cxn>
+              <a:cxn ang="0">
+                <a:pos x="connsiteX8" y="connsiteY8"/>
+              </a:cxn>
+              <a:cxn ang="0">
+                <a:pos x="connsiteX9" y="connsiteY9"/>
+              </a:cxn>
+              <a:cxn ang="0">
+                <a:pos x="connsiteX10" y="connsiteY10"/>
+              </a:cxn>
+              <a:cxn ang="0">
+                <a:pos x="connsiteX11" y="connsiteY11"/>
+              </a:cxn>
+              <a:cxn ang="0">
+                <a:pos x="connsiteX12" y="connsiteY12"/>
+              </a:cxn>
+              <a:cxn ang="0">
+                <a:pos x="connsiteX13" y="connsiteY13"/>
+              </a:cxn>
+              <a:cxn ang="0">
+                <a:pos x="connsiteX14" y="connsiteY14"/>
+              </a:cxn>
+              <a:cxn ang="0">
+                <a:pos x="connsiteX15" y="connsiteY15"/>
+              </a:cxn>
+            </a:cxnLst>
+            <a:rect l="l" t="t" r="r" b="b"/>
+            <a:pathLst>
+              <a:path w="601362" h="1935892">
+                <a:moveTo>
+                  <a:pt x="0" y="12357"/>
+                </a:moveTo>
+                <a:cubicBezTo>
+                  <a:pt x="4119" y="653535"/>
+                  <a:pt x="8237" y="1294714"/>
+                  <a:pt x="12356" y="1935892"/>
+                </a:cubicBezTo>
+                <a:lnTo>
+                  <a:pt x="580767" y="1927654"/>
+                </a:lnTo>
+                <a:lnTo>
+                  <a:pt x="601362" y="1729946"/>
+                </a:lnTo>
+                <a:lnTo>
+                  <a:pt x="601362" y="1519881"/>
+                </a:lnTo>
+                <a:lnTo>
+                  <a:pt x="601362" y="1363363"/>
+                </a:lnTo>
+                <a:lnTo>
+                  <a:pt x="551935" y="1178011"/>
+                </a:lnTo>
+                <a:lnTo>
+                  <a:pt x="506627" y="939114"/>
+                </a:lnTo>
+                <a:lnTo>
+                  <a:pt x="469556" y="807308"/>
+                </a:lnTo>
+                <a:lnTo>
+                  <a:pt x="420129" y="654908"/>
+                </a:lnTo>
+                <a:lnTo>
+                  <a:pt x="341870" y="481914"/>
+                </a:lnTo>
+                <a:lnTo>
+                  <a:pt x="275967" y="308919"/>
+                </a:lnTo>
+                <a:lnTo>
+                  <a:pt x="255373" y="185352"/>
+                </a:lnTo>
+                <a:lnTo>
+                  <a:pt x="140043" y="61784"/>
+                </a:lnTo>
+                <a:lnTo>
+                  <a:pt x="70021" y="0"/>
+                </a:lnTo>
+                <a:lnTo>
+                  <a:pt x="0" y="12357"/>
+                </a:lnTo>
+                <a:close/>
+              </a:path>
+            </a:pathLst>
+          </a:custGeom>
+          <a:solidFill>
+            <a:schemeClr val="bg1"/>
+          </a:solidFill>
+          <a:ln>
+            <a:noFill/>
+          </a:ln>
+        </p:spPr>
+        <p:style>
+          <a:lnRef idx="2">
+            <a:schemeClr val="accent1">
+              <a:shade val="50000"/>
+            </a:schemeClr>
+          </a:lnRef>
+          <a:fillRef idx="1">
+            <a:schemeClr val="accent1"/>
+          </a:fillRef>
+          <a:effectRef idx="0">
+            <a:schemeClr val="accent1"/>
+          </a:effectRef>
+          <a:fontRef idx="minor">
+            <a:schemeClr val="lt1"/>
+          </a:fontRef>
+        </p:style>
+        <p:txBody>
+          <a:bodyPr rtlCol="1" anchor="ctr"/>
+          <a:lstStyle/>
+          <a:p>
+            <a:pPr algn="ctr"/>
+            <a:endParaRPr lang="he-IL"/>
+          </a:p>
+        </p:txBody>
+      </p:sp>
+      <p:sp>
+        <p:nvSpPr>
+          <p:cNvPr id="113" name="TextBox 112">
+            <a:extLst>
+              <a:ext uri="{FF2B5EF4-FFF2-40B4-BE49-F238E27FC236}">
+                <a16:creationId xmlns:a16="http://schemas.microsoft.com/office/drawing/2014/main" id="{F2071075-FCB5-9183-4A6D-3C71FCFC24AD}"/>
+              </a:ext>
+            </a:extLst>
+          </p:cNvPr>
+          <p:cNvSpPr txBox="1"/>
+          <p:nvPr/>
+        </p:nvSpPr>
+        <p:spPr>
+          <a:xfrm>
+            <a:off x="9658324" y="4292286"/>
+            <a:ext cx="817038" cy="584775"/>
+          </a:xfrm>
+          <a:prstGeom prst="rect">
+            <a:avLst/>
+          </a:prstGeom>
+          <a:noFill/>
+        </p:spPr>
+        <p:txBody>
+          <a:bodyPr wrap="square" rtlCol="1">
+            <a:spAutoFit/>
+          </a:bodyPr>
+          <a:lstStyle/>
+          <a:p>
+            <a:pPr algn="ctr"/>
+            <a:r>
+              <a:rPr lang="en-US" sz="1600" dirty="0">
+                <a:solidFill>
+                  <a:schemeClr val="bg1"/>
+                </a:solidFill>
+              </a:rPr>
+              <a:t>Reach Area</a:t>
+            </a:r>
+          </a:p>
+        </p:txBody>
+      </p:sp>
+      <p:sp>
+        <p:nvSpPr>
+          <p:cNvPr id="123" name="TextBox 122">
+            <a:extLst>
+              <a:ext uri="{FF2B5EF4-FFF2-40B4-BE49-F238E27FC236}">
+                <a16:creationId xmlns:a16="http://schemas.microsoft.com/office/drawing/2014/main" id="{CE77279D-7EDE-B450-4856-A7812AAB3E7E}"/>
+              </a:ext>
+            </a:extLst>
+          </p:cNvPr>
+          <p:cNvSpPr txBox="1"/>
+          <p:nvPr/>
+        </p:nvSpPr>
+        <p:spPr>
+          <a:xfrm>
+            <a:off x="2216277" y="5930626"/>
+            <a:ext cx="1579246" cy="307777"/>
+          </a:xfrm>
+          <a:prstGeom prst="rect">
+            <a:avLst/>
+          </a:prstGeom>
+          <a:noFill/>
+        </p:spPr>
+        <p:txBody>
+          <a:bodyPr wrap="square" rtlCol="1">
+            <a:spAutoFit/>
+          </a:bodyPr>
+          <a:lstStyle/>
+          <a:p>
+            <a:r>
+              <a:rPr lang="en-US" sz="1400" dirty="0">
+                <a:solidFill>
+                  <a:srgbClr val="E71224"/>
+                </a:solidFill>
+              </a:rPr>
+              <a:t>Average Path Right</a:t>
+            </a:r>
+            <a:endParaRPr lang="he-IL" sz="1400" dirty="0">
+              <a:solidFill>
+                <a:srgbClr val="E71224"/>
+              </a:solidFill>
+            </a:endParaRPr>
+          </a:p>
+        </p:txBody>
+      </p:sp>
+      <p:cxnSp>
+        <p:nvCxnSpPr>
+          <p:cNvPr id="115" name="Straight Connector 114">
+            <a:extLst>
+              <a:ext uri="{FF2B5EF4-FFF2-40B4-BE49-F238E27FC236}">
+                <a16:creationId xmlns:a16="http://schemas.microsoft.com/office/drawing/2014/main" id="{0AB97F23-D905-99E4-142F-D6FFFC5E1E08}"/>
+              </a:ext>
+            </a:extLst>
+          </p:cNvPr>
+          <p:cNvCxnSpPr>
+            <a:cxnSpLocks/>
+          </p:cNvCxnSpPr>
+          <p:nvPr/>
+        </p:nvCxnSpPr>
+        <p:spPr>
+          <a:xfrm>
+            <a:off x="8875595" y="6226989"/>
+            <a:ext cx="2255735" cy="0"/>
+          </a:xfrm>
+          <a:prstGeom prst="line">
+            <a:avLst/>
+          </a:prstGeom>
+          <a:ln w="38100">
+            <a:solidFill>
+              <a:schemeClr val="tx1"/>
+            </a:solidFill>
+          </a:ln>
+        </p:spPr>
+        <p:style>
+          <a:lnRef idx="1">
+            <a:schemeClr val="accent1"/>
+          </a:lnRef>
+          <a:fillRef idx="0">
+            <a:schemeClr val="accent1"/>
+          </a:fillRef>
+          <a:effectRef idx="0">
+            <a:schemeClr val="accent1"/>
+          </a:effectRef>
+          <a:fontRef idx="minor">
+            <a:schemeClr val="tx1"/>
+          </a:fontRef>
+        </p:style>
+      </p:cxnSp>
+      <p:cxnSp>
+        <p:nvCxnSpPr>
+          <p:cNvPr id="116" name="Straight Connector 115">
+            <a:extLst>
+              <a:ext uri="{FF2B5EF4-FFF2-40B4-BE49-F238E27FC236}">
+                <a16:creationId xmlns:a16="http://schemas.microsoft.com/office/drawing/2014/main" id="{7AF10C4F-A83B-8AEB-3F05-C58C9E7CF964}"/>
+              </a:ext>
+            </a:extLst>
+          </p:cNvPr>
+          <p:cNvCxnSpPr>
+            <a:cxnSpLocks/>
+          </p:cNvCxnSpPr>
+          <p:nvPr/>
+        </p:nvCxnSpPr>
+        <p:spPr>
+          <a:xfrm flipV="1">
+            <a:off x="8875595" y="3988151"/>
+            <a:ext cx="0" cy="2238838"/>
+          </a:xfrm>
+          <a:prstGeom prst="line">
+            <a:avLst/>
+          </a:prstGeom>
+          <a:ln w="38100">
+            <a:solidFill>
+              <a:schemeClr val="tx1"/>
+            </a:solidFill>
+          </a:ln>
+        </p:spPr>
+        <p:style>
+          <a:lnRef idx="1">
+            <a:schemeClr val="accent1"/>
+          </a:lnRef>
+          <a:fillRef idx="0">
+            <a:schemeClr val="accent1"/>
+          </a:fillRef>
+          <a:effectRef idx="0">
+            <a:schemeClr val="accent1"/>
+          </a:effectRef>
+          <a:fontRef idx="minor">
+            <a:schemeClr val="tx1"/>
+          </a:fontRef>
+        </p:style>
+      </p:cxnSp>
+      <p:sp>
+        <p:nvSpPr>
+          <p:cNvPr id="119" name="Rectangle: Rounded Corners 118">
+            <a:extLst>
+              <a:ext uri="{FF2B5EF4-FFF2-40B4-BE49-F238E27FC236}">
+                <a16:creationId xmlns:a16="http://schemas.microsoft.com/office/drawing/2014/main" id="{C8486600-1FFA-B8E9-F1CF-D914BA31A113}"/>
+              </a:ext>
+            </a:extLst>
+          </p:cNvPr>
+          <p:cNvSpPr/>
+          <p:nvPr/>
+        </p:nvSpPr>
+        <p:spPr>
+          <a:xfrm>
+            <a:off x="9010771" y="3912113"/>
+            <a:ext cx="2120559" cy="380173"/>
+          </a:xfrm>
+          <a:prstGeom prst="roundRect">
+            <a:avLst/>
+          </a:prstGeom>
+          <a:ln w="38100"/>
+        </p:spPr>
+        <p:style>
+          <a:lnRef idx="2">
+            <a:schemeClr val="accent1">
+              <a:shade val="50000"/>
+            </a:schemeClr>
+          </a:lnRef>
+          <a:fillRef idx="1">
+            <a:schemeClr val="accent1"/>
+          </a:fillRef>
+          <a:effectRef idx="0">
+            <a:schemeClr val="accent1"/>
+          </a:effectRef>
+          <a:fontRef idx="minor">
+            <a:schemeClr val="lt1"/>
+          </a:fontRef>
+        </p:style>
+        <p:txBody>
+          <a:bodyPr rtlCol="1" anchor="ctr"/>
+          <a:lstStyle/>
+          <a:p>
+            <a:pPr algn="ctr"/>
+            <a:r>
+              <a:rPr lang="en-US" sz="2800" dirty="0"/>
+              <a:t>Screen</a:t>
+            </a:r>
+            <a:endParaRPr lang="he-IL" sz="2800" dirty="0"/>
+          </a:p>
+        </p:txBody>
+      </p:sp>
+      <p:sp>
+        <p:nvSpPr>
+          <p:cNvPr id="126" name="TextBox 125">
+            <a:extLst>
+              <a:ext uri="{FF2B5EF4-FFF2-40B4-BE49-F238E27FC236}">
+                <a16:creationId xmlns:a16="http://schemas.microsoft.com/office/drawing/2014/main" id="{1AB2A496-F68B-2106-4D07-62695FD89A4F}"/>
+              </a:ext>
+            </a:extLst>
+          </p:cNvPr>
+          <p:cNvSpPr txBox="1"/>
+          <p:nvPr/>
+        </p:nvSpPr>
+        <p:spPr>
+          <a:xfrm>
+            <a:off x="933562" y="6243499"/>
+            <a:ext cx="1229032" cy="584775"/>
+          </a:xfrm>
+          <a:prstGeom prst="rect">
+            <a:avLst/>
+          </a:prstGeom>
+          <a:noFill/>
+        </p:spPr>
+        <p:txBody>
+          <a:bodyPr wrap="square" rtlCol="1">
+            <a:spAutoFit/>
+          </a:bodyPr>
+          <a:lstStyle/>
+          <a:p>
+            <a:pPr algn="ctr"/>
+            <a:r>
+              <a:rPr lang="en-US" sz="1600" dirty="0"/>
+              <a:t>Lowest X value</a:t>
+            </a:r>
+            <a:endParaRPr lang="he-IL" sz="1600" dirty="0"/>
+          </a:p>
+        </p:txBody>
+      </p:sp>
+      <p:sp>
+        <p:nvSpPr>
+          <p:cNvPr id="17" name="Minus Sign 16">
+            <a:extLst>
+              <a:ext uri="{FF2B5EF4-FFF2-40B4-BE49-F238E27FC236}">
+                <a16:creationId xmlns:a16="http://schemas.microsoft.com/office/drawing/2014/main" id="{4B215861-BCB2-1B9E-AAB9-F5C9E89ED115}"/>
+              </a:ext>
+            </a:extLst>
+          </p:cNvPr>
+          <p:cNvSpPr/>
+          <p:nvPr/>
+        </p:nvSpPr>
+        <p:spPr>
+          <a:xfrm>
+            <a:off x="3560228" y="4976343"/>
+            <a:ext cx="482163" cy="440614"/>
+          </a:xfrm>
+          <a:prstGeom prst="mathMinus">
+            <a:avLst/>
+          </a:prstGeom>
+          <a:solidFill>
+            <a:schemeClr val="tx1"/>
+          </a:solidFill>
+          <a:ln>
+            <a:solidFill>
+              <a:schemeClr val="tx1"/>
+            </a:solidFill>
+          </a:ln>
+        </p:spPr>
+        <p:style>
+          <a:lnRef idx="2">
+            <a:schemeClr val="accent1">
+              <a:shade val="50000"/>
+            </a:schemeClr>
+          </a:lnRef>
+          <a:fillRef idx="1">
+            <a:schemeClr val="accent1"/>
+          </a:fillRef>
+          <a:effectRef idx="0">
+            <a:schemeClr val="accent1"/>
+          </a:effectRef>
+          <a:fontRef idx="minor">
+            <a:schemeClr val="lt1"/>
+          </a:fontRef>
+        </p:style>
+        <p:txBody>
+          <a:bodyPr rtlCol="1" anchor="ctr"/>
+          <a:lstStyle/>
+          <a:p>
+            <a:pPr algn="ctr"/>
+            <a:endParaRPr lang="he-IL"/>
+          </a:p>
+        </p:txBody>
+      </p:sp>
+      <p:sp>
+        <p:nvSpPr>
+          <p:cNvPr id="19" name="Equals 18">
+            <a:extLst>
+              <a:ext uri="{FF2B5EF4-FFF2-40B4-BE49-F238E27FC236}">
+                <a16:creationId xmlns:a16="http://schemas.microsoft.com/office/drawing/2014/main" id="{A342EF06-F00E-FE94-864F-D310520A1579}"/>
+              </a:ext>
+            </a:extLst>
+          </p:cNvPr>
+          <p:cNvSpPr/>
+          <p:nvPr/>
+        </p:nvSpPr>
+        <p:spPr>
+          <a:xfrm>
+            <a:off x="7532206" y="4915217"/>
+            <a:ext cx="932716" cy="560173"/>
+          </a:xfrm>
+          <a:prstGeom prst="mathEqual">
+            <a:avLst/>
+          </a:prstGeom>
+          <a:solidFill>
+            <a:schemeClr val="tx1"/>
+          </a:solidFill>
+          <a:ln>
+            <a:solidFill>
+              <a:schemeClr val="tx1"/>
+            </a:solidFill>
+          </a:ln>
+        </p:spPr>
+        <p:style>
+          <a:lnRef idx="2">
+            <a:schemeClr val="accent1">
+              <a:shade val="50000"/>
+            </a:schemeClr>
+          </a:lnRef>
+          <a:fillRef idx="1">
+            <a:schemeClr val="accent1"/>
+          </a:fillRef>
+          <a:effectRef idx="0">
+            <a:schemeClr val="accent1"/>
+          </a:effectRef>
+          <a:fontRef idx="minor">
+            <a:schemeClr val="lt1"/>
+          </a:fontRef>
+        </p:style>
+        <p:txBody>
+          <a:bodyPr rtlCol="1" anchor="ctr"/>
+          <a:lstStyle/>
+          <a:p>
+            <a:pPr algn="ctr"/>
+            <a:endParaRPr lang="he-IL">
+              <a:solidFill>
+                <a:schemeClr val="tx1"/>
+              </a:solidFill>
+            </a:endParaRPr>
+          </a:p>
+        </p:txBody>
+      </p:sp>
+      <p:sp>
+        <p:nvSpPr>
+          <p:cNvPr id="149" name="Freeform: Shape 148">
+            <a:extLst>
+              <a:ext uri="{FF2B5EF4-FFF2-40B4-BE49-F238E27FC236}">
+                <a16:creationId xmlns:a16="http://schemas.microsoft.com/office/drawing/2014/main" id="{AABD9573-6B22-DC81-2897-BD187E13E8C6}"/>
+              </a:ext>
+            </a:extLst>
+          </p:cNvPr>
+          <p:cNvSpPr/>
+          <p:nvPr/>
+        </p:nvSpPr>
+        <p:spPr>
+          <a:xfrm>
+            <a:off x="5393627" y="4300151"/>
+            <a:ext cx="601362" cy="1935892"/>
+          </a:xfrm>
+          <a:custGeom>
+            <a:avLst/>
+            <a:gdLst>
+              <a:gd name="connsiteX0" fmla="*/ 0 w 601362"/>
+              <a:gd name="connsiteY0" fmla="*/ 12357 h 1935892"/>
+              <a:gd name="connsiteX1" fmla="*/ 12356 w 601362"/>
+              <a:gd name="connsiteY1" fmla="*/ 1935892 h 1935892"/>
+              <a:gd name="connsiteX2" fmla="*/ 580767 w 601362"/>
+              <a:gd name="connsiteY2" fmla="*/ 1927654 h 1935892"/>
+              <a:gd name="connsiteX3" fmla="*/ 601362 w 601362"/>
+              <a:gd name="connsiteY3" fmla="*/ 1729946 h 1935892"/>
+              <a:gd name="connsiteX4" fmla="*/ 601362 w 601362"/>
+              <a:gd name="connsiteY4" fmla="*/ 1519881 h 1935892"/>
+              <a:gd name="connsiteX5" fmla="*/ 601362 w 601362"/>
+              <a:gd name="connsiteY5" fmla="*/ 1363363 h 1935892"/>
+              <a:gd name="connsiteX6" fmla="*/ 551935 w 601362"/>
+              <a:gd name="connsiteY6" fmla="*/ 1178011 h 1935892"/>
+              <a:gd name="connsiteX7" fmla="*/ 506627 w 601362"/>
+              <a:gd name="connsiteY7" fmla="*/ 939114 h 1935892"/>
+              <a:gd name="connsiteX8" fmla="*/ 469556 w 601362"/>
+              <a:gd name="connsiteY8" fmla="*/ 807308 h 1935892"/>
+              <a:gd name="connsiteX9" fmla="*/ 420129 w 601362"/>
+              <a:gd name="connsiteY9" fmla="*/ 654908 h 1935892"/>
+              <a:gd name="connsiteX10" fmla="*/ 341870 w 601362"/>
+              <a:gd name="connsiteY10" fmla="*/ 481914 h 1935892"/>
+              <a:gd name="connsiteX11" fmla="*/ 275967 w 601362"/>
+              <a:gd name="connsiteY11" fmla="*/ 308919 h 1935892"/>
+              <a:gd name="connsiteX12" fmla="*/ 255373 w 601362"/>
+              <a:gd name="connsiteY12" fmla="*/ 185352 h 1935892"/>
+              <a:gd name="connsiteX13" fmla="*/ 140043 w 601362"/>
+              <a:gd name="connsiteY13" fmla="*/ 61784 h 1935892"/>
+              <a:gd name="connsiteX14" fmla="*/ 70021 w 601362"/>
+              <a:gd name="connsiteY14" fmla="*/ 0 h 1935892"/>
+              <a:gd name="connsiteX15" fmla="*/ 0 w 601362"/>
+              <a:gd name="connsiteY15" fmla="*/ 12357 h 1935892"/>
+            </a:gdLst>
+            <a:ahLst/>
+            <a:cxnLst>
+              <a:cxn ang="0">
+                <a:pos x="connsiteX0" y="connsiteY0"/>
+              </a:cxn>
+              <a:cxn ang="0">
+                <a:pos x="connsiteX1" y="connsiteY1"/>
+              </a:cxn>
+              <a:cxn ang="0">
+                <a:pos x="connsiteX2" y="connsiteY2"/>
+              </a:cxn>
+              <a:cxn ang="0">
+                <a:pos x="connsiteX3" y="connsiteY3"/>
+              </a:cxn>
+              <a:cxn ang="0">
+                <a:pos x="connsiteX4" y="connsiteY4"/>
+              </a:cxn>
+              <a:cxn ang="0">
+                <a:pos x="connsiteX5" y="connsiteY5"/>
+              </a:cxn>
+              <a:cxn ang="0">
+                <a:pos x="connsiteX6" y="connsiteY6"/>
+              </a:cxn>
+              <a:cxn ang="0">
+                <a:pos x="connsiteX7" y="connsiteY7"/>
+              </a:cxn>
+              <a:cxn ang="0">
+                <a:pos x="connsiteX8" y="connsiteY8"/>
+              </a:cxn>
+              <a:cxn ang="0">
+                <a:pos x="connsiteX9" y="connsiteY9"/>
+              </a:cxn>
+              <a:cxn ang="0">
+                <a:pos x="connsiteX10" y="connsiteY10"/>
+              </a:cxn>
+              <a:cxn ang="0">
+                <a:pos x="connsiteX11" y="connsiteY11"/>
+              </a:cxn>
+              <a:cxn ang="0">
+                <a:pos x="connsiteX12" y="connsiteY12"/>
+              </a:cxn>
+              <a:cxn ang="0">
+                <a:pos x="connsiteX13" y="connsiteY13"/>
+              </a:cxn>
+              <a:cxn ang="0">
+                <a:pos x="connsiteX14" y="connsiteY14"/>
+              </a:cxn>
+              <a:cxn ang="0">
+                <a:pos x="connsiteX15" y="connsiteY15"/>
+              </a:cxn>
+            </a:cxnLst>
+            <a:rect l="l" t="t" r="r" b="b"/>
+            <a:pathLst>
+              <a:path w="601362" h="1935892">
+                <a:moveTo>
+                  <a:pt x="0" y="12357"/>
+                </a:moveTo>
+                <a:cubicBezTo>
+                  <a:pt x="4119" y="653535"/>
+                  <a:pt x="8237" y="1294714"/>
+                  <a:pt x="12356" y="1935892"/>
+                </a:cubicBezTo>
+                <a:lnTo>
+                  <a:pt x="580767" y="1927654"/>
+                </a:lnTo>
+                <a:lnTo>
+                  <a:pt x="601362" y="1729946"/>
+                </a:lnTo>
+                <a:lnTo>
+                  <a:pt x="601362" y="1519881"/>
+                </a:lnTo>
+                <a:lnTo>
+                  <a:pt x="601362" y="1363363"/>
+                </a:lnTo>
+                <a:lnTo>
+                  <a:pt x="551935" y="1178011"/>
+                </a:lnTo>
+                <a:lnTo>
+                  <a:pt x="506627" y="939114"/>
+                </a:lnTo>
+                <a:lnTo>
+                  <a:pt x="469556" y="807308"/>
+                </a:lnTo>
+                <a:lnTo>
+                  <a:pt x="420129" y="654908"/>
+                </a:lnTo>
+                <a:lnTo>
+                  <a:pt x="341870" y="481914"/>
+                </a:lnTo>
+                <a:lnTo>
+                  <a:pt x="275967" y="308919"/>
+                </a:lnTo>
+                <a:lnTo>
+                  <a:pt x="255373" y="185352"/>
+                </a:lnTo>
+                <a:lnTo>
+                  <a:pt x="140043" y="61784"/>
+                </a:lnTo>
+                <a:lnTo>
+                  <a:pt x="70021" y="0"/>
+                </a:lnTo>
+                <a:lnTo>
+                  <a:pt x="0" y="12357"/>
+                </a:lnTo>
+                <a:close/>
+              </a:path>
+            </a:pathLst>
+          </a:custGeom>
+          <a:solidFill>
+            <a:srgbClr val="E65E5E"/>
+          </a:solidFill>
+          <a:ln>
+            <a:noFill/>
+          </a:ln>
+        </p:spPr>
+        <p:style>
+          <a:lnRef idx="2">
+            <a:schemeClr val="accent1">
+              <a:shade val="50000"/>
+            </a:schemeClr>
+          </a:lnRef>
+          <a:fillRef idx="1">
+            <a:schemeClr val="accent1"/>
+          </a:fillRef>
+          <a:effectRef idx="0">
+            <a:schemeClr val="accent1"/>
+          </a:effectRef>
+          <a:fontRef idx="minor">
+            <a:schemeClr val="lt1"/>
+          </a:fontRef>
+        </p:style>
+        <p:txBody>
+          <a:bodyPr rtlCol="1" anchor="ctr"/>
+          <a:lstStyle/>
+          <a:p>
+            <a:pPr algn="ctr"/>
+            <a:endParaRPr lang="he-IL"/>
+          </a:p>
+        </p:txBody>
+      </p:sp>
+      <p:cxnSp>
+        <p:nvCxnSpPr>
+          <p:cNvPr id="150" name="Straight Connector 149">
+            <a:extLst>
+              <a:ext uri="{FF2B5EF4-FFF2-40B4-BE49-F238E27FC236}">
+                <a16:creationId xmlns:a16="http://schemas.microsoft.com/office/drawing/2014/main" id="{D258DA05-0D27-8F00-025A-5B660B4747FD}"/>
+              </a:ext>
+            </a:extLst>
+          </p:cNvPr>
+          <p:cNvCxnSpPr>
+            <a:cxnSpLocks/>
+          </p:cNvCxnSpPr>
+          <p:nvPr/>
+        </p:nvCxnSpPr>
+        <p:spPr>
+          <a:xfrm>
+            <a:off x="4767300" y="6226989"/>
+            <a:ext cx="2255735" cy="0"/>
+          </a:xfrm>
+          <a:prstGeom prst="line">
+            <a:avLst/>
+          </a:prstGeom>
+          <a:ln w="38100">
+            <a:solidFill>
+              <a:schemeClr val="tx1"/>
+            </a:solidFill>
+          </a:ln>
+        </p:spPr>
+        <p:style>
+          <a:lnRef idx="1">
+            <a:schemeClr val="accent1"/>
+          </a:lnRef>
+          <a:fillRef idx="0">
+            <a:schemeClr val="accent1"/>
+          </a:fillRef>
+          <a:effectRef idx="0">
+            <a:schemeClr val="accent1"/>
+          </a:effectRef>
+          <a:fontRef idx="minor">
+            <a:schemeClr val="tx1"/>
+          </a:fontRef>
+        </p:style>
+      </p:cxnSp>
+      <p:cxnSp>
+        <p:nvCxnSpPr>
+          <p:cNvPr id="151" name="Straight Connector 150">
+            <a:extLst>
+              <a:ext uri="{FF2B5EF4-FFF2-40B4-BE49-F238E27FC236}">
+                <a16:creationId xmlns:a16="http://schemas.microsoft.com/office/drawing/2014/main" id="{9EE8235E-10CD-C6E8-DD6B-2D6E0E5E9BE4}"/>
+              </a:ext>
+            </a:extLst>
+          </p:cNvPr>
+          <p:cNvCxnSpPr>
+            <a:cxnSpLocks/>
+          </p:cNvCxnSpPr>
+          <p:nvPr/>
+        </p:nvCxnSpPr>
+        <p:spPr>
+          <a:xfrm flipV="1">
+            <a:off x="4767300" y="3988151"/>
+            <a:ext cx="0" cy="2238838"/>
+          </a:xfrm>
+          <a:prstGeom prst="line">
+            <a:avLst/>
+          </a:prstGeom>
+          <a:ln w="38100">
+            <a:solidFill>
+              <a:schemeClr val="tx1"/>
+            </a:solidFill>
+          </a:ln>
+        </p:spPr>
+        <p:style>
+          <a:lnRef idx="1">
+            <a:schemeClr val="accent1"/>
+          </a:lnRef>
+          <a:fillRef idx="0">
+            <a:schemeClr val="accent1"/>
+          </a:fillRef>
+          <a:effectRef idx="0">
+            <a:schemeClr val="accent1"/>
+          </a:effectRef>
+          <a:fontRef idx="minor">
+            <a:schemeClr val="tx1"/>
+          </a:fontRef>
+        </p:style>
+      </p:cxnSp>
+      <p:sp>
+        <p:nvSpPr>
+          <p:cNvPr id="152" name="Freeform: Shape 151">
+            <a:extLst>
+              <a:ext uri="{FF2B5EF4-FFF2-40B4-BE49-F238E27FC236}">
+                <a16:creationId xmlns:a16="http://schemas.microsoft.com/office/drawing/2014/main" id="{5344A86B-0F76-F0DE-3D67-36E34D63D672}"/>
+              </a:ext>
+            </a:extLst>
+          </p:cNvPr>
+          <p:cNvSpPr/>
+          <p:nvPr/>
+        </p:nvSpPr>
+        <p:spPr>
+          <a:xfrm>
+            <a:off x="5433573" y="4287822"/>
+            <a:ext cx="562760" cy="1918501"/>
+          </a:xfrm>
+          <a:custGeom>
+            <a:avLst/>
+            <a:gdLst>
+              <a:gd name="connsiteX0" fmla="*/ 558800 w 558800"/>
+              <a:gd name="connsiteY0" fmla="*/ 1905000 h 1905000"/>
+              <a:gd name="connsiteX1" fmla="*/ 554567 w 558800"/>
+              <a:gd name="connsiteY1" fmla="*/ 1418167 h 1905000"/>
+              <a:gd name="connsiteX2" fmla="*/ 541867 w 558800"/>
+              <a:gd name="connsiteY2" fmla="*/ 1308100 h 1905000"/>
+              <a:gd name="connsiteX3" fmla="*/ 537633 w 558800"/>
+              <a:gd name="connsiteY3" fmla="*/ 1270000 h 1905000"/>
+              <a:gd name="connsiteX4" fmla="*/ 524933 w 558800"/>
+              <a:gd name="connsiteY4" fmla="*/ 1236133 h 1905000"/>
+              <a:gd name="connsiteX5" fmla="*/ 508000 w 558800"/>
+              <a:gd name="connsiteY5" fmla="*/ 1100667 h 1905000"/>
+              <a:gd name="connsiteX6" fmla="*/ 503767 w 558800"/>
+              <a:gd name="connsiteY6" fmla="*/ 1058333 h 1905000"/>
+              <a:gd name="connsiteX7" fmla="*/ 491067 w 558800"/>
+              <a:gd name="connsiteY7" fmla="*/ 999067 h 1905000"/>
+              <a:gd name="connsiteX8" fmla="*/ 482600 w 558800"/>
+              <a:gd name="connsiteY8" fmla="*/ 969433 h 1905000"/>
+              <a:gd name="connsiteX9" fmla="*/ 461433 w 558800"/>
+              <a:gd name="connsiteY9" fmla="*/ 905933 h 1905000"/>
+              <a:gd name="connsiteX10" fmla="*/ 452967 w 558800"/>
+              <a:gd name="connsiteY10" fmla="*/ 872067 h 1905000"/>
+              <a:gd name="connsiteX11" fmla="*/ 444500 w 558800"/>
+              <a:gd name="connsiteY11" fmla="*/ 842433 h 1905000"/>
+              <a:gd name="connsiteX12" fmla="*/ 427567 w 558800"/>
+              <a:gd name="connsiteY12" fmla="*/ 778933 h 1905000"/>
+              <a:gd name="connsiteX13" fmla="*/ 385233 w 558800"/>
+              <a:gd name="connsiteY13" fmla="*/ 681567 h 1905000"/>
+              <a:gd name="connsiteX14" fmla="*/ 364067 w 558800"/>
+              <a:gd name="connsiteY14" fmla="*/ 626533 h 1905000"/>
+              <a:gd name="connsiteX15" fmla="*/ 359833 w 558800"/>
+              <a:gd name="connsiteY15" fmla="*/ 596900 h 1905000"/>
+              <a:gd name="connsiteX16" fmla="*/ 330200 w 558800"/>
+              <a:gd name="connsiteY16" fmla="*/ 537633 h 1905000"/>
+              <a:gd name="connsiteX17" fmla="*/ 313267 w 558800"/>
+              <a:gd name="connsiteY17" fmla="*/ 499533 h 1905000"/>
+              <a:gd name="connsiteX18" fmla="*/ 296333 w 558800"/>
+              <a:gd name="connsiteY18" fmla="*/ 444500 h 1905000"/>
+              <a:gd name="connsiteX19" fmla="*/ 266700 w 558800"/>
+              <a:gd name="connsiteY19" fmla="*/ 359833 h 1905000"/>
+              <a:gd name="connsiteX20" fmla="*/ 249767 w 558800"/>
+              <a:gd name="connsiteY20" fmla="*/ 296333 h 1905000"/>
+              <a:gd name="connsiteX21" fmla="*/ 241300 w 558800"/>
+              <a:gd name="connsiteY21" fmla="*/ 270933 h 1905000"/>
+              <a:gd name="connsiteX22" fmla="*/ 211667 w 558800"/>
+              <a:gd name="connsiteY22" fmla="*/ 228600 h 1905000"/>
+              <a:gd name="connsiteX23" fmla="*/ 143933 w 558800"/>
+              <a:gd name="connsiteY23" fmla="*/ 127000 h 1905000"/>
+              <a:gd name="connsiteX24" fmla="*/ 97367 w 558800"/>
+              <a:gd name="connsiteY24" fmla="*/ 80433 h 1905000"/>
+              <a:gd name="connsiteX25" fmla="*/ 80433 w 558800"/>
+              <a:gd name="connsiteY25" fmla="*/ 67733 h 1905000"/>
+              <a:gd name="connsiteX26" fmla="*/ 50800 w 558800"/>
+              <a:gd name="connsiteY26" fmla="*/ 42333 h 1905000"/>
+              <a:gd name="connsiteX27" fmla="*/ 42333 w 558800"/>
+              <a:gd name="connsiteY27" fmla="*/ 29633 h 1905000"/>
+              <a:gd name="connsiteX28" fmla="*/ 0 w 558800"/>
+              <a:gd name="connsiteY28" fmla="*/ 0 h 1905000"/>
+            </a:gdLst>
+            <a:ahLst/>
+            <a:cxnLst>
+              <a:cxn ang="0">
+                <a:pos x="connsiteX0" y="connsiteY0"/>
+              </a:cxn>
+              <a:cxn ang="0">
+                <a:pos x="connsiteX1" y="connsiteY1"/>
+              </a:cxn>
+              <a:cxn ang="0">
+                <a:pos x="connsiteX2" y="connsiteY2"/>
+              </a:cxn>
+              <a:cxn ang="0">
+                <a:pos x="connsiteX3" y="connsiteY3"/>
+              </a:cxn>
+              <a:cxn ang="0">
+                <a:pos x="connsiteX4" y="connsiteY4"/>
+              </a:cxn>
+              <a:cxn ang="0">
+                <a:pos x="connsiteX5" y="connsiteY5"/>
+              </a:cxn>
+              <a:cxn ang="0">
+                <a:pos x="connsiteX6" y="connsiteY6"/>
+              </a:cxn>
+              <a:cxn ang="0">
+                <a:pos x="connsiteX7" y="connsiteY7"/>
+              </a:cxn>
+              <a:cxn ang="0">
+                <a:pos x="connsiteX8" y="connsiteY8"/>
+              </a:cxn>
+              <a:cxn ang="0">
+                <a:pos x="connsiteX9" y="connsiteY9"/>
+              </a:cxn>
+              <a:cxn ang="0">
+                <a:pos x="connsiteX10" y="connsiteY10"/>
+              </a:cxn>
+              <a:cxn ang="0">
+                <a:pos x="connsiteX11" y="connsiteY11"/>
+              </a:cxn>
+              <a:cxn ang="0">
+                <a:pos x="connsiteX12" y="connsiteY12"/>
+              </a:cxn>
+              <a:cxn ang="0">
+                <a:pos x="connsiteX13" y="connsiteY13"/>
+              </a:cxn>
+              <a:cxn ang="0">
+                <a:pos x="connsiteX14" y="connsiteY14"/>
+              </a:cxn>
+              <a:cxn ang="0">
+                <a:pos x="connsiteX15" y="connsiteY15"/>
+              </a:cxn>
+              <a:cxn ang="0">
+                <a:pos x="connsiteX16" y="connsiteY16"/>
+              </a:cxn>
+              <a:cxn ang="0">
+                <a:pos x="connsiteX17" y="connsiteY17"/>
+              </a:cxn>
+              <a:cxn ang="0">
+                <a:pos x="connsiteX18" y="connsiteY18"/>
+              </a:cxn>
+              <a:cxn ang="0">
+                <a:pos x="connsiteX19" y="connsiteY19"/>
+              </a:cxn>
+              <a:cxn ang="0">
+                <a:pos x="connsiteX20" y="connsiteY20"/>
+              </a:cxn>
+              <a:cxn ang="0">
+                <a:pos x="connsiteX21" y="connsiteY21"/>
+              </a:cxn>
+              <a:cxn ang="0">
+                <a:pos x="connsiteX22" y="connsiteY22"/>
+              </a:cxn>
+              <a:cxn ang="0">
+                <a:pos x="connsiteX23" y="connsiteY23"/>
+              </a:cxn>
+              <a:cxn ang="0">
+                <a:pos x="connsiteX24" y="connsiteY24"/>
+              </a:cxn>
+              <a:cxn ang="0">
+                <a:pos x="connsiteX25" y="connsiteY25"/>
+              </a:cxn>
+              <a:cxn ang="0">
+                <a:pos x="connsiteX26" y="connsiteY26"/>
+              </a:cxn>
+              <a:cxn ang="0">
+                <a:pos x="connsiteX27" y="connsiteY27"/>
+              </a:cxn>
+              <a:cxn ang="0">
+                <a:pos x="connsiteX28" y="connsiteY28"/>
+              </a:cxn>
+            </a:cxnLst>
+            <a:rect l="l" t="t" r="r" b="b"/>
+            <a:pathLst>
+              <a:path w="558800" h="1905000">
+                <a:moveTo>
+                  <a:pt x="558800" y="1905000"/>
+                </a:moveTo>
+                <a:cubicBezTo>
+                  <a:pt x="557389" y="1742722"/>
+                  <a:pt x="558172" y="1580411"/>
+                  <a:pt x="554567" y="1418167"/>
+                </a:cubicBezTo>
+                <a:cubicBezTo>
+                  <a:pt x="552770" y="1337322"/>
+                  <a:pt x="548485" y="1357736"/>
+                  <a:pt x="541867" y="1308100"/>
+                </a:cubicBezTo>
+                <a:cubicBezTo>
+                  <a:pt x="540178" y="1295434"/>
+                  <a:pt x="540560" y="1282438"/>
+                  <a:pt x="537633" y="1270000"/>
+                </a:cubicBezTo>
+                <a:cubicBezTo>
+                  <a:pt x="534871" y="1258264"/>
+                  <a:pt x="529166" y="1247422"/>
+                  <a:pt x="524933" y="1236133"/>
+                </a:cubicBezTo>
+                <a:cubicBezTo>
+                  <a:pt x="515648" y="1120060"/>
+                  <a:pt x="526190" y="1164329"/>
+                  <a:pt x="508000" y="1100667"/>
+                </a:cubicBezTo>
+                <a:cubicBezTo>
+                  <a:pt x="506589" y="1086556"/>
+                  <a:pt x="505526" y="1072405"/>
+                  <a:pt x="503767" y="1058333"/>
+                </a:cubicBezTo>
+                <a:cubicBezTo>
+                  <a:pt x="500972" y="1035972"/>
+                  <a:pt x="497071" y="1021581"/>
+                  <a:pt x="491067" y="999067"/>
+                </a:cubicBezTo>
+                <a:cubicBezTo>
+                  <a:pt x="488420" y="989141"/>
+                  <a:pt x="485849" y="979179"/>
+                  <a:pt x="482600" y="969433"/>
+                </a:cubicBezTo>
+                <a:cubicBezTo>
+                  <a:pt x="463656" y="912601"/>
+                  <a:pt x="475459" y="958532"/>
+                  <a:pt x="461433" y="905933"/>
+                </a:cubicBezTo>
+                <a:cubicBezTo>
+                  <a:pt x="458435" y="894690"/>
+                  <a:pt x="455965" y="883310"/>
+                  <a:pt x="452967" y="872067"/>
+                </a:cubicBezTo>
+                <a:cubicBezTo>
+                  <a:pt x="450320" y="862141"/>
+                  <a:pt x="447147" y="852359"/>
+                  <a:pt x="444500" y="842433"/>
+                </a:cubicBezTo>
+                <a:cubicBezTo>
+                  <a:pt x="441923" y="832769"/>
+                  <a:pt x="431830" y="789590"/>
+                  <a:pt x="427567" y="778933"/>
+                </a:cubicBezTo>
+                <a:cubicBezTo>
+                  <a:pt x="414423" y="746074"/>
+                  <a:pt x="394955" y="715596"/>
+                  <a:pt x="385233" y="681567"/>
+                </a:cubicBezTo>
+                <a:cubicBezTo>
+                  <a:pt x="374167" y="642831"/>
+                  <a:pt x="381361" y="661122"/>
+                  <a:pt x="364067" y="626533"/>
+                </a:cubicBezTo>
+                <a:cubicBezTo>
+                  <a:pt x="362656" y="616655"/>
+                  <a:pt x="362574" y="606494"/>
+                  <a:pt x="359833" y="596900"/>
+                </a:cubicBezTo>
+                <a:cubicBezTo>
+                  <a:pt x="352510" y="571270"/>
+                  <a:pt x="342028" y="561290"/>
+                  <a:pt x="330200" y="537633"/>
+                </a:cubicBezTo>
+                <a:cubicBezTo>
+                  <a:pt x="323985" y="525202"/>
+                  <a:pt x="318017" y="512594"/>
+                  <a:pt x="313267" y="499533"/>
+                </a:cubicBezTo>
+                <a:cubicBezTo>
+                  <a:pt x="306708" y="481495"/>
+                  <a:pt x="302638" y="462628"/>
+                  <a:pt x="296333" y="444500"/>
+                </a:cubicBezTo>
+                <a:cubicBezTo>
+                  <a:pt x="268815" y="365388"/>
+                  <a:pt x="288724" y="439116"/>
+                  <a:pt x="266700" y="359833"/>
+                </a:cubicBezTo>
+                <a:cubicBezTo>
+                  <a:pt x="252666" y="309312"/>
+                  <a:pt x="264144" y="343061"/>
+                  <a:pt x="249767" y="296333"/>
+                </a:cubicBezTo>
+                <a:cubicBezTo>
+                  <a:pt x="247142" y="287803"/>
+                  <a:pt x="244993" y="279058"/>
+                  <a:pt x="241300" y="270933"/>
+                </a:cubicBezTo>
+                <a:cubicBezTo>
+                  <a:pt x="229174" y="244258"/>
+                  <a:pt x="228004" y="253734"/>
+                  <a:pt x="211667" y="228600"/>
+                </a:cubicBezTo>
+                <a:cubicBezTo>
+                  <a:pt x="190703" y="196348"/>
+                  <a:pt x="172157" y="155225"/>
+                  <a:pt x="143933" y="127000"/>
+                </a:cubicBezTo>
+                <a:cubicBezTo>
+                  <a:pt x="128411" y="111478"/>
+                  <a:pt x="114929" y="93604"/>
+                  <a:pt x="97367" y="80433"/>
+                </a:cubicBezTo>
+                <a:cubicBezTo>
+                  <a:pt x="91722" y="76200"/>
+                  <a:pt x="85422" y="72722"/>
+                  <a:pt x="80433" y="67733"/>
+                </a:cubicBezTo>
+                <a:cubicBezTo>
+                  <a:pt x="52954" y="40255"/>
+                  <a:pt x="83876" y="58872"/>
+                  <a:pt x="50800" y="42333"/>
+                </a:cubicBezTo>
+                <a:cubicBezTo>
+                  <a:pt x="47978" y="38100"/>
+                  <a:pt x="45931" y="33231"/>
+                  <a:pt x="42333" y="29633"/>
+                </a:cubicBezTo>
+                <a:cubicBezTo>
+                  <a:pt x="22169" y="9469"/>
+                  <a:pt x="21016" y="10509"/>
+                  <a:pt x="0" y="0"/>
+                </a:cubicBezTo>
+              </a:path>
+            </a:pathLst>
+          </a:custGeom>
+          <a:noFill/>
+          <a:ln w="76200">
+            <a:solidFill>
+              <a:srgbClr val="AE0E1D"/>
+            </a:solidFill>
+          </a:ln>
+        </p:spPr>
+        <p:style>
+          <a:lnRef idx="2">
+            <a:schemeClr val="accent1">
+              <a:shade val="50000"/>
+            </a:schemeClr>
+          </a:lnRef>
+          <a:fillRef idx="1">
+            <a:schemeClr val="accent1"/>
+          </a:fillRef>
+          <a:effectRef idx="0">
+            <a:schemeClr val="accent1"/>
+          </a:effectRef>
+          <a:fontRef idx="minor">
+            <a:schemeClr val="lt1"/>
+          </a:fontRef>
+        </p:style>
+        <p:txBody>
+          <a:bodyPr rtlCol="1" anchor="ctr"/>
+          <a:lstStyle/>
+          <a:p>
+            <a:pPr algn="ctr"/>
+            <a:endParaRPr lang="he-IL" sz="5400"/>
+          </a:p>
+        </p:txBody>
+      </p:sp>
+      <p:sp>
+        <p:nvSpPr>
+          <p:cNvPr id="153" name="Rectangle: Rounded Corners 152">
+            <a:extLst>
+              <a:ext uri="{FF2B5EF4-FFF2-40B4-BE49-F238E27FC236}">
+                <a16:creationId xmlns:a16="http://schemas.microsoft.com/office/drawing/2014/main" id="{7A110A04-A556-22A2-0EDF-D47C5579DE09}"/>
+              </a:ext>
+            </a:extLst>
+          </p:cNvPr>
+          <p:cNvSpPr/>
+          <p:nvPr/>
+        </p:nvSpPr>
+        <p:spPr>
+          <a:xfrm>
+            <a:off x="4902476" y="3912113"/>
+            <a:ext cx="2120558" cy="380173"/>
+          </a:xfrm>
+          <a:prstGeom prst="roundRect">
+            <a:avLst/>
+          </a:prstGeom>
+          <a:ln w="38100"/>
+        </p:spPr>
+        <p:style>
+          <a:lnRef idx="2">
+            <a:schemeClr val="accent1">
+              <a:shade val="50000"/>
+            </a:schemeClr>
+          </a:lnRef>
+          <a:fillRef idx="1">
+            <a:schemeClr val="accent1"/>
+          </a:fillRef>
+          <a:effectRef idx="0">
+            <a:schemeClr val="accent1"/>
+          </a:effectRef>
+          <a:fontRef idx="minor">
+            <a:schemeClr val="lt1"/>
+          </a:fontRef>
+        </p:style>
+        <p:txBody>
+          <a:bodyPr rtlCol="1" anchor="ctr"/>
+          <a:lstStyle/>
+          <a:p>
+            <a:pPr algn="ctr"/>
+            <a:r>
+              <a:rPr lang="en-US" sz="2800" dirty="0"/>
+              <a:t>Screen</a:t>
+            </a:r>
+            <a:endParaRPr lang="he-IL" sz="2800" dirty="0"/>
+          </a:p>
+        </p:txBody>
+      </p:sp>
+      <p:sp>
+        <p:nvSpPr>
+          <p:cNvPr id="154" name="TextBox 153">
+            <a:extLst>
+              <a:ext uri="{FF2B5EF4-FFF2-40B4-BE49-F238E27FC236}">
+                <a16:creationId xmlns:a16="http://schemas.microsoft.com/office/drawing/2014/main" id="{9B724709-0148-ADA9-052C-74AA73F5C668}"/>
+              </a:ext>
+            </a:extLst>
+          </p:cNvPr>
+          <p:cNvSpPr txBox="1"/>
+          <p:nvPr/>
+        </p:nvSpPr>
+        <p:spPr>
+          <a:xfrm>
+            <a:off x="5260108" y="4974997"/>
+            <a:ext cx="817038" cy="830997"/>
+          </a:xfrm>
+          <a:prstGeom prst="rect">
+            <a:avLst/>
+          </a:prstGeom>
+          <a:noFill/>
+        </p:spPr>
+        <p:txBody>
+          <a:bodyPr wrap="square" rtlCol="1">
+            <a:spAutoFit/>
+          </a:bodyPr>
+          <a:lstStyle/>
+          <a:p>
+            <a:pPr algn="ctr"/>
+            <a:r>
+              <a:rPr lang="en-US" sz="1600" dirty="0">
+                <a:solidFill>
+                  <a:schemeClr val="bg1"/>
+                </a:solidFill>
+              </a:rPr>
+              <a:t>Left Path Area</a:t>
+            </a:r>
+          </a:p>
+        </p:txBody>
+      </p:sp>
+      <p:sp>
+        <p:nvSpPr>
+          <p:cNvPr id="155" name="TextBox 154">
+            <a:extLst>
+              <a:ext uri="{FF2B5EF4-FFF2-40B4-BE49-F238E27FC236}">
+                <a16:creationId xmlns:a16="http://schemas.microsoft.com/office/drawing/2014/main" id="{2A354FF9-65ED-10A9-22A7-EA4A81C29C22}"/>
+              </a:ext>
+            </a:extLst>
+          </p:cNvPr>
+          <p:cNvSpPr txBox="1"/>
+          <p:nvPr/>
+        </p:nvSpPr>
+        <p:spPr>
+          <a:xfrm>
+            <a:off x="6020449" y="5935722"/>
+            <a:ext cx="1525344" cy="307777"/>
+          </a:xfrm>
+          <a:prstGeom prst="rect">
+            <a:avLst/>
+          </a:prstGeom>
+          <a:noFill/>
+        </p:spPr>
+        <p:txBody>
+          <a:bodyPr wrap="square" rtlCol="1">
+            <a:spAutoFit/>
+          </a:bodyPr>
+          <a:lstStyle/>
+          <a:p>
+            <a:r>
+              <a:rPr lang="en-US" sz="1400" dirty="0">
+                <a:solidFill>
+                  <a:srgbClr val="AE0E1D"/>
+                </a:solidFill>
+              </a:rPr>
+              <a:t>Average Path Left</a:t>
+            </a:r>
+          </a:p>
+        </p:txBody>
+      </p:sp>
+      <p:sp>
+        <p:nvSpPr>
+          <p:cNvPr id="156" name="TextBox 155">
+            <a:extLst>
+              <a:ext uri="{FF2B5EF4-FFF2-40B4-BE49-F238E27FC236}">
+                <a16:creationId xmlns:a16="http://schemas.microsoft.com/office/drawing/2014/main" id="{BDEC5156-1019-1AC0-5508-11F1E84DA1A7}"/>
+              </a:ext>
+            </a:extLst>
+          </p:cNvPr>
+          <p:cNvSpPr txBox="1"/>
+          <p:nvPr/>
+        </p:nvSpPr>
+        <p:spPr>
+          <a:xfrm>
+            <a:off x="4754201" y="6243499"/>
+            <a:ext cx="1286098" cy="584775"/>
+          </a:xfrm>
+          <a:prstGeom prst="rect">
+            <a:avLst/>
+          </a:prstGeom>
+          <a:noFill/>
+        </p:spPr>
+        <p:txBody>
+          <a:bodyPr wrap="square" rtlCol="1">
+            <a:spAutoFit/>
+          </a:bodyPr>
+          <a:lstStyle/>
+          <a:p>
+            <a:pPr algn="ctr"/>
+            <a:r>
+              <a:rPr lang="en-US" sz="1600" dirty="0"/>
+              <a:t>Lowest X value</a:t>
+            </a:r>
+            <a:endParaRPr lang="he-IL" sz="1600" dirty="0"/>
+          </a:p>
+        </p:txBody>
+      </p:sp>
+      <p:cxnSp>
+        <p:nvCxnSpPr>
+          <p:cNvPr id="157" name="Straight Connector 156">
+            <a:extLst>
+              <a:ext uri="{FF2B5EF4-FFF2-40B4-BE49-F238E27FC236}">
+                <a16:creationId xmlns:a16="http://schemas.microsoft.com/office/drawing/2014/main" id="{2DB04A3D-C558-31EA-55B6-246C24D95817}"/>
+              </a:ext>
+            </a:extLst>
+          </p:cNvPr>
+          <p:cNvCxnSpPr/>
+          <p:nvPr/>
+        </p:nvCxnSpPr>
+        <p:spPr>
+          <a:xfrm flipV="1">
+            <a:off x="5406480" y="4292286"/>
+            <a:ext cx="0" cy="1934703"/>
+          </a:xfrm>
+          <a:prstGeom prst="line">
+            <a:avLst/>
+          </a:prstGeom>
+          <a:ln w="28575">
+            <a:solidFill>
+              <a:schemeClr val="tx1"/>
+            </a:solidFill>
+            <a:prstDash val="sysDash"/>
+          </a:ln>
+        </p:spPr>
+        <p:style>
+          <a:lnRef idx="1">
+            <a:schemeClr val="accent1"/>
+          </a:lnRef>
+          <a:fillRef idx="0">
+            <a:schemeClr val="accent1"/>
+          </a:fillRef>
+          <a:effectRef idx="0">
+            <a:schemeClr val="accent1"/>
+          </a:effectRef>
+          <a:fontRef idx="minor">
+            <a:schemeClr val="tx1"/>
+          </a:fontRef>
+        </p:style>
+      </p:cxnSp>
+    </p:spTree>
+    <p:extLst>
+      <p:ext uri="{BB962C8B-B14F-4D97-AF65-F5344CB8AC3E}">
+        <p14:creationId xmlns:p14="http://schemas.microsoft.com/office/powerpoint/2010/main" val="3900076903"/>
+      </p:ext>
+    </p:extLst>
+  </p:cSld>
+  <p:clrMapOvr>
+    <a:masterClrMapping/>
+  </p:clrMapOvr>
+</p:sld>
+</file>
+
+<file path=ppt/slides/slide5.xml><?xml version="1.0" encoding="utf-8"?>
 <p:sld xmlns:a="http://schemas.openxmlformats.org/drawingml/2006/main" xmlns:r="http://schemas.openxmlformats.org/officeDocument/2006/relationships" xmlns:p="http://schemas.openxmlformats.org/presentationml/2006/main">
   <p:cSld>
     <p:spTree>
@@ -37809,7 +40526,7 @@
 </p:sld>
 </file>
 
-<file path=ppt/slides/slide5.xml><?xml version="1.0" encoding="utf-8"?>
+<file path=ppt/slides/slide6.xml><?xml version="1.0" encoding="utf-8"?>
 <p:sld xmlns:a="http://schemas.openxmlformats.org/drawingml/2006/main" xmlns:r="http://schemas.openxmlformats.org/officeDocument/2006/relationships" xmlns:p="http://schemas.openxmlformats.org/presentationml/2006/main">
   <p:cSld>
     <p:spTree>
@@ -39030,7 +41747,7 @@
 </p:sld>
 </file>
 
-<file path=ppt/slides/slide6.xml><?xml version="1.0" encoding="utf-8"?>
+<file path=ppt/slides/slide7.xml><?xml version="1.0" encoding="utf-8"?>
 <p:sld xmlns:a="http://schemas.openxmlformats.org/drawingml/2006/main" xmlns:r="http://schemas.openxmlformats.org/officeDocument/2006/relationships" xmlns:p="http://schemas.openxmlformats.org/presentationml/2006/main">
   <p:cSld>
     <p:spTree>

--- a/presentation/exp birds eye veiw.pptx
+++ b/presentation/exp birds eye veiw.pptx
@@ -2664,7 +2664,7 @@
           <a:p>
             <a:fld id="{B3DC5803-524A-4535-9048-D4846558C48F}" type="datetimeFigureOut">
               <a:rPr lang="he-IL" smtClean="0"/>
-              <a:t>ט"ו/סיון/תשפ"ב</a:t>
+              <a:t>ט"ז/סיון/תשפ"ב</a:t>
             </a:fld>
             <a:endParaRPr lang="he-IL"/>
           </a:p>
@@ -2864,7 +2864,7 @@
           <a:p>
             <a:fld id="{B3DC5803-524A-4535-9048-D4846558C48F}" type="datetimeFigureOut">
               <a:rPr lang="he-IL" smtClean="0"/>
-              <a:t>ט"ו/סיון/תשפ"ב</a:t>
+              <a:t>ט"ז/סיון/תשפ"ב</a:t>
             </a:fld>
             <a:endParaRPr lang="he-IL"/>
           </a:p>
@@ -3074,7 +3074,7 @@
           <a:p>
             <a:fld id="{B3DC5803-524A-4535-9048-D4846558C48F}" type="datetimeFigureOut">
               <a:rPr lang="he-IL" smtClean="0"/>
-              <a:t>ט"ו/סיון/תשפ"ב</a:t>
+              <a:t>ט"ז/סיון/תשפ"ב</a:t>
             </a:fld>
             <a:endParaRPr lang="he-IL"/>
           </a:p>
@@ -3274,7 +3274,7 @@
           <a:p>
             <a:fld id="{B3DC5803-524A-4535-9048-D4846558C48F}" type="datetimeFigureOut">
               <a:rPr lang="he-IL" smtClean="0"/>
-              <a:t>ט"ו/סיון/תשפ"ב</a:t>
+              <a:t>ט"ז/סיון/תשפ"ב</a:t>
             </a:fld>
             <a:endParaRPr lang="he-IL"/>
           </a:p>
@@ -3550,7 +3550,7 @@
           <a:p>
             <a:fld id="{B3DC5803-524A-4535-9048-D4846558C48F}" type="datetimeFigureOut">
               <a:rPr lang="he-IL" smtClean="0"/>
-              <a:t>ט"ו/סיון/תשפ"ב</a:t>
+              <a:t>ט"ז/סיון/תשפ"ב</a:t>
             </a:fld>
             <a:endParaRPr lang="he-IL"/>
           </a:p>
@@ -3818,7 +3818,7 @@
           <a:p>
             <a:fld id="{B3DC5803-524A-4535-9048-D4846558C48F}" type="datetimeFigureOut">
               <a:rPr lang="he-IL" smtClean="0"/>
-              <a:t>ט"ו/סיון/תשפ"ב</a:t>
+              <a:t>ט"ז/סיון/תשפ"ב</a:t>
             </a:fld>
             <a:endParaRPr lang="he-IL"/>
           </a:p>
@@ -4233,7 +4233,7 @@
           <a:p>
             <a:fld id="{B3DC5803-524A-4535-9048-D4846558C48F}" type="datetimeFigureOut">
               <a:rPr lang="he-IL" smtClean="0"/>
-              <a:t>ט"ו/סיון/תשפ"ב</a:t>
+              <a:t>ט"ז/סיון/תשפ"ב</a:t>
             </a:fld>
             <a:endParaRPr lang="he-IL"/>
           </a:p>
@@ -4375,7 +4375,7 @@
           <a:p>
             <a:fld id="{B3DC5803-524A-4535-9048-D4846558C48F}" type="datetimeFigureOut">
               <a:rPr lang="he-IL" smtClean="0"/>
-              <a:t>ט"ו/סיון/תשפ"ב</a:t>
+              <a:t>ט"ז/סיון/תשפ"ב</a:t>
             </a:fld>
             <a:endParaRPr lang="he-IL"/>
           </a:p>
@@ -4488,7 +4488,7 @@
           <a:p>
             <a:fld id="{B3DC5803-524A-4535-9048-D4846558C48F}" type="datetimeFigureOut">
               <a:rPr lang="he-IL" smtClean="0"/>
-              <a:t>ט"ו/סיון/תשפ"ב</a:t>
+              <a:t>ט"ז/סיון/תשפ"ב</a:t>
             </a:fld>
             <a:endParaRPr lang="he-IL"/>
           </a:p>
@@ -4801,7 +4801,7 @@
           <a:p>
             <a:fld id="{B3DC5803-524A-4535-9048-D4846558C48F}" type="datetimeFigureOut">
               <a:rPr lang="he-IL" smtClean="0"/>
-              <a:t>ט"ו/סיון/תשפ"ב</a:t>
+              <a:t>ט"ז/סיון/תשפ"ב</a:t>
             </a:fld>
             <a:endParaRPr lang="he-IL"/>
           </a:p>
@@ -5090,7 +5090,7 @@
           <a:p>
             <a:fld id="{B3DC5803-524A-4535-9048-D4846558C48F}" type="datetimeFigureOut">
               <a:rPr lang="he-IL" smtClean="0"/>
-              <a:t>ט"ו/סיון/תשפ"ב</a:t>
+              <a:t>ט"ז/סיון/תשפ"ב</a:t>
             </a:fld>
             <a:endParaRPr lang="he-IL"/>
           </a:p>
@@ -5333,7 +5333,7 @@
           <a:p>
             <a:fld id="{B3DC5803-524A-4535-9048-D4846558C48F}" type="datetimeFigureOut">
               <a:rPr lang="he-IL" smtClean="0"/>
-              <a:t>ט"ו/סיון/תשפ"ב</a:t>
+              <a:t>ט"ז/סיון/תשפ"ב</a:t>
             </a:fld>
             <a:endParaRPr lang="he-IL"/>
           </a:p>
@@ -28730,7 +28730,11 @@
           <a:prstGeom prst="line">
             <a:avLst/>
           </a:prstGeom>
-          <a:ln w="38100"/>
+          <a:ln w="38100">
+            <a:solidFill>
+              <a:srgbClr val="7F7F7F"/>
+            </a:solidFill>
+          </a:ln>
         </p:spPr>
         <p:style>
           <a:lnRef idx="1">
@@ -38590,7 +38594,7 @@
         </p:nvSpPr>
         <p:spPr>
           <a:xfrm>
-            <a:off x="5393627" y="4300151"/>
+            <a:off x="5381269" y="4278686"/>
             <a:ext cx="601362" cy="1935892"/>
           </a:xfrm>
           <a:custGeom>
@@ -38738,7 +38742,7 @@
             </a:pathLst>
           </a:custGeom>
           <a:solidFill>
-            <a:srgbClr val="E65E5E"/>
+            <a:srgbClr val="FF9393"/>
           </a:solidFill>
           <a:ln>
             <a:noFill/>
@@ -39386,7 +39390,7 @@
         </p:nvCxnSpPr>
         <p:spPr>
           <a:xfrm flipV="1">
-            <a:off x="5406480" y="4292286"/>
+            <a:off x="5390004" y="4292286"/>
             <a:ext cx="0" cy="1934703"/>
           </a:xfrm>
           <a:prstGeom prst="line">
@@ -41461,7 +41465,7 @@
           <a:noFill/>
           <a:ln w="57150">
             <a:solidFill>
-              <a:srgbClr val="AE0E1D"/>
+              <a:srgbClr val="FF0000"/>
             </a:solidFill>
             <a:headEnd type="none" w="med" len="med"/>
             <a:tailEnd type="triangle" w="med" len="med"/>
@@ -41649,7 +41653,7 @@
           <a:noFill/>
           <a:ln w="57150">
             <a:solidFill>
-              <a:srgbClr val="E71224"/>
+              <a:srgbClr val="FF0000"/>
             </a:solidFill>
             <a:headEnd type="none" w="med" len="med"/>
             <a:tailEnd type="triangle" w="med" len="med"/>
@@ -41677,60 +41681,6 @@
           <a:p>
             <a:pPr algn="ctr"/>
             <a:endParaRPr lang="he-IL"/>
-          </a:p>
-        </p:txBody>
-      </p:sp>
-      <p:sp>
-        <p:nvSpPr>
-          <p:cNvPr id="52" name="TextBox 51">
-            <a:extLst>
-              <a:ext uri="{FF2B5EF4-FFF2-40B4-BE49-F238E27FC236}">
-                <a16:creationId xmlns:a16="http://schemas.microsoft.com/office/drawing/2014/main" id="{D48BF05E-1FA6-9579-084E-4F12B78C74F5}"/>
-              </a:ext>
-            </a:extLst>
-          </p:cNvPr>
-          <p:cNvSpPr txBox="1"/>
-          <p:nvPr/>
-        </p:nvSpPr>
-        <p:spPr>
-          <a:xfrm>
-            <a:off x="4984532" y="4299764"/>
-            <a:ext cx="1170814" cy="523220"/>
-          </a:xfrm>
-          <a:prstGeom prst="rect">
-            <a:avLst/>
-          </a:prstGeom>
-          <a:noFill/>
-        </p:spPr>
-        <p:txBody>
-          <a:bodyPr wrap="square" rtlCol="1">
-            <a:spAutoFit/>
-          </a:bodyPr>
-          <a:lstStyle/>
-          <a:p>
-            <a:r>
-              <a:rPr lang="en-US" sz="1400" dirty="0">
-                <a:solidFill>
-                  <a:srgbClr val="AE0E1D"/>
-                </a:solidFill>
-              </a:rPr>
-              <a:t>Average Left</a:t>
-            </a:r>
-          </a:p>
-          <a:p>
-            <a:r>
-              <a:rPr lang="en-US" sz="1400" dirty="0">
-                <a:solidFill>
-                  <a:srgbClr val="E71224"/>
-                </a:solidFill>
-              </a:rPr>
-              <a:t>Average right</a:t>
-            </a:r>
-            <a:endParaRPr lang="he-IL" sz="1400" dirty="0">
-              <a:solidFill>
-                <a:srgbClr val="E71224"/>
-              </a:solidFill>
-            </a:endParaRPr>
           </a:p>
         </p:txBody>
       </p:sp>

--- a/presentation/exp birds eye veiw.pptx
+++ b/presentation/exp birds eye veiw.pptx
@@ -28917,7 +28917,7 @@
             <a:r>
               <a:rPr lang="en-US" sz="1400" dirty="0">
                 <a:solidFill>
-                  <a:srgbClr val="5B84CB"/>
+                  <a:srgbClr val="7F7F7F"/>
                 </a:solidFill>
               </a:rPr>
               <a:t>Optimal path</a:t>

--- a/presentation/exp birds eye veiw.pptx
+++ b/presentation/exp birds eye veiw.pptx
@@ -2664,7 +2664,7 @@
           <a:p>
             <a:fld id="{B3DC5803-524A-4535-9048-D4846558C48F}" type="datetimeFigureOut">
               <a:rPr lang="he-IL" smtClean="0"/>
-              <a:t>ט"ז/סיון/תשפ"ב</a:t>
+              <a:t>כ"ג/סיון/תשפ"ב</a:t>
             </a:fld>
             <a:endParaRPr lang="he-IL"/>
           </a:p>
@@ -2864,7 +2864,7 @@
           <a:p>
             <a:fld id="{B3DC5803-524A-4535-9048-D4846558C48F}" type="datetimeFigureOut">
               <a:rPr lang="he-IL" smtClean="0"/>
-              <a:t>ט"ז/סיון/תשפ"ב</a:t>
+              <a:t>כ"ג/סיון/תשפ"ב</a:t>
             </a:fld>
             <a:endParaRPr lang="he-IL"/>
           </a:p>
@@ -3074,7 +3074,7 @@
           <a:p>
             <a:fld id="{B3DC5803-524A-4535-9048-D4846558C48F}" type="datetimeFigureOut">
               <a:rPr lang="he-IL" smtClean="0"/>
-              <a:t>ט"ז/סיון/תשפ"ב</a:t>
+              <a:t>כ"ג/סיון/תשפ"ב</a:t>
             </a:fld>
             <a:endParaRPr lang="he-IL"/>
           </a:p>
@@ -3274,7 +3274,7 @@
           <a:p>
             <a:fld id="{B3DC5803-524A-4535-9048-D4846558C48F}" type="datetimeFigureOut">
               <a:rPr lang="he-IL" smtClean="0"/>
-              <a:t>ט"ז/סיון/תשפ"ב</a:t>
+              <a:t>כ"ג/סיון/תשפ"ב</a:t>
             </a:fld>
             <a:endParaRPr lang="he-IL"/>
           </a:p>
@@ -3550,7 +3550,7 @@
           <a:p>
             <a:fld id="{B3DC5803-524A-4535-9048-D4846558C48F}" type="datetimeFigureOut">
               <a:rPr lang="he-IL" smtClean="0"/>
-              <a:t>ט"ז/סיון/תשפ"ב</a:t>
+              <a:t>כ"ג/סיון/תשפ"ב</a:t>
             </a:fld>
             <a:endParaRPr lang="he-IL"/>
           </a:p>
@@ -3818,7 +3818,7 @@
           <a:p>
             <a:fld id="{B3DC5803-524A-4535-9048-D4846558C48F}" type="datetimeFigureOut">
               <a:rPr lang="he-IL" smtClean="0"/>
-              <a:t>ט"ז/סיון/תשפ"ב</a:t>
+              <a:t>כ"ג/סיון/תשפ"ב</a:t>
             </a:fld>
             <a:endParaRPr lang="he-IL"/>
           </a:p>
@@ -4233,7 +4233,7 @@
           <a:p>
             <a:fld id="{B3DC5803-524A-4535-9048-D4846558C48F}" type="datetimeFigureOut">
               <a:rPr lang="he-IL" smtClean="0"/>
-              <a:t>ט"ז/סיון/תשפ"ב</a:t>
+              <a:t>כ"ג/סיון/תשפ"ב</a:t>
             </a:fld>
             <a:endParaRPr lang="he-IL"/>
           </a:p>
@@ -4375,7 +4375,7 @@
           <a:p>
             <a:fld id="{B3DC5803-524A-4535-9048-D4846558C48F}" type="datetimeFigureOut">
               <a:rPr lang="he-IL" smtClean="0"/>
-              <a:t>ט"ז/סיון/תשפ"ב</a:t>
+              <a:t>כ"ג/סיון/תשפ"ב</a:t>
             </a:fld>
             <a:endParaRPr lang="he-IL"/>
           </a:p>
@@ -4488,7 +4488,7 @@
           <a:p>
             <a:fld id="{B3DC5803-524A-4535-9048-D4846558C48F}" type="datetimeFigureOut">
               <a:rPr lang="he-IL" smtClean="0"/>
-              <a:t>ט"ז/סיון/תשפ"ב</a:t>
+              <a:t>כ"ג/סיון/תשפ"ב</a:t>
             </a:fld>
             <a:endParaRPr lang="he-IL"/>
           </a:p>
@@ -4801,7 +4801,7 @@
           <a:p>
             <a:fld id="{B3DC5803-524A-4535-9048-D4846558C48F}" type="datetimeFigureOut">
               <a:rPr lang="he-IL" smtClean="0"/>
-              <a:t>ט"ז/סיון/תשפ"ב</a:t>
+              <a:t>כ"ג/סיון/תשפ"ב</a:t>
             </a:fld>
             <a:endParaRPr lang="he-IL"/>
           </a:p>
@@ -5090,7 +5090,7 @@
           <a:p>
             <a:fld id="{B3DC5803-524A-4535-9048-D4846558C48F}" type="datetimeFigureOut">
               <a:rPr lang="he-IL" smtClean="0"/>
-              <a:t>ט"ז/סיון/תשפ"ב</a:t>
+              <a:t>כ"ג/סיון/תשפ"ב</a:t>
             </a:fld>
             <a:endParaRPr lang="he-IL"/>
           </a:p>
@@ -5333,7 +5333,7 @@
           <a:p>
             <a:fld id="{B3DC5803-524A-4535-9048-D4846558C48F}" type="datetimeFigureOut">
               <a:rPr lang="he-IL" smtClean="0"/>
-              <a:t>ט"ז/סיון/תשפ"ב</a:t>
+              <a:t>כ"ג/סיון/תשפ"ב</a:t>
             </a:fld>
             <a:endParaRPr lang="he-IL"/>
           </a:p>
@@ -36694,6 +36694,204 @@
           <a:chExt cx="0" cy="0"/>
         </a:xfrm>
       </p:grpSpPr>
+      <mc:AlternateContent xmlns:mc="http://schemas.openxmlformats.org/markup-compatibility/2006">
+        <mc:Choice xmlns:a14="http://schemas.microsoft.com/office/drawing/2010/main" Requires="a14">
+          <p:sp>
+            <p:nvSpPr>
+              <p:cNvPr id="66" name="TextBox 65">
+                <a:extLst>
+                  <a:ext uri="{FF2B5EF4-FFF2-40B4-BE49-F238E27FC236}">
+                    <a16:creationId xmlns:a16="http://schemas.microsoft.com/office/drawing/2014/main" id="{B287F90C-6633-C8FB-8EBF-69137A24DA7C}"/>
+                  </a:ext>
+                </a:extLst>
+              </p:cNvPr>
+              <p:cNvSpPr txBox="1"/>
+              <p:nvPr/>
+            </p:nvSpPr>
+            <p:spPr>
+              <a:xfrm>
+                <a:off x="9077069" y="1119328"/>
+                <a:ext cx="294249" cy="307777"/>
+              </a:xfrm>
+              <a:prstGeom prst="rect">
+                <a:avLst/>
+              </a:prstGeom>
+              <a:noFill/>
+            </p:spPr>
+            <p:txBody>
+              <a:bodyPr wrap="square" rtlCol="1">
+                <a:spAutoFit/>
+              </a:bodyPr>
+              <a:lstStyle/>
+              <a:p>
+                <a14:m>
+                  <m:oMathPara xmlns:m="http://schemas.openxmlformats.org/officeDocument/2006/math">
+                    <m:oMathParaPr>
+                      <m:jc m:val="centerGroup"/>
+                    </m:oMathParaPr>
+                    <m:oMath xmlns:m="http://schemas.openxmlformats.org/officeDocument/2006/math">
+                      <m:r>
+                        <a:rPr lang="en-US" sz="1400" i="1" dirty="0" smtClean="0">
+                          <a:solidFill>
+                            <a:sysClr val="windowText" lastClr="000000"/>
+                          </a:solidFill>
+                          <a:latin typeface="Cambria Math" panose="02040503050406030204" pitchFamily="18" charset="0"/>
+                        </a:rPr>
+                        <m:t>𝜃</m:t>
+                      </m:r>
+                    </m:oMath>
+                  </m:oMathPara>
+                </a14:m>
+                <a:endParaRPr lang="he-IL" sz="1400" dirty="0">
+                  <a:solidFill>
+                    <a:sysClr val="windowText" lastClr="000000"/>
+                  </a:solidFill>
+                </a:endParaRPr>
+              </a:p>
+            </p:txBody>
+          </p:sp>
+        </mc:Choice>
+        <mc:Fallback>
+          <p:sp>
+            <p:nvSpPr>
+              <p:cNvPr id="66" name="TextBox 65">
+                <a:extLst>
+                  <a:ext uri="{FF2B5EF4-FFF2-40B4-BE49-F238E27FC236}">
+                    <a16:creationId xmlns:a16="http://schemas.microsoft.com/office/drawing/2014/main" id="{B287F90C-6633-C8FB-8EBF-69137A24DA7C}"/>
+                  </a:ext>
+                </a:extLst>
+              </p:cNvPr>
+              <p:cNvSpPr txBox="1">
+                <a:spLocks noRot="1" noChangeAspect="1" noMove="1" noResize="1" noEditPoints="1" noAdjustHandles="1" noChangeArrowheads="1" noChangeShapeType="1" noTextEdit="1"/>
+              </p:cNvSpPr>
+              <p:nvPr/>
+            </p:nvSpPr>
+            <p:spPr>
+              <a:xfrm>
+                <a:off x="9077069" y="1119328"/>
+                <a:ext cx="294249" cy="307777"/>
+              </a:xfrm>
+              <a:prstGeom prst="rect">
+                <a:avLst/>
+              </a:prstGeom>
+              <a:blipFill>
+                <a:blip r:embed="rId2"/>
+                <a:stretch>
+                  <a:fillRect/>
+                </a:stretch>
+              </a:blipFill>
+            </p:spPr>
+            <p:txBody>
+              <a:bodyPr/>
+              <a:lstStyle/>
+              <a:p>
+                <a:r>
+                  <a:rPr lang="he-IL">
+                    <a:noFill/>
+                  </a:rPr>
+                  <a:t> </a:t>
+                </a:r>
+              </a:p>
+            </p:txBody>
+          </p:sp>
+        </mc:Fallback>
+      </mc:AlternateContent>
+      <p:sp>
+        <p:nvSpPr>
+          <p:cNvPr id="9" name="Arc 8">
+            <a:extLst>
+              <a:ext uri="{FF2B5EF4-FFF2-40B4-BE49-F238E27FC236}">
+                <a16:creationId xmlns:a16="http://schemas.microsoft.com/office/drawing/2014/main" id="{48D34146-40C8-5E86-5AE5-DA4994E61C2E}"/>
+              </a:ext>
+            </a:extLst>
+          </p:cNvPr>
+          <p:cNvSpPr/>
+          <p:nvPr/>
+        </p:nvSpPr>
+        <p:spPr>
+          <a:xfrm>
+            <a:off x="9055001" y="1130405"/>
+            <a:ext cx="381184" cy="285625"/>
+          </a:xfrm>
+          <a:prstGeom prst="arc">
+            <a:avLst>
+              <a:gd name="adj1" fmla="val 11045464"/>
+              <a:gd name="adj2" fmla="val 19948074"/>
+            </a:avLst>
+          </a:prstGeom>
+          <a:ln w="28575">
+            <a:solidFill>
+              <a:schemeClr val="tx1"/>
+            </a:solidFill>
+          </a:ln>
+        </p:spPr>
+        <p:style>
+          <a:lnRef idx="1">
+            <a:schemeClr val="accent1"/>
+          </a:lnRef>
+          <a:fillRef idx="0">
+            <a:schemeClr val="accent1"/>
+          </a:fillRef>
+          <a:effectRef idx="0">
+            <a:schemeClr val="accent1"/>
+          </a:effectRef>
+          <a:fontRef idx="minor">
+            <a:schemeClr val="tx1"/>
+          </a:fontRef>
+        </p:style>
+        <p:txBody>
+          <a:bodyPr rtlCol="1" anchor="ctr"/>
+          <a:lstStyle/>
+          <a:p>
+            <a:pPr algn="ctr"/>
+            <a:endParaRPr lang="he-IL"/>
+          </a:p>
+        </p:txBody>
+      </p:sp>
+      <p:cxnSp>
+        <p:nvCxnSpPr>
+          <p:cNvPr id="3" name="Straight Arrow Connector 2">
+            <a:extLst>
+              <a:ext uri="{FF2B5EF4-FFF2-40B4-BE49-F238E27FC236}">
+                <a16:creationId xmlns:a16="http://schemas.microsoft.com/office/drawing/2014/main" id="{0B97AB04-4944-84BF-8795-9D07250C63D3}"/>
+              </a:ext>
+            </a:extLst>
+          </p:cNvPr>
+          <p:cNvCxnSpPr>
+            <a:cxnSpLocks/>
+          </p:cNvCxnSpPr>
+          <p:nvPr/>
+        </p:nvCxnSpPr>
+        <p:spPr>
+          <a:xfrm flipH="1" flipV="1">
+            <a:off x="8942173" y="896685"/>
+            <a:ext cx="469608" cy="1642733"/>
+          </a:xfrm>
+          <a:prstGeom prst="straightConnector1">
+            <a:avLst/>
+          </a:prstGeom>
+          <a:ln w="19050">
+            <a:solidFill>
+              <a:srgbClr val="7F7F7F"/>
+            </a:solidFill>
+            <a:tailEnd type="triangle" w="lg" len="lg"/>
+          </a:ln>
+        </p:spPr>
+        <p:style>
+          <a:lnRef idx="1">
+            <a:schemeClr val="accent1"/>
+          </a:lnRef>
+          <a:fillRef idx="0">
+            <a:schemeClr val="accent1"/>
+          </a:fillRef>
+          <a:effectRef idx="0">
+            <a:schemeClr val="accent1"/>
+          </a:effectRef>
+          <a:fontRef idx="minor">
+            <a:schemeClr val="tx1"/>
+          </a:fontRef>
+        </p:style>
+      </p:cxnSp>
       <p:sp>
         <p:nvSpPr>
           <p:cNvPr id="12" name="Freeform: Shape 11">
@@ -39399,6 +39597,807 @@
           <a:ln w="28575">
             <a:solidFill>
               <a:schemeClr val="tx1"/>
+            </a:solidFill>
+            <a:prstDash val="sysDash"/>
+          </a:ln>
+        </p:spPr>
+        <p:style>
+          <a:lnRef idx="1">
+            <a:schemeClr val="accent1"/>
+          </a:lnRef>
+          <a:fillRef idx="0">
+            <a:schemeClr val="accent1"/>
+          </a:fillRef>
+          <a:effectRef idx="0">
+            <a:schemeClr val="accent1"/>
+          </a:effectRef>
+          <a:fontRef idx="minor">
+            <a:schemeClr val="tx1"/>
+          </a:fontRef>
+        </p:style>
+      </p:cxnSp>
+      <p:cxnSp>
+        <p:nvCxnSpPr>
+          <p:cNvPr id="31" name="Straight Connector 30">
+            <a:extLst>
+              <a:ext uri="{FF2B5EF4-FFF2-40B4-BE49-F238E27FC236}">
+                <a16:creationId xmlns:a16="http://schemas.microsoft.com/office/drawing/2014/main" id="{B062267B-E436-8DA2-DDD4-8232AF76EFF9}"/>
+              </a:ext>
+            </a:extLst>
+          </p:cNvPr>
+          <p:cNvCxnSpPr>
+            <a:cxnSpLocks/>
+          </p:cNvCxnSpPr>
+          <p:nvPr/>
+        </p:nvCxnSpPr>
+        <p:spPr>
+          <a:xfrm>
+            <a:off x="8340820" y="2808718"/>
+            <a:ext cx="2239861" cy="0"/>
+          </a:xfrm>
+          <a:prstGeom prst="line">
+            <a:avLst/>
+          </a:prstGeom>
+          <a:ln w="38100">
+            <a:solidFill>
+              <a:schemeClr val="tx1"/>
+            </a:solidFill>
+          </a:ln>
+        </p:spPr>
+        <p:style>
+          <a:lnRef idx="1">
+            <a:schemeClr val="accent1"/>
+          </a:lnRef>
+          <a:fillRef idx="0">
+            <a:schemeClr val="accent1"/>
+          </a:fillRef>
+          <a:effectRef idx="0">
+            <a:schemeClr val="accent1"/>
+          </a:effectRef>
+          <a:fontRef idx="minor">
+            <a:schemeClr val="tx1"/>
+          </a:fontRef>
+        </p:style>
+      </p:cxnSp>
+      <p:cxnSp>
+        <p:nvCxnSpPr>
+          <p:cNvPr id="32" name="Straight Connector 31">
+            <a:extLst>
+              <a:ext uri="{FF2B5EF4-FFF2-40B4-BE49-F238E27FC236}">
+                <a16:creationId xmlns:a16="http://schemas.microsoft.com/office/drawing/2014/main" id="{C976CED6-390E-EFD1-0ADA-810081749534}"/>
+              </a:ext>
+            </a:extLst>
+          </p:cNvPr>
+          <p:cNvCxnSpPr>
+            <a:cxnSpLocks/>
+          </p:cNvCxnSpPr>
+          <p:nvPr/>
+        </p:nvCxnSpPr>
+        <p:spPr>
+          <a:xfrm flipV="1">
+            <a:off x="8340820" y="585635"/>
+            <a:ext cx="0" cy="2223084"/>
+          </a:xfrm>
+          <a:prstGeom prst="line">
+            <a:avLst/>
+          </a:prstGeom>
+          <a:ln w="38100">
+            <a:solidFill>
+              <a:schemeClr val="tx1"/>
+            </a:solidFill>
+          </a:ln>
+        </p:spPr>
+        <p:style>
+          <a:lnRef idx="1">
+            <a:schemeClr val="accent1"/>
+          </a:lnRef>
+          <a:fillRef idx="0">
+            <a:schemeClr val="accent1"/>
+          </a:fillRef>
+          <a:effectRef idx="0">
+            <a:schemeClr val="accent1"/>
+          </a:effectRef>
+          <a:fontRef idx="minor">
+            <a:schemeClr val="tx1"/>
+          </a:fontRef>
+        </p:style>
+      </p:cxnSp>
+      <p:sp>
+        <p:nvSpPr>
+          <p:cNvPr id="33" name="Rectangle: Rounded Corners 32">
+            <a:extLst>
+              <a:ext uri="{FF2B5EF4-FFF2-40B4-BE49-F238E27FC236}">
+                <a16:creationId xmlns:a16="http://schemas.microsoft.com/office/drawing/2014/main" id="{78A6E9DB-F984-8AFD-7D95-C7489299FB50}"/>
+              </a:ext>
+            </a:extLst>
+          </p:cNvPr>
+          <p:cNvSpPr/>
+          <p:nvPr/>
+        </p:nvSpPr>
+        <p:spPr>
+          <a:xfrm>
+            <a:off x="8475044" y="510134"/>
+            <a:ext cx="2105636" cy="377498"/>
+          </a:xfrm>
+          <a:prstGeom prst="roundRect">
+            <a:avLst/>
+          </a:prstGeom>
+        </p:spPr>
+        <p:style>
+          <a:lnRef idx="2">
+            <a:schemeClr val="accent1">
+              <a:shade val="50000"/>
+            </a:schemeClr>
+          </a:lnRef>
+          <a:fillRef idx="1">
+            <a:schemeClr val="accent1"/>
+          </a:fillRef>
+          <a:effectRef idx="0">
+            <a:schemeClr val="accent1"/>
+          </a:effectRef>
+          <a:fontRef idx="minor">
+            <a:schemeClr val="lt1"/>
+          </a:fontRef>
+        </p:style>
+        <p:txBody>
+          <a:bodyPr rtlCol="1" anchor="ctr"/>
+          <a:lstStyle/>
+          <a:p>
+            <a:pPr algn="ctr"/>
+            <a:r>
+              <a:rPr lang="en-US" dirty="0"/>
+              <a:t>Screen</a:t>
+            </a:r>
+            <a:endParaRPr lang="he-IL" dirty="0"/>
+          </a:p>
+        </p:txBody>
+      </p:sp>
+      <p:sp>
+        <p:nvSpPr>
+          <p:cNvPr id="34" name="Oval 33">
+            <a:extLst>
+              <a:ext uri="{FF2B5EF4-FFF2-40B4-BE49-F238E27FC236}">
+                <a16:creationId xmlns:a16="http://schemas.microsoft.com/office/drawing/2014/main" id="{66D861C9-6876-5A5E-D35B-CBBA3F997972}"/>
+              </a:ext>
+            </a:extLst>
+          </p:cNvPr>
+          <p:cNvSpPr/>
+          <p:nvPr/>
+        </p:nvSpPr>
+        <p:spPr>
+          <a:xfrm>
+            <a:off x="9260702" y="2137161"/>
+            <a:ext cx="91746" cy="80409"/>
+          </a:xfrm>
+          <a:prstGeom prst="ellipse">
+            <a:avLst/>
+          </a:prstGeom>
+          <a:solidFill>
+            <a:schemeClr val="accent6"/>
+          </a:solidFill>
+          <a:ln w="19050">
+            <a:solidFill>
+              <a:schemeClr val="tx1"/>
+            </a:solidFill>
+          </a:ln>
+        </p:spPr>
+        <p:style>
+          <a:lnRef idx="2">
+            <a:schemeClr val="accent1">
+              <a:shade val="50000"/>
+            </a:schemeClr>
+          </a:lnRef>
+          <a:fillRef idx="1">
+            <a:schemeClr val="accent1"/>
+          </a:fillRef>
+          <a:effectRef idx="0">
+            <a:schemeClr val="accent1"/>
+          </a:effectRef>
+          <a:fontRef idx="minor">
+            <a:schemeClr val="lt1"/>
+          </a:fontRef>
+        </p:style>
+        <p:txBody>
+          <a:bodyPr rtlCol="1" anchor="ctr"/>
+          <a:lstStyle/>
+          <a:p>
+            <a:pPr algn="ctr"/>
+            <a:endParaRPr lang="he-IL"/>
+          </a:p>
+        </p:txBody>
+      </p:sp>
+      <p:sp>
+        <p:nvSpPr>
+          <p:cNvPr id="35" name="Oval 34">
+            <a:extLst>
+              <a:ext uri="{FF2B5EF4-FFF2-40B4-BE49-F238E27FC236}">
+                <a16:creationId xmlns:a16="http://schemas.microsoft.com/office/drawing/2014/main" id="{6FEAC56E-2225-E1DA-19E1-06054ECAD4DC}"/>
+              </a:ext>
+            </a:extLst>
+          </p:cNvPr>
+          <p:cNvSpPr/>
+          <p:nvPr/>
+        </p:nvSpPr>
+        <p:spPr>
+          <a:xfrm>
+            <a:off x="9457380" y="2732923"/>
+            <a:ext cx="91746" cy="80409"/>
+          </a:xfrm>
+          <a:prstGeom prst="ellipse">
+            <a:avLst/>
+          </a:prstGeom>
+          <a:solidFill>
+            <a:srgbClr val="C00000"/>
+          </a:solidFill>
+          <a:ln w="19050">
+            <a:solidFill>
+              <a:schemeClr val="tx1"/>
+            </a:solidFill>
+          </a:ln>
+        </p:spPr>
+        <p:style>
+          <a:lnRef idx="2">
+            <a:schemeClr val="accent1">
+              <a:shade val="50000"/>
+            </a:schemeClr>
+          </a:lnRef>
+          <a:fillRef idx="1">
+            <a:schemeClr val="accent1"/>
+          </a:fillRef>
+          <a:effectRef idx="0">
+            <a:schemeClr val="accent1"/>
+          </a:effectRef>
+          <a:fontRef idx="minor">
+            <a:schemeClr val="lt1"/>
+          </a:fontRef>
+        </p:style>
+        <p:txBody>
+          <a:bodyPr rtlCol="1" anchor="ctr"/>
+          <a:lstStyle/>
+          <a:p>
+            <a:pPr algn="ctr"/>
+            <a:endParaRPr lang="he-IL"/>
+          </a:p>
+        </p:txBody>
+      </p:sp>
+      <p:sp>
+        <p:nvSpPr>
+          <p:cNvPr id="36" name="TextBox 35">
+            <a:extLst>
+              <a:ext uri="{FF2B5EF4-FFF2-40B4-BE49-F238E27FC236}">
+                <a16:creationId xmlns:a16="http://schemas.microsoft.com/office/drawing/2014/main" id="{7E9C13E0-0631-1AED-1B48-89FAD640DAAB}"/>
+              </a:ext>
+            </a:extLst>
+          </p:cNvPr>
+          <p:cNvSpPr txBox="1"/>
+          <p:nvPr/>
+        </p:nvSpPr>
+        <p:spPr>
+          <a:xfrm rot="16200000">
+            <a:off x="7320906" y="1381173"/>
+            <a:ext cx="1411850" cy="584775"/>
+          </a:xfrm>
+          <a:prstGeom prst="rect">
+            <a:avLst/>
+          </a:prstGeom>
+          <a:noFill/>
+        </p:spPr>
+        <p:txBody>
+          <a:bodyPr wrap="square" rtlCol="1">
+            <a:spAutoFit/>
+          </a:bodyPr>
+          <a:lstStyle/>
+          <a:p>
+            <a:pPr algn="ctr"/>
+            <a:r>
+              <a:rPr lang="en-US" sz="1600" dirty="0"/>
+              <a:t>Proportion</a:t>
+            </a:r>
+          </a:p>
+          <a:p>
+            <a:pPr algn="ctr"/>
+            <a:r>
+              <a:rPr lang="en-US" sz="1600" dirty="0"/>
+              <a:t>Of Z traveled</a:t>
+            </a:r>
+            <a:endParaRPr lang="he-IL" sz="1600" dirty="0"/>
+          </a:p>
+        </p:txBody>
+      </p:sp>
+      <p:sp>
+        <p:nvSpPr>
+          <p:cNvPr id="37" name="TextBox 36">
+            <a:extLst>
+              <a:ext uri="{FF2B5EF4-FFF2-40B4-BE49-F238E27FC236}">
+                <a16:creationId xmlns:a16="http://schemas.microsoft.com/office/drawing/2014/main" id="{71DF47C3-246A-0A4E-07A0-A3667163C1E2}"/>
+              </a:ext>
+            </a:extLst>
+          </p:cNvPr>
+          <p:cNvSpPr txBox="1"/>
+          <p:nvPr/>
+        </p:nvSpPr>
+        <p:spPr>
+          <a:xfrm>
+            <a:off x="8973479" y="2822601"/>
+            <a:ext cx="1125812" cy="338554"/>
+          </a:xfrm>
+          <a:prstGeom prst="rect">
+            <a:avLst/>
+          </a:prstGeom>
+          <a:noFill/>
+        </p:spPr>
+        <p:txBody>
+          <a:bodyPr wrap="square" rtlCol="1">
+            <a:spAutoFit/>
+          </a:bodyPr>
+          <a:lstStyle/>
+          <a:p>
+            <a:pPr algn="ctr"/>
+            <a:r>
+              <a:rPr lang="en-US" sz="1600" dirty="0"/>
+              <a:t>X</a:t>
+            </a:r>
+            <a:endParaRPr lang="he-IL" sz="1600" dirty="0"/>
+          </a:p>
+        </p:txBody>
+      </p:sp>
+      <p:sp>
+        <p:nvSpPr>
+          <p:cNvPr id="38" name="Oval 37">
+            <a:extLst>
+              <a:ext uri="{FF2B5EF4-FFF2-40B4-BE49-F238E27FC236}">
+                <a16:creationId xmlns:a16="http://schemas.microsoft.com/office/drawing/2014/main" id="{34434FBF-03D2-B5AB-8239-7FC0E6C20CD4}"/>
+              </a:ext>
+            </a:extLst>
+          </p:cNvPr>
+          <p:cNvSpPr/>
+          <p:nvPr/>
+        </p:nvSpPr>
+        <p:spPr>
+          <a:xfrm>
+            <a:off x="9481989" y="1841308"/>
+            <a:ext cx="91746" cy="80409"/>
+          </a:xfrm>
+          <a:prstGeom prst="ellipse">
+            <a:avLst/>
+          </a:prstGeom>
+          <a:solidFill>
+            <a:srgbClr val="C00000"/>
+          </a:solidFill>
+          <a:ln w="19050">
+            <a:solidFill>
+              <a:schemeClr val="tx1"/>
+            </a:solidFill>
+          </a:ln>
+        </p:spPr>
+        <p:style>
+          <a:lnRef idx="2">
+            <a:schemeClr val="accent1">
+              <a:shade val="50000"/>
+            </a:schemeClr>
+          </a:lnRef>
+          <a:fillRef idx="1">
+            <a:schemeClr val="accent1"/>
+          </a:fillRef>
+          <a:effectRef idx="0">
+            <a:schemeClr val="accent1"/>
+          </a:effectRef>
+          <a:fontRef idx="minor">
+            <a:schemeClr val="lt1"/>
+          </a:fontRef>
+        </p:style>
+        <p:txBody>
+          <a:bodyPr rtlCol="1" anchor="ctr"/>
+          <a:lstStyle/>
+          <a:p>
+            <a:pPr algn="ctr"/>
+            <a:endParaRPr lang="he-IL"/>
+          </a:p>
+        </p:txBody>
+      </p:sp>
+      <p:sp>
+        <p:nvSpPr>
+          <p:cNvPr id="39" name="Oval 38">
+            <a:extLst>
+              <a:ext uri="{FF2B5EF4-FFF2-40B4-BE49-F238E27FC236}">
+                <a16:creationId xmlns:a16="http://schemas.microsoft.com/office/drawing/2014/main" id="{FB7EE69C-28CD-21B3-F58B-097CDB83FE0E}"/>
+              </a:ext>
+            </a:extLst>
+          </p:cNvPr>
+          <p:cNvSpPr/>
+          <p:nvPr/>
+        </p:nvSpPr>
+        <p:spPr>
+          <a:xfrm>
+            <a:off x="9360867" y="2485536"/>
+            <a:ext cx="91746" cy="80409"/>
+          </a:xfrm>
+          <a:prstGeom prst="ellipse">
+            <a:avLst/>
+          </a:prstGeom>
+          <a:solidFill>
+            <a:srgbClr val="C00000"/>
+          </a:solidFill>
+          <a:ln w="19050">
+            <a:solidFill>
+              <a:schemeClr val="tx1"/>
+            </a:solidFill>
+          </a:ln>
+        </p:spPr>
+        <p:style>
+          <a:lnRef idx="2">
+            <a:schemeClr val="accent1">
+              <a:shade val="50000"/>
+            </a:schemeClr>
+          </a:lnRef>
+          <a:fillRef idx="1">
+            <a:schemeClr val="accent1"/>
+          </a:fillRef>
+          <a:effectRef idx="0">
+            <a:schemeClr val="accent1"/>
+          </a:effectRef>
+          <a:fontRef idx="minor">
+            <a:schemeClr val="lt1"/>
+          </a:fontRef>
+        </p:style>
+        <p:txBody>
+          <a:bodyPr rtlCol="1" anchor="ctr"/>
+          <a:lstStyle/>
+          <a:p>
+            <a:pPr algn="ctr"/>
+            <a:endParaRPr lang="he-IL"/>
+          </a:p>
+        </p:txBody>
+      </p:sp>
+      <p:sp>
+        <p:nvSpPr>
+          <p:cNvPr id="46" name="Oval 45">
+            <a:extLst>
+              <a:ext uri="{FF2B5EF4-FFF2-40B4-BE49-F238E27FC236}">
+                <a16:creationId xmlns:a16="http://schemas.microsoft.com/office/drawing/2014/main" id="{BD524983-9201-4CE5-3013-6AFA1A34F0C0}"/>
+              </a:ext>
+            </a:extLst>
+          </p:cNvPr>
+          <p:cNvSpPr/>
+          <p:nvPr/>
+        </p:nvSpPr>
+        <p:spPr>
+          <a:xfrm>
+            <a:off x="9790876" y="1660767"/>
+            <a:ext cx="91746" cy="80409"/>
+          </a:xfrm>
+          <a:prstGeom prst="ellipse">
+            <a:avLst/>
+          </a:prstGeom>
+          <a:solidFill>
+            <a:srgbClr val="C00000"/>
+          </a:solidFill>
+          <a:ln w="19050">
+            <a:solidFill>
+              <a:schemeClr val="tx1"/>
+            </a:solidFill>
+          </a:ln>
+        </p:spPr>
+        <p:style>
+          <a:lnRef idx="2">
+            <a:schemeClr val="accent1">
+              <a:shade val="50000"/>
+            </a:schemeClr>
+          </a:lnRef>
+          <a:fillRef idx="1">
+            <a:schemeClr val="accent1"/>
+          </a:fillRef>
+          <a:effectRef idx="0">
+            <a:schemeClr val="accent1"/>
+          </a:effectRef>
+          <a:fontRef idx="minor">
+            <a:schemeClr val="lt1"/>
+          </a:fontRef>
+        </p:style>
+        <p:txBody>
+          <a:bodyPr rtlCol="1" anchor="ctr"/>
+          <a:lstStyle/>
+          <a:p>
+            <a:pPr algn="ctr"/>
+            <a:endParaRPr lang="he-IL"/>
+          </a:p>
+        </p:txBody>
+      </p:sp>
+      <p:sp>
+        <p:nvSpPr>
+          <p:cNvPr id="50" name="Oval 49">
+            <a:extLst>
+              <a:ext uri="{FF2B5EF4-FFF2-40B4-BE49-F238E27FC236}">
+                <a16:creationId xmlns:a16="http://schemas.microsoft.com/office/drawing/2014/main" id="{DDFAEEA7-DA04-42F1-750D-254226A185AC}"/>
+              </a:ext>
+            </a:extLst>
+          </p:cNvPr>
+          <p:cNvSpPr/>
+          <p:nvPr/>
+        </p:nvSpPr>
+        <p:spPr>
+          <a:xfrm>
+            <a:off x="10132060" y="1522391"/>
+            <a:ext cx="91746" cy="80409"/>
+          </a:xfrm>
+          <a:prstGeom prst="ellipse">
+            <a:avLst/>
+          </a:prstGeom>
+          <a:solidFill>
+            <a:srgbClr val="C00000"/>
+          </a:solidFill>
+          <a:ln w="19050">
+            <a:solidFill>
+              <a:schemeClr val="tx1"/>
+            </a:solidFill>
+          </a:ln>
+        </p:spPr>
+        <p:style>
+          <a:lnRef idx="2">
+            <a:schemeClr val="accent1">
+              <a:shade val="50000"/>
+            </a:schemeClr>
+          </a:lnRef>
+          <a:fillRef idx="1">
+            <a:schemeClr val="accent1"/>
+          </a:fillRef>
+          <a:effectRef idx="0">
+            <a:schemeClr val="accent1"/>
+          </a:effectRef>
+          <a:fontRef idx="minor">
+            <a:schemeClr val="lt1"/>
+          </a:fontRef>
+        </p:style>
+        <p:txBody>
+          <a:bodyPr rtlCol="1" anchor="ctr"/>
+          <a:lstStyle/>
+          <a:p>
+            <a:pPr algn="ctr"/>
+            <a:endParaRPr lang="he-IL"/>
+          </a:p>
+        </p:txBody>
+      </p:sp>
+      <p:sp>
+        <p:nvSpPr>
+          <p:cNvPr id="52" name="Oval 51">
+            <a:extLst>
+              <a:ext uri="{FF2B5EF4-FFF2-40B4-BE49-F238E27FC236}">
+                <a16:creationId xmlns:a16="http://schemas.microsoft.com/office/drawing/2014/main" id="{79775C27-8818-6268-EE77-025AFABC1348}"/>
+              </a:ext>
+            </a:extLst>
+          </p:cNvPr>
+          <p:cNvSpPr/>
+          <p:nvPr/>
+        </p:nvSpPr>
+        <p:spPr>
+          <a:xfrm>
+            <a:off x="10343730" y="1215267"/>
+            <a:ext cx="91746" cy="80409"/>
+          </a:xfrm>
+          <a:prstGeom prst="ellipse">
+            <a:avLst/>
+          </a:prstGeom>
+          <a:solidFill>
+            <a:srgbClr val="C00000"/>
+          </a:solidFill>
+          <a:ln w="19050">
+            <a:solidFill>
+              <a:schemeClr val="tx1"/>
+            </a:solidFill>
+          </a:ln>
+        </p:spPr>
+        <p:style>
+          <a:lnRef idx="2">
+            <a:schemeClr val="accent1">
+              <a:shade val="50000"/>
+            </a:schemeClr>
+          </a:lnRef>
+          <a:fillRef idx="1">
+            <a:schemeClr val="accent1"/>
+          </a:fillRef>
+          <a:effectRef idx="0">
+            <a:schemeClr val="accent1"/>
+          </a:effectRef>
+          <a:fontRef idx="minor">
+            <a:schemeClr val="lt1"/>
+          </a:fontRef>
+        </p:style>
+        <p:txBody>
+          <a:bodyPr rtlCol="1" anchor="ctr"/>
+          <a:lstStyle/>
+          <a:p>
+            <a:pPr algn="ctr"/>
+            <a:endParaRPr lang="he-IL"/>
+          </a:p>
+        </p:txBody>
+      </p:sp>
+      <p:sp>
+        <p:nvSpPr>
+          <p:cNvPr id="54" name="Oval 53">
+            <a:extLst>
+              <a:ext uri="{FF2B5EF4-FFF2-40B4-BE49-F238E27FC236}">
+                <a16:creationId xmlns:a16="http://schemas.microsoft.com/office/drawing/2014/main" id="{DA3B64B2-D541-D9CA-712D-5CEF7CCB4738}"/>
+              </a:ext>
+            </a:extLst>
+          </p:cNvPr>
+          <p:cNvSpPr/>
+          <p:nvPr/>
+        </p:nvSpPr>
+        <p:spPr>
+          <a:xfrm>
+            <a:off x="10301239" y="896685"/>
+            <a:ext cx="91746" cy="80409"/>
+          </a:xfrm>
+          <a:prstGeom prst="ellipse">
+            <a:avLst/>
+          </a:prstGeom>
+          <a:solidFill>
+            <a:srgbClr val="C00000"/>
+          </a:solidFill>
+          <a:ln w="19050">
+            <a:solidFill>
+              <a:schemeClr val="tx1"/>
+            </a:solidFill>
+          </a:ln>
+        </p:spPr>
+        <p:style>
+          <a:lnRef idx="2">
+            <a:schemeClr val="accent1">
+              <a:shade val="50000"/>
+            </a:schemeClr>
+          </a:lnRef>
+          <a:fillRef idx="1">
+            <a:schemeClr val="accent1"/>
+          </a:fillRef>
+          <a:effectRef idx="0">
+            <a:schemeClr val="accent1"/>
+          </a:effectRef>
+          <a:fontRef idx="minor">
+            <a:schemeClr val="lt1"/>
+          </a:fontRef>
+        </p:style>
+        <p:txBody>
+          <a:bodyPr rtlCol="1" anchor="ctr"/>
+          <a:lstStyle/>
+          <a:p>
+            <a:pPr algn="ctr"/>
+            <a:endParaRPr lang="he-IL"/>
+          </a:p>
+        </p:txBody>
+      </p:sp>
+      <mc:AlternateContent xmlns:mc="http://schemas.openxmlformats.org/markup-compatibility/2006">
+        <mc:Choice xmlns:a14="http://schemas.microsoft.com/office/drawing/2010/main" Requires="a14">
+          <p:sp>
+            <p:nvSpPr>
+              <p:cNvPr id="56" name="TextBox 55">
+                <a:extLst>
+                  <a:ext uri="{FF2B5EF4-FFF2-40B4-BE49-F238E27FC236}">
+                    <a16:creationId xmlns:a16="http://schemas.microsoft.com/office/drawing/2014/main" id="{1AFC7DB1-2D94-8A22-371D-71306F80E91E}"/>
+                  </a:ext>
+                </a:extLst>
+              </p:cNvPr>
+              <p:cNvSpPr txBox="1"/>
+              <p:nvPr/>
+            </p:nvSpPr>
+            <p:spPr>
+              <a:xfrm>
+                <a:off x="9573735" y="2482590"/>
+                <a:ext cx="1640441" cy="307777"/>
+              </a:xfrm>
+              <a:prstGeom prst="rect">
+                <a:avLst/>
+              </a:prstGeom>
+              <a:noFill/>
+            </p:spPr>
+            <p:txBody>
+              <a:bodyPr wrap="square" rtlCol="1">
+                <a:spAutoFit/>
+              </a:bodyPr>
+              <a:lstStyle/>
+              <a:p>
+                <a14:m>
+                  <m:oMath xmlns:m="http://schemas.openxmlformats.org/officeDocument/2006/math">
+                    <m:r>
+                      <a:rPr lang="en-US" sz="1400" b="0" i="1" dirty="0" smtClean="0">
+                        <a:solidFill>
+                          <a:schemeClr val="tx1"/>
+                        </a:solidFill>
+                        <a:latin typeface="Cambria Math" panose="02040503050406030204" pitchFamily="18" charset="0"/>
+                      </a:rPr>
+                      <m:t>𝜃</m:t>
+                    </m:r>
+                  </m:oMath>
+                </a14:m>
+                <a:r>
+                  <a:rPr lang="en-US" sz="1400" dirty="0">
+                    <a:solidFill>
+                      <a:schemeClr val="tx1"/>
+                    </a:solidFill>
+                  </a:rPr>
+                  <a:t> – Heading angle</a:t>
+                </a:r>
+                <a:endParaRPr lang="he-IL" sz="1400" dirty="0">
+                  <a:solidFill>
+                    <a:schemeClr val="tx1"/>
+                  </a:solidFill>
+                </a:endParaRPr>
+              </a:p>
+            </p:txBody>
+          </p:sp>
+        </mc:Choice>
+        <mc:Fallback>
+          <p:sp>
+            <p:nvSpPr>
+              <p:cNvPr id="56" name="TextBox 55">
+                <a:extLst>
+                  <a:ext uri="{FF2B5EF4-FFF2-40B4-BE49-F238E27FC236}">
+                    <a16:creationId xmlns:a16="http://schemas.microsoft.com/office/drawing/2014/main" id="{1AFC7DB1-2D94-8A22-371D-71306F80E91E}"/>
+                  </a:ext>
+                </a:extLst>
+              </p:cNvPr>
+              <p:cNvSpPr txBox="1">
+                <a:spLocks noRot="1" noChangeAspect="1" noMove="1" noResize="1" noEditPoints="1" noAdjustHandles="1" noChangeArrowheads="1" noChangeShapeType="1" noTextEdit="1"/>
+              </p:cNvSpPr>
+              <p:nvPr/>
+            </p:nvSpPr>
+            <p:spPr>
+              <a:xfrm>
+                <a:off x="9573735" y="2482590"/>
+                <a:ext cx="1640441" cy="307777"/>
+              </a:xfrm>
+              <a:prstGeom prst="rect">
+                <a:avLst/>
+              </a:prstGeom>
+              <a:blipFill>
+                <a:blip r:embed="rId3"/>
+                <a:stretch>
+                  <a:fillRect t="-1961" b="-21569"/>
+                </a:stretch>
+              </a:blipFill>
+            </p:spPr>
+            <p:txBody>
+              <a:bodyPr/>
+              <a:lstStyle/>
+              <a:p>
+                <a:r>
+                  <a:rPr lang="he-IL">
+                    <a:noFill/>
+                  </a:rPr>
+                  <a:t> </a:t>
+                </a:r>
+              </a:p>
+            </p:txBody>
+          </p:sp>
+        </mc:Fallback>
+      </mc:AlternateContent>
+      <p:cxnSp>
+        <p:nvCxnSpPr>
+          <p:cNvPr id="61" name="Straight Connector 60">
+            <a:extLst>
+              <a:ext uri="{FF2B5EF4-FFF2-40B4-BE49-F238E27FC236}">
+                <a16:creationId xmlns:a16="http://schemas.microsoft.com/office/drawing/2014/main" id="{34BBE532-F7A9-35F6-04F1-A20F10F34FDB}"/>
+              </a:ext>
+            </a:extLst>
+          </p:cNvPr>
+          <p:cNvCxnSpPr>
+            <a:cxnSpLocks/>
+            <a:stCxn id="39" idx="0"/>
+          </p:cNvCxnSpPr>
+          <p:nvPr/>
+        </p:nvCxnSpPr>
+        <p:spPr>
+          <a:xfrm flipH="1" flipV="1">
+            <a:off x="9401868" y="901514"/>
+            <a:ext cx="4872" cy="1584022"/>
+          </a:xfrm>
+          <a:prstGeom prst="line">
+            <a:avLst/>
+          </a:prstGeom>
+          <a:ln w="28575">
+            <a:solidFill>
+              <a:schemeClr val="bg1">
+                <a:lumMod val="65000"/>
+              </a:schemeClr>
             </a:solidFill>
             <a:prstDash val="sysDash"/>
           </a:ln>

--- a/presentation/exp birds eye veiw.pptx
+++ b/presentation/exp birds eye veiw.pptx
@@ -2664,7 +2664,7 @@
           <a:p>
             <a:fld id="{B3DC5803-524A-4535-9048-D4846558C48F}" type="datetimeFigureOut">
               <a:rPr lang="he-IL" smtClean="0"/>
-              <a:t>כ"ג/סיון/תשפ"ב</a:t>
+              <a:t>ה'/תמוז/תשפ"ב</a:t>
             </a:fld>
             <a:endParaRPr lang="he-IL"/>
           </a:p>
@@ -2864,7 +2864,7 @@
           <a:p>
             <a:fld id="{B3DC5803-524A-4535-9048-D4846558C48F}" type="datetimeFigureOut">
               <a:rPr lang="he-IL" smtClean="0"/>
-              <a:t>כ"ג/סיון/תשפ"ב</a:t>
+              <a:t>ה'/תמוז/תשפ"ב</a:t>
             </a:fld>
             <a:endParaRPr lang="he-IL"/>
           </a:p>
@@ -3074,7 +3074,7 @@
           <a:p>
             <a:fld id="{B3DC5803-524A-4535-9048-D4846558C48F}" type="datetimeFigureOut">
               <a:rPr lang="he-IL" smtClean="0"/>
-              <a:t>כ"ג/סיון/תשפ"ב</a:t>
+              <a:t>ה'/תמוז/תשפ"ב</a:t>
             </a:fld>
             <a:endParaRPr lang="he-IL"/>
           </a:p>
@@ -3274,7 +3274,7 @@
           <a:p>
             <a:fld id="{B3DC5803-524A-4535-9048-D4846558C48F}" type="datetimeFigureOut">
               <a:rPr lang="he-IL" smtClean="0"/>
-              <a:t>כ"ג/סיון/תשפ"ב</a:t>
+              <a:t>ה'/תמוז/תשפ"ב</a:t>
             </a:fld>
             <a:endParaRPr lang="he-IL"/>
           </a:p>
@@ -3550,7 +3550,7 @@
           <a:p>
             <a:fld id="{B3DC5803-524A-4535-9048-D4846558C48F}" type="datetimeFigureOut">
               <a:rPr lang="he-IL" smtClean="0"/>
-              <a:t>כ"ג/סיון/תשפ"ב</a:t>
+              <a:t>ה'/תמוז/תשפ"ב</a:t>
             </a:fld>
             <a:endParaRPr lang="he-IL"/>
           </a:p>
@@ -3818,7 +3818,7 @@
           <a:p>
             <a:fld id="{B3DC5803-524A-4535-9048-D4846558C48F}" type="datetimeFigureOut">
               <a:rPr lang="he-IL" smtClean="0"/>
-              <a:t>כ"ג/סיון/תשפ"ב</a:t>
+              <a:t>ה'/תמוז/תשפ"ב</a:t>
             </a:fld>
             <a:endParaRPr lang="he-IL"/>
           </a:p>
@@ -4233,7 +4233,7 @@
           <a:p>
             <a:fld id="{B3DC5803-524A-4535-9048-D4846558C48F}" type="datetimeFigureOut">
               <a:rPr lang="he-IL" smtClean="0"/>
-              <a:t>כ"ג/סיון/תשפ"ב</a:t>
+              <a:t>ה'/תמוז/תשפ"ב</a:t>
             </a:fld>
             <a:endParaRPr lang="he-IL"/>
           </a:p>
@@ -4375,7 +4375,7 @@
           <a:p>
             <a:fld id="{B3DC5803-524A-4535-9048-D4846558C48F}" type="datetimeFigureOut">
               <a:rPr lang="he-IL" smtClean="0"/>
-              <a:t>כ"ג/סיון/תשפ"ב</a:t>
+              <a:t>ה'/תמוז/תשפ"ב</a:t>
             </a:fld>
             <a:endParaRPr lang="he-IL"/>
           </a:p>
@@ -4488,7 +4488,7 @@
           <a:p>
             <a:fld id="{B3DC5803-524A-4535-9048-D4846558C48F}" type="datetimeFigureOut">
               <a:rPr lang="he-IL" smtClean="0"/>
-              <a:t>כ"ג/סיון/תשפ"ב</a:t>
+              <a:t>ה'/תמוז/תשפ"ב</a:t>
             </a:fld>
             <a:endParaRPr lang="he-IL"/>
           </a:p>
@@ -4801,7 +4801,7 @@
           <a:p>
             <a:fld id="{B3DC5803-524A-4535-9048-D4846558C48F}" type="datetimeFigureOut">
               <a:rPr lang="he-IL" smtClean="0"/>
-              <a:t>כ"ג/סיון/תשפ"ב</a:t>
+              <a:t>ה'/תמוז/תשפ"ב</a:t>
             </a:fld>
             <a:endParaRPr lang="he-IL"/>
           </a:p>
@@ -5090,7 +5090,7 @@
           <a:p>
             <a:fld id="{B3DC5803-524A-4535-9048-D4846558C48F}" type="datetimeFigureOut">
               <a:rPr lang="he-IL" smtClean="0"/>
-              <a:t>כ"ג/סיון/תשפ"ב</a:t>
+              <a:t>ה'/תמוז/תשפ"ב</a:t>
             </a:fld>
             <a:endParaRPr lang="he-IL"/>
           </a:p>
@@ -5333,7 +5333,7 @@
           <a:p>
             <a:fld id="{B3DC5803-524A-4535-9048-D4846558C48F}" type="datetimeFigureOut">
               <a:rPr lang="he-IL" smtClean="0"/>
-              <a:t>כ"ג/סיון/תשפ"ב</a:t>
+              <a:t>ה'/תמוז/תשפ"ב</a:t>
             </a:fld>
             <a:endParaRPr lang="he-IL"/>
           </a:p>
@@ -36694,8 +36694,8 @@
           <a:chExt cx="0" cy="0"/>
         </a:xfrm>
       </p:grpSpPr>
-      <mc:AlternateContent xmlns:mc="http://schemas.openxmlformats.org/markup-compatibility/2006">
-        <mc:Choice xmlns:a14="http://schemas.microsoft.com/office/drawing/2010/main" Requires="a14">
+      <mc:AlternateContent xmlns:mc="http://schemas.openxmlformats.org/markup-compatibility/2006" xmlns:a14="http://schemas.microsoft.com/office/drawing/2010/main">
+        <mc:Choice Requires="a14">
           <p:sp>
             <p:nvSpPr>
               <p:cNvPr id="66" name="TextBox 65">
@@ -36724,6 +36724,7 @@
               </a:bodyPr>
               <a:lstStyle/>
               <a:p>
+                <a:pPr/>
                 <a14:m>
                   <m:oMathPara xmlns:m="http://schemas.openxmlformats.org/officeDocument/2006/math">
                     <m:oMathParaPr>
@@ -36751,7 +36752,7 @@
             </p:txBody>
           </p:sp>
         </mc:Choice>
-        <mc:Fallback>
+        <mc:Fallback xmlns="">
           <p:sp>
             <p:nvSpPr>
               <p:cNvPr id="66" name="TextBox 65">
@@ -40265,8 +40266,8 @@
           </a:p>
         </p:txBody>
       </p:sp>
-      <mc:AlternateContent xmlns:mc="http://schemas.openxmlformats.org/markup-compatibility/2006">
-        <mc:Choice xmlns:a14="http://schemas.microsoft.com/office/drawing/2010/main" Requires="a14">
+      <mc:AlternateContent xmlns:mc="http://schemas.openxmlformats.org/markup-compatibility/2006" xmlns:a14="http://schemas.microsoft.com/office/drawing/2010/main">
+        <mc:Choice Requires="a14">
           <p:sp>
             <p:nvSpPr>
               <p:cNvPr id="56" name="TextBox 55">
@@ -40325,7 +40326,7 @@
             </p:txBody>
           </p:sp>
         </mc:Choice>
-        <mc:Fallback>
+        <mc:Fallback xmlns="">
           <p:sp>
             <p:nvSpPr>
               <p:cNvPr id="56" name="TextBox 55">
